--- a/ООПp.2.pptx
+++ b/ООПp.2.pptx
@@ -52,14 +52,14 @@
   <p:notesSz cx="6858000" cy="9144000"/>
   <p:embeddedFontLst>
     <p:embeddedFont>
-      <p:font typeface="Consolas" panose="020B0609020204030204" pitchFamily="49" charset="0"/>
+      <p:font typeface="Roboto" charset="0"/>
       <p:regular r:id="rId42"/>
       <p:bold r:id="rId43"/>
       <p:italic r:id="rId44"/>
       <p:boldItalic r:id="rId45"/>
     </p:embeddedFont>
     <p:embeddedFont>
-      <p:font typeface="Roboto" panose="020B0604020202020204" charset="0"/>
+      <p:font typeface="Consolas" pitchFamily="49" charset="0"/>
       <p:regular r:id="rId46"/>
       <p:bold r:id="rId47"/>
       <p:italic r:id="rId48"/>
@@ -297,7 +297,7 @@
   </p:defaultTextStyle>
   <p:extLst>
     <p:ext uri="{EFAFB233-063F-42B5-8137-9DF3F51BA10A}">
-      <p15:sldGuideLst xmlns:p15="http://schemas.microsoft.com/office/powerpoint/2012/main">
+      <p15:sldGuideLst xmlns:p15="http://schemas.microsoft.com/office/powerpoint/2012/main" xmlns="">
         <p15:guide id="1" orient="horz" pos="1620">
           <p15:clr>
             <a:srgbClr val="A4A3A4"/>
@@ -854,7 +854,7 @@
     </p:spTree>
     <p:extLst>
       <p:ext uri="{BB962C8B-B14F-4D97-AF65-F5344CB8AC3E}">
-        <p14:creationId xmlns:p14="http://schemas.microsoft.com/office/powerpoint/2010/main" val="1559280179"/>
+        <p14:creationId xmlns:p14="http://schemas.microsoft.com/office/powerpoint/2010/main" xmlns="" val="1559280179"/>
       </p:ext>
     </p:extLst>
   </p:cSld>
@@ -963,7 +963,7 @@
     </p:spTree>
     <p:extLst>
       <p:ext uri="{BB962C8B-B14F-4D97-AF65-F5344CB8AC3E}">
-        <p14:creationId xmlns:p14="http://schemas.microsoft.com/office/powerpoint/2010/main" val="3372823729"/>
+        <p14:creationId xmlns:p14="http://schemas.microsoft.com/office/powerpoint/2010/main" xmlns="" val="3372823729"/>
       </p:ext>
     </p:extLst>
   </p:cSld>
@@ -1072,7 +1072,7 @@
     </p:spTree>
     <p:extLst>
       <p:ext uri="{BB962C8B-B14F-4D97-AF65-F5344CB8AC3E}">
-        <p14:creationId xmlns:p14="http://schemas.microsoft.com/office/powerpoint/2010/main" val="3372823729"/>
+        <p14:creationId xmlns:p14="http://schemas.microsoft.com/office/powerpoint/2010/main" xmlns="" val="3372823729"/>
       </p:ext>
     </p:extLst>
   </p:cSld>
@@ -1181,7 +1181,7 @@
     </p:spTree>
     <p:extLst>
       <p:ext uri="{BB962C8B-B14F-4D97-AF65-F5344CB8AC3E}">
-        <p14:creationId xmlns:p14="http://schemas.microsoft.com/office/powerpoint/2010/main" val="3372823729"/>
+        <p14:creationId xmlns:p14="http://schemas.microsoft.com/office/powerpoint/2010/main" xmlns="" val="3372823729"/>
       </p:ext>
     </p:extLst>
   </p:cSld>
@@ -1290,7 +1290,7 @@
     </p:spTree>
     <p:extLst>
       <p:ext uri="{BB962C8B-B14F-4D97-AF65-F5344CB8AC3E}">
-        <p14:creationId xmlns:p14="http://schemas.microsoft.com/office/powerpoint/2010/main" val="3372823729"/>
+        <p14:creationId xmlns:p14="http://schemas.microsoft.com/office/powerpoint/2010/main" xmlns="" val="3372823729"/>
       </p:ext>
     </p:extLst>
   </p:cSld>
@@ -1399,7 +1399,7 @@
     </p:spTree>
     <p:extLst>
       <p:ext uri="{BB962C8B-B14F-4D97-AF65-F5344CB8AC3E}">
-        <p14:creationId xmlns:p14="http://schemas.microsoft.com/office/powerpoint/2010/main" val="3020616377"/>
+        <p14:creationId xmlns:p14="http://schemas.microsoft.com/office/powerpoint/2010/main" xmlns="" val="3020616377"/>
       </p:ext>
     </p:extLst>
   </p:cSld>
@@ -1508,7 +1508,7 @@
     </p:spTree>
     <p:extLst>
       <p:ext uri="{BB962C8B-B14F-4D97-AF65-F5344CB8AC3E}">
-        <p14:creationId xmlns:p14="http://schemas.microsoft.com/office/powerpoint/2010/main" val="2087147400"/>
+        <p14:creationId xmlns:p14="http://schemas.microsoft.com/office/powerpoint/2010/main" xmlns="" val="2087147400"/>
       </p:ext>
     </p:extLst>
   </p:cSld>
@@ -1617,7 +1617,7 @@
     </p:spTree>
     <p:extLst>
       <p:ext uri="{BB962C8B-B14F-4D97-AF65-F5344CB8AC3E}">
-        <p14:creationId xmlns:p14="http://schemas.microsoft.com/office/powerpoint/2010/main" val="2087147400"/>
+        <p14:creationId xmlns:p14="http://schemas.microsoft.com/office/powerpoint/2010/main" xmlns="" val="2087147400"/>
       </p:ext>
     </p:extLst>
   </p:cSld>
@@ -1726,7 +1726,7 @@
     </p:spTree>
     <p:extLst>
       <p:ext uri="{BB962C8B-B14F-4D97-AF65-F5344CB8AC3E}">
-        <p14:creationId xmlns:p14="http://schemas.microsoft.com/office/powerpoint/2010/main" val="2087147400"/>
+        <p14:creationId xmlns:p14="http://schemas.microsoft.com/office/powerpoint/2010/main" xmlns="" val="2087147400"/>
       </p:ext>
     </p:extLst>
   </p:cSld>
@@ -1835,7 +1835,7 @@
     </p:spTree>
     <p:extLst>
       <p:ext uri="{BB962C8B-B14F-4D97-AF65-F5344CB8AC3E}">
-        <p14:creationId xmlns:p14="http://schemas.microsoft.com/office/powerpoint/2010/main" val="3020616377"/>
+        <p14:creationId xmlns:p14="http://schemas.microsoft.com/office/powerpoint/2010/main" xmlns="" val="3020616377"/>
       </p:ext>
     </p:extLst>
   </p:cSld>
@@ -1944,7 +1944,7 @@
     </p:spTree>
     <p:extLst>
       <p:ext uri="{BB962C8B-B14F-4D97-AF65-F5344CB8AC3E}">
-        <p14:creationId xmlns:p14="http://schemas.microsoft.com/office/powerpoint/2010/main" val="2459792676"/>
+        <p14:creationId xmlns:p14="http://schemas.microsoft.com/office/powerpoint/2010/main" xmlns="" val="2459792676"/>
       </p:ext>
     </p:extLst>
   </p:cSld>
@@ -2157,7 +2157,7 @@
     </p:spTree>
     <p:extLst>
       <p:ext uri="{BB962C8B-B14F-4D97-AF65-F5344CB8AC3E}">
-        <p14:creationId xmlns:p14="http://schemas.microsoft.com/office/powerpoint/2010/main" val="2459792676"/>
+        <p14:creationId xmlns:p14="http://schemas.microsoft.com/office/powerpoint/2010/main" xmlns="" val="2459792676"/>
       </p:ext>
     </p:extLst>
   </p:cSld>
@@ -2266,7 +2266,7 @@
     </p:spTree>
     <p:extLst>
       <p:ext uri="{BB962C8B-B14F-4D97-AF65-F5344CB8AC3E}">
-        <p14:creationId xmlns:p14="http://schemas.microsoft.com/office/powerpoint/2010/main" val="1094642682"/>
+        <p14:creationId xmlns:p14="http://schemas.microsoft.com/office/powerpoint/2010/main" xmlns="" val="1094642682"/>
       </p:ext>
     </p:extLst>
   </p:cSld>
@@ -2375,7 +2375,7 @@
     </p:spTree>
     <p:extLst>
       <p:ext uri="{BB962C8B-B14F-4D97-AF65-F5344CB8AC3E}">
-        <p14:creationId xmlns:p14="http://schemas.microsoft.com/office/powerpoint/2010/main" val="1581538293"/>
+        <p14:creationId xmlns:p14="http://schemas.microsoft.com/office/powerpoint/2010/main" xmlns="" val="1581538293"/>
       </p:ext>
     </p:extLst>
   </p:cSld>
@@ -2484,7 +2484,7 @@
     </p:spTree>
     <p:extLst>
       <p:ext uri="{BB962C8B-B14F-4D97-AF65-F5344CB8AC3E}">
-        <p14:creationId xmlns:p14="http://schemas.microsoft.com/office/powerpoint/2010/main" val="2177913404"/>
+        <p14:creationId xmlns:p14="http://schemas.microsoft.com/office/powerpoint/2010/main" xmlns="" val="2177913404"/>
       </p:ext>
     </p:extLst>
   </p:cSld>
@@ -2593,7 +2593,7 @@
     </p:spTree>
     <p:extLst>
       <p:ext uri="{BB962C8B-B14F-4D97-AF65-F5344CB8AC3E}">
-        <p14:creationId xmlns:p14="http://schemas.microsoft.com/office/powerpoint/2010/main" val="2177913404"/>
+        <p14:creationId xmlns:p14="http://schemas.microsoft.com/office/powerpoint/2010/main" xmlns="" val="2177913404"/>
       </p:ext>
     </p:extLst>
   </p:cSld>
@@ -2702,7 +2702,7 @@
     </p:spTree>
     <p:extLst>
       <p:ext uri="{BB962C8B-B14F-4D97-AF65-F5344CB8AC3E}">
-        <p14:creationId xmlns:p14="http://schemas.microsoft.com/office/powerpoint/2010/main" val="2177913404"/>
+        <p14:creationId xmlns:p14="http://schemas.microsoft.com/office/powerpoint/2010/main" xmlns="" val="2177913404"/>
       </p:ext>
     </p:extLst>
   </p:cSld>
@@ -2811,7 +2811,7 @@
     </p:spTree>
     <p:extLst>
       <p:ext uri="{BB962C8B-B14F-4D97-AF65-F5344CB8AC3E}">
-        <p14:creationId xmlns:p14="http://schemas.microsoft.com/office/powerpoint/2010/main" val="2177913404"/>
+        <p14:creationId xmlns:p14="http://schemas.microsoft.com/office/powerpoint/2010/main" xmlns="" val="2177913404"/>
       </p:ext>
     </p:extLst>
   </p:cSld>
@@ -2920,7 +2920,7 @@
     </p:spTree>
     <p:extLst>
       <p:ext uri="{BB962C8B-B14F-4D97-AF65-F5344CB8AC3E}">
-        <p14:creationId xmlns:p14="http://schemas.microsoft.com/office/powerpoint/2010/main" val="818910265"/>
+        <p14:creationId xmlns:p14="http://schemas.microsoft.com/office/powerpoint/2010/main" xmlns="" val="818910265"/>
       </p:ext>
     </p:extLst>
   </p:cSld>
@@ -3029,7 +3029,7 @@
     </p:spTree>
     <p:extLst>
       <p:ext uri="{BB962C8B-B14F-4D97-AF65-F5344CB8AC3E}">
-        <p14:creationId xmlns:p14="http://schemas.microsoft.com/office/powerpoint/2010/main" val="2177913404"/>
+        <p14:creationId xmlns:p14="http://schemas.microsoft.com/office/powerpoint/2010/main" xmlns="" val="2177913404"/>
       </p:ext>
     </p:extLst>
   </p:cSld>
@@ -3138,7 +3138,7 @@
     </p:spTree>
     <p:extLst>
       <p:ext uri="{BB962C8B-B14F-4D97-AF65-F5344CB8AC3E}">
-        <p14:creationId xmlns:p14="http://schemas.microsoft.com/office/powerpoint/2010/main" val="2177913404"/>
+        <p14:creationId xmlns:p14="http://schemas.microsoft.com/office/powerpoint/2010/main" xmlns="" val="2177913404"/>
       </p:ext>
     </p:extLst>
   </p:cSld>
@@ -3247,7 +3247,7 @@
     </p:spTree>
     <p:extLst>
       <p:ext uri="{BB962C8B-B14F-4D97-AF65-F5344CB8AC3E}">
-        <p14:creationId xmlns:p14="http://schemas.microsoft.com/office/powerpoint/2010/main" val="3548652113"/>
+        <p14:creationId xmlns:p14="http://schemas.microsoft.com/office/powerpoint/2010/main" xmlns="" val="3548652113"/>
       </p:ext>
     </p:extLst>
   </p:cSld>
@@ -3356,7 +3356,7 @@
     </p:spTree>
     <p:extLst>
       <p:ext uri="{BB962C8B-B14F-4D97-AF65-F5344CB8AC3E}">
-        <p14:creationId xmlns:p14="http://schemas.microsoft.com/office/powerpoint/2010/main" val="2177913404"/>
+        <p14:creationId xmlns:p14="http://schemas.microsoft.com/office/powerpoint/2010/main" xmlns="" val="2177913404"/>
       </p:ext>
     </p:extLst>
   </p:cSld>
@@ -3465,7 +3465,7 @@
     </p:spTree>
     <p:extLst>
       <p:ext uri="{BB962C8B-B14F-4D97-AF65-F5344CB8AC3E}">
-        <p14:creationId xmlns:p14="http://schemas.microsoft.com/office/powerpoint/2010/main" val="1650261974"/>
+        <p14:creationId xmlns:p14="http://schemas.microsoft.com/office/powerpoint/2010/main" xmlns="" val="1650261974"/>
       </p:ext>
     </p:extLst>
   </p:cSld>
@@ -3678,7 +3678,7 @@
     </p:spTree>
     <p:extLst>
       <p:ext uri="{BB962C8B-B14F-4D97-AF65-F5344CB8AC3E}">
-        <p14:creationId xmlns:p14="http://schemas.microsoft.com/office/powerpoint/2010/main" val="1650261974"/>
+        <p14:creationId xmlns:p14="http://schemas.microsoft.com/office/powerpoint/2010/main" xmlns="" val="1650261974"/>
       </p:ext>
     </p:extLst>
   </p:cSld>
@@ -3787,7 +3787,7 @@
     </p:spTree>
     <p:extLst>
       <p:ext uri="{BB962C8B-B14F-4D97-AF65-F5344CB8AC3E}">
-        <p14:creationId xmlns:p14="http://schemas.microsoft.com/office/powerpoint/2010/main" val="1650261974"/>
+        <p14:creationId xmlns:p14="http://schemas.microsoft.com/office/powerpoint/2010/main" xmlns="" val="1650261974"/>
       </p:ext>
     </p:extLst>
   </p:cSld>
@@ -3896,7 +3896,7 @@
     </p:spTree>
     <p:extLst>
       <p:ext uri="{BB962C8B-B14F-4D97-AF65-F5344CB8AC3E}">
-        <p14:creationId xmlns:p14="http://schemas.microsoft.com/office/powerpoint/2010/main" val="1650261974"/>
+        <p14:creationId xmlns:p14="http://schemas.microsoft.com/office/powerpoint/2010/main" xmlns="" val="1650261974"/>
       </p:ext>
     </p:extLst>
   </p:cSld>
@@ -4421,7 +4421,7 @@
     </p:spTree>
     <p:extLst>
       <p:ext uri="{BB962C8B-B14F-4D97-AF65-F5344CB8AC3E}">
-        <p14:creationId xmlns:p14="http://schemas.microsoft.com/office/powerpoint/2010/main" val="2591893246"/>
+        <p14:creationId xmlns:p14="http://schemas.microsoft.com/office/powerpoint/2010/main" xmlns="" val="2591893246"/>
       </p:ext>
     </p:extLst>
   </p:cSld>
@@ -4842,7 +4842,7 @@
     </p:spTree>
     <p:extLst>
       <p:ext uri="{BB962C8B-B14F-4D97-AF65-F5344CB8AC3E}">
-        <p14:creationId xmlns:p14="http://schemas.microsoft.com/office/powerpoint/2010/main" val="86634323"/>
+        <p14:creationId xmlns:p14="http://schemas.microsoft.com/office/powerpoint/2010/main" xmlns="" val="86634323"/>
       </p:ext>
     </p:extLst>
   </p:cSld>
@@ -8959,7 +8959,7 @@
   </p:clrMapOvr>
   <p:extLst>
     <p:ext uri="{DCECCB84-F9BA-43D5-87BE-67443E8EF086}">
-      <p15:sldGuideLst xmlns:p15="http://schemas.microsoft.com/office/powerpoint/2012/main">
+      <p15:sldGuideLst xmlns:p15="http://schemas.microsoft.com/office/powerpoint/2012/main" xmlns="">
         <p15:guide id="1" pos="397">
           <p15:clr>
             <a:srgbClr val="FA7B17"/>
@@ -12153,7 +12153,7 @@
     </p:spTree>
     <p:extLst>
       <p:ext uri="{BB962C8B-B14F-4D97-AF65-F5344CB8AC3E}">
-        <p14:creationId xmlns:p14="http://schemas.microsoft.com/office/powerpoint/2010/main" val="4136653412"/>
+        <p14:creationId xmlns:p14="http://schemas.microsoft.com/office/powerpoint/2010/main" xmlns="" val="4136653412"/>
       </p:ext>
     </p:extLst>
   </p:cSld>
@@ -12362,7 +12362,7 @@
     </p:spTree>
     <p:extLst>
       <p:ext uri="{BB962C8B-B14F-4D97-AF65-F5344CB8AC3E}">
-        <p14:creationId xmlns:p14="http://schemas.microsoft.com/office/powerpoint/2010/main" val="589503412"/>
+        <p14:creationId xmlns:p14="http://schemas.microsoft.com/office/powerpoint/2010/main" xmlns="" val="589503412"/>
       </p:ext>
     </p:extLst>
   </p:cSld>
@@ -12769,7 +12769,7 @@
     </p:spTree>
     <p:extLst>
       <p:ext uri="{BB962C8B-B14F-4D97-AF65-F5344CB8AC3E}">
-        <p14:creationId xmlns:p14="http://schemas.microsoft.com/office/powerpoint/2010/main" val="589503412"/>
+        <p14:creationId xmlns:p14="http://schemas.microsoft.com/office/powerpoint/2010/main" xmlns="" val="589503412"/>
       </p:ext>
     </p:extLst>
   </p:cSld>
@@ -12881,11 +12881,7 @@
             </a:r>
             <a:r>
               <a:rPr lang="ru-RU" dirty="0" smtClean="0"/>
-              <a:t> ссылочный </a:t>
-            </a:r>
-            <a:r>
-              <a:rPr lang="ru-RU" dirty="0" smtClean="0"/>
-              <a:t>тип, который может определять некоторый функционал - набор методов и свойств без реализации. </a:t>
+              <a:t> ссылочный тип, который может определять некоторый функционал - набор методов и свойств без реализации. </a:t>
             </a:r>
             <a:endParaRPr lang="en-US" dirty="0" smtClean="0"/>
           </a:p>
@@ -13332,7 +13328,7 @@
     </p:spTree>
     <p:extLst>
       <p:ext uri="{BB962C8B-B14F-4D97-AF65-F5344CB8AC3E}">
-        <p14:creationId xmlns:p14="http://schemas.microsoft.com/office/powerpoint/2010/main" val="589503412"/>
+        <p14:creationId xmlns:p14="http://schemas.microsoft.com/office/powerpoint/2010/main" xmlns="" val="589503412"/>
       </p:ext>
     </p:extLst>
   </p:cSld>
@@ -13968,7 +13964,7 @@
     </p:spTree>
     <p:extLst>
       <p:ext uri="{BB962C8B-B14F-4D97-AF65-F5344CB8AC3E}">
-        <p14:creationId xmlns:p14="http://schemas.microsoft.com/office/powerpoint/2010/main" val="589503412"/>
+        <p14:creationId xmlns:p14="http://schemas.microsoft.com/office/powerpoint/2010/main" xmlns="" val="589503412"/>
       </p:ext>
     </p:extLst>
   </p:cSld>
@@ -14763,18 +14759,18 @@
     </p:spTree>
     <p:extLst>
       <p:ext uri="{BB962C8B-B14F-4D97-AF65-F5344CB8AC3E}">
-        <p14:creationId xmlns:p14="http://schemas.microsoft.com/office/powerpoint/2010/main" val="3155185380"/>
+        <p14:creationId xmlns:p14="http://schemas.microsoft.com/office/powerpoint/2010/main" xmlns="" val="3155185380"/>
       </p:ext>
     </p:extLst>
   </p:cSld>
   <p:clrMapOvr>
     <a:masterClrMapping/>
   </p:clrMapOvr>
-  <mc:AlternateContent xmlns:mc="http://schemas.openxmlformats.org/markup-compatibility/2006" xmlns:p14="http://schemas.microsoft.com/office/powerpoint/2010/main">
-    <mc:Choice Requires="p14">
+  <mc:AlternateContent xmlns:mc="http://schemas.openxmlformats.org/markup-compatibility/2006">
+    <mc:Choice xmlns:p14="http://schemas.microsoft.com/office/powerpoint/2010/main" xmlns="" Requires="p14">
       <p:transition spd="slow" p14:dur="2000"/>
     </mc:Choice>
-    <mc:Fallback xmlns="">
+    <mc:Fallback>
       <p:transition spd="slow"/>
     </mc:Fallback>
   </mc:AlternateContent>
@@ -15014,19 +15010,7 @@
                 <a:cs typeface="Roboto"/>
                 <a:sym typeface="Roboto"/>
               </a:rPr>
-              <a:t>классе</a:t>
-            </a:r>
-            <a:r>
-              <a:rPr lang="ru-RU" dirty="0" smtClean="0">
-                <a:solidFill>
-                  <a:schemeClr val="tx1"/>
-                </a:solidFill>
-                <a:latin typeface="Roboto"/>
-                <a:ea typeface="Roboto"/>
-                <a:cs typeface="Roboto"/>
-                <a:sym typeface="Roboto"/>
-              </a:rPr>
-              <a:t>.</a:t>
+              <a:t>классе.</a:t>
             </a:r>
             <a:endParaRPr lang="en-US" dirty="0" smtClean="0">
               <a:solidFill>
@@ -15455,18 +15439,18 @@
     </p:spTree>
     <p:extLst>
       <p:ext uri="{BB962C8B-B14F-4D97-AF65-F5344CB8AC3E}">
-        <p14:creationId xmlns:p14="http://schemas.microsoft.com/office/powerpoint/2010/main" val="2300968413"/>
+        <p14:creationId xmlns:p14="http://schemas.microsoft.com/office/powerpoint/2010/main" xmlns="" val="2300968413"/>
       </p:ext>
     </p:extLst>
   </p:cSld>
   <p:clrMapOvr>
     <a:masterClrMapping/>
   </p:clrMapOvr>
-  <mc:AlternateContent xmlns:mc="http://schemas.openxmlformats.org/markup-compatibility/2006" xmlns:p14="http://schemas.microsoft.com/office/powerpoint/2010/main">
-    <mc:Choice Requires="p14">
+  <mc:AlternateContent xmlns:mc="http://schemas.openxmlformats.org/markup-compatibility/2006">
+    <mc:Choice xmlns:p14="http://schemas.microsoft.com/office/powerpoint/2010/main" xmlns="" Requires="p14">
       <p:transition spd="slow" p14:dur="2000"/>
     </mc:Choice>
-    <mc:Fallback xmlns="">
+    <mc:Fallback>
       <p:transition spd="slow"/>
     </mc:Fallback>
   </mc:AlternateContent>
@@ -15673,18 +15657,18 @@
     </p:spTree>
     <p:extLst>
       <p:ext uri="{BB962C8B-B14F-4D97-AF65-F5344CB8AC3E}">
-        <p14:creationId xmlns:p14="http://schemas.microsoft.com/office/powerpoint/2010/main" val="2300968413"/>
+        <p14:creationId xmlns:p14="http://schemas.microsoft.com/office/powerpoint/2010/main" xmlns="" val="2300968413"/>
       </p:ext>
     </p:extLst>
   </p:cSld>
   <p:clrMapOvr>
     <a:masterClrMapping/>
   </p:clrMapOvr>
-  <mc:AlternateContent xmlns:mc="http://schemas.openxmlformats.org/markup-compatibility/2006" xmlns:p14="http://schemas.microsoft.com/office/powerpoint/2010/main">
-    <mc:Choice Requires="p14">
+  <mc:AlternateContent xmlns:mc="http://schemas.openxmlformats.org/markup-compatibility/2006">
+    <mc:Choice xmlns:p14="http://schemas.microsoft.com/office/powerpoint/2010/main" xmlns="" Requires="p14">
       <p:transition spd="slow" p14:dur="2000"/>
     </mc:Choice>
-    <mc:Fallback xmlns="">
+    <mc:Fallback>
       <p:transition spd="slow"/>
     </mc:Fallback>
   </mc:AlternateContent>
@@ -15905,18 +15889,18 @@
     </p:spTree>
     <p:extLst>
       <p:ext uri="{BB962C8B-B14F-4D97-AF65-F5344CB8AC3E}">
-        <p14:creationId xmlns:p14="http://schemas.microsoft.com/office/powerpoint/2010/main" val="2300968413"/>
+        <p14:creationId xmlns:p14="http://schemas.microsoft.com/office/powerpoint/2010/main" xmlns="" val="2300968413"/>
       </p:ext>
     </p:extLst>
   </p:cSld>
   <p:clrMapOvr>
     <a:masterClrMapping/>
   </p:clrMapOvr>
-  <mc:AlternateContent xmlns:mc="http://schemas.openxmlformats.org/markup-compatibility/2006" xmlns:p14="http://schemas.microsoft.com/office/powerpoint/2010/main">
-    <mc:Choice Requires="p14">
+  <mc:AlternateContent xmlns:mc="http://schemas.openxmlformats.org/markup-compatibility/2006">
+    <mc:Choice xmlns:p14="http://schemas.microsoft.com/office/powerpoint/2010/main" xmlns="" Requires="p14">
       <p:transition spd="slow" p14:dur="2000"/>
     </mc:Choice>
-    <mc:Fallback xmlns="">
+    <mc:Fallback>
       <p:transition spd="slow"/>
     </mc:Fallback>
   </mc:AlternateContent>
@@ -16081,18 +16065,18 @@
     </p:spTree>
     <p:extLst>
       <p:ext uri="{BB962C8B-B14F-4D97-AF65-F5344CB8AC3E}">
-        <p14:creationId xmlns:p14="http://schemas.microsoft.com/office/powerpoint/2010/main" val="3155185380"/>
+        <p14:creationId xmlns:p14="http://schemas.microsoft.com/office/powerpoint/2010/main" xmlns="" val="3155185380"/>
       </p:ext>
     </p:extLst>
   </p:cSld>
   <p:clrMapOvr>
     <a:masterClrMapping/>
   </p:clrMapOvr>
-  <mc:AlternateContent xmlns:mc="http://schemas.openxmlformats.org/markup-compatibility/2006" xmlns:p14="http://schemas.microsoft.com/office/powerpoint/2010/main">
-    <mc:Choice Requires="p14">
+  <mc:AlternateContent xmlns:mc="http://schemas.openxmlformats.org/markup-compatibility/2006">
+    <mc:Choice xmlns:p14="http://schemas.microsoft.com/office/powerpoint/2010/main" xmlns="" Requires="p14">
       <p:transition spd="slow" p14:dur="2000"/>
     </mc:Choice>
-    <mc:Fallback xmlns="">
+    <mc:Fallback>
       <p:transition spd="slow"/>
     </mc:Fallback>
   </mc:AlternateContent>
@@ -16732,18 +16716,18 @@
     </p:spTree>
     <p:extLst>
       <p:ext uri="{BB962C8B-B14F-4D97-AF65-F5344CB8AC3E}">
-        <p14:creationId xmlns:p14="http://schemas.microsoft.com/office/powerpoint/2010/main" val="3609617734"/>
+        <p14:creationId xmlns:p14="http://schemas.microsoft.com/office/powerpoint/2010/main" xmlns="" val="3609617734"/>
       </p:ext>
     </p:extLst>
   </p:cSld>
   <p:clrMapOvr>
     <a:masterClrMapping/>
   </p:clrMapOvr>
-  <mc:AlternateContent xmlns:mc="http://schemas.openxmlformats.org/markup-compatibility/2006" xmlns:p14="http://schemas.microsoft.com/office/powerpoint/2010/main">
-    <mc:Choice Requires="p14">
+  <mc:AlternateContent xmlns:mc="http://schemas.openxmlformats.org/markup-compatibility/2006">
+    <mc:Choice xmlns:p14="http://schemas.microsoft.com/office/powerpoint/2010/main" xmlns="" Requires="p14">
       <p:transition spd="slow" p14:dur="2000"/>
     </mc:Choice>
-    <mc:Fallback xmlns="">
+    <mc:Fallback>
       <p:transition spd="slow"/>
     </mc:Fallback>
   </mc:AlternateContent>
@@ -17338,18 +17322,18 @@
     </p:spTree>
     <p:extLst>
       <p:ext uri="{BB962C8B-B14F-4D97-AF65-F5344CB8AC3E}">
-        <p14:creationId xmlns:p14="http://schemas.microsoft.com/office/powerpoint/2010/main" val="3609617734"/>
+        <p14:creationId xmlns:p14="http://schemas.microsoft.com/office/powerpoint/2010/main" xmlns="" val="3609617734"/>
       </p:ext>
     </p:extLst>
   </p:cSld>
   <p:clrMapOvr>
     <a:masterClrMapping/>
   </p:clrMapOvr>
-  <mc:AlternateContent xmlns:mc="http://schemas.openxmlformats.org/markup-compatibility/2006" xmlns:p14="http://schemas.microsoft.com/office/powerpoint/2010/main">
-    <mc:Choice Requires="p14">
+  <mc:AlternateContent xmlns:mc="http://schemas.openxmlformats.org/markup-compatibility/2006">
+    <mc:Choice xmlns:p14="http://schemas.microsoft.com/office/powerpoint/2010/main" xmlns="" Requires="p14">
       <p:transition spd="slow" p14:dur="2000"/>
     </mc:Choice>
-    <mc:Fallback xmlns="">
+    <mc:Fallback>
       <p:transition spd="slow"/>
     </mc:Fallback>
   </mc:AlternateContent>
@@ -17425,18 +17409,18 @@
     </p:spTree>
     <p:extLst>
       <p:ext uri="{BB962C8B-B14F-4D97-AF65-F5344CB8AC3E}">
-        <p14:creationId xmlns:p14="http://schemas.microsoft.com/office/powerpoint/2010/main" val="682476833"/>
+        <p14:creationId xmlns:p14="http://schemas.microsoft.com/office/powerpoint/2010/main" xmlns="" val="682476833"/>
       </p:ext>
     </p:extLst>
   </p:cSld>
   <p:clrMapOvr>
     <a:masterClrMapping/>
   </p:clrMapOvr>
-  <mc:AlternateContent xmlns:mc="http://schemas.openxmlformats.org/markup-compatibility/2006" xmlns:p14="http://schemas.microsoft.com/office/powerpoint/2010/main">
-    <mc:Choice Requires="p14">
+  <mc:AlternateContent xmlns:mc="http://schemas.openxmlformats.org/markup-compatibility/2006">
+    <mc:Choice xmlns:p14="http://schemas.microsoft.com/office/powerpoint/2010/main" xmlns="" Requires="p14">
       <p:transition spd="slow" p14:dur="2000"/>
     </mc:Choice>
-    <mc:Fallback xmlns="">
+    <mc:Fallback>
       <p:transition spd="slow"/>
     </mc:Fallback>
   </mc:AlternateContent>
@@ -17614,7 +17598,7 @@
           <a:noFill/>
           <a:extLst>
             <a:ext uri="{909E8E84-426E-40DD-AFC4-6F175D3DCCD1}">
-              <a14:hiddenFill xmlns:a14="http://schemas.microsoft.com/office/drawing/2010/main">
+              <a14:hiddenFill xmlns:a14="http://schemas.microsoft.com/office/drawing/2010/main" xmlns="">
                 <a:solidFill>
                   <a:srgbClr val="FFFFFF"/>
                 </a:solidFill>
@@ -17653,7 +17637,7 @@
           <a:noFill/>
           <a:extLst>
             <a:ext uri="{909E8E84-426E-40DD-AFC4-6F175D3DCCD1}">
-              <a14:hiddenFill xmlns:a14="http://schemas.microsoft.com/office/drawing/2010/main">
+              <a14:hiddenFill xmlns:a14="http://schemas.microsoft.com/office/drawing/2010/main" xmlns="">
                 <a:solidFill>
                   <a:srgbClr val="FFFFFF"/>
                 </a:solidFill>
@@ -17700,7 +17684,7 @@
     </p:spTree>
     <p:extLst>
       <p:ext uri="{BB962C8B-B14F-4D97-AF65-F5344CB8AC3E}">
-        <p14:creationId xmlns:p14="http://schemas.microsoft.com/office/powerpoint/2010/main" val="215954106"/>
+        <p14:creationId xmlns:p14="http://schemas.microsoft.com/office/powerpoint/2010/main" xmlns="" val="215954106"/>
       </p:ext>
     </p:extLst>
   </p:cSld>
@@ -17788,7 +17772,7 @@
           <a:noFill/>
           <a:extLst>
             <a:ext uri="{909E8E84-426E-40DD-AFC4-6F175D3DCCD1}">
-              <a14:hiddenFill xmlns:a14="http://schemas.microsoft.com/office/drawing/2010/main">
+              <a14:hiddenFill xmlns:a14="http://schemas.microsoft.com/office/drawing/2010/main" xmlns="">
                 <a:solidFill>
                   <a:srgbClr val="FFFFFF"/>
                 </a:solidFill>
@@ -17827,7 +17811,7 @@
           <a:noFill/>
           <a:extLst>
             <a:ext uri="{909E8E84-426E-40DD-AFC4-6F175D3DCCD1}">
-              <a14:hiddenFill xmlns:a14="http://schemas.microsoft.com/office/drawing/2010/main">
+              <a14:hiddenFill xmlns:a14="http://schemas.microsoft.com/office/drawing/2010/main" xmlns="">
                 <a:solidFill>
                   <a:srgbClr val="FFFFFF"/>
                 </a:solidFill>
@@ -17923,7 +17907,7 @@
     </p:spTree>
     <p:extLst>
       <p:ext uri="{BB962C8B-B14F-4D97-AF65-F5344CB8AC3E}">
-        <p14:creationId xmlns:p14="http://schemas.microsoft.com/office/powerpoint/2010/main" val="2237277517"/>
+        <p14:creationId xmlns:p14="http://schemas.microsoft.com/office/powerpoint/2010/main" xmlns="" val="2237277517"/>
       </p:ext>
     </p:extLst>
   </p:cSld>
@@ -18011,7 +17995,7 @@
           <a:noFill/>
           <a:extLst>
             <a:ext uri="{909E8E84-426E-40DD-AFC4-6F175D3DCCD1}">
-              <a14:hiddenFill xmlns:a14="http://schemas.microsoft.com/office/drawing/2010/main">
+              <a14:hiddenFill xmlns:a14="http://schemas.microsoft.com/office/drawing/2010/main" xmlns="">
                 <a:solidFill>
                   <a:srgbClr val="FFFFFF"/>
                 </a:solidFill>
@@ -18050,7 +18034,7 @@
           <a:noFill/>
           <a:extLst>
             <a:ext uri="{909E8E84-426E-40DD-AFC4-6F175D3DCCD1}">
-              <a14:hiddenFill xmlns:a14="http://schemas.microsoft.com/office/drawing/2010/main">
+              <a14:hiddenFill xmlns:a14="http://schemas.microsoft.com/office/drawing/2010/main" xmlns="">
                 <a:solidFill>
                   <a:srgbClr val="FFFFFF"/>
                 </a:solidFill>
@@ -18397,7 +18381,7 @@
     </p:spTree>
     <p:extLst>
       <p:ext uri="{BB962C8B-B14F-4D97-AF65-F5344CB8AC3E}">
-        <p14:creationId xmlns:p14="http://schemas.microsoft.com/office/powerpoint/2010/main" val="2237277517"/>
+        <p14:creationId xmlns:p14="http://schemas.microsoft.com/office/powerpoint/2010/main" xmlns="" val="2237277517"/>
       </p:ext>
     </p:extLst>
   </p:cSld>
@@ -18489,7 +18473,7 @@
           <a:noFill/>
           <a:extLst>
             <a:ext uri="{909E8E84-426E-40DD-AFC4-6F175D3DCCD1}">
-              <a14:hiddenFill xmlns:a14="http://schemas.microsoft.com/office/drawing/2010/main">
+              <a14:hiddenFill xmlns:a14="http://schemas.microsoft.com/office/drawing/2010/main" xmlns="">
                 <a:solidFill>
                   <a:srgbClr val="FFFFFF"/>
                 </a:solidFill>
@@ -18528,7 +18512,7 @@
           <a:noFill/>
           <a:extLst>
             <a:ext uri="{909E8E84-426E-40DD-AFC4-6F175D3DCCD1}">
-              <a14:hiddenFill xmlns:a14="http://schemas.microsoft.com/office/drawing/2010/main">
+              <a14:hiddenFill xmlns:a14="http://schemas.microsoft.com/office/drawing/2010/main" xmlns="">
                 <a:solidFill>
                   <a:srgbClr val="FFFFFF"/>
                 </a:solidFill>
@@ -19072,7 +19056,7 @@
     </p:spTree>
     <p:extLst>
       <p:ext uri="{BB962C8B-B14F-4D97-AF65-F5344CB8AC3E}">
-        <p14:creationId xmlns:p14="http://schemas.microsoft.com/office/powerpoint/2010/main" val="2237277517"/>
+        <p14:creationId xmlns:p14="http://schemas.microsoft.com/office/powerpoint/2010/main" xmlns="" val="2237277517"/>
       </p:ext>
     </p:extLst>
   </p:cSld>
@@ -19160,7 +19144,7 @@
           <a:noFill/>
           <a:extLst>
             <a:ext uri="{909E8E84-426E-40DD-AFC4-6F175D3DCCD1}">
-              <a14:hiddenFill xmlns:a14="http://schemas.microsoft.com/office/drawing/2010/main">
+              <a14:hiddenFill xmlns:a14="http://schemas.microsoft.com/office/drawing/2010/main" xmlns="">
                 <a:solidFill>
                   <a:srgbClr val="FFFFFF"/>
                 </a:solidFill>
@@ -19199,7 +19183,7 @@
           <a:noFill/>
           <a:extLst>
             <a:ext uri="{909E8E84-426E-40DD-AFC4-6F175D3DCCD1}">
-              <a14:hiddenFill xmlns:a14="http://schemas.microsoft.com/office/drawing/2010/main">
+              <a14:hiddenFill xmlns:a14="http://schemas.microsoft.com/office/drawing/2010/main" xmlns="">
                 <a:solidFill>
                   <a:srgbClr val="FFFFFF"/>
                 </a:solidFill>
@@ -19315,11 +19299,7 @@
           <a:p>
             <a:r>
               <a:rPr lang="ru-RU" dirty="0" smtClean="0"/>
-              <a:t>Допустим у меня есть массив фигур, которые нужно нарисовать, используя декартовы координаты</a:t>
-            </a:r>
-            <a:r>
-              <a:rPr lang="ru-RU" dirty="0" smtClean="0"/>
-              <a:t>:</a:t>
+              <a:t>Допустим у меня есть массив фигур, которые нужно нарисовать, используя декартовы координаты:</a:t>
             </a:r>
             <a:endParaRPr lang="en-US" dirty="0" smtClean="0"/>
           </a:p>
@@ -19476,7 +19456,7 @@
     </p:spTree>
     <p:extLst>
       <p:ext uri="{BB962C8B-B14F-4D97-AF65-F5344CB8AC3E}">
-        <p14:creationId xmlns:p14="http://schemas.microsoft.com/office/powerpoint/2010/main" val="2237277517"/>
+        <p14:creationId xmlns:p14="http://schemas.microsoft.com/office/powerpoint/2010/main" xmlns="" val="2237277517"/>
       </p:ext>
     </p:extLst>
   </p:cSld>
@@ -19634,18 +19614,18 @@
     </p:spTree>
     <p:extLst>
       <p:ext uri="{BB962C8B-B14F-4D97-AF65-F5344CB8AC3E}">
-        <p14:creationId xmlns:p14="http://schemas.microsoft.com/office/powerpoint/2010/main" val="3878162484"/>
+        <p14:creationId xmlns:p14="http://schemas.microsoft.com/office/powerpoint/2010/main" xmlns="" val="3878162484"/>
       </p:ext>
     </p:extLst>
   </p:cSld>
   <p:clrMapOvr>
     <a:masterClrMapping/>
   </p:clrMapOvr>
-  <mc:AlternateContent xmlns:mc="http://schemas.openxmlformats.org/markup-compatibility/2006" xmlns:p14="http://schemas.microsoft.com/office/powerpoint/2010/main">
-    <mc:Choice Requires="p14">
+  <mc:AlternateContent xmlns:mc="http://schemas.openxmlformats.org/markup-compatibility/2006">
+    <mc:Choice xmlns:p14="http://schemas.microsoft.com/office/powerpoint/2010/main" xmlns="" Requires="p14">
       <p:transition spd="slow" p14:dur="2000"/>
     </mc:Choice>
-    <mc:Fallback xmlns="">
+    <mc:Fallback>
       <p:transition spd="slow"/>
     </mc:Fallback>
   </mc:AlternateContent>
@@ -19729,7 +19709,7 @@
           <a:noFill/>
           <a:extLst>
             <a:ext uri="{909E8E84-426E-40DD-AFC4-6F175D3DCCD1}">
-              <a14:hiddenFill xmlns:a14="http://schemas.microsoft.com/office/drawing/2010/main">
+              <a14:hiddenFill xmlns:a14="http://schemas.microsoft.com/office/drawing/2010/main" xmlns="">
                 <a:solidFill>
                   <a:srgbClr val="FFFFFF"/>
                 </a:solidFill>
@@ -19768,7 +19748,7 @@
           <a:noFill/>
           <a:extLst>
             <a:ext uri="{909E8E84-426E-40DD-AFC4-6F175D3DCCD1}">
-              <a14:hiddenFill xmlns:a14="http://schemas.microsoft.com/office/drawing/2010/main">
+              <a14:hiddenFill xmlns:a14="http://schemas.microsoft.com/office/drawing/2010/main" xmlns="">
                 <a:solidFill>
                   <a:srgbClr val="FFFFFF"/>
                 </a:solidFill>
@@ -19870,7 +19850,7 @@
     </p:spTree>
     <p:extLst>
       <p:ext uri="{BB962C8B-B14F-4D97-AF65-F5344CB8AC3E}">
-        <p14:creationId xmlns:p14="http://schemas.microsoft.com/office/powerpoint/2010/main" val="2237277517"/>
+        <p14:creationId xmlns:p14="http://schemas.microsoft.com/office/powerpoint/2010/main" xmlns="" val="2237277517"/>
       </p:ext>
     </p:extLst>
   </p:cSld>
@@ -19958,7 +19938,7 @@
           <a:noFill/>
           <a:extLst>
             <a:ext uri="{909E8E84-426E-40DD-AFC4-6F175D3DCCD1}">
-              <a14:hiddenFill xmlns:a14="http://schemas.microsoft.com/office/drawing/2010/main">
+              <a14:hiddenFill xmlns:a14="http://schemas.microsoft.com/office/drawing/2010/main" xmlns="">
                 <a:solidFill>
                   <a:srgbClr val="FFFFFF"/>
                 </a:solidFill>
@@ -19997,7 +19977,7 @@
           <a:noFill/>
           <a:extLst>
             <a:ext uri="{909E8E84-426E-40DD-AFC4-6F175D3DCCD1}">
-              <a14:hiddenFill xmlns:a14="http://schemas.microsoft.com/office/drawing/2010/main">
+              <a14:hiddenFill xmlns:a14="http://schemas.microsoft.com/office/drawing/2010/main" xmlns="">
                 <a:solidFill>
                   <a:srgbClr val="FFFFFF"/>
                 </a:solidFill>
@@ -20345,7 +20325,7 @@
           <a:blip r:embed="rId3">
             <a:extLst>
               <a:ext uri="{28A0092B-C50C-407E-A947-70E740481C1C}">
-                <a14:useLocalDpi xmlns:a14="http://schemas.microsoft.com/office/drawing/2010/main" val="0"/>
+                <a14:useLocalDpi xmlns:a14="http://schemas.microsoft.com/office/drawing/2010/main" xmlns="" val="0"/>
               </a:ext>
             </a:extLst>
           </a:blip>
@@ -20365,7 +20345,7 @@
           <a:noFill/>
           <a:extLst>
             <a:ext uri="{909E8E84-426E-40DD-AFC4-6F175D3DCCD1}">
-              <a14:hiddenFill xmlns:a14="http://schemas.microsoft.com/office/drawing/2010/main">
+              <a14:hiddenFill xmlns:a14="http://schemas.microsoft.com/office/drawing/2010/main" xmlns="">
                 <a:solidFill>
                   <a:srgbClr val="FFFFFF"/>
                 </a:solidFill>
@@ -20377,7 +20357,7 @@
     </p:spTree>
     <p:extLst>
       <p:ext uri="{BB962C8B-B14F-4D97-AF65-F5344CB8AC3E}">
-        <p14:creationId xmlns:p14="http://schemas.microsoft.com/office/powerpoint/2010/main" val="2237277517"/>
+        <p14:creationId xmlns:p14="http://schemas.microsoft.com/office/powerpoint/2010/main" xmlns="" val="2237277517"/>
       </p:ext>
     </p:extLst>
   </p:cSld>
@@ -20850,18 +20830,18 @@
     </p:spTree>
     <p:extLst>
       <p:ext uri="{BB962C8B-B14F-4D97-AF65-F5344CB8AC3E}">
-        <p14:creationId xmlns:p14="http://schemas.microsoft.com/office/powerpoint/2010/main" val="1849832399"/>
+        <p14:creationId xmlns:p14="http://schemas.microsoft.com/office/powerpoint/2010/main" xmlns="" val="1849832399"/>
       </p:ext>
     </p:extLst>
   </p:cSld>
   <p:clrMapOvr>
     <a:masterClrMapping/>
   </p:clrMapOvr>
-  <mc:AlternateContent xmlns:mc="http://schemas.openxmlformats.org/markup-compatibility/2006" xmlns:p14="http://schemas.microsoft.com/office/powerpoint/2010/main">
-    <mc:Choice Requires="p14">
+  <mc:AlternateContent xmlns:mc="http://schemas.openxmlformats.org/markup-compatibility/2006">
+    <mc:Choice xmlns:p14="http://schemas.microsoft.com/office/powerpoint/2010/main" xmlns="" Requires="p14">
       <p:transition spd="slow" p14:dur="2000"/>
     </mc:Choice>
-    <mc:Fallback xmlns="">
+    <mc:Fallback>
       <p:transition spd="slow"/>
     </mc:Fallback>
   </mc:AlternateContent>
@@ -20945,7 +20925,7 @@
           <a:noFill/>
           <a:extLst>
             <a:ext uri="{909E8E84-426E-40DD-AFC4-6F175D3DCCD1}">
-              <a14:hiddenFill xmlns:a14="http://schemas.microsoft.com/office/drawing/2010/main">
+              <a14:hiddenFill xmlns:a14="http://schemas.microsoft.com/office/drawing/2010/main" xmlns="">
                 <a:solidFill>
                   <a:srgbClr val="FFFFFF"/>
                 </a:solidFill>
@@ -20984,7 +20964,7 @@
           <a:noFill/>
           <a:extLst>
             <a:ext uri="{909E8E84-426E-40DD-AFC4-6F175D3DCCD1}">
-              <a14:hiddenFill xmlns:a14="http://schemas.microsoft.com/office/drawing/2010/main">
+              <a14:hiddenFill xmlns:a14="http://schemas.microsoft.com/office/drawing/2010/main" xmlns="">
                 <a:solidFill>
                   <a:srgbClr val="FFFFFF"/>
                 </a:solidFill>
@@ -21137,7 +21117,7 @@
     </p:spTree>
     <p:extLst>
       <p:ext uri="{BB962C8B-B14F-4D97-AF65-F5344CB8AC3E}">
-        <p14:creationId xmlns:p14="http://schemas.microsoft.com/office/powerpoint/2010/main" val="2237277517"/>
+        <p14:creationId xmlns:p14="http://schemas.microsoft.com/office/powerpoint/2010/main" xmlns="" val="2237277517"/>
       </p:ext>
     </p:extLst>
   </p:cSld>
@@ -21985,7 +21965,7 @@
     </p:spTree>
     <p:extLst>
       <p:ext uri="{BB962C8B-B14F-4D97-AF65-F5344CB8AC3E}">
-        <p14:creationId xmlns:p14="http://schemas.microsoft.com/office/powerpoint/2010/main" val="3702748433"/>
+        <p14:creationId xmlns:p14="http://schemas.microsoft.com/office/powerpoint/2010/main" xmlns="" val="3702748433"/>
       </p:ext>
     </p:extLst>
   </p:cSld>
@@ -22418,7 +22398,7 @@
     </p:spTree>
     <p:extLst>
       <p:ext uri="{BB962C8B-B14F-4D97-AF65-F5344CB8AC3E}">
-        <p14:creationId xmlns:p14="http://schemas.microsoft.com/office/powerpoint/2010/main" val="3702748433"/>
+        <p14:creationId xmlns:p14="http://schemas.microsoft.com/office/powerpoint/2010/main" xmlns="" val="3702748433"/>
       </p:ext>
     </p:extLst>
   </p:cSld>
@@ -22944,7 +22924,7 @@
     </p:spTree>
     <p:extLst>
       <p:ext uri="{BB962C8B-B14F-4D97-AF65-F5344CB8AC3E}">
-        <p14:creationId xmlns:p14="http://schemas.microsoft.com/office/powerpoint/2010/main" val="3702748433"/>
+        <p14:creationId xmlns:p14="http://schemas.microsoft.com/office/powerpoint/2010/main" xmlns="" val="3702748433"/>
       </p:ext>
     </p:extLst>
   </p:cSld>
@@ -23156,7 +23136,7 @@
     </p:spTree>
     <p:extLst>
       <p:ext uri="{BB962C8B-B14F-4D97-AF65-F5344CB8AC3E}">
-        <p14:creationId xmlns:p14="http://schemas.microsoft.com/office/powerpoint/2010/main" val="3702748433"/>
+        <p14:creationId xmlns:p14="http://schemas.microsoft.com/office/powerpoint/2010/main" xmlns="" val="3702748433"/>
       </p:ext>
     </p:extLst>
   </p:cSld>
@@ -23258,7 +23238,7 @@
 </file>
 
 <file path=ppt/slides/slide37.xml><?xml version="1.0" encoding="utf-8"?>
-<p:sld xmlns:a="http://schemas.openxmlformats.org/drawingml/2006/main" xmlns:r="http://schemas.openxmlformats.org/officeDocument/2006/relationships" xmlns:p="http://schemas.openxmlformats.org/presentationml/2006/main">
+<p:sld xmlns:a="http://schemas.openxmlformats.org/drawingml/2006/main" xmlns:r="http://schemas.openxmlformats.org/officeDocument/2006/relationships" xmlns:p="http://schemas.openxmlformats.org/presentationml/2006/main" show="0">
   <p:cSld>
     <p:spTree>
       <p:nvGrpSpPr>
@@ -23324,6 +23304,7 @@
   <p:clrMapOvr>
     <a:masterClrMapping/>
   </p:clrMapOvr>
+  <p:transition/>
   <p:timing>
     <p:tnLst>
       <p:par>
@@ -23335,7 +23316,7 @@
 </file>
 
 <file path=ppt/slides/slide38.xml><?xml version="1.0" encoding="utf-8"?>
-<p:sld xmlns:a="http://schemas.openxmlformats.org/drawingml/2006/main" xmlns:r="http://schemas.openxmlformats.org/officeDocument/2006/relationships" xmlns:p="http://schemas.openxmlformats.org/presentationml/2006/main">
+<p:sld xmlns:a="http://schemas.openxmlformats.org/drawingml/2006/main" xmlns:r="http://schemas.openxmlformats.org/officeDocument/2006/relationships" xmlns:p="http://schemas.openxmlformats.org/presentationml/2006/main" show="0">
   <p:cSld>
     <p:spTree>
       <p:nvGrpSpPr>
@@ -23400,7 +23381,7 @@
           <p:nvPr>
             <p:extLst>
               <p:ext uri="{D42A27DB-BD31-4B8C-83A1-F6EECF244321}">
-                <p14:modId xmlns:p14="http://schemas.microsoft.com/office/powerpoint/2010/main" val="4121394419"/>
+                <p14:modId xmlns:p14="http://schemas.microsoft.com/office/powerpoint/2010/main" xmlns="" val="4121394419"/>
               </p:ext>
             </p:extLst>
           </p:nvPr>
@@ -23420,14 +23401,14 @@
                 <a:gridCol w="489425">
                   <a:extLst>
                     <a:ext uri="{9D8B030D-6E8A-4147-A177-3AD203B41FA5}">
-                      <a16:colId xmlns:a16="http://schemas.microsoft.com/office/drawing/2014/main" val="20000"/>
+                      <a16:colId xmlns:a16="http://schemas.microsoft.com/office/drawing/2014/main" xmlns="" val="20000"/>
                     </a:ext>
                   </a:extLst>
                 </a:gridCol>
                 <a:gridCol w="6749575">
                   <a:extLst>
                     <a:ext uri="{9D8B030D-6E8A-4147-A177-3AD203B41FA5}">
-                      <a16:colId xmlns:a16="http://schemas.microsoft.com/office/drawing/2014/main" val="20001"/>
+                      <a16:colId xmlns:a16="http://schemas.microsoft.com/office/drawing/2014/main" xmlns="" val="20001"/>
                     </a:ext>
                   </a:extLst>
                 </a:gridCol>
@@ -23592,7 +23573,7 @@
                 </a:tc>
                 <a:extLst>
                   <a:ext uri="{0D108BD9-81ED-4DB2-BD59-A6C34878D82A}">
-                    <a16:rowId xmlns:a16="http://schemas.microsoft.com/office/drawing/2014/main" val="10000"/>
+                    <a16:rowId xmlns:a16="http://schemas.microsoft.com/office/drawing/2014/main" xmlns="" val="10000"/>
                   </a:ext>
                 </a:extLst>
               </a:tr>
@@ -23755,7 +23736,7 @@
                 </a:tc>
                 <a:extLst>
                   <a:ext uri="{0D108BD9-81ED-4DB2-BD59-A6C34878D82A}">
-                    <a16:rowId xmlns:a16="http://schemas.microsoft.com/office/drawing/2014/main" val="10001"/>
+                    <a16:rowId xmlns:a16="http://schemas.microsoft.com/office/drawing/2014/main" xmlns="" val="10001"/>
                   </a:ext>
                 </a:extLst>
               </a:tr>
@@ -23921,7 +23902,7 @@
                 </a:tc>
                 <a:extLst>
                   <a:ext uri="{0D108BD9-81ED-4DB2-BD59-A6C34878D82A}">
-                    <a16:rowId xmlns:a16="http://schemas.microsoft.com/office/drawing/2014/main" val="10002"/>
+                    <a16:rowId xmlns:a16="http://schemas.microsoft.com/office/drawing/2014/main" xmlns="" val="10002"/>
                   </a:ext>
                 </a:extLst>
               </a:tr>
@@ -23961,14 +23942,7 @@
   <p:clrMapOvr>
     <a:masterClrMapping/>
   </p:clrMapOvr>
-  <mc:AlternateContent xmlns:mc="http://schemas.openxmlformats.org/markup-compatibility/2006" xmlns:p14="http://schemas.microsoft.com/office/powerpoint/2010/main">
-    <mc:Choice Requires="p14">
-      <p:transition spd="slow" p14:dur="2000"/>
-    </mc:Choice>
-    <mc:Fallback xmlns="">
-      <p:transition spd="slow"/>
-    </mc:Fallback>
-  </mc:AlternateContent>
+  <p:transition spd="slow"/>
   <p:timing>
     <p:tnLst>
       <p:par>
@@ -24720,7 +24694,7 @@
     </p:spTree>
     <p:extLst>
       <p:ext uri="{BB962C8B-B14F-4D97-AF65-F5344CB8AC3E}">
-        <p14:creationId xmlns:p14="http://schemas.microsoft.com/office/powerpoint/2010/main" val="893468368"/>
+        <p14:creationId xmlns:p14="http://schemas.microsoft.com/office/powerpoint/2010/main" xmlns="" val="893468368"/>
       </p:ext>
     </p:extLst>
   </p:cSld>
@@ -25128,7 +25102,7 @@
 </file>
 
 <file path=ppt/slides/slide6.xml><?xml version="1.0" encoding="utf-8"?>
-<p:sld xmlns:a="http://schemas.openxmlformats.org/drawingml/2006/main" xmlns:r="http://schemas.openxmlformats.org/officeDocument/2006/relationships" xmlns:p="http://schemas.openxmlformats.org/presentationml/2006/main" show="0">
+<p:sld xmlns:a="http://schemas.openxmlformats.org/drawingml/2006/main" xmlns:r="http://schemas.openxmlformats.org/officeDocument/2006/relationships" xmlns:p="http://schemas.openxmlformats.org/presentationml/2006/main">
   <p:cSld>
     <p:spTree>
       <p:nvGrpSpPr>
@@ -25188,14 +25162,14 @@
       </p:sp>
       <p:sp>
         <p:nvSpPr>
-          <p:cNvPr id="175" name="Google Shape;175;p36"/>
+          <p:cNvPr id="177" name="Google Shape;177;p36"/>
           <p:cNvSpPr/>
           <p:nvPr/>
         </p:nvSpPr>
         <p:spPr>
           <a:xfrm>
-            <a:off x="680150" y="1521150"/>
-            <a:ext cx="3384900" cy="426300"/>
+            <a:off x="2475544" y="1521148"/>
+            <a:ext cx="3627000" cy="426300"/>
           </a:xfrm>
           <a:prstGeom prst="roundRect">
             <a:avLst>
@@ -25215,17 +25189,9 @@
           </a:bodyPr>
           <a:lstStyle/>
           <a:p>
-            <a:pPr marL="0" lvl="0" indent="0" algn="l" rtl="0">
-              <a:spcBef>
-                <a:spcPts val="0"/>
-              </a:spcBef>
-              <a:spcAft>
-                <a:spcPts val="0"/>
-              </a:spcAft>
-              <a:buNone/>
-            </a:pPr>
-            <a:r>
-              <a:rPr lang="ru" sz="1500" dirty="0">
+            <a:pPr lvl="0"/>
+            <a:r>
+              <a:rPr lang="en-US" dirty="0" smtClean="0">
                 <a:solidFill>
                   <a:schemeClr val="dk1"/>
                 </a:solidFill>
@@ -25234,10 +25200,10 @@
                 <a:cs typeface="Roboto"/>
                 <a:sym typeface="Roboto"/>
               </a:rPr>
-              <a:t>1. </a:t>
-            </a:r>
-            <a:r>
-              <a:rPr lang="ru-RU" sz="1500" dirty="0" smtClean="0">
+              <a:t>1</a:t>
+            </a:r>
+            <a:r>
+              <a:rPr lang="ru-RU" dirty="0" smtClean="0">
                 <a:solidFill>
                   <a:schemeClr val="dk1"/>
                 </a:solidFill>
@@ -25246,9 +25212,21 @@
                 <a:cs typeface="Roboto"/>
                 <a:sym typeface="Roboto"/>
               </a:rPr>
-              <a:t>Фильтрация</a:t>
-            </a:r>
-            <a:endParaRPr sz="1300">
+              <a:t>. </a:t>
+            </a:r>
+            <a:r>
+              <a:rPr lang="ru-RU" dirty="0" smtClean="0">
+                <a:solidFill>
+                  <a:schemeClr val="dk1"/>
+                </a:solidFill>
+                <a:latin typeface="Roboto"/>
+                <a:ea typeface="Roboto"/>
+                <a:cs typeface="Roboto"/>
+                <a:sym typeface="Roboto"/>
+              </a:rPr>
+              <a:t>Абстракция</a:t>
+            </a:r>
+            <a:endParaRPr lang="ru-RU" sz="1200" dirty="0">
               <a:solidFill>
                 <a:schemeClr val="dk1"/>
               </a:solidFill>
@@ -25262,14 +25240,14 @@
       </p:sp>
       <p:sp>
         <p:nvSpPr>
-          <p:cNvPr id="176" name="Google Shape;176;p36"/>
+          <p:cNvPr id="180" name="Google Shape;180;p36"/>
           <p:cNvSpPr/>
           <p:nvPr/>
         </p:nvSpPr>
         <p:spPr>
           <a:xfrm>
-            <a:off x="680150" y="2186734"/>
-            <a:ext cx="3384900" cy="426300"/>
+            <a:off x="2475538" y="2186725"/>
+            <a:ext cx="3627000" cy="426300"/>
           </a:xfrm>
           <a:prstGeom prst="roundRect">
             <a:avLst>
@@ -25289,22 +25267,9 @@
           </a:bodyPr>
           <a:lstStyle/>
           <a:p>
-            <a:pPr marL="0" lvl="0" indent="0" algn="l" rtl="0">
-              <a:spcBef>
-                <a:spcPts val="0"/>
-              </a:spcBef>
-              <a:spcAft>
-                <a:spcPts val="0"/>
-              </a:spcAft>
-              <a:buClr>
-                <a:schemeClr val="dk1"/>
-              </a:buClr>
-              <a:buSzPts val="1100"/>
-              <a:buFont typeface="Arial"/>
-              <a:buNone/>
-            </a:pPr>
-            <a:r>
-              <a:rPr lang="ru" sz="1500" dirty="0">
+            <a:pPr lvl="0"/>
+            <a:r>
+              <a:rPr lang="ru-RU" sz="1200" dirty="0" smtClean="0">
                 <a:solidFill>
                   <a:schemeClr val="dk1"/>
                 </a:solidFill>
@@ -25313,10 +25278,10 @@
                 <a:cs typeface="Roboto"/>
                 <a:sym typeface="Roboto"/>
               </a:rPr>
-              <a:t>2. </a:t>
-            </a:r>
-            <a:r>
-              <a:rPr lang="ru" sz="1500" dirty="0" smtClean="0">
+              <a:t>2</a:t>
+            </a:r>
+            <a:r>
+              <a:rPr lang="ru-RU" sz="1200" dirty="0" smtClean="0">
                 <a:solidFill>
                   <a:schemeClr val="dk1"/>
                 </a:solidFill>
@@ -25325,9 +25290,16 @@
                 <a:cs typeface="Roboto"/>
                 <a:sym typeface="Roboto"/>
               </a:rPr>
-              <a:t>Проекция</a:t>
-            </a:r>
-            <a:endParaRPr sz="1300">
+              <a:t>. </a:t>
+            </a:r>
+            <a:r>
+              <a:rPr lang="ru-RU" sz="1200" dirty="0" smtClean="0">
+                <a:latin typeface="Roboto" charset="0"/>
+                <a:ea typeface="Roboto" charset="0"/>
+              </a:rPr>
+              <a:t>Полиморфизм</a:t>
+            </a:r>
+            <a:endParaRPr lang="ru-RU" sz="1200" dirty="0">
               <a:solidFill>
                 <a:schemeClr val="dk1"/>
               </a:solidFill>
@@ -25341,13 +25313,13 @@
       </p:sp>
       <p:sp>
         <p:nvSpPr>
-          <p:cNvPr id="177" name="Google Shape;177;p36"/>
+          <p:cNvPr id="181" name="Google Shape;181;p36"/>
           <p:cNvSpPr/>
           <p:nvPr/>
         </p:nvSpPr>
         <p:spPr>
           <a:xfrm>
-            <a:off x="4641875" y="1521148"/>
+            <a:off x="2475538" y="2852300"/>
             <a:ext cx="3627000" cy="426300"/>
           </a:xfrm>
           <a:prstGeom prst="roundRect">
@@ -25370,7 +25342,7 @@
           <a:p>
             <a:pPr lvl="0"/>
             <a:r>
-              <a:rPr lang="ru-RU" dirty="0" smtClean="0">
+              <a:rPr lang="en-US" dirty="0" smtClean="0">
                 <a:solidFill>
                   <a:schemeClr val="dk1"/>
                 </a:solidFill>
@@ -25379,14 +25351,38 @@
                 <a:cs typeface="Roboto"/>
                 <a:sym typeface="Roboto"/>
               </a:rPr>
-              <a:t>6. Секционирование данных</a:t>
-            </a:r>
-            <a:endParaRPr lang="ru-RU" sz="1200" dirty="0">
+              <a:t>3</a:t>
+            </a:r>
+            <a:r>
+              <a:rPr lang="ru-RU" dirty="0" smtClean="0">
+                <a:solidFill>
+                  <a:schemeClr val="dk1"/>
+                </a:solidFill>
+                <a:latin typeface="Roboto"/>
+                <a:ea typeface="Roboto"/>
+                <a:cs typeface="Roboto"/>
+                <a:sym typeface="Roboto"/>
+              </a:rPr>
+              <a:t>. </a:t>
+            </a:r>
+            <a:r>
+              <a:rPr lang="en-US" dirty="0" smtClean="0">
+                <a:solidFill>
+                  <a:schemeClr val="dk1"/>
+                </a:solidFill>
+                <a:latin typeface="Roboto" charset="0"/>
+                <a:ea typeface="Roboto" charset="0"/>
+                <a:cs typeface="Roboto"/>
+                <a:sym typeface="Roboto"/>
+              </a:rPr>
+              <a:t>UML</a:t>
+            </a:r>
+            <a:endParaRPr lang="ru-RU" dirty="0">
               <a:solidFill>
                 <a:schemeClr val="dk1"/>
               </a:solidFill>
-              <a:latin typeface="Roboto"/>
-              <a:ea typeface="Roboto"/>
+              <a:latin typeface="Roboto" charset="0"/>
+              <a:ea typeface="Roboto" charset="0"/>
               <a:cs typeface="Roboto"/>
               <a:sym typeface="Roboto"/>
             </a:endParaRPr>
@@ -25395,14 +25391,14 @@
       </p:sp>
       <p:sp>
         <p:nvSpPr>
-          <p:cNvPr id="178" name="Google Shape;178;p36"/>
+          <p:cNvPr id="182" name="Google Shape;182;p36"/>
           <p:cNvSpPr/>
           <p:nvPr/>
         </p:nvSpPr>
         <p:spPr>
           <a:xfrm>
-            <a:off x="680150" y="2852327"/>
-            <a:ext cx="3384900" cy="426300"/>
+            <a:off x="2475538" y="3517875"/>
+            <a:ext cx="3627000" cy="426300"/>
           </a:xfrm>
           <a:prstGeom prst="roundRect">
             <a:avLst>
@@ -25422,17 +25418,9 @@
           </a:bodyPr>
           <a:lstStyle/>
           <a:p>
-            <a:pPr marL="0" lvl="0" indent="0" algn="l" rtl="0">
-              <a:spcBef>
-                <a:spcPts val="0"/>
-              </a:spcBef>
-              <a:spcAft>
-                <a:spcPts val="0"/>
-              </a:spcAft>
-              <a:buNone/>
-            </a:pPr>
-            <a:r>
-              <a:rPr lang="ru" sz="1500" dirty="0">
+            <a:pPr lvl="0"/>
+            <a:r>
+              <a:rPr lang="en-US" sz="1500" dirty="0" smtClean="0">
                 <a:solidFill>
                   <a:schemeClr val="dk1"/>
                 </a:solidFill>
@@ -25441,7 +25429,7 @@
                 <a:cs typeface="Roboto"/>
                 <a:sym typeface="Roboto"/>
               </a:rPr>
-              <a:t>3. </a:t>
+              <a:t>4</a:t>
             </a:r>
             <a:r>
               <a:rPr lang="ru" sz="1500" dirty="0" smtClean="0">
@@ -25453,9 +25441,21 @@
                 <a:cs typeface="Roboto"/>
                 <a:sym typeface="Roboto"/>
               </a:rPr>
-              <a:t>Операции с наборами</a:t>
-            </a:r>
-            <a:endParaRPr sz="1500">
+              <a:t>. </a:t>
+            </a:r>
+            <a:r>
+              <a:rPr lang="ru-RU" sz="1500" dirty="0" smtClean="0">
+                <a:solidFill>
+                  <a:schemeClr val="dk1"/>
+                </a:solidFill>
+                <a:latin typeface="Roboto"/>
+                <a:ea typeface="Roboto"/>
+                <a:cs typeface="Roboto"/>
+                <a:sym typeface="Roboto"/>
+              </a:rPr>
+              <a:t>Решение задач</a:t>
+            </a:r>
+            <a:endParaRPr sz="1300">
               <a:solidFill>
                 <a:schemeClr val="dk1"/>
               </a:solidFill>
@@ -25469,14 +25469,14 @@
       </p:sp>
       <p:sp>
         <p:nvSpPr>
-          <p:cNvPr id="179" name="Google Shape;179;p36"/>
+          <p:cNvPr id="12" name="Google Shape;182;p36"/>
           <p:cNvSpPr/>
           <p:nvPr/>
         </p:nvSpPr>
         <p:spPr>
           <a:xfrm>
-            <a:off x="680150" y="3517925"/>
-            <a:ext cx="3384900" cy="426300"/>
+            <a:off x="2475538" y="4167231"/>
+            <a:ext cx="3627000" cy="426300"/>
           </a:xfrm>
           <a:prstGeom prst="roundRect">
             <a:avLst>
@@ -25496,17 +25496,9 @@
           </a:bodyPr>
           <a:lstStyle/>
           <a:p>
-            <a:pPr marL="0" lvl="0" indent="0" algn="l" rtl="0">
-              <a:spcBef>
-                <a:spcPts val="0"/>
-              </a:spcBef>
-              <a:spcAft>
-                <a:spcPts val="0"/>
-              </a:spcAft>
-              <a:buNone/>
-            </a:pPr>
-            <a:r>
-              <a:rPr lang="ru" dirty="0">
+            <a:pPr lvl="0"/>
+            <a:r>
+              <a:rPr lang="ru-RU" sz="1500" dirty="0" smtClean="0">
                 <a:solidFill>
                   <a:schemeClr val="dk1"/>
                 </a:solidFill>
@@ -25515,363 +25507,7 @@
                 <a:cs typeface="Roboto"/>
                 <a:sym typeface="Roboto"/>
               </a:rPr>
-              <a:t>4. </a:t>
-            </a:r>
-            <a:r>
-              <a:rPr lang="ru" dirty="0" smtClean="0">
-                <a:solidFill>
-                  <a:schemeClr val="dk1"/>
-                </a:solidFill>
-                <a:latin typeface="Roboto"/>
-                <a:ea typeface="Roboto"/>
-                <a:cs typeface="Roboto"/>
-                <a:sym typeface="Roboto"/>
-              </a:rPr>
-              <a:t>Сортировка данных</a:t>
-            </a:r>
-            <a:endParaRPr sz="1200">
-              <a:solidFill>
-                <a:schemeClr val="dk1"/>
-              </a:solidFill>
-              <a:latin typeface="Roboto"/>
-              <a:ea typeface="Roboto"/>
-              <a:cs typeface="Roboto"/>
-              <a:sym typeface="Roboto"/>
-            </a:endParaRPr>
-          </a:p>
-        </p:txBody>
-      </p:sp>
-      <p:sp>
-        <p:nvSpPr>
-          <p:cNvPr id="180" name="Google Shape;180;p36"/>
-          <p:cNvSpPr/>
-          <p:nvPr/>
-        </p:nvSpPr>
-        <p:spPr>
-          <a:xfrm>
-            <a:off x="4641869" y="2186725"/>
-            <a:ext cx="3627000" cy="426300"/>
-          </a:xfrm>
-          <a:prstGeom prst="roundRect">
-            <a:avLst>
-              <a:gd name="adj" fmla="val 16667"/>
-            </a:avLst>
-          </a:prstGeom>
-          <a:solidFill>
-            <a:srgbClr val="FFD966"/>
-          </a:solidFill>
-          <a:ln>
-            <a:noFill/>
-          </a:ln>
-        </p:spPr>
-        <p:txBody>
-          <a:bodyPr spcFirstLastPara="1" wrap="square" lIns="270000" tIns="91425" rIns="270000" bIns="91425" anchor="ctr" anchorCtr="0">
-            <a:noAutofit/>
-          </a:bodyPr>
-          <a:lstStyle/>
-          <a:p>
-            <a:pPr lvl="0"/>
-            <a:r>
-              <a:rPr lang="ru-RU" sz="1200" dirty="0" smtClean="0">
-                <a:solidFill>
-                  <a:schemeClr val="dk1"/>
-                </a:solidFill>
-                <a:latin typeface="Roboto"/>
-                <a:ea typeface="Roboto"/>
-                <a:cs typeface="Roboto"/>
-                <a:sym typeface="Roboto"/>
-              </a:rPr>
-              <a:t>7. </a:t>
-            </a:r>
-            <a:r>
-              <a:rPr lang="ru-RU" sz="1200" dirty="0" smtClean="0">
-                <a:latin typeface="Roboto" charset="0"/>
-                <a:ea typeface="Roboto" charset="0"/>
-              </a:rPr>
-              <a:t>Преобразование(конвертация</a:t>
-            </a:r>
-            <a:r>
-              <a:rPr lang="ru-RU" sz="1200" dirty="0" smtClean="0"/>
-              <a:t>) данных</a:t>
-            </a:r>
-            <a:endParaRPr lang="ru-RU" sz="1200" dirty="0">
-              <a:solidFill>
-                <a:schemeClr val="dk1"/>
-              </a:solidFill>
-              <a:latin typeface="Roboto"/>
-              <a:ea typeface="Roboto"/>
-              <a:cs typeface="Roboto"/>
-              <a:sym typeface="Roboto"/>
-            </a:endParaRPr>
-          </a:p>
-        </p:txBody>
-      </p:sp>
-      <p:sp>
-        <p:nvSpPr>
-          <p:cNvPr id="181" name="Google Shape;181;p36"/>
-          <p:cNvSpPr/>
-          <p:nvPr/>
-        </p:nvSpPr>
-        <p:spPr>
-          <a:xfrm>
-            <a:off x="4641869" y="2852300"/>
-            <a:ext cx="3627000" cy="426300"/>
-          </a:xfrm>
-          <a:prstGeom prst="roundRect">
-            <a:avLst>
-              <a:gd name="adj" fmla="val 16667"/>
-            </a:avLst>
-          </a:prstGeom>
-          <a:solidFill>
-            <a:srgbClr val="FFD966"/>
-          </a:solidFill>
-          <a:ln>
-            <a:noFill/>
-          </a:ln>
-        </p:spPr>
-        <p:txBody>
-          <a:bodyPr spcFirstLastPara="1" wrap="square" lIns="270000" tIns="91425" rIns="270000" bIns="91425" anchor="ctr" anchorCtr="0">
-            <a:noAutofit/>
-          </a:bodyPr>
-          <a:lstStyle/>
-          <a:p>
-            <a:pPr lvl="0"/>
-            <a:r>
-              <a:rPr lang="ru-RU" dirty="0" smtClean="0">
-                <a:solidFill>
-                  <a:schemeClr val="dk1"/>
-                </a:solidFill>
-                <a:latin typeface="Roboto"/>
-                <a:ea typeface="Roboto"/>
-                <a:cs typeface="Roboto"/>
-                <a:sym typeface="Roboto"/>
-              </a:rPr>
-              <a:t>8. </a:t>
-            </a:r>
-            <a:r>
-              <a:rPr lang="ru-RU" dirty="0" smtClean="0">
-                <a:latin typeface="Roboto" charset="0"/>
-                <a:ea typeface="Roboto" charset="0"/>
-              </a:rPr>
-              <a:t>Операции соединения</a:t>
-            </a:r>
-            <a:endParaRPr lang="ru-RU" dirty="0">
-              <a:solidFill>
-                <a:schemeClr val="dk1"/>
-              </a:solidFill>
-              <a:latin typeface="Roboto" charset="0"/>
-              <a:ea typeface="Roboto" charset="0"/>
-              <a:cs typeface="Roboto"/>
-              <a:sym typeface="Roboto"/>
-            </a:endParaRPr>
-          </a:p>
-        </p:txBody>
-      </p:sp>
-      <p:sp>
-        <p:nvSpPr>
-          <p:cNvPr id="182" name="Google Shape;182;p36"/>
-          <p:cNvSpPr/>
-          <p:nvPr/>
-        </p:nvSpPr>
-        <p:spPr>
-          <a:xfrm>
-            <a:off x="4641869" y="3517875"/>
-            <a:ext cx="3627000" cy="426300"/>
-          </a:xfrm>
-          <a:prstGeom prst="roundRect">
-            <a:avLst>
-              <a:gd name="adj" fmla="val 16667"/>
-            </a:avLst>
-          </a:prstGeom>
-          <a:solidFill>
-            <a:srgbClr val="FFD966"/>
-          </a:solidFill>
-          <a:ln>
-            <a:noFill/>
-          </a:ln>
-        </p:spPr>
-        <p:txBody>
-          <a:bodyPr spcFirstLastPara="1" wrap="square" lIns="270000" tIns="91425" rIns="270000" bIns="91425" anchor="ctr" anchorCtr="0">
-            <a:noAutofit/>
-          </a:bodyPr>
-          <a:lstStyle/>
-          <a:p>
-            <a:pPr lvl="0"/>
-            <a:r>
-              <a:rPr lang="en-US" sz="1500" dirty="0" smtClean="0">
-                <a:solidFill>
-                  <a:schemeClr val="dk1"/>
-                </a:solidFill>
-                <a:latin typeface="Roboto"/>
-                <a:ea typeface="Roboto"/>
-                <a:cs typeface="Roboto"/>
-                <a:sym typeface="Roboto"/>
-              </a:rPr>
-              <a:t>9</a:t>
-            </a:r>
-            <a:r>
-              <a:rPr lang="ru" sz="1500" dirty="0" smtClean="0">
-                <a:solidFill>
-                  <a:schemeClr val="dk1"/>
-                </a:solidFill>
-                <a:latin typeface="Roboto"/>
-                <a:ea typeface="Roboto"/>
-                <a:cs typeface="Roboto"/>
-                <a:sym typeface="Roboto"/>
-              </a:rPr>
-              <a:t>. </a:t>
-            </a:r>
-            <a:r>
-              <a:rPr lang="ru-RU" dirty="0" smtClean="0">
-                <a:solidFill>
-                  <a:schemeClr val="dk1"/>
-                </a:solidFill>
-                <a:latin typeface="Roboto"/>
-                <a:ea typeface="Roboto"/>
-                <a:cs typeface="Roboto"/>
-                <a:sym typeface="Roboto"/>
-              </a:rPr>
-              <a:t>Группировка</a:t>
-            </a:r>
-            <a:r>
-              <a:rPr lang="ru-RU" sz="1500" dirty="0" smtClean="0">
-                <a:solidFill>
-                  <a:schemeClr val="dk1"/>
-                </a:solidFill>
-                <a:latin typeface="Roboto"/>
-                <a:ea typeface="Roboto"/>
-                <a:cs typeface="Roboto"/>
-                <a:sym typeface="Roboto"/>
-              </a:rPr>
-              <a:t> элементов</a:t>
-            </a:r>
-            <a:endParaRPr sz="1300">
-              <a:solidFill>
-                <a:schemeClr val="dk1"/>
-              </a:solidFill>
-              <a:latin typeface="Roboto"/>
-              <a:ea typeface="Roboto"/>
-              <a:cs typeface="Roboto"/>
-              <a:sym typeface="Roboto"/>
-            </a:endParaRPr>
-          </a:p>
-        </p:txBody>
-      </p:sp>
-      <p:sp>
-        <p:nvSpPr>
-          <p:cNvPr id="11" name="Google Shape;177;p36"/>
-          <p:cNvSpPr/>
-          <p:nvPr/>
-        </p:nvSpPr>
-        <p:spPr>
-          <a:xfrm>
-            <a:off x="659597" y="4178208"/>
-            <a:ext cx="3395568" cy="426300"/>
-          </a:xfrm>
-          <a:prstGeom prst="roundRect">
-            <a:avLst>
-              <a:gd name="adj" fmla="val 16667"/>
-            </a:avLst>
-          </a:prstGeom>
-          <a:solidFill>
-            <a:srgbClr val="FFD966"/>
-          </a:solidFill>
-          <a:ln>
-            <a:noFill/>
-          </a:ln>
-        </p:spPr>
-        <p:txBody>
-          <a:bodyPr spcFirstLastPara="1" wrap="square" lIns="270000" tIns="91425" rIns="270000" bIns="91425" anchor="ctr" anchorCtr="0">
-            <a:noAutofit/>
-          </a:bodyPr>
-          <a:lstStyle/>
-          <a:p>
-            <a:pPr marL="0" lvl="0" indent="0" algn="l" rtl="0">
-              <a:spcBef>
-                <a:spcPts val="0"/>
-              </a:spcBef>
-              <a:spcAft>
-                <a:spcPts val="0"/>
-              </a:spcAft>
-              <a:buNone/>
-            </a:pPr>
-            <a:r>
-              <a:rPr lang="ru" dirty="0">
-                <a:solidFill>
-                  <a:schemeClr val="dk1"/>
-                </a:solidFill>
-                <a:latin typeface="Roboto"/>
-                <a:ea typeface="Roboto"/>
-                <a:cs typeface="Roboto"/>
-                <a:sym typeface="Roboto"/>
-              </a:rPr>
-              <a:t>5. </a:t>
-            </a:r>
-            <a:r>
-              <a:rPr lang="ru" dirty="0" smtClean="0">
-                <a:solidFill>
-                  <a:schemeClr val="dk1"/>
-                </a:solidFill>
-                <a:latin typeface="Roboto"/>
-                <a:ea typeface="Roboto"/>
-                <a:cs typeface="Roboto"/>
-                <a:sym typeface="Roboto"/>
-              </a:rPr>
-              <a:t>Квантификаторы</a:t>
-            </a:r>
-            <a:endParaRPr sz="1200">
-              <a:solidFill>
-                <a:schemeClr val="dk1"/>
-              </a:solidFill>
-              <a:latin typeface="Roboto"/>
-              <a:ea typeface="Roboto"/>
-              <a:cs typeface="Roboto"/>
-              <a:sym typeface="Roboto"/>
-            </a:endParaRPr>
-          </a:p>
-        </p:txBody>
-      </p:sp>
-      <p:sp>
-        <p:nvSpPr>
-          <p:cNvPr id="12" name="Google Shape;182;p36"/>
-          <p:cNvSpPr/>
-          <p:nvPr/>
-        </p:nvSpPr>
-        <p:spPr>
-          <a:xfrm>
-            <a:off x="4641869" y="4167231"/>
-            <a:ext cx="3627000" cy="426300"/>
-          </a:xfrm>
-          <a:prstGeom prst="roundRect">
-            <a:avLst>
-              <a:gd name="adj" fmla="val 16667"/>
-            </a:avLst>
-          </a:prstGeom>
-          <a:solidFill>
-            <a:srgbClr val="FFD966"/>
-          </a:solidFill>
-          <a:ln>
-            <a:noFill/>
-          </a:ln>
-        </p:spPr>
-        <p:txBody>
-          <a:bodyPr spcFirstLastPara="1" wrap="square" lIns="270000" tIns="91425" rIns="270000" bIns="91425" anchor="ctr" anchorCtr="0">
-            <a:noAutofit/>
-          </a:bodyPr>
-          <a:lstStyle/>
-          <a:p>
-            <a:pPr lvl="0"/>
-            <a:r>
-              <a:rPr lang="en-US" sz="1500" dirty="0" smtClean="0">
-                <a:solidFill>
-                  <a:schemeClr val="dk1"/>
-                </a:solidFill>
-                <a:latin typeface="Roboto"/>
-                <a:ea typeface="Roboto"/>
-                <a:cs typeface="Roboto"/>
-                <a:sym typeface="Roboto"/>
-              </a:rPr>
-              <a:t>10</a:t>
+              <a:t>5</a:t>
             </a:r>
             <a:r>
               <a:rPr lang="ru" sz="1500" dirty="0" smtClean="0">
@@ -25991,14 +25627,14 @@
           <p:nvPr>
             <p:extLst>
               <p:ext uri="{D42A27DB-BD31-4B8C-83A1-F6EECF244321}">
-                <p14:modId xmlns:p14="http://schemas.microsoft.com/office/powerpoint/2010/main" val="4121394419"/>
+                <p14:modId xmlns:p14="http://schemas.microsoft.com/office/powerpoint/2010/main" xmlns="" val="4121394419"/>
               </p:ext>
             </p:extLst>
           </p:nvPr>
         </p:nvGraphicFramePr>
         <p:xfrm>
           <a:off x="952500" y="1544194"/>
-          <a:ext cx="7239000" cy="1147542"/>
+          <a:ext cx="7239000" cy="1113760"/>
         </p:xfrm>
         <a:graphic>
           <a:graphicData uri="http://schemas.openxmlformats.org/drawingml/2006/table">
@@ -26011,14 +25647,14 @@
                 <a:gridCol w="489425">
                   <a:extLst>
                     <a:ext uri="{9D8B030D-6E8A-4147-A177-3AD203B41FA5}">
-                      <a16:colId xmlns:a16="http://schemas.microsoft.com/office/drawing/2014/main" val="20000"/>
+                      <a16:colId xmlns:a16="http://schemas.microsoft.com/office/drawing/2014/main" xmlns="" val="20000"/>
                     </a:ext>
                   </a:extLst>
                 </a:gridCol>
                 <a:gridCol w="6749575">
                   <a:extLst>
                     <a:ext uri="{9D8B030D-6E8A-4147-A177-3AD203B41FA5}">
-                      <a16:colId xmlns:a16="http://schemas.microsoft.com/office/drawing/2014/main" val="20001"/>
+                      <a16:colId xmlns:a16="http://schemas.microsoft.com/office/drawing/2014/main" xmlns="" val="20001"/>
                     </a:ext>
                   </a:extLst>
                 </a:gridCol>
@@ -26183,7 +25819,7 @@
                 </a:tc>
                 <a:extLst>
                   <a:ext uri="{0D108BD9-81ED-4DB2-BD59-A6C34878D82A}">
-                    <a16:rowId xmlns:a16="http://schemas.microsoft.com/office/drawing/2014/main" val="10000"/>
+                    <a16:rowId xmlns:a16="http://schemas.microsoft.com/office/drawing/2014/main" xmlns="" val="10000"/>
                   </a:ext>
                 </a:extLst>
               </a:tr>
@@ -26286,7 +25922,7 @@
                       <a:r>
                         <a:rPr lang="ru-RU" dirty="0" smtClean="0">
                           <a:solidFill>
-                            <a:srgbClr val="3F3F3F"/>
+                            <a:schemeClr val="tx1"/>
                           </a:solidFill>
                           <a:latin typeface="Roboto"/>
                           <a:ea typeface="Roboto"/>
@@ -26298,7 +25934,7 @@
                       <a:r>
                         <a:rPr lang="ru-RU" baseline="0" dirty="0" smtClean="0">
                           <a:solidFill>
-                            <a:srgbClr val="3F3F3F"/>
+                            <a:schemeClr val="tx1"/>
                           </a:solidFill>
                           <a:latin typeface="Roboto"/>
                           <a:ea typeface="Roboto"/>
@@ -26310,7 +25946,7 @@
                       <a:r>
                         <a:rPr lang="ru-RU" dirty="0" smtClean="0">
                           <a:solidFill>
-                            <a:srgbClr val="3F3F3F"/>
+                            <a:schemeClr val="tx1"/>
                           </a:solidFill>
                           <a:latin typeface="Roboto"/>
                           <a:ea typeface="Roboto"/>
@@ -26320,6 +25956,9 @@
                         <a:t> ООП.</a:t>
                       </a:r>
                       <a:endParaRPr dirty="0">
+                        <a:solidFill>
+                          <a:schemeClr val="tx1"/>
+                        </a:solidFill>
                         <a:latin typeface="Roboto"/>
                         <a:ea typeface="Roboto"/>
                         <a:cs typeface="Roboto"/>
@@ -26370,7 +26009,7 @@
                 </a:tc>
                 <a:extLst>
                   <a:ext uri="{0D108BD9-81ED-4DB2-BD59-A6C34878D82A}">
-                    <a16:rowId xmlns:a16="http://schemas.microsoft.com/office/drawing/2014/main" val="10001"/>
+                    <a16:rowId xmlns:a16="http://schemas.microsoft.com/office/drawing/2014/main" xmlns="" val="10001"/>
                   </a:ext>
                 </a:extLst>
               </a:tr>
@@ -26473,7 +26112,7 @@
                       <a:r>
                         <a:rPr lang="ru-RU" dirty="0" smtClean="0">
                           <a:solidFill>
-                            <a:srgbClr val="3F3F3F"/>
+                            <a:schemeClr val="tx1"/>
                           </a:solidFill>
                           <a:latin typeface="Roboto"/>
                           <a:ea typeface="Roboto"/>
@@ -26484,7 +26123,7 @@
                       </a:r>
                       <a:endParaRPr lang="en-US" dirty="0" smtClean="0">
                         <a:solidFill>
-                          <a:srgbClr val="3F3F3F"/>
+                          <a:schemeClr val="tx1"/>
                         </a:solidFill>
                         <a:latin typeface="Roboto"/>
                         <a:ea typeface="Roboto"/>
@@ -26536,7 +26175,7 @@
                 </a:tc>
                 <a:extLst>
                   <a:ext uri="{0D108BD9-81ED-4DB2-BD59-A6C34878D82A}">
-                    <a16:rowId xmlns:a16="http://schemas.microsoft.com/office/drawing/2014/main" val="10002"/>
+                    <a16:rowId xmlns:a16="http://schemas.microsoft.com/office/drawing/2014/main" xmlns="" val="10002"/>
                   </a:ext>
                 </a:extLst>
               </a:tr>
@@ -26576,11 +26215,11 @@
   <p:clrMapOvr>
     <a:masterClrMapping/>
   </p:clrMapOvr>
-  <mc:AlternateContent xmlns:mc="http://schemas.openxmlformats.org/markup-compatibility/2006" xmlns:p14="http://schemas.microsoft.com/office/powerpoint/2010/main">
-    <mc:Choice Requires="p14">
+  <mc:AlternateContent xmlns:mc="http://schemas.openxmlformats.org/markup-compatibility/2006">
+    <mc:Choice xmlns:p14="http://schemas.microsoft.com/office/powerpoint/2010/main" xmlns="" Requires="p14">
       <p:transition spd="slow" p14:dur="2000"/>
     </mc:Choice>
-    <mc:Fallback xmlns="">
+    <mc:Fallback>
       <p:transition spd="slow"/>
     </mc:Fallback>
   </mc:AlternateContent>
@@ -26656,18 +26295,18 @@
     </p:spTree>
     <p:extLst>
       <p:ext uri="{BB962C8B-B14F-4D97-AF65-F5344CB8AC3E}">
-        <p14:creationId xmlns:p14="http://schemas.microsoft.com/office/powerpoint/2010/main" val="3227834065"/>
+        <p14:creationId xmlns:p14="http://schemas.microsoft.com/office/powerpoint/2010/main" xmlns="" val="3227834065"/>
       </p:ext>
     </p:extLst>
   </p:cSld>
   <p:clrMapOvr>
     <a:masterClrMapping/>
   </p:clrMapOvr>
-  <mc:AlternateContent xmlns:mc="http://schemas.openxmlformats.org/markup-compatibility/2006" xmlns:p14="http://schemas.microsoft.com/office/powerpoint/2010/main">
-    <mc:Choice Requires="p14">
+  <mc:AlternateContent xmlns:mc="http://schemas.openxmlformats.org/markup-compatibility/2006">
+    <mc:Choice xmlns:p14="http://schemas.microsoft.com/office/powerpoint/2010/main" xmlns="" Requires="p14">
       <p:transition spd="slow" p14:dur="2000"/>
     </mc:Choice>
-    <mc:Fallback xmlns="">
+    <mc:Fallback>
       <p:transition spd="slow"/>
     </mc:Fallback>
   </mc:AlternateContent>
@@ -26779,15 +26418,7 @@
             </a:r>
             <a:r>
               <a:rPr lang="ru-RU" dirty="0" smtClean="0"/>
-              <a:t>концепци</a:t>
-            </a:r>
-            <a:r>
-              <a:rPr lang="ru-RU" dirty="0" smtClean="0"/>
-              <a:t>я,</a:t>
-            </a:r>
-            <a:r>
-              <a:rPr lang="ru-RU" dirty="0" smtClean="0"/>
-              <a:t> </a:t>
+              <a:t>концепция, </a:t>
             </a:r>
             <a:r>
               <a:rPr lang="ru-RU" dirty="0"/>
@@ -26825,7 +26456,7 @@
           <a:blip r:embed="rId3">
             <a:extLst>
               <a:ext uri="{28A0092B-C50C-407E-A947-70E740481C1C}">
-                <a14:useLocalDpi xmlns:a14="http://schemas.microsoft.com/office/drawing/2010/main" val="0"/>
+                <a14:useLocalDpi xmlns:a14="http://schemas.microsoft.com/office/drawing/2010/main" xmlns="" val="0"/>
               </a:ext>
             </a:extLst>
           </a:blip>
@@ -26845,7 +26476,7 @@
           <a:noFill/>
           <a:extLst>
             <a:ext uri="{909E8E84-426E-40DD-AFC4-6F175D3DCCD1}">
-              <a14:hiddenFill xmlns:a14="http://schemas.microsoft.com/office/drawing/2010/main">
+              <a14:hiddenFill xmlns:a14="http://schemas.microsoft.com/office/drawing/2010/main" xmlns="">
                 <a:solidFill>
                   <a:srgbClr val="FFFFFF"/>
                 </a:solidFill>

--- a/ООПp.2.pptx
+++ b/ООПp.2.pptx
@@ -5,7 +5,7 @@
     <p:sldMasterId id="2147483676" r:id="rId1"/>
   </p:sldMasterIdLst>
   <p:notesMasterIdLst>
-    <p:notesMasterId r:id="rId41"/>
+    <p:notesMasterId r:id="rId42"/>
   </p:notesMasterIdLst>
   <p:sldIdLst>
     <p:sldId id="323" r:id="rId2"/>
@@ -35,35 +35,36 @@
     <p:sldId id="420" r:id="rId26"/>
     <p:sldId id="423" r:id="rId27"/>
     <p:sldId id="444" r:id="rId28"/>
-    <p:sldId id="424" r:id="rId29"/>
-    <p:sldId id="435" r:id="rId30"/>
-    <p:sldId id="437" r:id="rId31"/>
-    <p:sldId id="398" r:id="rId32"/>
-    <p:sldId id="382" r:id="rId33"/>
-    <p:sldId id="438" r:id="rId34"/>
-    <p:sldId id="441" r:id="rId35"/>
-    <p:sldId id="440" r:id="rId36"/>
-    <p:sldId id="436" r:id="rId37"/>
-    <p:sldId id="304" r:id="rId38"/>
-    <p:sldId id="439" r:id="rId39"/>
-    <p:sldId id="306" r:id="rId40"/>
+    <p:sldId id="449" r:id="rId29"/>
+    <p:sldId id="424" r:id="rId30"/>
+    <p:sldId id="435" r:id="rId31"/>
+    <p:sldId id="437" r:id="rId32"/>
+    <p:sldId id="398" r:id="rId33"/>
+    <p:sldId id="382" r:id="rId34"/>
+    <p:sldId id="438" r:id="rId35"/>
+    <p:sldId id="441" r:id="rId36"/>
+    <p:sldId id="440" r:id="rId37"/>
+    <p:sldId id="436" r:id="rId38"/>
+    <p:sldId id="304" r:id="rId39"/>
+    <p:sldId id="439" r:id="rId40"/>
+    <p:sldId id="306" r:id="rId41"/>
   </p:sldIdLst>
   <p:sldSz cx="9144000" cy="5143500" type="screen16x9"/>
   <p:notesSz cx="6858000" cy="9144000"/>
   <p:embeddedFontLst>
     <p:embeddedFont>
       <p:font typeface="Roboto" charset="0"/>
-      <p:regular r:id="rId42"/>
-      <p:bold r:id="rId43"/>
-      <p:italic r:id="rId44"/>
-      <p:boldItalic r:id="rId45"/>
+      <p:regular r:id="rId43"/>
+      <p:bold r:id="rId44"/>
+      <p:italic r:id="rId45"/>
+      <p:boldItalic r:id="rId46"/>
     </p:embeddedFont>
     <p:embeddedFont>
       <p:font typeface="Consolas" pitchFamily="49" charset="0"/>
-      <p:regular r:id="rId46"/>
-      <p:bold r:id="rId47"/>
-      <p:italic r:id="rId48"/>
-      <p:boldItalic r:id="rId49"/>
+      <p:regular r:id="rId47"/>
+      <p:bold r:id="rId48"/>
+      <p:italic r:id="rId49"/>
+      <p:boldItalic r:id="rId50"/>
     </p:embeddedFont>
   </p:embeddedFontLst>
   <p:defaultTextStyle>
@@ -297,7 +298,7 @@
   </p:defaultTextStyle>
   <p:extLst>
     <p:ext uri="{EFAFB233-063F-42B5-8137-9DF3F51BA10A}">
-      <p15:sldGuideLst xmlns:p15="http://schemas.microsoft.com/office/powerpoint/2012/main" xmlns="">
+      <p15:sldGuideLst xmlns="" xmlns:p15="http://schemas.microsoft.com/office/powerpoint/2012/main">
         <p15:guide id="1" orient="horz" pos="1620">
           <p15:clr>
             <a:srgbClr val="A4A3A4"/>
@@ -854,7 +855,7 @@
     </p:spTree>
     <p:extLst>
       <p:ext uri="{BB962C8B-B14F-4D97-AF65-F5344CB8AC3E}">
-        <p14:creationId xmlns:p14="http://schemas.microsoft.com/office/powerpoint/2010/main" xmlns="" val="1559280179"/>
+        <p14:creationId xmlns="" xmlns:p14="http://schemas.microsoft.com/office/powerpoint/2010/main" val="1559280179"/>
       </p:ext>
     </p:extLst>
   </p:cSld>
@@ -963,7 +964,7 @@
     </p:spTree>
     <p:extLst>
       <p:ext uri="{BB962C8B-B14F-4D97-AF65-F5344CB8AC3E}">
-        <p14:creationId xmlns:p14="http://schemas.microsoft.com/office/powerpoint/2010/main" xmlns="" val="3372823729"/>
+        <p14:creationId xmlns="" xmlns:p14="http://schemas.microsoft.com/office/powerpoint/2010/main" val="3372823729"/>
       </p:ext>
     </p:extLst>
   </p:cSld>
@@ -1072,7 +1073,7 @@
     </p:spTree>
     <p:extLst>
       <p:ext uri="{BB962C8B-B14F-4D97-AF65-F5344CB8AC3E}">
-        <p14:creationId xmlns:p14="http://schemas.microsoft.com/office/powerpoint/2010/main" xmlns="" val="3372823729"/>
+        <p14:creationId xmlns="" xmlns:p14="http://schemas.microsoft.com/office/powerpoint/2010/main" val="3372823729"/>
       </p:ext>
     </p:extLst>
   </p:cSld>
@@ -1181,7 +1182,7 @@
     </p:spTree>
     <p:extLst>
       <p:ext uri="{BB962C8B-B14F-4D97-AF65-F5344CB8AC3E}">
-        <p14:creationId xmlns:p14="http://schemas.microsoft.com/office/powerpoint/2010/main" xmlns="" val="3372823729"/>
+        <p14:creationId xmlns="" xmlns:p14="http://schemas.microsoft.com/office/powerpoint/2010/main" val="3372823729"/>
       </p:ext>
     </p:extLst>
   </p:cSld>
@@ -1290,7 +1291,7 @@
     </p:spTree>
     <p:extLst>
       <p:ext uri="{BB962C8B-B14F-4D97-AF65-F5344CB8AC3E}">
-        <p14:creationId xmlns:p14="http://schemas.microsoft.com/office/powerpoint/2010/main" xmlns="" val="3372823729"/>
+        <p14:creationId xmlns="" xmlns:p14="http://schemas.microsoft.com/office/powerpoint/2010/main" val="3372823729"/>
       </p:ext>
     </p:extLst>
   </p:cSld>
@@ -1399,7 +1400,7 @@
     </p:spTree>
     <p:extLst>
       <p:ext uri="{BB962C8B-B14F-4D97-AF65-F5344CB8AC3E}">
-        <p14:creationId xmlns:p14="http://schemas.microsoft.com/office/powerpoint/2010/main" xmlns="" val="3020616377"/>
+        <p14:creationId xmlns="" xmlns:p14="http://schemas.microsoft.com/office/powerpoint/2010/main" val="3020616377"/>
       </p:ext>
     </p:extLst>
   </p:cSld>
@@ -1508,7 +1509,7 @@
     </p:spTree>
     <p:extLst>
       <p:ext uri="{BB962C8B-B14F-4D97-AF65-F5344CB8AC3E}">
-        <p14:creationId xmlns:p14="http://schemas.microsoft.com/office/powerpoint/2010/main" xmlns="" val="2087147400"/>
+        <p14:creationId xmlns="" xmlns:p14="http://schemas.microsoft.com/office/powerpoint/2010/main" val="2087147400"/>
       </p:ext>
     </p:extLst>
   </p:cSld>
@@ -1617,7 +1618,7 @@
     </p:spTree>
     <p:extLst>
       <p:ext uri="{BB962C8B-B14F-4D97-AF65-F5344CB8AC3E}">
-        <p14:creationId xmlns:p14="http://schemas.microsoft.com/office/powerpoint/2010/main" xmlns="" val="2087147400"/>
+        <p14:creationId xmlns="" xmlns:p14="http://schemas.microsoft.com/office/powerpoint/2010/main" val="2087147400"/>
       </p:ext>
     </p:extLst>
   </p:cSld>
@@ -1726,7 +1727,7 @@
     </p:spTree>
     <p:extLst>
       <p:ext uri="{BB962C8B-B14F-4D97-AF65-F5344CB8AC3E}">
-        <p14:creationId xmlns:p14="http://schemas.microsoft.com/office/powerpoint/2010/main" xmlns="" val="2087147400"/>
+        <p14:creationId xmlns="" xmlns:p14="http://schemas.microsoft.com/office/powerpoint/2010/main" val="2087147400"/>
       </p:ext>
     </p:extLst>
   </p:cSld>
@@ -1835,7 +1836,7 @@
     </p:spTree>
     <p:extLst>
       <p:ext uri="{BB962C8B-B14F-4D97-AF65-F5344CB8AC3E}">
-        <p14:creationId xmlns:p14="http://schemas.microsoft.com/office/powerpoint/2010/main" xmlns="" val="3020616377"/>
+        <p14:creationId xmlns="" xmlns:p14="http://schemas.microsoft.com/office/powerpoint/2010/main" val="3020616377"/>
       </p:ext>
     </p:extLst>
   </p:cSld>
@@ -1944,7 +1945,7 @@
     </p:spTree>
     <p:extLst>
       <p:ext uri="{BB962C8B-B14F-4D97-AF65-F5344CB8AC3E}">
-        <p14:creationId xmlns:p14="http://schemas.microsoft.com/office/powerpoint/2010/main" xmlns="" val="2459792676"/>
+        <p14:creationId xmlns="" xmlns:p14="http://schemas.microsoft.com/office/powerpoint/2010/main" val="2459792676"/>
       </p:ext>
     </p:extLst>
   </p:cSld>
@@ -2157,7 +2158,7 @@
     </p:spTree>
     <p:extLst>
       <p:ext uri="{BB962C8B-B14F-4D97-AF65-F5344CB8AC3E}">
-        <p14:creationId xmlns:p14="http://schemas.microsoft.com/office/powerpoint/2010/main" xmlns="" val="2459792676"/>
+        <p14:creationId xmlns="" xmlns:p14="http://schemas.microsoft.com/office/powerpoint/2010/main" val="2459792676"/>
       </p:ext>
     </p:extLst>
   </p:cSld>
@@ -2266,7 +2267,7 @@
     </p:spTree>
     <p:extLst>
       <p:ext uri="{BB962C8B-B14F-4D97-AF65-F5344CB8AC3E}">
-        <p14:creationId xmlns:p14="http://schemas.microsoft.com/office/powerpoint/2010/main" xmlns="" val="1094642682"/>
+        <p14:creationId xmlns="" xmlns:p14="http://schemas.microsoft.com/office/powerpoint/2010/main" val="1094642682"/>
       </p:ext>
     </p:extLst>
   </p:cSld>
@@ -2375,7 +2376,7 @@
     </p:spTree>
     <p:extLst>
       <p:ext uri="{BB962C8B-B14F-4D97-AF65-F5344CB8AC3E}">
-        <p14:creationId xmlns:p14="http://schemas.microsoft.com/office/powerpoint/2010/main" xmlns="" val="1581538293"/>
+        <p14:creationId xmlns="" xmlns:p14="http://schemas.microsoft.com/office/powerpoint/2010/main" val="1581538293"/>
       </p:ext>
     </p:extLst>
   </p:cSld>
@@ -2484,7 +2485,7 @@
     </p:spTree>
     <p:extLst>
       <p:ext uri="{BB962C8B-B14F-4D97-AF65-F5344CB8AC3E}">
-        <p14:creationId xmlns:p14="http://schemas.microsoft.com/office/powerpoint/2010/main" xmlns="" val="2177913404"/>
+        <p14:creationId xmlns="" xmlns:p14="http://schemas.microsoft.com/office/powerpoint/2010/main" val="2177913404"/>
       </p:ext>
     </p:extLst>
   </p:cSld>
@@ -2593,7 +2594,7 @@
     </p:spTree>
     <p:extLst>
       <p:ext uri="{BB962C8B-B14F-4D97-AF65-F5344CB8AC3E}">
-        <p14:creationId xmlns:p14="http://schemas.microsoft.com/office/powerpoint/2010/main" xmlns="" val="2177913404"/>
+        <p14:creationId xmlns="" xmlns:p14="http://schemas.microsoft.com/office/powerpoint/2010/main" val="2177913404"/>
       </p:ext>
     </p:extLst>
   </p:cSld>
@@ -2702,7 +2703,7 @@
     </p:spTree>
     <p:extLst>
       <p:ext uri="{BB962C8B-B14F-4D97-AF65-F5344CB8AC3E}">
-        <p14:creationId xmlns:p14="http://schemas.microsoft.com/office/powerpoint/2010/main" xmlns="" val="2177913404"/>
+        <p14:creationId xmlns="" xmlns:p14="http://schemas.microsoft.com/office/powerpoint/2010/main" val="2177913404"/>
       </p:ext>
     </p:extLst>
   </p:cSld>
@@ -2811,7 +2812,7 @@
     </p:spTree>
     <p:extLst>
       <p:ext uri="{BB962C8B-B14F-4D97-AF65-F5344CB8AC3E}">
-        <p14:creationId xmlns:p14="http://schemas.microsoft.com/office/powerpoint/2010/main" xmlns="" val="2177913404"/>
+        <p14:creationId xmlns="" xmlns:p14="http://schemas.microsoft.com/office/powerpoint/2010/main" val="2177913404"/>
       </p:ext>
     </p:extLst>
   </p:cSld>
@@ -2920,7 +2921,7 @@
     </p:spTree>
     <p:extLst>
       <p:ext uri="{BB962C8B-B14F-4D97-AF65-F5344CB8AC3E}">
-        <p14:creationId xmlns:p14="http://schemas.microsoft.com/office/powerpoint/2010/main" xmlns="" val="818910265"/>
+        <p14:creationId xmlns="" xmlns:p14="http://schemas.microsoft.com/office/powerpoint/2010/main" val="818910265"/>
       </p:ext>
     </p:extLst>
   </p:cSld>
@@ -2935,7 +2936,7 @@
   <p:cSld>
     <p:spTree>
       <p:nvGrpSpPr>
-        <p:cNvPr id="1" name="Shape 455"/>
+        <p:cNvPr id="1" name="Shape 433"/>
         <p:cNvGrpSpPr/>
         <p:nvPr/>
       </p:nvGrpSpPr>
@@ -2949,7 +2950,7 @@
       </p:grpSpPr>
       <p:sp>
         <p:nvSpPr>
-          <p:cNvPr id="456" name="Google Shape;456;g2f62e005416_0_77:notes"/>
+          <p:cNvPr id="434" name="Google Shape;434;g2f69afabb45_0_103:notes"/>
           <p:cNvSpPr>
             <a:spLocks noGrp="1" noRot="1" noChangeAspect="1"/>
           </p:cNvSpPr>
@@ -2990,7 +2991,7 @@
       </p:sp>
       <p:sp>
         <p:nvSpPr>
-          <p:cNvPr id="457" name="Google Shape;457;g2f62e005416_0_77:notes"/>
+          <p:cNvPr id="435" name="Google Shape;435;g2f69afabb45_0_103:notes"/>
           <p:cNvSpPr txBox="1">
             <a:spLocks noGrp="1"/>
           </p:cNvSpPr>
@@ -3029,7 +3030,7 @@
     </p:spTree>
     <p:extLst>
       <p:ext uri="{BB962C8B-B14F-4D97-AF65-F5344CB8AC3E}">
-        <p14:creationId xmlns:p14="http://schemas.microsoft.com/office/powerpoint/2010/main" xmlns="" val="2177913404"/>
+        <p14:creationId xmlns:p14="http://schemas.microsoft.com/office/powerpoint/2010/main" xmlns="" val="818910265"/>
       </p:ext>
     </p:extLst>
   </p:cSld>
@@ -3138,7 +3139,7 @@
     </p:spTree>
     <p:extLst>
       <p:ext uri="{BB962C8B-B14F-4D97-AF65-F5344CB8AC3E}">
-        <p14:creationId xmlns:p14="http://schemas.microsoft.com/office/powerpoint/2010/main" xmlns="" val="2177913404"/>
+        <p14:creationId xmlns="" xmlns:p14="http://schemas.microsoft.com/office/powerpoint/2010/main" val="2177913404"/>
       </p:ext>
     </p:extLst>
   </p:cSld>
@@ -3247,7 +3248,7 @@
     </p:spTree>
     <p:extLst>
       <p:ext uri="{BB962C8B-B14F-4D97-AF65-F5344CB8AC3E}">
-        <p14:creationId xmlns:p14="http://schemas.microsoft.com/office/powerpoint/2010/main" xmlns="" val="3548652113"/>
+        <p14:creationId xmlns="" xmlns:p14="http://schemas.microsoft.com/office/powerpoint/2010/main" val="3548652113"/>
       </p:ext>
     </p:extLst>
   </p:cSld>
@@ -3356,7 +3357,7 @@
     </p:spTree>
     <p:extLst>
       <p:ext uri="{BB962C8B-B14F-4D97-AF65-F5344CB8AC3E}">
-        <p14:creationId xmlns:p14="http://schemas.microsoft.com/office/powerpoint/2010/main" xmlns="" val="2177913404"/>
+        <p14:creationId xmlns="" xmlns:p14="http://schemas.microsoft.com/office/powerpoint/2010/main" val="2177913404"/>
       </p:ext>
     </p:extLst>
   </p:cSld>
@@ -3367,6 +3368,115 @@
 </file>
 
 <file path=ppt/notesSlides/notesSlide31.xml><?xml version="1.0" encoding="utf-8"?>
+<p:notes xmlns:a="http://schemas.openxmlformats.org/drawingml/2006/main" xmlns:r="http://schemas.openxmlformats.org/officeDocument/2006/relationships" xmlns:p="http://schemas.openxmlformats.org/presentationml/2006/main" showMasterSp="0" showMasterPhAnim="0">
+  <p:cSld>
+    <p:spTree>
+      <p:nvGrpSpPr>
+        <p:cNvPr id="1" name="Shape 455"/>
+        <p:cNvGrpSpPr/>
+        <p:nvPr/>
+      </p:nvGrpSpPr>
+      <p:grpSpPr>
+        <a:xfrm>
+          <a:off x="0" y="0"/>
+          <a:ext cx="0" cy="0"/>
+          <a:chOff x="0" y="0"/>
+          <a:chExt cx="0" cy="0"/>
+        </a:xfrm>
+      </p:grpSpPr>
+      <p:sp>
+        <p:nvSpPr>
+          <p:cNvPr id="456" name="Google Shape;456;g2f62e005416_0_77:notes"/>
+          <p:cNvSpPr>
+            <a:spLocks noGrp="1" noRot="1" noChangeAspect="1"/>
+          </p:cNvSpPr>
+          <p:nvPr>
+            <p:ph type="sldImg" idx="2"/>
+          </p:nvPr>
+        </p:nvSpPr>
+        <p:spPr>
+          <a:xfrm>
+            <a:off x="381000" y="685800"/>
+            <a:ext cx="6096000" cy="3429000"/>
+          </a:xfrm>
+          <a:custGeom>
+            <a:avLst/>
+            <a:gdLst/>
+            <a:ahLst/>
+            <a:cxnLst/>
+            <a:rect l="l" t="t" r="r" b="b"/>
+            <a:pathLst>
+              <a:path w="120000" h="120000" extrusionOk="0">
+                <a:moveTo>
+                  <a:pt x="0" y="0"/>
+                </a:moveTo>
+                <a:lnTo>
+                  <a:pt x="120000" y="0"/>
+                </a:lnTo>
+                <a:lnTo>
+                  <a:pt x="120000" y="120000"/>
+                </a:lnTo>
+                <a:lnTo>
+                  <a:pt x="0" y="120000"/>
+                </a:lnTo>
+                <a:close/>
+              </a:path>
+            </a:pathLst>
+          </a:custGeom>
+        </p:spPr>
+      </p:sp>
+      <p:sp>
+        <p:nvSpPr>
+          <p:cNvPr id="457" name="Google Shape;457;g2f62e005416_0_77:notes"/>
+          <p:cNvSpPr txBox="1">
+            <a:spLocks noGrp="1"/>
+          </p:cNvSpPr>
+          <p:nvPr>
+            <p:ph type="body" idx="1"/>
+          </p:nvPr>
+        </p:nvSpPr>
+        <p:spPr>
+          <a:xfrm>
+            <a:off x="685800" y="4343400"/>
+            <a:ext cx="5486400" cy="4114800"/>
+          </a:xfrm>
+          <a:prstGeom prst="rect">
+            <a:avLst/>
+          </a:prstGeom>
+        </p:spPr>
+        <p:txBody>
+          <a:bodyPr spcFirstLastPara="1" wrap="square" lIns="91425" tIns="91425" rIns="91425" bIns="91425" anchor="t" anchorCtr="0">
+            <a:noAutofit/>
+          </a:bodyPr>
+          <a:lstStyle/>
+          <a:p>
+            <a:pPr marL="0" lvl="0" indent="0" algn="l" rtl="0">
+              <a:spcBef>
+                <a:spcPts val="0"/>
+              </a:spcBef>
+              <a:spcAft>
+                <a:spcPts val="0"/>
+              </a:spcAft>
+              <a:buNone/>
+            </a:pPr>
+            <a:endParaRPr/>
+          </a:p>
+        </p:txBody>
+      </p:sp>
+    </p:spTree>
+    <p:extLst>
+      <p:ext uri="{BB962C8B-B14F-4D97-AF65-F5344CB8AC3E}">
+        <p14:creationId xmlns="" xmlns:p14="http://schemas.microsoft.com/office/powerpoint/2010/main" val="2177913404"/>
+      </p:ext>
+    </p:extLst>
+  </p:cSld>
+  <p:clrMapOvr>
+    <a:masterClrMapping/>
+  </p:clrMapOvr>
+</p:notes>
+</file>
+
+<file path=ppt/notesSlides/notesSlide32.xml><?xml version="1.0" encoding="utf-8"?>
 <p:notes xmlns:a="http://schemas.openxmlformats.org/drawingml/2006/main" xmlns:r="http://schemas.openxmlformats.org/officeDocument/2006/relationships" xmlns:p="http://schemas.openxmlformats.org/presentationml/2006/main" showMasterSp="0" showMasterPhAnim="0">
   <p:cSld>
     <p:spTree>
@@ -3465,7 +3575,7 @@
     </p:spTree>
     <p:extLst>
       <p:ext uri="{BB962C8B-B14F-4D97-AF65-F5344CB8AC3E}">
-        <p14:creationId xmlns:p14="http://schemas.microsoft.com/office/powerpoint/2010/main" xmlns="" val="1650261974"/>
+        <p14:creationId xmlns="" xmlns:p14="http://schemas.microsoft.com/office/powerpoint/2010/main" val="1650261974"/>
       </p:ext>
     </p:extLst>
   </p:cSld>
@@ -3475,7 +3585,7 @@
 </p:notes>
 </file>
 
-<file path=ppt/notesSlides/notesSlide32.xml><?xml version="1.0" encoding="utf-8"?>
+<file path=ppt/notesSlides/notesSlide33.xml><?xml version="1.0" encoding="utf-8"?>
 <p:notes xmlns:a="http://schemas.openxmlformats.org/drawingml/2006/main" xmlns:r="http://schemas.openxmlformats.org/officeDocument/2006/relationships" xmlns:p="http://schemas.openxmlformats.org/presentationml/2006/main" showMasterSp="0" showMasterPhAnim="0">
   <p:cSld>
     <p:spTree>
@@ -3572,115 +3682,6 @@
         </p:txBody>
       </p:sp>
     </p:spTree>
-  </p:cSld>
-  <p:clrMapOvr>
-    <a:masterClrMapping/>
-  </p:clrMapOvr>
-</p:notes>
-</file>
-
-<file path=ppt/notesSlides/notesSlide33.xml><?xml version="1.0" encoding="utf-8"?>
-<p:notes xmlns:a="http://schemas.openxmlformats.org/drawingml/2006/main" xmlns:r="http://schemas.openxmlformats.org/officeDocument/2006/relationships" xmlns:p="http://schemas.openxmlformats.org/presentationml/2006/main" showMasterSp="0" showMasterPhAnim="0">
-  <p:cSld>
-    <p:spTree>
-      <p:nvGrpSpPr>
-        <p:cNvPr id="1" name="Shape 433"/>
-        <p:cNvGrpSpPr/>
-        <p:nvPr/>
-      </p:nvGrpSpPr>
-      <p:grpSpPr>
-        <a:xfrm>
-          <a:off x="0" y="0"/>
-          <a:ext cx="0" cy="0"/>
-          <a:chOff x="0" y="0"/>
-          <a:chExt cx="0" cy="0"/>
-        </a:xfrm>
-      </p:grpSpPr>
-      <p:sp>
-        <p:nvSpPr>
-          <p:cNvPr id="434" name="Google Shape;434;g2f69afabb45_0_103:notes"/>
-          <p:cNvSpPr>
-            <a:spLocks noGrp="1" noRot="1" noChangeAspect="1"/>
-          </p:cNvSpPr>
-          <p:nvPr>
-            <p:ph type="sldImg" idx="2"/>
-          </p:nvPr>
-        </p:nvSpPr>
-        <p:spPr>
-          <a:xfrm>
-            <a:off x="381000" y="685800"/>
-            <a:ext cx="6096000" cy="3429000"/>
-          </a:xfrm>
-          <a:custGeom>
-            <a:avLst/>
-            <a:gdLst/>
-            <a:ahLst/>
-            <a:cxnLst/>
-            <a:rect l="l" t="t" r="r" b="b"/>
-            <a:pathLst>
-              <a:path w="120000" h="120000" extrusionOk="0">
-                <a:moveTo>
-                  <a:pt x="0" y="0"/>
-                </a:moveTo>
-                <a:lnTo>
-                  <a:pt x="120000" y="0"/>
-                </a:lnTo>
-                <a:lnTo>
-                  <a:pt x="120000" y="120000"/>
-                </a:lnTo>
-                <a:lnTo>
-                  <a:pt x="0" y="120000"/>
-                </a:lnTo>
-                <a:close/>
-              </a:path>
-            </a:pathLst>
-          </a:custGeom>
-        </p:spPr>
-      </p:sp>
-      <p:sp>
-        <p:nvSpPr>
-          <p:cNvPr id="435" name="Google Shape;435;g2f69afabb45_0_103:notes"/>
-          <p:cNvSpPr txBox="1">
-            <a:spLocks noGrp="1"/>
-          </p:cNvSpPr>
-          <p:nvPr>
-            <p:ph type="body" idx="1"/>
-          </p:nvPr>
-        </p:nvSpPr>
-        <p:spPr>
-          <a:xfrm>
-            <a:off x="685800" y="4343400"/>
-            <a:ext cx="5486400" cy="4114800"/>
-          </a:xfrm>
-          <a:prstGeom prst="rect">
-            <a:avLst/>
-          </a:prstGeom>
-        </p:spPr>
-        <p:txBody>
-          <a:bodyPr spcFirstLastPara="1" wrap="square" lIns="91425" tIns="91425" rIns="91425" bIns="91425" anchor="t" anchorCtr="0">
-            <a:noAutofit/>
-          </a:bodyPr>
-          <a:lstStyle/>
-          <a:p>
-            <a:pPr marL="0" lvl="0" indent="0" algn="l" rtl="0">
-              <a:spcBef>
-                <a:spcPts val="0"/>
-              </a:spcBef>
-              <a:spcAft>
-                <a:spcPts val="0"/>
-              </a:spcAft>
-              <a:buNone/>
-            </a:pPr>
-            <a:endParaRPr/>
-          </a:p>
-        </p:txBody>
-      </p:sp>
-    </p:spTree>
-    <p:extLst>
-      <p:ext uri="{BB962C8B-B14F-4D97-AF65-F5344CB8AC3E}">
-        <p14:creationId xmlns:p14="http://schemas.microsoft.com/office/powerpoint/2010/main" xmlns="" val="1650261974"/>
-      </p:ext>
-    </p:extLst>
   </p:cSld>
   <p:clrMapOvr>
     <a:masterClrMapping/>
@@ -3787,7 +3788,7 @@
     </p:spTree>
     <p:extLst>
       <p:ext uri="{BB962C8B-B14F-4D97-AF65-F5344CB8AC3E}">
-        <p14:creationId xmlns:p14="http://schemas.microsoft.com/office/powerpoint/2010/main" xmlns="" val="1650261974"/>
+        <p14:creationId xmlns="" xmlns:p14="http://schemas.microsoft.com/office/powerpoint/2010/main" val="1650261974"/>
       </p:ext>
     </p:extLst>
   </p:cSld>
@@ -3896,7 +3897,7 @@
     </p:spTree>
     <p:extLst>
       <p:ext uri="{BB962C8B-B14F-4D97-AF65-F5344CB8AC3E}">
-        <p14:creationId xmlns:p14="http://schemas.microsoft.com/office/powerpoint/2010/main" xmlns="" val="1650261974"/>
+        <p14:creationId xmlns="" xmlns:p14="http://schemas.microsoft.com/office/powerpoint/2010/main" val="1650261974"/>
       </p:ext>
     </p:extLst>
   </p:cSld>
@@ -3907,6 +3908,115 @@
 </file>
 
 <file path=ppt/notesSlides/notesSlide36.xml><?xml version="1.0" encoding="utf-8"?>
+<p:notes xmlns:a="http://schemas.openxmlformats.org/drawingml/2006/main" xmlns:r="http://schemas.openxmlformats.org/officeDocument/2006/relationships" xmlns:p="http://schemas.openxmlformats.org/presentationml/2006/main" showMasterSp="0" showMasterPhAnim="0">
+  <p:cSld>
+    <p:spTree>
+      <p:nvGrpSpPr>
+        <p:cNvPr id="1" name="Shape 433"/>
+        <p:cNvGrpSpPr/>
+        <p:nvPr/>
+      </p:nvGrpSpPr>
+      <p:grpSpPr>
+        <a:xfrm>
+          <a:off x="0" y="0"/>
+          <a:ext cx="0" cy="0"/>
+          <a:chOff x="0" y="0"/>
+          <a:chExt cx="0" cy="0"/>
+        </a:xfrm>
+      </p:grpSpPr>
+      <p:sp>
+        <p:nvSpPr>
+          <p:cNvPr id="434" name="Google Shape;434;g2f69afabb45_0_103:notes"/>
+          <p:cNvSpPr>
+            <a:spLocks noGrp="1" noRot="1" noChangeAspect="1"/>
+          </p:cNvSpPr>
+          <p:nvPr>
+            <p:ph type="sldImg" idx="2"/>
+          </p:nvPr>
+        </p:nvSpPr>
+        <p:spPr>
+          <a:xfrm>
+            <a:off x="381000" y="685800"/>
+            <a:ext cx="6096000" cy="3429000"/>
+          </a:xfrm>
+          <a:custGeom>
+            <a:avLst/>
+            <a:gdLst/>
+            <a:ahLst/>
+            <a:cxnLst/>
+            <a:rect l="l" t="t" r="r" b="b"/>
+            <a:pathLst>
+              <a:path w="120000" h="120000" extrusionOk="0">
+                <a:moveTo>
+                  <a:pt x="0" y="0"/>
+                </a:moveTo>
+                <a:lnTo>
+                  <a:pt x="120000" y="0"/>
+                </a:lnTo>
+                <a:lnTo>
+                  <a:pt x="120000" y="120000"/>
+                </a:lnTo>
+                <a:lnTo>
+                  <a:pt x="0" y="120000"/>
+                </a:lnTo>
+                <a:close/>
+              </a:path>
+            </a:pathLst>
+          </a:custGeom>
+        </p:spPr>
+      </p:sp>
+      <p:sp>
+        <p:nvSpPr>
+          <p:cNvPr id="435" name="Google Shape;435;g2f69afabb45_0_103:notes"/>
+          <p:cNvSpPr txBox="1">
+            <a:spLocks noGrp="1"/>
+          </p:cNvSpPr>
+          <p:nvPr>
+            <p:ph type="body" idx="1"/>
+          </p:nvPr>
+        </p:nvSpPr>
+        <p:spPr>
+          <a:xfrm>
+            <a:off x="685800" y="4343400"/>
+            <a:ext cx="5486400" cy="4114800"/>
+          </a:xfrm>
+          <a:prstGeom prst="rect">
+            <a:avLst/>
+          </a:prstGeom>
+        </p:spPr>
+        <p:txBody>
+          <a:bodyPr spcFirstLastPara="1" wrap="square" lIns="91425" tIns="91425" rIns="91425" bIns="91425" anchor="t" anchorCtr="0">
+            <a:noAutofit/>
+          </a:bodyPr>
+          <a:lstStyle/>
+          <a:p>
+            <a:pPr marL="0" lvl="0" indent="0" algn="l" rtl="0">
+              <a:spcBef>
+                <a:spcPts val="0"/>
+              </a:spcBef>
+              <a:spcAft>
+                <a:spcPts val="0"/>
+              </a:spcAft>
+              <a:buNone/>
+            </a:pPr>
+            <a:endParaRPr/>
+          </a:p>
+        </p:txBody>
+      </p:sp>
+    </p:spTree>
+    <p:extLst>
+      <p:ext uri="{BB962C8B-B14F-4D97-AF65-F5344CB8AC3E}">
+        <p14:creationId xmlns="" xmlns:p14="http://schemas.microsoft.com/office/powerpoint/2010/main" val="1650261974"/>
+      </p:ext>
+    </p:extLst>
+  </p:cSld>
+  <p:clrMapOvr>
+    <a:masterClrMapping/>
+  </p:clrMapOvr>
+</p:notes>
+</file>
+
+<file path=ppt/notesSlides/notesSlide37.xml><?xml version="1.0" encoding="utf-8"?>
 <p:notes xmlns:a="http://schemas.openxmlformats.org/drawingml/2006/main" xmlns:r="http://schemas.openxmlformats.org/officeDocument/2006/relationships" xmlns:p="http://schemas.openxmlformats.org/presentationml/2006/main" showMasterSp="0" showMasterPhAnim="0">
   <p:cSld>
     <p:spTree>
@@ -4010,7 +4120,7 @@
 </p:notes>
 </file>
 
-<file path=ppt/notesSlides/notesSlide37.xml><?xml version="1.0" encoding="utf-8"?>
+<file path=ppt/notesSlides/notesSlide38.xml><?xml version="1.0" encoding="utf-8"?>
 <p:notes xmlns:a="http://schemas.openxmlformats.org/drawingml/2006/main" xmlns:r="http://schemas.openxmlformats.org/officeDocument/2006/relationships" xmlns:p="http://schemas.openxmlformats.org/presentationml/2006/main" showMasterSp="0" showMasterPhAnim="0">
   <p:cSld>
     <p:spTree>
@@ -4114,7 +4224,7 @@
 </p:notes>
 </file>
 
-<file path=ppt/notesSlides/notesSlide38.xml><?xml version="1.0" encoding="utf-8"?>
+<file path=ppt/notesSlides/notesSlide39.xml><?xml version="1.0" encoding="utf-8"?>
 <p:notes xmlns:a="http://schemas.openxmlformats.org/drawingml/2006/main" xmlns:r="http://schemas.openxmlformats.org/officeDocument/2006/relationships" xmlns:p="http://schemas.openxmlformats.org/presentationml/2006/main" showMasterSp="0" showMasterPhAnim="0">
   <p:cSld>
     <p:spTree>
@@ -4175,110 +4285,6 @@
       <p:sp>
         <p:nvSpPr>
           <p:cNvPr id="239" name="Google Shape;239;gdf29b9fb24_0_34:notes"/>
-          <p:cNvSpPr txBox="1">
-            <a:spLocks noGrp="1"/>
-          </p:cNvSpPr>
-          <p:nvPr>
-            <p:ph type="body" idx="1"/>
-          </p:nvPr>
-        </p:nvSpPr>
-        <p:spPr>
-          <a:xfrm>
-            <a:off x="685800" y="4343400"/>
-            <a:ext cx="5486400" cy="4114800"/>
-          </a:xfrm>
-          <a:prstGeom prst="rect">
-            <a:avLst/>
-          </a:prstGeom>
-        </p:spPr>
-        <p:txBody>
-          <a:bodyPr spcFirstLastPara="1" wrap="square" lIns="91425" tIns="91425" rIns="91425" bIns="91425" anchor="t" anchorCtr="0">
-            <a:noAutofit/>
-          </a:bodyPr>
-          <a:lstStyle/>
-          <a:p>
-            <a:pPr marL="0" lvl="0" indent="0" algn="l" rtl="0">
-              <a:spcBef>
-                <a:spcPts val="0"/>
-              </a:spcBef>
-              <a:spcAft>
-                <a:spcPts val="0"/>
-              </a:spcAft>
-              <a:buNone/>
-            </a:pPr>
-            <a:endParaRPr/>
-          </a:p>
-        </p:txBody>
-      </p:sp>
-    </p:spTree>
-  </p:cSld>
-  <p:clrMapOvr>
-    <a:masterClrMapping/>
-  </p:clrMapOvr>
-</p:notes>
-</file>
-
-<file path=ppt/notesSlides/notesSlide39.xml><?xml version="1.0" encoding="utf-8"?>
-<p:notes xmlns:a="http://schemas.openxmlformats.org/drawingml/2006/main" xmlns:r="http://schemas.openxmlformats.org/officeDocument/2006/relationships" xmlns:p="http://schemas.openxmlformats.org/presentationml/2006/main" showMasterSp="0" showMasterPhAnim="0">
-  <p:cSld>
-    <p:spTree>
-      <p:nvGrpSpPr>
-        <p:cNvPr id="1" name="Shape 472"/>
-        <p:cNvGrpSpPr/>
-        <p:nvPr/>
-      </p:nvGrpSpPr>
-      <p:grpSpPr>
-        <a:xfrm>
-          <a:off x="0" y="0"/>
-          <a:ext cx="0" cy="0"/>
-          <a:chOff x="0" y="0"/>
-          <a:chExt cx="0" cy="0"/>
-        </a:xfrm>
-      </p:grpSpPr>
-      <p:sp>
-        <p:nvSpPr>
-          <p:cNvPr id="473" name="Google Shape;473;ge3a7074569_0_1:notes"/>
-          <p:cNvSpPr>
-            <a:spLocks noGrp="1" noRot="1" noChangeAspect="1"/>
-          </p:cNvSpPr>
-          <p:nvPr>
-            <p:ph type="sldImg" idx="2"/>
-          </p:nvPr>
-        </p:nvSpPr>
-        <p:spPr>
-          <a:xfrm>
-            <a:off x="381000" y="685800"/>
-            <a:ext cx="6096000" cy="3429000"/>
-          </a:xfrm>
-          <a:custGeom>
-            <a:avLst/>
-            <a:gdLst/>
-            <a:ahLst/>
-            <a:cxnLst/>
-            <a:rect l="l" t="t" r="r" b="b"/>
-            <a:pathLst>
-              <a:path w="120000" h="120000" extrusionOk="0">
-                <a:moveTo>
-                  <a:pt x="0" y="0"/>
-                </a:moveTo>
-                <a:lnTo>
-                  <a:pt x="120000" y="0"/>
-                </a:lnTo>
-                <a:lnTo>
-                  <a:pt x="120000" y="120000"/>
-                </a:lnTo>
-                <a:lnTo>
-                  <a:pt x="0" y="120000"/>
-                </a:lnTo>
-                <a:close/>
-              </a:path>
-            </a:pathLst>
-          </a:custGeom>
-        </p:spPr>
-      </p:sp>
-      <p:sp>
-        <p:nvSpPr>
-          <p:cNvPr id="474" name="Google Shape;474;ge3a7074569_0_1:notes"/>
           <p:cNvSpPr txBox="1">
             <a:spLocks noGrp="1"/>
           </p:cNvSpPr>
@@ -4421,9 +4427,113 @@
     </p:spTree>
     <p:extLst>
       <p:ext uri="{BB962C8B-B14F-4D97-AF65-F5344CB8AC3E}">
-        <p14:creationId xmlns:p14="http://schemas.microsoft.com/office/powerpoint/2010/main" xmlns="" val="2591893246"/>
+        <p14:creationId xmlns="" xmlns:p14="http://schemas.microsoft.com/office/powerpoint/2010/main" val="2591893246"/>
       </p:ext>
     </p:extLst>
+  </p:cSld>
+  <p:clrMapOvr>
+    <a:masterClrMapping/>
+  </p:clrMapOvr>
+</p:notes>
+</file>
+
+<file path=ppt/notesSlides/notesSlide40.xml><?xml version="1.0" encoding="utf-8"?>
+<p:notes xmlns:a="http://schemas.openxmlformats.org/drawingml/2006/main" xmlns:r="http://schemas.openxmlformats.org/officeDocument/2006/relationships" xmlns:p="http://schemas.openxmlformats.org/presentationml/2006/main" showMasterSp="0" showMasterPhAnim="0">
+  <p:cSld>
+    <p:spTree>
+      <p:nvGrpSpPr>
+        <p:cNvPr id="1" name="Shape 472"/>
+        <p:cNvGrpSpPr/>
+        <p:nvPr/>
+      </p:nvGrpSpPr>
+      <p:grpSpPr>
+        <a:xfrm>
+          <a:off x="0" y="0"/>
+          <a:ext cx="0" cy="0"/>
+          <a:chOff x="0" y="0"/>
+          <a:chExt cx="0" cy="0"/>
+        </a:xfrm>
+      </p:grpSpPr>
+      <p:sp>
+        <p:nvSpPr>
+          <p:cNvPr id="473" name="Google Shape;473;ge3a7074569_0_1:notes"/>
+          <p:cNvSpPr>
+            <a:spLocks noGrp="1" noRot="1" noChangeAspect="1"/>
+          </p:cNvSpPr>
+          <p:nvPr>
+            <p:ph type="sldImg" idx="2"/>
+          </p:nvPr>
+        </p:nvSpPr>
+        <p:spPr>
+          <a:xfrm>
+            <a:off x="381000" y="685800"/>
+            <a:ext cx="6096000" cy="3429000"/>
+          </a:xfrm>
+          <a:custGeom>
+            <a:avLst/>
+            <a:gdLst/>
+            <a:ahLst/>
+            <a:cxnLst/>
+            <a:rect l="l" t="t" r="r" b="b"/>
+            <a:pathLst>
+              <a:path w="120000" h="120000" extrusionOk="0">
+                <a:moveTo>
+                  <a:pt x="0" y="0"/>
+                </a:moveTo>
+                <a:lnTo>
+                  <a:pt x="120000" y="0"/>
+                </a:lnTo>
+                <a:lnTo>
+                  <a:pt x="120000" y="120000"/>
+                </a:lnTo>
+                <a:lnTo>
+                  <a:pt x="0" y="120000"/>
+                </a:lnTo>
+                <a:close/>
+              </a:path>
+            </a:pathLst>
+          </a:custGeom>
+        </p:spPr>
+      </p:sp>
+      <p:sp>
+        <p:nvSpPr>
+          <p:cNvPr id="474" name="Google Shape;474;ge3a7074569_0_1:notes"/>
+          <p:cNvSpPr txBox="1">
+            <a:spLocks noGrp="1"/>
+          </p:cNvSpPr>
+          <p:nvPr>
+            <p:ph type="body" idx="1"/>
+          </p:nvPr>
+        </p:nvSpPr>
+        <p:spPr>
+          <a:xfrm>
+            <a:off x="685800" y="4343400"/>
+            <a:ext cx="5486400" cy="4114800"/>
+          </a:xfrm>
+          <a:prstGeom prst="rect">
+            <a:avLst/>
+          </a:prstGeom>
+        </p:spPr>
+        <p:txBody>
+          <a:bodyPr spcFirstLastPara="1" wrap="square" lIns="91425" tIns="91425" rIns="91425" bIns="91425" anchor="t" anchorCtr="0">
+            <a:noAutofit/>
+          </a:bodyPr>
+          <a:lstStyle/>
+          <a:p>
+            <a:pPr marL="0" lvl="0" indent="0" algn="l" rtl="0">
+              <a:spcBef>
+                <a:spcPts val="0"/>
+              </a:spcBef>
+              <a:spcAft>
+                <a:spcPts val="0"/>
+              </a:spcAft>
+              <a:buNone/>
+            </a:pPr>
+            <a:endParaRPr/>
+          </a:p>
+        </p:txBody>
+      </p:sp>
+    </p:spTree>
   </p:cSld>
   <p:clrMapOvr>
     <a:masterClrMapping/>
@@ -4842,7 +4952,7 @@
     </p:spTree>
     <p:extLst>
       <p:ext uri="{BB962C8B-B14F-4D97-AF65-F5344CB8AC3E}">
-        <p14:creationId xmlns:p14="http://schemas.microsoft.com/office/powerpoint/2010/main" xmlns="" val="86634323"/>
+        <p14:creationId xmlns="" xmlns:p14="http://schemas.microsoft.com/office/powerpoint/2010/main" val="86634323"/>
       </p:ext>
     </p:extLst>
   </p:cSld>
@@ -8959,7 +9069,7 @@
   </p:clrMapOvr>
   <p:extLst>
     <p:ext uri="{DCECCB84-F9BA-43D5-87BE-67443E8EF086}">
-      <p15:sldGuideLst xmlns:p15="http://schemas.microsoft.com/office/powerpoint/2012/main" xmlns="">
+      <p15:sldGuideLst xmlns="" xmlns:p15="http://schemas.microsoft.com/office/powerpoint/2012/main">
         <p15:guide id="1" pos="397">
           <p15:clr>
             <a:srgbClr val="FA7B17"/>
@@ -12153,7 +12263,7 @@
     </p:spTree>
     <p:extLst>
       <p:ext uri="{BB962C8B-B14F-4D97-AF65-F5344CB8AC3E}">
-        <p14:creationId xmlns:p14="http://schemas.microsoft.com/office/powerpoint/2010/main" xmlns="" val="4136653412"/>
+        <p14:creationId xmlns="" xmlns:p14="http://schemas.microsoft.com/office/powerpoint/2010/main" val="4136653412"/>
       </p:ext>
     </p:extLst>
   </p:cSld>
@@ -12362,7 +12472,7 @@
     </p:spTree>
     <p:extLst>
       <p:ext uri="{BB962C8B-B14F-4D97-AF65-F5344CB8AC3E}">
-        <p14:creationId xmlns:p14="http://schemas.microsoft.com/office/powerpoint/2010/main" xmlns="" val="589503412"/>
+        <p14:creationId xmlns="" xmlns:p14="http://schemas.microsoft.com/office/powerpoint/2010/main" val="589503412"/>
       </p:ext>
     </p:extLst>
   </p:cSld>
@@ -12769,7 +12879,7 @@
     </p:spTree>
     <p:extLst>
       <p:ext uri="{BB962C8B-B14F-4D97-AF65-F5344CB8AC3E}">
-        <p14:creationId xmlns:p14="http://schemas.microsoft.com/office/powerpoint/2010/main" xmlns="" val="589503412"/>
+        <p14:creationId xmlns="" xmlns:p14="http://schemas.microsoft.com/office/powerpoint/2010/main" val="589503412"/>
       </p:ext>
     </p:extLst>
   </p:cSld>
@@ -13328,7 +13438,7 @@
     </p:spTree>
     <p:extLst>
       <p:ext uri="{BB962C8B-B14F-4D97-AF65-F5344CB8AC3E}">
-        <p14:creationId xmlns:p14="http://schemas.microsoft.com/office/powerpoint/2010/main" xmlns="" val="589503412"/>
+        <p14:creationId xmlns="" xmlns:p14="http://schemas.microsoft.com/office/powerpoint/2010/main" val="589503412"/>
       </p:ext>
     </p:extLst>
   </p:cSld>
@@ -13964,7 +14074,7 @@
     </p:spTree>
     <p:extLst>
       <p:ext uri="{BB962C8B-B14F-4D97-AF65-F5344CB8AC3E}">
-        <p14:creationId xmlns:p14="http://schemas.microsoft.com/office/powerpoint/2010/main" xmlns="" val="589503412"/>
+        <p14:creationId xmlns="" xmlns:p14="http://schemas.microsoft.com/office/powerpoint/2010/main" val="589503412"/>
       </p:ext>
     </p:extLst>
   </p:cSld>
@@ -14759,7 +14869,7 @@
     </p:spTree>
     <p:extLst>
       <p:ext uri="{BB962C8B-B14F-4D97-AF65-F5344CB8AC3E}">
-        <p14:creationId xmlns:p14="http://schemas.microsoft.com/office/powerpoint/2010/main" xmlns="" val="3155185380"/>
+        <p14:creationId xmlns="" xmlns:p14="http://schemas.microsoft.com/office/powerpoint/2010/main" val="3155185380"/>
       </p:ext>
     </p:extLst>
   </p:cSld>
@@ -14767,7 +14877,7 @@
     <a:masterClrMapping/>
   </p:clrMapOvr>
   <mc:AlternateContent xmlns:mc="http://schemas.openxmlformats.org/markup-compatibility/2006">
-    <mc:Choice xmlns:p14="http://schemas.microsoft.com/office/powerpoint/2010/main" xmlns="" Requires="p14">
+    <mc:Choice xmlns="" xmlns:p14="http://schemas.microsoft.com/office/powerpoint/2010/main" Requires="p14">
       <p:transition spd="slow" p14:dur="2000"/>
     </mc:Choice>
     <mc:Fallback>
@@ -15439,7 +15549,7 @@
     </p:spTree>
     <p:extLst>
       <p:ext uri="{BB962C8B-B14F-4D97-AF65-F5344CB8AC3E}">
-        <p14:creationId xmlns:p14="http://schemas.microsoft.com/office/powerpoint/2010/main" xmlns="" val="2300968413"/>
+        <p14:creationId xmlns="" xmlns:p14="http://schemas.microsoft.com/office/powerpoint/2010/main" val="2300968413"/>
       </p:ext>
     </p:extLst>
   </p:cSld>
@@ -15447,7 +15557,7 @@
     <a:masterClrMapping/>
   </p:clrMapOvr>
   <mc:AlternateContent xmlns:mc="http://schemas.openxmlformats.org/markup-compatibility/2006">
-    <mc:Choice xmlns:p14="http://schemas.microsoft.com/office/powerpoint/2010/main" xmlns="" Requires="p14">
+    <mc:Choice xmlns="" xmlns:p14="http://schemas.microsoft.com/office/powerpoint/2010/main" Requires="p14">
       <p:transition spd="slow" p14:dur="2000"/>
     </mc:Choice>
     <mc:Fallback>
@@ -15657,7 +15767,7 @@
     </p:spTree>
     <p:extLst>
       <p:ext uri="{BB962C8B-B14F-4D97-AF65-F5344CB8AC3E}">
-        <p14:creationId xmlns:p14="http://schemas.microsoft.com/office/powerpoint/2010/main" xmlns="" val="2300968413"/>
+        <p14:creationId xmlns="" xmlns:p14="http://schemas.microsoft.com/office/powerpoint/2010/main" val="2300968413"/>
       </p:ext>
     </p:extLst>
   </p:cSld>
@@ -15665,7 +15775,7 @@
     <a:masterClrMapping/>
   </p:clrMapOvr>
   <mc:AlternateContent xmlns:mc="http://schemas.openxmlformats.org/markup-compatibility/2006">
-    <mc:Choice xmlns:p14="http://schemas.microsoft.com/office/powerpoint/2010/main" xmlns="" Requires="p14">
+    <mc:Choice xmlns="" xmlns:p14="http://schemas.microsoft.com/office/powerpoint/2010/main" Requires="p14">
       <p:transition spd="slow" p14:dur="2000"/>
     </mc:Choice>
     <mc:Fallback>
@@ -15889,7 +15999,7 @@
     </p:spTree>
     <p:extLst>
       <p:ext uri="{BB962C8B-B14F-4D97-AF65-F5344CB8AC3E}">
-        <p14:creationId xmlns:p14="http://schemas.microsoft.com/office/powerpoint/2010/main" xmlns="" val="2300968413"/>
+        <p14:creationId xmlns="" xmlns:p14="http://schemas.microsoft.com/office/powerpoint/2010/main" val="2300968413"/>
       </p:ext>
     </p:extLst>
   </p:cSld>
@@ -15897,7 +16007,7 @@
     <a:masterClrMapping/>
   </p:clrMapOvr>
   <mc:AlternateContent xmlns:mc="http://schemas.openxmlformats.org/markup-compatibility/2006">
-    <mc:Choice xmlns:p14="http://schemas.microsoft.com/office/powerpoint/2010/main" xmlns="" Requires="p14">
+    <mc:Choice xmlns="" xmlns:p14="http://schemas.microsoft.com/office/powerpoint/2010/main" Requires="p14">
       <p:transition spd="slow" p14:dur="2000"/>
     </mc:Choice>
     <mc:Fallback>
@@ -16065,7 +16175,7 @@
     </p:spTree>
     <p:extLst>
       <p:ext uri="{BB962C8B-B14F-4D97-AF65-F5344CB8AC3E}">
-        <p14:creationId xmlns:p14="http://schemas.microsoft.com/office/powerpoint/2010/main" xmlns="" val="3155185380"/>
+        <p14:creationId xmlns="" xmlns:p14="http://schemas.microsoft.com/office/powerpoint/2010/main" val="3155185380"/>
       </p:ext>
     </p:extLst>
   </p:cSld>
@@ -16073,7 +16183,7 @@
     <a:masterClrMapping/>
   </p:clrMapOvr>
   <mc:AlternateContent xmlns:mc="http://schemas.openxmlformats.org/markup-compatibility/2006">
-    <mc:Choice xmlns:p14="http://schemas.microsoft.com/office/powerpoint/2010/main" xmlns="" Requires="p14">
+    <mc:Choice xmlns="" xmlns:p14="http://schemas.microsoft.com/office/powerpoint/2010/main" Requires="p14">
       <p:transition spd="slow" p14:dur="2000"/>
     </mc:Choice>
     <mc:Fallback>
@@ -16716,7 +16826,7 @@
     </p:spTree>
     <p:extLst>
       <p:ext uri="{BB962C8B-B14F-4D97-AF65-F5344CB8AC3E}">
-        <p14:creationId xmlns:p14="http://schemas.microsoft.com/office/powerpoint/2010/main" xmlns="" val="3609617734"/>
+        <p14:creationId xmlns="" xmlns:p14="http://schemas.microsoft.com/office/powerpoint/2010/main" val="3609617734"/>
       </p:ext>
     </p:extLst>
   </p:cSld>
@@ -16724,7 +16834,7 @@
     <a:masterClrMapping/>
   </p:clrMapOvr>
   <mc:AlternateContent xmlns:mc="http://schemas.openxmlformats.org/markup-compatibility/2006">
-    <mc:Choice xmlns:p14="http://schemas.microsoft.com/office/powerpoint/2010/main" xmlns="" Requires="p14">
+    <mc:Choice xmlns="" xmlns:p14="http://schemas.microsoft.com/office/powerpoint/2010/main" Requires="p14">
       <p:transition spd="slow" p14:dur="2000"/>
     </mc:Choice>
     <mc:Fallback>
@@ -17322,7 +17432,7 @@
     </p:spTree>
     <p:extLst>
       <p:ext uri="{BB962C8B-B14F-4D97-AF65-F5344CB8AC3E}">
-        <p14:creationId xmlns:p14="http://schemas.microsoft.com/office/powerpoint/2010/main" xmlns="" val="3609617734"/>
+        <p14:creationId xmlns="" xmlns:p14="http://schemas.microsoft.com/office/powerpoint/2010/main" val="3609617734"/>
       </p:ext>
     </p:extLst>
   </p:cSld>
@@ -17330,7 +17440,7 @@
     <a:masterClrMapping/>
   </p:clrMapOvr>
   <mc:AlternateContent xmlns:mc="http://schemas.openxmlformats.org/markup-compatibility/2006">
-    <mc:Choice xmlns:p14="http://schemas.microsoft.com/office/powerpoint/2010/main" xmlns="" Requires="p14">
+    <mc:Choice xmlns="" xmlns:p14="http://schemas.microsoft.com/office/powerpoint/2010/main" Requires="p14">
       <p:transition spd="slow" p14:dur="2000"/>
     </mc:Choice>
     <mc:Fallback>
@@ -17409,7 +17519,7 @@
     </p:spTree>
     <p:extLst>
       <p:ext uri="{BB962C8B-B14F-4D97-AF65-F5344CB8AC3E}">
-        <p14:creationId xmlns:p14="http://schemas.microsoft.com/office/powerpoint/2010/main" xmlns="" val="682476833"/>
+        <p14:creationId xmlns="" xmlns:p14="http://schemas.microsoft.com/office/powerpoint/2010/main" val="682476833"/>
       </p:ext>
     </p:extLst>
   </p:cSld>
@@ -17417,7 +17527,7 @@
     <a:masterClrMapping/>
   </p:clrMapOvr>
   <mc:AlternateContent xmlns:mc="http://schemas.openxmlformats.org/markup-compatibility/2006">
-    <mc:Choice xmlns:p14="http://schemas.microsoft.com/office/powerpoint/2010/main" xmlns="" Requires="p14">
+    <mc:Choice xmlns="" xmlns:p14="http://schemas.microsoft.com/office/powerpoint/2010/main" Requires="p14">
       <p:transition spd="slow" p14:dur="2000"/>
     </mc:Choice>
     <mc:Fallback>
@@ -17598,7 +17708,7 @@
           <a:noFill/>
           <a:extLst>
             <a:ext uri="{909E8E84-426E-40DD-AFC4-6F175D3DCCD1}">
-              <a14:hiddenFill xmlns:a14="http://schemas.microsoft.com/office/drawing/2010/main" xmlns="">
+              <a14:hiddenFill xmlns="" xmlns:a14="http://schemas.microsoft.com/office/drawing/2010/main">
                 <a:solidFill>
                   <a:srgbClr val="FFFFFF"/>
                 </a:solidFill>
@@ -17637,7 +17747,7 @@
           <a:noFill/>
           <a:extLst>
             <a:ext uri="{909E8E84-426E-40DD-AFC4-6F175D3DCCD1}">
-              <a14:hiddenFill xmlns:a14="http://schemas.microsoft.com/office/drawing/2010/main" xmlns="">
+              <a14:hiddenFill xmlns="" xmlns:a14="http://schemas.microsoft.com/office/drawing/2010/main">
                 <a:solidFill>
                   <a:srgbClr val="FFFFFF"/>
                 </a:solidFill>
@@ -17684,7 +17794,7 @@
     </p:spTree>
     <p:extLst>
       <p:ext uri="{BB962C8B-B14F-4D97-AF65-F5344CB8AC3E}">
-        <p14:creationId xmlns:p14="http://schemas.microsoft.com/office/powerpoint/2010/main" xmlns="" val="215954106"/>
+        <p14:creationId xmlns="" xmlns:p14="http://schemas.microsoft.com/office/powerpoint/2010/main" val="215954106"/>
       </p:ext>
     </p:extLst>
   </p:cSld>
@@ -17772,7 +17882,7 @@
           <a:noFill/>
           <a:extLst>
             <a:ext uri="{909E8E84-426E-40DD-AFC4-6F175D3DCCD1}">
-              <a14:hiddenFill xmlns:a14="http://schemas.microsoft.com/office/drawing/2010/main" xmlns="">
+              <a14:hiddenFill xmlns="" xmlns:a14="http://schemas.microsoft.com/office/drawing/2010/main">
                 <a:solidFill>
                   <a:srgbClr val="FFFFFF"/>
                 </a:solidFill>
@@ -17811,7 +17921,7 @@
           <a:noFill/>
           <a:extLst>
             <a:ext uri="{909E8E84-426E-40DD-AFC4-6F175D3DCCD1}">
-              <a14:hiddenFill xmlns:a14="http://schemas.microsoft.com/office/drawing/2010/main" xmlns="">
+              <a14:hiddenFill xmlns="" xmlns:a14="http://schemas.microsoft.com/office/drawing/2010/main">
                 <a:solidFill>
                   <a:srgbClr val="FFFFFF"/>
                 </a:solidFill>
@@ -17907,7 +18017,7 @@
     </p:spTree>
     <p:extLst>
       <p:ext uri="{BB962C8B-B14F-4D97-AF65-F5344CB8AC3E}">
-        <p14:creationId xmlns:p14="http://schemas.microsoft.com/office/powerpoint/2010/main" xmlns="" val="2237277517"/>
+        <p14:creationId xmlns="" xmlns:p14="http://schemas.microsoft.com/office/powerpoint/2010/main" val="2237277517"/>
       </p:ext>
     </p:extLst>
   </p:cSld>
@@ -17995,7 +18105,7 @@
           <a:noFill/>
           <a:extLst>
             <a:ext uri="{909E8E84-426E-40DD-AFC4-6F175D3DCCD1}">
-              <a14:hiddenFill xmlns:a14="http://schemas.microsoft.com/office/drawing/2010/main" xmlns="">
+              <a14:hiddenFill xmlns="" xmlns:a14="http://schemas.microsoft.com/office/drawing/2010/main">
                 <a:solidFill>
                   <a:srgbClr val="FFFFFF"/>
                 </a:solidFill>
@@ -18034,7 +18144,7 @@
           <a:noFill/>
           <a:extLst>
             <a:ext uri="{909E8E84-426E-40DD-AFC4-6F175D3DCCD1}">
-              <a14:hiddenFill xmlns:a14="http://schemas.microsoft.com/office/drawing/2010/main" xmlns="">
+              <a14:hiddenFill xmlns="" xmlns:a14="http://schemas.microsoft.com/office/drawing/2010/main">
                 <a:solidFill>
                   <a:srgbClr val="FFFFFF"/>
                 </a:solidFill>
@@ -18381,7 +18491,7 @@
     </p:spTree>
     <p:extLst>
       <p:ext uri="{BB962C8B-B14F-4D97-AF65-F5344CB8AC3E}">
-        <p14:creationId xmlns:p14="http://schemas.microsoft.com/office/powerpoint/2010/main" xmlns="" val="2237277517"/>
+        <p14:creationId xmlns="" xmlns:p14="http://schemas.microsoft.com/office/powerpoint/2010/main" val="2237277517"/>
       </p:ext>
     </p:extLst>
   </p:cSld>
@@ -18473,7 +18583,7 @@
           <a:noFill/>
           <a:extLst>
             <a:ext uri="{909E8E84-426E-40DD-AFC4-6F175D3DCCD1}">
-              <a14:hiddenFill xmlns:a14="http://schemas.microsoft.com/office/drawing/2010/main" xmlns="">
+              <a14:hiddenFill xmlns="" xmlns:a14="http://schemas.microsoft.com/office/drawing/2010/main">
                 <a:solidFill>
                   <a:srgbClr val="FFFFFF"/>
                 </a:solidFill>
@@ -18512,7 +18622,7 @@
           <a:noFill/>
           <a:extLst>
             <a:ext uri="{909E8E84-426E-40DD-AFC4-6F175D3DCCD1}">
-              <a14:hiddenFill xmlns:a14="http://schemas.microsoft.com/office/drawing/2010/main" xmlns="">
+              <a14:hiddenFill xmlns="" xmlns:a14="http://schemas.microsoft.com/office/drawing/2010/main">
                 <a:solidFill>
                   <a:srgbClr val="FFFFFF"/>
                 </a:solidFill>
@@ -19056,7 +19166,7 @@
     </p:spTree>
     <p:extLst>
       <p:ext uri="{BB962C8B-B14F-4D97-AF65-F5344CB8AC3E}">
-        <p14:creationId xmlns:p14="http://schemas.microsoft.com/office/powerpoint/2010/main" xmlns="" val="2237277517"/>
+        <p14:creationId xmlns="" xmlns:p14="http://schemas.microsoft.com/office/powerpoint/2010/main" val="2237277517"/>
       </p:ext>
     </p:extLst>
   </p:cSld>
@@ -19144,7 +19254,7 @@
           <a:noFill/>
           <a:extLst>
             <a:ext uri="{909E8E84-426E-40DD-AFC4-6F175D3DCCD1}">
-              <a14:hiddenFill xmlns:a14="http://schemas.microsoft.com/office/drawing/2010/main" xmlns="">
+              <a14:hiddenFill xmlns="" xmlns:a14="http://schemas.microsoft.com/office/drawing/2010/main">
                 <a:solidFill>
                   <a:srgbClr val="FFFFFF"/>
                 </a:solidFill>
@@ -19183,7 +19293,7 @@
           <a:noFill/>
           <a:extLst>
             <a:ext uri="{909E8E84-426E-40DD-AFC4-6F175D3DCCD1}">
-              <a14:hiddenFill xmlns:a14="http://schemas.microsoft.com/office/drawing/2010/main" xmlns="">
+              <a14:hiddenFill xmlns="" xmlns:a14="http://schemas.microsoft.com/office/drawing/2010/main">
                 <a:solidFill>
                   <a:srgbClr val="FFFFFF"/>
                 </a:solidFill>
@@ -19456,7 +19566,7 @@
     </p:spTree>
     <p:extLst>
       <p:ext uri="{BB962C8B-B14F-4D97-AF65-F5344CB8AC3E}">
-        <p14:creationId xmlns:p14="http://schemas.microsoft.com/office/powerpoint/2010/main" xmlns="" val="2237277517"/>
+        <p14:creationId xmlns="" xmlns:p14="http://schemas.microsoft.com/office/powerpoint/2010/main" val="2237277517"/>
       </p:ext>
     </p:extLst>
   </p:cSld>
@@ -19614,7 +19724,7 @@
     </p:spTree>
     <p:extLst>
       <p:ext uri="{BB962C8B-B14F-4D97-AF65-F5344CB8AC3E}">
-        <p14:creationId xmlns:p14="http://schemas.microsoft.com/office/powerpoint/2010/main" xmlns="" val="3878162484"/>
+        <p14:creationId xmlns="" xmlns:p14="http://schemas.microsoft.com/office/powerpoint/2010/main" val="3878162484"/>
       </p:ext>
     </p:extLst>
   </p:cSld>
@@ -19622,7 +19732,7 @@
     <a:masterClrMapping/>
   </p:clrMapOvr>
   <mc:AlternateContent xmlns:mc="http://schemas.openxmlformats.org/markup-compatibility/2006">
-    <mc:Choice xmlns:p14="http://schemas.microsoft.com/office/powerpoint/2010/main" xmlns="" Requires="p14">
+    <mc:Choice xmlns="" xmlns:p14="http://schemas.microsoft.com/office/powerpoint/2010/main" Requires="p14">
       <p:transition spd="slow" p14:dur="2000"/>
     </mc:Choice>
     <mc:Fallback>
@@ -19644,7 +19754,7 @@
   <p:cSld>
     <p:spTree>
       <p:nvGrpSpPr>
-        <p:cNvPr id="1" name="Shape 458"/>
+        <p:cNvPr id="1" name="Shape 436"/>
         <p:cNvGrpSpPr/>
         <p:nvPr/>
       </p:nvGrpSpPr>
@@ -19658,7 +19768,7 @@
       </p:grpSpPr>
       <p:sp>
         <p:nvSpPr>
-          <p:cNvPr id="459" name="Google Shape;459;p78"/>
+          <p:cNvPr id="437" name="Google Shape;437;p74"/>
           <p:cNvSpPr txBox="1">
             <a:spLocks noGrp="1"/>
           </p:cNvSpPr>
@@ -19681,183 +19791,239 @@
           </a:bodyPr>
           <a:lstStyle/>
           <a:p>
-            <a:pPr lvl="0"/>
-            <a:r>
-              <a:rPr lang="ru-RU" sz="2800" dirty="0" smtClean="0"/>
-              <a:t>Вопросы, на которые отвечает полиморфизм</a:t>
-            </a:r>
-            <a:endParaRPr sz="2800" dirty="0"/>
+            <a:r>
+              <a:rPr lang="ru-RU" dirty="0" smtClean="0"/>
+              <a:t>Для любителей видеоигр</a:t>
+            </a:r>
+            <a:endParaRPr lang="ru-RU" dirty="0">
+              <a:solidFill>
+                <a:schemeClr val="accent1">
+                  <a:lumMod val="75000"/>
+                </a:schemeClr>
+              </a:solidFill>
+            </a:endParaRPr>
           </a:p>
         </p:txBody>
       </p:sp>
       <p:sp>
         <p:nvSpPr>
-          <p:cNvPr id="3" name="AutoShape 2" descr="Принципы ООП для начинающих"/>
-          <p:cNvSpPr>
-            <a:spLocks noChangeAspect="1" noChangeArrowheads="1"/>
-          </p:cNvSpPr>
+          <p:cNvPr id="6" name="TextBox 5"/>
+          <p:cNvSpPr txBox="1"/>
           <p:nvPr/>
         </p:nvSpPr>
-        <p:spPr bwMode="auto">
-          <a:xfrm>
-            <a:off x="155575" y="-144463"/>
-            <a:ext cx="304800" cy="304801"/>
+        <p:spPr>
+          <a:xfrm>
+            <a:off x="520701" y="1177785"/>
+            <a:ext cx="4714086" cy="2878713"/>
           </a:xfrm>
           <a:prstGeom prst="rect">
             <a:avLst/>
           </a:prstGeom>
           <a:noFill/>
-          <a:extLst>
-            <a:ext uri="{909E8E84-426E-40DD-AFC4-6F175D3DCCD1}">
-              <a14:hiddenFill xmlns:a14="http://schemas.microsoft.com/office/drawing/2010/main" xmlns="">
-                <a:solidFill>
-                  <a:srgbClr val="FFFFFF"/>
-                </a:solidFill>
-              </a14:hiddenFill>
-            </a:ext>
-          </a:extLst>
         </p:spPr>
         <p:txBody>
-          <a:bodyPr vert="horz" wrap="square" lIns="91440" tIns="45720" rIns="91440" bIns="45720" numCol="1" anchor="t" anchorCtr="0" compatLnSpc="1">
-            <a:prstTxWarp prst="textNoShape">
-              <a:avLst/>
-            </a:prstTxWarp>
+          <a:bodyPr wrap="square" rtlCol="0">
+            <a:spAutoFit/>
           </a:bodyPr>
           <a:lstStyle/>
           <a:p>
-            <a:endParaRPr lang="ru-RU"/>
+            <a:pPr lvl="0" indent="-342900">
+              <a:lnSpc>
+                <a:spcPct val="115000"/>
+              </a:lnSpc>
+            </a:pPr>
+            <a:r>
+              <a:rPr lang="ru-RU" dirty="0" smtClean="0">
+                <a:solidFill>
+                  <a:schemeClr val="tx1"/>
+                </a:solidFill>
+                <a:latin typeface="Roboto"/>
+                <a:ea typeface="Roboto"/>
+                <a:cs typeface="Roboto"/>
+                <a:sym typeface="Roboto"/>
+              </a:rPr>
+              <a:t>В </a:t>
+            </a:r>
+            <a:r>
+              <a:rPr lang="ru-RU" dirty="0" err="1" smtClean="0">
+                <a:solidFill>
+                  <a:schemeClr val="tx1"/>
+                </a:solidFill>
+                <a:latin typeface="Roboto"/>
+                <a:ea typeface="Roboto"/>
+                <a:cs typeface="Roboto"/>
+                <a:sym typeface="Roboto"/>
+              </a:rPr>
+              <a:t>шутерах</a:t>
+            </a:r>
+            <a:r>
+              <a:rPr lang="ru-RU" dirty="0" smtClean="0">
+                <a:solidFill>
+                  <a:schemeClr val="tx1"/>
+                </a:solidFill>
+                <a:latin typeface="Roboto"/>
+                <a:ea typeface="Roboto"/>
+                <a:cs typeface="Roboto"/>
+                <a:sym typeface="Roboto"/>
+              </a:rPr>
+              <a:t> довольно часто можно встретить смену оружия у игрока.</a:t>
+            </a:r>
+          </a:p>
+          <a:p>
+            <a:pPr indent="-342900">
+              <a:lnSpc>
+                <a:spcPct val="115000"/>
+              </a:lnSpc>
+            </a:pPr>
+            <a:r>
+              <a:rPr lang="ru-RU" dirty="0" smtClean="0">
+                <a:solidFill>
+                  <a:schemeClr val="tx1"/>
+                </a:solidFill>
+                <a:latin typeface="Roboto"/>
+                <a:ea typeface="Roboto"/>
+                <a:cs typeface="Roboto"/>
+                <a:sym typeface="Roboto"/>
+              </a:rPr>
+              <a:t>Допустим игрок выбирает оружие для персонажа игры, </a:t>
+            </a:r>
+            <a:r>
+              <a:rPr lang="ru-RU" dirty="0" err="1" smtClean="0">
+                <a:solidFill>
+                  <a:schemeClr val="tx1"/>
+                </a:solidFill>
+                <a:latin typeface="Roboto"/>
+                <a:ea typeface="Roboto"/>
+                <a:cs typeface="Roboto"/>
+                <a:sym typeface="Roboto"/>
+              </a:rPr>
+              <a:t>кликая</a:t>
+            </a:r>
+            <a:r>
+              <a:rPr lang="ru-RU" dirty="0" smtClean="0">
+                <a:solidFill>
+                  <a:schemeClr val="tx1"/>
+                </a:solidFill>
+                <a:latin typeface="Roboto"/>
+                <a:ea typeface="Roboto"/>
+                <a:cs typeface="Roboto"/>
+                <a:sym typeface="Roboto"/>
+              </a:rPr>
+              <a:t> на объект из списка.</a:t>
+            </a:r>
+          </a:p>
+          <a:p>
+            <a:pPr lvl="0" indent="-342900">
+              <a:lnSpc>
+                <a:spcPct val="115000"/>
+              </a:lnSpc>
+            </a:pPr>
+            <a:r>
+              <a:rPr lang="ru-RU" dirty="0" smtClean="0">
+                <a:solidFill>
+                  <a:schemeClr val="tx1"/>
+                </a:solidFill>
+                <a:latin typeface="Roboto"/>
+                <a:ea typeface="Roboto"/>
+                <a:cs typeface="Roboto"/>
+                <a:sym typeface="Roboto"/>
+              </a:rPr>
+              <a:t>Полиморфизм подразумевает, что объекты программно выглядят одинаково для объекта персонажа, так как реализуют один и тот же интерфейс(абстракция). </a:t>
+            </a:r>
+          </a:p>
+          <a:p>
+            <a:pPr lvl="0" indent="-342900">
+              <a:lnSpc>
+                <a:spcPct val="115000"/>
+              </a:lnSpc>
+            </a:pPr>
+            <a:r>
+              <a:rPr lang="ru-RU" dirty="0" smtClean="0">
+                <a:solidFill>
+                  <a:schemeClr val="tx1"/>
+                </a:solidFill>
+                <a:latin typeface="Roboto"/>
+                <a:ea typeface="Roboto"/>
+                <a:cs typeface="Roboto"/>
+                <a:sym typeface="Roboto"/>
+              </a:rPr>
+              <a:t>Смена оружия не влечет за собой внесения каких-либо изменений в код. Данное поведение и </a:t>
+            </a:r>
+            <a:r>
+              <a:rPr lang="ru-RU" smtClean="0">
+                <a:solidFill>
+                  <a:schemeClr val="tx1"/>
+                </a:solidFill>
+                <a:latin typeface="Roboto"/>
+                <a:ea typeface="Roboto"/>
+                <a:cs typeface="Roboto"/>
+                <a:sym typeface="Roboto"/>
+              </a:rPr>
+              <a:t>является проявлением полиморфизма.</a:t>
+            </a:r>
+            <a:endParaRPr lang="ru-RU" dirty="0" smtClean="0">
+              <a:solidFill>
+                <a:schemeClr val="tx1"/>
+              </a:solidFill>
+              <a:latin typeface="Roboto"/>
+              <a:ea typeface="Roboto"/>
+              <a:cs typeface="Roboto"/>
+              <a:sym typeface="Roboto"/>
+            </a:endParaRPr>
           </a:p>
         </p:txBody>
       </p:sp>
-      <p:sp>
-        <p:nvSpPr>
-          <p:cNvPr id="5" name="AutoShape 4" descr="https://senior.ua/storage/article/content/9d1b2cdf-cf03-475a-927e-f3d89bdcf63d.jpeg"/>
-          <p:cNvSpPr>
-            <a:spLocks noChangeAspect="1" noChangeArrowheads="1"/>
-          </p:cNvSpPr>
+      <p:pic>
+        <p:nvPicPr>
+          <p:cNvPr id="2051" name="Picture 3"/>
+          <p:cNvPicPr>
+            <a:picLocks noChangeAspect="1" noChangeArrowheads="1"/>
+          </p:cNvPicPr>
           <p:nvPr/>
-        </p:nvSpPr>
+        </p:nvPicPr>
+        <p:blipFill>
+          <a:blip r:embed="rId3"/>
+          <a:srcRect/>
+          <a:stretch>
+            <a:fillRect/>
+          </a:stretch>
+        </p:blipFill>
         <p:spPr bwMode="auto">
           <a:xfrm>
-            <a:off x="307975" y="7937"/>
-            <a:ext cx="304800" cy="304801"/>
+            <a:off x="5848292" y="907884"/>
+            <a:ext cx="2711153" cy="3851558"/>
           </a:xfrm>
           <a:prstGeom prst="rect">
             <a:avLst/>
           </a:prstGeom>
           <a:noFill/>
-          <a:extLst>
-            <a:ext uri="{909E8E84-426E-40DD-AFC4-6F175D3DCCD1}">
-              <a14:hiddenFill xmlns:a14="http://schemas.microsoft.com/office/drawing/2010/main" xmlns="">
-                <a:solidFill>
-                  <a:srgbClr val="FFFFFF"/>
-                </a:solidFill>
-              </a14:hiddenFill>
-            </a:ext>
-          </a:extLst>
-        </p:spPr>
-        <p:txBody>
-          <a:bodyPr vert="horz" wrap="square" lIns="91440" tIns="45720" rIns="91440" bIns="45720" numCol="1" anchor="t" anchorCtr="0" compatLnSpc="1">
-            <a:prstTxWarp prst="textNoShape">
-              <a:avLst/>
-            </a:prstTxWarp>
-          </a:bodyPr>
-          <a:lstStyle/>
-          <a:p>
-            <a:endParaRPr lang="ru-RU"/>
-          </a:p>
-        </p:txBody>
-      </p:sp>
-      <p:sp>
-        <p:nvSpPr>
-          <p:cNvPr id="6" name="Прямоугольник 5"/>
-          <p:cNvSpPr/>
-          <p:nvPr/>
-        </p:nvSpPr>
-        <p:spPr>
-          <a:xfrm>
-            <a:off x="512993" y="1116836"/>
-            <a:ext cx="3506685" cy="307777"/>
-          </a:xfrm>
-          <a:prstGeom prst="rect">
-            <a:avLst/>
-          </a:prstGeom>
-        </p:spPr>
-        <p:txBody>
-          <a:bodyPr wrap="square">
-            <a:spAutoFit/>
-          </a:bodyPr>
-          <a:lstStyle/>
-          <a:p>
-            <a:endParaRPr lang="ru-RU" dirty="0"/>
-          </a:p>
-        </p:txBody>
-      </p:sp>
-      <p:sp>
-        <p:nvSpPr>
-          <p:cNvPr id="7" name="Прямоугольник 6"/>
-          <p:cNvSpPr/>
-          <p:nvPr/>
-        </p:nvSpPr>
-        <p:spPr>
-          <a:xfrm>
-            <a:off x="472542" y="1305777"/>
-            <a:ext cx="7849112" cy="738664"/>
-          </a:xfrm>
-          <a:prstGeom prst="rect">
-            <a:avLst/>
-          </a:prstGeom>
-        </p:spPr>
-        <p:txBody>
-          <a:bodyPr wrap="square">
-            <a:spAutoFit/>
-          </a:bodyPr>
-          <a:lstStyle/>
-          <a:p>
-            <a:r>
-              <a:rPr lang="ru-RU" dirty="0" smtClean="0"/>
-              <a:t>Итого:</a:t>
-            </a:r>
-          </a:p>
-          <a:p>
-            <a:pPr marL="342900" indent="-342900">
-              <a:buAutoNum type="arabicPeriod"/>
-            </a:pPr>
-            <a:r>
-              <a:rPr lang="ru-RU" dirty="0" smtClean="0"/>
-              <a:t>Я обращаюсь к объекту, не зная его внутренней реализации. </a:t>
-            </a:r>
-          </a:p>
-          <a:p>
-            <a:pPr marL="342900" indent="-342900">
-              <a:buAutoNum type="arabicPeriod"/>
-            </a:pPr>
-            <a:r>
-              <a:rPr lang="ru-RU" dirty="0" smtClean="0"/>
-              <a:t>Код универсальный </a:t>
-            </a:r>
-            <a:r>
-              <a:rPr lang="ru-RU" smtClean="0"/>
-              <a:t>и сделает то, </a:t>
-            </a:r>
-            <a:r>
-              <a:rPr lang="ru-RU" dirty="0" smtClean="0"/>
-              <a:t>что нужно (при правильной реализации интерфейса).</a:t>
-            </a:r>
-          </a:p>
-        </p:txBody>
-      </p:sp>
+          <a:ln w="9525">
+            <a:noFill/>
+            <a:miter lim="800000"/>
+            <a:headEnd/>
+            <a:tailEnd/>
+          </a:ln>
+          <a:effectLst/>
+        </p:spPr>
+      </p:pic>
     </p:spTree>
     <p:extLst>
       <p:ext uri="{BB962C8B-B14F-4D97-AF65-F5344CB8AC3E}">
-        <p14:creationId xmlns:p14="http://schemas.microsoft.com/office/powerpoint/2010/main" xmlns="" val="2237277517"/>
+        <p14:creationId xmlns:p14="http://schemas.microsoft.com/office/powerpoint/2010/main" xmlns="" val="3878162484"/>
       </p:ext>
     </p:extLst>
   </p:cSld>
   <p:clrMapOvr>
     <a:masterClrMapping/>
   </p:clrMapOvr>
-  <p:transition/>
+  <mc:AlternateContent xmlns:mc="http://schemas.openxmlformats.org/markup-compatibility/2006">
+    <mc:Choice xmlns:p14="http://schemas.microsoft.com/office/powerpoint/2010/main" xmlns="" Requires="p14">
+      <p:transition spd="slow" p14:dur="2000"/>
+    </mc:Choice>
+    <mc:Fallback>
+      <p:transition spd="slow"/>
+    </mc:Fallback>
+  </mc:AlternateContent>
   <p:timing>
     <p:tnLst>
       <p:par>
@@ -19913,7 +20079,7 @@
             <a:pPr lvl="0"/>
             <a:r>
               <a:rPr lang="ru-RU" sz="2800" dirty="0" smtClean="0"/>
-              <a:t>Задачи по тематике полиморфизма</a:t>
+              <a:t>Вопросы, на которые отвечает полиморфизм</a:t>
             </a:r>
             <a:endParaRPr sz="2800" dirty="0"/>
           </a:p>
@@ -19938,7 +20104,7 @@
           <a:noFill/>
           <a:extLst>
             <a:ext uri="{909E8E84-426E-40DD-AFC4-6F175D3DCCD1}">
-              <a14:hiddenFill xmlns:a14="http://schemas.microsoft.com/office/drawing/2010/main" xmlns="">
+              <a14:hiddenFill xmlns="" xmlns:a14="http://schemas.microsoft.com/office/drawing/2010/main">
                 <a:solidFill>
                   <a:srgbClr val="FFFFFF"/>
                 </a:solidFill>
@@ -19977,7 +20143,7 @@
           <a:noFill/>
           <a:extLst>
             <a:ext uri="{909E8E84-426E-40DD-AFC4-6F175D3DCCD1}">
-              <a14:hiddenFill xmlns:a14="http://schemas.microsoft.com/office/drawing/2010/main" xmlns="">
+              <a14:hiddenFill xmlns="" xmlns:a14="http://schemas.microsoft.com/office/drawing/2010/main">
                 <a:solidFill>
                   <a:srgbClr val="FFFFFF"/>
                 </a:solidFill>
@@ -20031,7 +20197,7 @@
         <p:spPr>
           <a:xfrm>
             <a:off x="472542" y="1305777"/>
-            <a:ext cx="7849112" cy="3323987"/>
+            <a:ext cx="7849112" cy="738664"/>
           </a:xfrm>
           <a:prstGeom prst="rect">
             <a:avLst/>
@@ -20045,319 +20211,41 @@
           <a:p>
             <a:r>
               <a:rPr lang="ru-RU" dirty="0" smtClean="0"/>
-              <a:t>1. Описать класс </a:t>
-            </a:r>
-            <a:r>
-              <a:rPr lang="ru-RU" dirty="0" err="1" smtClean="0"/>
-              <a:t>Hitman</a:t>
-            </a:r>
-            <a:endParaRPr lang="ru-RU" dirty="0" smtClean="0"/>
-          </a:p>
-          <a:p>
+              <a:t>Итого:</a:t>
+            </a:r>
+          </a:p>
+          <a:p>
+            <a:pPr marL="342900" indent="-342900">
+              <a:buAutoNum type="arabicPeriod"/>
+            </a:pPr>
             <a:r>
               <a:rPr lang="ru-RU" dirty="0" smtClean="0"/>
-              <a:t>1.1 Добавить в класс </a:t>
-            </a:r>
-            <a:r>
-              <a:rPr lang="ru-RU" dirty="0" err="1" smtClean="0"/>
-              <a:t>Hitman</a:t>
-            </a:r>
+              <a:t>Я обращаюсь к объекту, не зная его внутренней реализации. </a:t>
+            </a:r>
+          </a:p>
+          <a:p>
+            <a:pPr marL="342900" indent="-342900">
+              <a:buAutoNum type="arabicPeriod"/>
+            </a:pPr>
             <a:r>
               <a:rPr lang="ru-RU" dirty="0" smtClean="0"/>
-              <a:t> поле </a:t>
-            </a:r>
-            <a:r>
-              <a:rPr lang="ru-RU" dirty="0" err="1" smtClean="0"/>
-              <a:t>c</a:t>
+              <a:t>Код универсальный </a:t>
+            </a:r>
+            <a:r>
+              <a:rPr lang="ru-RU" smtClean="0"/>
+              <a:t>и сделает то, </a:t>
             </a:r>
             <a:r>
               <a:rPr lang="ru-RU" dirty="0" smtClean="0"/>
-              <a:t> </a:t>
-            </a:r>
-            <a:r>
-              <a:rPr lang="ru-RU" dirty="0" err="1" smtClean="0"/>
-              <a:t>currentTool</a:t>
-            </a:r>
-            <a:r>
-              <a:rPr lang="ru-RU" dirty="0" smtClean="0"/>
-              <a:t> типа </a:t>
-            </a:r>
-            <a:r>
-              <a:rPr lang="ru-RU" dirty="0" err="1" smtClean="0"/>
-              <a:t>ITool</a:t>
-            </a:r>
-            <a:r>
-              <a:rPr lang="ru-RU" dirty="0" smtClean="0"/>
-              <a:t> (интерфейс)</a:t>
-            </a:r>
-          </a:p>
-          <a:p>
-            <a:r>
-              <a:rPr lang="ru-RU" dirty="0" smtClean="0"/>
-              <a:t>1.2 Добавить в класс </a:t>
-            </a:r>
-            <a:r>
-              <a:rPr lang="ru-RU" dirty="0" err="1" smtClean="0"/>
-              <a:t>Hitman</a:t>
-            </a:r>
-            <a:r>
-              <a:rPr lang="ru-RU" dirty="0" smtClean="0"/>
-              <a:t> поле и свойство </a:t>
-            </a:r>
-            <a:r>
-              <a:rPr lang="ru-RU" dirty="0" err="1" smtClean="0"/>
-              <a:t>currentClothSet</a:t>
-            </a:r>
-            <a:r>
-              <a:rPr lang="ru-RU" dirty="0" smtClean="0"/>
-              <a:t> типа </a:t>
-            </a:r>
-          </a:p>
-          <a:p>
-            <a:r>
-              <a:rPr lang="ru-RU" dirty="0" err="1" smtClean="0"/>
-              <a:t>ICloth</a:t>
-            </a:r>
-            <a:r>
-              <a:rPr lang="en-US" dirty="0" smtClean="0"/>
-              <a:t>S</a:t>
-            </a:r>
-            <a:r>
-              <a:rPr lang="ru-RU" dirty="0" err="1" smtClean="0"/>
-              <a:t>et</a:t>
-            </a:r>
-            <a:r>
-              <a:rPr lang="ru-RU" dirty="0" smtClean="0"/>
-              <a:t> (интерфейс)</a:t>
-            </a:r>
-          </a:p>
-          <a:p>
-            <a:r>
-              <a:rPr lang="ru-RU" dirty="0" smtClean="0"/>
-              <a:t>1.3 Добавить метод </a:t>
-            </a:r>
-            <a:r>
-              <a:rPr lang="ru-RU" dirty="0" err="1" smtClean="0"/>
-              <a:t>SetNextTools</a:t>
-            </a:r>
-            <a:r>
-              <a:rPr lang="ru-RU" dirty="0" smtClean="0"/>
-              <a:t>()</a:t>
-            </a:r>
-          </a:p>
-          <a:p>
-            <a:r>
-              <a:rPr lang="ru-RU" dirty="0" smtClean="0"/>
-              <a:t>1.4 Добавить метод </a:t>
-            </a:r>
-            <a:r>
-              <a:rPr lang="ru-RU" dirty="0" err="1" smtClean="0"/>
-              <a:t>ChangeClothes</a:t>
-            </a:r>
-            <a:r>
-              <a:rPr lang="ru-RU" dirty="0" smtClean="0"/>
-              <a:t>(</a:t>
-            </a:r>
-            <a:r>
-              <a:rPr lang="ru-RU" dirty="0" err="1" smtClean="0"/>
-              <a:t>IClothset</a:t>
-            </a:r>
-            <a:r>
-              <a:rPr lang="ru-RU" dirty="0" smtClean="0"/>
-              <a:t> </a:t>
-            </a:r>
-            <a:r>
-              <a:rPr lang="ru-RU" dirty="0" err="1" smtClean="0"/>
-              <a:t>clothSet</a:t>
-            </a:r>
-            <a:r>
-              <a:rPr lang="ru-RU" dirty="0" smtClean="0"/>
-              <a:t>)</a:t>
-            </a:r>
-          </a:p>
-          <a:p>
-            <a:r>
-              <a:rPr lang="ru-RU" dirty="0" smtClean="0"/>
-              <a:t>1.5 Добавить в класс </a:t>
-            </a:r>
-            <a:r>
-              <a:rPr lang="ru-RU" dirty="0" err="1" smtClean="0"/>
-              <a:t>Hitman</a:t>
-            </a:r>
-            <a:r>
-              <a:rPr lang="ru-RU" dirty="0" smtClean="0"/>
-              <a:t> поле </a:t>
-            </a:r>
-            <a:r>
-              <a:rPr lang="ru-RU" dirty="0" err="1" smtClean="0"/>
-              <a:t>allTools</a:t>
-            </a:r>
-            <a:r>
-              <a:rPr lang="ru-RU" dirty="0" smtClean="0"/>
-              <a:t> типа </a:t>
-            </a:r>
-            <a:r>
-              <a:rPr lang="ru-RU" dirty="0" err="1" smtClean="0"/>
-              <a:t>List</a:t>
-            </a:r>
-            <a:r>
-              <a:rPr lang="ru-RU" dirty="0" smtClean="0"/>
-              <a:t>&lt;</a:t>
-            </a:r>
-            <a:r>
-              <a:rPr lang="ru-RU" dirty="0" err="1" smtClean="0"/>
-              <a:t>ITool</a:t>
-            </a:r>
-            <a:r>
-              <a:rPr lang="ru-RU" dirty="0" smtClean="0"/>
-              <a:t>&gt;. + инициализировать</a:t>
-            </a:r>
-          </a:p>
-          <a:p>
-            <a:r>
-              <a:rPr lang="ru-RU" dirty="0" smtClean="0"/>
-              <a:t>1.6 Добавить в класс </a:t>
-            </a:r>
-            <a:r>
-              <a:rPr lang="ru-RU" dirty="0" err="1" smtClean="0"/>
-              <a:t>Hitman</a:t>
-            </a:r>
-            <a:r>
-              <a:rPr lang="ru-RU" dirty="0" smtClean="0"/>
-              <a:t> метод </a:t>
-            </a:r>
-            <a:r>
-              <a:rPr lang="ru-RU" dirty="0" err="1" smtClean="0"/>
-              <a:t>ShootViaCurrentTool</a:t>
-            </a:r>
-            <a:r>
-              <a:rPr lang="ru-RU" dirty="0" smtClean="0"/>
-              <a:t>()</a:t>
-            </a:r>
-          </a:p>
-          <a:p>
-            <a:r>
-              <a:rPr lang="ru-RU" dirty="0" smtClean="0"/>
-              <a:t>2. Описать интерфейсы</a:t>
-            </a:r>
-          </a:p>
-          <a:p>
-            <a:r>
-              <a:rPr lang="ru-RU" dirty="0" smtClean="0"/>
-              <a:t>2.1 Описать интерфейс </a:t>
-            </a:r>
-            <a:r>
-              <a:rPr lang="ru-RU" dirty="0" err="1" smtClean="0"/>
-              <a:t>ITool</a:t>
-            </a:r>
-            <a:endParaRPr lang="ru-RU" dirty="0" smtClean="0"/>
-          </a:p>
-          <a:p>
-            <a:r>
-              <a:rPr lang="ru-RU" dirty="0" smtClean="0"/>
-              <a:t>2.1.1 Добавить метод </a:t>
-            </a:r>
-            <a:r>
-              <a:rPr lang="ru-RU" dirty="0" err="1" smtClean="0"/>
-              <a:t>Shoot</a:t>
-            </a:r>
-            <a:r>
-              <a:rPr lang="ru-RU" dirty="0" smtClean="0"/>
-              <a:t>() без реализации</a:t>
-            </a:r>
-          </a:p>
-          <a:p>
-            <a:r>
-              <a:rPr lang="ru-RU" dirty="0" smtClean="0"/>
-              <a:t>2.1.2 Создать &gt;=2 любых реализаций </a:t>
-            </a:r>
-            <a:r>
-              <a:rPr lang="ru-RU" dirty="0" err="1" smtClean="0"/>
-              <a:t>интерйейса</a:t>
-            </a:r>
-            <a:r>
-              <a:rPr lang="ru-RU" dirty="0" smtClean="0"/>
-              <a:t>.</a:t>
-            </a:r>
-          </a:p>
-          <a:p>
-            <a:r>
-              <a:rPr lang="ru-RU" dirty="0" smtClean="0"/>
-              <a:t>2.2 Описать интерфейс </a:t>
-            </a:r>
-            <a:r>
-              <a:rPr lang="ru-RU" dirty="0" err="1" smtClean="0"/>
-              <a:t>IClothset</a:t>
-            </a:r>
-            <a:endParaRPr lang="ru-RU" dirty="0" smtClean="0"/>
-          </a:p>
-          <a:p>
-            <a:r>
-              <a:rPr lang="ru-RU" dirty="0" smtClean="0"/>
-              <a:t>2.2.1 При желании можно добавить пару методов</a:t>
-            </a:r>
-          </a:p>
-          <a:p>
-            <a:r>
-              <a:rPr lang="ru-RU" dirty="0" smtClean="0"/>
-              <a:t>2.2.2 Создать &gt;=2 любых реализаций </a:t>
-            </a:r>
-            <a:r>
-              <a:rPr lang="ru-RU" dirty="0" err="1" smtClean="0"/>
-              <a:t>интерйейса</a:t>
-            </a:r>
-            <a:r>
-              <a:rPr lang="ru-RU" dirty="0" smtClean="0"/>
-              <a:t>.</a:t>
+              <a:t>что нужно (при правильной реализации интерфейса).</a:t>
             </a:r>
           </a:p>
         </p:txBody>
       </p:sp>
-      <p:pic>
-        <p:nvPicPr>
-          <p:cNvPr id="1026" name="Picture 2" descr="Поддержка Feral | Hitman: Absolution"/>
-          <p:cNvPicPr>
-            <a:picLocks noChangeAspect="1" noChangeArrowheads="1"/>
-          </p:cNvPicPr>
-          <p:nvPr/>
-        </p:nvPicPr>
-        <p:blipFill>
-          <a:blip r:embed="rId3">
-            <a:extLst>
-              <a:ext uri="{28A0092B-C50C-407E-A947-70E740481C1C}">
-                <a14:useLocalDpi xmlns:a14="http://schemas.microsoft.com/office/drawing/2010/main" xmlns="" val="0"/>
-              </a:ext>
-            </a:extLst>
-          </a:blip>
-          <a:srcRect/>
-          <a:stretch>
-            <a:fillRect/>
-          </a:stretch>
-        </p:blipFill>
-        <p:spPr bwMode="auto">
-          <a:xfrm flipH="1">
-            <a:off x="7267574" y="1025351"/>
-            <a:ext cx="1350727" cy="3494887"/>
-          </a:xfrm>
-          <a:prstGeom prst="rect">
-            <a:avLst/>
-          </a:prstGeom>
-          <a:noFill/>
-          <a:extLst>
-            <a:ext uri="{909E8E84-426E-40DD-AFC4-6F175D3DCCD1}">
-              <a14:hiddenFill xmlns:a14="http://schemas.microsoft.com/office/drawing/2010/main" xmlns="">
-                <a:solidFill>
-                  <a:srgbClr val="FFFFFF"/>
-                </a:solidFill>
-              </a14:hiddenFill>
-            </a:ext>
-          </a:extLst>
-        </p:spPr>
-      </p:pic>
     </p:spTree>
     <p:extLst>
       <p:ext uri="{BB962C8B-B14F-4D97-AF65-F5344CB8AC3E}">
-        <p14:creationId xmlns:p14="http://schemas.microsoft.com/office/powerpoint/2010/main" xmlns="" val="2237277517"/>
+        <p14:creationId xmlns="" xmlns:p14="http://schemas.microsoft.com/office/powerpoint/2010/main" val="2237277517"/>
       </p:ext>
     </p:extLst>
   </p:cSld>
@@ -20830,7 +20718,7 @@
     </p:spTree>
     <p:extLst>
       <p:ext uri="{BB962C8B-B14F-4D97-AF65-F5344CB8AC3E}">
-        <p14:creationId xmlns:p14="http://schemas.microsoft.com/office/powerpoint/2010/main" xmlns="" val="1849832399"/>
+        <p14:creationId xmlns="" xmlns:p14="http://schemas.microsoft.com/office/powerpoint/2010/main" val="1849832399"/>
       </p:ext>
     </p:extLst>
   </p:cSld>
@@ -20838,7 +20726,7 @@
     <a:masterClrMapping/>
   </p:clrMapOvr>
   <mc:AlternateContent xmlns:mc="http://schemas.openxmlformats.org/markup-compatibility/2006">
-    <mc:Choice xmlns:p14="http://schemas.microsoft.com/office/powerpoint/2010/main" xmlns="" Requires="p14">
+    <mc:Choice xmlns="" xmlns:p14="http://schemas.microsoft.com/office/powerpoint/2010/main" Requires="p14">
       <p:transition spd="slow" p14:dur="2000"/>
     </mc:Choice>
     <mc:Fallback>
@@ -20925,7 +20813,7 @@
           <a:noFill/>
           <a:extLst>
             <a:ext uri="{909E8E84-426E-40DD-AFC4-6F175D3DCCD1}">
-              <a14:hiddenFill xmlns:a14="http://schemas.microsoft.com/office/drawing/2010/main" xmlns="">
+              <a14:hiddenFill xmlns="" xmlns:a14="http://schemas.microsoft.com/office/drawing/2010/main">
                 <a:solidFill>
                   <a:srgbClr val="FFFFFF"/>
                 </a:solidFill>
@@ -20964,7 +20852,514 @@
           <a:noFill/>
           <a:extLst>
             <a:ext uri="{909E8E84-426E-40DD-AFC4-6F175D3DCCD1}">
-              <a14:hiddenFill xmlns:a14="http://schemas.microsoft.com/office/drawing/2010/main" xmlns="">
+              <a14:hiddenFill xmlns="" xmlns:a14="http://schemas.microsoft.com/office/drawing/2010/main">
+                <a:solidFill>
+                  <a:srgbClr val="FFFFFF"/>
+                </a:solidFill>
+              </a14:hiddenFill>
+            </a:ext>
+          </a:extLst>
+        </p:spPr>
+        <p:txBody>
+          <a:bodyPr vert="horz" wrap="square" lIns="91440" tIns="45720" rIns="91440" bIns="45720" numCol="1" anchor="t" anchorCtr="0" compatLnSpc="1">
+            <a:prstTxWarp prst="textNoShape">
+              <a:avLst/>
+            </a:prstTxWarp>
+          </a:bodyPr>
+          <a:lstStyle/>
+          <a:p>
+            <a:endParaRPr lang="ru-RU"/>
+          </a:p>
+        </p:txBody>
+      </p:sp>
+      <p:sp>
+        <p:nvSpPr>
+          <p:cNvPr id="6" name="Прямоугольник 5"/>
+          <p:cNvSpPr/>
+          <p:nvPr/>
+        </p:nvSpPr>
+        <p:spPr>
+          <a:xfrm>
+            <a:off x="512993" y="1116836"/>
+            <a:ext cx="3506685" cy="307777"/>
+          </a:xfrm>
+          <a:prstGeom prst="rect">
+            <a:avLst/>
+          </a:prstGeom>
+        </p:spPr>
+        <p:txBody>
+          <a:bodyPr wrap="square">
+            <a:spAutoFit/>
+          </a:bodyPr>
+          <a:lstStyle/>
+          <a:p>
+            <a:endParaRPr lang="ru-RU" dirty="0"/>
+          </a:p>
+        </p:txBody>
+      </p:sp>
+      <p:sp>
+        <p:nvSpPr>
+          <p:cNvPr id="7" name="Прямоугольник 6"/>
+          <p:cNvSpPr/>
+          <p:nvPr/>
+        </p:nvSpPr>
+        <p:spPr>
+          <a:xfrm>
+            <a:off x="472542" y="1305777"/>
+            <a:ext cx="7849112" cy="3323987"/>
+          </a:xfrm>
+          <a:prstGeom prst="rect">
+            <a:avLst/>
+          </a:prstGeom>
+        </p:spPr>
+        <p:txBody>
+          <a:bodyPr wrap="square">
+            <a:spAutoFit/>
+          </a:bodyPr>
+          <a:lstStyle/>
+          <a:p>
+            <a:r>
+              <a:rPr lang="ru-RU" dirty="0" smtClean="0"/>
+              <a:t>1. Описать класс </a:t>
+            </a:r>
+            <a:r>
+              <a:rPr lang="ru-RU" dirty="0" err="1" smtClean="0"/>
+              <a:t>Hitman</a:t>
+            </a:r>
+            <a:endParaRPr lang="ru-RU" dirty="0" smtClean="0"/>
+          </a:p>
+          <a:p>
+            <a:r>
+              <a:rPr lang="ru-RU" dirty="0" smtClean="0"/>
+              <a:t>1.1 Добавить в класс </a:t>
+            </a:r>
+            <a:r>
+              <a:rPr lang="ru-RU" dirty="0" err="1" smtClean="0"/>
+              <a:t>Hitman</a:t>
+            </a:r>
+            <a:r>
+              <a:rPr lang="ru-RU" dirty="0" smtClean="0"/>
+              <a:t> поле </a:t>
+            </a:r>
+            <a:r>
+              <a:rPr lang="ru-RU" dirty="0" err="1" smtClean="0"/>
+              <a:t>c</a:t>
+            </a:r>
+            <a:r>
+              <a:rPr lang="ru-RU" dirty="0" smtClean="0"/>
+              <a:t> </a:t>
+            </a:r>
+            <a:r>
+              <a:rPr lang="ru-RU" dirty="0" err="1" smtClean="0"/>
+              <a:t>currentTool</a:t>
+            </a:r>
+            <a:r>
+              <a:rPr lang="ru-RU" dirty="0" smtClean="0"/>
+              <a:t> типа </a:t>
+            </a:r>
+            <a:r>
+              <a:rPr lang="ru-RU" dirty="0" err="1" smtClean="0"/>
+              <a:t>ITool</a:t>
+            </a:r>
+            <a:r>
+              <a:rPr lang="ru-RU" dirty="0" smtClean="0"/>
+              <a:t> (интерфейс)</a:t>
+            </a:r>
+          </a:p>
+          <a:p>
+            <a:r>
+              <a:rPr lang="ru-RU" dirty="0" smtClean="0"/>
+              <a:t>1.2 Добавить в класс </a:t>
+            </a:r>
+            <a:r>
+              <a:rPr lang="ru-RU" dirty="0" err="1" smtClean="0"/>
+              <a:t>Hitman</a:t>
+            </a:r>
+            <a:r>
+              <a:rPr lang="ru-RU" dirty="0" smtClean="0"/>
+              <a:t> поле и свойство </a:t>
+            </a:r>
+            <a:r>
+              <a:rPr lang="ru-RU" dirty="0" err="1" smtClean="0"/>
+              <a:t>currentClothSet</a:t>
+            </a:r>
+            <a:r>
+              <a:rPr lang="ru-RU" dirty="0" smtClean="0"/>
+              <a:t> типа </a:t>
+            </a:r>
+          </a:p>
+          <a:p>
+            <a:r>
+              <a:rPr lang="ru-RU" dirty="0" err="1" smtClean="0"/>
+              <a:t>ICloth</a:t>
+            </a:r>
+            <a:r>
+              <a:rPr lang="en-US" dirty="0" smtClean="0"/>
+              <a:t>S</a:t>
+            </a:r>
+            <a:r>
+              <a:rPr lang="ru-RU" dirty="0" err="1" smtClean="0"/>
+              <a:t>et</a:t>
+            </a:r>
+            <a:r>
+              <a:rPr lang="ru-RU" dirty="0" smtClean="0"/>
+              <a:t> (интерфейс)</a:t>
+            </a:r>
+          </a:p>
+          <a:p>
+            <a:r>
+              <a:rPr lang="ru-RU" dirty="0" smtClean="0"/>
+              <a:t>1.3 Добавить метод </a:t>
+            </a:r>
+            <a:r>
+              <a:rPr lang="ru-RU" dirty="0" err="1" smtClean="0"/>
+              <a:t>SetNextTools</a:t>
+            </a:r>
+            <a:r>
+              <a:rPr lang="ru-RU" dirty="0" smtClean="0"/>
+              <a:t>()</a:t>
+            </a:r>
+          </a:p>
+          <a:p>
+            <a:r>
+              <a:rPr lang="ru-RU" dirty="0" smtClean="0"/>
+              <a:t>1.4 Добавить метод </a:t>
+            </a:r>
+            <a:r>
+              <a:rPr lang="ru-RU" dirty="0" err="1" smtClean="0"/>
+              <a:t>ChangeClothes</a:t>
+            </a:r>
+            <a:r>
+              <a:rPr lang="ru-RU" dirty="0" smtClean="0"/>
+              <a:t>(</a:t>
+            </a:r>
+            <a:r>
+              <a:rPr lang="ru-RU" dirty="0" err="1" smtClean="0"/>
+              <a:t>IClothset</a:t>
+            </a:r>
+            <a:r>
+              <a:rPr lang="ru-RU" dirty="0" smtClean="0"/>
+              <a:t> </a:t>
+            </a:r>
+            <a:r>
+              <a:rPr lang="ru-RU" dirty="0" err="1" smtClean="0"/>
+              <a:t>clothSet</a:t>
+            </a:r>
+            <a:r>
+              <a:rPr lang="ru-RU" dirty="0" smtClean="0"/>
+              <a:t>)</a:t>
+            </a:r>
+          </a:p>
+          <a:p>
+            <a:r>
+              <a:rPr lang="ru-RU" dirty="0" smtClean="0"/>
+              <a:t>1.5 Добавить в класс </a:t>
+            </a:r>
+            <a:r>
+              <a:rPr lang="ru-RU" dirty="0" err="1" smtClean="0"/>
+              <a:t>Hitman</a:t>
+            </a:r>
+            <a:r>
+              <a:rPr lang="ru-RU" dirty="0" smtClean="0"/>
+              <a:t> поле </a:t>
+            </a:r>
+            <a:r>
+              <a:rPr lang="ru-RU" dirty="0" err="1" smtClean="0"/>
+              <a:t>allTools</a:t>
+            </a:r>
+            <a:r>
+              <a:rPr lang="ru-RU" dirty="0" smtClean="0"/>
+              <a:t> типа </a:t>
+            </a:r>
+            <a:r>
+              <a:rPr lang="ru-RU" dirty="0" err="1" smtClean="0"/>
+              <a:t>List</a:t>
+            </a:r>
+            <a:r>
+              <a:rPr lang="ru-RU" dirty="0" smtClean="0"/>
+              <a:t>&lt;</a:t>
+            </a:r>
+            <a:r>
+              <a:rPr lang="ru-RU" dirty="0" err="1" smtClean="0"/>
+              <a:t>ITool</a:t>
+            </a:r>
+            <a:r>
+              <a:rPr lang="ru-RU" dirty="0" smtClean="0"/>
+              <a:t>&gt;. + инициализировать</a:t>
+            </a:r>
+          </a:p>
+          <a:p>
+            <a:r>
+              <a:rPr lang="ru-RU" dirty="0" smtClean="0"/>
+              <a:t>1.6 Добавить в класс </a:t>
+            </a:r>
+            <a:r>
+              <a:rPr lang="ru-RU" dirty="0" err="1" smtClean="0"/>
+              <a:t>Hitman</a:t>
+            </a:r>
+            <a:r>
+              <a:rPr lang="ru-RU" dirty="0" smtClean="0"/>
+              <a:t> метод </a:t>
+            </a:r>
+            <a:r>
+              <a:rPr lang="ru-RU" dirty="0" err="1" smtClean="0"/>
+              <a:t>ShootViaCurrentTool</a:t>
+            </a:r>
+            <a:r>
+              <a:rPr lang="ru-RU" dirty="0" smtClean="0"/>
+              <a:t>()</a:t>
+            </a:r>
+          </a:p>
+          <a:p>
+            <a:r>
+              <a:rPr lang="ru-RU" dirty="0" smtClean="0"/>
+              <a:t>2. Описать интерфейсы</a:t>
+            </a:r>
+          </a:p>
+          <a:p>
+            <a:r>
+              <a:rPr lang="ru-RU" dirty="0" smtClean="0"/>
+              <a:t>2.1 Описать интерфейс </a:t>
+            </a:r>
+            <a:r>
+              <a:rPr lang="ru-RU" dirty="0" err="1" smtClean="0"/>
+              <a:t>ITool</a:t>
+            </a:r>
+            <a:endParaRPr lang="ru-RU" dirty="0" smtClean="0"/>
+          </a:p>
+          <a:p>
+            <a:r>
+              <a:rPr lang="ru-RU" dirty="0" smtClean="0"/>
+              <a:t>2.1.1 Добавить метод </a:t>
+            </a:r>
+            <a:r>
+              <a:rPr lang="ru-RU" dirty="0" err="1" smtClean="0"/>
+              <a:t>Shoot</a:t>
+            </a:r>
+            <a:r>
+              <a:rPr lang="ru-RU" dirty="0" smtClean="0"/>
+              <a:t>() без реализации</a:t>
+            </a:r>
+          </a:p>
+          <a:p>
+            <a:r>
+              <a:rPr lang="ru-RU" dirty="0" smtClean="0"/>
+              <a:t>2.1.2 Создать &gt;=2 любых реализаций </a:t>
+            </a:r>
+            <a:r>
+              <a:rPr lang="ru-RU" dirty="0" err="1" smtClean="0"/>
+              <a:t>интерйейса</a:t>
+            </a:r>
+            <a:r>
+              <a:rPr lang="ru-RU" dirty="0" smtClean="0"/>
+              <a:t>.</a:t>
+            </a:r>
+          </a:p>
+          <a:p>
+            <a:r>
+              <a:rPr lang="ru-RU" dirty="0" smtClean="0"/>
+              <a:t>2.2 Описать интерфейс </a:t>
+            </a:r>
+            <a:r>
+              <a:rPr lang="ru-RU" dirty="0" err="1" smtClean="0"/>
+              <a:t>IClothset</a:t>
+            </a:r>
+            <a:endParaRPr lang="ru-RU" dirty="0" smtClean="0"/>
+          </a:p>
+          <a:p>
+            <a:r>
+              <a:rPr lang="ru-RU" dirty="0" smtClean="0"/>
+              <a:t>2.2.1 При желании можно добавить пару методов</a:t>
+            </a:r>
+          </a:p>
+          <a:p>
+            <a:r>
+              <a:rPr lang="ru-RU" dirty="0" smtClean="0"/>
+              <a:t>2.2.2 Создать &gt;=2 любых реализаций </a:t>
+            </a:r>
+            <a:r>
+              <a:rPr lang="ru-RU" dirty="0" err="1" smtClean="0"/>
+              <a:t>интерйейса</a:t>
+            </a:r>
+            <a:r>
+              <a:rPr lang="ru-RU" dirty="0" smtClean="0"/>
+              <a:t>.</a:t>
+            </a:r>
+          </a:p>
+        </p:txBody>
+      </p:sp>
+      <p:pic>
+        <p:nvPicPr>
+          <p:cNvPr id="1026" name="Picture 2" descr="Поддержка Feral | Hitman: Absolution"/>
+          <p:cNvPicPr>
+            <a:picLocks noChangeAspect="1" noChangeArrowheads="1"/>
+          </p:cNvPicPr>
+          <p:nvPr/>
+        </p:nvPicPr>
+        <p:blipFill>
+          <a:blip r:embed="rId3">
+            <a:extLst>
+              <a:ext uri="{28A0092B-C50C-407E-A947-70E740481C1C}">
+                <a14:useLocalDpi xmlns="" xmlns:a14="http://schemas.microsoft.com/office/drawing/2010/main" val="0"/>
+              </a:ext>
+            </a:extLst>
+          </a:blip>
+          <a:srcRect/>
+          <a:stretch>
+            <a:fillRect/>
+          </a:stretch>
+        </p:blipFill>
+        <p:spPr bwMode="auto">
+          <a:xfrm flipH="1">
+            <a:off x="7267574" y="1025351"/>
+            <a:ext cx="1350727" cy="3494887"/>
+          </a:xfrm>
+          <a:prstGeom prst="rect">
+            <a:avLst/>
+          </a:prstGeom>
+          <a:noFill/>
+          <a:extLst>
+            <a:ext uri="{909E8E84-426E-40DD-AFC4-6F175D3DCCD1}">
+              <a14:hiddenFill xmlns="" xmlns:a14="http://schemas.microsoft.com/office/drawing/2010/main">
+                <a:solidFill>
+                  <a:srgbClr val="FFFFFF"/>
+                </a:solidFill>
+              </a14:hiddenFill>
+            </a:ext>
+          </a:extLst>
+        </p:spPr>
+      </p:pic>
+    </p:spTree>
+    <p:extLst>
+      <p:ext uri="{BB962C8B-B14F-4D97-AF65-F5344CB8AC3E}">
+        <p14:creationId xmlns="" xmlns:p14="http://schemas.microsoft.com/office/powerpoint/2010/main" val="2237277517"/>
+      </p:ext>
+    </p:extLst>
+  </p:cSld>
+  <p:clrMapOvr>
+    <a:masterClrMapping/>
+  </p:clrMapOvr>
+  <p:transition/>
+  <p:timing>
+    <p:tnLst>
+      <p:par>
+        <p:cTn id="1" dur="indefinite" restart="never" nodeType="tmRoot"/>
+      </p:par>
+    </p:tnLst>
+  </p:timing>
+</p:sld>
+</file>
+
+<file path=ppt/slides/slide31.xml><?xml version="1.0" encoding="utf-8"?>
+<p:sld xmlns:a="http://schemas.openxmlformats.org/drawingml/2006/main" xmlns:r="http://schemas.openxmlformats.org/officeDocument/2006/relationships" xmlns:p="http://schemas.openxmlformats.org/presentationml/2006/main">
+  <p:cSld>
+    <p:spTree>
+      <p:nvGrpSpPr>
+        <p:cNvPr id="1" name="Shape 458"/>
+        <p:cNvGrpSpPr/>
+        <p:nvPr/>
+      </p:nvGrpSpPr>
+      <p:grpSpPr>
+        <a:xfrm>
+          <a:off x="0" y="0"/>
+          <a:ext cx="0" cy="0"/>
+          <a:chOff x="0" y="0"/>
+          <a:chExt cx="0" cy="0"/>
+        </a:xfrm>
+      </p:grpSpPr>
+      <p:sp>
+        <p:nvSpPr>
+          <p:cNvPr id="459" name="Google Shape;459;p78"/>
+          <p:cNvSpPr txBox="1">
+            <a:spLocks noGrp="1"/>
+          </p:cNvSpPr>
+          <p:nvPr>
+            <p:ph type="title"/>
+          </p:nvPr>
+        </p:nvSpPr>
+        <p:spPr>
+          <a:xfrm>
+            <a:off x="500550" y="330725"/>
+            <a:ext cx="8190300" cy="679200"/>
+          </a:xfrm>
+          <a:prstGeom prst="rect">
+            <a:avLst/>
+          </a:prstGeom>
+        </p:spPr>
+        <p:txBody>
+          <a:bodyPr spcFirstLastPara="1" wrap="square" lIns="91425" tIns="91425" rIns="91425" bIns="91425" anchor="t" anchorCtr="0">
+            <a:noAutofit/>
+          </a:bodyPr>
+          <a:lstStyle/>
+          <a:p>
+            <a:pPr lvl="0"/>
+            <a:r>
+              <a:rPr lang="ru-RU" sz="2800" dirty="0" smtClean="0"/>
+              <a:t>Задачи по тематике полиморфизма</a:t>
+            </a:r>
+            <a:endParaRPr sz="2800" dirty="0"/>
+          </a:p>
+        </p:txBody>
+      </p:sp>
+      <p:sp>
+        <p:nvSpPr>
+          <p:cNvPr id="3" name="AutoShape 2" descr="Принципы ООП для начинающих"/>
+          <p:cNvSpPr>
+            <a:spLocks noChangeAspect="1" noChangeArrowheads="1"/>
+          </p:cNvSpPr>
+          <p:nvPr/>
+        </p:nvSpPr>
+        <p:spPr bwMode="auto">
+          <a:xfrm>
+            <a:off x="155575" y="-144463"/>
+            <a:ext cx="304800" cy="304801"/>
+          </a:xfrm>
+          <a:prstGeom prst="rect">
+            <a:avLst/>
+          </a:prstGeom>
+          <a:noFill/>
+          <a:extLst>
+            <a:ext uri="{909E8E84-426E-40DD-AFC4-6F175D3DCCD1}">
+              <a14:hiddenFill xmlns="" xmlns:a14="http://schemas.microsoft.com/office/drawing/2010/main">
+                <a:solidFill>
+                  <a:srgbClr val="FFFFFF"/>
+                </a:solidFill>
+              </a14:hiddenFill>
+            </a:ext>
+          </a:extLst>
+        </p:spPr>
+        <p:txBody>
+          <a:bodyPr vert="horz" wrap="square" lIns="91440" tIns="45720" rIns="91440" bIns="45720" numCol="1" anchor="t" anchorCtr="0" compatLnSpc="1">
+            <a:prstTxWarp prst="textNoShape">
+              <a:avLst/>
+            </a:prstTxWarp>
+          </a:bodyPr>
+          <a:lstStyle/>
+          <a:p>
+            <a:endParaRPr lang="ru-RU"/>
+          </a:p>
+        </p:txBody>
+      </p:sp>
+      <p:sp>
+        <p:nvSpPr>
+          <p:cNvPr id="5" name="AutoShape 4" descr="https://senior.ua/storage/article/content/9d1b2cdf-cf03-475a-927e-f3d89bdcf63d.jpeg"/>
+          <p:cNvSpPr>
+            <a:spLocks noChangeAspect="1" noChangeArrowheads="1"/>
+          </p:cNvSpPr>
+          <p:nvPr/>
+        </p:nvSpPr>
+        <p:spPr bwMode="auto">
+          <a:xfrm>
+            <a:off x="307975" y="7937"/>
+            <a:ext cx="304800" cy="304801"/>
+          </a:xfrm>
+          <a:prstGeom prst="rect">
+            <a:avLst/>
+          </a:prstGeom>
+          <a:noFill/>
+          <a:extLst>
+            <a:ext uri="{909E8E84-426E-40DD-AFC4-6F175D3DCCD1}">
+              <a14:hiddenFill xmlns="" xmlns:a14="http://schemas.microsoft.com/office/drawing/2010/main">
                 <a:solidFill>
                   <a:srgbClr val="FFFFFF"/>
                 </a:solidFill>
@@ -21117,7 +21512,7 @@
     </p:spTree>
     <p:extLst>
       <p:ext uri="{BB962C8B-B14F-4D97-AF65-F5344CB8AC3E}">
-        <p14:creationId xmlns:p14="http://schemas.microsoft.com/office/powerpoint/2010/main" xmlns="" val="2237277517"/>
+        <p14:creationId xmlns="" xmlns:p14="http://schemas.microsoft.com/office/powerpoint/2010/main" val="2237277517"/>
       </p:ext>
     </p:extLst>
   </p:cSld>
@@ -21135,7 +21530,7 @@
 </p:sld>
 </file>
 
-<file path=ppt/slides/slide31.xml><?xml version="1.0" encoding="utf-8"?>
+<file path=ppt/slides/slide32.xml><?xml version="1.0" encoding="utf-8"?>
 <p:sld xmlns:a="http://schemas.openxmlformats.org/drawingml/2006/main" xmlns:r="http://schemas.openxmlformats.org/officeDocument/2006/relationships" xmlns:p="http://schemas.openxmlformats.org/presentationml/2006/main" show="0">
   <p:cSld>
     <p:spTree>
@@ -21965,7 +22360,7 @@
     </p:spTree>
     <p:extLst>
       <p:ext uri="{BB962C8B-B14F-4D97-AF65-F5344CB8AC3E}">
-        <p14:creationId xmlns:p14="http://schemas.microsoft.com/office/powerpoint/2010/main" xmlns="" val="3702748433"/>
+        <p14:creationId xmlns="" xmlns:p14="http://schemas.microsoft.com/office/powerpoint/2010/main" val="3702748433"/>
       </p:ext>
     </p:extLst>
   </p:cSld>
@@ -21983,7 +22378,7 @@
 </p:sld>
 </file>
 
-<file path=ppt/slides/slide32.xml><?xml version="1.0" encoding="utf-8"?>
+<file path=ppt/slides/slide33.xml><?xml version="1.0" encoding="utf-8"?>
 <p:sld xmlns:a="http://schemas.openxmlformats.org/drawingml/2006/main" xmlns:r="http://schemas.openxmlformats.org/officeDocument/2006/relationships" xmlns:p="http://schemas.openxmlformats.org/presentationml/2006/main">
   <p:cSld>
     <p:spTree>
@@ -22072,340 +22467,6 @@
     <a:masterClrMapping/>
   </p:clrMapOvr>
   <p:transition/>
-  <p:timing>
-    <p:tnLst>
-      <p:par>
-        <p:cTn id="1" dur="indefinite" restart="never" nodeType="tmRoot"/>
-      </p:par>
-    </p:tnLst>
-  </p:timing>
-</p:sld>
-</file>
-
-<file path=ppt/slides/slide33.xml><?xml version="1.0" encoding="utf-8"?>
-<p:sld xmlns:a="http://schemas.openxmlformats.org/drawingml/2006/main" xmlns:r="http://schemas.openxmlformats.org/officeDocument/2006/relationships" xmlns:p="http://schemas.openxmlformats.org/presentationml/2006/main">
-  <p:cSld>
-    <p:spTree>
-      <p:nvGrpSpPr>
-        <p:cNvPr id="1" name="Shape 436"/>
-        <p:cNvGrpSpPr/>
-        <p:nvPr/>
-      </p:nvGrpSpPr>
-      <p:grpSpPr>
-        <a:xfrm>
-          <a:off x="0" y="0"/>
-          <a:ext cx="0" cy="0"/>
-          <a:chOff x="0" y="0"/>
-          <a:chExt cx="0" cy="0"/>
-        </a:xfrm>
-      </p:grpSpPr>
-      <p:sp>
-        <p:nvSpPr>
-          <p:cNvPr id="437" name="Google Shape;437;p74"/>
-          <p:cNvSpPr txBox="1">
-            <a:spLocks noGrp="1"/>
-          </p:cNvSpPr>
-          <p:nvPr>
-            <p:ph type="title"/>
-          </p:nvPr>
-        </p:nvSpPr>
-        <p:spPr>
-          <a:xfrm>
-            <a:off x="500550" y="330725"/>
-            <a:ext cx="8190300" cy="679200"/>
-          </a:xfrm>
-          <a:prstGeom prst="rect">
-            <a:avLst/>
-          </a:prstGeom>
-        </p:spPr>
-        <p:txBody>
-          <a:bodyPr spcFirstLastPara="1" wrap="square" lIns="91425" tIns="91425" rIns="91425" bIns="91425" anchor="t" anchorCtr="0">
-            <a:noAutofit/>
-          </a:bodyPr>
-          <a:lstStyle/>
-          <a:p>
-            <a:r>
-              <a:rPr lang="ru-RU" dirty="0" smtClean="0"/>
-              <a:t>Что такое </a:t>
-            </a:r>
-            <a:r>
-              <a:rPr lang="en-US" dirty="0" smtClean="0"/>
-              <a:t>UML</a:t>
-            </a:r>
-            <a:endParaRPr lang="ru-RU" dirty="0">
-              <a:solidFill>
-                <a:schemeClr val="accent1">
-                  <a:lumMod val="75000"/>
-                </a:schemeClr>
-              </a:solidFill>
-            </a:endParaRPr>
-          </a:p>
-        </p:txBody>
-      </p:sp>
-      <p:sp>
-        <p:nvSpPr>
-          <p:cNvPr id="6" name="TextBox 5"/>
-          <p:cNvSpPr txBox="1"/>
-          <p:nvPr/>
-        </p:nvSpPr>
-        <p:spPr>
-          <a:xfrm>
-            <a:off x="566321" y="1139687"/>
-            <a:ext cx="4628532" cy="286682"/>
-          </a:xfrm>
-          <a:prstGeom prst="rect">
-            <a:avLst/>
-          </a:prstGeom>
-          <a:noFill/>
-        </p:spPr>
-        <p:txBody>
-          <a:bodyPr wrap="square" rtlCol="0">
-            <a:spAutoFit/>
-          </a:bodyPr>
-          <a:lstStyle/>
-          <a:p>
-            <a:pPr marL="342900" lvl="0" indent="-342900">
-              <a:lnSpc>
-                <a:spcPct val="115000"/>
-              </a:lnSpc>
-              <a:spcBef>
-                <a:spcPts val="1400"/>
-              </a:spcBef>
-            </a:pPr>
-            <a:endParaRPr lang="ru-RU" sz="1200" dirty="0"/>
-          </a:p>
-        </p:txBody>
-      </p:sp>
-      <p:sp>
-        <p:nvSpPr>
-          <p:cNvPr id="10" name="TextBox 9"/>
-          <p:cNvSpPr txBox="1"/>
-          <p:nvPr/>
-        </p:nvSpPr>
-        <p:spPr>
-          <a:xfrm>
-            <a:off x="566321" y="1139686"/>
-            <a:ext cx="2816959" cy="3046988"/>
-          </a:xfrm>
-          <a:prstGeom prst="rect">
-            <a:avLst/>
-          </a:prstGeom>
-          <a:noFill/>
-        </p:spPr>
-        <p:txBody>
-          <a:bodyPr wrap="square" rtlCol="0">
-            <a:spAutoFit/>
-          </a:bodyPr>
-          <a:lstStyle/>
-          <a:p>
-            <a:pPr lvl="0" eaLnBrk="0" fontAlgn="base" hangingPunct="0">
-              <a:spcBef>
-                <a:spcPct val="0"/>
-              </a:spcBef>
-              <a:spcAft>
-                <a:spcPct val="0"/>
-              </a:spcAft>
-              <a:buClrTx/>
-            </a:pPr>
-            <a:r>
-              <a:rPr lang="ru-RU" sz="1200" b="1" dirty="0" smtClean="0"/>
-              <a:t>UML</a:t>
-            </a:r>
-            <a:r>
-              <a:rPr lang="ru-RU" sz="1200" dirty="0" smtClean="0"/>
-              <a:t>, или </a:t>
-            </a:r>
-            <a:r>
-              <a:rPr lang="ru-RU" sz="1200" b="1" dirty="0" err="1" smtClean="0"/>
-              <a:t>Unified</a:t>
-            </a:r>
-            <a:r>
-              <a:rPr lang="ru-RU" sz="1200" b="1" dirty="0" smtClean="0"/>
-              <a:t> </a:t>
-            </a:r>
-            <a:r>
-              <a:rPr lang="ru-RU" sz="1200" b="1" dirty="0" err="1" smtClean="0"/>
-              <a:t>Modeling</a:t>
-            </a:r>
-            <a:r>
-              <a:rPr lang="ru-RU" sz="1200" b="1" dirty="0" smtClean="0"/>
-              <a:t> </a:t>
-            </a:r>
-            <a:r>
-              <a:rPr lang="ru-RU" sz="1200" b="1" dirty="0" err="1" smtClean="0"/>
-              <a:t>Language</a:t>
-            </a:r>
-            <a:r>
-              <a:rPr lang="ru-RU" sz="1200" dirty="0" smtClean="0"/>
-              <a:t>, — это унифицированный язык моделирования. Его используют, чтобы создавать диаграммы и схемы для визуализации процессов и явлений.</a:t>
-            </a:r>
-          </a:p>
-          <a:p>
-            <a:pPr lvl="0" eaLnBrk="0" fontAlgn="base" hangingPunct="0">
-              <a:spcBef>
-                <a:spcPct val="0"/>
-              </a:spcBef>
-              <a:spcAft>
-                <a:spcPct val="0"/>
-              </a:spcAft>
-              <a:buClrTx/>
-            </a:pPr>
-            <a:endParaRPr lang="ru-RU" altLang="ru-RU" sz="1200" dirty="0" smtClean="0">
-              <a:solidFill>
-                <a:schemeClr val="tx1"/>
-              </a:solidFill>
-              <a:latin typeface="+mn-lt"/>
-            </a:endParaRPr>
-          </a:p>
-          <a:p>
-            <a:pPr lvl="0" eaLnBrk="0" fontAlgn="base" hangingPunct="0">
-              <a:spcBef>
-                <a:spcPct val="0"/>
-              </a:spcBef>
-              <a:spcAft>
-                <a:spcPct val="0"/>
-              </a:spcAft>
-              <a:buClrTx/>
-            </a:pPr>
-            <a:r>
-              <a:rPr lang="ru-RU" sz="1200" b="1" dirty="0" smtClean="0">
-                <a:hlinkClick r:id="rId3"/>
-              </a:rPr>
-              <a:t>Диаграмма классов</a:t>
-            </a:r>
-            <a:r>
-              <a:rPr lang="ru-RU" sz="1200" dirty="0" smtClean="0"/>
-              <a:t> (</a:t>
-            </a:r>
-            <a:r>
-              <a:rPr lang="ru-RU" sz="1200" dirty="0" smtClean="0">
-                <a:hlinkClick r:id="rId4" tooltip="Английский язык"/>
-              </a:rPr>
-              <a:t>англ.</a:t>
-            </a:r>
-            <a:r>
-              <a:rPr lang="ru-RU" sz="1200" dirty="0" smtClean="0"/>
-              <a:t> </a:t>
-            </a:r>
-            <a:r>
-              <a:rPr lang="ru-RU" sz="1200" i="1" dirty="0" err="1" smtClean="0"/>
-              <a:t>class</a:t>
-            </a:r>
-            <a:r>
-              <a:rPr lang="ru-RU" sz="1200" i="1" dirty="0" smtClean="0"/>
-              <a:t> </a:t>
-            </a:r>
-            <a:r>
-              <a:rPr lang="ru-RU" sz="1200" i="1" dirty="0" err="1" smtClean="0"/>
-              <a:t>diagram</a:t>
-            </a:r>
-            <a:r>
-              <a:rPr lang="ru-RU" sz="1200" dirty="0" smtClean="0"/>
-              <a:t>) — структурная </a:t>
-            </a:r>
-            <a:r>
-              <a:rPr lang="ru-RU" sz="1200" dirty="0" smtClean="0">
-                <a:hlinkClick r:id="rId5" tooltip="Диаграмма (UML)"/>
-              </a:rPr>
-              <a:t>диаграмма</a:t>
-            </a:r>
-            <a:r>
-              <a:rPr lang="ru-RU" sz="1200" dirty="0" smtClean="0"/>
-              <a:t> языка моделирования </a:t>
-            </a:r>
-            <a:r>
-              <a:rPr lang="ru-RU" sz="1200" dirty="0" smtClean="0">
-                <a:hlinkClick r:id="rId6" tooltip="UML"/>
-              </a:rPr>
-              <a:t>UML</a:t>
-            </a:r>
-            <a:r>
-              <a:rPr lang="ru-RU" sz="1200" dirty="0" smtClean="0"/>
-              <a:t>, демонстрирующая общую структуру иерархии </a:t>
-            </a:r>
-            <a:r>
-              <a:rPr lang="ru-RU" sz="1200" dirty="0" smtClean="0">
-                <a:hlinkClick r:id="rId7" tooltip="Класс (программирование)"/>
-              </a:rPr>
-              <a:t>классов</a:t>
-            </a:r>
-            <a:r>
-              <a:rPr lang="ru-RU" sz="1200" dirty="0" smtClean="0"/>
-              <a:t> системы, их коопераций, </a:t>
-            </a:r>
-            <a:r>
-              <a:rPr lang="ru-RU" sz="1200" dirty="0" smtClean="0">
-                <a:hlinkClick r:id="rId8" tooltip="Поле класса"/>
-              </a:rPr>
-              <a:t>атрибутов</a:t>
-            </a:r>
-            <a:r>
-              <a:rPr lang="ru-RU" sz="1200" dirty="0" smtClean="0"/>
-              <a:t> (полей), </a:t>
-            </a:r>
-            <a:r>
-              <a:rPr lang="ru-RU" sz="1200" dirty="0" smtClean="0">
-                <a:hlinkClick r:id="rId9" tooltip="Метод (языки программирования)"/>
-              </a:rPr>
-              <a:t>методов</a:t>
-            </a:r>
-            <a:r>
-              <a:rPr lang="ru-RU" sz="1200" dirty="0" smtClean="0"/>
-              <a:t>, интерфейсов и взаимосвязей (отношений) между ними.</a:t>
-            </a:r>
-            <a:endParaRPr lang="ru-RU" altLang="ru-RU" sz="1200" dirty="0">
-              <a:solidFill>
-                <a:schemeClr val="tx1"/>
-              </a:solidFill>
-              <a:latin typeface="+mn-lt"/>
-            </a:endParaRPr>
-          </a:p>
-        </p:txBody>
-      </p:sp>
-      <p:pic>
-        <p:nvPicPr>
-          <p:cNvPr id="1027" name="Picture 3"/>
-          <p:cNvPicPr>
-            <a:picLocks noChangeAspect="1" noChangeArrowheads="1"/>
-          </p:cNvPicPr>
-          <p:nvPr/>
-        </p:nvPicPr>
-        <p:blipFill>
-          <a:blip r:embed="rId10"/>
-          <a:srcRect/>
-          <a:stretch>
-            <a:fillRect/>
-          </a:stretch>
-        </p:blipFill>
-        <p:spPr bwMode="auto">
-          <a:xfrm>
-            <a:off x="3828941" y="1187450"/>
-            <a:ext cx="4835634" cy="2782888"/>
-          </a:xfrm>
-          <a:prstGeom prst="rect">
-            <a:avLst/>
-          </a:prstGeom>
-          <a:noFill/>
-          <a:ln w="9525">
-            <a:noFill/>
-            <a:miter lim="800000"/>
-            <a:headEnd/>
-            <a:tailEnd/>
-          </a:ln>
-          <a:effectLst/>
-        </p:spPr>
-      </p:pic>
-    </p:spTree>
-    <p:extLst>
-      <p:ext uri="{BB962C8B-B14F-4D97-AF65-F5344CB8AC3E}">
-        <p14:creationId xmlns:p14="http://schemas.microsoft.com/office/powerpoint/2010/main" xmlns="" val="3702748433"/>
-      </p:ext>
-    </p:extLst>
-  </p:cSld>
-  <p:clrMapOvr>
-    <a:masterClrMapping/>
-  </p:clrMapOvr>
-  <p:transition spd="slow"/>
   <p:timing>
     <p:tnLst>
       <p:par>
@@ -22460,7 +22521,11 @@
           <a:p>
             <a:r>
               <a:rPr lang="ru-RU" dirty="0" smtClean="0"/>
-              <a:t>Элементы диаграмм</a:t>
+              <a:t>Что такое </a:t>
+            </a:r>
+            <a:r>
+              <a:rPr lang="en-US" dirty="0" smtClean="0"/>
+              <a:t>UML</a:t>
             </a:r>
             <a:endParaRPr lang="ru-RU" dirty="0">
               <a:solidFill>
@@ -22508,14 +22573,14 @@
       </p:sp>
       <p:sp>
         <p:nvSpPr>
-          <p:cNvPr id="16" name="TextBox 15"/>
+          <p:cNvPr id="10" name="TextBox 9"/>
           <p:cNvSpPr txBox="1"/>
           <p:nvPr/>
         </p:nvSpPr>
         <p:spPr>
           <a:xfrm>
-            <a:off x="535841" y="1360666"/>
-            <a:ext cx="2405479" cy="1384995"/>
+            <a:off x="566321" y="1139686"/>
+            <a:ext cx="2816959" cy="3046988"/>
           </a:xfrm>
           <a:prstGeom prst="rect">
             <a:avLst/>
@@ -22528,7 +22593,7 @@
           </a:bodyPr>
           <a:lstStyle/>
           <a:p>
-            <a:pPr marL="228600" lvl="0" indent="-228600" eaLnBrk="0" fontAlgn="base" hangingPunct="0">
+            <a:pPr lvl="0" eaLnBrk="0" fontAlgn="base" hangingPunct="0">
               <a:spcBef>
                 <a:spcPct val="0"/>
               </a:spcBef>
@@ -22536,17 +22601,42 @@
                 <a:spcPct val="0"/>
               </a:spcAft>
               <a:buClrTx/>
-              <a:buAutoNum type="arabicPeriod"/>
             </a:pPr>
             <a:r>
-              <a:rPr lang="ru-RU" dirty="0" smtClean="0">
-                <a:latin typeface="+mn-lt"/>
-              </a:rPr>
-              <a:t>Сущность класса</a:t>
-            </a:r>
-          </a:p>
-          <a:p>
-            <a:pPr marL="228600" lvl="0" indent="-228600" eaLnBrk="0" fontAlgn="base" hangingPunct="0">
+              <a:rPr lang="ru-RU" sz="1200" b="1" dirty="0" smtClean="0"/>
+              <a:t>UML</a:t>
+            </a:r>
+            <a:r>
+              <a:rPr lang="ru-RU" sz="1200" dirty="0" smtClean="0"/>
+              <a:t>, или </a:t>
+            </a:r>
+            <a:r>
+              <a:rPr lang="ru-RU" sz="1200" b="1" dirty="0" err="1" smtClean="0"/>
+              <a:t>Unified</a:t>
+            </a:r>
+            <a:r>
+              <a:rPr lang="ru-RU" sz="1200" b="1" dirty="0" smtClean="0"/>
+              <a:t> </a:t>
+            </a:r>
+            <a:r>
+              <a:rPr lang="ru-RU" sz="1200" b="1" dirty="0" err="1" smtClean="0"/>
+              <a:t>Modeling</a:t>
+            </a:r>
+            <a:r>
+              <a:rPr lang="ru-RU" sz="1200" b="1" dirty="0" smtClean="0"/>
+              <a:t> </a:t>
+            </a:r>
+            <a:r>
+              <a:rPr lang="ru-RU" sz="1200" b="1" dirty="0" err="1" smtClean="0"/>
+              <a:t>Language</a:t>
+            </a:r>
+            <a:r>
+              <a:rPr lang="ru-RU" sz="1200" dirty="0" smtClean="0"/>
+              <a:t>, — это унифицированный язык моделирования. Его используют, чтобы создавать диаграммы и схемы для визуализации процессов и явлений.</a:t>
+            </a:r>
+          </a:p>
+          <a:p>
+            <a:pPr lvl="0" eaLnBrk="0" fontAlgn="base" hangingPunct="0">
               <a:spcBef>
                 <a:spcPct val="0"/>
               </a:spcBef>
@@ -22554,68 +22644,8 @@
                 <a:spcPct val="0"/>
               </a:spcAft>
               <a:buClrTx/>
-              <a:buAutoNum type="arabicPeriod"/>
             </a:pPr>
-            <a:r>
-              <a:rPr lang="ru-RU" altLang="ru-RU" dirty="0" smtClean="0">
-                <a:solidFill>
-                  <a:schemeClr val="tx1"/>
-                </a:solidFill>
-                <a:latin typeface="+mn-lt"/>
-              </a:rPr>
-              <a:t>Сущность интерфейса</a:t>
-            </a:r>
-          </a:p>
-          <a:p>
-            <a:pPr marL="228600" lvl="0" indent="-228600" eaLnBrk="0" fontAlgn="base" hangingPunct="0">
-              <a:spcBef>
-                <a:spcPct val="0"/>
-              </a:spcBef>
-              <a:spcAft>
-                <a:spcPct val="0"/>
-              </a:spcAft>
-              <a:buClrTx/>
-              <a:buAutoNum type="arabicPeriod"/>
-            </a:pPr>
-            <a:r>
-              <a:rPr lang="ru-RU" altLang="ru-RU" dirty="0" smtClean="0">
-                <a:solidFill>
-                  <a:schemeClr val="tx1"/>
-                </a:solidFill>
-                <a:latin typeface="+mn-lt"/>
-              </a:rPr>
-              <a:t>Отношение наследования</a:t>
-            </a:r>
-          </a:p>
-          <a:p>
-            <a:pPr marL="228600" lvl="0" indent="-228600" eaLnBrk="0" fontAlgn="base" hangingPunct="0">
-              <a:spcBef>
-                <a:spcPct val="0"/>
-              </a:spcBef>
-              <a:spcAft>
-                <a:spcPct val="0"/>
-              </a:spcAft>
-              <a:buClrTx/>
-              <a:buAutoNum type="arabicPeriod"/>
-            </a:pPr>
-            <a:r>
-              <a:rPr lang="ru-RU" altLang="ru-RU" dirty="0" smtClean="0">
-                <a:solidFill>
-                  <a:schemeClr val="tx1"/>
-                </a:solidFill>
-                <a:latin typeface="+mn-lt"/>
-              </a:rPr>
-              <a:t>Отношение </a:t>
-            </a:r>
-            <a:r>
-              <a:rPr lang="ru-RU" altLang="ru-RU" dirty="0" smtClean="0">
-                <a:solidFill>
-                  <a:schemeClr val="tx1"/>
-                </a:solidFill>
-              </a:rPr>
-              <a:t>агрегации</a:t>
-            </a:r>
-            <a:endParaRPr lang="ru-RU" altLang="ru-RU" dirty="0" smtClean="0">
+            <a:endParaRPr lang="ru-RU" altLang="ru-RU" sz="1200" dirty="0" smtClean="0">
               <a:solidFill>
                 <a:schemeClr val="tx1"/>
               </a:solidFill>
@@ -22623,7 +22653,7 @@
             </a:endParaRPr>
           </a:p>
           <a:p>
-            <a:pPr marL="228600" lvl="0" indent="-228600" eaLnBrk="0" fontAlgn="base" hangingPunct="0">
+            <a:pPr lvl="0" eaLnBrk="0" fontAlgn="base" hangingPunct="0">
               <a:spcBef>
                 <a:spcPct val="0"/>
               </a:spcBef>
@@ -22631,35 +22661,94 @@
                 <a:spcPct val="0"/>
               </a:spcAft>
               <a:buClrTx/>
-              <a:buAutoNum type="arabicPeriod"/>
             </a:pPr>
             <a:r>
-              <a:rPr lang="ru-RU" altLang="ru-RU" dirty="0" smtClean="0">
-                <a:solidFill>
-                  <a:schemeClr val="tx1"/>
-                </a:solidFill>
-                <a:latin typeface="+mn-lt"/>
-              </a:rPr>
-              <a:t>Отношение</a:t>
-            </a:r>
-            <a:r>
-              <a:rPr lang="en-US" altLang="ru-RU" dirty="0" smtClean="0">
-                <a:solidFill>
-                  <a:schemeClr val="tx1"/>
-                </a:solidFill>
-                <a:latin typeface="+mn-lt"/>
-              </a:rPr>
+              <a:rPr lang="ru-RU" sz="1200" b="1" dirty="0" smtClean="0">
+                <a:hlinkClick r:id="rId3"/>
+              </a:rPr>
+              <a:t>Диаграмма классов</a:t>
+            </a:r>
+            <a:r>
+              <a:rPr lang="ru-RU" sz="1200" dirty="0" smtClean="0"/>
+              <a:t> (</a:t>
+            </a:r>
+            <a:r>
+              <a:rPr lang="ru-RU" sz="1200" dirty="0" smtClean="0">
+                <a:hlinkClick r:id="rId4" tooltip="Английский язык"/>
+              </a:rPr>
+              <a:t>англ.</a:t>
+            </a:r>
+            <a:r>
+              <a:rPr lang="ru-RU" sz="1200" dirty="0" smtClean="0"/>
+              <a:t> </a:t>
+            </a:r>
+            <a:r>
+              <a:rPr lang="ru-RU" sz="1200" i="1" dirty="0" err="1" smtClean="0"/>
+              <a:t>class</a:t>
+            </a:r>
+            <a:r>
+              <a:rPr lang="ru-RU" sz="1200" i="1" dirty="0" smtClean="0"/>
               <a:t> </a:t>
             </a:r>
             <a:r>
-              <a:rPr lang="ru-RU" altLang="ru-RU" smtClean="0">
-                <a:solidFill>
-                  <a:schemeClr val="tx1"/>
-                </a:solidFill>
-              </a:rPr>
-              <a:t>композиции</a:t>
-            </a:r>
-            <a:endParaRPr lang="ru-RU" altLang="ru-RU" dirty="0">
+              <a:rPr lang="ru-RU" sz="1200" i="1" dirty="0" err="1" smtClean="0"/>
+              <a:t>diagram</a:t>
+            </a:r>
+            <a:r>
+              <a:rPr lang="ru-RU" sz="1200" dirty="0" smtClean="0"/>
+              <a:t>) — структурная </a:t>
+            </a:r>
+            <a:r>
+              <a:rPr lang="ru-RU" sz="1200" dirty="0" smtClean="0">
+                <a:hlinkClick r:id="rId5" tooltip="Диаграмма (UML)"/>
+              </a:rPr>
+              <a:t>диаграмма</a:t>
+            </a:r>
+            <a:r>
+              <a:rPr lang="ru-RU" sz="1200" dirty="0" smtClean="0"/>
+              <a:t> языка моделирования </a:t>
+            </a:r>
+            <a:r>
+              <a:rPr lang="ru-RU" sz="1200" dirty="0" smtClean="0">
+                <a:hlinkClick r:id="rId6" tooltip="UML"/>
+              </a:rPr>
+              <a:t>UML</a:t>
+            </a:r>
+            <a:r>
+              <a:rPr lang="ru-RU" sz="1200" dirty="0" smtClean="0"/>
+              <a:t>, демонстрирующая общую структуру иерархии </a:t>
+            </a:r>
+            <a:r>
+              <a:rPr lang="ru-RU" sz="1200" dirty="0" smtClean="0">
+                <a:hlinkClick r:id="rId7" tooltip="Класс (программирование)"/>
+              </a:rPr>
+              <a:t>классов</a:t>
+            </a:r>
+            <a:r>
+              <a:rPr lang="ru-RU" sz="1200" dirty="0" smtClean="0"/>
+              <a:t> системы, их коопераций, </a:t>
+            </a:r>
+            <a:r>
+              <a:rPr lang="ru-RU" sz="1200" dirty="0" smtClean="0">
+                <a:hlinkClick r:id="rId8" tooltip="Поле класса"/>
+              </a:rPr>
+              <a:t>атрибутов</a:t>
+            </a:r>
+            <a:r>
+              <a:rPr lang="ru-RU" sz="1200" dirty="0" smtClean="0"/>
+              <a:t> (полей), </a:t>
+            </a:r>
+            <a:r>
+              <a:rPr lang="ru-RU" sz="1200" dirty="0" smtClean="0">
+                <a:hlinkClick r:id="rId9" tooltip="Метод (языки программирования)"/>
+              </a:rPr>
+              <a:t>методов</a:t>
+            </a:r>
+            <a:r>
+              <a:rPr lang="ru-RU" sz="1200" dirty="0" smtClean="0"/>
+              <a:t>, интерфейсов и взаимосвязей (отношений) между ними.</a:t>
+            </a:r>
+            <a:endParaRPr lang="ru-RU" altLang="ru-RU" sz="1200" dirty="0">
               <a:solidFill>
                 <a:schemeClr val="tx1"/>
               </a:solidFill>
@@ -22670,14 +22759,14 @@
       </p:sp>
       <p:pic>
         <p:nvPicPr>
-          <p:cNvPr id="2050" name="Picture 2"/>
+          <p:cNvPr id="1027" name="Picture 3"/>
           <p:cNvPicPr>
             <a:picLocks noChangeAspect="1" noChangeArrowheads="1"/>
           </p:cNvPicPr>
           <p:nvPr/>
         </p:nvPicPr>
         <p:blipFill>
-          <a:blip r:embed="rId3"/>
+          <a:blip r:embed="rId10"/>
           <a:srcRect/>
           <a:stretch>
             <a:fillRect/>
@@ -22685,8 +22774,8 @@
         </p:blipFill>
         <p:spPr bwMode="auto">
           <a:xfrm>
-            <a:off x="2862580" y="1139190"/>
-            <a:ext cx="5992813" cy="3429000"/>
+            <a:off x="3828941" y="1187450"/>
+            <a:ext cx="4835634" cy="2782888"/>
           </a:xfrm>
           <a:prstGeom prst="rect">
             <a:avLst/>
@@ -22701,230 +22790,10 @@
           <a:effectLst/>
         </p:spPr>
       </p:pic>
-      <p:sp>
-        <p:nvSpPr>
-          <p:cNvPr id="11" name="Овал 10"/>
-          <p:cNvSpPr/>
-          <p:nvPr/>
-        </p:nvSpPr>
-        <p:spPr>
-          <a:xfrm>
-            <a:off x="5204460" y="1074420"/>
-            <a:ext cx="289560" cy="289560"/>
-          </a:xfrm>
-          <a:prstGeom prst="ellipse">
-            <a:avLst/>
-          </a:prstGeom>
-        </p:spPr>
-        <p:style>
-          <a:lnRef idx="2">
-            <a:schemeClr val="accent1">
-              <a:shade val="50000"/>
-            </a:schemeClr>
-          </a:lnRef>
-          <a:fillRef idx="1">
-            <a:schemeClr val="accent1"/>
-          </a:fillRef>
-          <a:effectRef idx="0">
-            <a:schemeClr val="accent1"/>
-          </a:effectRef>
-          <a:fontRef idx="minor">
-            <a:schemeClr val="lt1"/>
-          </a:fontRef>
-        </p:style>
-        <p:txBody>
-          <a:bodyPr rtlCol="0" anchor="ctr"/>
-          <a:lstStyle/>
-          <a:p>
-            <a:pPr algn="ctr"/>
-            <a:r>
-              <a:rPr lang="ru-RU" dirty="0" smtClean="0"/>
-              <a:t>1</a:t>
-            </a:r>
-            <a:endParaRPr lang="ru-RU" dirty="0"/>
-          </a:p>
-        </p:txBody>
-      </p:sp>
-      <p:sp>
-        <p:nvSpPr>
-          <p:cNvPr id="12" name="Овал 11"/>
-          <p:cNvSpPr/>
-          <p:nvPr/>
-        </p:nvSpPr>
-        <p:spPr>
-          <a:xfrm>
-            <a:off x="8168640" y="1066800"/>
-            <a:ext cx="266700" cy="266700"/>
-          </a:xfrm>
-          <a:prstGeom prst="ellipse">
-            <a:avLst/>
-          </a:prstGeom>
-        </p:spPr>
-        <p:style>
-          <a:lnRef idx="2">
-            <a:schemeClr val="accent1">
-              <a:shade val="50000"/>
-            </a:schemeClr>
-          </a:lnRef>
-          <a:fillRef idx="1">
-            <a:schemeClr val="accent1"/>
-          </a:fillRef>
-          <a:effectRef idx="0">
-            <a:schemeClr val="accent1"/>
-          </a:effectRef>
-          <a:fontRef idx="minor">
-            <a:schemeClr val="lt1"/>
-          </a:fontRef>
-        </p:style>
-        <p:txBody>
-          <a:bodyPr rtlCol="0" anchor="ctr"/>
-          <a:lstStyle/>
-          <a:p>
-            <a:pPr algn="ctr"/>
-            <a:r>
-              <a:rPr lang="ru-RU" dirty="0" smtClean="0"/>
-              <a:t>2</a:t>
-            </a:r>
-            <a:endParaRPr lang="ru-RU" dirty="0"/>
-          </a:p>
-        </p:txBody>
-      </p:sp>
-      <p:sp>
-        <p:nvSpPr>
-          <p:cNvPr id="13" name="Овал 12"/>
-          <p:cNvSpPr/>
-          <p:nvPr/>
-        </p:nvSpPr>
-        <p:spPr>
-          <a:xfrm>
-            <a:off x="5044440" y="3497580"/>
-            <a:ext cx="266700" cy="266700"/>
-          </a:xfrm>
-          <a:prstGeom prst="ellipse">
-            <a:avLst/>
-          </a:prstGeom>
-        </p:spPr>
-        <p:style>
-          <a:lnRef idx="2">
-            <a:schemeClr val="accent1">
-              <a:shade val="50000"/>
-            </a:schemeClr>
-          </a:lnRef>
-          <a:fillRef idx="1">
-            <a:schemeClr val="accent1"/>
-          </a:fillRef>
-          <a:effectRef idx="0">
-            <a:schemeClr val="accent1"/>
-          </a:effectRef>
-          <a:fontRef idx="minor">
-            <a:schemeClr val="lt1"/>
-          </a:fontRef>
-        </p:style>
-        <p:txBody>
-          <a:bodyPr rtlCol="0" anchor="ctr"/>
-          <a:lstStyle/>
-          <a:p>
-            <a:pPr algn="ctr"/>
-            <a:r>
-              <a:rPr lang="ru-RU" dirty="0" smtClean="0"/>
-              <a:t>3</a:t>
-            </a:r>
-            <a:endParaRPr lang="ru-RU" dirty="0"/>
-          </a:p>
-        </p:txBody>
-      </p:sp>
-      <p:sp>
-        <p:nvSpPr>
-          <p:cNvPr id="14" name="Овал 13"/>
-          <p:cNvSpPr/>
-          <p:nvPr/>
-        </p:nvSpPr>
-        <p:spPr>
-          <a:xfrm>
-            <a:off x="5494020" y="2727960"/>
-            <a:ext cx="266700" cy="266700"/>
-          </a:xfrm>
-          <a:prstGeom prst="ellipse">
-            <a:avLst/>
-          </a:prstGeom>
-        </p:spPr>
-        <p:style>
-          <a:lnRef idx="2">
-            <a:schemeClr val="accent1">
-              <a:shade val="50000"/>
-            </a:schemeClr>
-          </a:lnRef>
-          <a:fillRef idx="1">
-            <a:schemeClr val="accent1"/>
-          </a:fillRef>
-          <a:effectRef idx="0">
-            <a:schemeClr val="accent1"/>
-          </a:effectRef>
-          <a:fontRef idx="minor">
-            <a:schemeClr val="lt1"/>
-          </a:fontRef>
-        </p:style>
-        <p:txBody>
-          <a:bodyPr rtlCol="0" anchor="ctr"/>
-          <a:lstStyle/>
-          <a:p>
-            <a:pPr algn="ctr"/>
-            <a:r>
-              <a:rPr lang="ru-RU" dirty="0" smtClean="0"/>
-              <a:t>4</a:t>
-            </a:r>
-            <a:endParaRPr lang="ru-RU" dirty="0"/>
-          </a:p>
-        </p:txBody>
-      </p:sp>
-      <p:sp>
-        <p:nvSpPr>
-          <p:cNvPr id="15" name="Овал 14"/>
-          <p:cNvSpPr/>
-          <p:nvPr/>
-        </p:nvSpPr>
-        <p:spPr>
-          <a:xfrm>
-            <a:off x="6240780" y="1394460"/>
-            <a:ext cx="266700" cy="266700"/>
-          </a:xfrm>
-          <a:prstGeom prst="ellipse">
-            <a:avLst/>
-          </a:prstGeom>
-        </p:spPr>
-        <p:style>
-          <a:lnRef idx="2">
-            <a:schemeClr val="accent1">
-              <a:shade val="50000"/>
-            </a:schemeClr>
-          </a:lnRef>
-          <a:fillRef idx="1">
-            <a:schemeClr val="accent1"/>
-          </a:fillRef>
-          <a:effectRef idx="0">
-            <a:schemeClr val="accent1"/>
-          </a:effectRef>
-          <a:fontRef idx="minor">
-            <a:schemeClr val="lt1"/>
-          </a:fontRef>
-        </p:style>
-        <p:txBody>
-          <a:bodyPr rtlCol="0" anchor="ctr"/>
-          <a:lstStyle/>
-          <a:p>
-            <a:pPr algn="ctr"/>
-            <a:r>
-              <a:rPr lang="ru-RU" dirty="0" smtClean="0"/>
-              <a:t>5</a:t>
-            </a:r>
-            <a:endParaRPr lang="ru-RU" dirty="0"/>
-          </a:p>
-        </p:txBody>
-      </p:sp>
     </p:spTree>
     <p:extLst>
       <p:ext uri="{BB962C8B-B14F-4D97-AF65-F5344CB8AC3E}">
-        <p14:creationId xmlns:p14="http://schemas.microsoft.com/office/powerpoint/2010/main" xmlns="" val="3702748433"/>
+        <p14:creationId xmlns="" xmlns:p14="http://schemas.microsoft.com/office/powerpoint/2010/main" val="3702748433"/>
       </p:ext>
     </p:extLst>
   </p:cSld>
@@ -22986,7 +22855,7 @@
           <a:p>
             <a:r>
               <a:rPr lang="ru-RU" dirty="0" smtClean="0"/>
-              <a:t>Примеры диаграмм в паттернах проектирования</a:t>
+              <a:t>Элементы диаграмм</a:t>
             </a:r>
             <a:endParaRPr lang="ru-RU" dirty="0">
               <a:solidFill>
@@ -23034,16 +22903,14 @@
       </p:sp>
       <p:sp>
         <p:nvSpPr>
-          <p:cNvPr id="1028" name="AutoShape 4" descr="Структура классов паттерна Абстрактная фабрика"/>
-          <p:cNvSpPr>
-            <a:spLocks noChangeAspect="1" noChangeArrowheads="1"/>
-          </p:cNvSpPr>
+          <p:cNvPr id="16" name="TextBox 15"/>
+          <p:cNvSpPr txBox="1"/>
           <p:nvPr/>
         </p:nvSpPr>
-        <p:spPr bwMode="auto">
-          <a:xfrm>
-            <a:off x="155575" y="-144463"/>
-            <a:ext cx="304800" cy="304801"/>
+        <p:spPr>
+          <a:xfrm>
+            <a:off x="535841" y="1360666"/>
+            <a:ext cx="2405479" cy="1384995"/>
           </a:xfrm>
           <a:prstGeom prst="rect">
             <a:avLst/>
@@ -23051,83 +22918,399 @@
           <a:noFill/>
         </p:spPr>
         <p:txBody>
-          <a:bodyPr vert="horz" wrap="square" lIns="91440" tIns="45720" rIns="91440" bIns="45720" numCol="1" anchor="t" anchorCtr="0" compatLnSpc="1">
-            <a:prstTxWarp prst="textNoShape">
-              <a:avLst/>
-            </a:prstTxWarp>
+          <a:bodyPr wrap="square" rtlCol="0">
+            <a:spAutoFit/>
           </a:bodyPr>
           <a:lstStyle/>
           <a:p>
-            <a:endParaRPr lang="ru-RU"/>
+            <a:pPr marL="228600" lvl="0" indent="-228600" eaLnBrk="0" fontAlgn="base" hangingPunct="0">
+              <a:spcBef>
+                <a:spcPct val="0"/>
+              </a:spcBef>
+              <a:spcAft>
+                <a:spcPct val="0"/>
+              </a:spcAft>
+              <a:buClrTx/>
+              <a:buAutoNum type="arabicPeriod"/>
+            </a:pPr>
+            <a:r>
+              <a:rPr lang="ru-RU" dirty="0" smtClean="0">
+                <a:latin typeface="+mn-lt"/>
+              </a:rPr>
+              <a:t>Сущность класса</a:t>
+            </a:r>
+          </a:p>
+          <a:p>
+            <a:pPr marL="228600" lvl="0" indent="-228600" eaLnBrk="0" fontAlgn="base" hangingPunct="0">
+              <a:spcBef>
+                <a:spcPct val="0"/>
+              </a:spcBef>
+              <a:spcAft>
+                <a:spcPct val="0"/>
+              </a:spcAft>
+              <a:buClrTx/>
+              <a:buAutoNum type="arabicPeriod"/>
+            </a:pPr>
+            <a:r>
+              <a:rPr lang="ru-RU" altLang="ru-RU" dirty="0" smtClean="0">
+                <a:solidFill>
+                  <a:schemeClr val="tx1"/>
+                </a:solidFill>
+                <a:latin typeface="+mn-lt"/>
+              </a:rPr>
+              <a:t>Сущность интерфейса</a:t>
+            </a:r>
+          </a:p>
+          <a:p>
+            <a:pPr marL="228600" lvl="0" indent="-228600" eaLnBrk="0" fontAlgn="base" hangingPunct="0">
+              <a:spcBef>
+                <a:spcPct val="0"/>
+              </a:spcBef>
+              <a:spcAft>
+                <a:spcPct val="0"/>
+              </a:spcAft>
+              <a:buClrTx/>
+              <a:buAutoNum type="arabicPeriod"/>
+            </a:pPr>
+            <a:r>
+              <a:rPr lang="ru-RU" altLang="ru-RU" dirty="0" smtClean="0">
+                <a:solidFill>
+                  <a:schemeClr val="tx1"/>
+                </a:solidFill>
+                <a:latin typeface="+mn-lt"/>
+              </a:rPr>
+              <a:t>Отношение наследования</a:t>
+            </a:r>
+          </a:p>
+          <a:p>
+            <a:pPr marL="228600" lvl="0" indent="-228600" eaLnBrk="0" fontAlgn="base" hangingPunct="0">
+              <a:spcBef>
+                <a:spcPct val="0"/>
+              </a:spcBef>
+              <a:spcAft>
+                <a:spcPct val="0"/>
+              </a:spcAft>
+              <a:buClrTx/>
+              <a:buAutoNum type="arabicPeriod"/>
+            </a:pPr>
+            <a:r>
+              <a:rPr lang="ru-RU" altLang="ru-RU" dirty="0" smtClean="0">
+                <a:solidFill>
+                  <a:schemeClr val="tx1"/>
+                </a:solidFill>
+                <a:latin typeface="+mn-lt"/>
+              </a:rPr>
+              <a:t>Отношение </a:t>
+            </a:r>
+            <a:r>
+              <a:rPr lang="ru-RU" altLang="ru-RU" dirty="0" smtClean="0">
+                <a:solidFill>
+                  <a:schemeClr val="tx1"/>
+                </a:solidFill>
+              </a:rPr>
+              <a:t>агрегации</a:t>
+            </a:r>
+            <a:endParaRPr lang="ru-RU" altLang="ru-RU" dirty="0" smtClean="0">
+              <a:solidFill>
+                <a:schemeClr val="tx1"/>
+              </a:solidFill>
+              <a:latin typeface="+mn-lt"/>
+            </a:endParaRPr>
+          </a:p>
+          <a:p>
+            <a:pPr marL="228600" lvl="0" indent="-228600" eaLnBrk="0" fontAlgn="base" hangingPunct="0">
+              <a:spcBef>
+                <a:spcPct val="0"/>
+              </a:spcBef>
+              <a:spcAft>
+                <a:spcPct val="0"/>
+              </a:spcAft>
+              <a:buClrTx/>
+              <a:buAutoNum type="arabicPeriod"/>
+            </a:pPr>
+            <a:r>
+              <a:rPr lang="ru-RU" altLang="ru-RU" dirty="0" smtClean="0">
+                <a:solidFill>
+                  <a:schemeClr val="tx1"/>
+                </a:solidFill>
+                <a:latin typeface="+mn-lt"/>
+              </a:rPr>
+              <a:t>Отношение</a:t>
+            </a:r>
+            <a:r>
+              <a:rPr lang="en-US" altLang="ru-RU" dirty="0" smtClean="0">
+                <a:solidFill>
+                  <a:schemeClr val="tx1"/>
+                </a:solidFill>
+                <a:latin typeface="+mn-lt"/>
+              </a:rPr>
+              <a:t> </a:t>
+            </a:r>
+            <a:r>
+              <a:rPr lang="ru-RU" altLang="ru-RU" smtClean="0">
+                <a:solidFill>
+                  <a:schemeClr val="tx1"/>
+                </a:solidFill>
+              </a:rPr>
+              <a:t>композиции</a:t>
+            </a:r>
+            <a:endParaRPr lang="ru-RU" altLang="ru-RU" dirty="0">
+              <a:solidFill>
+                <a:schemeClr val="tx1"/>
+              </a:solidFill>
+              <a:latin typeface="+mn-lt"/>
+            </a:endParaRPr>
+          </a:p>
+        </p:txBody>
+      </p:sp>
+      <p:pic>
+        <p:nvPicPr>
+          <p:cNvPr id="2050" name="Picture 2"/>
+          <p:cNvPicPr>
+            <a:picLocks noChangeAspect="1" noChangeArrowheads="1"/>
+          </p:cNvPicPr>
+          <p:nvPr/>
+        </p:nvPicPr>
+        <p:blipFill>
+          <a:blip r:embed="rId3"/>
+          <a:srcRect/>
+          <a:stretch>
+            <a:fillRect/>
+          </a:stretch>
+        </p:blipFill>
+        <p:spPr bwMode="auto">
+          <a:xfrm>
+            <a:off x="2862580" y="1139190"/>
+            <a:ext cx="5992813" cy="3429000"/>
+          </a:xfrm>
+          <a:prstGeom prst="rect">
+            <a:avLst/>
+          </a:prstGeom>
+          <a:noFill/>
+          <a:ln w="9525">
+            <a:noFill/>
+            <a:miter lim="800000"/>
+            <a:headEnd/>
+            <a:tailEnd/>
+          </a:ln>
+          <a:effectLst/>
+        </p:spPr>
+      </p:pic>
+      <p:sp>
+        <p:nvSpPr>
+          <p:cNvPr id="11" name="Овал 10"/>
+          <p:cNvSpPr/>
+          <p:nvPr/>
+        </p:nvSpPr>
+        <p:spPr>
+          <a:xfrm>
+            <a:off x="5204460" y="1074420"/>
+            <a:ext cx="289560" cy="289560"/>
+          </a:xfrm>
+          <a:prstGeom prst="ellipse">
+            <a:avLst/>
+          </a:prstGeom>
+        </p:spPr>
+        <p:style>
+          <a:lnRef idx="2">
+            <a:schemeClr val="accent1">
+              <a:shade val="50000"/>
+            </a:schemeClr>
+          </a:lnRef>
+          <a:fillRef idx="1">
+            <a:schemeClr val="accent1"/>
+          </a:fillRef>
+          <a:effectRef idx="0">
+            <a:schemeClr val="accent1"/>
+          </a:effectRef>
+          <a:fontRef idx="minor">
+            <a:schemeClr val="lt1"/>
+          </a:fontRef>
+        </p:style>
+        <p:txBody>
+          <a:bodyPr rtlCol="0" anchor="ctr"/>
+          <a:lstStyle/>
+          <a:p>
+            <a:pPr algn="ctr"/>
+            <a:r>
+              <a:rPr lang="ru-RU" dirty="0" smtClean="0"/>
+              <a:t>1</a:t>
+            </a:r>
+            <a:endParaRPr lang="ru-RU" dirty="0"/>
           </a:p>
         </p:txBody>
       </p:sp>
       <p:sp>
         <p:nvSpPr>
-          <p:cNvPr id="5" name="TextBox 4"/>
-          <p:cNvSpPr txBox="1"/>
+          <p:cNvPr id="12" name="Овал 11"/>
+          <p:cNvSpPr/>
           <p:nvPr/>
         </p:nvSpPr>
         <p:spPr>
           <a:xfrm>
-            <a:off x="584200" y="1651000"/>
-            <a:ext cx="3078087" cy="738664"/>
-          </a:xfrm>
-          <a:prstGeom prst="rect">
+            <a:off x="8168640" y="1066800"/>
+            <a:ext cx="266700" cy="266700"/>
+          </a:xfrm>
+          <a:prstGeom prst="ellipse">
             <a:avLst/>
           </a:prstGeom>
-          <a:noFill/>
-        </p:spPr>
+        </p:spPr>
+        <p:style>
+          <a:lnRef idx="2">
+            <a:schemeClr val="accent1">
+              <a:shade val="50000"/>
+            </a:schemeClr>
+          </a:lnRef>
+          <a:fillRef idx="1">
+            <a:schemeClr val="accent1"/>
+          </a:fillRef>
+          <a:effectRef idx="0">
+            <a:schemeClr val="accent1"/>
+          </a:effectRef>
+          <a:fontRef idx="minor">
+            <a:schemeClr val="lt1"/>
+          </a:fontRef>
+        </p:style>
         <p:txBody>
-          <a:bodyPr wrap="none" rtlCol="0">
-            <a:spAutoFit/>
-          </a:bodyPr>
+          <a:bodyPr rtlCol="0" anchor="ctr"/>
           <a:lstStyle/>
           <a:p>
-            <a:pPr marL="342900" indent="-342900">
-              <a:buAutoNum type="arabicPeriod"/>
-            </a:pPr>
+            <a:pPr algn="ctr"/>
             <a:r>
               <a:rPr lang="ru-RU" dirty="0" smtClean="0"/>
-              <a:t>Паттерн </a:t>
-            </a:r>
-            <a:r>
-              <a:rPr lang="ru-RU" dirty="0" smtClean="0">
-                <a:hlinkClick r:id="rId3"/>
-              </a:rPr>
-              <a:t>стратегия</a:t>
-            </a:r>
-            <a:endParaRPr lang="ru-RU" dirty="0" smtClean="0"/>
-          </a:p>
-          <a:p>
-            <a:pPr marL="342900" indent="-342900">
-              <a:buAutoNum type="arabicPeriod"/>
-            </a:pPr>
+              <a:t>2</a:t>
+            </a:r>
+            <a:endParaRPr lang="ru-RU" dirty="0"/>
+          </a:p>
+        </p:txBody>
+      </p:sp>
+      <p:sp>
+        <p:nvSpPr>
+          <p:cNvPr id="13" name="Овал 12"/>
+          <p:cNvSpPr/>
+          <p:nvPr/>
+        </p:nvSpPr>
+        <p:spPr>
+          <a:xfrm>
+            <a:off x="5044440" y="3497580"/>
+            <a:ext cx="266700" cy="266700"/>
+          </a:xfrm>
+          <a:prstGeom prst="ellipse">
+            <a:avLst/>
+          </a:prstGeom>
+        </p:spPr>
+        <p:style>
+          <a:lnRef idx="2">
+            <a:schemeClr val="accent1">
+              <a:shade val="50000"/>
+            </a:schemeClr>
+          </a:lnRef>
+          <a:fillRef idx="1">
+            <a:schemeClr val="accent1"/>
+          </a:fillRef>
+          <a:effectRef idx="0">
+            <a:schemeClr val="accent1"/>
+          </a:effectRef>
+          <a:fontRef idx="minor">
+            <a:schemeClr val="lt1"/>
+          </a:fontRef>
+        </p:style>
+        <p:txBody>
+          <a:bodyPr rtlCol="0" anchor="ctr"/>
+          <a:lstStyle/>
+          <a:p>
+            <a:pPr algn="ctr"/>
             <a:r>
               <a:rPr lang="ru-RU" dirty="0" smtClean="0"/>
-              <a:t>Паттерн </a:t>
-            </a:r>
-            <a:r>
-              <a:rPr lang="ru-RU" dirty="0" smtClean="0">
-                <a:hlinkClick r:id="rId4"/>
-              </a:rPr>
-              <a:t>абстрактная фабрика</a:t>
-            </a:r>
-            <a:endParaRPr lang="ru-RU" dirty="0" smtClean="0"/>
-          </a:p>
-          <a:p>
-            <a:pPr marL="342900" indent="-342900">
-              <a:buAutoNum type="arabicPeriod"/>
-            </a:pPr>
+              <a:t>3</a:t>
+            </a:r>
+            <a:endParaRPr lang="ru-RU" dirty="0"/>
+          </a:p>
+        </p:txBody>
+      </p:sp>
+      <p:sp>
+        <p:nvSpPr>
+          <p:cNvPr id="14" name="Овал 13"/>
+          <p:cNvSpPr/>
+          <p:nvPr/>
+        </p:nvSpPr>
+        <p:spPr>
+          <a:xfrm>
+            <a:off x="5494020" y="2727960"/>
+            <a:ext cx="266700" cy="266700"/>
+          </a:xfrm>
+          <a:prstGeom prst="ellipse">
+            <a:avLst/>
+          </a:prstGeom>
+        </p:spPr>
+        <p:style>
+          <a:lnRef idx="2">
+            <a:schemeClr val="accent1">
+              <a:shade val="50000"/>
+            </a:schemeClr>
+          </a:lnRef>
+          <a:fillRef idx="1">
+            <a:schemeClr val="accent1"/>
+          </a:fillRef>
+          <a:effectRef idx="0">
+            <a:schemeClr val="accent1"/>
+          </a:effectRef>
+          <a:fontRef idx="minor">
+            <a:schemeClr val="lt1"/>
+          </a:fontRef>
+        </p:style>
+        <p:txBody>
+          <a:bodyPr rtlCol="0" anchor="ctr"/>
+          <a:lstStyle/>
+          <a:p>
+            <a:pPr algn="ctr"/>
             <a:r>
               <a:rPr lang="ru-RU" dirty="0" smtClean="0"/>
-              <a:t>Паттерн </a:t>
-            </a:r>
-            <a:r>
-              <a:rPr lang="ru-RU" dirty="0" smtClean="0">
-                <a:hlinkClick r:id="rId5"/>
-              </a:rPr>
-              <a:t>компоновщик</a:t>
+              <a:t>4</a:t>
+            </a:r>
+            <a:endParaRPr lang="ru-RU" dirty="0"/>
+          </a:p>
+        </p:txBody>
+      </p:sp>
+      <p:sp>
+        <p:nvSpPr>
+          <p:cNvPr id="15" name="Овал 14"/>
+          <p:cNvSpPr/>
+          <p:nvPr/>
+        </p:nvSpPr>
+        <p:spPr>
+          <a:xfrm>
+            <a:off x="6240780" y="1394460"/>
+            <a:ext cx="266700" cy="266700"/>
+          </a:xfrm>
+          <a:prstGeom prst="ellipse">
+            <a:avLst/>
+          </a:prstGeom>
+        </p:spPr>
+        <p:style>
+          <a:lnRef idx="2">
+            <a:schemeClr val="accent1">
+              <a:shade val="50000"/>
+            </a:schemeClr>
+          </a:lnRef>
+          <a:fillRef idx="1">
+            <a:schemeClr val="accent1"/>
+          </a:fillRef>
+          <a:effectRef idx="0">
+            <a:schemeClr val="accent1"/>
+          </a:effectRef>
+          <a:fontRef idx="minor">
+            <a:schemeClr val="lt1"/>
+          </a:fontRef>
+        </p:style>
+        <p:txBody>
+          <a:bodyPr rtlCol="0" anchor="ctr"/>
+          <a:lstStyle/>
+          <a:p>
+            <a:pPr algn="ctr"/>
+            <a:r>
+              <a:rPr lang="ru-RU" dirty="0" smtClean="0"/>
+              <a:t>5</a:t>
             </a:r>
             <a:endParaRPr lang="ru-RU" dirty="0"/>
           </a:p>
@@ -23136,7 +23319,7 @@
     </p:spTree>
     <p:extLst>
       <p:ext uri="{BB962C8B-B14F-4D97-AF65-F5344CB8AC3E}">
-        <p14:creationId xmlns:p14="http://schemas.microsoft.com/office/powerpoint/2010/main" xmlns="" val="3702748433"/>
+        <p14:creationId xmlns="" xmlns:p14="http://schemas.microsoft.com/office/powerpoint/2010/main" val="3702748433"/>
       </p:ext>
     </p:extLst>
   </p:cSld>
@@ -23155,6 +23338,218 @@
 </file>
 
 <file path=ppt/slides/slide36.xml><?xml version="1.0" encoding="utf-8"?>
+<p:sld xmlns:a="http://schemas.openxmlformats.org/drawingml/2006/main" xmlns:r="http://schemas.openxmlformats.org/officeDocument/2006/relationships" xmlns:p="http://schemas.openxmlformats.org/presentationml/2006/main">
+  <p:cSld>
+    <p:spTree>
+      <p:nvGrpSpPr>
+        <p:cNvPr id="1" name="Shape 436"/>
+        <p:cNvGrpSpPr/>
+        <p:nvPr/>
+      </p:nvGrpSpPr>
+      <p:grpSpPr>
+        <a:xfrm>
+          <a:off x="0" y="0"/>
+          <a:ext cx="0" cy="0"/>
+          <a:chOff x="0" y="0"/>
+          <a:chExt cx="0" cy="0"/>
+        </a:xfrm>
+      </p:grpSpPr>
+      <p:sp>
+        <p:nvSpPr>
+          <p:cNvPr id="437" name="Google Shape;437;p74"/>
+          <p:cNvSpPr txBox="1">
+            <a:spLocks noGrp="1"/>
+          </p:cNvSpPr>
+          <p:nvPr>
+            <p:ph type="title"/>
+          </p:nvPr>
+        </p:nvSpPr>
+        <p:spPr>
+          <a:xfrm>
+            <a:off x="500550" y="330725"/>
+            <a:ext cx="8190300" cy="679200"/>
+          </a:xfrm>
+          <a:prstGeom prst="rect">
+            <a:avLst/>
+          </a:prstGeom>
+        </p:spPr>
+        <p:txBody>
+          <a:bodyPr spcFirstLastPara="1" wrap="square" lIns="91425" tIns="91425" rIns="91425" bIns="91425" anchor="t" anchorCtr="0">
+            <a:noAutofit/>
+          </a:bodyPr>
+          <a:lstStyle/>
+          <a:p>
+            <a:r>
+              <a:rPr lang="ru-RU" dirty="0" smtClean="0"/>
+              <a:t>Примеры диаграмм в паттернах проектирования</a:t>
+            </a:r>
+            <a:endParaRPr lang="ru-RU" dirty="0">
+              <a:solidFill>
+                <a:schemeClr val="accent1">
+                  <a:lumMod val="75000"/>
+                </a:schemeClr>
+              </a:solidFill>
+            </a:endParaRPr>
+          </a:p>
+        </p:txBody>
+      </p:sp>
+      <p:sp>
+        <p:nvSpPr>
+          <p:cNvPr id="6" name="TextBox 5"/>
+          <p:cNvSpPr txBox="1"/>
+          <p:nvPr/>
+        </p:nvSpPr>
+        <p:spPr>
+          <a:xfrm>
+            <a:off x="566321" y="1139687"/>
+            <a:ext cx="4628532" cy="286682"/>
+          </a:xfrm>
+          <a:prstGeom prst="rect">
+            <a:avLst/>
+          </a:prstGeom>
+          <a:noFill/>
+        </p:spPr>
+        <p:txBody>
+          <a:bodyPr wrap="square" rtlCol="0">
+            <a:spAutoFit/>
+          </a:bodyPr>
+          <a:lstStyle/>
+          <a:p>
+            <a:pPr marL="342900" lvl="0" indent="-342900">
+              <a:lnSpc>
+                <a:spcPct val="115000"/>
+              </a:lnSpc>
+              <a:spcBef>
+                <a:spcPts val="1400"/>
+              </a:spcBef>
+            </a:pPr>
+            <a:endParaRPr lang="ru-RU" sz="1200" dirty="0"/>
+          </a:p>
+        </p:txBody>
+      </p:sp>
+      <p:sp>
+        <p:nvSpPr>
+          <p:cNvPr id="1028" name="AutoShape 4" descr="Структура классов паттерна Абстрактная фабрика"/>
+          <p:cNvSpPr>
+            <a:spLocks noChangeAspect="1" noChangeArrowheads="1"/>
+          </p:cNvSpPr>
+          <p:nvPr/>
+        </p:nvSpPr>
+        <p:spPr bwMode="auto">
+          <a:xfrm>
+            <a:off x="155575" y="-144463"/>
+            <a:ext cx="304800" cy="304801"/>
+          </a:xfrm>
+          <a:prstGeom prst="rect">
+            <a:avLst/>
+          </a:prstGeom>
+          <a:noFill/>
+        </p:spPr>
+        <p:txBody>
+          <a:bodyPr vert="horz" wrap="square" lIns="91440" tIns="45720" rIns="91440" bIns="45720" numCol="1" anchor="t" anchorCtr="0" compatLnSpc="1">
+            <a:prstTxWarp prst="textNoShape">
+              <a:avLst/>
+            </a:prstTxWarp>
+          </a:bodyPr>
+          <a:lstStyle/>
+          <a:p>
+            <a:endParaRPr lang="ru-RU"/>
+          </a:p>
+        </p:txBody>
+      </p:sp>
+      <p:sp>
+        <p:nvSpPr>
+          <p:cNvPr id="5" name="TextBox 4"/>
+          <p:cNvSpPr txBox="1"/>
+          <p:nvPr/>
+        </p:nvSpPr>
+        <p:spPr>
+          <a:xfrm>
+            <a:off x="584200" y="1651000"/>
+            <a:ext cx="3078087" cy="738664"/>
+          </a:xfrm>
+          <a:prstGeom prst="rect">
+            <a:avLst/>
+          </a:prstGeom>
+          <a:noFill/>
+        </p:spPr>
+        <p:txBody>
+          <a:bodyPr wrap="none" rtlCol="0">
+            <a:spAutoFit/>
+          </a:bodyPr>
+          <a:lstStyle/>
+          <a:p>
+            <a:pPr marL="342900" indent="-342900">
+              <a:buAutoNum type="arabicPeriod"/>
+            </a:pPr>
+            <a:r>
+              <a:rPr lang="ru-RU" dirty="0" smtClean="0"/>
+              <a:t>Паттерн </a:t>
+            </a:r>
+            <a:r>
+              <a:rPr lang="ru-RU" dirty="0" smtClean="0">
+                <a:hlinkClick r:id="rId3"/>
+              </a:rPr>
+              <a:t>стратегия</a:t>
+            </a:r>
+            <a:endParaRPr lang="ru-RU" dirty="0" smtClean="0"/>
+          </a:p>
+          <a:p>
+            <a:pPr marL="342900" indent="-342900">
+              <a:buAutoNum type="arabicPeriod"/>
+            </a:pPr>
+            <a:r>
+              <a:rPr lang="ru-RU" dirty="0" smtClean="0"/>
+              <a:t>Паттерн </a:t>
+            </a:r>
+            <a:r>
+              <a:rPr lang="ru-RU" dirty="0" smtClean="0">
+                <a:hlinkClick r:id="rId4"/>
+              </a:rPr>
+              <a:t>абстрактная фабрика</a:t>
+            </a:r>
+            <a:endParaRPr lang="ru-RU" dirty="0" smtClean="0"/>
+          </a:p>
+          <a:p>
+            <a:pPr marL="342900" indent="-342900">
+              <a:buAutoNum type="arabicPeriod"/>
+            </a:pPr>
+            <a:r>
+              <a:rPr lang="ru-RU" dirty="0" smtClean="0"/>
+              <a:t>Паттерн </a:t>
+            </a:r>
+            <a:r>
+              <a:rPr lang="ru-RU" dirty="0" smtClean="0">
+                <a:hlinkClick r:id="rId5"/>
+              </a:rPr>
+              <a:t>компоновщик</a:t>
+            </a:r>
+            <a:endParaRPr lang="ru-RU" dirty="0"/>
+          </a:p>
+        </p:txBody>
+      </p:sp>
+    </p:spTree>
+    <p:extLst>
+      <p:ext uri="{BB962C8B-B14F-4D97-AF65-F5344CB8AC3E}">
+        <p14:creationId xmlns="" xmlns:p14="http://schemas.microsoft.com/office/powerpoint/2010/main" val="3702748433"/>
+      </p:ext>
+    </p:extLst>
+  </p:cSld>
+  <p:clrMapOvr>
+    <a:masterClrMapping/>
+  </p:clrMapOvr>
+  <p:transition spd="slow"/>
+  <p:timing>
+    <p:tnLst>
+      <p:par>
+        <p:cTn id="1" dur="indefinite" restart="never" nodeType="tmRoot"/>
+      </p:par>
+    </p:tnLst>
+  </p:timing>
+</p:sld>
+</file>
+
+<file path=ppt/slides/slide37.xml><?xml version="1.0" encoding="utf-8"?>
 <p:sld xmlns:a="http://schemas.openxmlformats.org/drawingml/2006/main" xmlns:r="http://schemas.openxmlformats.org/officeDocument/2006/relationships" xmlns:p="http://schemas.openxmlformats.org/presentationml/2006/main">
   <p:cSld>
     <p:spTree>
@@ -23237,7 +23632,7 @@
 </p:sld>
 </file>
 
-<file path=ppt/slides/slide37.xml><?xml version="1.0" encoding="utf-8"?>
+<file path=ppt/slides/slide38.xml><?xml version="1.0" encoding="utf-8"?>
 <p:sld xmlns:a="http://schemas.openxmlformats.org/drawingml/2006/main" xmlns:r="http://schemas.openxmlformats.org/officeDocument/2006/relationships" xmlns:p="http://schemas.openxmlformats.org/presentationml/2006/main" show="0">
   <p:cSld>
     <p:spTree>
@@ -23315,7 +23710,7 @@
 </p:sld>
 </file>
 
-<file path=ppt/slides/slide38.xml><?xml version="1.0" encoding="utf-8"?>
+<file path=ppt/slides/slide39.xml><?xml version="1.0" encoding="utf-8"?>
 <p:sld xmlns:a="http://schemas.openxmlformats.org/drawingml/2006/main" xmlns:r="http://schemas.openxmlformats.org/officeDocument/2006/relationships" xmlns:p="http://schemas.openxmlformats.org/presentationml/2006/main" show="0">
   <p:cSld>
     <p:spTree>
@@ -23381,7 +23776,7 @@
           <p:nvPr>
             <p:extLst>
               <p:ext uri="{D42A27DB-BD31-4B8C-83A1-F6EECF244321}">
-                <p14:modId xmlns:p14="http://schemas.microsoft.com/office/powerpoint/2010/main" xmlns="" val="4121394419"/>
+                <p14:modId xmlns="" xmlns:p14="http://schemas.microsoft.com/office/powerpoint/2010/main" val="4121394419"/>
               </p:ext>
             </p:extLst>
           </p:nvPr>
@@ -23401,14 +23796,14 @@
                 <a:gridCol w="489425">
                   <a:extLst>
                     <a:ext uri="{9D8B030D-6E8A-4147-A177-3AD203B41FA5}">
-                      <a16:colId xmlns:a16="http://schemas.microsoft.com/office/drawing/2014/main" xmlns="" val="20000"/>
+                      <a16:colId xmlns="" xmlns:a16="http://schemas.microsoft.com/office/drawing/2014/main" val="20000"/>
                     </a:ext>
                   </a:extLst>
                 </a:gridCol>
                 <a:gridCol w="6749575">
                   <a:extLst>
                     <a:ext uri="{9D8B030D-6E8A-4147-A177-3AD203B41FA5}">
-                      <a16:colId xmlns:a16="http://schemas.microsoft.com/office/drawing/2014/main" xmlns="" val="20001"/>
+                      <a16:colId xmlns="" xmlns:a16="http://schemas.microsoft.com/office/drawing/2014/main" val="20001"/>
                     </a:ext>
                   </a:extLst>
                 </a:gridCol>
@@ -23573,7 +23968,7 @@
                 </a:tc>
                 <a:extLst>
                   <a:ext uri="{0D108BD9-81ED-4DB2-BD59-A6C34878D82A}">
-                    <a16:rowId xmlns:a16="http://schemas.microsoft.com/office/drawing/2014/main" xmlns="" val="10000"/>
+                    <a16:rowId xmlns="" xmlns:a16="http://schemas.microsoft.com/office/drawing/2014/main" val="10000"/>
                   </a:ext>
                 </a:extLst>
               </a:tr>
@@ -23736,7 +24131,7 @@
                 </a:tc>
                 <a:extLst>
                   <a:ext uri="{0D108BD9-81ED-4DB2-BD59-A6C34878D82A}">
-                    <a16:rowId xmlns:a16="http://schemas.microsoft.com/office/drawing/2014/main" xmlns="" val="10001"/>
+                    <a16:rowId xmlns="" xmlns:a16="http://schemas.microsoft.com/office/drawing/2014/main" val="10001"/>
                   </a:ext>
                 </a:extLst>
               </a:tr>
@@ -23902,7 +24297,7 @@
                 </a:tc>
                 <a:extLst>
                   <a:ext uri="{0D108BD9-81ED-4DB2-BD59-A6C34878D82A}">
-                    <a16:rowId xmlns:a16="http://schemas.microsoft.com/office/drawing/2014/main" xmlns="" val="10002"/>
+                    <a16:rowId xmlns="" xmlns:a16="http://schemas.microsoft.com/office/drawing/2014/main" val="10002"/>
                   </a:ext>
                 </a:extLst>
               </a:tr>
@@ -23953,7 +24348,491 @@
 </p:sld>
 </file>
 
-<file path=ppt/slides/slide39.xml><?xml version="1.0" encoding="utf-8"?>
+<file path=ppt/slides/slide4.xml><?xml version="1.0" encoding="utf-8"?>
+<p:sld xmlns:a="http://schemas.openxmlformats.org/drawingml/2006/main" xmlns:r="http://schemas.openxmlformats.org/officeDocument/2006/relationships" xmlns:p="http://schemas.openxmlformats.org/presentationml/2006/main">
+  <p:cSld>
+    <p:spTree>
+      <p:nvGrpSpPr>
+        <p:cNvPr id="1" name="Shape 151"/>
+        <p:cNvGrpSpPr/>
+        <p:nvPr/>
+      </p:nvGrpSpPr>
+      <p:grpSpPr>
+        <a:xfrm>
+          <a:off x="0" y="0"/>
+          <a:ext cx="0" cy="0"/>
+          <a:chOff x="0" y="0"/>
+          <a:chExt cx="0" cy="0"/>
+        </a:xfrm>
+      </p:grpSpPr>
+      <p:sp>
+        <p:nvSpPr>
+          <p:cNvPr id="152" name="Google Shape;152;p34"/>
+          <p:cNvSpPr/>
+          <p:nvPr/>
+        </p:nvSpPr>
+        <p:spPr>
+          <a:xfrm>
+            <a:off x="624575" y="2652575"/>
+            <a:ext cx="1499100" cy="1815000"/>
+          </a:xfrm>
+          <a:prstGeom prst="roundRect">
+            <a:avLst>
+              <a:gd name="adj" fmla="val 16667"/>
+            </a:avLst>
+          </a:prstGeom>
+          <a:solidFill>
+            <a:srgbClr val="FFD966"/>
+          </a:solidFill>
+          <a:ln>
+            <a:noFill/>
+          </a:ln>
+        </p:spPr>
+        <p:txBody>
+          <a:bodyPr spcFirstLastPara="1" wrap="square" lIns="91425" tIns="91425" rIns="91425" bIns="91425" anchor="ctr" anchorCtr="0">
+            <a:noAutofit/>
+          </a:bodyPr>
+          <a:lstStyle/>
+          <a:p>
+            <a:pPr marL="0" lvl="0" indent="0" algn="ctr" rtl="0">
+              <a:spcBef>
+                <a:spcPts val="0"/>
+              </a:spcBef>
+              <a:spcAft>
+                <a:spcPts val="0"/>
+              </a:spcAft>
+              <a:buNone/>
+            </a:pPr>
+            <a:endParaRPr>
+              <a:latin typeface="Roboto"/>
+              <a:ea typeface="Roboto"/>
+              <a:cs typeface="Roboto"/>
+              <a:sym typeface="Roboto"/>
+            </a:endParaRPr>
+          </a:p>
+        </p:txBody>
+      </p:sp>
+      <p:sp>
+        <p:nvSpPr>
+          <p:cNvPr id="153" name="Google Shape;153;p34"/>
+          <p:cNvSpPr txBox="1">
+            <a:spLocks noGrp="1"/>
+          </p:cNvSpPr>
+          <p:nvPr>
+            <p:ph type="title"/>
+          </p:nvPr>
+        </p:nvSpPr>
+        <p:spPr>
+          <a:xfrm>
+            <a:off x="500550" y="821213"/>
+            <a:ext cx="8520600" cy="587400"/>
+          </a:xfrm>
+          <a:prstGeom prst="rect">
+            <a:avLst/>
+          </a:prstGeom>
+        </p:spPr>
+        <p:txBody>
+          <a:bodyPr spcFirstLastPara="1" wrap="square" lIns="91425" tIns="91425" rIns="91425" bIns="91425" anchor="t" anchorCtr="0">
+            <a:noAutofit/>
+          </a:bodyPr>
+          <a:lstStyle/>
+          <a:p>
+            <a:pPr marL="0" lvl="0" indent="0" algn="l" rtl="0">
+              <a:spcBef>
+                <a:spcPts val="0"/>
+              </a:spcBef>
+              <a:spcAft>
+                <a:spcPts val="0"/>
+              </a:spcAft>
+              <a:buClr>
+                <a:schemeClr val="dk1"/>
+              </a:buClr>
+              <a:buSzPts val="1100"/>
+              <a:buFont typeface="Arial"/>
+              <a:buNone/>
+            </a:pPr>
+            <a:r>
+              <a:rPr lang="ru-RU" dirty="0" smtClean="0"/>
+              <a:t>ООП</a:t>
+            </a:r>
+            <a:endParaRPr dirty="0" smtClean="0"/>
+          </a:p>
+          <a:p>
+            <a:pPr marL="0" lvl="0" indent="0" algn="l" rtl="0">
+              <a:spcBef>
+                <a:spcPts val="0"/>
+              </a:spcBef>
+              <a:spcAft>
+                <a:spcPts val="0"/>
+              </a:spcAft>
+              <a:buClr>
+                <a:schemeClr val="dk1"/>
+              </a:buClr>
+              <a:buSzPts val="1100"/>
+              <a:buFont typeface="Arial"/>
+              <a:buNone/>
+            </a:pPr>
+            <a:endParaRPr i="1" dirty="0"/>
+          </a:p>
+        </p:txBody>
+      </p:sp>
+      <p:pic>
+        <p:nvPicPr>
+          <p:cNvPr id="155" name="Google Shape;155;p34"/>
+          <p:cNvPicPr preferRelativeResize="0"/>
+          <p:nvPr/>
+        </p:nvPicPr>
+        <p:blipFill rotWithShape="1">
+          <a:blip r:embed="rId3">
+            <a:alphaModFix/>
+          </a:blip>
+          <a:srcRect t="941" b="941"/>
+          <a:stretch/>
+        </p:blipFill>
+        <p:spPr>
+          <a:xfrm>
+            <a:off x="1033167" y="2867584"/>
+            <a:ext cx="1383000" cy="1365000"/>
+          </a:xfrm>
+          <a:prstGeom prst="ellipse">
+            <a:avLst/>
+          </a:prstGeom>
+          <a:noFill/>
+          <a:ln>
+            <a:noFill/>
+          </a:ln>
+        </p:spPr>
+      </p:pic>
+      <p:sp>
+        <p:nvSpPr>
+          <p:cNvPr id="156" name="Google Shape;156;p34"/>
+          <p:cNvSpPr txBox="1"/>
+          <p:nvPr/>
+        </p:nvSpPr>
+        <p:spPr>
+          <a:xfrm>
+            <a:off x="500550" y="503025"/>
+            <a:ext cx="7796700" cy="475500"/>
+          </a:xfrm>
+          <a:prstGeom prst="rect">
+            <a:avLst/>
+          </a:prstGeom>
+          <a:noFill/>
+          <a:ln>
+            <a:noFill/>
+          </a:ln>
+        </p:spPr>
+        <p:txBody>
+          <a:bodyPr spcFirstLastPara="1" wrap="square" lIns="91425" tIns="91425" rIns="91425" bIns="91425" anchor="t" anchorCtr="0">
+            <a:normAutofit/>
+          </a:bodyPr>
+          <a:lstStyle/>
+          <a:p>
+            <a:pPr marL="0" lvl="0" indent="0" algn="l" rtl="0">
+              <a:spcBef>
+                <a:spcPts val="0"/>
+              </a:spcBef>
+              <a:spcAft>
+                <a:spcPts val="0"/>
+              </a:spcAft>
+              <a:buNone/>
+            </a:pPr>
+            <a:r>
+              <a:rPr lang="ru" sz="1700" dirty="0">
+                <a:solidFill>
+                  <a:srgbClr val="FF7700"/>
+                </a:solidFill>
+                <a:latin typeface="Roboto"/>
+                <a:ea typeface="Roboto"/>
+                <a:cs typeface="Roboto"/>
+                <a:sym typeface="Roboto"/>
+              </a:rPr>
+              <a:t>Тема </a:t>
+            </a:r>
+            <a:r>
+              <a:rPr lang="ru" sz="1700" dirty="0" smtClean="0">
+                <a:solidFill>
+                  <a:srgbClr val="FF7700"/>
+                </a:solidFill>
+                <a:latin typeface="Roboto"/>
+                <a:ea typeface="Roboto"/>
+                <a:cs typeface="Roboto"/>
+                <a:sym typeface="Roboto"/>
+              </a:rPr>
+              <a:t>урока</a:t>
+            </a:r>
+            <a:endParaRPr sz="1700">
+              <a:solidFill>
+                <a:srgbClr val="FF7700"/>
+              </a:solidFill>
+              <a:latin typeface="Roboto"/>
+              <a:ea typeface="Roboto"/>
+              <a:cs typeface="Roboto"/>
+              <a:sym typeface="Roboto"/>
+            </a:endParaRPr>
+          </a:p>
+        </p:txBody>
+      </p:sp>
+      <p:sp>
+        <p:nvSpPr>
+          <p:cNvPr id="157" name="Google Shape;157;p34"/>
+          <p:cNvSpPr txBox="1"/>
+          <p:nvPr/>
+        </p:nvSpPr>
+        <p:spPr>
+          <a:xfrm>
+            <a:off x="3248849" y="2988499"/>
+            <a:ext cx="5308673" cy="1364999"/>
+          </a:xfrm>
+          <a:prstGeom prst="rect">
+            <a:avLst/>
+          </a:prstGeom>
+          <a:noFill/>
+          <a:ln>
+            <a:noFill/>
+          </a:ln>
+        </p:spPr>
+        <p:txBody>
+          <a:bodyPr spcFirstLastPara="1" wrap="square" lIns="91425" tIns="91425" rIns="91425" bIns="91425" anchor="t" anchorCtr="0">
+            <a:normAutofit/>
+          </a:bodyPr>
+          <a:lstStyle/>
+          <a:p>
+            <a:pPr>
+              <a:buClr>
+                <a:schemeClr val="dk1"/>
+              </a:buClr>
+              <a:buSzPct val="84615"/>
+            </a:pPr>
+            <a:r>
+              <a:rPr lang="ru-RU" sz="1600" b="1" i="1" dirty="0">
+                <a:solidFill>
+                  <a:schemeClr val="dk1"/>
+                </a:solidFill>
+              </a:rPr>
+              <a:t>Нилов Павел</a:t>
+            </a:r>
+          </a:p>
+          <a:p>
+            <a:pPr marL="0" lvl="0" indent="0" algn="l" rtl="0">
+              <a:spcBef>
+                <a:spcPts val="0"/>
+              </a:spcBef>
+              <a:spcAft>
+                <a:spcPts val="0"/>
+              </a:spcAft>
+              <a:buClr>
+                <a:schemeClr val="dk1"/>
+              </a:buClr>
+              <a:buSzPct val="84615"/>
+              <a:buFont typeface="Arial"/>
+              <a:buNone/>
+            </a:pPr>
+            <a:endParaRPr lang="ru" sz="1300" i="1" dirty="0" smtClean="0">
+              <a:solidFill>
+                <a:schemeClr val="dk1"/>
+              </a:solidFill>
+              <a:latin typeface="Roboto"/>
+              <a:ea typeface="Roboto"/>
+              <a:cs typeface="Roboto"/>
+              <a:sym typeface="Roboto"/>
+            </a:endParaRPr>
+          </a:p>
+          <a:p>
+            <a:pPr marL="0" lvl="0" indent="0" algn="l" rtl="0">
+              <a:spcBef>
+                <a:spcPts val="0"/>
+              </a:spcBef>
+              <a:spcAft>
+                <a:spcPts val="0"/>
+              </a:spcAft>
+              <a:buClr>
+                <a:schemeClr val="dk1"/>
+              </a:buClr>
+              <a:buSzPct val="84615"/>
+              <a:buFont typeface="Arial"/>
+              <a:buNone/>
+            </a:pPr>
+            <a:r>
+              <a:rPr lang="ru" sz="1300" i="1" dirty="0" smtClean="0">
+                <a:solidFill>
+                  <a:schemeClr val="dk1"/>
+                </a:solidFill>
+                <a:latin typeface="Roboto"/>
+                <a:ea typeface="Roboto"/>
+                <a:cs typeface="Roboto"/>
+                <a:sym typeface="Roboto"/>
+              </a:rPr>
+              <a:t>Преподаватель </a:t>
+            </a:r>
+            <a:r>
+              <a:rPr lang="ru" sz="1300" i="1" dirty="0">
+                <a:solidFill>
+                  <a:schemeClr val="dk1"/>
+                </a:solidFill>
+                <a:latin typeface="Roboto"/>
+                <a:ea typeface="Roboto"/>
+                <a:cs typeface="Roboto"/>
+                <a:sym typeface="Roboto"/>
+              </a:rPr>
+              <a:t>курса C# </a:t>
+            </a:r>
+            <a:r>
+              <a:rPr lang="ru" sz="1300" i="1" dirty="0" smtClean="0">
+                <a:solidFill>
+                  <a:schemeClr val="dk1"/>
+                </a:solidFill>
+                <a:latin typeface="Roboto"/>
+                <a:ea typeface="Roboto"/>
+                <a:cs typeface="Roboto"/>
+                <a:sym typeface="Roboto"/>
+              </a:rPr>
+              <a:t>Professional, </a:t>
+            </a:r>
+            <a:r>
+              <a:rPr lang="en-US" sz="1300" i="1" dirty="0" smtClean="0">
+                <a:solidFill>
+                  <a:schemeClr val="dk1"/>
+                </a:solidFill>
+                <a:latin typeface="Roboto"/>
+                <a:ea typeface="Roboto"/>
+                <a:cs typeface="Roboto"/>
+                <a:sym typeface="Roboto"/>
+              </a:rPr>
+              <a:t>C# Basic</a:t>
+            </a:r>
+            <a:endParaRPr sz="1300" i="1" dirty="0">
+              <a:solidFill>
+                <a:schemeClr val="dk1"/>
+              </a:solidFill>
+              <a:latin typeface="Roboto"/>
+              <a:ea typeface="Roboto"/>
+              <a:cs typeface="Roboto"/>
+              <a:sym typeface="Roboto"/>
+            </a:endParaRPr>
+          </a:p>
+          <a:p>
+            <a:pPr marL="0" lvl="0" indent="0" algn="l" rtl="0">
+              <a:spcBef>
+                <a:spcPts val="0"/>
+              </a:spcBef>
+              <a:spcAft>
+                <a:spcPts val="0"/>
+              </a:spcAft>
+              <a:buNone/>
+            </a:pPr>
+            <a:endParaRPr sz="1300" i="1" dirty="0">
+              <a:solidFill>
+                <a:schemeClr val="dk1"/>
+              </a:solidFill>
+              <a:latin typeface="Roboto"/>
+              <a:ea typeface="Roboto"/>
+              <a:cs typeface="Roboto"/>
+              <a:sym typeface="Roboto"/>
+            </a:endParaRPr>
+          </a:p>
+          <a:p>
+            <a:pPr marL="0" lvl="0" indent="0" algn="l" rtl="0">
+              <a:spcBef>
+                <a:spcPts val="0"/>
+              </a:spcBef>
+              <a:spcAft>
+                <a:spcPts val="0"/>
+              </a:spcAft>
+              <a:buNone/>
+            </a:pPr>
+            <a:r>
+              <a:rPr lang="ru" sz="1300" i="1" dirty="0">
+                <a:solidFill>
+                  <a:schemeClr val="dk1"/>
+                </a:solidFill>
+                <a:latin typeface="Roboto"/>
+                <a:ea typeface="Roboto"/>
+                <a:cs typeface="Roboto"/>
+                <a:sym typeface="Roboto"/>
+              </a:rPr>
+              <a:t>Контакты:t.me/@NilovPavel</a:t>
+            </a:r>
+            <a:endParaRPr sz="1300" i="1" dirty="0">
+              <a:solidFill>
+                <a:schemeClr val="dk1"/>
+              </a:solidFill>
+              <a:latin typeface="Roboto"/>
+              <a:ea typeface="Roboto"/>
+              <a:cs typeface="Roboto"/>
+              <a:sym typeface="Roboto"/>
+            </a:endParaRPr>
+          </a:p>
+          <a:p>
+            <a:pPr marL="0" lvl="0" indent="0" algn="l" rtl="0">
+              <a:spcBef>
+                <a:spcPts val="0"/>
+              </a:spcBef>
+              <a:spcAft>
+                <a:spcPts val="0"/>
+              </a:spcAft>
+              <a:buNone/>
+            </a:pPr>
+            <a:endParaRPr sz="1300" i="1" dirty="0">
+              <a:solidFill>
+                <a:schemeClr val="dk1"/>
+              </a:solidFill>
+              <a:latin typeface="Roboto"/>
+              <a:ea typeface="Roboto"/>
+              <a:cs typeface="Roboto"/>
+              <a:sym typeface="Roboto"/>
+            </a:endParaRPr>
+          </a:p>
+        </p:txBody>
+      </p:sp>
+      <p:pic>
+        <p:nvPicPr>
+          <p:cNvPr id="158" name="Google Shape;158;p34"/>
+          <p:cNvPicPr preferRelativeResize="0"/>
+          <p:nvPr/>
+        </p:nvPicPr>
+        <p:blipFill rotWithShape="1">
+          <a:blip r:embed="rId4">
+            <a:alphaModFix/>
+          </a:blip>
+          <a:srcRect/>
+          <a:stretch/>
+        </p:blipFill>
+        <p:spPr>
+          <a:xfrm>
+            <a:off x="8077621" y="258179"/>
+            <a:ext cx="652375" cy="652375"/>
+          </a:xfrm>
+          <a:prstGeom prst="rect">
+            <a:avLst/>
+          </a:prstGeom>
+          <a:noFill/>
+          <a:ln>
+            <a:noFill/>
+          </a:ln>
+        </p:spPr>
+      </p:pic>
+    </p:spTree>
+    <p:extLst>
+      <p:ext uri="{BB962C8B-B14F-4D97-AF65-F5344CB8AC3E}">
+        <p14:creationId xmlns="" xmlns:p14="http://schemas.microsoft.com/office/powerpoint/2010/main" val="893468368"/>
+      </p:ext>
+    </p:extLst>
+  </p:cSld>
+  <p:clrMapOvr>
+    <a:masterClrMapping/>
+  </p:clrMapOvr>
+  <p:timing>
+    <p:tnLst>
+      <p:par>
+        <p:cTn id="1" dur="indefinite" restart="never" nodeType="tmRoot"/>
+      </p:par>
+    </p:tnLst>
+  </p:timing>
+</p:sld>
+</file>
+
+<file path=ppt/slides/slide40.xml><?xml version="1.0" encoding="utf-8"?>
 <p:sld xmlns:a="http://schemas.openxmlformats.org/drawingml/2006/main" xmlns:r="http://schemas.openxmlformats.org/officeDocument/2006/relationships" xmlns:p="http://schemas.openxmlformats.org/presentationml/2006/main">
   <p:cSld>
     <p:spTree>
@@ -24224,490 +25103,6 @@
   <p:clrMapOvr>
     <a:masterClrMapping/>
   </p:clrMapOvr>
-</p:sld>
-</file>
-
-<file path=ppt/slides/slide4.xml><?xml version="1.0" encoding="utf-8"?>
-<p:sld xmlns:a="http://schemas.openxmlformats.org/drawingml/2006/main" xmlns:r="http://schemas.openxmlformats.org/officeDocument/2006/relationships" xmlns:p="http://schemas.openxmlformats.org/presentationml/2006/main">
-  <p:cSld>
-    <p:spTree>
-      <p:nvGrpSpPr>
-        <p:cNvPr id="1" name="Shape 151"/>
-        <p:cNvGrpSpPr/>
-        <p:nvPr/>
-      </p:nvGrpSpPr>
-      <p:grpSpPr>
-        <a:xfrm>
-          <a:off x="0" y="0"/>
-          <a:ext cx="0" cy="0"/>
-          <a:chOff x="0" y="0"/>
-          <a:chExt cx="0" cy="0"/>
-        </a:xfrm>
-      </p:grpSpPr>
-      <p:sp>
-        <p:nvSpPr>
-          <p:cNvPr id="152" name="Google Shape;152;p34"/>
-          <p:cNvSpPr/>
-          <p:nvPr/>
-        </p:nvSpPr>
-        <p:spPr>
-          <a:xfrm>
-            <a:off x="624575" y="2652575"/>
-            <a:ext cx="1499100" cy="1815000"/>
-          </a:xfrm>
-          <a:prstGeom prst="roundRect">
-            <a:avLst>
-              <a:gd name="adj" fmla="val 16667"/>
-            </a:avLst>
-          </a:prstGeom>
-          <a:solidFill>
-            <a:srgbClr val="FFD966"/>
-          </a:solidFill>
-          <a:ln>
-            <a:noFill/>
-          </a:ln>
-        </p:spPr>
-        <p:txBody>
-          <a:bodyPr spcFirstLastPara="1" wrap="square" lIns="91425" tIns="91425" rIns="91425" bIns="91425" anchor="ctr" anchorCtr="0">
-            <a:noAutofit/>
-          </a:bodyPr>
-          <a:lstStyle/>
-          <a:p>
-            <a:pPr marL="0" lvl="0" indent="0" algn="ctr" rtl="0">
-              <a:spcBef>
-                <a:spcPts val="0"/>
-              </a:spcBef>
-              <a:spcAft>
-                <a:spcPts val="0"/>
-              </a:spcAft>
-              <a:buNone/>
-            </a:pPr>
-            <a:endParaRPr>
-              <a:latin typeface="Roboto"/>
-              <a:ea typeface="Roboto"/>
-              <a:cs typeface="Roboto"/>
-              <a:sym typeface="Roboto"/>
-            </a:endParaRPr>
-          </a:p>
-        </p:txBody>
-      </p:sp>
-      <p:sp>
-        <p:nvSpPr>
-          <p:cNvPr id="153" name="Google Shape;153;p34"/>
-          <p:cNvSpPr txBox="1">
-            <a:spLocks noGrp="1"/>
-          </p:cNvSpPr>
-          <p:nvPr>
-            <p:ph type="title"/>
-          </p:nvPr>
-        </p:nvSpPr>
-        <p:spPr>
-          <a:xfrm>
-            <a:off x="500550" y="821213"/>
-            <a:ext cx="8520600" cy="587400"/>
-          </a:xfrm>
-          <a:prstGeom prst="rect">
-            <a:avLst/>
-          </a:prstGeom>
-        </p:spPr>
-        <p:txBody>
-          <a:bodyPr spcFirstLastPara="1" wrap="square" lIns="91425" tIns="91425" rIns="91425" bIns="91425" anchor="t" anchorCtr="0">
-            <a:noAutofit/>
-          </a:bodyPr>
-          <a:lstStyle/>
-          <a:p>
-            <a:pPr marL="0" lvl="0" indent="0" algn="l" rtl="0">
-              <a:spcBef>
-                <a:spcPts val="0"/>
-              </a:spcBef>
-              <a:spcAft>
-                <a:spcPts val="0"/>
-              </a:spcAft>
-              <a:buClr>
-                <a:schemeClr val="dk1"/>
-              </a:buClr>
-              <a:buSzPts val="1100"/>
-              <a:buFont typeface="Arial"/>
-              <a:buNone/>
-            </a:pPr>
-            <a:r>
-              <a:rPr lang="ru-RU" dirty="0" smtClean="0"/>
-              <a:t>ООП</a:t>
-            </a:r>
-            <a:endParaRPr dirty="0" smtClean="0"/>
-          </a:p>
-          <a:p>
-            <a:pPr marL="0" lvl="0" indent="0" algn="l" rtl="0">
-              <a:spcBef>
-                <a:spcPts val="0"/>
-              </a:spcBef>
-              <a:spcAft>
-                <a:spcPts val="0"/>
-              </a:spcAft>
-              <a:buClr>
-                <a:schemeClr val="dk1"/>
-              </a:buClr>
-              <a:buSzPts val="1100"/>
-              <a:buFont typeface="Arial"/>
-              <a:buNone/>
-            </a:pPr>
-            <a:endParaRPr i="1" dirty="0"/>
-          </a:p>
-        </p:txBody>
-      </p:sp>
-      <p:pic>
-        <p:nvPicPr>
-          <p:cNvPr id="155" name="Google Shape;155;p34"/>
-          <p:cNvPicPr preferRelativeResize="0"/>
-          <p:nvPr/>
-        </p:nvPicPr>
-        <p:blipFill rotWithShape="1">
-          <a:blip r:embed="rId3">
-            <a:alphaModFix/>
-          </a:blip>
-          <a:srcRect t="941" b="941"/>
-          <a:stretch/>
-        </p:blipFill>
-        <p:spPr>
-          <a:xfrm>
-            <a:off x="1033167" y="2867584"/>
-            <a:ext cx="1383000" cy="1365000"/>
-          </a:xfrm>
-          <a:prstGeom prst="ellipse">
-            <a:avLst/>
-          </a:prstGeom>
-          <a:noFill/>
-          <a:ln>
-            <a:noFill/>
-          </a:ln>
-        </p:spPr>
-      </p:pic>
-      <p:sp>
-        <p:nvSpPr>
-          <p:cNvPr id="156" name="Google Shape;156;p34"/>
-          <p:cNvSpPr txBox="1"/>
-          <p:nvPr/>
-        </p:nvSpPr>
-        <p:spPr>
-          <a:xfrm>
-            <a:off x="500550" y="503025"/>
-            <a:ext cx="7796700" cy="475500"/>
-          </a:xfrm>
-          <a:prstGeom prst="rect">
-            <a:avLst/>
-          </a:prstGeom>
-          <a:noFill/>
-          <a:ln>
-            <a:noFill/>
-          </a:ln>
-        </p:spPr>
-        <p:txBody>
-          <a:bodyPr spcFirstLastPara="1" wrap="square" lIns="91425" tIns="91425" rIns="91425" bIns="91425" anchor="t" anchorCtr="0">
-            <a:normAutofit/>
-          </a:bodyPr>
-          <a:lstStyle/>
-          <a:p>
-            <a:pPr marL="0" lvl="0" indent="0" algn="l" rtl="0">
-              <a:spcBef>
-                <a:spcPts val="0"/>
-              </a:spcBef>
-              <a:spcAft>
-                <a:spcPts val="0"/>
-              </a:spcAft>
-              <a:buNone/>
-            </a:pPr>
-            <a:r>
-              <a:rPr lang="ru" sz="1700" dirty="0">
-                <a:solidFill>
-                  <a:srgbClr val="FF7700"/>
-                </a:solidFill>
-                <a:latin typeface="Roboto"/>
-                <a:ea typeface="Roboto"/>
-                <a:cs typeface="Roboto"/>
-                <a:sym typeface="Roboto"/>
-              </a:rPr>
-              <a:t>Тема </a:t>
-            </a:r>
-            <a:r>
-              <a:rPr lang="ru" sz="1700" dirty="0" smtClean="0">
-                <a:solidFill>
-                  <a:srgbClr val="FF7700"/>
-                </a:solidFill>
-                <a:latin typeface="Roboto"/>
-                <a:ea typeface="Roboto"/>
-                <a:cs typeface="Roboto"/>
-                <a:sym typeface="Roboto"/>
-              </a:rPr>
-              <a:t>урока</a:t>
-            </a:r>
-            <a:endParaRPr sz="1700">
-              <a:solidFill>
-                <a:srgbClr val="FF7700"/>
-              </a:solidFill>
-              <a:latin typeface="Roboto"/>
-              <a:ea typeface="Roboto"/>
-              <a:cs typeface="Roboto"/>
-              <a:sym typeface="Roboto"/>
-            </a:endParaRPr>
-          </a:p>
-        </p:txBody>
-      </p:sp>
-      <p:sp>
-        <p:nvSpPr>
-          <p:cNvPr id="157" name="Google Shape;157;p34"/>
-          <p:cNvSpPr txBox="1"/>
-          <p:nvPr/>
-        </p:nvSpPr>
-        <p:spPr>
-          <a:xfrm>
-            <a:off x="3248849" y="2988499"/>
-            <a:ext cx="5308673" cy="1364999"/>
-          </a:xfrm>
-          <a:prstGeom prst="rect">
-            <a:avLst/>
-          </a:prstGeom>
-          <a:noFill/>
-          <a:ln>
-            <a:noFill/>
-          </a:ln>
-        </p:spPr>
-        <p:txBody>
-          <a:bodyPr spcFirstLastPara="1" wrap="square" lIns="91425" tIns="91425" rIns="91425" bIns="91425" anchor="t" anchorCtr="0">
-            <a:normAutofit/>
-          </a:bodyPr>
-          <a:lstStyle/>
-          <a:p>
-            <a:pPr>
-              <a:buClr>
-                <a:schemeClr val="dk1"/>
-              </a:buClr>
-              <a:buSzPct val="84615"/>
-            </a:pPr>
-            <a:r>
-              <a:rPr lang="ru-RU" sz="1600" b="1" i="1" dirty="0">
-                <a:solidFill>
-                  <a:schemeClr val="dk1"/>
-                </a:solidFill>
-              </a:rPr>
-              <a:t>Нилов Павел</a:t>
-            </a:r>
-          </a:p>
-          <a:p>
-            <a:pPr marL="0" lvl="0" indent="0" algn="l" rtl="0">
-              <a:spcBef>
-                <a:spcPts val="0"/>
-              </a:spcBef>
-              <a:spcAft>
-                <a:spcPts val="0"/>
-              </a:spcAft>
-              <a:buClr>
-                <a:schemeClr val="dk1"/>
-              </a:buClr>
-              <a:buSzPct val="84615"/>
-              <a:buFont typeface="Arial"/>
-              <a:buNone/>
-            </a:pPr>
-            <a:endParaRPr lang="ru" sz="1300" i="1" dirty="0" smtClean="0">
-              <a:solidFill>
-                <a:schemeClr val="dk1"/>
-              </a:solidFill>
-              <a:latin typeface="Roboto"/>
-              <a:ea typeface="Roboto"/>
-              <a:cs typeface="Roboto"/>
-              <a:sym typeface="Roboto"/>
-            </a:endParaRPr>
-          </a:p>
-          <a:p>
-            <a:pPr marL="0" lvl="0" indent="0" algn="l" rtl="0">
-              <a:spcBef>
-                <a:spcPts val="0"/>
-              </a:spcBef>
-              <a:spcAft>
-                <a:spcPts val="0"/>
-              </a:spcAft>
-              <a:buClr>
-                <a:schemeClr val="dk1"/>
-              </a:buClr>
-              <a:buSzPct val="84615"/>
-              <a:buFont typeface="Arial"/>
-              <a:buNone/>
-            </a:pPr>
-            <a:r>
-              <a:rPr lang="ru" sz="1300" i="1" dirty="0" smtClean="0">
-                <a:solidFill>
-                  <a:schemeClr val="dk1"/>
-                </a:solidFill>
-                <a:latin typeface="Roboto"/>
-                <a:ea typeface="Roboto"/>
-                <a:cs typeface="Roboto"/>
-                <a:sym typeface="Roboto"/>
-              </a:rPr>
-              <a:t>Преподаватель </a:t>
-            </a:r>
-            <a:r>
-              <a:rPr lang="ru" sz="1300" i="1" dirty="0">
-                <a:solidFill>
-                  <a:schemeClr val="dk1"/>
-                </a:solidFill>
-                <a:latin typeface="Roboto"/>
-                <a:ea typeface="Roboto"/>
-                <a:cs typeface="Roboto"/>
-                <a:sym typeface="Roboto"/>
-              </a:rPr>
-              <a:t>курса C# </a:t>
-            </a:r>
-            <a:r>
-              <a:rPr lang="ru" sz="1300" i="1" dirty="0" smtClean="0">
-                <a:solidFill>
-                  <a:schemeClr val="dk1"/>
-                </a:solidFill>
-                <a:latin typeface="Roboto"/>
-                <a:ea typeface="Roboto"/>
-                <a:cs typeface="Roboto"/>
-                <a:sym typeface="Roboto"/>
-              </a:rPr>
-              <a:t>Professional, </a:t>
-            </a:r>
-            <a:r>
-              <a:rPr lang="en-US" sz="1300" i="1" dirty="0" smtClean="0">
-                <a:solidFill>
-                  <a:schemeClr val="dk1"/>
-                </a:solidFill>
-                <a:latin typeface="Roboto"/>
-                <a:ea typeface="Roboto"/>
-                <a:cs typeface="Roboto"/>
-                <a:sym typeface="Roboto"/>
-              </a:rPr>
-              <a:t>C# Basic</a:t>
-            </a:r>
-            <a:endParaRPr sz="1300" i="1" dirty="0">
-              <a:solidFill>
-                <a:schemeClr val="dk1"/>
-              </a:solidFill>
-              <a:latin typeface="Roboto"/>
-              <a:ea typeface="Roboto"/>
-              <a:cs typeface="Roboto"/>
-              <a:sym typeface="Roboto"/>
-            </a:endParaRPr>
-          </a:p>
-          <a:p>
-            <a:pPr marL="0" lvl="0" indent="0" algn="l" rtl="0">
-              <a:spcBef>
-                <a:spcPts val="0"/>
-              </a:spcBef>
-              <a:spcAft>
-                <a:spcPts val="0"/>
-              </a:spcAft>
-              <a:buNone/>
-            </a:pPr>
-            <a:endParaRPr sz="1300" i="1" dirty="0">
-              <a:solidFill>
-                <a:schemeClr val="dk1"/>
-              </a:solidFill>
-              <a:latin typeface="Roboto"/>
-              <a:ea typeface="Roboto"/>
-              <a:cs typeface="Roboto"/>
-              <a:sym typeface="Roboto"/>
-            </a:endParaRPr>
-          </a:p>
-          <a:p>
-            <a:pPr marL="0" lvl="0" indent="0" algn="l" rtl="0">
-              <a:spcBef>
-                <a:spcPts val="0"/>
-              </a:spcBef>
-              <a:spcAft>
-                <a:spcPts val="0"/>
-              </a:spcAft>
-              <a:buNone/>
-            </a:pPr>
-            <a:r>
-              <a:rPr lang="ru" sz="1300" i="1" dirty="0">
-                <a:solidFill>
-                  <a:schemeClr val="dk1"/>
-                </a:solidFill>
-                <a:latin typeface="Roboto"/>
-                <a:ea typeface="Roboto"/>
-                <a:cs typeface="Roboto"/>
-                <a:sym typeface="Roboto"/>
-              </a:rPr>
-              <a:t>Контакты:t.me/@NilovPavel</a:t>
-            </a:r>
-            <a:endParaRPr sz="1300" i="1" dirty="0">
-              <a:solidFill>
-                <a:schemeClr val="dk1"/>
-              </a:solidFill>
-              <a:latin typeface="Roboto"/>
-              <a:ea typeface="Roboto"/>
-              <a:cs typeface="Roboto"/>
-              <a:sym typeface="Roboto"/>
-            </a:endParaRPr>
-          </a:p>
-          <a:p>
-            <a:pPr marL="0" lvl="0" indent="0" algn="l" rtl="0">
-              <a:spcBef>
-                <a:spcPts val="0"/>
-              </a:spcBef>
-              <a:spcAft>
-                <a:spcPts val="0"/>
-              </a:spcAft>
-              <a:buNone/>
-            </a:pPr>
-            <a:endParaRPr sz="1300" i="1" dirty="0">
-              <a:solidFill>
-                <a:schemeClr val="dk1"/>
-              </a:solidFill>
-              <a:latin typeface="Roboto"/>
-              <a:ea typeface="Roboto"/>
-              <a:cs typeface="Roboto"/>
-              <a:sym typeface="Roboto"/>
-            </a:endParaRPr>
-          </a:p>
-        </p:txBody>
-      </p:sp>
-      <p:pic>
-        <p:nvPicPr>
-          <p:cNvPr id="158" name="Google Shape;158;p34"/>
-          <p:cNvPicPr preferRelativeResize="0"/>
-          <p:nvPr/>
-        </p:nvPicPr>
-        <p:blipFill rotWithShape="1">
-          <a:blip r:embed="rId4">
-            <a:alphaModFix/>
-          </a:blip>
-          <a:srcRect/>
-          <a:stretch/>
-        </p:blipFill>
-        <p:spPr>
-          <a:xfrm>
-            <a:off x="8077621" y="258179"/>
-            <a:ext cx="652375" cy="652375"/>
-          </a:xfrm>
-          <a:prstGeom prst="rect">
-            <a:avLst/>
-          </a:prstGeom>
-          <a:noFill/>
-          <a:ln>
-            <a:noFill/>
-          </a:ln>
-        </p:spPr>
-      </p:pic>
-    </p:spTree>
-    <p:extLst>
-      <p:ext uri="{BB962C8B-B14F-4D97-AF65-F5344CB8AC3E}">
-        <p14:creationId xmlns:p14="http://schemas.microsoft.com/office/powerpoint/2010/main" xmlns="" val="893468368"/>
-      </p:ext>
-    </p:extLst>
-  </p:cSld>
-  <p:clrMapOvr>
-    <a:masterClrMapping/>
-  </p:clrMapOvr>
-  <p:timing>
-    <p:tnLst>
-      <p:par>
-        <p:cTn id="1" dur="indefinite" restart="never" nodeType="tmRoot"/>
-      </p:par>
-    </p:tnLst>
-  </p:timing>
 </p:sld>
 </file>
 
@@ -25212,19 +25607,7 @@
                 <a:cs typeface="Roboto"/>
                 <a:sym typeface="Roboto"/>
               </a:rPr>
-              <a:t>. </a:t>
-            </a:r>
-            <a:r>
-              <a:rPr lang="ru-RU" dirty="0" smtClean="0">
-                <a:solidFill>
-                  <a:schemeClr val="dk1"/>
-                </a:solidFill>
-                <a:latin typeface="Roboto"/>
-                <a:ea typeface="Roboto"/>
-                <a:cs typeface="Roboto"/>
-                <a:sym typeface="Roboto"/>
-              </a:rPr>
-              <a:t>Абстракция</a:t>
+              <a:t>. Абстракция</a:t>
             </a:r>
             <a:endParaRPr lang="ru-RU" sz="1200" dirty="0">
               <a:solidFill>
@@ -25278,19 +25661,7 @@
                 <a:cs typeface="Roboto"/>
                 <a:sym typeface="Roboto"/>
               </a:rPr>
-              <a:t>2</a:t>
-            </a:r>
-            <a:r>
-              <a:rPr lang="ru-RU" sz="1200" dirty="0" smtClean="0">
-                <a:solidFill>
-                  <a:schemeClr val="dk1"/>
-                </a:solidFill>
-                <a:latin typeface="Roboto"/>
-                <a:ea typeface="Roboto"/>
-                <a:cs typeface="Roboto"/>
-                <a:sym typeface="Roboto"/>
-              </a:rPr>
-              <a:t>. </a:t>
+              <a:t>2. </a:t>
             </a:r>
             <a:r>
               <a:rPr lang="ru-RU" sz="1200" dirty="0" smtClean="0">
@@ -25627,14 +25998,14 @@
           <p:nvPr>
             <p:extLst>
               <p:ext uri="{D42A27DB-BD31-4B8C-83A1-F6EECF244321}">
-                <p14:modId xmlns:p14="http://schemas.microsoft.com/office/powerpoint/2010/main" xmlns="" val="4121394419"/>
+                <p14:modId xmlns="" xmlns:p14="http://schemas.microsoft.com/office/powerpoint/2010/main" val="4121394419"/>
               </p:ext>
             </p:extLst>
           </p:nvPr>
         </p:nvGraphicFramePr>
         <p:xfrm>
           <a:off x="952500" y="1544194"/>
-          <a:ext cx="7239000" cy="1113760"/>
+          <a:ext cx="7239000" cy="1147542"/>
         </p:xfrm>
         <a:graphic>
           <a:graphicData uri="http://schemas.openxmlformats.org/drawingml/2006/table">
@@ -25647,14 +26018,14 @@
                 <a:gridCol w="489425">
                   <a:extLst>
                     <a:ext uri="{9D8B030D-6E8A-4147-A177-3AD203B41FA5}">
-                      <a16:colId xmlns:a16="http://schemas.microsoft.com/office/drawing/2014/main" xmlns="" val="20000"/>
+                      <a16:colId xmlns="" xmlns:a16="http://schemas.microsoft.com/office/drawing/2014/main" val="20000"/>
                     </a:ext>
                   </a:extLst>
                 </a:gridCol>
                 <a:gridCol w="6749575">
                   <a:extLst>
                     <a:ext uri="{9D8B030D-6E8A-4147-A177-3AD203B41FA5}">
-                      <a16:colId xmlns:a16="http://schemas.microsoft.com/office/drawing/2014/main" xmlns="" val="20001"/>
+                      <a16:colId xmlns="" xmlns:a16="http://schemas.microsoft.com/office/drawing/2014/main" val="20001"/>
                     </a:ext>
                   </a:extLst>
                 </a:gridCol>
@@ -25819,7 +26190,7 @@
                 </a:tc>
                 <a:extLst>
                   <a:ext uri="{0D108BD9-81ED-4DB2-BD59-A6C34878D82A}">
-                    <a16:rowId xmlns:a16="http://schemas.microsoft.com/office/drawing/2014/main" xmlns="" val="10000"/>
+                    <a16:rowId xmlns="" xmlns:a16="http://schemas.microsoft.com/office/drawing/2014/main" val="10000"/>
                   </a:ext>
                 </a:extLst>
               </a:tr>
@@ -26009,7 +26380,7 @@
                 </a:tc>
                 <a:extLst>
                   <a:ext uri="{0D108BD9-81ED-4DB2-BD59-A6C34878D82A}">
-                    <a16:rowId xmlns:a16="http://schemas.microsoft.com/office/drawing/2014/main" xmlns="" val="10001"/>
+                    <a16:rowId xmlns="" xmlns:a16="http://schemas.microsoft.com/office/drawing/2014/main" val="10001"/>
                   </a:ext>
                 </a:extLst>
               </a:tr>
@@ -26175,7 +26546,7 @@
                 </a:tc>
                 <a:extLst>
                   <a:ext uri="{0D108BD9-81ED-4DB2-BD59-A6C34878D82A}">
-                    <a16:rowId xmlns:a16="http://schemas.microsoft.com/office/drawing/2014/main" xmlns="" val="10002"/>
+                    <a16:rowId xmlns="" xmlns:a16="http://schemas.microsoft.com/office/drawing/2014/main" val="10002"/>
                   </a:ext>
                 </a:extLst>
               </a:tr>
@@ -26216,7 +26587,7 @@
     <a:masterClrMapping/>
   </p:clrMapOvr>
   <mc:AlternateContent xmlns:mc="http://schemas.openxmlformats.org/markup-compatibility/2006">
-    <mc:Choice xmlns:p14="http://schemas.microsoft.com/office/powerpoint/2010/main" xmlns="" Requires="p14">
+    <mc:Choice xmlns="" xmlns:p14="http://schemas.microsoft.com/office/powerpoint/2010/main" Requires="p14">
       <p:transition spd="slow" p14:dur="2000"/>
     </mc:Choice>
     <mc:Fallback>
@@ -26295,7 +26666,7 @@
     </p:spTree>
     <p:extLst>
       <p:ext uri="{BB962C8B-B14F-4D97-AF65-F5344CB8AC3E}">
-        <p14:creationId xmlns:p14="http://schemas.microsoft.com/office/powerpoint/2010/main" xmlns="" val="3227834065"/>
+        <p14:creationId xmlns="" xmlns:p14="http://schemas.microsoft.com/office/powerpoint/2010/main" val="3227834065"/>
       </p:ext>
     </p:extLst>
   </p:cSld>
@@ -26303,7 +26674,7 @@
     <a:masterClrMapping/>
   </p:clrMapOvr>
   <mc:AlternateContent xmlns:mc="http://schemas.openxmlformats.org/markup-compatibility/2006">
-    <mc:Choice xmlns:p14="http://schemas.microsoft.com/office/powerpoint/2010/main" xmlns="" Requires="p14">
+    <mc:Choice xmlns="" xmlns:p14="http://schemas.microsoft.com/office/powerpoint/2010/main" Requires="p14">
       <p:transition spd="slow" p14:dur="2000"/>
     </mc:Choice>
     <mc:Fallback>
@@ -26456,7 +26827,7 @@
           <a:blip r:embed="rId3">
             <a:extLst>
               <a:ext uri="{28A0092B-C50C-407E-A947-70E740481C1C}">
-                <a14:useLocalDpi xmlns:a14="http://schemas.microsoft.com/office/drawing/2010/main" xmlns="" val="0"/>
+                <a14:useLocalDpi xmlns="" xmlns:a14="http://schemas.microsoft.com/office/drawing/2010/main" val="0"/>
               </a:ext>
             </a:extLst>
           </a:blip>
@@ -26476,7 +26847,7 @@
           <a:noFill/>
           <a:extLst>
             <a:ext uri="{909E8E84-426E-40DD-AFC4-6F175D3DCCD1}">
-              <a14:hiddenFill xmlns:a14="http://schemas.microsoft.com/office/drawing/2010/main" xmlns="">
+              <a14:hiddenFill xmlns="" xmlns:a14="http://schemas.microsoft.com/office/drawing/2010/main">
                 <a:solidFill>
                   <a:srgbClr val="FFFFFF"/>
                 </a:solidFill>

--- a/ООПp.2.pptx
+++ b/ООПp.2.pptx
@@ -12068,11 +12068,7 @@
             <a:pPr marL="342900" indent="-342900"/>
             <a:r>
               <a:rPr lang="ru-RU" dirty="0" smtClean="0"/>
-              <a:t>этих </a:t>
-            </a:r>
-            <a:r>
-              <a:rPr lang="ru-RU" dirty="0" smtClean="0"/>
-              <a:t>методов</a:t>
+              <a:t>этих методов</a:t>
             </a:r>
             <a:r>
               <a:rPr lang="en-US" dirty="0" smtClean="0"/>
@@ -12314,13 +12310,8 @@
           <a:p>
             <a:r>
               <a:rPr lang="ru-RU" sz="1200" b="1" dirty="0" smtClean="0"/>
-              <a:t>Преимущества </a:t>
-            </a:r>
-            <a:r>
-              <a:rPr lang="ru-RU" sz="1200" b="1" dirty="0" smtClean="0"/>
-              <a:t>абстракции</a:t>
-            </a:r>
-            <a:endParaRPr lang="ru-RU" sz="1200" b="1" dirty="0" smtClean="0"/>
+              <a:t>Преимущества абстракции</a:t>
+            </a:r>
           </a:p>
           <a:p>
             <a:r>
@@ -12335,19 +12326,11 @@
           <a:p>
             <a:r>
               <a:rPr lang="ru-RU" sz="1200" b="1" dirty="0" smtClean="0"/>
-              <a:t>Повышение удобства поддержки кода</a:t>
-            </a:r>
-            <a:r>
-              <a:rPr lang="ru-RU" sz="1200" b="1" dirty="0" smtClean="0"/>
-              <a:t>.</a:t>
+              <a:t>Повышение удобства поддержки кода.</a:t>
             </a:r>
             <a:r>
               <a:rPr lang="ru-RU" sz="1200" dirty="0" smtClean="0"/>
-              <a:t> </a:t>
-            </a:r>
-            <a:r>
-              <a:rPr lang="ru-RU" sz="1200" dirty="0" smtClean="0"/>
-              <a:t>Как пример</a:t>
+              <a:t> Как пример</a:t>
             </a:r>
             <a:r>
               <a:rPr lang="en-US" sz="1200" dirty="0" smtClean="0"/>
@@ -12355,15 +12338,7 @@
             </a:r>
             <a:r>
               <a:rPr lang="ru-RU" sz="1200" dirty="0" smtClean="0"/>
-              <a:t>и</a:t>
-            </a:r>
-            <a:r>
-              <a:rPr lang="ru-RU" sz="1200" dirty="0" smtClean="0"/>
-              <a:t>зменение </a:t>
-            </a:r>
-            <a:r>
-              <a:rPr lang="ru-RU" sz="1200" dirty="0" smtClean="0"/>
-              <a:t>внутренней логики не затрагивает пользовательский интерфейс.</a:t>
+              <a:t>изменение внутренней логики не затрагивает пользовательский интерфейс.</a:t>
             </a:r>
           </a:p>
           <a:p>
@@ -12373,13 +12348,8 @@
             </a:r>
             <a:r>
               <a:rPr lang="ru-RU" sz="1200" dirty="0" smtClean="0"/>
-              <a:t> Абстракция задаёт единый интерфейс для работы с объектами разных типов, обеспечивая их взаимозаменяемость</a:t>
-            </a:r>
-            <a:r>
-              <a:rPr lang="ru-RU" sz="1200" dirty="0" smtClean="0"/>
-              <a:t>.</a:t>
-            </a:r>
-            <a:endParaRPr lang="ru-RU" sz="1200" dirty="0" smtClean="0"/>
+              <a:t> Абстракция задаёт единый интерфейс для работы с объектами разных типов, обеспечивая их взаимозаменяемость.</a:t>
+            </a:r>
           </a:p>
         </p:txBody>
       </p:sp>
@@ -12392,7 +12362,7 @@
         <p:spPr>
           <a:xfrm>
             <a:off x="5302293" y="1365975"/>
-            <a:ext cx="3332343" cy="1754326"/>
+            <a:ext cx="3332343" cy="1615827"/>
           </a:xfrm>
           <a:prstGeom prst="rect">
             <a:avLst/>
@@ -12405,7 +12375,7 @@
           <a:lstStyle/>
           <a:p>
             <a:r>
-              <a:rPr lang="en-US" sz="1200" b="1" dirty="0">
+              <a:rPr lang="en-US" sz="1100" b="1" dirty="0">
                 <a:solidFill>
                   <a:srgbClr val="FF0000"/>
                 </a:solidFill>
@@ -12414,7 +12384,7 @@
               <a:t>abstract class </a:t>
             </a:r>
             <a:r>
-              <a:rPr lang="en-US" sz="1200" dirty="0" err="1">
+              <a:rPr lang="en-US" sz="1100" dirty="0" err="1">
                 <a:solidFill>
                   <a:srgbClr val="267F99"/>
                 </a:solidFill>
@@ -12422,13 +12392,13 @@
               </a:rPr>
               <a:t>AbstractAnimal</a:t>
             </a:r>
-            <a:endParaRPr lang="en-US" sz="1200" dirty="0">
+            <a:endParaRPr lang="en-US" sz="1100" dirty="0">
               <a:latin typeface="Consolas" panose="020B0609020204030204" pitchFamily="49" charset="0"/>
             </a:endParaRPr>
           </a:p>
           <a:p>
             <a:r>
-              <a:rPr lang="en-US" sz="1200" dirty="0">
+              <a:rPr lang="en-US" sz="1100" dirty="0">
                 <a:latin typeface="Consolas" panose="020B0609020204030204" pitchFamily="49" charset="0"/>
               </a:rPr>
               <a:t>{</a:t>
@@ -12436,13 +12406,13 @@
           </a:p>
           <a:p>
             <a:r>
-              <a:rPr lang="en-US" sz="1200" dirty="0">
+              <a:rPr lang="en-US" sz="1100" dirty="0">
                 <a:latin typeface="Consolas" panose="020B0609020204030204" pitchFamily="49" charset="0"/>
               </a:rPr>
               <a:t>    </a:t>
             </a:r>
             <a:r>
-              <a:rPr lang="en-US" sz="1200" dirty="0">
+              <a:rPr lang="en-US" sz="1100" dirty="0">
                 <a:solidFill>
                   <a:srgbClr val="0000FF"/>
                 </a:solidFill>
@@ -12451,13 +12421,13 @@
               <a:t>public</a:t>
             </a:r>
             <a:r>
-              <a:rPr lang="en-US" sz="1200" dirty="0">
+              <a:rPr lang="en-US" sz="1100" dirty="0">
                 <a:latin typeface="Consolas" panose="020B0609020204030204" pitchFamily="49" charset="0"/>
               </a:rPr>
               <a:t> </a:t>
             </a:r>
             <a:r>
-              <a:rPr lang="en-US" sz="1200" dirty="0">
+              <a:rPr lang="en-US" sz="1100" dirty="0">
                 <a:solidFill>
                   <a:srgbClr val="0000FF"/>
                 </a:solidFill>
@@ -12466,13 +12436,13 @@
               <a:t>abstract</a:t>
             </a:r>
             <a:r>
-              <a:rPr lang="en-US" sz="1200" dirty="0">
+              <a:rPr lang="en-US" sz="1100" dirty="0">
                 <a:latin typeface="Consolas" panose="020B0609020204030204" pitchFamily="49" charset="0"/>
               </a:rPr>
               <a:t> </a:t>
             </a:r>
             <a:r>
-              <a:rPr lang="en-US" sz="1200" dirty="0">
+              <a:rPr lang="en-US" sz="1100" dirty="0">
                 <a:solidFill>
                   <a:srgbClr val="0000FF"/>
                 </a:solidFill>
@@ -12481,13 +12451,13 @@
               <a:t>void</a:t>
             </a:r>
             <a:r>
-              <a:rPr lang="en-US" sz="1200" dirty="0">
+              <a:rPr lang="en-US" sz="1100" dirty="0">
                 <a:latin typeface="Consolas" panose="020B0609020204030204" pitchFamily="49" charset="0"/>
               </a:rPr>
               <a:t> </a:t>
             </a:r>
             <a:r>
-              <a:rPr lang="en-US" sz="1200" dirty="0">
+              <a:rPr lang="en-US" sz="1100" dirty="0">
                 <a:solidFill>
                   <a:srgbClr val="795E26"/>
                 </a:solidFill>
@@ -12496,7 +12466,7 @@
               <a:t>Eat</a:t>
             </a:r>
             <a:r>
-              <a:rPr lang="en-US" sz="1200" dirty="0">
+              <a:rPr lang="en-US" sz="1100" dirty="0">
                 <a:latin typeface="Consolas" panose="020B0609020204030204" pitchFamily="49" charset="0"/>
               </a:rPr>
               <a:t>();</a:t>
@@ -12504,7 +12474,7 @@
           </a:p>
           <a:p>
             <a:r>
-              <a:rPr lang="en-US" sz="1200" dirty="0">
+              <a:rPr lang="en-US" sz="1100" dirty="0">
                 <a:latin typeface="Consolas" panose="020B0609020204030204" pitchFamily="49" charset="0"/>
               </a:rPr>
               <a:t>}</a:t>
@@ -12512,18 +12482,18 @@
           </a:p>
           <a:p>
             <a:r>
-              <a:rPr lang="en-US" sz="1200" dirty="0">
+              <a:rPr lang="en-US" sz="1100" dirty="0">
                 <a:latin typeface="Consolas" panose="020B0609020204030204" pitchFamily="49" charset="0"/>
               </a:rPr>
               <a:t/>
             </a:r>
             <a:br>
-              <a:rPr lang="en-US" sz="1200" dirty="0">
+              <a:rPr lang="en-US" sz="1100" dirty="0">
                 <a:latin typeface="Consolas" panose="020B0609020204030204" pitchFamily="49" charset="0"/>
               </a:rPr>
             </a:br>
             <a:r>
-              <a:rPr lang="en-US" sz="1200" b="1" dirty="0">
+              <a:rPr lang="en-US" sz="1100" b="1" dirty="0">
                 <a:solidFill>
                   <a:srgbClr val="FF0000"/>
                 </a:solidFill>
@@ -12532,13 +12502,13 @@
               <a:t>interface</a:t>
             </a:r>
             <a:r>
-              <a:rPr lang="en-US" sz="1200" dirty="0">
+              <a:rPr lang="en-US" sz="1100" dirty="0">
                 <a:latin typeface="Consolas" panose="020B0609020204030204" pitchFamily="49" charset="0"/>
               </a:rPr>
               <a:t> </a:t>
             </a:r>
             <a:r>
-              <a:rPr lang="en-US" sz="1200" dirty="0" err="1">
+              <a:rPr lang="en-US" sz="1100" dirty="0" err="1">
                 <a:solidFill>
                   <a:srgbClr val="267F99"/>
                 </a:solidFill>
@@ -12546,13 +12516,13 @@
               </a:rPr>
               <a:t>IAnimal</a:t>
             </a:r>
-            <a:endParaRPr lang="en-US" sz="1200" dirty="0">
+            <a:endParaRPr lang="en-US" sz="1100" dirty="0">
               <a:latin typeface="Consolas" panose="020B0609020204030204" pitchFamily="49" charset="0"/>
             </a:endParaRPr>
           </a:p>
           <a:p>
             <a:r>
-              <a:rPr lang="en-US" sz="1200" dirty="0">
+              <a:rPr lang="en-US" sz="1100" dirty="0">
                 <a:latin typeface="Consolas" panose="020B0609020204030204" pitchFamily="49" charset="0"/>
               </a:rPr>
               <a:t>{</a:t>
@@ -12560,13 +12530,13 @@
           </a:p>
           <a:p>
             <a:r>
-              <a:rPr lang="en-US" sz="1200" dirty="0">
+              <a:rPr lang="en-US" sz="1100" dirty="0">
                 <a:latin typeface="Consolas" panose="020B0609020204030204" pitchFamily="49" charset="0"/>
               </a:rPr>
               <a:t>    </a:t>
             </a:r>
             <a:r>
-              <a:rPr lang="en-US" sz="1200" dirty="0">
+              <a:rPr lang="en-US" sz="1100" dirty="0">
                 <a:solidFill>
                   <a:srgbClr val="0000FF"/>
                 </a:solidFill>
@@ -12575,13 +12545,13 @@
               <a:t>void</a:t>
             </a:r>
             <a:r>
-              <a:rPr lang="en-US" sz="1200" dirty="0">
+              <a:rPr lang="en-US" sz="1100" dirty="0">
                 <a:latin typeface="Consolas" panose="020B0609020204030204" pitchFamily="49" charset="0"/>
               </a:rPr>
               <a:t> </a:t>
             </a:r>
             <a:r>
-              <a:rPr lang="en-US" sz="1200" dirty="0" err="1">
+              <a:rPr lang="en-US" sz="1100" dirty="0" err="1">
                 <a:solidFill>
                   <a:srgbClr val="795E26"/>
                 </a:solidFill>
@@ -12590,7 +12560,7 @@
               <a:t>MakeSound</a:t>
             </a:r>
             <a:r>
-              <a:rPr lang="en-US" sz="1200" dirty="0">
+              <a:rPr lang="en-US" sz="1100" dirty="0">
                 <a:latin typeface="Consolas" panose="020B0609020204030204" pitchFamily="49" charset="0"/>
               </a:rPr>
               <a:t>();</a:t>
@@ -12598,7 +12568,7 @@
           </a:p>
           <a:p>
             <a:r>
-              <a:rPr lang="en-US" sz="1200" dirty="0">
+              <a:rPr lang="en-US" sz="1100" dirty="0">
                 <a:latin typeface="Consolas" panose="020B0609020204030204" pitchFamily="49" charset="0"/>
               </a:rPr>
               <a:t>}</a:t>
@@ -12755,7 +12725,7 @@
         <p:spPr>
           <a:xfrm>
             <a:off x="4351072" y="1172991"/>
-            <a:ext cx="4504494" cy="3231654"/>
+            <a:ext cx="4504494" cy="2970044"/>
           </a:xfrm>
           <a:prstGeom prst="rect">
             <a:avLst/>
@@ -12768,7 +12738,7 @@
           <a:lstStyle/>
           <a:p>
             <a:r>
-              <a:rPr lang="en-US" sz="1200" b="1" dirty="0" smtClean="0">
+              <a:rPr lang="en-US" sz="1100" b="1" dirty="0" smtClean="0">
                 <a:solidFill>
                   <a:srgbClr val="FF0000"/>
                 </a:solidFill>
@@ -12777,13 +12747,13 @@
               <a:t>interface</a:t>
             </a:r>
             <a:r>
-              <a:rPr lang="en-US" sz="1200" dirty="0" smtClean="0">
+              <a:rPr lang="en-US" sz="1100" dirty="0" smtClean="0">
                 <a:latin typeface="Consolas"/>
               </a:rPr>
               <a:t> </a:t>
             </a:r>
             <a:r>
-              <a:rPr lang="en-US" sz="1200" dirty="0" err="1" smtClean="0">
+              <a:rPr lang="en-US" sz="1100" dirty="0" err="1" smtClean="0">
                 <a:solidFill>
                   <a:srgbClr val="267F99"/>
                 </a:solidFill>
@@ -12791,13 +12761,13 @@
               </a:rPr>
               <a:t>ISoldier</a:t>
             </a:r>
-            <a:endParaRPr lang="en-US" sz="1200" dirty="0" smtClean="0">
+            <a:endParaRPr lang="en-US" sz="1100" dirty="0" smtClean="0">
               <a:latin typeface="Consolas"/>
             </a:endParaRPr>
           </a:p>
           <a:p>
             <a:r>
-              <a:rPr lang="en-US" sz="1200" dirty="0" smtClean="0">
+              <a:rPr lang="en-US" sz="1100" dirty="0" smtClean="0">
                 <a:latin typeface="Consolas"/>
               </a:rPr>
               <a:t>{</a:t>
@@ -12805,13 +12775,13 @@
           </a:p>
           <a:p>
             <a:r>
-              <a:rPr lang="en-US" sz="1200" dirty="0" smtClean="0">
+              <a:rPr lang="en-US" sz="1100" dirty="0" smtClean="0">
                 <a:latin typeface="Consolas"/>
               </a:rPr>
               <a:t>    </a:t>
             </a:r>
             <a:r>
-              <a:rPr lang="en-US" sz="1200" dirty="0" smtClean="0">
+              <a:rPr lang="en-US" sz="1100" dirty="0" smtClean="0">
                 <a:solidFill>
                   <a:srgbClr val="0000FF"/>
                 </a:solidFill>
@@ -12820,13 +12790,13 @@
               <a:t>public</a:t>
             </a:r>
             <a:r>
-              <a:rPr lang="en-US" sz="1200" dirty="0" smtClean="0">
+              <a:rPr lang="en-US" sz="1100" dirty="0" smtClean="0">
                 <a:latin typeface="Consolas"/>
               </a:rPr>
               <a:t> </a:t>
             </a:r>
             <a:r>
-              <a:rPr lang="en-US" sz="1200" dirty="0" smtClean="0">
+              <a:rPr lang="en-US" sz="1100" dirty="0" smtClean="0">
                 <a:solidFill>
                   <a:srgbClr val="0000FF"/>
                 </a:solidFill>
@@ -12835,13 +12805,13 @@
               <a:t>void</a:t>
             </a:r>
             <a:r>
-              <a:rPr lang="en-US" sz="1200" dirty="0" smtClean="0">
+              <a:rPr lang="en-US" sz="1100" dirty="0" smtClean="0">
                 <a:latin typeface="Consolas"/>
               </a:rPr>
               <a:t> </a:t>
             </a:r>
             <a:r>
-              <a:rPr lang="en-US" sz="1200" dirty="0" err="1" smtClean="0">
+              <a:rPr lang="en-US" sz="1100" dirty="0" err="1" smtClean="0">
                 <a:solidFill>
                   <a:srgbClr val="795E26"/>
                 </a:solidFill>
@@ -12850,7 +12820,7 @@
               <a:t>ToDo</a:t>
             </a:r>
             <a:r>
-              <a:rPr lang="en-US" sz="1200" dirty="0" smtClean="0">
+              <a:rPr lang="en-US" sz="1100" dirty="0" smtClean="0">
                 <a:latin typeface="Consolas"/>
               </a:rPr>
               <a:t>();</a:t>
@@ -12858,24 +12828,24 @@
           </a:p>
           <a:p>
             <a:r>
-              <a:rPr lang="en-US" sz="1200" dirty="0" smtClean="0">
+              <a:rPr lang="en-US" sz="1100" dirty="0" smtClean="0">
                 <a:latin typeface="Consolas"/>
               </a:rPr>
               <a:t/>
             </a:r>
             <a:br>
-              <a:rPr lang="en-US" sz="1200" dirty="0" smtClean="0">
+              <a:rPr lang="en-US" sz="1100" dirty="0" smtClean="0">
                 <a:latin typeface="Consolas"/>
               </a:rPr>
             </a:br>
             <a:r>
-              <a:rPr lang="en-US" sz="1200" dirty="0" smtClean="0">
+              <a:rPr lang="en-US" sz="1100" dirty="0" smtClean="0">
                 <a:latin typeface="Consolas"/>
               </a:rPr>
               <a:t>    </a:t>
             </a:r>
             <a:r>
-              <a:rPr lang="en-US" sz="1200" dirty="0" smtClean="0">
+              <a:rPr lang="en-US" sz="1100" dirty="0" smtClean="0">
                 <a:solidFill>
                   <a:srgbClr val="0000FF"/>
                 </a:solidFill>
@@ -12884,13 +12854,13 @@
               <a:t>public</a:t>
             </a:r>
             <a:r>
-              <a:rPr lang="en-US" sz="1200" dirty="0" smtClean="0">
+              <a:rPr lang="en-US" sz="1100" dirty="0" smtClean="0">
                 <a:latin typeface="Consolas"/>
               </a:rPr>
               <a:t> </a:t>
             </a:r>
             <a:r>
-              <a:rPr lang="en-US" sz="1200" dirty="0" err="1" smtClean="0">
+              <a:rPr lang="en-US" sz="1100" dirty="0" err="1" smtClean="0">
                 <a:solidFill>
                   <a:srgbClr val="0000FF"/>
                 </a:solidFill>
@@ -12899,13 +12869,13 @@
               <a:t>int</a:t>
             </a:r>
             <a:r>
-              <a:rPr lang="en-US" sz="1200" dirty="0" smtClean="0">
+              <a:rPr lang="en-US" sz="1100" dirty="0" smtClean="0">
                 <a:latin typeface="Consolas"/>
               </a:rPr>
               <a:t> </a:t>
             </a:r>
             <a:r>
-              <a:rPr lang="en-US" sz="1200" dirty="0" smtClean="0">
+              <a:rPr lang="en-US" sz="1100" dirty="0" smtClean="0">
                 <a:solidFill>
                   <a:srgbClr val="001080"/>
                 </a:solidFill>
@@ -12913,13 +12883,13 @@
               </a:rPr>
               <a:t>Health</a:t>
             </a:r>
-            <a:endParaRPr lang="en-US" sz="1200" dirty="0" smtClean="0">
+            <a:endParaRPr lang="en-US" sz="1100" dirty="0" smtClean="0">
               <a:latin typeface="Consolas"/>
             </a:endParaRPr>
           </a:p>
           <a:p>
             <a:r>
-              <a:rPr lang="en-US" sz="1200" dirty="0" smtClean="0">
+              <a:rPr lang="en-US" sz="1100" dirty="0" smtClean="0">
                 <a:latin typeface="Consolas"/>
               </a:rPr>
               <a:t>    { </a:t>
@@ -12927,13 +12897,13 @@
           </a:p>
           <a:p>
             <a:r>
-              <a:rPr lang="en-US" sz="1200" dirty="0" smtClean="0">
+              <a:rPr lang="en-US" sz="1100" dirty="0" smtClean="0">
                 <a:latin typeface="Consolas"/>
               </a:rPr>
               <a:t>        </a:t>
             </a:r>
             <a:r>
-              <a:rPr lang="en-US" sz="1200" dirty="0" smtClean="0">
+              <a:rPr lang="en-US" sz="1100" dirty="0" smtClean="0">
                 <a:solidFill>
                   <a:srgbClr val="0000FF"/>
                 </a:solidFill>
@@ -12942,7 +12912,7 @@
               <a:t>get</a:t>
             </a:r>
             <a:r>
-              <a:rPr lang="en-US" sz="1200" dirty="0" smtClean="0">
+              <a:rPr lang="en-US" sz="1100" dirty="0" smtClean="0">
                 <a:latin typeface="Consolas"/>
               </a:rPr>
               <a:t> </a:t>
@@ -12950,7 +12920,7 @@
           </a:p>
           <a:p>
             <a:r>
-              <a:rPr lang="en-US" sz="1200" dirty="0" smtClean="0">
+              <a:rPr lang="en-US" sz="1100" dirty="0" smtClean="0">
                 <a:latin typeface="Consolas"/>
               </a:rPr>
               <a:t>        { </a:t>
@@ -12958,13 +12928,13 @@
           </a:p>
           <a:p>
             <a:r>
-              <a:rPr lang="en-US" sz="1200" dirty="0" smtClean="0">
+              <a:rPr lang="en-US" sz="1100" dirty="0" smtClean="0">
                 <a:latin typeface="Consolas"/>
               </a:rPr>
               <a:t>            </a:t>
             </a:r>
             <a:r>
-              <a:rPr lang="en-US" sz="1200" dirty="0" smtClean="0">
+              <a:rPr lang="en-US" sz="1100" dirty="0" smtClean="0">
                 <a:solidFill>
                   <a:srgbClr val="AF00DB"/>
                 </a:solidFill>
@@ -12973,13 +12943,13 @@
               <a:t>return</a:t>
             </a:r>
             <a:r>
-              <a:rPr lang="en-US" sz="1200" dirty="0" smtClean="0">
+              <a:rPr lang="en-US" sz="1100" dirty="0" smtClean="0">
                 <a:latin typeface="Consolas"/>
               </a:rPr>
               <a:t> </a:t>
             </a:r>
             <a:r>
-              <a:rPr lang="en-US" sz="1200" dirty="0" smtClean="0">
+              <a:rPr lang="en-US" sz="1100" dirty="0" smtClean="0">
                 <a:solidFill>
                   <a:srgbClr val="098658"/>
                 </a:solidFill>
@@ -12988,7 +12958,7 @@
               <a:t>100</a:t>
             </a:r>
             <a:r>
-              <a:rPr lang="en-US" sz="1200" dirty="0" smtClean="0">
+              <a:rPr lang="en-US" sz="1100" dirty="0" smtClean="0">
                 <a:latin typeface="Consolas"/>
               </a:rPr>
               <a:t>; </a:t>
@@ -12996,7 +12966,7 @@
           </a:p>
           <a:p>
             <a:r>
-              <a:rPr lang="en-US" sz="1200" dirty="0" smtClean="0">
+              <a:rPr lang="en-US" sz="1100" dirty="0" smtClean="0">
                 <a:latin typeface="Consolas"/>
               </a:rPr>
               <a:t>        } </a:t>
@@ -13004,7 +12974,7 @@
           </a:p>
           <a:p>
             <a:r>
-              <a:rPr lang="en-US" sz="1200" dirty="0" smtClean="0">
+              <a:rPr lang="en-US" sz="1100" dirty="0" smtClean="0">
                 <a:latin typeface="Consolas"/>
               </a:rPr>
               <a:t>    }</a:t>
@@ -13012,24 +12982,24 @@
           </a:p>
           <a:p>
             <a:r>
-              <a:rPr lang="en-US" sz="1200" dirty="0" smtClean="0">
+              <a:rPr lang="en-US" sz="1100" dirty="0" smtClean="0">
                 <a:latin typeface="Consolas"/>
               </a:rPr>
               <a:t/>
             </a:r>
             <a:br>
-              <a:rPr lang="en-US" sz="1200" dirty="0" smtClean="0">
+              <a:rPr lang="en-US" sz="1100" dirty="0" smtClean="0">
                 <a:latin typeface="Consolas"/>
               </a:rPr>
             </a:br>
             <a:r>
-              <a:rPr lang="en-US" sz="1200" dirty="0" smtClean="0">
+              <a:rPr lang="en-US" sz="1100" dirty="0" smtClean="0">
                 <a:latin typeface="Consolas"/>
               </a:rPr>
               <a:t>    </a:t>
             </a:r>
             <a:r>
-              <a:rPr lang="en-US" sz="1200" dirty="0" smtClean="0">
+              <a:rPr lang="en-US" sz="1100" dirty="0" smtClean="0">
                 <a:solidFill>
                   <a:srgbClr val="0000FF"/>
                 </a:solidFill>
@@ -13038,13 +13008,13 @@
               <a:t>public</a:t>
             </a:r>
             <a:r>
-              <a:rPr lang="en-US" sz="1200" dirty="0" smtClean="0">
+              <a:rPr lang="en-US" sz="1100" dirty="0" smtClean="0">
                 <a:latin typeface="Consolas"/>
               </a:rPr>
               <a:t> </a:t>
             </a:r>
             <a:r>
-              <a:rPr lang="en-US" sz="1200" dirty="0" smtClean="0">
+              <a:rPr lang="en-US" sz="1100" dirty="0" smtClean="0">
                 <a:solidFill>
                   <a:srgbClr val="0000FF"/>
                 </a:solidFill>
@@ -13053,13 +13023,13 @@
               <a:t>void</a:t>
             </a:r>
             <a:r>
-              <a:rPr lang="en-US" sz="1200" dirty="0" smtClean="0">
+              <a:rPr lang="en-US" sz="1100" dirty="0" smtClean="0">
                 <a:latin typeface="Consolas"/>
               </a:rPr>
               <a:t> </a:t>
             </a:r>
             <a:r>
-              <a:rPr lang="en-US" sz="1200" dirty="0" err="1" smtClean="0">
+              <a:rPr lang="en-US" sz="1100" dirty="0" err="1" smtClean="0">
                 <a:solidFill>
                   <a:srgbClr val="795E26"/>
                 </a:solidFill>
@@ -13068,7 +13038,7 @@
               <a:t>SubmitRapport</a:t>
             </a:r>
             <a:r>
-              <a:rPr lang="en-US" sz="1200" dirty="0" smtClean="0">
+              <a:rPr lang="en-US" sz="1100" dirty="0" smtClean="0">
                 <a:latin typeface="Consolas"/>
               </a:rPr>
               <a:t>()</a:t>
@@ -13076,7 +13046,7 @@
           </a:p>
           <a:p>
             <a:r>
-              <a:rPr lang="en-US" sz="1200" dirty="0" smtClean="0">
+              <a:rPr lang="en-US" sz="1100" dirty="0" smtClean="0">
                 <a:latin typeface="Consolas"/>
               </a:rPr>
               <a:t>    {</a:t>
@@ -13084,13 +13054,13 @@
           </a:p>
           <a:p>
             <a:r>
-              <a:rPr lang="en-US" sz="1200" dirty="0" smtClean="0">
+              <a:rPr lang="en-US" sz="1100" dirty="0" smtClean="0">
                 <a:latin typeface="Consolas"/>
               </a:rPr>
               <a:t>        </a:t>
             </a:r>
             <a:r>
-              <a:rPr lang="en-US" sz="1200" dirty="0" err="1" smtClean="0">
+              <a:rPr lang="en-US" sz="1100" dirty="0" err="1" smtClean="0">
                 <a:solidFill>
                   <a:srgbClr val="001080"/>
                 </a:solidFill>
@@ -13099,13 +13069,13 @@
               <a:t>Console</a:t>
             </a:r>
             <a:r>
-              <a:rPr lang="en-US" sz="1200" dirty="0" err="1" smtClean="0">
+              <a:rPr lang="en-US" sz="1100" dirty="0" err="1" smtClean="0">
                 <a:latin typeface="Consolas"/>
               </a:rPr>
               <a:t>.</a:t>
             </a:r>
             <a:r>
-              <a:rPr lang="en-US" sz="1200" dirty="0" err="1" smtClean="0">
+              <a:rPr lang="en-US" sz="1100" dirty="0" err="1" smtClean="0">
                 <a:solidFill>
                   <a:srgbClr val="795E26"/>
                 </a:solidFill>
@@ -13114,13 +13084,13 @@
               <a:t>WriteLine</a:t>
             </a:r>
             <a:r>
-              <a:rPr lang="en-US" sz="1200" dirty="0" smtClean="0">
+              <a:rPr lang="en-US" sz="1100" dirty="0" smtClean="0">
                 <a:latin typeface="Consolas"/>
               </a:rPr>
               <a:t>(</a:t>
             </a:r>
             <a:r>
-              <a:rPr lang="en-US" sz="1200" dirty="0" smtClean="0">
+              <a:rPr lang="en-US" sz="1100" dirty="0" smtClean="0">
                 <a:solidFill>
                   <a:srgbClr val="A31515"/>
                 </a:solidFill>
@@ -13129,7 +13099,7 @@
               <a:t>"</a:t>
             </a:r>
             <a:r>
-              <a:rPr lang="ru-RU" sz="1200" dirty="0" smtClean="0">
+              <a:rPr lang="ru-RU" sz="1100" dirty="0" smtClean="0">
                 <a:solidFill>
                   <a:srgbClr val="A31515"/>
                 </a:solidFill>
@@ -13138,7 +13108,7 @@
               <a:t>Солдат сдал раппорт!"</a:t>
             </a:r>
             <a:r>
-              <a:rPr lang="ru-RU" sz="1200" dirty="0" smtClean="0">
+              <a:rPr lang="ru-RU" sz="1100" dirty="0" smtClean="0">
                 <a:latin typeface="Consolas"/>
               </a:rPr>
               <a:t>);</a:t>
@@ -13146,7 +13116,7 @@
           </a:p>
           <a:p>
             <a:r>
-              <a:rPr lang="ru-RU" sz="1200" dirty="0" smtClean="0">
+              <a:rPr lang="ru-RU" sz="1100" dirty="0" smtClean="0">
                 <a:latin typeface="Consolas"/>
               </a:rPr>
               <a:t>    }</a:t>
@@ -13154,12 +13124,12 @@
           </a:p>
           <a:p>
             <a:r>
-              <a:rPr lang="ru-RU" sz="1200" dirty="0" smtClean="0">
+              <a:rPr lang="ru-RU" sz="1100" dirty="0" smtClean="0">
                 <a:latin typeface="Consolas"/>
               </a:rPr>
               <a:t>}</a:t>
             </a:r>
-            <a:endParaRPr lang="ru-RU" sz="1200" dirty="0">
+            <a:endParaRPr lang="ru-RU" sz="1100" dirty="0">
               <a:latin typeface="Consolas"/>
             </a:endParaRPr>
           </a:p>
@@ -13254,7 +13224,7 @@
         <p:spPr>
           <a:xfrm>
             <a:off x="500550" y="1164114"/>
-            <a:ext cx="3936438" cy="2677656"/>
+            <a:ext cx="3936438" cy="2893100"/>
           </a:xfrm>
           <a:prstGeom prst="rect">
             <a:avLst/>
@@ -13272,7 +13242,45 @@
             </a:r>
             <a:r>
               <a:rPr lang="ru-RU" dirty="0" smtClean="0"/>
-              <a:t>— это класс, который может содержать методы без реализации. Такие методы называются абстрактными.</a:t>
+              <a:t>— это класс, который помечен ключевым словом </a:t>
+            </a:r>
+            <a:r>
+              <a:rPr lang="en-US" dirty="0" smtClean="0">
+                <a:solidFill>
+                  <a:srgbClr val="0000FF"/>
+                </a:solidFill>
+                <a:latin typeface="Consolas" panose="020B0609020204030204" pitchFamily="49" charset="0"/>
+              </a:rPr>
+              <a:t>abstract</a:t>
+            </a:r>
+            <a:r>
+              <a:rPr lang="ru-RU" dirty="0" smtClean="0">
+                <a:solidFill>
+                  <a:srgbClr val="0000FF"/>
+                </a:solidFill>
+                <a:latin typeface="Consolas" panose="020B0609020204030204" pitchFamily="49" charset="0"/>
+              </a:rPr>
+              <a:t> </a:t>
+            </a:r>
+            <a:r>
+              <a:rPr lang="ru-RU" dirty="0" smtClean="0"/>
+              <a:t>и</a:t>
+            </a:r>
+            <a:r>
+              <a:rPr lang="ru-RU" i="1" dirty="0" smtClean="0"/>
+              <a:t> может</a:t>
+            </a:r>
+            <a:r>
+              <a:rPr lang="ru-RU" dirty="0" smtClean="0"/>
+              <a:t> содержать методы </a:t>
+            </a:r>
+            <a:r>
+              <a:rPr lang="ru-RU" smtClean="0"/>
+              <a:t>без реализации. </a:t>
+            </a:r>
+            <a:r>
+              <a:rPr lang="ru-RU" dirty="0" smtClean="0"/>
+              <a:t>Такие методы называются абстрактными.</a:t>
             </a:r>
           </a:p>
           <a:p>
@@ -13327,7 +13335,7 @@
         <p:spPr>
           <a:xfrm>
             <a:off x="4759177" y="1164114"/>
-            <a:ext cx="3728174" cy="3046988"/>
+            <a:ext cx="3728174" cy="2800767"/>
           </a:xfrm>
           <a:prstGeom prst="rect">
             <a:avLst/>
@@ -13340,7 +13348,7 @@
           <a:lstStyle/>
           <a:p>
             <a:r>
-              <a:rPr lang="en-US" sz="1200" b="1" dirty="0" smtClean="0">
+              <a:rPr lang="en-US" sz="1100" b="1" dirty="0" smtClean="0">
                 <a:solidFill>
                   <a:srgbClr val="FF0000"/>
                 </a:solidFill>
@@ -13349,13 +13357,13 @@
               <a:t>abstract class</a:t>
             </a:r>
             <a:r>
-              <a:rPr lang="en-US" sz="1200" b="1" dirty="0" smtClean="0">
+              <a:rPr lang="en-US" sz="1100" b="1" dirty="0" smtClean="0">
                 <a:latin typeface="Consolas"/>
               </a:rPr>
               <a:t> </a:t>
             </a:r>
             <a:r>
-              <a:rPr lang="en-US" sz="1200" dirty="0" smtClean="0">
+              <a:rPr lang="en-US" sz="1100" dirty="0" smtClean="0">
                 <a:solidFill>
                   <a:srgbClr val="267F99"/>
                 </a:solidFill>
@@ -13363,13 +13371,13 @@
               </a:rPr>
               <a:t>Human</a:t>
             </a:r>
-            <a:endParaRPr lang="en-US" sz="1200" dirty="0" smtClean="0">
+            <a:endParaRPr lang="en-US" sz="1100" dirty="0" smtClean="0">
               <a:latin typeface="Consolas"/>
             </a:endParaRPr>
           </a:p>
           <a:p>
             <a:r>
-              <a:rPr lang="en-US" sz="1200" dirty="0" smtClean="0">
+              <a:rPr lang="en-US" sz="1100" dirty="0" smtClean="0">
                 <a:latin typeface="Consolas"/>
               </a:rPr>
               <a:t>{</a:t>
@@ -13377,13 +13385,13 @@
           </a:p>
           <a:p>
             <a:r>
-              <a:rPr lang="en-US" sz="1200" dirty="0" smtClean="0">
+              <a:rPr lang="en-US" sz="1100" dirty="0" smtClean="0">
                 <a:latin typeface="Consolas"/>
               </a:rPr>
               <a:t>    </a:t>
             </a:r>
             <a:r>
-              <a:rPr lang="en-US" sz="1200" dirty="0" smtClean="0">
+              <a:rPr lang="en-US" sz="1100" dirty="0" smtClean="0">
                 <a:solidFill>
                   <a:srgbClr val="0000FF"/>
                 </a:solidFill>
@@ -13392,13 +13400,13 @@
               <a:t>private</a:t>
             </a:r>
             <a:r>
-              <a:rPr lang="en-US" sz="1200" dirty="0" smtClean="0">
+              <a:rPr lang="en-US" sz="1100" dirty="0" smtClean="0">
                 <a:latin typeface="Consolas"/>
               </a:rPr>
               <a:t> </a:t>
             </a:r>
             <a:r>
-              <a:rPr lang="en-US" sz="1200" dirty="0" smtClean="0">
+              <a:rPr lang="en-US" sz="1100" dirty="0" smtClean="0">
                 <a:solidFill>
                   <a:srgbClr val="0000FF"/>
                 </a:solidFill>
@@ -13407,13 +13415,13 @@
               <a:t>string</a:t>
             </a:r>
             <a:r>
-              <a:rPr lang="en-US" sz="1200" dirty="0" smtClean="0">
+              <a:rPr lang="en-US" sz="1100" dirty="0" smtClean="0">
                 <a:latin typeface="Consolas"/>
               </a:rPr>
               <a:t> </a:t>
             </a:r>
             <a:r>
-              <a:rPr lang="en-US" sz="1200" dirty="0" smtClean="0">
+              <a:rPr lang="en-US" sz="1100" dirty="0" smtClean="0">
                 <a:solidFill>
                   <a:srgbClr val="001080"/>
                 </a:solidFill>
@@ -13422,7 +13430,7 @@
               <a:t>name</a:t>
             </a:r>
             <a:r>
-              <a:rPr lang="en-US" sz="1200" dirty="0" smtClean="0">
+              <a:rPr lang="en-US" sz="1100" dirty="0" smtClean="0">
                 <a:latin typeface="Consolas"/>
               </a:rPr>
               <a:t>;</a:t>
@@ -13430,24 +13438,24 @@
           </a:p>
           <a:p>
             <a:r>
-              <a:rPr lang="en-US" sz="1200" dirty="0" smtClean="0">
+              <a:rPr lang="en-US" sz="1100" dirty="0" smtClean="0">
                 <a:latin typeface="Consolas"/>
               </a:rPr>
               <a:t/>
             </a:r>
             <a:br>
-              <a:rPr lang="en-US" sz="1200" dirty="0" smtClean="0">
+              <a:rPr lang="en-US" sz="1100" dirty="0" smtClean="0">
                 <a:latin typeface="Consolas"/>
               </a:rPr>
             </a:br>
             <a:r>
-              <a:rPr lang="en-US" sz="1200" dirty="0" smtClean="0">
+              <a:rPr lang="en-US" sz="1100" dirty="0" smtClean="0">
                 <a:latin typeface="Consolas"/>
               </a:rPr>
               <a:t>    </a:t>
             </a:r>
             <a:r>
-              <a:rPr lang="en-US" sz="1200" b="1" dirty="0" smtClean="0">
+              <a:rPr lang="en-US" sz="1100" b="1" dirty="0" smtClean="0">
                 <a:solidFill>
                   <a:srgbClr val="FF0000"/>
                 </a:solidFill>
@@ -13456,13 +13464,13 @@
               <a:t>abstract</a:t>
             </a:r>
             <a:r>
-              <a:rPr lang="en-US" sz="1200" dirty="0" smtClean="0">
+              <a:rPr lang="en-US" sz="1100" dirty="0" smtClean="0">
                 <a:latin typeface="Consolas"/>
               </a:rPr>
               <a:t> </a:t>
             </a:r>
             <a:r>
-              <a:rPr lang="en-US" sz="1200" dirty="0" smtClean="0">
+              <a:rPr lang="en-US" sz="1100" dirty="0" smtClean="0">
                 <a:solidFill>
                   <a:srgbClr val="0000FF"/>
                 </a:solidFill>
@@ -13471,13 +13479,13 @@
               <a:t>public</a:t>
             </a:r>
             <a:r>
-              <a:rPr lang="en-US" sz="1200" dirty="0" smtClean="0">
+              <a:rPr lang="en-US" sz="1100" dirty="0" smtClean="0">
                 <a:latin typeface="Consolas"/>
               </a:rPr>
               <a:t> </a:t>
             </a:r>
             <a:r>
-              <a:rPr lang="en-US" sz="1200" dirty="0" smtClean="0">
+              <a:rPr lang="en-US" sz="1100" dirty="0" smtClean="0">
                 <a:solidFill>
                   <a:srgbClr val="0000FF"/>
                 </a:solidFill>
@@ -13486,13 +13494,13 @@
               <a:t>void</a:t>
             </a:r>
             <a:r>
-              <a:rPr lang="en-US" sz="1200" dirty="0" smtClean="0">
+              <a:rPr lang="en-US" sz="1100" dirty="0" smtClean="0">
                 <a:latin typeface="Consolas"/>
               </a:rPr>
               <a:t> </a:t>
             </a:r>
             <a:r>
-              <a:rPr lang="en-US" sz="1200" dirty="0" err="1" smtClean="0">
+              <a:rPr lang="en-US" sz="1100" dirty="0" err="1" smtClean="0">
                 <a:solidFill>
                   <a:srgbClr val="795E26"/>
                 </a:solidFill>
@@ -13501,7 +13509,7 @@
               <a:t>JustGo</a:t>
             </a:r>
             <a:r>
-              <a:rPr lang="en-US" sz="1200" dirty="0" smtClean="0">
+              <a:rPr lang="en-US" sz="1100" dirty="0" smtClean="0">
                 <a:latin typeface="Consolas"/>
               </a:rPr>
               <a:t>();</a:t>
@@ -13509,24 +13517,24 @@
           </a:p>
           <a:p>
             <a:r>
-              <a:rPr lang="en-US" sz="1200" dirty="0" smtClean="0">
+              <a:rPr lang="en-US" sz="1100" dirty="0" smtClean="0">
                 <a:latin typeface="Consolas"/>
               </a:rPr>
               <a:t/>
             </a:r>
             <a:br>
-              <a:rPr lang="en-US" sz="1200" dirty="0" smtClean="0">
+              <a:rPr lang="en-US" sz="1100" dirty="0" smtClean="0">
                 <a:latin typeface="Consolas"/>
               </a:rPr>
             </a:br>
             <a:r>
-              <a:rPr lang="en-US" sz="1200" dirty="0" smtClean="0">
+              <a:rPr lang="en-US" sz="1100" dirty="0" smtClean="0">
                 <a:latin typeface="Consolas"/>
               </a:rPr>
               <a:t>    </a:t>
             </a:r>
             <a:r>
-              <a:rPr lang="en-US" sz="1200" dirty="0" smtClean="0">
+              <a:rPr lang="en-US" sz="1100" dirty="0" smtClean="0">
                 <a:solidFill>
                   <a:srgbClr val="0000FF"/>
                 </a:solidFill>
@@ -13535,13 +13543,13 @@
               <a:t>public</a:t>
             </a:r>
             <a:r>
-              <a:rPr lang="en-US" sz="1200" dirty="0" smtClean="0">
+              <a:rPr lang="en-US" sz="1100" dirty="0" smtClean="0">
                 <a:latin typeface="Consolas"/>
               </a:rPr>
               <a:t> </a:t>
             </a:r>
             <a:r>
-              <a:rPr lang="en-US" sz="1200" dirty="0" smtClean="0">
+              <a:rPr lang="en-US" sz="1100" dirty="0" smtClean="0">
                 <a:solidFill>
                   <a:srgbClr val="0000FF"/>
                 </a:solidFill>
@@ -13550,13 +13558,13 @@
               <a:t>string</a:t>
             </a:r>
             <a:r>
-              <a:rPr lang="en-US" sz="1200" dirty="0" smtClean="0">
+              <a:rPr lang="en-US" sz="1100" dirty="0" smtClean="0">
                 <a:latin typeface="Consolas"/>
               </a:rPr>
               <a:t> </a:t>
             </a:r>
             <a:r>
-              <a:rPr lang="en-US" sz="1200" dirty="0" err="1" smtClean="0">
+              <a:rPr lang="en-US" sz="1100" dirty="0" err="1" smtClean="0">
                 <a:solidFill>
                   <a:srgbClr val="795E26"/>
                 </a:solidFill>
@@ -13565,7 +13573,7 @@
               <a:t>GetName</a:t>
             </a:r>
             <a:r>
-              <a:rPr lang="en-US" sz="1200" dirty="0" smtClean="0">
+              <a:rPr lang="en-US" sz="1100" dirty="0" smtClean="0">
                 <a:latin typeface="Consolas"/>
               </a:rPr>
               <a:t>()</a:t>
@@ -13573,7 +13581,7 @@
           </a:p>
           <a:p>
             <a:r>
-              <a:rPr lang="en-US" sz="1200" dirty="0" smtClean="0">
+              <a:rPr lang="en-US" sz="1100" dirty="0" smtClean="0">
                 <a:latin typeface="Consolas"/>
               </a:rPr>
               <a:t>    {</a:t>
@@ -13581,13 +13589,13 @@
           </a:p>
           <a:p>
             <a:r>
-              <a:rPr lang="en-US" sz="1200" dirty="0" smtClean="0">
+              <a:rPr lang="en-US" sz="1100" dirty="0" smtClean="0">
                 <a:latin typeface="Consolas"/>
               </a:rPr>
               <a:t>        </a:t>
             </a:r>
             <a:r>
-              <a:rPr lang="en-US" sz="1200" dirty="0" smtClean="0">
+              <a:rPr lang="en-US" sz="1100" dirty="0" smtClean="0">
                 <a:solidFill>
                   <a:srgbClr val="AF00DB"/>
                 </a:solidFill>
@@ -13596,13 +13604,13 @@
               <a:t>return</a:t>
             </a:r>
             <a:r>
-              <a:rPr lang="en-US" sz="1200" dirty="0" smtClean="0">
+              <a:rPr lang="en-US" sz="1100" dirty="0" smtClean="0">
                 <a:latin typeface="Consolas"/>
               </a:rPr>
               <a:t> </a:t>
             </a:r>
             <a:r>
-              <a:rPr lang="en-US" sz="1200" dirty="0" smtClean="0">
+              <a:rPr lang="en-US" sz="1100" dirty="0" smtClean="0">
                 <a:solidFill>
                   <a:srgbClr val="0000FF"/>
                 </a:solidFill>
@@ -13611,13 +13619,13 @@
               <a:t>this</a:t>
             </a:r>
             <a:r>
-              <a:rPr lang="en-US" sz="1200" dirty="0" smtClean="0">
+              <a:rPr lang="en-US" sz="1100" dirty="0" smtClean="0">
                 <a:latin typeface="Consolas"/>
               </a:rPr>
               <a:t>.</a:t>
             </a:r>
             <a:r>
-              <a:rPr lang="en-US" sz="1200" dirty="0" smtClean="0">
+              <a:rPr lang="en-US" sz="1100" dirty="0" smtClean="0">
                 <a:solidFill>
                   <a:srgbClr val="001080"/>
                 </a:solidFill>
@@ -13626,7 +13634,7 @@
               <a:t>name</a:t>
             </a:r>
             <a:r>
-              <a:rPr lang="en-US" sz="1200" dirty="0" smtClean="0">
+              <a:rPr lang="en-US" sz="1100" dirty="0" smtClean="0">
                 <a:latin typeface="Consolas"/>
               </a:rPr>
               <a:t>;</a:t>
@@ -13634,7 +13642,7 @@
           </a:p>
           <a:p>
             <a:r>
-              <a:rPr lang="en-US" sz="1200" dirty="0" smtClean="0">
+              <a:rPr lang="en-US" sz="1100" dirty="0" smtClean="0">
                 <a:latin typeface="Consolas"/>
               </a:rPr>
               <a:t>    }</a:t>
@@ -13642,24 +13650,24 @@
           </a:p>
           <a:p>
             <a:r>
-              <a:rPr lang="en-US" sz="1200" dirty="0" smtClean="0">
+              <a:rPr lang="en-US" sz="1100" dirty="0" smtClean="0">
                 <a:latin typeface="Consolas"/>
               </a:rPr>
               <a:t/>
             </a:r>
             <a:br>
-              <a:rPr lang="en-US" sz="1200" dirty="0" smtClean="0">
+              <a:rPr lang="en-US" sz="1100" dirty="0" smtClean="0">
                 <a:latin typeface="Consolas"/>
               </a:rPr>
             </a:br>
             <a:r>
-              <a:rPr lang="en-US" sz="1200" dirty="0" smtClean="0">
+              <a:rPr lang="en-US" sz="1100" dirty="0" smtClean="0">
                 <a:latin typeface="Consolas"/>
               </a:rPr>
               <a:t>    </a:t>
             </a:r>
             <a:r>
-              <a:rPr lang="en-US" sz="1200" dirty="0" smtClean="0">
+              <a:rPr lang="en-US" sz="1100" dirty="0" smtClean="0">
                 <a:solidFill>
                   <a:srgbClr val="0000FF"/>
                 </a:solidFill>
@@ -13668,13 +13676,13 @@
               <a:t>public</a:t>
             </a:r>
             <a:r>
-              <a:rPr lang="en-US" sz="1200" dirty="0" smtClean="0">
+              <a:rPr lang="en-US" sz="1100" dirty="0" smtClean="0">
                 <a:latin typeface="Consolas"/>
               </a:rPr>
               <a:t> </a:t>
             </a:r>
             <a:r>
-              <a:rPr lang="en-US" sz="1200" dirty="0" smtClean="0">
+              <a:rPr lang="en-US" sz="1100" dirty="0" smtClean="0">
                 <a:solidFill>
                   <a:srgbClr val="795E26"/>
                 </a:solidFill>
@@ -13683,13 +13691,13 @@
               <a:t>Human</a:t>
             </a:r>
             <a:r>
-              <a:rPr lang="en-US" sz="1200" dirty="0" smtClean="0">
+              <a:rPr lang="en-US" sz="1100" dirty="0" smtClean="0">
                 <a:latin typeface="Consolas"/>
               </a:rPr>
               <a:t>(</a:t>
             </a:r>
             <a:r>
-              <a:rPr lang="en-US" sz="1200" dirty="0" smtClean="0">
+              <a:rPr lang="en-US" sz="1100" dirty="0" smtClean="0">
                 <a:solidFill>
                   <a:srgbClr val="0000FF"/>
                 </a:solidFill>
@@ -13698,13 +13706,13 @@
               <a:t>string</a:t>
             </a:r>
             <a:r>
-              <a:rPr lang="en-US" sz="1200" dirty="0" smtClean="0">
+              <a:rPr lang="en-US" sz="1100" dirty="0" smtClean="0">
                 <a:latin typeface="Consolas"/>
               </a:rPr>
               <a:t> </a:t>
             </a:r>
             <a:r>
-              <a:rPr lang="en-US" sz="1200" dirty="0" smtClean="0">
+              <a:rPr lang="en-US" sz="1100" dirty="0" smtClean="0">
                 <a:solidFill>
                   <a:srgbClr val="001080"/>
                 </a:solidFill>
@@ -13713,7 +13721,7 @@
               <a:t>name</a:t>
             </a:r>
             <a:r>
-              <a:rPr lang="en-US" sz="1200" dirty="0" smtClean="0">
+              <a:rPr lang="en-US" sz="1100" dirty="0" smtClean="0">
                 <a:latin typeface="Consolas"/>
               </a:rPr>
               <a:t>)</a:t>
@@ -13721,7 +13729,7 @@
           </a:p>
           <a:p>
             <a:r>
-              <a:rPr lang="en-US" sz="1200" dirty="0" smtClean="0">
+              <a:rPr lang="en-US" sz="1100" dirty="0" smtClean="0">
                 <a:latin typeface="Consolas"/>
               </a:rPr>
               <a:t>    {</a:t>
@@ -13729,13 +13737,13 @@
           </a:p>
           <a:p>
             <a:r>
-              <a:rPr lang="en-US" sz="1200" dirty="0" smtClean="0">
+              <a:rPr lang="en-US" sz="1100" dirty="0" smtClean="0">
                 <a:latin typeface="Consolas"/>
               </a:rPr>
               <a:t>        </a:t>
             </a:r>
             <a:r>
-              <a:rPr lang="en-US" sz="1200" dirty="0" smtClean="0">
+              <a:rPr lang="en-US" sz="1100" dirty="0" smtClean="0">
                 <a:solidFill>
                   <a:srgbClr val="0000FF"/>
                 </a:solidFill>
@@ -13744,13 +13752,13 @@
               <a:t>this</a:t>
             </a:r>
             <a:r>
-              <a:rPr lang="en-US" sz="1200" dirty="0" smtClean="0">
+              <a:rPr lang="en-US" sz="1100" dirty="0" smtClean="0">
                 <a:latin typeface="Consolas"/>
               </a:rPr>
               <a:t>.</a:t>
             </a:r>
             <a:r>
-              <a:rPr lang="en-US" sz="1200" dirty="0" smtClean="0">
+              <a:rPr lang="en-US" sz="1100" dirty="0" smtClean="0">
                 <a:solidFill>
                   <a:srgbClr val="001080"/>
                 </a:solidFill>
@@ -13759,13 +13767,13 @@
               <a:t>name</a:t>
             </a:r>
             <a:r>
-              <a:rPr lang="en-US" sz="1200" dirty="0" smtClean="0">
+              <a:rPr lang="en-US" sz="1100" dirty="0" smtClean="0">
                 <a:latin typeface="Consolas"/>
               </a:rPr>
               <a:t> = </a:t>
             </a:r>
             <a:r>
-              <a:rPr lang="en-US" sz="1200" dirty="0" smtClean="0">
+              <a:rPr lang="en-US" sz="1100" dirty="0" smtClean="0">
                 <a:solidFill>
                   <a:srgbClr val="001080"/>
                 </a:solidFill>
@@ -13774,7 +13782,7 @@
               <a:t>name</a:t>
             </a:r>
             <a:r>
-              <a:rPr lang="en-US" sz="1200" dirty="0" smtClean="0">
+              <a:rPr lang="en-US" sz="1100" dirty="0" smtClean="0">
                 <a:latin typeface="Consolas"/>
               </a:rPr>
               <a:t>;</a:t>
@@ -13782,7 +13790,7 @@
           </a:p>
           <a:p>
             <a:r>
-              <a:rPr lang="en-US" sz="1200" dirty="0" smtClean="0">
+              <a:rPr lang="en-US" sz="1100" dirty="0" smtClean="0">
                 <a:latin typeface="Consolas"/>
               </a:rPr>
               <a:t>    }</a:t>
@@ -13790,12 +13798,12 @@
           </a:p>
           <a:p>
             <a:r>
-              <a:rPr lang="en-US" sz="1200" dirty="0" smtClean="0">
+              <a:rPr lang="en-US" sz="1100" dirty="0" smtClean="0">
                 <a:latin typeface="Consolas"/>
               </a:rPr>
               <a:t>}</a:t>
             </a:r>
-            <a:endParaRPr lang="en-US" sz="1200" dirty="0">
+            <a:endParaRPr lang="en-US" sz="1100" dirty="0">
               <a:latin typeface="Consolas"/>
             </a:endParaRPr>
           </a:p>
@@ -14035,7 +14043,7 @@
         <p:spPr>
           <a:xfrm>
             <a:off x="5226096" y="1166384"/>
-            <a:ext cx="3644964" cy="3600986"/>
+            <a:ext cx="3644964" cy="3308598"/>
           </a:xfrm>
           <a:prstGeom prst="rect">
             <a:avLst/>
@@ -14048,7 +14056,7 @@
           <a:lstStyle/>
           <a:p>
             <a:r>
-              <a:rPr lang="en-US" sz="1200" dirty="0">
+              <a:rPr lang="en-US" sz="1100" dirty="0">
                 <a:solidFill>
                   <a:srgbClr val="0000FF"/>
                 </a:solidFill>
@@ -14057,13 +14065,13 @@
               <a:t>public</a:t>
             </a:r>
             <a:r>
-              <a:rPr lang="en-US" sz="1200" dirty="0">
+              <a:rPr lang="en-US" sz="1100" dirty="0">
                 <a:latin typeface="Consolas" panose="020B0609020204030204" pitchFamily="49" charset="0"/>
               </a:rPr>
               <a:t> </a:t>
             </a:r>
             <a:r>
-              <a:rPr lang="en-US" sz="1200" b="1" dirty="0">
+              <a:rPr lang="en-US" sz="1100" b="1" dirty="0">
                 <a:solidFill>
                   <a:srgbClr val="FF0000"/>
                 </a:solidFill>
@@ -14072,13 +14080,13 @@
               <a:t>abstract</a:t>
             </a:r>
             <a:r>
-              <a:rPr lang="en-US" sz="1200" dirty="0">
+              <a:rPr lang="en-US" sz="1100" dirty="0">
                 <a:latin typeface="Consolas" panose="020B0609020204030204" pitchFamily="49" charset="0"/>
               </a:rPr>
               <a:t> </a:t>
             </a:r>
             <a:r>
-              <a:rPr lang="en-US" sz="1200" dirty="0">
+              <a:rPr lang="en-US" sz="1100" dirty="0">
                 <a:solidFill>
                   <a:srgbClr val="0000FF"/>
                 </a:solidFill>
@@ -14087,13 +14095,13 @@
               <a:t>class</a:t>
             </a:r>
             <a:r>
-              <a:rPr lang="en-US" sz="1200" dirty="0">
+              <a:rPr lang="en-US" sz="1100" dirty="0">
                 <a:latin typeface="Consolas" panose="020B0609020204030204" pitchFamily="49" charset="0"/>
               </a:rPr>
               <a:t> </a:t>
             </a:r>
             <a:r>
-              <a:rPr lang="en-US" sz="1200" dirty="0">
+              <a:rPr lang="en-US" sz="1100" dirty="0">
                 <a:solidFill>
                   <a:srgbClr val="267F99"/>
                 </a:solidFill>
@@ -14101,13 +14109,13 @@
               </a:rPr>
               <a:t>Animal</a:t>
             </a:r>
-            <a:endParaRPr lang="en-US" sz="1200" dirty="0">
+            <a:endParaRPr lang="en-US" sz="1100" dirty="0">
               <a:latin typeface="Consolas" panose="020B0609020204030204" pitchFamily="49" charset="0"/>
             </a:endParaRPr>
           </a:p>
           <a:p>
             <a:r>
-              <a:rPr lang="en-US" sz="1200" dirty="0">
+              <a:rPr lang="en-US" sz="1100" dirty="0">
                 <a:latin typeface="Consolas" panose="020B0609020204030204" pitchFamily="49" charset="0"/>
               </a:rPr>
               <a:t>{</a:t>
@@ -14115,13 +14123,13 @@
           </a:p>
           <a:p>
             <a:r>
-              <a:rPr lang="en-US" sz="1200" dirty="0">
+              <a:rPr lang="en-US" sz="1100" dirty="0">
                 <a:latin typeface="Consolas" panose="020B0609020204030204" pitchFamily="49" charset="0"/>
               </a:rPr>
               <a:t>    </a:t>
             </a:r>
             <a:r>
-              <a:rPr lang="en-US" sz="1200" dirty="0">
+              <a:rPr lang="en-US" sz="1100" dirty="0">
                 <a:solidFill>
                   <a:srgbClr val="0000FF"/>
                 </a:solidFill>
@@ -14130,13 +14138,13 @@
               <a:t>private</a:t>
             </a:r>
             <a:r>
-              <a:rPr lang="en-US" sz="1200" dirty="0">
+              <a:rPr lang="en-US" sz="1100" dirty="0">
                 <a:latin typeface="Consolas" panose="020B0609020204030204" pitchFamily="49" charset="0"/>
               </a:rPr>
               <a:t> </a:t>
             </a:r>
             <a:r>
-              <a:rPr lang="en-US" sz="1200" dirty="0">
+              <a:rPr lang="en-US" sz="1100" dirty="0">
                 <a:solidFill>
                   <a:srgbClr val="0000FF"/>
                 </a:solidFill>
@@ -14145,13 +14153,13 @@
               <a:t>string</a:t>
             </a:r>
             <a:r>
-              <a:rPr lang="en-US" sz="1200" dirty="0">
+              <a:rPr lang="en-US" sz="1100" dirty="0">
                 <a:latin typeface="Consolas" panose="020B0609020204030204" pitchFamily="49" charset="0"/>
               </a:rPr>
               <a:t> </a:t>
             </a:r>
             <a:r>
-              <a:rPr lang="en-US" sz="1200" dirty="0">
+              <a:rPr lang="en-US" sz="1100" dirty="0">
                 <a:solidFill>
                   <a:srgbClr val="001080"/>
                 </a:solidFill>
@@ -14160,7 +14168,7 @@
               <a:t>name</a:t>
             </a:r>
             <a:r>
-              <a:rPr lang="en-US" sz="1200" dirty="0">
+              <a:rPr lang="en-US" sz="1100" dirty="0">
                 <a:latin typeface="Consolas" panose="020B0609020204030204" pitchFamily="49" charset="0"/>
               </a:rPr>
               <a:t>;</a:t>
@@ -14168,24 +14176,24 @@
           </a:p>
           <a:p>
             <a:r>
-              <a:rPr lang="en-US" sz="1200" dirty="0">
+              <a:rPr lang="en-US" sz="1100" dirty="0">
                 <a:latin typeface="Consolas" panose="020B0609020204030204" pitchFamily="49" charset="0"/>
               </a:rPr>
               <a:t/>
             </a:r>
             <a:br>
-              <a:rPr lang="en-US" sz="1200" dirty="0">
+              <a:rPr lang="en-US" sz="1100" dirty="0">
                 <a:latin typeface="Consolas" panose="020B0609020204030204" pitchFamily="49" charset="0"/>
               </a:rPr>
             </a:br>
             <a:r>
-              <a:rPr lang="en-US" sz="1200" dirty="0">
+              <a:rPr lang="en-US" sz="1100" dirty="0">
                 <a:latin typeface="Consolas" panose="020B0609020204030204" pitchFamily="49" charset="0"/>
               </a:rPr>
               <a:t>    </a:t>
             </a:r>
             <a:r>
-              <a:rPr lang="en-US" sz="1200" dirty="0">
+              <a:rPr lang="en-US" sz="1100" dirty="0">
                 <a:solidFill>
                   <a:srgbClr val="0000FF"/>
                 </a:solidFill>
@@ -14194,13 +14202,13 @@
               <a:t>public</a:t>
             </a:r>
             <a:r>
-              <a:rPr lang="en-US" sz="1200" dirty="0">
+              <a:rPr lang="en-US" sz="1100" dirty="0">
                 <a:latin typeface="Consolas" panose="020B0609020204030204" pitchFamily="49" charset="0"/>
               </a:rPr>
               <a:t> </a:t>
             </a:r>
             <a:r>
-              <a:rPr lang="en-US" sz="1200" dirty="0">
+              <a:rPr lang="en-US" sz="1100" dirty="0">
                 <a:solidFill>
                   <a:srgbClr val="0000FF"/>
                 </a:solidFill>
@@ -14209,13 +14217,13 @@
               <a:t>string</a:t>
             </a:r>
             <a:r>
-              <a:rPr lang="en-US" sz="1200" dirty="0">
+              <a:rPr lang="en-US" sz="1100" dirty="0">
                 <a:latin typeface="Consolas" panose="020B0609020204030204" pitchFamily="49" charset="0"/>
               </a:rPr>
               <a:t> </a:t>
             </a:r>
             <a:r>
-              <a:rPr lang="en-US" sz="1200" dirty="0" err="1">
+              <a:rPr lang="en-US" sz="1100" dirty="0" err="1">
                 <a:solidFill>
                   <a:srgbClr val="795E26"/>
                 </a:solidFill>
@@ -14224,7 +14232,7 @@
               <a:t>GetName</a:t>
             </a:r>
             <a:r>
-              <a:rPr lang="en-US" sz="1200" dirty="0">
+              <a:rPr lang="en-US" sz="1100" dirty="0">
                 <a:latin typeface="Consolas" panose="020B0609020204030204" pitchFamily="49" charset="0"/>
               </a:rPr>
               <a:t>()</a:t>
@@ -14232,7 +14240,7 @@
           </a:p>
           <a:p>
             <a:r>
-              <a:rPr lang="en-US" sz="1200" dirty="0">
+              <a:rPr lang="en-US" sz="1100" dirty="0">
                 <a:latin typeface="Consolas" panose="020B0609020204030204" pitchFamily="49" charset="0"/>
               </a:rPr>
               <a:t>    {  </a:t>
@@ -14240,13 +14248,13 @@
           </a:p>
           <a:p>
             <a:r>
-              <a:rPr lang="en-US" sz="1200" dirty="0">
+              <a:rPr lang="en-US" sz="1100" dirty="0">
                 <a:latin typeface="Consolas" panose="020B0609020204030204" pitchFamily="49" charset="0"/>
               </a:rPr>
               <a:t>        </a:t>
             </a:r>
             <a:r>
-              <a:rPr lang="en-US" sz="1200" dirty="0">
+              <a:rPr lang="en-US" sz="1100" dirty="0">
                 <a:solidFill>
                   <a:srgbClr val="AF00DB"/>
                 </a:solidFill>
@@ -14255,13 +14263,13 @@
               <a:t>return</a:t>
             </a:r>
             <a:r>
-              <a:rPr lang="en-US" sz="1200" dirty="0">
+              <a:rPr lang="en-US" sz="1100" dirty="0">
                 <a:latin typeface="Consolas" panose="020B0609020204030204" pitchFamily="49" charset="0"/>
               </a:rPr>
               <a:t> </a:t>
             </a:r>
             <a:r>
-              <a:rPr lang="en-US" sz="1200" dirty="0">
+              <a:rPr lang="en-US" sz="1100" dirty="0">
                 <a:solidFill>
                   <a:srgbClr val="0000FF"/>
                 </a:solidFill>
@@ -14270,13 +14278,13 @@
               <a:t>this</a:t>
             </a:r>
             <a:r>
-              <a:rPr lang="en-US" sz="1200" dirty="0">
+              <a:rPr lang="en-US" sz="1100" dirty="0">
                 <a:latin typeface="Consolas" panose="020B0609020204030204" pitchFamily="49" charset="0"/>
               </a:rPr>
               <a:t>.</a:t>
             </a:r>
             <a:r>
-              <a:rPr lang="en-US" sz="1200" dirty="0">
+              <a:rPr lang="en-US" sz="1100" dirty="0">
                 <a:solidFill>
                   <a:srgbClr val="001080"/>
                 </a:solidFill>
@@ -14285,7 +14293,7 @@
               <a:t>name</a:t>
             </a:r>
             <a:r>
-              <a:rPr lang="en-US" sz="1200" dirty="0">
+              <a:rPr lang="en-US" sz="1100" dirty="0">
                 <a:latin typeface="Consolas" panose="020B0609020204030204" pitchFamily="49" charset="0"/>
               </a:rPr>
               <a:t>;  </a:t>
@@ -14293,7 +14301,7 @@
           </a:p>
           <a:p>
             <a:r>
-              <a:rPr lang="en-US" sz="1200" dirty="0">
+              <a:rPr lang="en-US" sz="1100" dirty="0">
                 <a:latin typeface="Consolas" panose="020B0609020204030204" pitchFamily="49" charset="0"/>
               </a:rPr>
               <a:t>    }    </a:t>
@@ -14301,24 +14309,24 @@
           </a:p>
           <a:p>
             <a:r>
-              <a:rPr lang="en-US" sz="1200" dirty="0">
+              <a:rPr lang="en-US" sz="1100" dirty="0">
                 <a:latin typeface="Consolas" panose="020B0609020204030204" pitchFamily="49" charset="0"/>
               </a:rPr>
               <a:t/>
             </a:r>
             <a:br>
-              <a:rPr lang="en-US" sz="1200" dirty="0">
+              <a:rPr lang="en-US" sz="1100" dirty="0">
                 <a:latin typeface="Consolas" panose="020B0609020204030204" pitchFamily="49" charset="0"/>
               </a:rPr>
             </a:br>
             <a:r>
-              <a:rPr lang="en-US" sz="1200" dirty="0">
+              <a:rPr lang="en-US" sz="1100" dirty="0">
                 <a:latin typeface="Consolas" panose="020B0609020204030204" pitchFamily="49" charset="0"/>
               </a:rPr>
               <a:t>    </a:t>
             </a:r>
             <a:r>
-              <a:rPr lang="en-US" sz="1200" dirty="0">
+              <a:rPr lang="en-US" sz="1100" dirty="0">
                 <a:solidFill>
                   <a:srgbClr val="0000FF"/>
                 </a:solidFill>
@@ -14327,13 +14335,13 @@
               <a:t>public</a:t>
             </a:r>
             <a:r>
-              <a:rPr lang="en-US" sz="1200" dirty="0">
+              <a:rPr lang="en-US" sz="1100" dirty="0">
                 <a:latin typeface="Consolas" panose="020B0609020204030204" pitchFamily="49" charset="0"/>
               </a:rPr>
               <a:t> </a:t>
             </a:r>
             <a:r>
-              <a:rPr lang="en-US" sz="1200" b="1" dirty="0">
+              <a:rPr lang="en-US" sz="1100" b="1" dirty="0">
                 <a:solidFill>
                   <a:srgbClr val="FF0000"/>
                 </a:solidFill>
@@ -14342,13 +14350,13 @@
               <a:t>abstract</a:t>
             </a:r>
             <a:r>
-              <a:rPr lang="en-US" sz="1200" dirty="0">
+              <a:rPr lang="en-US" sz="1100" dirty="0">
                 <a:latin typeface="Consolas" panose="020B0609020204030204" pitchFamily="49" charset="0"/>
               </a:rPr>
               <a:t> </a:t>
             </a:r>
             <a:r>
-              <a:rPr lang="en-US" sz="1200" dirty="0">
+              <a:rPr lang="en-US" sz="1100" dirty="0">
                 <a:solidFill>
                   <a:srgbClr val="0000FF"/>
                 </a:solidFill>
@@ -14357,13 +14365,13 @@
               <a:t>void</a:t>
             </a:r>
             <a:r>
-              <a:rPr lang="en-US" sz="1200" dirty="0">
+              <a:rPr lang="en-US" sz="1100" dirty="0">
                 <a:latin typeface="Consolas" panose="020B0609020204030204" pitchFamily="49" charset="0"/>
               </a:rPr>
               <a:t> </a:t>
             </a:r>
             <a:r>
-              <a:rPr lang="en-US" sz="1200" dirty="0" err="1">
+              <a:rPr lang="en-US" sz="1100" dirty="0" err="1">
                 <a:solidFill>
                   <a:srgbClr val="795E26"/>
                 </a:solidFill>
@@ -14372,7 +14380,7 @@
               <a:t>MakeSound</a:t>
             </a:r>
             <a:r>
-              <a:rPr lang="en-US" sz="1200" dirty="0">
+              <a:rPr lang="en-US" sz="1100" dirty="0">
                 <a:latin typeface="Consolas" panose="020B0609020204030204" pitchFamily="49" charset="0"/>
               </a:rPr>
               <a:t>();</a:t>
@@ -14380,7 +14388,7 @@
           </a:p>
           <a:p>
             <a:r>
-              <a:rPr lang="en-US" sz="1200" dirty="0">
+              <a:rPr lang="en-US" sz="1100" dirty="0">
                 <a:latin typeface="Consolas" panose="020B0609020204030204" pitchFamily="49" charset="0"/>
               </a:rPr>
               <a:t>}</a:t>
@@ -14388,18 +14396,18 @@
           </a:p>
           <a:p>
             <a:r>
-              <a:rPr lang="en-US" sz="1200" dirty="0">
+              <a:rPr lang="en-US" sz="1100" dirty="0">
                 <a:latin typeface="Consolas" panose="020B0609020204030204" pitchFamily="49" charset="0"/>
               </a:rPr>
               <a:t/>
             </a:r>
             <a:br>
-              <a:rPr lang="en-US" sz="1200" dirty="0">
+              <a:rPr lang="en-US" sz="1100" dirty="0">
                 <a:latin typeface="Consolas" panose="020B0609020204030204" pitchFamily="49" charset="0"/>
               </a:rPr>
             </a:br>
             <a:r>
-              <a:rPr lang="en-US" sz="1200" dirty="0">
+              <a:rPr lang="en-US" sz="1100" dirty="0">
                 <a:solidFill>
                   <a:srgbClr val="0000FF"/>
                 </a:solidFill>
@@ -14408,13 +14416,13 @@
               <a:t>class</a:t>
             </a:r>
             <a:r>
-              <a:rPr lang="en-US" sz="1200" dirty="0">
+              <a:rPr lang="en-US" sz="1100" dirty="0">
                 <a:latin typeface="Consolas" panose="020B0609020204030204" pitchFamily="49" charset="0"/>
               </a:rPr>
               <a:t> </a:t>
             </a:r>
             <a:r>
-              <a:rPr lang="en-US" sz="1200" dirty="0">
+              <a:rPr lang="en-US" sz="1100" dirty="0">
                 <a:solidFill>
                   <a:srgbClr val="267F99"/>
                 </a:solidFill>
@@ -14423,13 +14431,13 @@
               <a:t>Dog</a:t>
             </a:r>
             <a:r>
-              <a:rPr lang="en-US" sz="1200" dirty="0">
+              <a:rPr lang="en-US" sz="1100" dirty="0">
                 <a:latin typeface="Consolas" panose="020B0609020204030204" pitchFamily="49" charset="0"/>
               </a:rPr>
               <a:t> : </a:t>
             </a:r>
             <a:r>
-              <a:rPr lang="en-US" sz="1200" dirty="0">
+              <a:rPr lang="en-US" sz="1100" dirty="0">
                 <a:solidFill>
                   <a:srgbClr val="267F99"/>
                 </a:solidFill>
@@ -14437,13 +14445,13 @@
               </a:rPr>
               <a:t>Animal</a:t>
             </a:r>
-            <a:endParaRPr lang="en-US" sz="1200" dirty="0">
+            <a:endParaRPr lang="en-US" sz="1100" dirty="0">
               <a:latin typeface="Consolas" panose="020B0609020204030204" pitchFamily="49" charset="0"/>
             </a:endParaRPr>
           </a:p>
           <a:p>
             <a:r>
-              <a:rPr lang="en-US" sz="1200" dirty="0">
+              <a:rPr lang="en-US" sz="1100" dirty="0">
                 <a:latin typeface="Consolas" panose="020B0609020204030204" pitchFamily="49" charset="0"/>
               </a:rPr>
               <a:t>{</a:t>
@@ -14451,13 +14459,13 @@
           </a:p>
           <a:p>
             <a:r>
-              <a:rPr lang="en-US" sz="1200" dirty="0">
+              <a:rPr lang="en-US" sz="1100" dirty="0">
                 <a:latin typeface="Consolas" panose="020B0609020204030204" pitchFamily="49" charset="0"/>
               </a:rPr>
               <a:t>    </a:t>
             </a:r>
             <a:r>
-              <a:rPr lang="en-US" sz="1200" dirty="0">
+              <a:rPr lang="en-US" sz="1100" dirty="0">
                 <a:solidFill>
                   <a:srgbClr val="0000FF"/>
                 </a:solidFill>
@@ -14466,13 +14474,13 @@
               <a:t>public</a:t>
             </a:r>
             <a:r>
-              <a:rPr lang="en-US" sz="1200" dirty="0">
+              <a:rPr lang="en-US" sz="1100" dirty="0">
                 <a:latin typeface="Consolas" panose="020B0609020204030204" pitchFamily="49" charset="0"/>
               </a:rPr>
               <a:t> </a:t>
             </a:r>
             <a:r>
-              <a:rPr lang="en-US" sz="1200" dirty="0">
+              <a:rPr lang="en-US" sz="1100" dirty="0">
                 <a:solidFill>
                   <a:srgbClr val="0000FF"/>
                 </a:solidFill>
@@ -14481,13 +14489,13 @@
               <a:t>override</a:t>
             </a:r>
             <a:r>
-              <a:rPr lang="en-US" sz="1200" dirty="0">
+              <a:rPr lang="en-US" sz="1100" dirty="0">
                 <a:latin typeface="Consolas" panose="020B0609020204030204" pitchFamily="49" charset="0"/>
               </a:rPr>
               <a:t> </a:t>
             </a:r>
             <a:r>
-              <a:rPr lang="en-US" sz="1200" dirty="0">
+              <a:rPr lang="en-US" sz="1100" dirty="0">
                 <a:solidFill>
                   <a:srgbClr val="0000FF"/>
                 </a:solidFill>
@@ -14496,13 +14504,13 @@
               <a:t>void</a:t>
             </a:r>
             <a:r>
-              <a:rPr lang="en-US" sz="1200" dirty="0">
+              <a:rPr lang="en-US" sz="1100" dirty="0">
                 <a:latin typeface="Consolas" panose="020B0609020204030204" pitchFamily="49" charset="0"/>
               </a:rPr>
               <a:t> </a:t>
             </a:r>
             <a:r>
-              <a:rPr lang="en-US" sz="1200" dirty="0" err="1">
+              <a:rPr lang="en-US" sz="1100" dirty="0" err="1">
                 <a:solidFill>
                   <a:srgbClr val="795E26"/>
                 </a:solidFill>
@@ -14511,7 +14519,7 @@
               <a:t>MakeSound</a:t>
             </a:r>
             <a:r>
-              <a:rPr lang="en-US" sz="1200" dirty="0">
+              <a:rPr lang="en-US" sz="1100" dirty="0">
                 <a:latin typeface="Consolas" panose="020B0609020204030204" pitchFamily="49" charset="0"/>
               </a:rPr>
               <a:t>()</a:t>
@@ -14519,7 +14527,7 @@
           </a:p>
           <a:p>
             <a:r>
-              <a:rPr lang="en-US" sz="1200" dirty="0">
+              <a:rPr lang="en-US" sz="1100" dirty="0">
                 <a:latin typeface="Consolas" panose="020B0609020204030204" pitchFamily="49" charset="0"/>
               </a:rPr>
               <a:t>    { </a:t>
@@ -14527,13 +14535,13 @@
           </a:p>
           <a:p>
             <a:r>
-              <a:rPr lang="en-US" sz="1200" dirty="0">
+              <a:rPr lang="en-US" sz="1100" dirty="0">
                 <a:latin typeface="Consolas" panose="020B0609020204030204" pitchFamily="49" charset="0"/>
               </a:rPr>
               <a:t>       </a:t>
             </a:r>
             <a:r>
-              <a:rPr lang="en-US" sz="1200" dirty="0" err="1">
+              <a:rPr lang="en-US" sz="1100" dirty="0" err="1">
                 <a:solidFill>
                   <a:srgbClr val="001080"/>
                 </a:solidFill>
@@ -14542,13 +14550,13 @@
               <a:t>Console</a:t>
             </a:r>
             <a:r>
-              <a:rPr lang="en-US" sz="1200" dirty="0" err="1">
+              <a:rPr lang="en-US" sz="1100" dirty="0" err="1">
                 <a:latin typeface="Consolas" panose="020B0609020204030204" pitchFamily="49" charset="0"/>
               </a:rPr>
               <a:t>.</a:t>
             </a:r>
             <a:r>
-              <a:rPr lang="en-US" sz="1200" dirty="0" err="1">
+              <a:rPr lang="en-US" sz="1100" dirty="0" err="1">
                 <a:solidFill>
                   <a:srgbClr val="795E26"/>
                 </a:solidFill>
@@ -14557,13 +14565,13 @@
               <a:t>WriteLine</a:t>
             </a:r>
             <a:r>
-              <a:rPr lang="en-US" sz="1200" dirty="0">
+              <a:rPr lang="en-US" sz="1100" dirty="0">
                 <a:latin typeface="Consolas" panose="020B0609020204030204" pitchFamily="49" charset="0"/>
               </a:rPr>
               <a:t>(</a:t>
             </a:r>
             <a:r>
-              <a:rPr lang="en-US" sz="1200" dirty="0">
+              <a:rPr lang="en-US" sz="1100" dirty="0">
                 <a:solidFill>
                   <a:srgbClr val="A31515"/>
                 </a:solidFill>
@@ -14572,7 +14580,7 @@
               <a:t>"Dog barks"</a:t>
             </a:r>
             <a:r>
-              <a:rPr lang="en-US" sz="1200" dirty="0">
+              <a:rPr lang="en-US" sz="1100" dirty="0">
                 <a:latin typeface="Consolas" panose="020B0609020204030204" pitchFamily="49" charset="0"/>
               </a:rPr>
               <a:t>); </a:t>
@@ -14580,7 +14588,7 @@
           </a:p>
           <a:p>
             <a:r>
-              <a:rPr lang="en-US" sz="1200" dirty="0">
+              <a:rPr lang="en-US" sz="1100" dirty="0">
                 <a:latin typeface="Consolas" panose="020B0609020204030204" pitchFamily="49" charset="0"/>
               </a:rPr>
               <a:t>    }</a:t>
@@ -14588,7 +14596,7 @@
           </a:p>
           <a:p>
             <a:r>
-              <a:rPr lang="en-US" sz="1200" dirty="0">
+              <a:rPr lang="en-US" sz="1100" dirty="0">
                 <a:latin typeface="Consolas" panose="020B0609020204030204" pitchFamily="49" charset="0"/>
               </a:rPr>
               <a:t>}</a:t>
@@ -14873,7 +14881,7 @@
         <p:spPr>
           <a:xfrm>
             <a:off x="4511337" y="1177787"/>
-            <a:ext cx="4632663" cy="2862322"/>
+            <a:ext cx="4632663" cy="2631490"/>
           </a:xfrm>
           <a:prstGeom prst="rect">
             <a:avLst/>
@@ -14886,7 +14894,7 @@
           <a:lstStyle/>
           <a:p>
             <a:r>
-              <a:rPr lang="en-US" sz="1200" dirty="0">
+              <a:rPr lang="en-US" sz="1100" dirty="0">
                 <a:solidFill>
                   <a:srgbClr val="0000FF"/>
                 </a:solidFill>
@@ -14895,13 +14903,13 @@
               <a:t>class</a:t>
             </a:r>
             <a:r>
-              <a:rPr lang="en-US" sz="1200" dirty="0">
+              <a:rPr lang="en-US" sz="1100" dirty="0">
                 <a:latin typeface="Consolas" panose="020B0609020204030204" pitchFamily="49" charset="0"/>
               </a:rPr>
               <a:t> </a:t>
             </a:r>
             <a:r>
-              <a:rPr lang="en-US" sz="1200" dirty="0">
+              <a:rPr lang="en-US" sz="1100" dirty="0">
                 <a:solidFill>
                   <a:srgbClr val="267F99"/>
                 </a:solidFill>
@@ -14909,13 +14917,13 @@
               </a:rPr>
               <a:t>Animal</a:t>
             </a:r>
-            <a:endParaRPr lang="en-US" sz="1200" dirty="0">
+            <a:endParaRPr lang="en-US" sz="1100" dirty="0">
               <a:latin typeface="Consolas" panose="020B0609020204030204" pitchFamily="49" charset="0"/>
             </a:endParaRPr>
           </a:p>
           <a:p>
             <a:r>
-              <a:rPr lang="en-US" sz="1200" dirty="0">
+              <a:rPr lang="en-US" sz="1100" dirty="0">
                 <a:latin typeface="Consolas" panose="020B0609020204030204" pitchFamily="49" charset="0"/>
               </a:rPr>
               <a:t>{</a:t>
@@ -14923,13 +14931,13 @@
           </a:p>
           <a:p>
             <a:r>
-              <a:rPr lang="en-US" sz="1200" dirty="0">
+              <a:rPr lang="en-US" sz="1100" dirty="0">
                 <a:latin typeface="Consolas" panose="020B0609020204030204" pitchFamily="49" charset="0"/>
               </a:rPr>
               <a:t>    </a:t>
             </a:r>
             <a:r>
-              <a:rPr lang="en-US" sz="1200" dirty="0">
+              <a:rPr lang="en-US" sz="1100" dirty="0">
                 <a:solidFill>
                   <a:srgbClr val="0000FF"/>
                 </a:solidFill>
@@ -14938,13 +14946,13 @@
               <a:t>public</a:t>
             </a:r>
             <a:r>
-              <a:rPr lang="en-US" sz="1200" dirty="0">
+              <a:rPr lang="en-US" sz="1100" dirty="0">
                 <a:latin typeface="Consolas" panose="020B0609020204030204" pitchFamily="49" charset="0"/>
               </a:rPr>
               <a:t> </a:t>
             </a:r>
             <a:r>
-              <a:rPr lang="en-US" sz="1200" dirty="0" smtClean="0">
+              <a:rPr lang="en-US" sz="1100" dirty="0" smtClean="0">
                 <a:solidFill>
                   <a:srgbClr val="0000FF"/>
                 </a:solidFill>
@@ -14953,13 +14961,13 @@
               <a:t>virtual</a:t>
             </a:r>
             <a:r>
-              <a:rPr lang="en-US" sz="1200" dirty="0" smtClean="0">
+              <a:rPr lang="en-US" sz="1100" dirty="0" smtClean="0">
                 <a:latin typeface="Consolas" panose="020B0609020204030204" pitchFamily="49" charset="0"/>
               </a:rPr>
               <a:t> </a:t>
             </a:r>
             <a:r>
-              <a:rPr lang="en-US" sz="1200" dirty="0">
+              <a:rPr lang="en-US" sz="1100" dirty="0">
                 <a:solidFill>
                   <a:srgbClr val="0000FF"/>
                 </a:solidFill>
@@ -14968,13 +14976,13 @@
               <a:t>void</a:t>
             </a:r>
             <a:r>
-              <a:rPr lang="en-US" sz="1200" dirty="0">
+              <a:rPr lang="en-US" sz="1100" dirty="0">
                 <a:latin typeface="Consolas" panose="020B0609020204030204" pitchFamily="49" charset="0"/>
               </a:rPr>
               <a:t> </a:t>
             </a:r>
             <a:r>
-              <a:rPr lang="en-US" sz="1200" dirty="0">
+              <a:rPr lang="en-US" sz="1100" dirty="0">
                 <a:solidFill>
                   <a:srgbClr val="795E26"/>
                 </a:solidFill>
@@ -14983,7 +14991,7 @@
               <a:t>Speak</a:t>
             </a:r>
             <a:r>
-              <a:rPr lang="en-US" sz="1200" dirty="0">
+              <a:rPr lang="en-US" sz="1100" dirty="0">
                 <a:latin typeface="Consolas" panose="020B0609020204030204" pitchFamily="49" charset="0"/>
               </a:rPr>
               <a:t>()</a:t>
@@ -14991,7 +14999,7 @@
           </a:p>
           <a:p>
             <a:r>
-              <a:rPr lang="en-US" sz="1200" dirty="0">
+              <a:rPr lang="en-US" sz="1100" dirty="0">
                 <a:latin typeface="Consolas" panose="020B0609020204030204" pitchFamily="49" charset="0"/>
               </a:rPr>
               <a:t>    {  </a:t>
@@ -14999,13 +15007,13 @@
           </a:p>
           <a:p>
             <a:r>
-              <a:rPr lang="en-US" sz="1200" dirty="0">
+              <a:rPr lang="en-US" sz="1100" dirty="0">
                 <a:latin typeface="Consolas" panose="020B0609020204030204" pitchFamily="49" charset="0"/>
               </a:rPr>
               <a:t>        </a:t>
             </a:r>
             <a:r>
-              <a:rPr lang="en-US" sz="1200" dirty="0" err="1">
+              <a:rPr lang="en-US" sz="1100" dirty="0" err="1">
                 <a:solidFill>
                   <a:srgbClr val="001080"/>
                 </a:solidFill>
@@ -15014,13 +15022,13 @@
               <a:t>Console</a:t>
             </a:r>
             <a:r>
-              <a:rPr lang="en-US" sz="1200" dirty="0" err="1">
+              <a:rPr lang="en-US" sz="1100" dirty="0" err="1">
                 <a:latin typeface="Consolas" panose="020B0609020204030204" pitchFamily="49" charset="0"/>
               </a:rPr>
               <a:t>.</a:t>
             </a:r>
             <a:r>
-              <a:rPr lang="en-US" sz="1200" dirty="0" err="1">
+              <a:rPr lang="en-US" sz="1100" dirty="0" err="1">
                 <a:solidFill>
                   <a:srgbClr val="795E26"/>
                 </a:solidFill>
@@ -15029,13 +15037,13 @@
               <a:t>WriteLine</a:t>
             </a:r>
             <a:r>
-              <a:rPr lang="en-US" sz="1200" dirty="0">
+              <a:rPr lang="en-US" sz="1100" dirty="0">
                 <a:latin typeface="Consolas" panose="020B0609020204030204" pitchFamily="49" charset="0"/>
               </a:rPr>
               <a:t>(</a:t>
             </a:r>
             <a:r>
-              <a:rPr lang="en-US" sz="1200" dirty="0">
+              <a:rPr lang="en-US" sz="1100" dirty="0">
                 <a:solidFill>
                   <a:srgbClr val="A31515"/>
                 </a:solidFill>
@@ -15044,7 +15052,7 @@
               <a:t>"Animal makes a sound"</a:t>
             </a:r>
             <a:r>
-              <a:rPr lang="en-US" sz="1200" dirty="0">
+              <a:rPr lang="en-US" sz="1100" dirty="0">
                 <a:latin typeface="Consolas" panose="020B0609020204030204" pitchFamily="49" charset="0"/>
               </a:rPr>
               <a:t>);  </a:t>
@@ -15052,7 +15060,7 @@
           </a:p>
           <a:p>
             <a:r>
-              <a:rPr lang="en-US" sz="1200" dirty="0">
+              <a:rPr lang="en-US" sz="1100" dirty="0">
                 <a:latin typeface="Consolas" panose="020B0609020204030204" pitchFamily="49" charset="0"/>
               </a:rPr>
               <a:t>    }</a:t>
@@ -15060,7 +15068,7 @@
           </a:p>
           <a:p>
             <a:r>
-              <a:rPr lang="en-US" sz="1200" dirty="0">
+              <a:rPr lang="en-US" sz="1100" dirty="0">
                 <a:latin typeface="Consolas" panose="020B0609020204030204" pitchFamily="49" charset="0"/>
               </a:rPr>
               <a:t>}</a:t>
@@ -15068,18 +15076,18 @@
           </a:p>
           <a:p>
             <a:r>
-              <a:rPr lang="en-US" sz="1200" dirty="0">
+              <a:rPr lang="en-US" sz="1100" dirty="0">
                 <a:latin typeface="Consolas" panose="020B0609020204030204" pitchFamily="49" charset="0"/>
               </a:rPr>
               <a:t/>
             </a:r>
             <a:br>
-              <a:rPr lang="en-US" sz="1200" dirty="0">
+              <a:rPr lang="en-US" sz="1100" dirty="0">
                 <a:latin typeface="Consolas" panose="020B0609020204030204" pitchFamily="49" charset="0"/>
               </a:rPr>
             </a:br>
             <a:r>
-              <a:rPr lang="en-US" sz="1200" dirty="0">
+              <a:rPr lang="en-US" sz="1100" dirty="0">
                 <a:solidFill>
                   <a:srgbClr val="0000FF"/>
                 </a:solidFill>
@@ -15088,13 +15096,13 @@
               <a:t>class</a:t>
             </a:r>
             <a:r>
-              <a:rPr lang="en-US" sz="1200" dirty="0">
+              <a:rPr lang="en-US" sz="1100" dirty="0">
                 <a:latin typeface="Consolas" panose="020B0609020204030204" pitchFamily="49" charset="0"/>
               </a:rPr>
               <a:t> </a:t>
             </a:r>
             <a:r>
-              <a:rPr lang="en-US" sz="1200" dirty="0">
+              <a:rPr lang="en-US" sz="1100" dirty="0">
                 <a:solidFill>
                   <a:srgbClr val="267F99"/>
                 </a:solidFill>
@@ -15103,13 +15111,13 @@
               <a:t>Dog</a:t>
             </a:r>
             <a:r>
-              <a:rPr lang="en-US" sz="1200" dirty="0">
+              <a:rPr lang="en-US" sz="1100" dirty="0">
                 <a:latin typeface="Consolas" panose="020B0609020204030204" pitchFamily="49" charset="0"/>
               </a:rPr>
               <a:t> : </a:t>
             </a:r>
             <a:r>
-              <a:rPr lang="en-US" sz="1200" dirty="0">
+              <a:rPr lang="en-US" sz="1100" dirty="0">
                 <a:solidFill>
                   <a:srgbClr val="267F99"/>
                 </a:solidFill>
@@ -15117,13 +15125,13 @@
               </a:rPr>
               <a:t>Animal</a:t>
             </a:r>
-            <a:endParaRPr lang="en-US" sz="1200" dirty="0">
+            <a:endParaRPr lang="en-US" sz="1100" dirty="0">
               <a:latin typeface="Consolas" panose="020B0609020204030204" pitchFamily="49" charset="0"/>
             </a:endParaRPr>
           </a:p>
           <a:p>
             <a:r>
-              <a:rPr lang="en-US" sz="1200" dirty="0">
+              <a:rPr lang="en-US" sz="1100" dirty="0">
                 <a:latin typeface="Consolas" panose="020B0609020204030204" pitchFamily="49" charset="0"/>
               </a:rPr>
               <a:t>{</a:t>
@@ -15131,13 +15139,13 @@
           </a:p>
           <a:p>
             <a:r>
-              <a:rPr lang="en-US" sz="1200" dirty="0">
+              <a:rPr lang="en-US" sz="1100" dirty="0">
                 <a:latin typeface="Consolas" panose="020B0609020204030204" pitchFamily="49" charset="0"/>
               </a:rPr>
               <a:t>    </a:t>
             </a:r>
             <a:r>
-              <a:rPr lang="en-US" sz="1200" dirty="0">
+              <a:rPr lang="en-US" sz="1100" dirty="0">
                 <a:solidFill>
                   <a:srgbClr val="0000FF"/>
                 </a:solidFill>
@@ -15146,13 +15154,13 @@
               <a:t>public</a:t>
             </a:r>
             <a:r>
-              <a:rPr lang="en-US" sz="1200" dirty="0">
+              <a:rPr lang="en-US" sz="1100" dirty="0">
                 <a:latin typeface="Consolas" panose="020B0609020204030204" pitchFamily="49" charset="0"/>
               </a:rPr>
               <a:t> </a:t>
             </a:r>
             <a:r>
-              <a:rPr lang="en-US" sz="1200" b="1" dirty="0">
+              <a:rPr lang="en-US" sz="1100" b="1" dirty="0">
                 <a:solidFill>
                   <a:srgbClr val="FF0000"/>
                 </a:solidFill>
@@ -15161,13 +15169,13 @@
               <a:t>override</a:t>
             </a:r>
             <a:r>
-              <a:rPr lang="en-US" sz="1200" dirty="0">
+              <a:rPr lang="en-US" sz="1100" dirty="0">
                 <a:latin typeface="Consolas" panose="020B0609020204030204" pitchFamily="49" charset="0"/>
               </a:rPr>
               <a:t> </a:t>
             </a:r>
             <a:r>
-              <a:rPr lang="en-US" sz="1200" dirty="0">
+              <a:rPr lang="en-US" sz="1100" dirty="0">
                 <a:solidFill>
                   <a:srgbClr val="0000FF"/>
                 </a:solidFill>
@@ -15176,13 +15184,13 @@
               <a:t>void</a:t>
             </a:r>
             <a:r>
-              <a:rPr lang="en-US" sz="1200" dirty="0">
+              <a:rPr lang="en-US" sz="1100" dirty="0">
                 <a:latin typeface="Consolas" panose="020B0609020204030204" pitchFamily="49" charset="0"/>
               </a:rPr>
               <a:t> </a:t>
             </a:r>
             <a:r>
-              <a:rPr lang="en-US" sz="1200" dirty="0">
+              <a:rPr lang="en-US" sz="1100" dirty="0">
                 <a:solidFill>
                   <a:srgbClr val="795E26"/>
                 </a:solidFill>
@@ -15191,7 +15199,7 @@
               <a:t>Speak</a:t>
             </a:r>
             <a:r>
-              <a:rPr lang="en-US" sz="1200" dirty="0">
+              <a:rPr lang="en-US" sz="1100" dirty="0">
                 <a:latin typeface="Consolas" panose="020B0609020204030204" pitchFamily="49" charset="0"/>
               </a:rPr>
               <a:t>()</a:t>
@@ -15199,7 +15207,7 @@
           </a:p>
           <a:p>
             <a:r>
-              <a:rPr lang="en-US" sz="1200" dirty="0">
+              <a:rPr lang="en-US" sz="1100" dirty="0">
                 <a:latin typeface="Consolas" panose="020B0609020204030204" pitchFamily="49" charset="0"/>
               </a:rPr>
               <a:t>    {  </a:t>
@@ -15207,13 +15215,13 @@
           </a:p>
           <a:p>
             <a:r>
-              <a:rPr lang="en-US" sz="1200" dirty="0">
+              <a:rPr lang="en-US" sz="1100" dirty="0">
                 <a:latin typeface="Consolas" panose="020B0609020204030204" pitchFamily="49" charset="0"/>
               </a:rPr>
               <a:t>        </a:t>
             </a:r>
             <a:r>
-              <a:rPr lang="en-US" sz="1200" dirty="0" err="1">
+              <a:rPr lang="en-US" sz="1100" dirty="0" err="1">
                 <a:solidFill>
                   <a:srgbClr val="001080"/>
                 </a:solidFill>
@@ -15222,13 +15230,13 @@
               <a:t>Console</a:t>
             </a:r>
             <a:r>
-              <a:rPr lang="en-US" sz="1200" dirty="0" err="1">
+              <a:rPr lang="en-US" sz="1100" dirty="0" err="1">
                 <a:latin typeface="Consolas" panose="020B0609020204030204" pitchFamily="49" charset="0"/>
               </a:rPr>
               <a:t>.</a:t>
             </a:r>
             <a:r>
-              <a:rPr lang="en-US" sz="1200" dirty="0" err="1">
+              <a:rPr lang="en-US" sz="1100" dirty="0" err="1">
                 <a:solidFill>
                   <a:srgbClr val="795E26"/>
                 </a:solidFill>
@@ -15237,13 +15245,13 @@
               <a:t>WriteLine</a:t>
             </a:r>
             <a:r>
-              <a:rPr lang="en-US" sz="1200" dirty="0">
+              <a:rPr lang="en-US" sz="1100" dirty="0">
                 <a:latin typeface="Consolas" panose="020B0609020204030204" pitchFamily="49" charset="0"/>
               </a:rPr>
               <a:t>(</a:t>
             </a:r>
             <a:r>
-              <a:rPr lang="en-US" sz="1200" dirty="0">
+              <a:rPr lang="en-US" sz="1100" dirty="0">
                 <a:solidFill>
                   <a:srgbClr val="A31515"/>
                 </a:solidFill>
@@ -15252,7 +15260,7 @@
               <a:t>"Dog barks"</a:t>
             </a:r>
             <a:r>
-              <a:rPr lang="en-US" sz="1200" dirty="0">
+              <a:rPr lang="en-US" sz="1100" dirty="0">
                 <a:latin typeface="Consolas" panose="020B0609020204030204" pitchFamily="49" charset="0"/>
               </a:rPr>
               <a:t>);  </a:t>
@@ -15260,7 +15268,7 @@
           </a:p>
           <a:p>
             <a:r>
-              <a:rPr lang="en-US" sz="1200" dirty="0">
+              <a:rPr lang="en-US" sz="1100" dirty="0">
                 <a:latin typeface="Consolas" panose="020B0609020204030204" pitchFamily="49" charset="0"/>
               </a:rPr>
               <a:t>    }</a:t>
@@ -15268,7 +15276,7 @@
           </a:p>
           <a:p>
             <a:r>
-              <a:rPr lang="en-US" sz="1200" dirty="0">
+              <a:rPr lang="en-US" sz="1100" dirty="0">
                 <a:latin typeface="Consolas" panose="020B0609020204030204" pitchFamily="49" charset="0"/>
               </a:rPr>
               <a:t>}</a:t>
@@ -17453,7 +17461,7 @@
         <p:spPr>
           <a:xfrm>
             <a:off x="512993" y="1116836"/>
-            <a:ext cx="4138787" cy="2646878"/>
+            <a:ext cx="4138787" cy="2539157"/>
           </a:xfrm>
           <a:prstGeom prst="rect">
             <a:avLst/>
@@ -17480,7 +17488,7 @@
           </a:p>
           <a:p>
             <a:r>
-              <a:rPr lang="en-US" sz="1200" dirty="0">
+              <a:rPr lang="en-US" sz="1100" dirty="0">
                 <a:solidFill>
                   <a:srgbClr val="001080"/>
                 </a:solidFill>
@@ -17489,13 +17497,13 @@
               <a:t>List</a:t>
             </a:r>
             <a:r>
-              <a:rPr lang="en-US" sz="1200" dirty="0">
+              <a:rPr lang="en-US" sz="1100" dirty="0">
                 <a:latin typeface="Consolas" panose="020B0609020204030204" pitchFamily="49" charset="0"/>
               </a:rPr>
               <a:t>&lt;</a:t>
             </a:r>
             <a:r>
-              <a:rPr lang="en-US" sz="1200" dirty="0">
+              <a:rPr lang="en-US" sz="1100" dirty="0">
                 <a:solidFill>
                   <a:srgbClr val="0000FF"/>
                 </a:solidFill>
@@ -17504,13 +17512,13 @@
               <a:t>string</a:t>
             </a:r>
             <a:r>
-              <a:rPr lang="en-US" sz="1200" dirty="0">
+              <a:rPr lang="en-US" sz="1100" dirty="0">
                 <a:latin typeface="Consolas" panose="020B0609020204030204" pitchFamily="49" charset="0"/>
               </a:rPr>
               <a:t>&gt; </a:t>
             </a:r>
             <a:r>
-              <a:rPr lang="en-US" sz="1200" dirty="0">
+              <a:rPr lang="en-US" sz="1100" dirty="0">
                 <a:solidFill>
                   <a:srgbClr val="001080"/>
                 </a:solidFill>
@@ -17519,13 +17527,13 @@
               <a:t>strings</a:t>
             </a:r>
             <a:r>
-              <a:rPr lang="en-US" sz="1200" dirty="0">
+              <a:rPr lang="en-US" sz="1100" dirty="0">
                 <a:latin typeface="Consolas" panose="020B0609020204030204" pitchFamily="49" charset="0"/>
               </a:rPr>
               <a:t> = </a:t>
             </a:r>
             <a:r>
-              <a:rPr lang="en-US" sz="1200" dirty="0">
+              <a:rPr lang="en-US" sz="1100" dirty="0">
                 <a:solidFill>
                   <a:srgbClr val="0000FF"/>
                 </a:solidFill>
@@ -17534,13 +17542,13 @@
               <a:t>new</a:t>
             </a:r>
             <a:r>
-              <a:rPr lang="en-US" sz="1200" dirty="0">
+              <a:rPr lang="en-US" sz="1100" dirty="0">
                 <a:latin typeface="Consolas" panose="020B0609020204030204" pitchFamily="49" charset="0"/>
               </a:rPr>
               <a:t> </a:t>
             </a:r>
             <a:r>
-              <a:rPr lang="en-US" sz="1200" dirty="0">
+              <a:rPr lang="en-US" sz="1100" dirty="0">
                 <a:solidFill>
                   <a:srgbClr val="001080"/>
                 </a:solidFill>
@@ -17549,13 +17557,13 @@
               <a:t>List</a:t>
             </a:r>
             <a:r>
-              <a:rPr lang="en-US" sz="1200" dirty="0">
+              <a:rPr lang="en-US" sz="1100" dirty="0">
                 <a:latin typeface="Consolas" panose="020B0609020204030204" pitchFamily="49" charset="0"/>
               </a:rPr>
               <a:t>&lt;</a:t>
             </a:r>
             <a:r>
-              <a:rPr lang="en-US" sz="1200" dirty="0">
+              <a:rPr lang="en-US" sz="1100" dirty="0">
                 <a:solidFill>
                   <a:srgbClr val="0000FF"/>
                 </a:solidFill>
@@ -17564,7 +17572,7 @@
               <a:t>string</a:t>
             </a:r>
             <a:r>
-              <a:rPr lang="en-US" sz="1200" dirty="0">
+              <a:rPr lang="en-US" sz="1100" dirty="0">
                 <a:latin typeface="Consolas" panose="020B0609020204030204" pitchFamily="49" charset="0"/>
               </a:rPr>
               <a:t>&gt;();</a:t>
@@ -17572,18 +17580,18 @@
           </a:p>
           <a:p>
             <a:r>
-              <a:rPr lang="en-US" sz="1200" dirty="0">
+              <a:rPr lang="en-US" sz="1100" dirty="0">
                 <a:latin typeface="Consolas" panose="020B0609020204030204" pitchFamily="49" charset="0"/>
               </a:rPr>
               <a:t/>
             </a:r>
             <a:br>
-              <a:rPr lang="en-US" sz="1200" dirty="0">
+              <a:rPr lang="en-US" sz="1100" dirty="0">
                 <a:latin typeface="Consolas" panose="020B0609020204030204" pitchFamily="49" charset="0"/>
               </a:rPr>
             </a:br>
             <a:r>
-              <a:rPr lang="en-US" sz="1200" dirty="0">
+              <a:rPr lang="en-US" sz="1100" dirty="0">
                 <a:solidFill>
                   <a:srgbClr val="001080"/>
                 </a:solidFill>
@@ -17592,13 +17600,13 @@
               <a:t>List</a:t>
             </a:r>
             <a:r>
-              <a:rPr lang="en-US" sz="1200" dirty="0">
+              <a:rPr lang="en-US" sz="1100" dirty="0">
                 <a:latin typeface="Consolas" panose="020B0609020204030204" pitchFamily="49" charset="0"/>
               </a:rPr>
               <a:t>&lt;</a:t>
             </a:r>
             <a:r>
-              <a:rPr lang="en-US" sz="1200" dirty="0" err="1">
+              <a:rPr lang="en-US" sz="1100" dirty="0" err="1">
                 <a:solidFill>
                   <a:srgbClr val="0000FF"/>
                 </a:solidFill>
@@ -17607,13 +17615,13 @@
               <a:t>int</a:t>
             </a:r>
             <a:r>
-              <a:rPr lang="en-US" sz="1200" dirty="0">
+              <a:rPr lang="en-US" sz="1100" dirty="0">
                 <a:latin typeface="Consolas" panose="020B0609020204030204" pitchFamily="49" charset="0"/>
               </a:rPr>
               <a:t>&gt; </a:t>
             </a:r>
             <a:r>
-              <a:rPr lang="en-US" sz="1200" dirty="0" err="1">
+              <a:rPr lang="en-US" sz="1100" dirty="0" err="1">
                 <a:solidFill>
                   <a:srgbClr val="001080"/>
                 </a:solidFill>
@@ -17622,13 +17630,13 @@
               <a:t>ints</a:t>
             </a:r>
             <a:r>
-              <a:rPr lang="en-US" sz="1200" dirty="0">
+              <a:rPr lang="en-US" sz="1100" dirty="0">
                 <a:latin typeface="Consolas" panose="020B0609020204030204" pitchFamily="49" charset="0"/>
               </a:rPr>
               <a:t> = </a:t>
             </a:r>
             <a:r>
-              <a:rPr lang="en-US" sz="1200" dirty="0">
+              <a:rPr lang="en-US" sz="1100" dirty="0">
                 <a:solidFill>
                   <a:srgbClr val="0000FF"/>
                 </a:solidFill>
@@ -17637,13 +17645,13 @@
               <a:t>new</a:t>
             </a:r>
             <a:r>
-              <a:rPr lang="en-US" sz="1200" dirty="0">
+              <a:rPr lang="en-US" sz="1100" dirty="0">
                 <a:latin typeface="Consolas" panose="020B0609020204030204" pitchFamily="49" charset="0"/>
               </a:rPr>
               <a:t> </a:t>
             </a:r>
             <a:r>
-              <a:rPr lang="en-US" sz="1200" dirty="0">
+              <a:rPr lang="en-US" sz="1100" dirty="0">
                 <a:solidFill>
                   <a:srgbClr val="001080"/>
                 </a:solidFill>
@@ -17652,13 +17660,13 @@
               <a:t>List</a:t>
             </a:r>
             <a:r>
-              <a:rPr lang="en-US" sz="1200" dirty="0">
+              <a:rPr lang="en-US" sz="1100" dirty="0">
                 <a:latin typeface="Consolas" panose="020B0609020204030204" pitchFamily="49" charset="0"/>
               </a:rPr>
               <a:t>&lt;</a:t>
             </a:r>
             <a:r>
-              <a:rPr lang="en-US" sz="1200" dirty="0" err="1">
+              <a:rPr lang="en-US" sz="1100" dirty="0" err="1">
                 <a:solidFill>
                   <a:srgbClr val="0000FF"/>
                 </a:solidFill>
@@ -17667,7 +17675,7 @@
               <a:t>int</a:t>
             </a:r>
             <a:r>
-              <a:rPr lang="en-US" sz="1200" dirty="0">
+              <a:rPr lang="en-US" sz="1100" dirty="0">
                 <a:latin typeface="Consolas" panose="020B0609020204030204" pitchFamily="49" charset="0"/>
               </a:rPr>
               <a:t>&gt;();</a:t>
@@ -18698,7 +18706,7 @@
           </a:p>
           <a:p>
             <a:r>
-              <a:rPr lang="en-US" dirty="0" err="1">
+              <a:rPr lang="en-US" sz="1100" dirty="0" err="1">
                 <a:solidFill>
                   <a:srgbClr val="AF00DB"/>
                 </a:solidFill>
@@ -18707,13 +18715,13 @@
               <a:t>foreach</a:t>
             </a:r>
             <a:r>
-              <a:rPr lang="en-US" dirty="0">
+              <a:rPr lang="en-US" sz="1100" dirty="0">
                 <a:latin typeface="Consolas" panose="020B0609020204030204" pitchFamily="49" charset="0"/>
               </a:rPr>
               <a:t> (</a:t>
             </a:r>
             <a:r>
-              <a:rPr lang="en-US" dirty="0">
+              <a:rPr lang="en-US" sz="1100" dirty="0">
                 <a:solidFill>
                   <a:srgbClr val="267F99"/>
                 </a:solidFill>
@@ -18722,13 +18730,13 @@
               <a:t>Shape</a:t>
             </a:r>
             <a:r>
-              <a:rPr lang="en-US" dirty="0">
+              <a:rPr lang="en-US" sz="1100" dirty="0">
                 <a:latin typeface="Consolas" panose="020B0609020204030204" pitchFamily="49" charset="0"/>
               </a:rPr>
               <a:t> </a:t>
             </a:r>
             <a:r>
-              <a:rPr lang="en-US" dirty="0" err="1">
+              <a:rPr lang="en-US" sz="1100" dirty="0" err="1">
                 <a:solidFill>
                   <a:srgbClr val="001080"/>
                 </a:solidFill>
@@ -18737,13 +18745,13 @@
               <a:t>shape</a:t>
             </a:r>
             <a:r>
-              <a:rPr lang="en-US" dirty="0">
+              <a:rPr lang="en-US" sz="1100" dirty="0">
                 <a:latin typeface="Consolas" panose="020B0609020204030204" pitchFamily="49" charset="0"/>
               </a:rPr>
               <a:t> </a:t>
             </a:r>
             <a:r>
-              <a:rPr lang="en-US" dirty="0">
+              <a:rPr lang="en-US" sz="1100" dirty="0">
                 <a:solidFill>
                   <a:srgbClr val="AF00DB"/>
                 </a:solidFill>
@@ -18752,13 +18760,13 @@
               <a:t>in</a:t>
             </a:r>
             <a:r>
-              <a:rPr lang="en-US" dirty="0">
+              <a:rPr lang="en-US" sz="1100" dirty="0">
                 <a:latin typeface="Consolas" panose="020B0609020204030204" pitchFamily="49" charset="0"/>
               </a:rPr>
               <a:t> </a:t>
             </a:r>
             <a:r>
-              <a:rPr lang="en-US" dirty="0">
+              <a:rPr lang="en-US" sz="1100" dirty="0">
                 <a:solidFill>
                   <a:srgbClr val="001080"/>
                 </a:solidFill>
@@ -18767,7 +18775,7 @@
               <a:t>shapes</a:t>
             </a:r>
             <a:r>
-              <a:rPr lang="en-US" dirty="0">
+              <a:rPr lang="en-US" sz="1100" dirty="0">
                 <a:latin typeface="Consolas" panose="020B0609020204030204" pitchFamily="49" charset="0"/>
               </a:rPr>
               <a:t>)</a:t>
@@ -18775,13 +18783,13 @@
           </a:p>
           <a:p>
             <a:r>
-              <a:rPr lang="en-US" dirty="0">
+              <a:rPr lang="en-US" sz="1100" dirty="0">
                 <a:latin typeface="Consolas" panose="020B0609020204030204" pitchFamily="49" charset="0"/>
               </a:rPr>
               <a:t>    </a:t>
             </a:r>
             <a:r>
-              <a:rPr lang="en-US" dirty="0" err="1">
+              <a:rPr lang="en-US" sz="1100" dirty="0" err="1">
                 <a:solidFill>
                   <a:srgbClr val="001080"/>
                 </a:solidFill>
@@ -18790,13 +18798,13 @@
               <a:t>shape</a:t>
             </a:r>
             <a:r>
-              <a:rPr lang="en-US" dirty="0" err="1">
+              <a:rPr lang="en-US" sz="1100" dirty="0" err="1">
                 <a:latin typeface="Consolas" panose="020B0609020204030204" pitchFamily="49" charset="0"/>
               </a:rPr>
               <a:t>.</a:t>
             </a:r>
             <a:r>
-              <a:rPr lang="en-US" dirty="0" err="1">
+              <a:rPr lang="en-US" sz="1100" dirty="0" err="1">
                 <a:solidFill>
                   <a:srgbClr val="795E26"/>
                 </a:solidFill>
@@ -18805,13 +18813,13 @@
               <a:t>Draw</a:t>
             </a:r>
             <a:r>
-              <a:rPr lang="en-US" dirty="0">
+              <a:rPr lang="en-US" sz="1100" dirty="0">
                 <a:latin typeface="Consolas" panose="020B0609020204030204" pitchFamily="49" charset="0"/>
               </a:rPr>
               <a:t>(</a:t>
             </a:r>
             <a:r>
-              <a:rPr lang="en-US" dirty="0">
+              <a:rPr lang="en-US" sz="1100" dirty="0">
                 <a:solidFill>
                   <a:srgbClr val="098658"/>
                 </a:solidFill>
@@ -18820,13 +18828,13 @@
               <a:t>0</a:t>
             </a:r>
             <a:r>
-              <a:rPr lang="en-US" dirty="0">
+              <a:rPr lang="en-US" sz="1100" dirty="0">
                 <a:latin typeface="Consolas" panose="020B0609020204030204" pitchFamily="49" charset="0"/>
               </a:rPr>
               <a:t>, </a:t>
             </a:r>
             <a:r>
-              <a:rPr lang="en-US" dirty="0">
+              <a:rPr lang="en-US" sz="1100" dirty="0">
                 <a:solidFill>
                   <a:srgbClr val="098658"/>
                 </a:solidFill>
@@ -18835,7 +18843,7 @@
               <a:t>0</a:t>
             </a:r>
             <a:r>
-              <a:rPr lang="en-US" dirty="0">
+              <a:rPr lang="en-US" sz="1100" dirty="0">
                 <a:latin typeface="Consolas" panose="020B0609020204030204" pitchFamily="49" charset="0"/>
               </a:rPr>
               <a:t>);</a:t>
@@ -18865,7 +18873,7 @@
 </file>
 
 <file path=ppt/slides/slide25.xml><?xml version="1.0" encoding="utf-8"?>
-<p:sld xmlns:a="http://schemas.openxmlformats.org/drawingml/2006/main" xmlns:r="http://schemas.openxmlformats.org/officeDocument/2006/relationships" xmlns:p="http://schemas.openxmlformats.org/presentationml/2006/main">
+<p:sld xmlns:a="http://schemas.openxmlformats.org/drawingml/2006/main" xmlns:r="http://schemas.openxmlformats.org/officeDocument/2006/relationships" xmlns:p="http://schemas.openxmlformats.org/presentationml/2006/main" show="0">
   <p:cSld>
     <p:spTree>
       <p:nvGrpSpPr>
@@ -19011,14 +19019,7 @@
   <p:clrMapOvr>
     <a:masterClrMapping/>
   </p:clrMapOvr>
-  <mc:AlternateContent xmlns:mc="http://schemas.openxmlformats.org/markup-compatibility/2006">
-    <mc:Choice xmlns="" xmlns:p14="http://schemas.microsoft.com/office/powerpoint/2010/main" Requires="p14">
-      <p:transition spd="slow" p14:dur="2000"/>
-    </mc:Choice>
-    <mc:Fallback>
-      <p:transition spd="slow"/>
-    </mc:Fallback>
-  </mc:AlternateContent>
+  <p:transition spd="slow"/>
   <p:timing>
     <p:tnLst>
       <p:par>
@@ -25221,11 +25222,7 @@
             </a:r>
             <a:r>
               <a:rPr lang="ru-RU" b="1" dirty="0" smtClean="0"/>
-              <a:t>скрывая детали </a:t>
-            </a:r>
-            <a:r>
-              <a:rPr lang="ru-RU" b="1" dirty="0" smtClean="0"/>
-              <a:t>реализации</a:t>
+              <a:t>скрывая детали реализации</a:t>
             </a:r>
             <a:r>
               <a:rPr lang="ru-RU" dirty="0" smtClean="0"/>
@@ -25258,8 +25255,8 @@
         </p:nvSpPr>
         <p:spPr>
           <a:xfrm>
-            <a:off x="4666765" y="2933068"/>
-            <a:ext cx="3126757" cy="954107"/>
+            <a:off x="4672902" y="2890110"/>
+            <a:ext cx="3513740" cy="1384995"/>
           </a:xfrm>
           <a:prstGeom prst="rect">
             <a:avLst/>
@@ -25297,6 +25294,21 @@
                 <a:cs typeface="Calibri" pitchFamily="34" charset="0"/>
               </a:rPr>
               <a:t>Пример: «Небесные тела». Кто-то представляет звезду, кто-то планету, кто-то метеорит, кто-то комету. И все варианты подходят.</a:t>
+            </a:r>
+          </a:p>
+          <a:p>
+            <a:r>
+              <a:rPr lang="ru-RU" i="1" dirty="0" smtClean="0">
+                <a:solidFill>
+                  <a:schemeClr val="accent2">
+                    <a:lumMod val="50000"/>
+                    <a:lumOff val="50000"/>
+                  </a:schemeClr>
+                </a:solidFill>
+                <a:latin typeface="Calibri" pitchFamily="34" charset="0"/>
+                <a:cs typeface="Calibri" pitchFamily="34" charset="0"/>
+              </a:rPr>
+              <a:t>Что между ними общего – все они находятся в космическом пространстве.</a:t>
             </a:r>
             <a:endParaRPr lang="ru-RU" i="1" dirty="0">
               <a:solidFill>

--- a/ООПp.2.pptx
+++ b/ООПp.2.pptx
@@ -5,7 +5,7 @@
     <p:sldMasterId id="2147483676" r:id="rId1"/>
   </p:sldMasterIdLst>
   <p:notesMasterIdLst>
-    <p:notesMasterId r:id="rId39"/>
+    <p:notesMasterId r:id="rId41"/>
   </p:notesMasterIdLst>
   <p:sldIdLst>
     <p:sldId id="323" r:id="rId2"/>
@@ -31,44 +31,46 @@
     <p:sldId id="414" r:id="rId22"/>
     <p:sldId id="421" r:id="rId23"/>
     <p:sldId id="420" r:id="rId24"/>
-    <p:sldId id="423" r:id="rId25"/>
-    <p:sldId id="444" r:id="rId26"/>
-    <p:sldId id="449" r:id="rId27"/>
-    <p:sldId id="424" r:id="rId28"/>
-    <p:sldId id="435" r:id="rId29"/>
-    <p:sldId id="437" r:id="rId30"/>
-    <p:sldId id="382" r:id="rId31"/>
-    <p:sldId id="438" r:id="rId32"/>
-    <p:sldId id="441" r:id="rId33"/>
-    <p:sldId id="440" r:id="rId34"/>
-    <p:sldId id="436" r:id="rId35"/>
-    <p:sldId id="304" r:id="rId36"/>
-    <p:sldId id="439" r:id="rId37"/>
-    <p:sldId id="306" r:id="rId38"/>
+    <p:sldId id="450" r:id="rId25"/>
+    <p:sldId id="451" r:id="rId26"/>
+    <p:sldId id="452" r:id="rId27"/>
+    <p:sldId id="423" r:id="rId28"/>
+    <p:sldId id="449" r:id="rId29"/>
+    <p:sldId id="424" r:id="rId30"/>
+    <p:sldId id="435" r:id="rId31"/>
+    <p:sldId id="437" r:id="rId32"/>
+    <p:sldId id="382" r:id="rId33"/>
+    <p:sldId id="438" r:id="rId34"/>
+    <p:sldId id="441" r:id="rId35"/>
+    <p:sldId id="440" r:id="rId36"/>
+    <p:sldId id="436" r:id="rId37"/>
+    <p:sldId id="304" r:id="rId38"/>
+    <p:sldId id="439" r:id="rId39"/>
+    <p:sldId id="306" r:id="rId40"/>
   </p:sldIdLst>
   <p:sldSz cx="9144000" cy="5143500" type="screen16x9"/>
   <p:notesSz cx="6858000" cy="9144000"/>
   <p:embeddedFontLst>
     <p:embeddedFont>
-      <p:font typeface="Roboto" charset="0"/>
-      <p:regular r:id="rId40"/>
-      <p:bold r:id="rId41"/>
-      <p:italic r:id="rId42"/>
-      <p:boldItalic r:id="rId43"/>
+      <p:font typeface="Roboto" panose="020B0604020202020204" charset="0"/>
+      <p:regular r:id="rId42"/>
+      <p:bold r:id="rId43"/>
+      <p:italic r:id="rId44"/>
+      <p:boldItalic r:id="rId45"/>
     </p:embeddedFont>
     <p:embeddedFont>
-      <p:font typeface="Calibri" pitchFamily="34" charset="0"/>
-      <p:regular r:id="rId44"/>
-      <p:bold r:id="rId45"/>
-      <p:italic r:id="rId46"/>
-      <p:boldItalic r:id="rId47"/>
+      <p:font typeface="Calibri" panose="020F0502020204030204" pitchFamily="34" charset="0"/>
+      <p:regular r:id="rId46"/>
+      <p:bold r:id="rId47"/>
+      <p:italic r:id="rId48"/>
+      <p:boldItalic r:id="rId49"/>
     </p:embeddedFont>
     <p:embeddedFont>
-      <p:font typeface="Consolas" pitchFamily="49" charset="0"/>
-      <p:regular r:id="rId48"/>
-      <p:bold r:id="rId49"/>
-      <p:italic r:id="rId50"/>
-      <p:boldItalic r:id="rId51"/>
+      <p:font typeface="Consolas" panose="020B0609020204030204" pitchFamily="49" charset="0"/>
+      <p:regular r:id="rId50"/>
+      <p:bold r:id="rId51"/>
+      <p:italic r:id="rId52"/>
+      <p:boldItalic r:id="rId53"/>
     </p:embeddedFont>
   </p:embeddedFontLst>
   <p:defaultTextStyle>
@@ -302,7 +304,7 @@
   </p:defaultTextStyle>
   <p:extLst>
     <p:ext uri="{EFAFB233-063F-42B5-8137-9DF3F51BA10A}">
-      <p15:sldGuideLst xmlns="" xmlns:p15="http://schemas.microsoft.com/office/powerpoint/2012/main">
+      <p15:sldGuideLst xmlns:p15="http://schemas.microsoft.com/office/powerpoint/2012/main">
         <p15:guide id="1" orient="horz" pos="1620">
           <p15:clr>
             <a:srgbClr val="A4A3A4"/>
@@ -859,7 +861,7 @@
     </p:spTree>
     <p:extLst>
       <p:ext uri="{BB962C8B-B14F-4D97-AF65-F5344CB8AC3E}">
-        <p14:creationId xmlns="" xmlns:p14="http://schemas.microsoft.com/office/powerpoint/2010/main" val="1559280179"/>
+        <p14:creationId xmlns:p14="http://schemas.microsoft.com/office/powerpoint/2010/main" val="1559280179"/>
       </p:ext>
     </p:extLst>
   </p:cSld>
@@ -968,7 +970,7 @@
     </p:spTree>
     <p:extLst>
       <p:ext uri="{BB962C8B-B14F-4D97-AF65-F5344CB8AC3E}">
-        <p14:creationId xmlns="" xmlns:p14="http://schemas.microsoft.com/office/powerpoint/2010/main" val="3372823729"/>
+        <p14:creationId xmlns:p14="http://schemas.microsoft.com/office/powerpoint/2010/main" val="3372823729"/>
       </p:ext>
     </p:extLst>
   </p:cSld>
@@ -1077,7 +1079,7 @@
     </p:spTree>
     <p:extLst>
       <p:ext uri="{BB962C8B-B14F-4D97-AF65-F5344CB8AC3E}">
-        <p14:creationId xmlns="" xmlns:p14="http://schemas.microsoft.com/office/powerpoint/2010/main" val="3372823729"/>
+        <p14:creationId xmlns:p14="http://schemas.microsoft.com/office/powerpoint/2010/main" val="3372823729"/>
       </p:ext>
     </p:extLst>
   </p:cSld>
@@ -1186,7 +1188,7 @@
     </p:spTree>
     <p:extLst>
       <p:ext uri="{BB962C8B-B14F-4D97-AF65-F5344CB8AC3E}">
-        <p14:creationId xmlns="" xmlns:p14="http://schemas.microsoft.com/office/powerpoint/2010/main" val="3372823729"/>
+        <p14:creationId xmlns:p14="http://schemas.microsoft.com/office/powerpoint/2010/main" val="3372823729"/>
       </p:ext>
     </p:extLst>
   </p:cSld>
@@ -1295,7 +1297,7 @@
     </p:spTree>
     <p:extLst>
       <p:ext uri="{BB962C8B-B14F-4D97-AF65-F5344CB8AC3E}">
-        <p14:creationId xmlns="" xmlns:p14="http://schemas.microsoft.com/office/powerpoint/2010/main" val="3372823729"/>
+        <p14:creationId xmlns:p14="http://schemas.microsoft.com/office/powerpoint/2010/main" val="3372823729"/>
       </p:ext>
     </p:extLst>
   </p:cSld>
@@ -1404,7 +1406,7 @@
     </p:spTree>
     <p:extLst>
       <p:ext uri="{BB962C8B-B14F-4D97-AF65-F5344CB8AC3E}">
-        <p14:creationId xmlns="" xmlns:p14="http://schemas.microsoft.com/office/powerpoint/2010/main" val="3020616377"/>
+        <p14:creationId xmlns:p14="http://schemas.microsoft.com/office/powerpoint/2010/main" val="3020616377"/>
       </p:ext>
     </p:extLst>
   </p:cSld>
@@ -1513,7 +1515,7 @@
     </p:spTree>
     <p:extLst>
       <p:ext uri="{BB962C8B-B14F-4D97-AF65-F5344CB8AC3E}">
-        <p14:creationId xmlns="" xmlns:p14="http://schemas.microsoft.com/office/powerpoint/2010/main" val="2087147400"/>
+        <p14:creationId xmlns:p14="http://schemas.microsoft.com/office/powerpoint/2010/main" val="2087147400"/>
       </p:ext>
     </p:extLst>
   </p:cSld>
@@ -1622,7 +1624,7 @@
     </p:spTree>
     <p:extLst>
       <p:ext uri="{BB962C8B-B14F-4D97-AF65-F5344CB8AC3E}">
-        <p14:creationId xmlns="" xmlns:p14="http://schemas.microsoft.com/office/powerpoint/2010/main" val="3020616377"/>
+        <p14:creationId xmlns:p14="http://schemas.microsoft.com/office/powerpoint/2010/main" val="3020616377"/>
       </p:ext>
     </p:extLst>
   </p:cSld>
@@ -1731,7 +1733,7 @@
     </p:spTree>
     <p:extLst>
       <p:ext uri="{BB962C8B-B14F-4D97-AF65-F5344CB8AC3E}">
-        <p14:creationId xmlns="" xmlns:p14="http://schemas.microsoft.com/office/powerpoint/2010/main" val="2459792676"/>
+        <p14:creationId xmlns:p14="http://schemas.microsoft.com/office/powerpoint/2010/main" val="2459792676"/>
       </p:ext>
     </p:extLst>
   </p:cSld>
@@ -1840,7 +1842,7 @@
     </p:spTree>
     <p:extLst>
       <p:ext uri="{BB962C8B-B14F-4D97-AF65-F5344CB8AC3E}">
-        <p14:creationId xmlns="" xmlns:p14="http://schemas.microsoft.com/office/powerpoint/2010/main" val="2459792676"/>
+        <p14:creationId xmlns:p14="http://schemas.microsoft.com/office/powerpoint/2010/main" val="2459792676"/>
       </p:ext>
     </p:extLst>
   </p:cSld>
@@ -1949,7 +1951,7 @@
     </p:spTree>
     <p:extLst>
       <p:ext uri="{BB962C8B-B14F-4D97-AF65-F5344CB8AC3E}">
-        <p14:creationId xmlns="" xmlns:p14="http://schemas.microsoft.com/office/powerpoint/2010/main" val="1094642682"/>
+        <p14:creationId xmlns:p14="http://schemas.microsoft.com/office/powerpoint/2010/main" val="1094642682"/>
       </p:ext>
     </p:extLst>
   </p:cSld>
@@ -2162,7 +2164,7 @@
     </p:spTree>
     <p:extLst>
       <p:ext uri="{BB962C8B-B14F-4D97-AF65-F5344CB8AC3E}">
-        <p14:creationId xmlns="" xmlns:p14="http://schemas.microsoft.com/office/powerpoint/2010/main" val="1581538293"/>
+        <p14:creationId xmlns:p14="http://schemas.microsoft.com/office/powerpoint/2010/main" val="1581538293"/>
       </p:ext>
     </p:extLst>
   </p:cSld>
@@ -2271,7 +2273,7 @@
     </p:spTree>
     <p:extLst>
       <p:ext uri="{BB962C8B-B14F-4D97-AF65-F5344CB8AC3E}">
-        <p14:creationId xmlns="" xmlns:p14="http://schemas.microsoft.com/office/powerpoint/2010/main" val="2177913404"/>
+        <p14:creationId xmlns:p14="http://schemas.microsoft.com/office/powerpoint/2010/main" val="2177913404"/>
       </p:ext>
     </p:extLst>
   </p:cSld>
@@ -2380,7 +2382,7 @@
     </p:spTree>
     <p:extLst>
       <p:ext uri="{BB962C8B-B14F-4D97-AF65-F5344CB8AC3E}">
-        <p14:creationId xmlns="" xmlns:p14="http://schemas.microsoft.com/office/powerpoint/2010/main" val="2177913404"/>
+        <p14:creationId xmlns:p14="http://schemas.microsoft.com/office/powerpoint/2010/main" val="2177913404"/>
       </p:ext>
     </p:extLst>
   </p:cSld>
@@ -2489,7 +2491,7 @@
     </p:spTree>
     <p:extLst>
       <p:ext uri="{BB962C8B-B14F-4D97-AF65-F5344CB8AC3E}">
-        <p14:creationId xmlns="" xmlns:p14="http://schemas.microsoft.com/office/powerpoint/2010/main" val="2177913404"/>
+        <p14:creationId xmlns:p14="http://schemas.microsoft.com/office/powerpoint/2010/main" val="2177913404"/>
       </p:ext>
     </p:extLst>
   </p:cSld>
@@ -2504,7 +2506,7 @@
   <p:cSld>
     <p:spTree>
       <p:nvGrpSpPr>
-        <p:cNvPr id="1" name="Shape 455"/>
+        <p:cNvPr id="1" name="Shape 433"/>
         <p:cNvGrpSpPr/>
         <p:nvPr/>
       </p:nvGrpSpPr>
@@ -2518,7 +2520,7 @@
       </p:grpSpPr>
       <p:sp>
         <p:nvSpPr>
-          <p:cNvPr id="456" name="Google Shape;456;g2f62e005416_0_77:notes"/>
+          <p:cNvPr id="434" name="Google Shape;434;g2f69afabb45_0_103:notes"/>
           <p:cNvSpPr>
             <a:spLocks noGrp="1" noRot="1" noChangeAspect="1"/>
           </p:cNvSpPr>
@@ -2559,7 +2561,7 @@
       </p:sp>
       <p:sp>
         <p:nvSpPr>
-          <p:cNvPr id="457" name="Google Shape;457;g2f62e005416_0_77:notes"/>
+          <p:cNvPr id="435" name="Google Shape;435;g2f69afabb45_0_103:notes"/>
           <p:cNvSpPr txBox="1">
             <a:spLocks noGrp="1"/>
           </p:cNvSpPr>
@@ -2598,7 +2600,7 @@
     </p:spTree>
     <p:extLst>
       <p:ext uri="{BB962C8B-B14F-4D97-AF65-F5344CB8AC3E}">
-        <p14:creationId xmlns="" xmlns:p14="http://schemas.microsoft.com/office/powerpoint/2010/main" val="2177913404"/>
+        <p14:creationId xmlns:p14="http://schemas.microsoft.com/office/powerpoint/2010/main" val="3385060009"/>
       </p:ext>
     </p:extLst>
   </p:cSld>
@@ -2707,7 +2709,7 @@
     </p:spTree>
     <p:extLst>
       <p:ext uri="{BB962C8B-B14F-4D97-AF65-F5344CB8AC3E}">
-        <p14:creationId xmlns="" xmlns:p14="http://schemas.microsoft.com/office/powerpoint/2010/main" val="818910265"/>
+        <p14:creationId xmlns:p14="http://schemas.microsoft.com/office/powerpoint/2010/main" val="794908079"/>
       </p:ext>
     </p:extLst>
   </p:cSld>
@@ -2816,7 +2818,7 @@
     </p:spTree>
     <p:extLst>
       <p:ext uri="{BB962C8B-B14F-4D97-AF65-F5344CB8AC3E}">
-        <p14:creationId xmlns:p14="http://schemas.microsoft.com/office/powerpoint/2010/main" xmlns="" val="818910265"/>
+        <p14:creationId xmlns:p14="http://schemas.microsoft.com/office/powerpoint/2010/main" val="3314136251"/>
       </p:ext>
     </p:extLst>
   </p:cSld>
@@ -2925,7 +2927,7 @@
     </p:spTree>
     <p:extLst>
       <p:ext uri="{BB962C8B-B14F-4D97-AF65-F5344CB8AC3E}">
-        <p14:creationId xmlns="" xmlns:p14="http://schemas.microsoft.com/office/powerpoint/2010/main" val="2177913404"/>
+        <p14:creationId xmlns:p14="http://schemas.microsoft.com/office/powerpoint/2010/main" val="2177913404"/>
       </p:ext>
     </p:extLst>
   </p:cSld>
@@ -2940,7 +2942,7 @@
   <p:cSld>
     <p:spTree>
       <p:nvGrpSpPr>
-        <p:cNvPr id="1" name="Shape 455"/>
+        <p:cNvPr id="1" name="Shape 433"/>
         <p:cNvGrpSpPr/>
         <p:nvPr/>
       </p:nvGrpSpPr>
@@ -2954,7 +2956,7 @@
       </p:grpSpPr>
       <p:sp>
         <p:nvSpPr>
-          <p:cNvPr id="456" name="Google Shape;456;g2f62e005416_0_77:notes"/>
+          <p:cNvPr id="434" name="Google Shape;434;g2f69afabb45_0_103:notes"/>
           <p:cNvSpPr>
             <a:spLocks noGrp="1" noRot="1" noChangeAspect="1"/>
           </p:cNvSpPr>
@@ -2995,7 +2997,7 @@
       </p:sp>
       <p:sp>
         <p:nvSpPr>
-          <p:cNvPr id="457" name="Google Shape;457;g2f62e005416_0_77:notes"/>
+          <p:cNvPr id="435" name="Google Shape;435;g2f69afabb45_0_103:notes"/>
           <p:cNvSpPr txBox="1">
             <a:spLocks noGrp="1"/>
           </p:cNvSpPr>
@@ -3034,7 +3036,7 @@
     </p:spTree>
     <p:extLst>
       <p:ext uri="{BB962C8B-B14F-4D97-AF65-F5344CB8AC3E}">
-        <p14:creationId xmlns="" xmlns:p14="http://schemas.microsoft.com/office/powerpoint/2010/main" val="2177913404"/>
+        <p14:creationId xmlns:p14="http://schemas.microsoft.com/office/powerpoint/2010/main" val="818910265"/>
       </p:ext>
     </p:extLst>
   </p:cSld>
@@ -3143,7 +3145,7 @@
     </p:spTree>
     <p:extLst>
       <p:ext uri="{BB962C8B-B14F-4D97-AF65-F5344CB8AC3E}">
-        <p14:creationId xmlns="" xmlns:p14="http://schemas.microsoft.com/office/powerpoint/2010/main" val="2177913404"/>
+        <p14:creationId xmlns:p14="http://schemas.microsoft.com/office/powerpoint/2010/main" val="2177913404"/>
       </p:ext>
     </p:extLst>
   </p:cSld>
@@ -3252,7 +3254,7 @@
     </p:spTree>
     <p:extLst>
       <p:ext uri="{BB962C8B-B14F-4D97-AF65-F5344CB8AC3E}">
-        <p14:creationId xmlns="" xmlns:p14="http://schemas.microsoft.com/office/powerpoint/2010/main" val="3548652113"/>
+        <p14:creationId xmlns:p14="http://schemas.microsoft.com/office/powerpoint/2010/main" val="3548652113"/>
       </p:ext>
     </p:extLst>
   </p:cSld>
@@ -3263,6 +3265,224 @@
 </file>
 
 <file path=ppt/notesSlides/notesSlide30.xml><?xml version="1.0" encoding="utf-8"?>
+<p:notes xmlns:a="http://schemas.openxmlformats.org/drawingml/2006/main" xmlns:r="http://schemas.openxmlformats.org/officeDocument/2006/relationships" xmlns:p="http://schemas.openxmlformats.org/presentationml/2006/main" showMasterSp="0" showMasterPhAnim="0">
+  <p:cSld>
+    <p:spTree>
+      <p:nvGrpSpPr>
+        <p:cNvPr id="1" name="Shape 455"/>
+        <p:cNvGrpSpPr/>
+        <p:nvPr/>
+      </p:nvGrpSpPr>
+      <p:grpSpPr>
+        <a:xfrm>
+          <a:off x="0" y="0"/>
+          <a:ext cx="0" cy="0"/>
+          <a:chOff x="0" y="0"/>
+          <a:chExt cx="0" cy="0"/>
+        </a:xfrm>
+      </p:grpSpPr>
+      <p:sp>
+        <p:nvSpPr>
+          <p:cNvPr id="456" name="Google Shape;456;g2f62e005416_0_77:notes"/>
+          <p:cNvSpPr>
+            <a:spLocks noGrp="1" noRot="1" noChangeAspect="1"/>
+          </p:cNvSpPr>
+          <p:nvPr>
+            <p:ph type="sldImg" idx="2"/>
+          </p:nvPr>
+        </p:nvSpPr>
+        <p:spPr>
+          <a:xfrm>
+            <a:off x="381000" y="685800"/>
+            <a:ext cx="6096000" cy="3429000"/>
+          </a:xfrm>
+          <a:custGeom>
+            <a:avLst/>
+            <a:gdLst/>
+            <a:ahLst/>
+            <a:cxnLst/>
+            <a:rect l="l" t="t" r="r" b="b"/>
+            <a:pathLst>
+              <a:path w="120000" h="120000" extrusionOk="0">
+                <a:moveTo>
+                  <a:pt x="0" y="0"/>
+                </a:moveTo>
+                <a:lnTo>
+                  <a:pt x="120000" y="0"/>
+                </a:lnTo>
+                <a:lnTo>
+                  <a:pt x="120000" y="120000"/>
+                </a:lnTo>
+                <a:lnTo>
+                  <a:pt x="0" y="120000"/>
+                </a:lnTo>
+                <a:close/>
+              </a:path>
+            </a:pathLst>
+          </a:custGeom>
+        </p:spPr>
+      </p:sp>
+      <p:sp>
+        <p:nvSpPr>
+          <p:cNvPr id="457" name="Google Shape;457;g2f62e005416_0_77:notes"/>
+          <p:cNvSpPr txBox="1">
+            <a:spLocks noGrp="1"/>
+          </p:cNvSpPr>
+          <p:nvPr>
+            <p:ph type="body" idx="1"/>
+          </p:nvPr>
+        </p:nvSpPr>
+        <p:spPr>
+          <a:xfrm>
+            <a:off x="685800" y="4343400"/>
+            <a:ext cx="5486400" cy="4114800"/>
+          </a:xfrm>
+          <a:prstGeom prst="rect">
+            <a:avLst/>
+          </a:prstGeom>
+        </p:spPr>
+        <p:txBody>
+          <a:bodyPr spcFirstLastPara="1" wrap="square" lIns="91425" tIns="91425" rIns="91425" bIns="91425" anchor="t" anchorCtr="0">
+            <a:noAutofit/>
+          </a:bodyPr>
+          <a:lstStyle/>
+          <a:p>
+            <a:pPr marL="0" lvl="0" indent="0" algn="l" rtl="0">
+              <a:spcBef>
+                <a:spcPts val="0"/>
+              </a:spcBef>
+              <a:spcAft>
+                <a:spcPts val="0"/>
+              </a:spcAft>
+              <a:buNone/>
+            </a:pPr>
+            <a:endParaRPr/>
+          </a:p>
+        </p:txBody>
+      </p:sp>
+    </p:spTree>
+    <p:extLst>
+      <p:ext uri="{BB962C8B-B14F-4D97-AF65-F5344CB8AC3E}">
+        <p14:creationId xmlns:p14="http://schemas.microsoft.com/office/powerpoint/2010/main" val="2177913404"/>
+      </p:ext>
+    </p:extLst>
+  </p:cSld>
+  <p:clrMapOvr>
+    <a:masterClrMapping/>
+  </p:clrMapOvr>
+</p:notes>
+</file>
+
+<file path=ppt/notesSlides/notesSlide31.xml><?xml version="1.0" encoding="utf-8"?>
+<p:notes xmlns:a="http://schemas.openxmlformats.org/drawingml/2006/main" xmlns:r="http://schemas.openxmlformats.org/officeDocument/2006/relationships" xmlns:p="http://schemas.openxmlformats.org/presentationml/2006/main" showMasterSp="0" showMasterPhAnim="0">
+  <p:cSld>
+    <p:spTree>
+      <p:nvGrpSpPr>
+        <p:cNvPr id="1" name="Shape 455"/>
+        <p:cNvGrpSpPr/>
+        <p:nvPr/>
+      </p:nvGrpSpPr>
+      <p:grpSpPr>
+        <a:xfrm>
+          <a:off x="0" y="0"/>
+          <a:ext cx="0" cy="0"/>
+          <a:chOff x="0" y="0"/>
+          <a:chExt cx="0" cy="0"/>
+        </a:xfrm>
+      </p:grpSpPr>
+      <p:sp>
+        <p:nvSpPr>
+          <p:cNvPr id="456" name="Google Shape;456;g2f62e005416_0_77:notes"/>
+          <p:cNvSpPr>
+            <a:spLocks noGrp="1" noRot="1" noChangeAspect="1"/>
+          </p:cNvSpPr>
+          <p:nvPr>
+            <p:ph type="sldImg" idx="2"/>
+          </p:nvPr>
+        </p:nvSpPr>
+        <p:spPr>
+          <a:xfrm>
+            <a:off x="381000" y="685800"/>
+            <a:ext cx="6096000" cy="3429000"/>
+          </a:xfrm>
+          <a:custGeom>
+            <a:avLst/>
+            <a:gdLst/>
+            <a:ahLst/>
+            <a:cxnLst/>
+            <a:rect l="l" t="t" r="r" b="b"/>
+            <a:pathLst>
+              <a:path w="120000" h="120000" extrusionOk="0">
+                <a:moveTo>
+                  <a:pt x="0" y="0"/>
+                </a:moveTo>
+                <a:lnTo>
+                  <a:pt x="120000" y="0"/>
+                </a:lnTo>
+                <a:lnTo>
+                  <a:pt x="120000" y="120000"/>
+                </a:lnTo>
+                <a:lnTo>
+                  <a:pt x="0" y="120000"/>
+                </a:lnTo>
+                <a:close/>
+              </a:path>
+            </a:pathLst>
+          </a:custGeom>
+        </p:spPr>
+      </p:sp>
+      <p:sp>
+        <p:nvSpPr>
+          <p:cNvPr id="457" name="Google Shape;457;g2f62e005416_0_77:notes"/>
+          <p:cNvSpPr txBox="1">
+            <a:spLocks noGrp="1"/>
+          </p:cNvSpPr>
+          <p:nvPr>
+            <p:ph type="body" idx="1"/>
+          </p:nvPr>
+        </p:nvSpPr>
+        <p:spPr>
+          <a:xfrm>
+            <a:off x="685800" y="4343400"/>
+            <a:ext cx="5486400" cy="4114800"/>
+          </a:xfrm>
+          <a:prstGeom prst="rect">
+            <a:avLst/>
+          </a:prstGeom>
+        </p:spPr>
+        <p:txBody>
+          <a:bodyPr spcFirstLastPara="1" wrap="square" lIns="91425" tIns="91425" rIns="91425" bIns="91425" anchor="t" anchorCtr="0">
+            <a:noAutofit/>
+          </a:bodyPr>
+          <a:lstStyle/>
+          <a:p>
+            <a:pPr marL="0" lvl="0" indent="0" algn="l" rtl="0">
+              <a:spcBef>
+                <a:spcPts val="0"/>
+              </a:spcBef>
+              <a:spcAft>
+                <a:spcPts val="0"/>
+              </a:spcAft>
+              <a:buNone/>
+            </a:pPr>
+            <a:endParaRPr/>
+          </a:p>
+        </p:txBody>
+      </p:sp>
+    </p:spTree>
+    <p:extLst>
+      <p:ext uri="{BB962C8B-B14F-4D97-AF65-F5344CB8AC3E}">
+        <p14:creationId xmlns:p14="http://schemas.microsoft.com/office/powerpoint/2010/main" val="2177913404"/>
+      </p:ext>
+    </p:extLst>
+  </p:cSld>
+  <p:clrMapOvr>
+    <a:masterClrMapping/>
+  </p:clrMapOvr>
+</p:notes>
+</file>
+
+<file path=ppt/notesSlides/notesSlide32.xml><?xml version="1.0" encoding="utf-8"?>
 <p:notes xmlns:a="http://schemas.openxmlformats.org/drawingml/2006/main" xmlns:r="http://schemas.openxmlformats.org/officeDocument/2006/relationships" xmlns:p="http://schemas.openxmlformats.org/presentationml/2006/main" showMasterSp="0" showMasterPhAnim="0">
   <p:cSld>
     <p:spTree>
@@ -3359,224 +3579,6 @@
         </p:txBody>
       </p:sp>
     </p:spTree>
-  </p:cSld>
-  <p:clrMapOvr>
-    <a:masterClrMapping/>
-  </p:clrMapOvr>
-</p:notes>
-</file>
-
-<file path=ppt/notesSlides/notesSlide31.xml><?xml version="1.0" encoding="utf-8"?>
-<p:notes xmlns:a="http://schemas.openxmlformats.org/drawingml/2006/main" xmlns:r="http://schemas.openxmlformats.org/officeDocument/2006/relationships" xmlns:p="http://schemas.openxmlformats.org/presentationml/2006/main" showMasterSp="0" showMasterPhAnim="0">
-  <p:cSld>
-    <p:spTree>
-      <p:nvGrpSpPr>
-        <p:cNvPr id="1" name="Shape 433"/>
-        <p:cNvGrpSpPr/>
-        <p:nvPr/>
-      </p:nvGrpSpPr>
-      <p:grpSpPr>
-        <a:xfrm>
-          <a:off x="0" y="0"/>
-          <a:ext cx="0" cy="0"/>
-          <a:chOff x="0" y="0"/>
-          <a:chExt cx="0" cy="0"/>
-        </a:xfrm>
-      </p:grpSpPr>
-      <p:sp>
-        <p:nvSpPr>
-          <p:cNvPr id="434" name="Google Shape;434;g2f69afabb45_0_103:notes"/>
-          <p:cNvSpPr>
-            <a:spLocks noGrp="1" noRot="1" noChangeAspect="1"/>
-          </p:cNvSpPr>
-          <p:nvPr>
-            <p:ph type="sldImg" idx="2"/>
-          </p:nvPr>
-        </p:nvSpPr>
-        <p:spPr>
-          <a:xfrm>
-            <a:off x="381000" y="685800"/>
-            <a:ext cx="6096000" cy="3429000"/>
-          </a:xfrm>
-          <a:custGeom>
-            <a:avLst/>
-            <a:gdLst/>
-            <a:ahLst/>
-            <a:cxnLst/>
-            <a:rect l="l" t="t" r="r" b="b"/>
-            <a:pathLst>
-              <a:path w="120000" h="120000" extrusionOk="0">
-                <a:moveTo>
-                  <a:pt x="0" y="0"/>
-                </a:moveTo>
-                <a:lnTo>
-                  <a:pt x="120000" y="0"/>
-                </a:lnTo>
-                <a:lnTo>
-                  <a:pt x="120000" y="120000"/>
-                </a:lnTo>
-                <a:lnTo>
-                  <a:pt x="0" y="120000"/>
-                </a:lnTo>
-                <a:close/>
-              </a:path>
-            </a:pathLst>
-          </a:custGeom>
-        </p:spPr>
-      </p:sp>
-      <p:sp>
-        <p:nvSpPr>
-          <p:cNvPr id="435" name="Google Shape;435;g2f69afabb45_0_103:notes"/>
-          <p:cNvSpPr txBox="1">
-            <a:spLocks noGrp="1"/>
-          </p:cNvSpPr>
-          <p:nvPr>
-            <p:ph type="body" idx="1"/>
-          </p:nvPr>
-        </p:nvSpPr>
-        <p:spPr>
-          <a:xfrm>
-            <a:off x="685800" y="4343400"/>
-            <a:ext cx="5486400" cy="4114800"/>
-          </a:xfrm>
-          <a:prstGeom prst="rect">
-            <a:avLst/>
-          </a:prstGeom>
-        </p:spPr>
-        <p:txBody>
-          <a:bodyPr spcFirstLastPara="1" wrap="square" lIns="91425" tIns="91425" rIns="91425" bIns="91425" anchor="t" anchorCtr="0">
-            <a:noAutofit/>
-          </a:bodyPr>
-          <a:lstStyle/>
-          <a:p>
-            <a:pPr marL="0" lvl="0" indent="0" algn="l" rtl="0">
-              <a:spcBef>
-                <a:spcPts val="0"/>
-              </a:spcBef>
-              <a:spcAft>
-                <a:spcPts val="0"/>
-              </a:spcAft>
-              <a:buNone/>
-            </a:pPr>
-            <a:endParaRPr/>
-          </a:p>
-        </p:txBody>
-      </p:sp>
-    </p:spTree>
-    <p:extLst>
-      <p:ext uri="{BB962C8B-B14F-4D97-AF65-F5344CB8AC3E}">
-        <p14:creationId xmlns="" xmlns:p14="http://schemas.microsoft.com/office/powerpoint/2010/main" val="1650261974"/>
-      </p:ext>
-    </p:extLst>
-  </p:cSld>
-  <p:clrMapOvr>
-    <a:masterClrMapping/>
-  </p:clrMapOvr>
-</p:notes>
-</file>
-
-<file path=ppt/notesSlides/notesSlide32.xml><?xml version="1.0" encoding="utf-8"?>
-<p:notes xmlns:a="http://schemas.openxmlformats.org/drawingml/2006/main" xmlns:r="http://schemas.openxmlformats.org/officeDocument/2006/relationships" xmlns:p="http://schemas.openxmlformats.org/presentationml/2006/main" showMasterSp="0" showMasterPhAnim="0">
-  <p:cSld>
-    <p:spTree>
-      <p:nvGrpSpPr>
-        <p:cNvPr id="1" name="Shape 433"/>
-        <p:cNvGrpSpPr/>
-        <p:nvPr/>
-      </p:nvGrpSpPr>
-      <p:grpSpPr>
-        <a:xfrm>
-          <a:off x="0" y="0"/>
-          <a:ext cx="0" cy="0"/>
-          <a:chOff x="0" y="0"/>
-          <a:chExt cx="0" cy="0"/>
-        </a:xfrm>
-      </p:grpSpPr>
-      <p:sp>
-        <p:nvSpPr>
-          <p:cNvPr id="434" name="Google Shape;434;g2f69afabb45_0_103:notes"/>
-          <p:cNvSpPr>
-            <a:spLocks noGrp="1" noRot="1" noChangeAspect="1"/>
-          </p:cNvSpPr>
-          <p:nvPr>
-            <p:ph type="sldImg" idx="2"/>
-          </p:nvPr>
-        </p:nvSpPr>
-        <p:spPr>
-          <a:xfrm>
-            <a:off x="381000" y="685800"/>
-            <a:ext cx="6096000" cy="3429000"/>
-          </a:xfrm>
-          <a:custGeom>
-            <a:avLst/>
-            <a:gdLst/>
-            <a:ahLst/>
-            <a:cxnLst/>
-            <a:rect l="l" t="t" r="r" b="b"/>
-            <a:pathLst>
-              <a:path w="120000" h="120000" extrusionOk="0">
-                <a:moveTo>
-                  <a:pt x="0" y="0"/>
-                </a:moveTo>
-                <a:lnTo>
-                  <a:pt x="120000" y="0"/>
-                </a:lnTo>
-                <a:lnTo>
-                  <a:pt x="120000" y="120000"/>
-                </a:lnTo>
-                <a:lnTo>
-                  <a:pt x="0" y="120000"/>
-                </a:lnTo>
-                <a:close/>
-              </a:path>
-            </a:pathLst>
-          </a:custGeom>
-        </p:spPr>
-      </p:sp>
-      <p:sp>
-        <p:nvSpPr>
-          <p:cNvPr id="435" name="Google Shape;435;g2f69afabb45_0_103:notes"/>
-          <p:cNvSpPr txBox="1">
-            <a:spLocks noGrp="1"/>
-          </p:cNvSpPr>
-          <p:nvPr>
-            <p:ph type="body" idx="1"/>
-          </p:nvPr>
-        </p:nvSpPr>
-        <p:spPr>
-          <a:xfrm>
-            <a:off x="685800" y="4343400"/>
-            <a:ext cx="5486400" cy="4114800"/>
-          </a:xfrm>
-          <a:prstGeom prst="rect">
-            <a:avLst/>
-          </a:prstGeom>
-        </p:spPr>
-        <p:txBody>
-          <a:bodyPr spcFirstLastPara="1" wrap="square" lIns="91425" tIns="91425" rIns="91425" bIns="91425" anchor="t" anchorCtr="0">
-            <a:noAutofit/>
-          </a:bodyPr>
-          <a:lstStyle/>
-          <a:p>
-            <a:pPr marL="0" lvl="0" indent="0" algn="l" rtl="0">
-              <a:spcBef>
-                <a:spcPts val="0"/>
-              </a:spcBef>
-              <a:spcAft>
-                <a:spcPts val="0"/>
-              </a:spcAft>
-              <a:buNone/>
-            </a:pPr>
-            <a:endParaRPr/>
-          </a:p>
-        </p:txBody>
-      </p:sp>
-    </p:spTree>
-    <p:extLst>
-      <p:ext uri="{BB962C8B-B14F-4D97-AF65-F5344CB8AC3E}">
-        <p14:creationId xmlns="" xmlns:p14="http://schemas.microsoft.com/office/powerpoint/2010/main" val="1650261974"/>
-      </p:ext>
-    </p:extLst>
   </p:cSld>
   <p:clrMapOvr>
     <a:masterClrMapping/>
@@ -3683,7 +3685,7 @@
     </p:spTree>
     <p:extLst>
       <p:ext uri="{BB962C8B-B14F-4D97-AF65-F5344CB8AC3E}">
-        <p14:creationId xmlns="" xmlns:p14="http://schemas.microsoft.com/office/powerpoint/2010/main" val="1650261974"/>
+        <p14:creationId xmlns:p14="http://schemas.microsoft.com/office/powerpoint/2010/main" val="1650261974"/>
       </p:ext>
     </p:extLst>
   </p:cSld>
@@ -3694,6 +3696,224 @@
 </file>
 
 <file path=ppt/notesSlides/notesSlide34.xml><?xml version="1.0" encoding="utf-8"?>
+<p:notes xmlns:a="http://schemas.openxmlformats.org/drawingml/2006/main" xmlns:r="http://schemas.openxmlformats.org/officeDocument/2006/relationships" xmlns:p="http://schemas.openxmlformats.org/presentationml/2006/main" showMasterSp="0" showMasterPhAnim="0">
+  <p:cSld>
+    <p:spTree>
+      <p:nvGrpSpPr>
+        <p:cNvPr id="1" name="Shape 433"/>
+        <p:cNvGrpSpPr/>
+        <p:nvPr/>
+      </p:nvGrpSpPr>
+      <p:grpSpPr>
+        <a:xfrm>
+          <a:off x="0" y="0"/>
+          <a:ext cx="0" cy="0"/>
+          <a:chOff x="0" y="0"/>
+          <a:chExt cx="0" cy="0"/>
+        </a:xfrm>
+      </p:grpSpPr>
+      <p:sp>
+        <p:nvSpPr>
+          <p:cNvPr id="434" name="Google Shape;434;g2f69afabb45_0_103:notes"/>
+          <p:cNvSpPr>
+            <a:spLocks noGrp="1" noRot="1" noChangeAspect="1"/>
+          </p:cNvSpPr>
+          <p:nvPr>
+            <p:ph type="sldImg" idx="2"/>
+          </p:nvPr>
+        </p:nvSpPr>
+        <p:spPr>
+          <a:xfrm>
+            <a:off x="381000" y="685800"/>
+            <a:ext cx="6096000" cy="3429000"/>
+          </a:xfrm>
+          <a:custGeom>
+            <a:avLst/>
+            <a:gdLst/>
+            <a:ahLst/>
+            <a:cxnLst/>
+            <a:rect l="l" t="t" r="r" b="b"/>
+            <a:pathLst>
+              <a:path w="120000" h="120000" extrusionOk="0">
+                <a:moveTo>
+                  <a:pt x="0" y="0"/>
+                </a:moveTo>
+                <a:lnTo>
+                  <a:pt x="120000" y="0"/>
+                </a:lnTo>
+                <a:lnTo>
+                  <a:pt x="120000" y="120000"/>
+                </a:lnTo>
+                <a:lnTo>
+                  <a:pt x="0" y="120000"/>
+                </a:lnTo>
+                <a:close/>
+              </a:path>
+            </a:pathLst>
+          </a:custGeom>
+        </p:spPr>
+      </p:sp>
+      <p:sp>
+        <p:nvSpPr>
+          <p:cNvPr id="435" name="Google Shape;435;g2f69afabb45_0_103:notes"/>
+          <p:cNvSpPr txBox="1">
+            <a:spLocks noGrp="1"/>
+          </p:cNvSpPr>
+          <p:nvPr>
+            <p:ph type="body" idx="1"/>
+          </p:nvPr>
+        </p:nvSpPr>
+        <p:spPr>
+          <a:xfrm>
+            <a:off x="685800" y="4343400"/>
+            <a:ext cx="5486400" cy="4114800"/>
+          </a:xfrm>
+          <a:prstGeom prst="rect">
+            <a:avLst/>
+          </a:prstGeom>
+        </p:spPr>
+        <p:txBody>
+          <a:bodyPr spcFirstLastPara="1" wrap="square" lIns="91425" tIns="91425" rIns="91425" bIns="91425" anchor="t" anchorCtr="0">
+            <a:noAutofit/>
+          </a:bodyPr>
+          <a:lstStyle/>
+          <a:p>
+            <a:pPr marL="0" lvl="0" indent="0" algn="l" rtl="0">
+              <a:spcBef>
+                <a:spcPts val="0"/>
+              </a:spcBef>
+              <a:spcAft>
+                <a:spcPts val="0"/>
+              </a:spcAft>
+              <a:buNone/>
+            </a:pPr>
+            <a:endParaRPr/>
+          </a:p>
+        </p:txBody>
+      </p:sp>
+    </p:spTree>
+    <p:extLst>
+      <p:ext uri="{BB962C8B-B14F-4D97-AF65-F5344CB8AC3E}">
+        <p14:creationId xmlns:p14="http://schemas.microsoft.com/office/powerpoint/2010/main" val="1650261974"/>
+      </p:ext>
+    </p:extLst>
+  </p:cSld>
+  <p:clrMapOvr>
+    <a:masterClrMapping/>
+  </p:clrMapOvr>
+</p:notes>
+</file>
+
+<file path=ppt/notesSlides/notesSlide35.xml><?xml version="1.0" encoding="utf-8"?>
+<p:notes xmlns:a="http://schemas.openxmlformats.org/drawingml/2006/main" xmlns:r="http://schemas.openxmlformats.org/officeDocument/2006/relationships" xmlns:p="http://schemas.openxmlformats.org/presentationml/2006/main" showMasterSp="0" showMasterPhAnim="0">
+  <p:cSld>
+    <p:spTree>
+      <p:nvGrpSpPr>
+        <p:cNvPr id="1" name="Shape 433"/>
+        <p:cNvGrpSpPr/>
+        <p:nvPr/>
+      </p:nvGrpSpPr>
+      <p:grpSpPr>
+        <a:xfrm>
+          <a:off x="0" y="0"/>
+          <a:ext cx="0" cy="0"/>
+          <a:chOff x="0" y="0"/>
+          <a:chExt cx="0" cy="0"/>
+        </a:xfrm>
+      </p:grpSpPr>
+      <p:sp>
+        <p:nvSpPr>
+          <p:cNvPr id="434" name="Google Shape;434;g2f69afabb45_0_103:notes"/>
+          <p:cNvSpPr>
+            <a:spLocks noGrp="1" noRot="1" noChangeAspect="1"/>
+          </p:cNvSpPr>
+          <p:nvPr>
+            <p:ph type="sldImg" idx="2"/>
+          </p:nvPr>
+        </p:nvSpPr>
+        <p:spPr>
+          <a:xfrm>
+            <a:off x="381000" y="685800"/>
+            <a:ext cx="6096000" cy="3429000"/>
+          </a:xfrm>
+          <a:custGeom>
+            <a:avLst/>
+            <a:gdLst/>
+            <a:ahLst/>
+            <a:cxnLst/>
+            <a:rect l="l" t="t" r="r" b="b"/>
+            <a:pathLst>
+              <a:path w="120000" h="120000" extrusionOk="0">
+                <a:moveTo>
+                  <a:pt x="0" y="0"/>
+                </a:moveTo>
+                <a:lnTo>
+                  <a:pt x="120000" y="0"/>
+                </a:lnTo>
+                <a:lnTo>
+                  <a:pt x="120000" y="120000"/>
+                </a:lnTo>
+                <a:lnTo>
+                  <a:pt x="0" y="120000"/>
+                </a:lnTo>
+                <a:close/>
+              </a:path>
+            </a:pathLst>
+          </a:custGeom>
+        </p:spPr>
+      </p:sp>
+      <p:sp>
+        <p:nvSpPr>
+          <p:cNvPr id="435" name="Google Shape;435;g2f69afabb45_0_103:notes"/>
+          <p:cNvSpPr txBox="1">
+            <a:spLocks noGrp="1"/>
+          </p:cNvSpPr>
+          <p:nvPr>
+            <p:ph type="body" idx="1"/>
+          </p:nvPr>
+        </p:nvSpPr>
+        <p:spPr>
+          <a:xfrm>
+            <a:off x="685800" y="4343400"/>
+            <a:ext cx="5486400" cy="4114800"/>
+          </a:xfrm>
+          <a:prstGeom prst="rect">
+            <a:avLst/>
+          </a:prstGeom>
+        </p:spPr>
+        <p:txBody>
+          <a:bodyPr spcFirstLastPara="1" wrap="square" lIns="91425" tIns="91425" rIns="91425" bIns="91425" anchor="t" anchorCtr="0">
+            <a:noAutofit/>
+          </a:bodyPr>
+          <a:lstStyle/>
+          <a:p>
+            <a:pPr marL="0" lvl="0" indent="0" algn="l" rtl="0">
+              <a:spcBef>
+                <a:spcPts val="0"/>
+              </a:spcBef>
+              <a:spcAft>
+                <a:spcPts val="0"/>
+              </a:spcAft>
+              <a:buNone/>
+            </a:pPr>
+            <a:endParaRPr/>
+          </a:p>
+        </p:txBody>
+      </p:sp>
+    </p:spTree>
+    <p:extLst>
+      <p:ext uri="{BB962C8B-B14F-4D97-AF65-F5344CB8AC3E}">
+        <p14:creationId xmlns:p14="http://schemas.microsoft.com/office/powerpoint/2010/main" val="1650261974"/>
+      </p:ext>
+    </p:extLst>
+  </p:cSld>
+  <p:clrMapOvr>
+    <a:masterClrMapping/>
+  </p:clrMapOvr>
+</p:notes>
+</file>
+
+<file path=ppt/notesSlides/notesSlide36.xml><?xml version="1.0" encoding="utf-8"?>
 <p:notes xmlns:a="http://schemas.openxmlformats.org/drawingml/2006/main" xmlns:r="http://schemas.openxmlformats.org/officeDocument/2006/relationships" xmlns:p="http://schemas.openxmlformats.org/presentationml/2006/main" showMasterSp="0" showMasterPhAnim="0">
   <p:cSld>
     <p:spTree>
@@ -3797,7 +4017,7 @@
 </p:notes>
 </file>
 
-<file path=ppt/notesSlides/notesSlide35.xml><?xml version="1.0" encoding="utf-8"?>
+<file path=ppt/notesSlides/notesSlide37.xml><?xml version="1.0" encoding="utf-8"?>
 <p:notes xmlns:a="http://schemas.openxmlformats.org/drawingml/2006/main" xmlns:r="http://schemas.openxmlformats.org/officeDocument/2006/relationships" xmlns:p="http://schemas.openxmlformats.org/presentationml/2006/main" showMasterSp="0" showMasterPhAnim="0">
   <p:cSld>
     <p:spTree>
@@ -3901,7 +4121,7 @@
 </p:notes>
 </file>
 
-<file path=ppt/notesSlides/notesSlide36.xml><?xml version="1.0" encoding="utf-8"?>
+<file path=ppt/notesSlides/notesSlide38.xml><?xml version="1.0" encoding="utf-8"?>
 <p:notes xmlns:a="http://schemas.openxmlformats.org/drawingml/2006/main" xmlns:r="http://schemas.openxmlformats.org/officeDocument/2006/relationships" xmlns:p="http://schemas.openxmlformats.org/presentationml/2006/main" showMasterSp="0" showMasterPhAnim="0">
   <p:cSld>
     <p:spTree>
@@ -4005,7 +4225,7 @@
 </p:notes>
 </file>
 
-<file path=ppt/notesSlides/notesSlide37.xml><?xml version="1.0" encoding="utf-8"?>
+<file path=ppt/notesSlides/notesSlide39.xml><?xml version="1.0" encoding="utf-8"?>
 <p:notes xmlns:a="http://schemas.openxmlformats.org/drawingml/2006/main" xmlns:r="http://schemas.openxmlformats.org/officeDocument/2006/relationships" xmlns:p="http://schemas.openxmlformats.org/presentationml/2006/main" showMasterSp="0" showMasterPhAnim="0">
   <p:cSld>
     <p:spTree>
@@ -4208,7 +4428,7 @@
     </p:spTree>
     <p:extLst>
       <p:ext uri="{BB962C8B-B14F-4D97-AF65-F5344CB8AC3E}">
-        <p14:creationId xmlns="" xmlns:p14="http://schemas.microsoft.com/office/powerpoint/2010/main" val="2591893246"/>
+        <p14:creationId xmlns:p14="http://schemas.microsoft.com/office/powerpoint/2010/main" val="2591893246"/>
       </p:ext>
     </p:extLst>
   </p:cSld>
@@ -4629,7 +4849,7 @@
     </p:spTree>
     <p:extLst>
       <p:ext uri="{BB962C8B-B14F-4D97-AF65-F5344CB8AC3E}">
-        <p14:creationId xmlns="" xmlns:p14="http://schemas.microsoft.com/office/powerpoint/2010/main" val="86634323"/>
+        <p14:creationId xmlns:p14="http://schemas.microsoft.com/office/powerpoint/2010/main" val="86634323"/>
       </p:ext>
     </p:extLst>
   </p:cSld>
@@ -8746,7 +8966,7 @@
   </p:clrMapOvr>
   <p:extLst>
     <p:ext uri="{DCECCB84-F9BA-43D5-87BE-67443E8EF086}">
-      <p15:sldGuideLst xmlns="" xmlns:p15="http://schemas.microsoft.com/office/powerpoint/2012/main">
+      <p15:sldGuideLst xmlns:p15="http://schemas.microsoft.com/office/powerpoint/2012/main">
         <p15:guide id="1" pos="397">
           <p15:clr>
             <a:srgbClr val="FA7B17"/>
@@ -11940,7 +12160,7 @@
     </p:spTree>
     <p:extLst>
       <p:ext uri="{BB962C8B-B14F-4D97-AF65-F5344CB8AC3E}">
-        <p14:creationId xmlns="" xmlns:p14="http://schemas.microsoft.com/office/powerpoint/2010/main" val="4136653412"/>
+        <p14:creationId xmlns:p14="http://schemas.microsoft.com/office/powerpoint/2010/main" val="4136653412"/>
       </p:ext>
     </p:extLst>
   </p:cSld>
@@ -12024,8 +12244,8 @@
         </p:nvSpPr>
         <p:spPr>
           <a:xfrm>
-            <a:off x="500550" y="1368066"/>
-            <a:ext cx="3295868" cy="2462213"/>
+            <a:off x="500550" y="1009925"/>
+            <a:ext cx="4500272" cy="2677656"/>
           </a:xfrm>
           <a:prstGeom prst="rect">
             <a:avLst/>
@@ -12037,54 +12257,62 @@
           </a:bodyPr>
           <a:lstStyle/>
           <a:p>
-            <a:pPr marL="342900" indent="-342900"/>
+            <a:r>
+              <a:rPr lang="ru-RU" dirty="0"/>
+              <a:t>Основная идея абстракции - предоставить</a:t>
+            </a:r>
+            <a:r>
+              <a:rPr lang="ru-RU" b="1" dirty="0"/>
+              <a:t> общий интерфейс </a:t>
+            </a:r>
+            <a:r>
+              <a:rPr lang="ru-RU" dirty="0"/>
+              <a:t>для объекта. </a:t>
+            </a:r>
+          </a:p>
+          <a:p>
+            <a:endParaRPr lang="ru-RU" dirty="0" smtClean="0"/>
+          </a:p>
+          <a:p>
             <a:r>
               <a:rPr lang="ru-RU" dirty="0" smtClean="0"/>
-              <a:t>Основная идея состоит в том, чтобы</a:t>
-            </a:r>
-          </a:p>
-          <a:p>
-            <a:pPr marL="342900" indent="-342900"/>
+              <a:t>У </a:t>
+            </a:r>
+            <a:r>
+              <a:rPr lang="ru-RU" dirty="0"/>
+              <a:t>каждого автомобиля есть колеса. В общем случае мы не знаем о колесах ничего: ни материала изготовления, ни </a:t>
+            </a:r>
             <a:r>
               <a:rPr lang="ru-RU" dirty="0" smtClean="0"/>
-              <a:t>представить объект обладающим</a:t>
-            </a:r>
-          </a:p>
-          <a:p>
-            <a:pPr marL="342900" indent="-342900"/>
+              <a:t>диаметра. Но </a:t>
+            </a:r>
+            <a:r>
+              <a:rPr lang="ru-RU" dirty="0"/>
+              <a:t>мы знаем что они </a:t>
+            </a:r>
             <a:r>
               <a:rPr lang="ru-RU" dirty="0" smtClean="0"/>
-              <a:t>набором методов и при этом не</a:t>
-            </a:r>
-          </a:p>
-          <a:p>
-            <a:pPr marL="342900" indent="-342900"/>
+              <a:t>делают: колеса </a:t>
+            </a:r>
+            <a:r>
+              <a:rPr lang="ru-RU" dirty="0"/>
+              <a:t>- крутятся. </a:t>
+            </a:r>
+            <a:endParaRPr lang="ru-RU" dirty="0" smtClean="0"/>
+          </a:p>
+          <a:p>
+            <a:endParaRPr lang="ru-RU" dirty="0"/>
+          </a:p>
+          <a:p>
+            <a:r>
+              <a:rPr lang="ru-RU" dirty="0"/>
+              <a:t>Разработчик будет знать, чем будет заниматься будущий объект типа, который будет унаследован от абстрактного. На данном этапе реализация - не является обязательной</a:t>
+            </a:r>
             <a:r>
               <a:rPr lang="ru-RU" dirty="0" smtClean="0"/>
-              <a:t>предоставлять конкретную логику</a:t>
-            </a:r>
-          </a:p>
-          <a:p>
-            <a:pPr marL="342900" indent="-342900"/>
-            <a:r>
-              <a:rPr lang="ru-RU" dirty="0" smtClean="0"/>
-              <a:t>этих методов</a:t>
-            </a:r>
-            <a:r>
-              <a:rPr lang="en-US" dirty="0" smtClean="0"/>
               <a:t>.</a:t>
             </a:r>
             <a:endParaRPr lang="ru-RU" dirty="0" smtClean="0"/>
-          </a:p>
-          <a:p>
-            <a:pPr marL="342900" indent="-342900"/>
-            <a:endParaRPr lang="ru-RU" dirty="0"/>
-          </a:p>
-          <a:p>
-            <a:r>
-              <a:rPr lang="ru-RU" dirty="0" smtClean="0"/>
-              <a:t>Важным аспектом абстракции является то, что нельзя создать объект абстрактного типа, так как он допускает неопределенное поведение. </a:t>
-            </a:r>
           </a:p>
         </p:txBody>
       </p:sp>
@@ -12120,14 +12348,20 @@
       </p:sp>
       <p:pic>
         <p:nvPicPr>
-          <p:cNvPr id="36867" name="Picture 3"/>
+          <p:cNvPr id="1026" name="Picture 2" descr="https://www.speckras.ru/file/i_pic/wheel.jpg"/>
           <p:cNvPicPr>
             <a:picLocks noChangeAspect="1" noChangeArrowheads="1"/>
           </p:cNvPicPr>
           <p:nvPr/>
         </p:nvPicPr>
         <p:blipFill>
-          <a:blip r:embed="rId3"/>
+          <a:blip r:embed="rId3">
+            <a:extLst>
+              <a:ext uri="{28A0092B-C50C-407E-A947-70E740481C1C}">
+                <a14:useLocalDpi xmlns:a14="http://schemas.microsoft.com/office/drawing/2010/main" val="0"/>
+              </a:ext>
+            </a:extLst>
+          </a:blip>
           <a:srcRect/>
           <a:stretch>
             <a:fillRect/>
@@ -12135,26 +12369,28 @@
         </p:blipFill>
         <p:spPr bwMode="auto">
           <a:xfrm>
-            <a:off x="3938588" y="1295400"/>
-            <a:ext cx="4886325" cy="3048000"/>
+            <a:off x="5180395" y="1835147"/>
+            <a:ext cx="3330882" cy="1627733"/>
           </a:xfrm>
           <a:prstGeom prst="rect">
             <a:avLst/>
           </a:prstGeom>
           <a:noFill/>
-          <a:ln w="9525">
-            <a:noFill/>
-            <a:miter lim="800000"/>
-            <a:headEnd/>
-            <a:tailEnd/>
-          </a:ln>
-          <a:effectLst/>
+          <a:extLst>
+            <a:ext uri="{909E8E84-426E-40DD-AFC4-6F175D3DCCD1}">
+              <a14:hiddenFill xmlns:a14="http://schemas.microsoft.com/office/drawing/2010/main">
+                <a:solidFill>
+                  <a:srgbClr val="FFFFFF"/>
+                </a:solidFill>
+              </a14:hiddenFill>
+            </a:ext>
+          </a:extLst>
         </p:spPr>
       </p:pic>
     </p:spTree>
     <p:extLst>
       <p:ext uri="{BB962C8B-B14F-4D97-AF65-F5344CB8AC3E}">
-        <p14:creationId xmlns="" xmlns:p14="http://schemas.microsoft.com/office/powerpoint/2010/main" val="589503412"/>
+        <p14:creationId xmlns:p14="http://schemas.microsoft.com/office/powerpoint/2010/main" val="589503412"/>
       </p:ext>
     </p:extLst>
   </p:cSld>
@@ -12243,8 +12479,8 @@
         </p:nvSpPr>
         <p:spPr>
           <a:xfrm>
-            <a:off x="500549" y="1368066"/>
-            <a:ext cx="4586951" cy="2831544"/>
+            <a:off x="500550" y="1009925"/>
+            <a:ext cx="4872337" cy="3385542"/>
           </a:xfrm>
           <a:prstGeom prst="rect">
             <a:avLst/>
@@ -12278,8 +12514,16 @@
               <a:buAutoNum type="arabicPeriod"/>
             </a:pPr>
             <a:r>
+              <a:rPr lang="en-US" dirty="0" smtClean="0"/>
+              <a:t> </a:t>
+            </a:r>
+            <a:r>
               <a:rPr lang="ru-RU" dirty="0" smtClean="0"/>
-              <a:t>Абстрактные классы </a:t>
+              <a:t>Абстрактные </a:t>
+            </a:r>
+            <a:r>
+              <a:rPr lang="ru-RU" dirty="0" smtClean="0"/>
+              <a:t>классы </a:t>
             </a:r>
           </a:p>
           <a:p>
@@ -12287,20 +12531,12 @@
               <a:buAutoNum type="arabicPeriod"/>
             </a:pPr>
             <a:r>
+              <a:rPr lang="en-US" dirty="0" smtClean="0"/>
+              <a:t> </a:t>
+            </a:r>
+            <a:r>
               <a:rPr lang="ru-RU" dirty="0" smtClean="0"/>
-              <a:t>Интерфейсы </a:t>
-            </a:r>
-            <a:r>
-              <a:rPr lang="en-US" dirty="0" smtClean="0"/>
-              <a:t>(</a:t>
-            </a:r>
-            <a:r>
-              <a:rPr lang="ru-RU" dirty="0" smtClean="0"/>
-              <a:t>начиная с C# 8.0</a:t>
-            </a:r>
-            <a:r>
-              <a:rPr lang="en-US" dirty="0" smtClean="0"/>
-              <a:t>)</a:t>
+              <a:t>Интерфейсы</a:t>
             </a:r>
             <a:endParaRPr lang="ru-RU" dirty="0" smtClean="0"/>
           </a:p>
@@ -12338,7 +12574,15 @@
             </a:r>
             <a:r>
               <a:rPr lang="ru-RU" sz="1200" dirty="0" smtClean="0"/>
-              <a:t>изменение внутренней логики не затрагивает пользовательский интерфейс.</a:t>
+              <a:t>изменение внутренней логики не затрагивает </a:t>
+            </a:r>
+            <a:r>
+              <a:rPr lang="ru-RU" sz="1200" dirty="0" smtClean="0"/>
+              <a:t>интерфейс</a:t>
+            </a:r>
+            <a:r>
+              <a:rPr lang="ru-RU" sz="1200" dirty="0" smtClean="0"/>
+              <a:t>.</a:t>
             </a:r>
           </a:p>
           <a:p>
@@ -12350,6 +12594,22 @@
               <a:rPr lang="ru-RU" sz="1200" dirty="0" smtClean="0"/>
               <a:t> Абстракция задаёт единый интерфейс для работы с объектами разных типов, обеспечивая их взаимозаменяемость.</a:t>
             </a:r>
+          </a:p>
+          <a:p>
+            <a:endParaRPr lang="ru-RU" sz="1200" dirty="0"/>
+          </a:p>
+          <a:p>
+            <a:r>
+              <a:rPr lang="ru-RU" sz="1200" dirty="0" smtClean="0"/>
+              <a:t>Важным </a:t>
+            </a:r>
+            <a:r>
+              <a:rPr lang="ru-RU" sz="1200" dirty="0"/>
+              <a:t>аспектом абстракции является то, что нельзя создать объект абстрактного типа, так как он допускает неопределенное поведение. </a:t>
+            </a:r>
+          </a:p>
+          <a:p>
+            <a:endParaRPr lang="ru-RU" sz="1200" dirty="0" smtClean="0"/>
           </a:p>
         </p:txBody>
       </p:sp>
@@ -12361,8 +12621,8 @@
         </p:nvSpPr>
         <p:spPr>
           <a:xfrm>
-            <a:off x="5302293" y="1365975"/>
-            <a:ext cx="3332343" cy="1615827"/>
+            <a:off x="5567153" y="1775879"/>
+            <a:ext cx="2763345" cy="1615827"/>
           </a:xfrm>
           <a:prstGeom prst="rect">
             <a:avLst/>
@@ -12579,7 +12839,7 @@
     </p:spTree>
     <p:extLst>
       <p:ext uri="{BB962C8B-B14F-4D97-AF65-F5344CB8AC3E}">
-        <p14:creationId xmlns="" xmlns:p14="http://schemas.microsoft.com/office/powerpoint/2010/main" val="589503412"/>
+        <p14:creationId xmlns:p14="http://schemas.microsoft.com/office/powerpoint/2010/main" val="589503412"/>
       </p:ext>
     </p:extLst>
   </p:cSld>
@@ -13138,7 +13398,7 @@
     </p:spTree>
     <p:extLst>
       <p:ext uri="{BB962C8B-B14F-4D97-AF65-F5344CB8AC3E}">
-        <p14:creationId xmlns="" xmlns:p14="http://schemas.microsoft.com/office/powerpoint/2010/main" val="589503412"/>
+        <p14:creationId xmlns:p14="http://schemas.microsoft.com/office/powerpoint/2010/main" val="589503412"/>
       </p:ext>
     </p:extLst>
   </p:cSld>
@@ -13224,7 +13484,7 @@
         <p:spPr>
           <a:xfrm>
             <a:off x="500550" y="1164114"/>
-            <a:ext cx="3936438" cy="2893100"/>
+            <a:ext cx="3936438" cy="2339102"/>
           </a:xfrm>
           <a:prstGeom prst="rect">
             <a:avLst/>
@@ -13237,15 +13497,15 @@
           <a:lstStyle/>
           <a:p>
             <a:r>
-              <a:rPr lang="ru-RU" b="1" dirty="0" smtClean="0"/>
+              <a:rPr lang="ru-RU" sz="1200" b="1" dirty="0" smtClean="0"/>
               <a:t>Абстрактный класс </a:t>
             </a:r>
             <a:r>
-              <a:rPr lang="ru-RU" dirty="0" smtClean="0"/>
+              <a:rPr lang="ru-RU" sz="1200" dirty="0" smtClean="0"/>
               <a:t>— это класс, который помечен ключевым словом </a:t>
             </a:r>
             <a:r>
-              <a:rPr lang="en-US" dirty="0" smtClean="0">
+              <a:rPr lang="en-US" sz="1200" dirty="0" smtClean="0">
                 <a:solidFill>
                   <a:srgbClr val="0000FF"/>
                 </a:solidFill>
@@ -13254,7 +13514,7 @@
               <a:t>abstract</a:t>
             </a:r>
             <a:r>
-              <a:rPr lang="ru-RU" dirty="0" smtClean="0">
+              <a:rPr lang="ru-RU" sz="1200" dirty="0" smtClean="0">
                 <a:solidFill>
                   <a:srgbClr val="0000FF"/>
                 </a:solidFill>
@@ -13263,40 +13523,32 @@
               <a:t> </a:t>
             </a:r>
             <a:r>
-              <a:rPr lang="ru-RU" dirty="0" smtClean="0"/>
+              <a:rPr lang="ru-RU" sz="1200" dirty="0" smtClean="0"/>
               <a:t>и</a:t>
             </a:r>
             <a:r>
-              <a:rPr lang="ru-RU" i="1" dirty="0" smtClean="0"/>
+              <a:rPr lang="ru-RU" sz="1200" i="1" dirty="0" smtClean="0"/>
               <a:t> может</a:t>
             </a:r>
             <a:r>
-              <a:rPr lang="ru-RU" dirty="0" smtClean="0"/>
-              <a:t> содержать методы </a:t>
-            </a:r>
-            <a:r>
-              <a:rPr lang="ru-RU" smtClean="0"/>
-              <a:t>без реализации. </a:t>
-            </a:r>
-            <a:r>
-              <a:rPr lang="ru-RU" dirty="0" smtClean="0"/>
-              <a:t>Такие методы называются абстрактными.</a:t>
-            </a:r>
-          </a:p>
-          <a:p>
-            <a:endParaRPr lang="ru-RU" dirty="0" smtClean="0"/>
-          </a:p>
-          <a:p>
-            <a:r>
-              <a:rPr lang="ru-RU" dirty="0" smtClean="0"/>
+              <a:rPr lang="ru-RU" sz="1200" dirty="0" smtClean="0"/>
+              <a:t> содержать методы без реализации. Такие методы называются абстрактными.</a:t>
+            </a:r>
+          </a:p>
+          <a:p>
+            <a:endParaRPr lang="ru-RU" sz="1200" dirty="0" smtClean="0"/>
+          </a:p>
+          <a:p>
+            <a:r>
+              <a:rPr lang="ru-RU" sz="1200" dirty="0" smtClean="0"/>
               <a:t>Абстрактные классы</a:t>
             </a:r>
             <a:r>
-              <a:rPr lang="en-US" dirty="0" smtClean="0"/>
+              <a:rPr lang="en-US" sz="1200" dirty="0" smtClean="0"/>
               <a:t> </a:t>
             </a:r>
             <a:r>
-              <a:rPr lang="ru-RU" dirty="0" smtClean="0"/>
+              <a:rPr lang="ru-RU" sz="1200" dirty="0" smtClean="0"/>
               <a:t>и их отличия от интерфейсов:</a:t>
             </a:r>
           </a:p>
@@ -13305,7 +13557,7 @@
               <a:buAutoNum type="arabicPeriod"/>
             </a:pPr>
             <a:r>
-              <a:rPr lang="ru-RU" dirty="0" smtClean="0"/>
+              <a:rPr lang="ru-RU" sz="1200" dirty="0" smtClean="0"/>
               <a:t>Абстрактный класс может содержать конструктор, что позволяет инициализировать данные.</a:t>
             </a:r>
           </a:p>
@@ -13314,7 +13566,7 @@
               <a:buAutoNum type="arabicPeriod"/>
             </a:pPr>
             <a:r>
-              <a:rPr lang="ru-RU" dirty="0" smtClean="0"/>
+              <a:rPr lang="ru-RU" sz="1200" dirty="0" smtClean="0"/>
               <a:t>Поддерживает только одиночное наследование.</a:t>
             </a:r>
           </a:p>
@@ -13322,7 +13574,7 @@
             <a:pPr marL="342900" indent="-342900">
               <a:buAutoNum type="arabicPeriod"/>
             </a:pPr>
-            <a:endParaRPr lang="ru-RU" dirty="0" smtClean="0"/>
+            <a:endParaRPr lang="ru-RU" sz="1200" dirty="0" smtClean="0"/>
           </a:p>
         </p:txBody>
       </p:sp>
@@ -13812,7 +14064,7 @@
     </p:spTree>
     <p:extLst>
       <p:ext uri="{BB962C8B-B14F-4D97-AF65-F5344CB8AC3E}">
-        <p14:creationId xmlns="" xmlns:p14="http://schemas.microsoft.com/office/powerpoint/2010/main" val="589503412"/>
+        <p14:creationId xmlns:p14="http://schemas.microsoft.com/office/powerpoint/2010/main" val="589503412"/>
       </p:ext>
     </p:extLst>
   </p:cSld>
@@ -14042,8 +14294,8 @@
         </p:nvSpPr>
         <p:spPr>
           <a:xfrm>
-            <a:off x="5226096" y="1166384"/>
-            <a:ext cx="3644964" cy="3308598"/>
+            <a:off x="5194853" y="1009925"/>
+            <a:ext cx="3644964" cy="3816429"/>
           </a:xfrm>
           <a:prstGeom prst="rect">
             <a:avLst/>
@@ -14058,14 +14310,182 @@
             <a:r>
               <a:rPr lang="en-US" sz="1100" dirty="0">
                 <a:solidFill>
+                  <a:srgbClr val="267F99"/>
+                </a:solidFill>
+                <a:latin typeface="Consolas" panose="020B0609020204030204" pitchFamily="49" charset="0"/>
+              </a:rPr>
+              <a:t>Animal</a:t>
+            </a:r>
+            <a:r>
+              <a:rPr lang="en-US" sz="1100" dirty="0">
+                <a:solidFill>
+                  <a:srgbClr val="3B3B3B"/>
+                </a:solidFill>
+                <a:latin typeface="Consolas" panose="020B0609020204030204" pitchFamily="49" charset="0"/>
+              </a:rPr>
+              <a:t> </a:t>
+            </a:r>
+            <a:r>
+              <a:rPr lang="en-US" sz="1100" dirty="0">
+                <a:solidFill>
+                  <a:srgbClr val="001080"/>
+                </a:solidFill>
+                <a:latin typeface="Consolas" panose="020B0609020204030204" pitchFamily="49" charset="0"/>
+              </a:rPr>
+              <a:t>dog</a:t>
+            </a:r>
+            <a:r>
+              <a:rPr lang="en-US" sz="1100" dirty="0">
+                <a:solidFill>
+                  <a:srgbClr val="3B3B3B"/>
+                </a:solidFill>
+                <a:latin typeface="Consolas" panose="020B0609020204030204" pitchFamily="49" charset="0"/>
+              </a:rPr>
+              <a:t> </a:t>
+            </a:r>
+            <a:r>
+              <a:rPr lang="en-US" sz="1100" dirty="0">
+                <a:latin typeface="Consolas" panose="020B0609020204030204" pitchFamily="49" charset="0"/>
+              </a:rPr>
+              <a:t>=</a:t>
+            </a:r>
+            <a:r>
+              <a:rPr lang="en-US" sz="1100" dirty="0">
+                <a:solidFill>
+                  <a:srgbClr val="3B3B3B"/>
+                </a:solidFill>
+                <a:latin typeface="Consolas" panose="020B0609020204030204" pitchFamily="49" charset="0"/>
+              </a:rPr>
+              <a:t> </a:t>
+            </a:r>
+            <a:r>
+              <a:rPr lang="en-US" sz="1100" dirty="0">
+                <a:solidFill>
                   <a:srgbClr val="0000FF"/>
                 </a:solidFill>
                 <a:latin typeface="Consolas" panose="020B0609020204030204" pitchFamily="49" charset="0"/>
               </a:rPr>
+              <a:t>new</a:t>
+            </a:r>
+            <a:r>
+              <a:rPr lang="en-US" sz="1100" dirty="0">
+                <a:solidFill>
+                  <a:srgbClr val="3B3B3B"/>
+                </a:solidFill>
+                <a:latin typeface="Consolas" panose="020B0609020204030204" pitchFamily="49" charset="0"/>
+              </a:rPr>
+              <a:t> </a:t>
+            </a:r>
+            <a:r>
+              <a:rPr lang="en-US" sz="1100" dirty="0">
+                <a:solidFill>
+                  <a:srgbClr val="267F99"/>
+                </a:solidFill>
+                <a:latin typeface="Consolas" panose="020B0609020204030204" pitchFamily="49" charset="0"/>
+              </a:rPr>
+              <a:t>Dog</a:t>
+            </a:r>
+            <a:r>
+              <a:rPr lang="en-US" sz="1100" dirty="0">
+                <a:solidFill>
+                  <a:srgbClr val="3B3B3B"/>
+                </a:solidFill>
+                <a:latin typeface="Consolas" panose="020B0609020204030204" pitchFamily="49" charset="0"/>
+              </a:rPr>
+              <a:t>();</a:t>
+            </a:r>
+          </a:p>
+          <a:p>
+            <a:r>
+              <a:rPr lang="en-US" sz="1100" dirty="0" err="1">
+                <a:solidFill>
+                  <a:srgbClr val="001080"/>
+                </a:solidFill>
+                <a:latin typeface="Consolas" panose="020B0609020204030204" pitchFamily="49" charset="0"/>
+              </a:rPr>
+              <a:t>dog</a:t>
+            </a:r>
+            <a:r>
+              <a:rPr lang="en-US" sz="1100" dirty="0" err="1">
+                <a:solidFill>
+                  <a:srgbClr val="3B3B3B"/>
+                </a:solidFill>
+                <a:latin typeface="Consolas" panose="020B0609020204030204" pitchFamily="49" charset="0"/>
+              </a:rPr>
+              <a:t>.</a:t>
+            </a:r>
+            <a:r>
+              <a:rPr lang="en-US" sz="1100" dirty="0" err="1">
+                <a:solidFill>
+                  <a:srgbClr val="795E26"/>
+                </a:solidFill>
+                <a:latin typeface="Consolas" panose="020B0609020204030204" pitchFamily="49" charset="0"/>
+              </a:rPr>
+              <a:t>Speak</a:t>
+            </a:r>
+            <a:r>
+              <a:rPr lang="en-US" sz="1100" dirty="0">
+                <a:solidFill>
+                  <a:srgbClr val="3B3B3B"/>
+                </a:solidFill>
+                <a:latin typeface="Consolas" panose="020B0609020204030204" pitchFamily="49" charset="0"/>
+              </a:rPr>
+              <a:t>();    </a:t>
+            </a:r>
+            <a:r>
+              <a:rPr lang="en-US" sz="1100" dirty="0">
+                <a:solidFill>
+                  <a:srgbClr val="008000"/>
+                </a:solidFill>
+                <a:latin typeface="Consolas" panose="020B0609020204030204" pitchFamily="49" charset="0"/>
+              </a:rPr>
+              <a:t>// </a:t>
+            </a:r>
+            <a:r>
+              <a:rPr lang="ru-RU" sz="1100" dirty="0">
+                <a:solidFill>
+                  <a:srgbClr val="008000"/>
+                </a:solidFill>
+                <a:latin typeface="Consolas" panose="020B0609020204030204" pitchFamily="49" charset="0"/>
+              </a:rPr>
+              <a:t>Выведет: </a:t>
+            </a:r>
+            <a:r>
+              <a:rPr lang="en-US" sz="1100" dirty="0">
+                <a:solidFill>
+                  <a:srgbClr val="008000"/>
+                </a:solidFill>
+                <a:latin typeface="Consolas" panose="020B0609020204030204" pitchFamily="49" charset="0"/>
+              </a:rPr>
+              <a:t>Dog barks</a:t>
+            </a:r>
+            <a:endParaRPr lang="ru-RU" sz="1100" dirty="0" smtClean="0">
+              <a:solidFill>
+                <a:srgbClr val="0000FF"/>
+              </a:solidFill>
+              <a:latin typeface="Consolas" panose="020B0609020204030204" pitchFamily="49" charset="0"/>
+            </a:endParaRPr>
+          </a:p>
+          <a:p>
+            <a:endParaRPr lang="ru-RU" sz="1100" dirty="0">
+              <a:solidFill>
+                <a:srgbClr val="0000FF"/>
+              </a:solidFill>
+              <a:latin typeface="Consolas" panose="020B0609020204030204" pitchFamily="49" charset="0"/>
+            </a:endParaRPr>
+          </a:p>
+          <a:p>
+            <a:r>
+              <a:rPr lang="en-US" sz="1100" dirty="0" smtClean="0">
+                <a:solidFill>
+                  <a:srgbClr val="0000FF"/>
+                </a:solidFill>
+                <a:latin typeface="Consolas" panose="020B0609020204030204" pitchFamily="49" charset="0"/>
+              </a:rPr>
               <a:t>public</a:t>
             </a:r>
             <a:r>
-              <a:rPr lang="en-US" sz="1100" dirty="0">
+              <a:rPr lang="en-US" sz="1100" dirty="0" smtClean="0">
                 <a:latin typeface="Consolas" panose="020B0609020204030204" pitchFamily="49" charset="0"/>
               </a:rPr>
               <a:t> </a:t>
@@ -14607,18 +15027,18 @@
     </p:spTree>
     <p:extLst>
       <p:ext uri="{BB962C8B-B14F-4D97-AF65-F5344CB8AC3E}">
-        <p14:creationId xmlns="" xmlns:p14="http://schemas.microsoft.com/office/powerpoint/2010/main" val="3155185380"/>
+        <p14:creationId xmlns:p14="http://schemas.microsoft.com/office/powerpoint/2010/main" val="3155185380"/>
       </p:ext>
     </p:extLst>
   </p:cSld>
   <p:clrMapOvr>
     <a:masterClrMapping/>
   </p:clrMapOvr>
-  <mc:AlternateContent xmlns:mc="http://schemas.openxmlformats.org/markup-compatibility/2006">
-    <mc:Choice xmlns="" xmlns:p14="http://schemas.microsoft.com/office/powerpoint/2010/main" Requires="p14">
+  <mc:AlternateContent xmlns:mc="http://schemas.openxmlformats.org/markup-compatibility/2006" xmlns:p14="http://schemas.microsoft.com/office/powerpoint/2010/main">
+    <mc:Choice Requires="p14">
       <p:transition spd="slow" p14:dur="2000"/>
     </mc:Choice>
-    <mc:Fallback>
+    <mc:Fallback xmlns="">
       <p:transition spd="slow"/>
     </mc:Fallback>
   </mc:AlternateContent>
@@ -14707,7 +15127,7 @@
         <p:spPr>
           <a:xfrm>
             <a:off x="520700" y="1177787"/>
-            <a:ext cx="3990637" cy="818557"/>
+            <a:ext cx="3990637" cy="1741374"/>
           </a:xfrm>
           <a:prstGeom prst="rect">
             <a:avLst/>
@@ -14720,13 +15140,16 @@
           </a:bodyPr>
           <a:lstStyle/>
           <a:p>
-            <a:pPr lvl="0" indent="-342900">
+            <a:pPr>
               <a:lnSpc>
                 <a:spcPct val="115000"/>
               </a:lnSpc>
+              <a:spcBef>
+                <a:spcPts val="1400"/>
+              </a:spcBef>
             </a:pPr>
             <a:r>
-              <a:rPr lang="ru-RU" dirty="0" smtClean="0">
+              <a:rPr lang="ru-RU" dirty="0">
                 <a:solidFill>
                   <a:schemeClr val="tx1"/>
                 </a:solidFill>
@@ -14735,19 +15158,7 @@
                 <a:cs typeface="Roboto"/>
                 <a:sym typeface="Roboto"/>
               </a:rPr>
-              <a:t>Ключевое </a:t>
-            </a:r>
-            <a:r>
-              <a:rPr lang="ru-RU" dirty="0">
-                <a:solidFill>
-                  <a:schemeClr val="tx1"/>
-                </a:solidFill>
-                <a:latin typeface="Roboto"/>
-                <a:ea typeface="Roboto"/>
-                <a:cs typeface="Roboto"/>
-                <a:sym typeface="Roboto"/>
-              </a:rPr>
-              <a:t>слово </a:t>
+              <a:t>Ключевое слово </a:t>
             </a:r>
             <a:r>
               <a:rPr lang="ru-RU" dirty="0" err="1">
@@ -14774,93 +15185,9 @@
                 <a:cs typeface="Roboto"/>
                 <a:sym typeface="Roboto"/>
               </a:rPr>
-              <a:t> в C# используется для переопределения </a:t>
-            </a:r>
-            <a:r>
-              <a:rPr lang="ru-RU" dirty="0" smtClean="0">
-                <a:solidFill>
-                  <a:schemeClr val="tx1"/>
-                </a:solidFill>
-                <a:latin typeface="Roboto"/>
-                <a:ea typeface="Roboto"/>
-                <a:cs typeface="Roboto"/>
-                <a:sym typeface="Roboto"/>
-              </a:rPr>
-              <a:t>абстрактных методов</a:t>
-            </a:r>
-            <a:r>
-              <a:rPr lang="en-US" dirty="0" smtClean="0">
-                <a:solidFill>
-                  <a:schemeClr val="tx1"/>
-                </a:solidFill>
-                <a:latin typeface="Roboto"/>
-                <a:ea typeface="Roboto"/>
-                <a:cs typeface="Roboto"/>
-                <a:sym typeface="Roboto"/>
-              </a:rPr>
-              <a:t> </a:t>
-            </a:r>
-            <a:r>
-              <a:rPr lang="ru-RU" dirty="0" smtClean="0">
-                <a:solidFill>
-                  <a:schemeClr val="tx1"/>
-                </a:solidFill>
-                <a:latin typeface="Roboto"/>
-                <a:ea typeface="Roboto"/>
-                <a:cs typeface="Roboto"/>
-                <a:sym typeface="Roboto"/>
-              </a:rPr>
-              <a:t>и свойств</a:t>
-            </a:r>
-            <a:r>
-              <a:rPr lang="en-US" dirty="0" smtClean="0">
-                <a:solidFill>
-                  <a:schemeClr val="tx1"/>
-                </a:solidFill>
-                <a:latin typeface="Roboto"/>
-                <a:ea typeface="Roboto"/>
-                <a:cs typeface="Roboto"/>
-                <a:sym typeface="Roboto"/>
-              </a:rPr>
-              <a:t> </a:t>
-            </a:r>
-            <a:r>
-              <a:rPr lang="ru-RU" dirty="0" smtClean="0">
-                <a:solidFill>
-                  <a:schemeClr val="tx1"/>
-                </a:solidFill>
-                <a:latin typeface="Roboto"/>
-                <a:ea typeface="Roboto"/>
-                <a:cs typeface="Roboto"/>
-                <a:sym typeface="Roboto"/>
-              </a:rPr>
-              <a:t>объявленных </a:t>
-            </a:r>
-            <a:r>
-              <a:rPr lang="ru-RU" dirty="0">
-                <a:solidFill>
-                  <a:schemeClr val="tx1"/>
-                </a:solidFill>
-                <a:latin typeface="Roboto"/>
-                <a:ea typeface="Roboto"/>
-                <a:cs typeface="Roboto"/>
-                <a:sym typeface="Roboto"/>
-              </a:rPr>
-              <a:t>в </a:t>
-            </a:r>
-            <a:r>
-              <a:rPr lang="ru-RU" dirty="0" smtClean="0">
-                <a:solidFill>
-                  <a:schemeClr val="tx1"/>
-                </a:solidFill>
-                <a:latin typeface="Roboto"/>
-                <a:ea typeface="Roboto"/>
-                <a:cs typeface="Roboto"/>
-                <a:sym typeface="Roboto"/>
-              </a:rPr>
-              <a:t>классе.</a:t>
-            </a:r>
-            <a:endParaRPr lang="en-US" dirty="0" smtClean="0">
+              <a:t> в C# используется для переопределения виртуальных методов и свойств объявленных в базовом классе.</a:t>
+            </a:r>
+            <a:endParaRPr lang="en-US" dirty="0">
               <a:solidFill>
                 <a:schemeClr val="tx1"/>
               </a:solidFill>
@@ -14869,6 +15196,28 @@
               <a:cs typeface="Roboto"/>
               <a:sym typeface="Roboto"/>
             </a:endParaRPr>
+          </a:p>
+          <a:p>
+            <a:pPr>
+              <a:lnSpc>
+                <a:spcPct val="115000"/>
+              </a:lnSpc>
+              <a:spcBef>
+                <a:spcPts val="1400"/>
+              </a:spcBef>
+            </a:pPr>
+            <a:r>
+              <a:rPr lang="ru-RU" dirty="0">
+                <a:solidFill>
+                  <a:schemeClr val="tx1"/>
+                </a:solidFill>
+                <a:latin typeface="Roboto"/>
+                <a:ea typeface="Roboto"/>
+                <a:cs typeface="Roboto"/>
+                <a:sym typeface="Roboto"/>
+              </a:rPr>
+              <a:t>Оно позволяет изменить поведение базового члена в производном классе, сохраняя полиморфизм. </a:t>
+            </a:r>
           </a:p>
         </p:txBody>
       </p:sp>
@@ -14881,7 +15230,7 @@
         <p:spPr>
           <a:xfrm>
             <a:off x="4511337" y="1177787"/>
-            <a:ext cx="4632663" cy="2631490"/>
+            <a:ext cx="4632663" cy="2292935"/>
           </a:xfrm>
           <a:prstGeom prst="rect">
             <a:avLst/>
@@ -14900,10 +15249,31 @@
                 </a:solidFill>
                 <a:latin typeface="Consolas" panose="020B0609020204030204" pitchFamily="49" charset="0"/>
               </a:rPr>
+              <a:t>abstract</a:t>
+            </a:r>
+            <a:r>
+              <a:rPr lang="en-US" sz="1100" dirty="0">
+                <a:solidFill>
+                  <a:srgbClr val="3B3B3B"/>
+                </a:solidFill>
+                <a:latin typeface="Consolas" panose="020B0609020204030204" pitchFamily="49" charset="0"/>
+              </a:rPr>
+              <a:t> </a:t>
+            </a:r>
+            <a:r>
+              <a:rPr lang="en-US" sz="1100" dirty="0">
+                <a:solidFill>
+                  <a:srgbClr val="0000FF"/>
+                </a:solidFill>
+                <a:latin typeface="Consolas" panose="020B0609020204030204" pitchFamily="49" charset="0"/>
+              </a:rPr>
               <a:t>class</a:t>
             </a:r>
             <a:r>
               <a:rPr lang="en-US" sz="1100" dirty="0">
+                <a:solidFill>
+                  <a:srgbClr val="3B3B3B"/>
+                </a:solidFill>
                 <a:latin typeface="Consolas" panose="020B0609020204030204" pitchFamily="49" charset="0"/>
               </a:rPr>
               <a:t> </a:t>
@@ -14918,12 +15288,18 @@
               <a:t>Animal</a:t>
             </a:r>
             <a:endParaRPr lang="en-US" sz="1100" dirty="0">
+              <a:solidFill>
+                <a:srgbClr val="3B3B3B"/>
+              </a:solidFill>
               <a:latin typeface="Consolas" panose="020B0609020204030204" pitchFamily="49" charset="0"/>
             </a:endParaRPr>
           </a:p>
           <a:p>
             <a:r>
               <a:rPr lang="en-US" sz="1100" dirty="0">
+                <a:solidFill>
+                  <a:srgbClr val="3B3B3B"/>
+                </a:solidFill>
                 <a:latin typeface="Consolas" panose="020B0609020204030204" pitchFamily="49" charset="0"/>
               </a:rPr>
               <a:t>{</a:t>
@@ -14932,6 +15308,89 @@
           <a:p>
             <a:r>
               <a:rPr lang="en-US" sz="1100" dirty="0">
+                <a:solidFill>
+                  <a:srgbClr val="008000"/>
+                </a:solidFill>
+                <a:latin typeface="Consolas" panose="020B0609020204030204" pitchFamily="49" charset="0"/>
+              </a:rPr>
+              <a:t>    // </a:t>
+            </a:r>
+            <a:r>
+              <a:rPr lang="en-US" sz="1100" dirty="0" err="1">
+                <a:solidFill>
+                  <a:srgbClr val="008000"/>
+                </a:solidFill>
+                <a:latin typeface="Consolas" panose="020B0609020204030204" pitchFamily="49" charset="0"/>
+              </a:rPr>
+              <a:t>Абстрактный</a:t>
+            </a:r>
+            <a:r>
+              <a:rPr lang="en-US" sz="1100" dirty="0">
+                <a:solidFill>
+                  <a:srgbClr val="008000"/>
+                </a:solidFill>
+                <a:latin typeface="Consolas" panose="020B0609020204030204" pitchFamily="49" charset="0"/>
+              </a:rPr>
+              <a:t> </a:t>
+            </a:r>
+            <a:r>
+              <a:rPr lang="en-US" sz="1100" dirty="0" err="1">
+                <a:solidFill>
+                  <a:srgbClr val="008000"/>
+                </a:solidFill>
+                <a:latin typeface="Consolas" panose="020B0609020204030204" pitchFamily="49" charset="0"/>
+              </a:rPr>
+              <a:t>метод</a:t>
+            </a:r>
+            <a:r>
+              <a:rPr lang="en-US" sz="1100" dirty="0">
+                <a:solidFill>
+                  <a:srgbClr val="008000"/>
+                </a:solidFill>
+                <a:latin typeface="Consolas" panose="020B0609020204030204" pitchFamily="49" charset="0"/>
+              </a:rPr>
+              <a:t> — </a:t>
+            </a:r>
+            <a:r>
+              <a:rPr lang="en-US" sz="1100" dirty="0" err="1">
+                <a:solidFill>
+                  <a:srgbClr val="008000"/>
+                </a:solidFill>
+                <a:latin typeface="Consolas" panose="020B0609020204030204" pitchFamily="49" charset="0"/>
+              </a:rPr>
+              <a:t>без</a:t>
+            </a:r>
+            <a:r>
+              <a:rPr lang="en-US" sz="1100" dirty="0">
+                <a:solidFill>
+                  <a:srgbClr val="008000"/>
+                </a:solidFill>
+                <a:latin typeface="Consolas" panose="020B0609020204030204" pitchFamily="49" charset="0"/>
+              </a:rPr>
+              <a:t> </a:t>
+            </a:r>
+            <a:r>
+              <a:rPr lang="en-US" sz="1100" dirty="0" err="1">
+                <a:solidFill>
+                  <a:srgbClr val="008000"/>
+                </a:solidFill>
+                <a:latin typeface="Consolas" panose="020B0609020204030204" pitchFamily="49" charset="0"/>
+              </a:rPr>
+              <a:t>реализации</a:t>
+            </a:r>
+            <a:endParaRPr lang="en-US" sz="1100" dirty="0">
+              <a:solidFill>
+                <a:srgbClr val="3B3B3B"/>
+              </a:solidFill>
+              <a:latin typeface="Consolas" panose="020B0609020204030204" pitchFamily="49" charset="0"/>
+            </a:endParaRPr>
+          </a:p>
+          <a:p>
+            <a:r>
+              <a:rPr lang="en-US" sz="1100" dirty="0">
+                <a:solidFill>
+                  <a:srgbClr val="3B3B3B"/>
+                </a:solidFill>
                 <a:latin typeface="Consolas" panose="020B0609020204030204" pitchFamily="49" charset="0"/>
               </a:rPr>
               <a:t>    </a:t>
@@ -14947,21 +15406,27 @@
             </a:r>
             <a:r>
               <a:rPr lang="en-US" sz="1100" dirty="0">
+                <a:solidFill>
+                  <a:srgbClr val="3B3B3B"/>
+                </a:solidFill>
                 <a:latin typeface="Consolas" panose="020B0609020204030204" pitchFamily="49" charset="0"/>
               </a:rPr>
               <a:t> </a:t>
             </a:r>
             <a:r>
-              <a:rPr lang="en-US" sz="1100" dirty="0" smtClean="0">
+              <a:rPr lang="en-US" sz="1100" dirty="0">
                 <a:solidFill>
                   <a:srgbClr val="0000FF"/>
                 </a:solidFill>
                 <a:latin typeface="Consolas" panose="020B0609020204030204" pitchFamily="49" charset="0"/>
               </a:rPr>
-              <a:t>virtual</a:t>
-            </a:r>
-            <a:r>
-              <a:rPr lang="en-US" sz="1100" dirty="0" smtClean="0">
+              <a:t>abstract</a:t>
+            </a:r>
+            <a:r>
+              <a:rPr lang="en-US" sz="1100" dirty="0">
+                <a:solidFill>
+                  <a:srgbClr val="3B3B3B"/>
+                </a:solidFill>
                 <a:latin typeface="Consolas" panose="020B0609020204030204" pitchFamily="49" charset="0"/>
               </a:rPr>
               <a:t> </a:t>
@@ -14977,6 +15442,9 @@
             </a:r>
             <a:r>
               <a:rPr lang="en-US" sz="1100" dirty="0">
+                <a:solidFill>
+                  <a:srgbClr val="3B3B3B"/>
+                </a:solidFill>
                 <a:latin typeface="Consolas" panose="020B0609020204030204" pitchFamily="49" charset="0"/>
               </a:rPr>
               <a:t> </a:t>
@@ -14992,83 +15460,20 @@
             </a:r>
             <a:r>
               <a:rPr lang="en-US" sz="1100" dirty="0">
-                <a:latin typeface="Consolas" panose="020B0609020204030204" pitchFamily="49" charset="0"/>
-              </a:rPr>
-              <a:t>()</a:t>
+                <a:solidFill>
+                  <a:srgbClr val="3B3B3B"/>
+                </a:solidFill>
+                <a:latin typeface="Consolas" panose="020B0609020204030204" pitchFamily="49" charset="0"/>
+              </a:rPr>
+              <a:t>();</a:t>
             </a:r>
           </a:p>
           <a:p>
             <a:r>
               <a:rPr lang="en-US" sz="1100" dirty="0">
-                <a:latin typeface="Consolas" panose="020B0609020204030204" pitchFamily="49" charset="0"/>
-              </a:rPr>
-              <a:t>    {  </a:t>
-            </a:r>
-          </a:p>
-          <a:p>
-            <a:r>
-              <a:rPr lang="en-US" sz="1100" dirty="0">
-                <a:latin typeface="Consolas" panose="020B0609020204030204" pitchFamily="49" charset="0"/>
-              </a:rPr>
-              <a:t>        </a:t>
-            </a:r>
-            <a:r>
-              <a:rPr lang="en-US" sz="1100" dirty="0" err="1">
-                <a:solidFill>
-                  <a:srgbClr val="001080"/>
-                </a:solidFill>
-                <a:latin typeface="Consolas" panose="020B0609020204030204" pitchFamily="49" charset="0"/>
-              </a:rPr>
-              <a:t>Console</a:t>
-            </a:r>
-            <a:r>
-              <a:rPr lang="en-US" sz="1100" dirty="0" err="1">
-                <a:latin typeface="Consolas" panose="020B0609020204030204" pitchFamily="49" charset="0"/>
-              </a:rPr>
-              <a:t>.</a:t>
-            </a:r>
-            <a:r>
-              <a:rPr lang="en-US" sz="1100" dirty="0" err="1">
-                <a:solidFill>
-                  <a:srgbClr val="795E26"/>
-                </a:solidFill>
-                <a:latin typeface="Consolas" panose="020B0609020204030204" pitchFamily="49" charset="0"/>
-              </a:rPr>
-              <a:t>WriteLine</a:t>
-            </a:r>
-            <a:r>
-              <a:rPr lang="en-US" sz="1100" dirty="0">
-                <a:latin typeface="Consolas" panose="020B0609020204030204" pitchFamily="49" charset="0"/>
-              </a:rPr>
-              <a:t>(</a:t>
-            </a:r>
-            <a:r>
-              <a:rPr lang="en-US" sz="1100" dirty="0">
-                <a:solidFill>
-                  <a:srgbClr val="A31515"/>
-                </a:solidFill>
-                <a:latin typeface="Consolas" panose="020B0609020204030204" pitchFamily="49" charset="0"/>
-              </a:rPr>
-              <a:t>"Animal makes a sound"</a:t>
-            </a:r>
-            <a:r>
-              <a:rPr lang="en-US" sz="1100" dirty="0">
-                <a:latin typeface="Consolas" panose="020B0609020204030204" pitchFamily="49" charset="0"/>
-              </a:rPr>
-              <a:t>);  </a:t>
-            </a:r>
-          </a:p>
-          <a:p>
-            <a:r>
-              <a:rPr lang="en-US" sz="1100" dirty="0">
-                <a:latin typeface="Consolas" panose="020B0609020204030204" pitchFamily="49" charset="0"/>
-              </a:rPr>
-              <a:t>    }</a:t>
-            </a:r>
-          </a:p>
-          <a:p>
-            <a:r>
-              <a:rPr lang="en-US" sz="1100" dirty="0">
+                <a:solidFill>
+                  <a:srgbClr val="3B3B3B"/>
+                </a:solidFill>
                 <a:latin typeface="Consolas" panose="020B0609020204030204" pitchFamily="49" charset="0"/>
               </a:rPr>
               <a:t>}</a:t>
@@ -15287,18 +15692,18 @@
     </p:spTree>
     <p:extLst>
       <p:ext uri="{BB962C8B-B14F-4D97-AF65-F5344CB8AC3E}">
-        <p14:creationId xmlns="" xmlns:p14="http://schemas.microsoft.com/office/powerpoint/2010/main" val="2300968413"/>
+        <p14:creationId xmlns:p14="http://schemas.microsoft.com/office/powerpoint/2010/main" val="2300968413"/>
       </p:ext>
     </p:extLst>
   </p:cSld>
   <p:clrMapOvr>
     <a:masterClrMapping/>
   </p:clrMapOvr>
-  <mc:AlternateContent xmlns:mc="http://schemas.openxmlformats.org/markup-compatibility/2006">
-    <mc:Choice xmlns="" xmlns:p14="http://schemas.microsoft.com/office/powerpoint/2010/main" Requires="p14">
+  <mc:AlternateContent xmlns:mc="http://schemas.openxmlformats.org/markup-compatibility/2006" xmlns:p14="http://schemas.microsoft.com/office/powerpoint/2010/main">
+    <mc:Choice Requires="p14">
       <p:transition spd="slow" p14:dur="2000"/>
     </mc:Choice>
-    <mc:Fallback>
+    <mc:Fallback xmlns="">
       <p:transition spd="slow"/>
     </mc:Fallback>
   </mc:AlternateContent>
@@ -15463,18 +15868,18 @@
     </p:spTree>
     <p:extLst>
       <p:ext uri="{BB962C8B-B14F-4D97-AF65-F5344CB8AC3E}">
-        <p14:creationId xmlns="" xmlns:p14="http://schemas.microsoft.com/office/powerpoint/2010/main" val="3155185380"/>
+        <p14:creationId xmlns:p14="http://schemas.microsoft.com/office/powerpoint/2010/main" val="3155185380"/>
       </p:ext>
     </p:extLst>
   </p:cSld>
   <p:clrMapOvr>
     <a:masterClrMapping/>
   </p:clrMapOvr>
-  <mc:AlternateContent xmlns:mc="http://schemas.openxmlformats.org/markup-compatibility/2006">
-    <mc:Choice xmlns="" xmlns:p14="http://schemas.microsoft.com/office/powerpoint/2010/main" Requires="p14">
+  <mc:AlternateContent xmlns:mc="http://schemas.openxmlformats.org/markup-compatibility/2006" xmlns:p14="http://schemas.microsoft.com/office/powerpoint/2010/main">
+    <mc:Choice Requires="p14">
       <p:transition spd="slow" p14:dur="2000"/>
     </mc:Choice>
-    <mc:Fallback>
+    <mc:Fallback xmlns="">
       <p:transition spd="slow"/>
     </mc:Fallback>
   </mc:AlternateContent>
@@ -16114,18 +16519,18 @@
     </p:spTree>
     <p:extLst>
       <p:ext uri="{BB962C8B-B14F-4D97-AF65-F5344CB8AC3E}">
-        <p14:creationId xmlns="" xmlns:p14="http://schemas.microsoft.com/office/powerpoint/2010/main" val="3609617734"/>
+        <p14:creationId xmlns:p14="http://schemas.microsoft.com/office/powerpoint/2010/main" val="3609617734"/>
       </p:ext>
     </p:extLst>
   </p:cSld>
   <p:clrMapOvr>
     <a:masterClrMapping/>
   </p:clrMapOvr>
-  <mc:AlternateContent xmlns:mc="http://schemas.openxmlformats.org/markup-compatibility/2006">
-    <mc:Choice xmlns="" xmlns:p14="http://schemas.microsoft.com/office/powerpoint/2010/main" Requires="p14">
+  <mc:AlternateContent xmlns:mc="http://schemas.openxmlformats.org/markup-compatibility/2006" xmlns:p14="http://schemas.microsoft.com/office/powerpoint/2010/main">
+    <mc:Choice Requires="p14">
       <p:transition spd="slow" p14:dur="2000"/>
     </mc:Choice>
-    <mc:Fallback>
+    <mc:Fallback xmlns="">
       <p:transition spd="slow"/>
     </mc:Fallback>
   </mc:AlternateContent>
@@ -16440,18 +16845,18 @@
     </p:spTree>
     <p:extLst>
       <p:ext uri="{BB962C8B-B14F-4D97-AF65-F5344CB8AC3E}">
-        <p14:creationId xmlns="" xmlns:p14="http://schemas.microsoft.com/office/powerpoint/2010/main" val="3609617734"/>
+        <p14:creationId xmlns:p14="http://schemas.microsoft.com/office/powerpoint/2010/main" val="3609617734"/>
       </p:ext>
     </p:extLst>
   </p:cSld>
   <p:clrMapOvr>
     <a:masterClrMapping/>
   </p:clrMapOvr>
-  <mc:AlternateContent xmlns:mc="http://schemas.openxmlformats.org/markup-compatibility/2006">
-    <mc:Choice xmlns="" xmlns:p14="http://schemas.microsoft.com/office/powerpoint/2010/main" Requires="p14">
+  <mc:AlternateContent xmlns:mc="http://schemas.openxmlformats.org/markup-compatibility/2006" xmlns:p14="http://schemas.microsoft.com/office/powerpoint/2010/main">
+    <mc:Choice Requires="p14">
       <p:transition spd="slow" p14:dur="2000"/>
     </mc:Choice>
-    <mc:Fallback>
+    <mc:Fallback xmlns="">
       <p:transition spd="slow"/>
     </mc:Fallback>
   </mc:AlternateContent>
@@ -16527,18 +16932,18 @@
     </p:spTree>
     <p:extLst>
       <p:ext uri="{BB962C8B-B14F-4D97-AF65-F5344CB8AC3E}">
-        <p14:creationId xmlns="" xmlns:p14="http://schemas.microsoft.com/office/powerpoint/2010/main" val="682476833"/>
+        <p14:creationId xmlns:p14="http://schemas.microsoft.com/office/powerpoint/2010/main" val="682476833"/>
       </p:ext>
     </p:extLst>
   </p:cSld>
   <p:clrMapOvr>
     <a:masterClrMapping/>
   </p:clrMapOvr>
-  <mc:AlternateContent xmlns:mc="http://schemas.openxmlformats.org/markup-compatibility/2006">
-    <mc:Choice xmlns="" xmlns:p14="http://schemas.microsoft.com/office/powerpoint/2010/main" Requires="p14">
+  <mc:AlternateContent xmlns:mc="http://schemas.openxmlformats.org/markup-compatibility/2006" xmlns:p14="http://schemas.microsoft.com/office/powerpoint/2010/main">
+    <mc:Choice Requires="p14">
       <p:transition spd="slow" p14:dur="2000"/>
     </mc:Choice>
-    <mc:Fallback>
+    <mc:Fallback xmlns="">
       <p:transition spd="slow"/>
     </mc:Fallback>
   </mc:AlternateContent>
@@ -16900,7 +17305,7 @@
         <p:spPr>
           <a:xfrm>
             <a:off x="612774" y="1009926"/>
-            <a:ext cx="3599772" cy="2462213"/>
+            <a:ext cx="3121026" cy="2893100"/>
           </a:xfrm>
           <a:prstGeom prst="rect">
             <a:avLst/>
@@ -16996,7 +17401,7 @@
           <a:noFill/>
           <a:extLst>
             <a:ext uri="{909E8E84-426E-40DD-AFC4-6F175D3DCCD1}">
-              <a14:hiddenFill xmlns="" xmlns:a14="http://schemas.microsoft.com/office/drawing/2010/main">
+              <a14:hiddenFill xmlns:a14="http://schemas.microsoft.com/office/drawing/2010/main">
                 <a:solidFill>
                   <a:srgbClr val="FFFFFF"/>
                 </a:solidFill>
@@ -17035,7 +17440,7 @@
           <a:noFill/>
           <a:extLst>
             <a:ext uri="{909E8E84-426E-40DD-AFC4-6F175D3DCCD1}">
-              <a14:hiddenFill xmlns="" xmlns:a14="http://schemas.microsoft.com/office/drawing/2010/main">
+              <a14:hiddenFill xmlns:a14="http://schemas.microsoft.com/office/drawing/2010/main">
                 <a:solidFill>
                   <a:srgbClr val="FFFFFF"/>
                 </a:solidFill>
@@ -17057,7 +17462,7 @@
       </p:sp>
       <p:pic>
         <p:nvPicPr>
-          <p:cNvPr id="5" name="Рисунок 4"/>
+          <p:cNvPr id="4" name="Рисунок 3"/>
           <p:cNvPicPr>
             <a:picLocks noChangeAspect="1"/>
           </p:cNvPicPr>
@@ -17071,18 +17476,59 @@
         </p:blipFill>
         <p:spPr>
           <a:xfrm>
-            <a:off x="4280927" y="1009925"/>
-            <a:ext cx="4619043" cy="2875366"/>
+            <a:off x="4951834" y="1943100"/>
+            <a:ext cx="3377778" cy="2787650"/>
           </a:xfrm>
           <a:prstGeom prst="rect">
             <a:avLst/>
           </a:prstGeom>
         </p:spPr>
       </p:pic>
+      <p:sp>
+        <p:nvSpPr>
+          <p:cNvPr id="7" name="Прямоугольник 6"/>
+          <p:cNvSpPr/>
+          <p:nvPr/>
+        </p:nvSpPr>
+        <p:spPr>
+          <a:xfrm>
+            <a:off x="4595700" y="1009925"/>
+            <a:ext cx="4572000" cy="738664"/>
+          </a:xfrm>
+          <a:prstGeom prst="rect">
+            <a:avLst/>
+          </a:prstGeom>
+        </p:spPr>
+        <p:txBody>
+          <a:bodyPr>
+            <a:spAutoFit/>
+          </a:bodyPr>
+          <a:lstStyle/>
+          <a:p>
+            <a:r>
+              <a:rPr lang="ru-RU" b="1" dirty="0" smtClean="0"/>
+              <a:t>Полиморфизм(в биологии)</a:t>
+            </a:r>
+            <a:r>
+              <a:rPr lang="ru-RU" dirty="0" smtClean="0"/>
+              <a:t> </a:t>
+            </a:r>
+            <a:r>
+              <a:rPr lang="ru-RU" dirty="0"/>
+              <a:t>– </a:t>
+            </a:r>
+            <a:r>
+              <a:rPr lang="ru-RU" dirty="0" smtClean="0"/>
+              <a:t>существование в пределах одного вида несколько четко морфологически отличающихся форм. </a:t>
+            </a:r>
+            <a:endParaRPr lang="ru-RU" dirty="0"/>
+          </a:p>
+        </p:txBody>
+      </p:sp>
     </p:spTree>
     <p:extLst>
       <p:ext uri="{BB962C8B-B14F-4D97-AF65-F5344CB8AC3E}">
-        <p14:creationId xmlns="" xmlns:p14="http://schemas.microsoft.com/office/powerpoint/2010/main" val="215954106"/>
+        <p14:creationId xmlns:p14="http://schemas.microsoft.com/office/powerpoint/2010/main" val="215954106"/>
       </p:ext>
     </p:extLst>
   </p:cSld>
@@ -17170,7 +17616,7 @@
           <a:noFill/>
           <a:extLst>
             <a:ext uri="{909E8E84-426E-40DD-AFC4-6F175D3DCCD1}">
-              <a14:hiddenFill xmlns="" xmlns:a14="http://schemas.microsoft.com/office/drawing/2010/main">
+              <a14:hiddenFill xmlns:a14="http://schemas.microsoft.com/office/drawing/2010/main">
                 <a:solidFill>
                   <a:srgbClr val="FFFFFF"/>
                 </a:solidFill>
@@ -17209,7 +17655,7 @@
           <a:noFill/>
           <a:extLst>
             <a:ext uri="{909E8E84-426E-40DD-AFC4-6F175D3DCCD1}">
-              <a14:hiddenFill xmlns="" xmlns:a14="http://schemas.microsoft.com/office/drawing/2010/main">
+              <a14:hiddenFill xmlns:a14="http://schemas.microsoft.com/office/drawing/2010/main">
                 <a:solidFill>
                   <a:srgbClr val="FFFFFF"/>
                 </a:solidFill>
@@ -17305,7 +17751,7 @@
     </p:spTree>
     <p:extLst>
       <p:ext uri="{BB962C8B-B14F-4D97-AF65-F5344CB8AC3E}">
-        <p14:creationId xmlns="" xmlns:p14="http://schemas.microsoft.com/office/powerpoint/2010/main" val="2237277517"/>
+        <p14:creationId xmlns:p14="http://schemas.microsoft.com/office/powerpoint/2010/main" val="2237277517"/>
       </p:ext>
     </p:extLst>
   </p:cSld>
@@ -17393,7 +17839,7 @@
           <a:noFill/>
           <a:extLst>
             <a:ext uri="{909E8E84-426E-40DD-AFC4-6F175D3DCCD1}">
-              <a14:hiddenFill xmlns="" xmlns:a14="http://schemas.microsoft.com/office/drawing/2010/main">
+              <a14:hiddenFill xmlns:a14="http://schemas.microsoft.com/office/drawing/2010/main">
                 <a:solidFill>
                   <a:srgbClr val="FFFFFF"/>
                 </a:solidFill>
@@ -17432,7 +17878,7 @@
           <a:noFill/>
           <a:extLst>
             <a:ext uri="{909E8E84-426E-40DD-AFC4-6F175D3DCCD1}">
-              <a14:hiddenFill xmlns="" xmlns:a14="http://schemas.microsoft.com/office/drawing/2010/main">
+              <a14:hiddenFill xmlns:a14="http://schemas.microsoft.com/office/drawing/2010/main">
                 <a:solidFill>
                   <a:srgbClr val="FFFFFF"/>
                 </a:solidFill>
@@ -17461,7 +17907,7 @@
         <p:spPr>
           <a:xfrm>
             <a:off x="512993" y="1116836"/>
-            <a:ext cx="4138787" cy="2539157"/>
+            <a:ext cx="4138787" cy="2585323"/>
           </a:xfrm>
           <a:prstGeom prst="rect">
             <a:avLst/>
@@ -17779,7 +18225,7 @@
     </p:spTree>
     <p:extLst>
       <p:ext uri="{BB962C8B-B14F-4D97-AF65-F5344CB8AC3E}">
-        <p14:creationId xmlns="" xmlns:p14="http://schemas.microsoft.com/office/powerpoint/2010/main" val="2237277517"/>
+        <p14:creationId xmlns:p14="http://schemas.microsoft.com/office/powerpoint/2010/main" val="2237277517"/>
       </p:ext>
     </p:extLst>
   </p:cSld>
@@ -17871,7 +18317,7 @@
           <a:noFill/>
           <a:extLst>
             <a:ext uri="{909E8E84-426E-40DD-AFC4-6F175D3DCCD1}">
-              <a14:hiddenFill xmlns="" xmlns:a14="http://schemas.microsoft.com/office/drawing/2010/main">
+              <a14:hiddenFill xmlns:a14="http://schemas.microsoft.com/office/drawing/2010/main">
                 <a:solidFill>
                   <a:srgbClr val="FFFFFF"/>
                 </a:solidFill>
@@ -17910,7 +18356,7 @@
           <a:noFill/>
           <a:extLst>
             <a:ext uri="{909E8E84-426E-40DD-AFC4-6F175D3DCCD1}">
-              <a14:hiddenFill xmlns="" xmlns:a14="http://schemas.microsoft.com/office/drawing/2010/main">
+              <a14:hiddenFill xmlns:a14="http://schemas.microsoft.com/office/drawing/2010/main">
                 <a:solidFill>
                   <a:srgbClr val="FFFFFF"/>
                 </a:solidFill>
@@ -18017,8 +18463,8 @@
         </p:nvSpPr>
         <p:spPr>
           <a:xfrm>
-            <a:off x="4896770" y="1009925"/>
-            <a:ext cx="3794080" cy="2123658"/>
+            <a:off x="4748574" y="1009925"/>
+            <a:ext cx="3942276" cy="2308324"/>
           </a:xfrm>
           <a:prstGeom prst="rect">
             <a:avLst/>
@@ -18031,7 +18477,7 @@
           <a:lstStyle/>
           <a:p>
             <a:r>
-              <a:rPr lang="en-US" sz="1100" dirty="0">
+              <a:rPr lang="en-US" sz="1200" dirty="0">
                 <a:solidFill>
                   <a:srgbClr val="0000FF"/>
                 </a:solidFill>
@@ -18040,13 +18486,13 @@
               <a:t>class</a:t>
             </a:r>
             <a:r>
-              <a:rPr lang="en-US" sz="1100" dirty="0">
+              <a:rPr lang="en-US" sz="1200" dirty="0">
                 <a:latin typeface="Consolas" panose="020B0609020204030204" pitchFamily="49" charset="0"/>
               </a:rPr>
               <a:t> </a:t>
             </a:r>
             <a:r>
-              <a:rPr lang="en-US" sz="1100" dirty="0" err="1">
+              <a:rPr lang="en-US" sz="1200" dirty="0" err="1">
                 <a:solidFill>
                   <a:srgbClr val="267F99"/>
                 </a:solidFill>
@@ -18054,13 +18500,13 @@
               </a:rPr>
               <a:t>AdHoc</a:t>
             </a:r>
-            <a:endParaRPr lang="en-US" sz="1100" dirty="0">
+            <a:endParaRPr lang="en-US" sz="1200" dirty="0">
               <a:latin typeface="Consolas" panose="020B0609020204030204" pitchFamily="49" charset="0"/>
             </a:endParaRPr>
           </a:p>
           <a:p>
             <a:r>
-              <a:rPr lang="en-US" sz="1100" dirty="0">
+              <a:rPr lang="en-US" sz="1200" dirty="0">
                 <a:latin typeface="Consolas" panose="020B0609020204030204" pitchFamily="49" charset="0"/>
               </a:rPr>
               <a:t>{</a:t>
@@ -18068,13 +18514,13 @@
           </a:p>
           <a:p>
             <a:r>
-              <a:rPr lang="en-US" sz="1100" dirty="0">
+              <a:rPr lang="en-US" sz="1200" dirty="0">
                 <a:latin typeface="Consolas" panose="020B0609020204030204" pitchFamily="49" charset="0"/>
               </a:rPr>
               <a:t>    </a:t>
             </a:r>
             <a:r>
-              <a:rPr lang="en-US" sz="1100" dirty="0">
+              <a:rPr lang="en-US" sz="1200" dirty="0">
                 <a:solidFill>
                   <a:srgbClr val="0000FF"/>
                 </a:solidFill>
@@ -18083,13 +18529,13 @@
               <a:t>public</a:t>
             </a:r>
             <a:r>
-              <a:rPr lang="en-US" sz="1100" dirty="0">
+              <a:rPr lang="en-US" sz="1200" dirty="0">
                 <a:latin typeface="Consolas" panose="020B0609020204030204" pitchFamily="49" charset="0"/>
               </a:rPr>
               <a:t> </a:t>
             </a:r>
             <a:r>
-              <a:rPr lang="en-US" sz="1100" dirty="0">
+              <a:rPr lang="en-US" sz="1200" dirty="0">
                 <a:solidFill>
                   <a:srgbClr val="0000FF"/>
                 </a:solidFill>
@@ -18098,13 +18544,13 @@
               <a:t>decimal</a:t>
             </a:r>
             <a:r>
-              <a:rPr lang="en-US" sz="1100" dirty="0">
+              <a:rPr lang="en-US" sz="1200" dirty="0">
                 <a:latin typeface="Consolas" panose="020B0609020204030204" pitchFamily="49" charset="0"/>
               </a:rPr>
               <a:t> </a:t>
             </a:r>
             <a:r>
-              <a:rPr lang="en-US" sz="1100" dirty="0">
+              <a:rPr lang="en-US" sz="1200" dirty="0">
                 <a:solidFill>
                   <a:srgbClr val="795E26"/>
                 </a:solidFill>
@@ -18113,13 +18559,13 @@
               <a:t>Add</a:t>
             </a:r>
             <a:r>
-              <a:rPr lang="en-US" sz="1100" dirty="0">
+              <a:rPr lang="en-US" sz="1200" dirty="0">
                 <a:latin typeface="Consolas" panose="020B0609020204030204" pitchFamily="49" charset="0"/>
               </a:rPr>
               <a:t>(</a:t>
             </a:r>
             <a:r>
-              <a:rPr lang="en-US" sz="1100" dirty="0">
+              <a:rPr lang="en-US" sz="1200" dirty="0">
                 <a:solidFill>
                   <a:srgbClr val="0000FF"/>
                 </a:solidFill>
@@ -18128,13 +18574,13 @@
               <a:t>decimal</a:t>
             </a:r>
             <a:r>
-              <a:rPr lang="en-US" sz="1100" dirty="0">
+              <a:rPr lang="en-US" sz="1200" dirty="0">
                 <a:latin typeface="Consolas" panose="020B0609020204030204" pitchFamily="49" charset="0"/>
               </a:rPr>
               <a:t> </a:t>
             </a:r>
             <a:r>
-              <a:rPr lang="en-US" sz="1100" dirty="0">
+              <a:rPr lang="en-US" sz="1200" dirty="0">
                 <a:solidFill>
                   <a:srgbClr val="001080"/>
                 </a:solidFill>
@@ -18143,13 +18589,13 @@
               <a:t>a</a:t>
             </a:r>
             <a:r>
-              <a:rPr lang="en-US" sz="1100" dirty="0">
+              <a:rPr lang="en-US" sz="1200" dirty="0">
                 <a:latin typeface="Consolas" panose="020B0609020204030204" pitchFamily="49" charset="0"/>
               </a:rPr>
               <a:t>, </a:t>
             </a:r>
             <a:r>
-              <a:rPr lang="en-US" sz="1100" dirty="0">
+              <a:rPr lang="en-US" sz="1200" dirty="0">
                 <a:solidFill>
                   <a:srgbClr val="0000FF"/>
                 </a:solidFill>
@@ -18158,13 +18604,13 @@
               <a:t>decimal</a:t>
             </a:r>
             <a:r>
-              <a:rPr lang="en-US" sz="1100" dirty="0">
+              <a:rPr lang="en-US" sz="1200" dirty="0">
                 <a:latin typeface="Consolas" panose="020B0609020204030204" pitchFamily="49" charset="0"/>
               </a:rPr>
               <a:t> </a:t>
             </a:r>
             <a:r>
-              <a:rPr lang="en-US" sz="1100" dirty="0">
+              <a:rPr lang="en-US" sz="1200" dirty="0">
                 <a:solidFill>
                   <a:srgbClr val="001080"/>
                 </a:solidFill>
@@ -18173,7 +18619,7 @@
               <a:t>b</a:t>
             </a:r>
             <a:r>
-              <a:rPr lang="en-US" sz="1100" dirty="0">
+              <a:rPr lang="en-US" sz="1200" dirty="0">
                 <a:latin typeface="Consolas" panose="020B0609020204030204" pitchFamily="49" charset="0"/>
               </a:rPr>
               <a:t>)</a:t>
@@ -18181,7 +18627,7 @@
           </a:p>
           <a:p>
             <a:r>
-              <a:rPr lang="en-US" sz="1100" dirty="0">
+              <a:rPr lang="en-US" sz="1200" dirty="0">
                 <a:latin typeface="Consolas" panose="020B0609020204030204" pitchFamily="49" charset="0"/>
               </a:rPr>
               <a:t>    {</a:t>
@@ -18189,13 +18635,13 @@
           </a:p>
           <a:p>
             <a:r>
-              <a:rPr lang="en-US" sz="1100" dirty="0">
+              <a:rPr lang="en-US" sz="1200" dirty="0">
                 <a:latin typeface="Consolas" panose="020B0609020204030204" pitchFamily="49" charset="0"/>
               </a:rPr>
               <a:t>        </a:t>
             </a:r>
             <a:r>
-              <a:rPr lang="en-US" sz="1100" dirty="0">
+              <a:rPr lang="en-US" sz="1200" dirty="0">
                 <a:solidFill>
                   <a:srgbClr val="AF00DB"/>
                 </a:solidFill>
@@ -18204,13 +18650,13 @@
               <a:t>return</a:t>
             </a:r>
             <a:r>
-              <a:rPr lang="en-US" sz="1100" dirty="0">
+              <a:rPr lang="en-US" sz="1200" dirty="0">
                 <a:latin typeface="Consolas" panose="020B0609020204030204" pitchFamily="49" charset="0"/>
               </a:rPr>
               <a:t> </a:t>
             </a:r>
             <a:r>
-              <a:rPr lang="en-US" sz="1100" dirty="0">
+              <a:rPr lang="en-US" sz="1200" dirty="0">
                 <a:solidFill>
                   <a:srgbClr val="001080"/>
                 </a:solidFill>
@@ -18219,13 +18665,13 @@
               <a:t>a</a:t>
             </a:r>
             <a:r>
-              <a:rPr lang="en-US" sz="1100" dirty="0">
+              <a:rPr lang="en-US" sz="1200" dirty="0">
                 <a:latin typeface="Consolas" panose="020B0609020204030204" pitchFamily="49" charset="0"/>
               </a:rPr>
               <a:t> + </a:t>
             </a:r>
             <a:r>
-              <a:rPr lang="en-US" sz="1100" dirty="0">
+              <a:rPr lang="en-US" sz="1200" dirty="0">
                 <a:solidFill>
                   <a:srgbClr val="001080"/>
                 </a:solidFill>
@@ -18234,7 +18680,7 @@
               <a:t>b</a:t>
             </a:r>
             <a:r>
-              <a:rPr lang="en-US" sz="1100" dirty="0">
+              <a:rPr lang="en-US" sz="1200" dirty="0">
                 <a:latin typeface="Consolas" panose="020B0609020204030204" pitchFamily="49" charset="0"/>
               </a:rPr>
               <a:t>;</a:t>
@@ -18242,7 +18688,7 @@
           </a:p>
           <a:p>
             <a:r>
-              <a:rPr lang="en-US" sz="1100" dirty="0">
+              <a:rPr lang="en-US" sz="1200" dirty="0">
                 <a:latin typeface="Consolas" panose="020B0609020204030204" pitchFamily="49" charset="0"/>
               </a:rPr>
               <a:t>    }</a:t>
@@ -18250,24 +18696,24 @@
           </a:p>
           <a:p>
             <a:r>
-              <a:rPr lang="en-US" sz="1100" dirty="0">
+              <a:rPr lang="en-US" sz="1200" dirty="0">
                 <a:latin typeface="Consolas" panose="020B0609020204030204" pitchFamily="49" charset="0"/>
               </a:rPr>
               <a:t/>
             </a:r>
             <a:br>
-              <a:rPr lang="en-US" sz="1100" dirty="0">
+              <a:rPr lang="en-US" sz="1200" dirty="0">
                 <a:latin typeface="Consolas" panose="020B0609020204030204" pitchFamily="49" charset="0"/>
               </a:rPr>
             </a:br>
             <a:r>
-              <a:rPr lang="en-US" sz="1100" dirty="0">
+              <a:rPr lang="en-US" sz="1200" dirty="0">
                 <a:latin typeface="Consolas" panose="020B0609020204030204" pitchFamily="49" charset="0"/>
               </a:rPr>
               <a:t>    </a:t>
             </a:r>
             <a:r>
-              <a:rPr lang="en-US" sz="1100" dirty="0">
+              <a:rPr lang="en-US" sz="1200" dirty="0">
                 <a:solidFill>
                   <a:srgbClr val="0000FF"/>
                 </a:solidFill>
@@ -18276,13 +18722,13 @@
               <a:t>public</a:t>
             </a:r>
             <a:r>
-              <a:rPr lang="en-US" sz="1100" dirty="0">
+              <a:rPr lang="en-US" sz="1200" dirty="0">
                 <a:latin typeface="Consolas" panose="020B0609020204030204" pitchFamily="49" charset="0"/>
               </a:rPr>
               <a:t> </a:t>
             </a:r>
             <a:r>
-              <a:rPr lang="en-US" sz="1100" dirty="0">
+              <a:rPr lang="en-US" sz="1200" dirty="0">
                 <a:solidFill>
                   <a:srgbClr val="0000FF"/>
                 </a:solidFill>
@@ -18291,13 +18737,13 @@
               <a:t>string</a:t>
             </a:r>
             <a:r>
-              <a:rPr lang="en-US" sz="1100" dirty="0">
+              <a:rPr lang="en-US" sz="1200" dirty="0">
                 <a:latin typeface="Consolas" panose="020B0609020204030204" pitchFamily="49" charset="0"/>
               </a:rPr>
               <a:t> </a:t>
             </a:r>
             <a:r>
-              <a:rPr lang="en-US" sz="1100" dirty="0">
+              <a:rPr lang="en-US" sz="1200" dirty="0">
                 <a:solidFill>
                   <a:srgbClr val="795E26"/>
                 </a:solidFill>
@@ -18306,13 +18752,13 @@
               <a:t>Add</a:t>
             </a:r>
             <a:r>
-              <a:rPr lang="en-US" sz="1100" dirty="0">
+              <a:rPr lang="en-US" sz="1200" dirty="0">
                 <a:latin typeface="Consolas" panose="020B0609020204030204" pitchFamily="49" charset="0"/>
               </a:rPr>
               <a:t>(</a:t>
             </a:r>
             <a:r>
-              <a:rPr lang="en-US" sz="1100" dirty="0">
+              <a:rPr lang="en-US" sz="1200" dirty="0">
                 <a:solidFill>
                   <a:srgbClr val="0000FF"/>
                 </a:solidFill>
@@ -18321,13 +18767,13 @@
               <a:t>string</a:t>
             </a:r>
             <a:r>
-              <a:rPr lang="en-US" sz="1100" dirty="0">
+              <a:rPr lang="en-US" sz="1200" dirty="0">
                 <a:latin typeface="Consolas" panose="020B0609020204030204" pitchFamily="49" charset="0"/>
               </a:rPr>
               <a:t> </a:t>
             </a:r>
             <a:r>
-              <a:rPr lang="en-US" sz="1100" dirty="0">
+              <a:rPr lang="en-US" sz="1200" dirty="0">
                 <a:solidFill>
                   <a:srgbClr val="001080"/>
                 </a:solidFill>
@@ -18336,13 +18782,13 @@
               <a:t>a</a:t>
             </a:r>
             <a:r>
-              <a:rPr lang="en-US" sz="1100" dirty="0">
+              <a:rPr lang="en-US" sz="1200" dirty="0">
                 <a:latin typeface="Consolas" panose="020B0609020204030204" pitchFamily="49" charset="0"/>
               </a:rPr>
               <a:t>, </a:t>
             </a:r>
             <a:r>
-              <a:rPr lang="en-US" sz="1100" dirty="0">
+              <a:rPr lang="en-US" sz="1200" dirty="0">
                 <a:solidFill>
                   <a:srgbClr val="0000FF"/>
                 </a:solidFill>
@@ -18351,13 +18797,13 @@
               <a:t>string</a:t>
             </a:r>
             <a:r>
-              <a:rPr lang="en-US" sz="1100" dirty="0">
+              <a:rPr lang="en-US" sz="1200" dirty="0">
                 <a:latin typeface="Consolas" panose="020B0609020204030204" pitchFamily="49" charset="0"/>
               </a:rPr>
               <a:t> </a:t>
             </a:r>
             <a:r>
-              <a:rPr lang="en-US" sz="1100" dirty="0">
+              <a:rPr lang="en-US" sz="1200" dirty="0">
                 <a:solidFill>
                   <a:srgbClr val="001080"/>
                 </a:solidFill>
@@ -18366,7 +18812,7 @@
               <a:t>b</a:t>
             </a:r>
             <a:r>
-              <a:rPr lang="en-US" sz="1100" dirty="0">
+              <a:rPr lang="en-US" sz="1200" dirty="0">
                 <a:latin typeface="Consolas" panose="020B0609020204030204" pitchFamily="49" charset="0"/>
               </a:rPr>
               <a:t>)</a:t>
@@ -18374,7 +18820,7 @@
           </a:p>
           <a:p>
             <a:r>
-              <a:rPr lang="en-US" sz="1100" dirty="0">
+              <a:rPr lang="en-US" sz="1200" dirty="0">
                 <a:latin typeface="Consolas" panose="020B0609020204030204" pitchFamily="49" charset="0"/>
               </a:rPr>
               <a:t>    {</a:t>
@@ -18382,13 +18828,13 @@
           </a:p>
           <a:p>
             <a:r>
-              <a:rPr lang="en-US" sz="1100" dirty="0">
+              <a:rPr lang="en-US" sz="1200" dirty="0">
                 <a:latin typeface="Consolas" panose="020B0609020204030204" pitchFamily="49" charset="0"/>
               </a:rPr>
               <a:t>        </a:t>
             </a:r>
             <a:r>
-              <a:rPr lang="en-US" sz="1100" dirty="0">
+              <a:rPr lang="en-US" sz="1200" dirty="0">
                 <a:solidFill>
                   <a:srgbClr val="AF00DB"/>
                 </a:solidFill>
@@ -18397,13 +18843,13 @@
               <a:t>return</a:t>
             </a:r>
             <a:r>
-              <a:rPr lang="en-US" sz="1100" dirty="0">
+              <a:rPr lang="en-US" sz="1200" dirty="0">
                 <a:latin typeface="Consolas" panose="020B0609020204030204" pitchFamily="49" charset="0"/>
               </a:rPr>
               <a:t> </a:t>
             </a:r>
             <a:r>
-              <a:rPr lang="en-US" sz="1100" dirty="0">
+              <a:rPr lang="en-US" sz="1200" dirty="0">
                 <a:solidFill>
                   <a:srgbClr val="001080"/>
                 </a:solidFill>
@@ -18412,13 +18858,13 @@
               <a:t>a</a:t>
             </a:r>
             <a:r>
-              <a:rPr lang="en-US" sz="1100" dirty="0">
+              <a:rPr lang="en-US" sz="1200" dirty="0">
                 <a:latin typeface="Consolas" panose="020B0609020204030204" pitchFamily="49" charset="0"/>
               </a:rPr>
               <a:t> + </a:t>
             </a:r>
             <a:r>
-              <a:rPr lang="en-US" sz="1100" dirty="0">
+              <a:rPr lang="en-US" sz="1200" dirty="0">
                 <a:solidFill>
                   <a:srgbClr val="001080"/>
                 </a:solidFill>
@@ -18427,7 +18873,7 @@
               <a:t>b</a:t>
             </a:r>
             <a:r>
-              <a:rPr lang="en-US" sz="1100" dirty="0">
+              <a:rPr lang="en-US" sz="1200" dirty="0">
                 <a:latin typeface="Consolas" panose="020B0609020204030204" pitchFamily="49" charset="0"/>
               </a:rPr>
               <a:t>;</a:t>
@@ -18435,7 +18881,7 @@
           </a:p>
           <a:p>
             <a:r>
-              <a:rPr lang="en-US" sz="1100" dirty="0">
+              <a:rPr lang="en-US" sz="1200" dirty="0">
                 <a:latin typeface="Consolas" panose="020B0609020204030204" pitchFamily="49" charset="0"/>
               </a:rPr>
               <a:t>    }</a:t>
@@ -18443,7 +18889,7 @@
           </a:p>
           <a:p>
             <a:r>
-              <a:rPr lang="en-US" sz="1100" dirty="0">
+              <a:rPr lang="en-US" sz="1200" dirty="0">
                 <a:latin typeface="Consolas" panose="020B0609020204030204" pitchFamily="49" charset="0"/>
               </a:rPr>
               <a:t>}</a:t>
@@ -18454,7 +18900,7 @@
     </p:spTree>
     <p:extLst>
       <p:ext uri="{BB962C8B-B14F-4D97-AF65-F5344CB8AC3E}">
-        <p14:creationId xmlns="" xmlns:p14="http://schemas.microsoft.com/office/powerpoint/2010/main" val="2237277517"/>
+        <p14:creationId xmlns:p14="http://schemas.microsoft.com/office/powerpoint/2010/main" val="2237277517"/>
       </p:ext>
     </p:extLst>
   </p:cSld>
@@ -18473,6 +18919,3338 @@
 </file>
 
 <file path=ppt/slides/slide24.xml><?xml version="1.0" encoding="utf-8"?>
+<p:sld xmlns:a="http://schemas.openxmlformats.org/drawingml/2006/main" xmlns:r="http://schemas.openxmlformats.org/officeDocument/2006/relationships" xmlns:p="http://schemas.openxmlformats.org/presentationml/2006/main">
+  <p:cSld>
+    <p:spTree>
+      <p:nvGrpSpPr>
+        <p:cNvPr id="1" name="Shape 436"/>
+        <p:cNvGrpSpPr/>
+        <p:nvPr/>
+      </p:nvGrpSpPr>
+      <p:grpSpPr>
+        <a:xfrm>
+          <a:off x="0" y="0"/>
+          <a:ext cx="0" cy="0"/>
+          <a:chOff x="0" y="0"/>
+          <a:chExt cx="0" cy="0"/>
+        </a:xfrm>
+      </p:grpSpPr>
+      <p:sp>
+        <p:nvSpPr>
+          <p:cNvPr id="437" name="Google Shape;437;p74"/>
+          <p:cNvSpPr txBox="1">
+            <a:spLocks noGrp="1"/>
+          </p:cNvSpPr>
+          <p:nvPr>
+            <p:ph type="title"/>
+          </p:nvPr>
+        </p:nvSpPr>
+        <p:spPr>
+          <a:xfrm>
+            <a:off x="500550" y="330725"/>
+            <a:ext cx="8190300" cy="679200"/>
+          </a:xfrm>
+          <a:prstGeom prst="rect">
+            <a:avLst/>
+          </a:prstGeom>
+        </p:spPr>
+        <p:txBody>
+          <a:bodyPr spcFirstLastPara="1" wrap="square" lIns="91425" tIns="91425" rIns="91425" bIns="91425" anchor="t" anchorCtr="0">
+            <a:noAutofit/>
+          </a:bodyPr>
+          <a:lstStyle/>
+          <a:p>
+            <a:r>
+              <a:rPr lang="ru-RU" dirty="0" smtClean="0"/>
+              <a:t>Ключевое слово </a:t>
+            </a:r>
+            <a:r>
+              <a:rPr lang="en-US" dirty="0" smtClean="0">
+                <a:solidFill>
+                  <a:schemeClr val="accent1">
+                    <a:lumMod val="75000"/>
+                  </a:schemeClr>
+                </a:solidFill>
+              </a:rPr>
+              <a:t>virtual</a:t>
+            </a:r>
+            <a:endParaRPr lang="ru-RU" dirty="0">
+              <a:solidFill>
+                <a:schemeClr val="accent1">
+                  <a:lumMod val="75000"/>
+                </a:schemeClr>
+              </a:solidFill>
+            </a:endParaRPr>
+          </a:p>
+        </p:txBody>
+      </p:sp>
+      <p:sp>
+        <p:nvSpPr>
+          <p:cNvPr id="6" name="TextBox 5"/>
+          <p:cNvSpPr txBox="1"/>
+          <p:nvPr/>
+        </p:nvSpPr>
+        <p:spPr>
+          <a:xfrm>
+            <a:off x="566320" y="1139687"/>
+            <a:ext cx="3797025" cy="2074414"/>
+          </a:xfrm>
+          <a:prstGeom prst="rect">
+            <a:avLst/>
+          </a:prstGeom>
+          <a:noFill/>
+        </p:spPr>
+        <p:txBody>
+          <a:bodyPr wrap="square" rtlCol="0">
+            <a:spAutoFit/>
+          </a:bodyPr>
+          <a:lstStyle/>
+          <a:p>
+            <a:pPr lvl="0" indent="-342900">
+              <a:lnSpc>
+                <a:spcPct val="115000"/>
+              </a:lnSpc>
+            </a:pPr>
+            <a:r>
+              <a:rPr lang="ru-RU" dirty="0" smtClean="0">
+                <a:solidFill>
+                  <a:schemeClr val="tx1"/>
+                </a:solidFill>
+                <a:latin typeface="Roboto"/>
+                <a:ea typeface="Roboto"/>
+                <a:cs typeface="Roboto"/>
+                <a:sym typeface="Roboto"/>
+              </a:rPr>
+              <a:t>Ключевое слово </a:t>
+            </a:r>
+            <a:r>
+              <a:rPr lang="en-US" dirty="0" smtClean="0">
+                <a:solidFill>
+                  <a:schemeClr val="accent1">
+                    <a:lumMod val="75000"/>
+                  </a:schemeClr>
+                </a:solidFill>
+                <a:latin typeface="Roboto"/>
+                <a:ea typeface="Roboto"/>
+                <a:cs typeface="Roboto"/>
+                <a:sym typeface="Roboto"/>
+                <a:hlinkClick r:id="rId3"/>
+              </a:rPr>
+              <a:t>virtual</a:t>
+            </a:r>
+            <a:r>
+              <a:rPr lang="ru-RU" dirty="0" smtClean="0">
+                <a:solidFill>
+                  <a:schemeClr val="tx1"/>
+                </a:solidFill>
+                <a:latin typeface="Roboto"/>
+                <a:ea typeface="Roboto"/>
+                <a:cs typeface="Roboto"/>
+                <a:sym typeface="Roboto"/>
+              </a:rPr>
+              <a:t> может применяться для:</a:t>
+            </a:r>
+          </a:p>
+          <a:p>
+            <a:pPr lvl="0" indent="-342900">
+              <a:lnSpc>
+                <a:spcPct val="115000"/>
+              </a:lnSpc>
+              <a:buAutoNum type="arabicPeriod"/>
+            </a:pPr>
+            <a:r>
+              <a:rPr lang="ru-RU" dirty="0" smtClean="0">
+                <a:solidFill>
+                  <a:schemeClr val="tx1"/>
+                </a:solidFill>
+                <a:latin typeface="Roboto"/>
+                <a:ea typeface="Roboto"/>
+                <a:cs typeface="Roboto"/>
+                <a:sym typeface="Roboto"/>
+              </a:rPr>
+              <a:t>Методов</a:t>
+            </a:r>
+          </a:p>
+          <a:p>
+            <a:pPr lvl="0" indent="-342900">
+              <a:lnSpc>
+                <a:spcPct val="115000"/>
+              </a:lnSpc>
+              <a:buAutoNum type="arabicPeriod"/>
+            </a:pPr>
+            <a:r>
+              <a:rPr lang="ru-RU" dirty="0" smtClean="0">
+                <a:solidFill>
+                  <a:schemeClr val="tx1"/>
+                </a:solidFill>
+                <a:latin typeface="Roboto"/>
+                <a:ea typeface="Roboto"/>
+                <a:cs typeface="Roboto"/>
+                <a:sym typeface="Roboto"/>
+              </a:rPr>
+              <a:t>Свойств</a:t>
+            </a:r>
+          </a:p>
+          <a:p>
+            <a:pPr lvl="0" indent="-342900">
+              <a:lnSpc>
+                <a:spcPct val="115000"/>
+              </a:lnSpc>
+              <a:buAutoNum type="arabicPeriod"/>
+            </a:pPr>
+            <a:r>
+              <a:rPr lang="ru-RU" dirty="0" smtClean="0">
+                <a:solidFill>
+                  <a:schemeClr val="tx1"/>
+                </a:solidFill>
+                <a:latin typeface="Roboto"/>
+                <a:ea typeface="Roboto"/>
+                <a:cs typeface="Roboto"/>
+                <a:sym typeface="Roboto"/>
+              </a:rPr>
+              <a:t>Событий</a:t>
+            </a:r>
+          </a:p>
+          <a:p>
+            <a:pPr lvl="0" indent="-342900">
+              <a:lnSpc>
+                <a:spcPct val="115000"/>
+              </a:lnSpc>
+            </a:pPr>
+            <a:r>
+              <a:rPr lang="en-US" dirty="0" smtClean="0">
+                <a:solidFill>
+                  <a:srgbClr val="0000FF"/>
+                </a:solidFill>
+                <a:latin typeface="Consolas"/>
+              </a:rPr>
+              <a:t>virtual</a:t>
+            </a:r>
+            <a:r>
+              <a:rPr lang="en-US" dirty="0" smtClean="0">
+                <a:latin typeface="Consolas"/>
+              </a:rPr>
+              <a:t> </a:t>
+            </a:r>
+            <a:r>
+              <a:rPr lang="ru-RU" dirty="0" smtClean="0">
+                <a:solidFill>
+                  <a:schemeClr val="tx1"/>
+                </a:solidFill>
+                <a:latin typeface="Roboto"/>
+                <a:ea typeface="Roboto"/>
+                <a:cs typeface="Roboto"/>
+                <a:sym typeface="Roboto"/>
+              </a:rPr>
+              <a:t>позволяет иметь реализацию в методе/свойстве по</a:t>
+            </a:r>
+            <a:r>
+              <a:rPr lang="en-US" dirty="0" smtClean="0">
+                <a:solidFill>
+                  <a:schemeClr val="tx1"/>
+                </a:solidFill>
+                <a:latin typeface="Roboto"/>
+                <a:ea typeface="Roboto"/>
+                <a:cs typeface="Roboto"/>
+                <a:sym typeface="Roboto"/>
+              </a:rPr>
+              <a:t> </a:t>
+            </a:r>
+            <a:r>
+              <a:rPr lang="ru-RU" dirty="0" smtClean="0">
+                <a:solidFill>
+                  <a:schemeClr val="tx1"/>
+                </a:solidFill>
+                <a:latin typeface="Roboto"/>
+                <a:ea typeface="Roboto"/>
+                <a:cs typeface="Roboto"/>
+                <a:sym typeface="Roboto"/>
+              </a:rPr>
+              <a:t>умолчанию</a:t>
+            </a:r>
+            <a:r>
+              <a:rPr lang="en-US" dirty="0" smtClean="0">
+                <a:solidFill>
+                  <a:schemeClr val="tx1"/>
+                </a:solidFill>
+                <a:latin typeface="Roboto"/>
+                <a:ea typeface="Roboto"/>
+                <a:cs typeface="Roboto"/>
+                <a:sym typeface="Roboto"/>
+              </a:rPr>
+              <a:t> </a:t>
+            </a:r>
+            <a:r>
+              <a:rPr lang="ru-RU" dirty="0" smtClean="0">
+                <a:solidFill>
+                  <a:schemeClr val="tx1"/>
+                </a:solidFill>
+                <a:latin typeface="Roboto"/>
+                <a:ea typeface="Roboto"/>
+                <a:cs typeface="Roboto"/>
+                <a:sym typeface="Roboto"/>
+              </a:rPr>
+              <a:t>и переопределять ее в дочерних классах. </a:t>
+            </a:r>
+            <a:endParaRPr lang="ru-RU" dirty="0"/>
+          </a:p>
+        </p:txBody>
+      </p:sp>
+      <p:sp>
+        <p:nvSpPr>
+          <p:cNvPr id="7" name="TextBox 6"/>
+          <p:cNvSpPr txBox="1"/>
+          <p:nvPr/>
+        </p:nvSpPr>
+        <p:spPr>
+          <a:xfrm>
+            <a:off x="4527550" y="1009925"/>
+            <a:ext cx="4163300" cy="2800767"/>
+          </a:xfrm>
+          <a:prstGeom prst="rect">
+            <a:avLst/>
+          </a:prstGeom>
+          <a:noFill/>
+        </p:spPr>
+        <p:txBody>
+          <a:bodyPr wrap="square" rtlCol="0">
+            <a:spAutoFit/>
+          </a:bodyPr>
+          <a:lstStyle/>
+          <a:p>
+            <a:r>
+              <a:rPr lang="en-US" sz="1100" dirty="0" smtClean="0">
+                <a:solidFill>
+                  <a:srgbClr val="0000FF"/>
+                </a:solidFill>
+                <a:latin typeface="Consolas" panose="020B0609020204030204" pitchFamily="49" charset="0"/>
+              </a:rPr>
+              <a:t>class</a:t>
+            </a:r>
+            <a:r>
+              <a:rPr lang="en-US" sz="1100" dirty="0" smtClean="0">
+                <a:solidFill>
+                  <a:srgbClr val="3B3B3B"/>
+                </a:solidFill>
+                <a:latin typeface="Consolas" panose="020B0609020204030204" pitchFamily="49" charset="0"/>
+              </a:rPr>
+              <a:t> </a:t>
+            </a:r>
+            <a:r>
+              <a:rPr lang="en-US" sz="1100" dirty="0">
+                <a:solidFill>
+                  <a:srgbClr val="267F99"/>
+                </a:solidFill>
+                <a:latin typeface="Consolas" panose="020B0609020204030204" pitchFamily="49" charset="0"/>
+              </a:rPr>
+              <a:t>Animal</a:t>
+            </a:r>
+            <a:endParaRPr lang="en-US" sz="1100" dirty="0">
+              <a:solidFill>
+                <a:srgbClr val="3B3B3B"/>
+              </a:solidFill>
+              <a:latin typeface="Consolas" panose="020B0609020204030204" pitchFamily="49" charset="0"/>
+            </a:endParaRPr>
+          </a:p>
+          <a:p>
+            <a:r>
+              <a:rPr lang="en-US" sz="1100" dirty="0">
+                <a:solidFill>
+                  <a:srgbClr val="3B3B3B"/>
+                </a:solidFill>
+                <a:latin typeface="Consolas" panose="020B0609020204030204" pitchFamily="49" charset="0"/>
+              </a:rPr>
+              <a:t>{</a:t>
+            </a:r>
+          </a:p>
+          <a:p>
+            <a:r>
+              <a:rPr lang="en-US" sz="1100" dirty="0">
+                <a:solidFill>
+                  <a:srgbClr val="3B3B3B"/>
+                </a:solidFill>
+                <a:latin typeface="Consolas" panose="020B0609020204030204" pitchFamily="49" charset="0"/>
+              </a:rPr>
+              <a:t>    </a:t>
+            </a:r>
+            <a:r>
+              <a:rPr lang="en-US" sz="1100" dirty="0">
+                <a:solidFill>
+                  <a:srgbClr val="0000FF"/>
+                </a:solidFill>
+                <a:latin typeface="Consolas" panose="020B0609020204030204" pitchFamily="49" charset="0"/>
+              </a:rPr>
+              <a:t>private</a:t>
+            </a:r>
+            <a:r>
+              <a:rPr lang="en-US" sz="1100" dirty="0">
+                <a:solidFill>
+                  <a:srgbClr val="3B3B3B"/>
+                </a:solidFill>
+                <a:latin typeface="Consolas" panose="020B0609020204030204" pitchFamily="49" charset="0"/>
+              </a:rPr>
+              <a:t> </a:t>
+            </a:r>
+            <a:r>
+              <a:rPr lang="en-US" sz="1100" dirty="0">
+                <a:solidFill>
+                  <a:srgbClr val="0000FF"/>
+                </a:solidFill>
+                <a:latin typeface="Consolas" panose="020B0609020204030204" pitchFamily="49" charset="0"/>
+              </a:rPr>
+              <a:t>string</a:t>
+            </a:r>
+            <a:r>
+              <a:rPr lang="en-US" sz="1100" dirty="0">
+                <a:solidFill>
+                  <a:srgbClr val="3B3B3B"/>
+                </a:solidFill>
+                <a:latin typeface="Consolas" panose="020B0609020204030204" pitchFamily="49" charset="0"/>
+              </a:rPr>
+              <a:t> </a:t>
+            </a:r>
+            <a:r>
+              <a:rPr lang="en-US" sz="1100" dirty="0">
+                <a:solidFill>
+                  <a:srgbClr val="001080"/>
+                </a:solidFill>
+                <a:latin typeface="Consolas" panose="020B0609020204030204" pitchFamily="49" charset="0"/>
+              </a:rPr>
+              <a:t>name</a:t>
+            </a:r>
+            <a:r>
+              <a:rPr lang="en-US" sz="1100" dirty="0">
+                <a:solidFill>
+                  <a:srgbClr val="3B3B3B"/>
+                </a:solidFill>
+                <a:latin typeface="Consolas" panose="020B0609020204030204" pitchFamily="49" charset="0"/>
+              </a:rPr>
+              <a:t> </a:t>
+            </a:r>
+            <a:r>
+              <a:rPr lang="en-US" sz="1100" dirty="0">
+                <a:latin typeface="Consolas" panose="020B0609020204030204" pitchFamily="49" charset="0"/>
+              </a:rPr>
+              <a:t>=</a:t>
+            </a:r>
+            <a:r>
+              <a:rPr lang="en-US" sz="1100" dirty="0">
+                <a:solidFill>
+                  <a:srgbClr val="3B3B3B"/>
+                </a:solidFill>
+                <a:latin typeface="Consolas" panose="020B0609020204030204" pitchFamily="49" charset="0"/>
+              </a:rPr>
+              <a:t> </a:t>
+            </a:r>
+            <a:r>
+              <a:rPr lang="en-US" sz="1100" dirty="0">
+                <a:solidFill>
+                  <a:srgbClr val="A31515"/>
+                </a:solidFill>
+                <a:latin typeface="Consolas" panose="020B0609020204030204" pitchFamily="49" charset="0"/>
+              </a:rPr>
+              <a:t>"Animal"</a:t>
+            </a:r>
+            <a:r>
+              <a:rPr lang="en-US" sz="1100" dirty="0">
+                <a:solidFill>
+                  <a:srgbClr val="3B3B3B"/>
+                </a:solidFill>
+                <a:latin typeface="Consolas" panose="020B0609020204030204" pitchFamily="49" charset="0"/>
+              </a:rPr>
+              <a:t>;</a:t>
+            </a:r>
+          </a:p>
+          <a:p>
+            <a:r>
+              <a:rPr lang="en-US" sz="1100" dirty="0">
+                <a:solidFill>
+                  <a:srgbClr val="3B3B3B"/>
+                </a:solidFill>
+                <a:latin typeface="Consolas" panose="020B0609020204030204" pitchFamily="49" charset="0"/>
+              </a:rPr>
+              <a:t/>
+            </a:r>
+            <a:br>
+              <a:rPr lang="en-US" sz="1100" dirty="0">
+                <a:solidFill>
+                  <a:srgbClr val="3B3B3B"/>
+                </a:solidFill>
+                <a:latin typeface="Consolas" panose="020B0609020204030204" pitchFamily="49" charset="0"/>
+              </a:rPr>
+            </a:br>
+            <a:r>
+              <a:rPr lang="en-US" sz="1100" dirty="0">
+                <a:solidFill>
+                  <a:srgbClr val="3B3B3B"/>
+                </a:solidFill>
+                <a:latin typeface="Consolas" panose="020B0609020204030204" pitchFamily="49" charset="0"/>
+              </a:rPr>
+              <a:t>    </a:t>
+            </a:r>
+            <a:r>
+              <a:rPr lang="en-US" sz="1100" dirty="0">
+                <a:solidFill>
+                  <a:srgbClr val="0000FF"/>
+                </a:solidFill>
+                <a:latin typeface="Consolas" panose="020B0609020204030204" pitchFamily="49" charset="0"/>
+              </a:rPr>
+              <a:t>public</a:t>
+            </a:r>
+            <a:r>
+              <a:rPr lang="en-US" sz="1100" dirty="0">
+                <a:solidFill>
+                  <a:srgbClr val="3B3B3B"/>
+                </a:solidFill>
+                <a:latin typeface="Consolas" panose="020B0609020204030204" pitchFamily="49" charset="0"/>
+              </a:rPr>
+              <a:t> </a:t>
+            </a:r>
+            <a:r>
+              <a:rPr lang="en-US" sz="1100" b="1" dirty="0">
+                <a:solidFill>
+                  <a:srgbClr val="FF0000"/>
+                </a:solidFill>
+                <a:latin typeface="Consolas" panose="020B0609020204030204" pitchFamily="49" charset="0"/>
+              </a:rPr>
+              <a:t>virtual</a:t>
+            </a:r>
+            <a:r>
+              <a:rPr lang="en-US" sz="1100" dirty="0">
+                <a:solidFill>
+                  <a:srgbClr val="3B3B3B"/>
+                </a:solidFill>
+                <a:latin typeface="Consolas" panose="020B0609020204030204" pitchFamily="49" charset="0"/>
+              </a:rPr>
+              <a:t> </a:t>
+            </a:r>
+            <a:r>
+              <a:rPr lang="en-US" sz="1100" dirty="0">
+                <a:solidFill>
+                  <a:srgbClr val="0000FF"/>
+                </a:solidFill>
+                <a:latin typeface="Consolas" panose="020B0609020204030204" pitchFamily="49" charset="0"/>
+              </a:rPr>
+              <a:t>void</a:t>
+            </a:r>
+            <a:r>
+              <a:rPr lang="en-US" sz="1100" dirty="0">
+                <a:solidFill>
+                  <a:srgbClr val="3B3B3B"/>
+                </a:solidFill>
+                <a:latin typeface="Consolas" panose="020B0609020204030204" pitchFamily="49" charset="0"/>
+              </a:rPr>
+              <a:t> </a:t>
+            </a:r>
+            <a:r>
+              <a:rPr lang="en-US" sz="1100" dirty="0">
+                <a:solidFill>
+                  <a:srgbClr val="795E26"/>
+                </a:solidFill>
+                <a:latin typeface="Consolas" panose="020B0609020204030204" pitchFamily="49" charset="0"/>
+              </a:rPr>
+              <a:t>Speak</a:t>
+            </a:r>
+            <a:r>
+              <a:rPr lang="en-US" sz="1100" dirty="0">
+                <a:solidFill>
+                  <a:srgbClr val="3B3B3B"/>
+                </a:solidFill>
+                <a:latin typeface="Consolas" panose="020B0609020204030204" pitchFamily="49" charset="0"/>
+              </a:rPr>
+              <a:t>()</a:t>
+            </a:r>
+          </a:p>
+          <a:p>
+            <a:r>
+              <a:rPr lang="en-US" sz="1100" dirty="0">
+                <a:solidFill>
+                  <a:srgbClr val="3B3B3B"/>
+                </a:solidFill>
+                <a:latin typeface="Consolas" panose="020B0609020204030204" pitchFamily="49" charset="0"/>
+              </a:rPr>
+              <a:t>    {  </a:t>
+            </a:r>
+          </a:p>
+          <a:p>
+            <a:r>
+              <a:rPr lang="en-US" sz="1100" dirty="0">
+                <a:solidFill>
+                  <a:srgbClr val="3B3B3B"/>
+                </a:solidFill>
+                <a:latin typeface="Consolas" panose="020B0609020204030204" pitchFamily="49" charset="0"/>
+              </a:rPr>
+              <a:t>        </a:t>
+            </a:r>
+            <a:r>
+              <a:rPr lang="en-US" sz="1100" dirty="0" err="1">
+                <a:solidFill>
+                  <a:srgbClr val="001080"/>
+                </a:solidFill>
+                <a:latin typeface="Consolas" panose="020B0609020204030204" pitchFamily="49" charset="0"/>
+              </a:rPr>
+              <a:t>Console</a:t>
+            </a:r>
+            <a:r>
+              <a:rPr lang="en-US" sz="1100" dirty="0" err="1">
+                <a:solidFill>
+                  <a:srgbClr val="3B3B3B"/>
+                </a:solidFill>
+                <a:latin typeface="Consolas" panose="020B0609020204030204" pitchFamily="49" charset="0"/>
+              </a:rPr>
+              <a:t>.</a:t>
+            </a:r>
+            <a:r>
+              <a:rPr lang="en-US" sz="1100" dirty="0" err="1">
+                <a:solidFill>
+                  <a:srgbClr val="795E26"/>
+                </a:solidFill>
+                <a:latin typeface="Consolas" panose="020B0609020204030204" pitchFamily="49" charset="0"/>
+              </a:rPr>
+              <a:t>WriteLine</a:t>
+            </a:r>
+            <a:r>
+              <a:rPr lang="en-US" sz="1100" dirty="0">
+                <a:solidFill>
+                  <a:srgbClr val="3B3B3B"/>
+                </a:solidFill>
+                <a:latin typeface="Consolas" panose="020B0609020204030204" pitchFamily="49" charset="0"/>
+              </a:rPr>
+              <a:t>(</a:t>
+            </a:r>
+            <a:r>
+              <a:rPr lang="en-US" sz="1100" dirty="0">
+                <a:solidFill>
+                  <a:srgbClr val="A31515"/>
+                </a:solidFill>
+                <a:latin typeface="Consolas" panose="020B0609020204030204" pitchFamily="49" charset="0"/>
+              </a:rPr>
+              <a:t>"Animal makes a sound"</a:t>
+            </a:r>
+            <a:r>
+              <a:rPr lang="en-US" sz="1100" dirty="0">
+                <a:solidFill>
+                  <a:srgbClr val="3B3B3B"/>
+                </a:solidFill>
+                <a:latin typeface="Consolas" panose="020B0609020204030204" pitchFamily="49" charset="0"/>
+              </a:rPr>
+              <a:t>);  </a:t>
+            </a:r>
+          </a:p>
+          <a:p>
+            <a:r>
+              <a:rPr lang="en-US" sz="1100" dirty="0">
+                <a:solidFill>
+                  <a:srgbClr val="3B3B3B"/>
+                </a:solidFill>
+                <a:latin typeface="Consolas" panose="020B0609020204030204" pitchFamily="49" charset="0"/>
+              </a:rPr>
+              <a:t>    }</a:t>
+            </a:r>
+          </a:p>
+          <a:p>
+            <a:r>
+              <a:rPr lang="en-US" sz="1100" dirty="0" smtClean="0">
+                <a:solidFill>
+                  <a:srgbClr val="3B3B3B"/>
+                </a:solidFill>
+                <a:latin typeface="Consolas" panose="020B0609020204030204" pitchFamily="49" charset="0"/>
+              </a:rPr>
+              <a:t>}</a:t>
+            </a:r>
+          </a:p>
+          <a:p>
+            <a:r>
+              <a:rPr lang="en-US" sz="1100" dirty="0" smtClean="0">
+                <a:solidFill>
+                  <a:srgbClr val="0000FF"/>
+                </a:solidFill>
+                <a:latin typeface="Consolas" panose="020B0609020204030204" pitchFamily="49" charset="0"/>
+              </a:rPr>
+              <a:t>class</a:t>
+            </a:r>
+            <a:r>
+              <a:rPr lang="en-US" sz="1100" dirty="0" smtClean="0">
+                <a:solidFill>
+                  <a:srgbClr val="3B3B3B"/>
+                </a:solidFill>
+                <a:latin typeface="Consolas" panose="020B0609020204030204" pitchFamily="49" charset="0"/>
+              </a:rPr>
+              <a:t> </a:t>
+            </a:r>
+            <a:r>
+              <a:rPr lang="en-US" sz="1100" dirty="0" smtClean="0">
+                <a:solidFill>
+                  <a:srgbClr val="267F99"/>
+                </a:solidFill>
+                <a:latin typeface="Consolas" panose="020B0609020204030204" pitchFamily="49" charset="0"/>
+              </a:rPr>
+              <a:t>Dog</a:t>
+            </a:r>
+            <a:r>
+              <a:rPr lang="en-US" sz="1100" dirty="0" smtClean="0">
+                <a:solidFill>
+                  <a:srgbClr val="3B3B3B"/>
+                </a:solidFill>
+                <a:latin typeface="Consolas" panose="020B0609020204030204" pitchFamily="49" charset="0"/>
+              </a:rPr>
+              <a:t> : </a:t>
+            </a:r>
+            <a:r>
+              <a:rPr lang="en-US" sz="1100" dirty="0" smtClean="0">
+                <a:solidFill>
+                  <a:srgbClr val="267F99"/>
+                </a:solidFill>
+                <a:latin typeface="Consolas" panose="020B0609020204030204" pitchFamily="49" charset="0"/>
+              </a:rPr>
+              <a:t>Animal</a:t>
+            </a:r>
+            <a:endParaRPr lang="en-US" sz="1100" dirty="0" smtClean="0">
+              <a:solidFill>
+                <a:srgbClr val="3B3B3B"/>
+              </a:solidFill>
+              <a:latin typeface="Consolas" panose="020B0609020204030204" pitchFamily="49" charset="0"/>
+            </a:endParaRPr>
+          </a:p>
+          <a:p>
+            <a:r>
+              <a:rPr lang="en-US" sz="1100" dirty="0" smtClean="0">
+                <a:solidFill>
+                  <a:srgbClr val="3B3B3B"/>
+                </a:solidFill>
+                <a:latin typeface="Consolas" panose="020B0609020204030204" pitchFamily="49" charset="0"/>
+              </a:rPr>
+              <a:t>{</a:t>
+            </a:r>
+          </a:p>
+          <a:p>
+            <a:r>
+              <a:rPr lang="en-US" sz="1100" dirty="0" smtClean="0">
+                <a:solidFill>
+                  <a:srgbClr val="3B3B3B"/>
+                </a:solidFill>
+                <a:latin typeface="Consolas" panose="020B0609020204030204" pitchFamily="49" charset="0"/>
+              </a:rPr>
+              <a:t>    </a:t>
+            </a:r>
+            <a:r>
+              <a:rPr lang="en-US" sz="1100" dirty="0" smtClean="0">
+                <a:solidFill>
+                  <a:srgbClr val="0000FF"/>
+                </a:solidFill>
+                <a:latin typeface="Consolas" panose="020B0609020204030204" pitchFamily="49" charset="0"/>
+              </a:rPr>
+              <a:t>public</a:t>
+            </a:r>
+            <a:r>
+              <a:rPr lang="en-US" sz="1100" dirty="0" smtClean="0">
+                <a:solidFill>
+                  <a:srgbClr val="3B3B3B"/>
+                </a:solidFill>
+                <a:latin typeface="Consolas" panose="020B0609020204030204" pitchFamily="49" charset="0"/>
+              </a:rPr>
+              <a:t> </a:t>
+            </a:r>
+            <a:r>
+              <a:rPr lang="en-US" sz="1100" dirty="0" smtClean="0">
+                <a:solidFill>
+                  <a:srgbClr val="0000FF"/>
+                </a:solidFill>
+                <a:latin typeface="Consolas" panose="020B0609020204030204" pitchFamily="49" charset="0"/>
+              </a:rPr>
+              <a:t>override</a:t>
+            </a:r>
+            <a:r>
+              <a:rPr lang="en-US" sz="1100" dirty="0" smtClean="0">
+                <a:solidFill>
+                  <a:srgbClr val="3B3B3B"/>
+                </a:solidFill>
+                <a:latin typeface="Consolas" panose="020B0609020204030204" pitchFamily="49" charset="0"/>
+              </a:rPr>
+              <a:t> </a:t>
+            </a:r>
+            <a:r>
+              <a:rPr lang="en-US" sz="1100" dirty="0" smtClean="0">
+                <a:solidFill>
+                  <a:srgbClr val="0000FF"/>
+                </a:solidFill>
+                <a:latin typeface="Consolas" panose="020B0609020204030204" pitchFamily="49" charset="0"/>
+              </a:rPr>
+              <a:t>void</a:t>
+            </a:r>
+            <a:r>
+              <a:rPr lang="en-US" sz="1100" dirty="0" smtClean="0">
+                <a:solidFill>
+                  <a:srgbClr val="3B3B3B"/>
+                </a:solidFill>
+                <a:latin typeface="Consolas" panose="020B0609020204030204" pitchFamily="49" charset="0"/>
+              </a:rPr>
+              <a:t> </a:t>
+            </a:r>
+            <a:r>
+              <a:rPr lang="en-US" sz="1100" dirty="0" smtClean="0">
+                <a:solidFill>
+                  <a:srgbClr val="795E26"/>
+                </a:solidFill>
+                <a:latin typeface="Consolas" panose="020B0609020204030204" pitchFamily="49" charset="0"/>
+              </a:rPr>
+              <a:t>Speak</a:t>
+            </a:r>
+            <a:r>
+              <a:rPr lang="en-US" sz="1100" dirty="0" smtClean="0">
+                <a:solidFill>
+                  <a:srgbClr val="3B3B3B"/>
+                </a:solidFill>
+                <a:latin typeface="Consolas" panose="020B0609020204030204" pitchFamily="49" charset="0"/>
+              </a:rPr>
+              <a:t>()</a:t>
+            </a:r>
+          </a:p>
+          <a:p>
+            <a:r>
+              <a:rPr lang="en-US" sz="1100" dirty="0" smtClean="0">
+                <a:solidFill>
+                  <a:srgbClr val="3B3B3B"/>
+                </a:solidFill>
+                <a:latin typeface="Consolas" panose="020B0609020204030204" pitchFamily="49" charset="0"/>
+              </a:rPr>
+              <a:t>    {  </a:t>
+            </a:r>
+          </a:p>
+          <a:p>
+            <a:r>
+              <a:rPr lang="en-US" sz="1100" dirty="0" smtClean="0">
+                <a:solidFill>
+                  <a:srgbClr val="3B3B3B"/>
+                </a:solidFill>
+                <a:latin typeface="Consolas" panose="020B0609020204030204" pitchFamily="49" charset="0"/>
+              </a:rPr>
+              <a:t>        </a:t>
+            </a:r>
+            <a:r>
+              <a:rPr lang="en-US" sz="1100" dirty="0" err="1" smtClean="0">
+                <a:solidFill>
+                  <a:srgbClr val="001080"/>
+                </a:solidFill>
+                <a:latin typeface="Consolas" panose="020B0609020204030204" pitchFamily="49" charset="0"/>
+              </a:rPr>
+              <a:t>Console</a:t>
+            </a:r>
+            <a:r>
+              <a:rPr lang="en-US" sz="1100" dirty="0" err="1" smtClean="0">
+                <a:solidFill>
+                  <a:srgbClr val="3B3B3B"/>
+                </a:solidFill>
+                <a:latin typeface="Consolas" panose="020B0609020204030204" pitchFamily="49" charset="0"/>
+              </a:rPr>
+              <a:t>.</a:t>
+            </a:r>
+            <a:r>
+              <a:rPr lang="en-US" sz="1100" dirty="0" err="1" smtClean="0">
+                <a:solidFill>
+                  <a:srgbClr val="795E26"/>
+                </a:solidFill>
+                <a:latin typeface="Consolas" panose="020B0609020204030204" pitchFamily="49" charset="0"/>
+              </a:rPr>
+              <a:t>WriteLine</a:t>
+            </a:r>
+            <a:r>
+              <a:rPr lang="en-US" sz="1100" dirty="0" smtClean="0">
+                <a:solidFill>
+                  <a:srgbClr val="3B3B3B"/>
+                </a:solidFill>
+                <a:latin typeface="Consolas" panose="020B0609020204030204" pitchFamily="49" charset="0"/>
+              </a:rPr>
+              <a:t>(</a:t>
+            </a:r>
+            <a:r>
+              <a:rPr lang="en-US" sz="1100" dirty="0" smtClean="0">
+                <a:solidFill>
+                  <a:srgbClr val="A31515"/>
+                </a:solidFill>
+                <a:latin typeface="Consolas" panose="020B0609020204030204" pitchFamily="49" charset="0"/>
+              </a:rPr>
+              <a:t>"Dog barks"</a:t>
+            </a:r>
+            <a:r>
+              <a:rPr lang="en-US" sz="1100" dirty="0" smtClean="0">
+                <a:solidFill>
+                  <a:srgbClr val="3B3B3B"/>
+                </a:solidFill>
+                <a:latin typeface="Consolas" panose="020B0609020204030204" pitchFamily="49" charset="0"/>
+              </a:rPr>
+              <a:t>);  </a:t>
+            </a:r>
+          </a:p>
+          <a:p>
+            <a:r>
+              <a:rPr lang="en-US" sz="1100" dirty="0" smtClean="0">
+                <a:solidFill>
+                  <a:srgbClr val="3B3B3B"/>
+                </a:solidFill>
+                <a:latin typeface="Consolas" panose="020B0609020204030204" pitchFamily="49" charset="0"/>
+              </a:rPr>
+              <a:t>    }</a:t>
+            </a:r>
+          </a:p>
+          <a:p>
+            <a:r>
+              <a:rPr lang="en-US" sz="1100" dirty="0" smtClean="0">
+                <a:solidFill>
+                  <a:srgbClr val="3B3B3B"/>
+                </a:solidFill>
+                <a:latin typeface="Consolas" panose="020B0609020204030204" pitchFamily="49" charset="0"/>
+              </a:rPr>
+              <a:t>}</a:t>
+            </a:r>
+            <a:endParaRPr lang="en-US" sz="1100" dirty="0">
+              <a:solidFill>
+                <a:srgbClr val="3B3B3B"/>
+              </a:solidFill>
+              <a:latin typeface="Consolas" panose="020B0609020204030204" pitchFamily="49" charset="0"/>
+            </a:endParaRPr>
+          </a:p>
+        </p:txBody>
+      </p:sp>
+    </p:spTree>
+    <p:extLst>
+      <p:ext uri="{BB962C8B-B14F-4D97-AF65-F5344CB8AC3E}">
+        <p14:creationId xmlns:p14="http://schemas.microsoft.com/office/powerpoint/2010/main" val="3442946373"/>
+      </p:ext>
+    </p:extLst>
+  </p:cSld>
+  <p:clrMapOvr>
+    <a:masterClrMapping/>
+  </p:clrMapOvr>
+  <mc:AlternateContent xmlns:mc="http://schemas.openxmlformats.org/markup-compatibility/2006" xmlns:p14="http://schemas.microsoft.com/office/powerpoint/2010/main">
+    <mc:Choice Requires="p14">
+      <p:transition spd="slow" p14:dur="2000"/>
+    </mc:Choice>
+    <mc:Fallback xmlns="">
+      <p:transition spd="slow"/>
+    </mc:Fallback>
+  </mc:AlternateContent>
+  <p:timing>
+    <p:tnLst>
+      <p:par>
+        <p:cTn id="1" dur="indefinite" restart="never" nodeType="tmRoot"/>
+      </p:par>
+    </p:tnLst>
+  </p:timing>
+</p:sld>
+</file>
+
+<file path=ppt/slides/slide25.xml><?xml version="1.0" encoding="utf-8"?>
+<p:sld xmlns:a="http://schemas.openxmlformats.org/drawingml/2006/main" xmlns:r="http://schemas.openxmlformats.org/officeDocument/2006/relationships" xmlns:p="http://schemas.openxmlformats.org/presentationml/2006/main">
+  <p:cSld>
+    <p:spTree>
+      <p:nvGrpSpPr>
+        <p:cNvPr id="1" name="Shape 436"/>
+        <p:cNvGrpSpPr/>
+        <p:nvPr/>
+      </p:nvGrpSpPr>
+      <p:grpSpPr>
+        <a:xfrm>
+          <a:off x="0" y="0"/>
+          <a:ext cx="0" cy="0"/>
+          <a:chOff x="0" y="0"/>
+          <a:chExt cx="0" cy="0"/>
+        </a:xfrm>
+      </p:grpSpPr>
+      <p:sp>
+        <p:nvSpPr>
+          <p:cNvPr id="437" name="Google Shape;437;p74"/>
+          <p:cNvSpPr txBox="1">
+            <a:spLocks noGrp="1"/>
+          </p:cNvSpPr>
+          <p:nvPr>
+            <p:ph type="title"/>
+          </p:nvPr>
+        </p:nvSpPr>
+        <p:spPr>
+          <a:xfrm>
+            <a:off x="500550" y="330725"/>
+            <a:ext cx="8190300" cy="679200"/>
+          </a:xfrm>
+          <a:prstGeom prst="rect">
+            <a:avLst/>
+          </a:prstGeom>
+        </p:spPr>
+        <p:txBody>
+          <a:bodyPr spcFirstLastPara="1" wrap="square" lIns="91425" tIns="91425" rIns="91425" bIns="91425" anchor="t" anchorCtr="0">
+            <a:noAutofit/>
+          </a:bodyPr>
+          <a:lstStyle/>
+          <a:p>
+            <a:r>
+              <a:rPr lang="ru-RU" dirty="0" smtClean="0"/>
+              <a:t>Ключевое слово </a:t>
+            </a:r>
+            <a:r>
+              <a:rPr lang="en-US" dirty="0" smtClean="0">
+                <a:solidFill>
+                  <a:schemeClr val="accent1">
+                    <a:lumMod val="75000"/>
+                  </a:schemeClr>
+                </a:solidFill>
+              </a:rPr>
+              <a:t>override</a:t>
+            </a:r>
+            <a:endParaRPr lang="ru-RU" dirty="0">
+              <a:solidFill>
+                <a:schemeClr val="accent1">
+                  <a:lumMod val="75000"/>
+                </a:schemeClr>
+              </a:solidFill>
+            </a:endParaRPr>
+          </a:p>
+        </p:txBody>
+      </p:sp>
+      <p:sp>
+        <p:nvSpPr>
+          <p:cNvPr id="6" name="TextBox 5"/>
+          <p:cNvSpPr txBox="1"/>
+          <p:nvPr/>
+        </p:nvSpPr>
+        <p:spPr>
+          <a:xfrm>
+            <a:off x="500549" y="1120768"/>
+            <a:ext cx="3623709" cy="2006190"/>
+          </a:xfrm>
+          <a:prstGeom prst="rect">
+            <a:avLst/>
+          </a:prstGeom>
+          <a:noFill/>
+        </p:spPr>
+        <p:txBody>
+          <a:bodyPr wrap="square" rtlCol="0">
+            <a:spAutoFit/>
+          </a:bodyPr>
+          <a:lstStyle/>
+          <a:p>
+            <a:pPr>
+              <a:lnSpc>
+                <a:spcPct val="115000"/>
+              </a:lnSpc>
+              <a:spcBef>
+                <a:spcPts val="1400"/>
+              </a:spcBef>
+            </a:pPr>
+            <a:r>
+              <a:rPr lang="ru-RU" dirty="0" smtClean="0">
+                <a:solidFill>
+                  <a:schemeClr val="tx1"/>
+                </a:solidFill>
+                <a:latin typeface="Roboto"/>
+                <a:ea typeface="Roboto"/>
+                <a:cs typeface="Roboto"/>
+                <a:sym typeface="Roboto"/>
+              </a:rPr>
+              <a:t>Ключевое </a:t>
+            </a:r>
+            <a:r>
+              <a:rPr lang="ru-RU" dirty="0">
+                <a:solidFill>
+                  <a:schemeClr val="tx1"/>
+                </a:solidFill>
+                <a:latin typeface="Roboto"/>
+                <a:ea typeface="Roboto"/>
+                <a:cs typeface="Roboto"/>
+                <a:sym typeface="Roboto"/>
+              </a:rPr>
+              <a:t>слово </a:t>
+            </a:r>
+            <a:r>
+              <a:rPr lang="ru-RU" dirty="0" err="1">
+                <a:solidFill>
+                  <a:schemeClr val="accent1">
+                    <a:lumMod val="75000"/>
+                  </a:schemeClr>
+                </a:solidFill>
+                <a:latin typeface="Roboto"/>
+                <a:ea typeface="Roboto"/>
+                <a:cs typeface="Roboto"/>
+                <a:sym typeface="Roboto"/>
+                <a:hlinkClick r:id="rId3"/>
+              </a:rPr>
+              <a:t>override</a:t>
+            </a:r>
+            <a:r>
+              <a:rPr lang="ru-RU" dirty="0">
+                <a:solidFill>
+                  <a:schemeClr val="tx1"/>
+                </a:solidFill>
+                <a:latin typeface="Roboto"/>
+                <a:ea typeface="Roboto"/>
+                <a:cs typeface="Roboto"/>
+                <a:sym typeface="Roboto"/>
+              </a:rPr>
+              <a:t> в C# используется для переопределения </a:t>
+            </a:r>
+            <a:r>
+              <a:rPr lang="ru-RU" dirty="0" smtClean="0">
+                <a:solidFill>
+                  <a:schemeClr val="tx1"/>
+                </a:solidFill>
+                <a:latin typeface="Roboto"/>
+                <a:ea typeface="Roboto"/>
+                <a:cs typeface="Roboto"/>
+                <a:sym typeface="Roboto"/>
+              </a:rPr>
+              <a:t>виртуальных методов и свойств объявленных </a:t>
+            </a:r>
+            <a:r>
+              <a:rPr lang="ru-RU" dirty="0">
+                <a:solidFill>
+                  <a:schemeClr val="tx1"/>
+                </a:solidFill>
+                <a:latin typeface="Roboto"/>
+                <a:ea typeface="Roboto"/>
+                <a:cs typeface="Roboto"/>
+                <a:sym typeface="Roboto"/>
+              </a:rPr>
+              <a:t>в базовом </a:t>
+            </a:r>
+            <a:r>
+              <a:rPr lang="ru-RU" dirty="0" smtClean="0">
+                <a:solidFill>
+                  <a:schemeClr val="tx1"/>
+                </a:solidFill>
+                <a:latin typeface="Roboto"/>
+                <a:ea typeface="Roboto"/>
+                <a:cs typeface="Roboto"/>
+                <a:sym typeface="Roboto"/>
+              </a:rPr>
+              <a:t>классе.</a:t>
+            </a:r>
+            <a:endParaRPr lang="en-US" dirty="0" smtClean="0">
+              <a:solidFill>
+                <a:schemeClr val="tx1"/>
+              </a:solidFill>
+              <a:latin typeface="Roboto"/>
+              <a:ea typeface="Roboto"/>
+              <a:cs typeface="Roboto"/>
+              <a:sym typeface="Roboto"/>
+            </a:endParaRPr>
+          </a:p>
+          <a:p>
+            <a:pPr>
+              <a:lnSpc>
+                <a:spcPct val="115000"/>
+              </a:lnSpc>
+              <a:spcBef>
+                <a:spcPts val="1400"/>
+              </a:spcBef>
+            </a:pPr>
+            <a:r>
+              <a:rPr lang="ru-RU" dirty="0" smtClean="0">
+                <a:solidFill>
+                  <a:schemeClr val="tx1"/>
+                </a:solidFill>
+                <a:latin typeface="Roboto"/>
+                <a:ea typeface="Roboto"/>
+                <a:cs typeface="Roboto"/>
+                <a:sym typeface="Roboto"/>
+              </a:rPr>
+              <a:t>Оно </a:t>
+            </a:r>
+            <a:r>
+              <a:rPr lang="ru-RU" dirty="0">
+                <a:solidFill>
+                  <a:schemeClr val="tx1"/>
+                </a:solidFill>
+                <a:latin typeface="Roboto"/>
+                <a:ea typeface="Roboto"/>
+                <a:cs typeface="Roboto"/>
+                <a:sym typeface="Roboto"/>
+              </a:rPr>
+              <a:t>позволяет изменить поведение базового члена в производном классе, сохраняя полиморфизм. </a:t>
+            </a:r>
+          </a:p>
+        </p:txBody>
+      </p:sp>
+      <p:sp>
+        <p:nvSpPr>
+          <p:cNvPr id="7" name="TextBox 6"/>
+          <p:cNvSpPr txBox="1"/>
+          <p:nvPr/>
+        </p:nvSpPr>
+        <p:spPr>
+          <a:xfrm>
+            <a:off x="4124258" y="1120768"/>
+            <a:ext cx="4664054" cy="3816429"/>
+          </a:xfrm>
+          <a:prstGeom prst="rect">
+            <a:avLst/>
+          </a:prstGeom>
+          <a:noFill/>
+        </p:spPr>
+        <p:txBody>
+          <a:bodyPr wrap="square" rtlCol="0">
+            <a:spAutoFit/>
+          </a:bodyPr>
+          <a:lstStyle/>
+          <a:p>
+            <a:r>
+              <a:rPr lang="en-US" sz="1100" dirty="0">
+                <a:solidFill>
+                  <a:srgbClr val="267F99"/>
+                </a:solidFill>
+                <a:latin typeface="Consolas" panose="020B0609020204030204" pitchFamily="49" charset="0"/>
+              </a:rPr>
+              <a:t>Animal</a:t>
+            </a:r>
+            <a:r>
+              <a:rPr lang="en-US" sz="1100" dirty="0">
+                <a:solidFill>
+                  <a:srgbClr val="3B3B3B"/>
+                </a:solidFill>
+                <a:latin typeface="Consolas" panose="020B0609020204030204" pitchFamily="49" charset="0"/>
+              </a:rPr>
+              <a:t> </a:t>
+            </a:r>
+            <a:r>
+              <a:rPr lang="en-US" sz="1100" dirty="0" err="1">
+                <a:solidFill>
+                  <a:srgbClr val="001080"/>
+                </a:solidFill>
+                <a:latin typeface="Consolas" panose="020B0609020204030204" pitchFamily="49" charset="0"/>
+              </a:rPr>
+              <a:t>animal</a:t>
+            </a:r>
+            <a:r>
+              <a:rPr lang="en-US" sz="1100" dirty="0">
+                <a:solidFill>
+                  <a:srgbClr val="3B3B3B"/>
+                </a:solidFill>
+                <a:latin typeface="Consolas" panose="020B0609020204030204" pitchFamily="49" charset="0"/>
+              </a:rPr>
+              <a:t> </a:t>
+            </a:r>
+            <a:r>
+              <a:rPr lang="en-US" sz="1100" dirty="0">
+                <a:latin typeface="Consolas" panose="020B0609020204030204" pitchFamily="49" charset="0"/>
+              </a:rPr>
+              <a:t>=</a:t>
+            </a:r>
+            <a:r>
+              <a:rPr lang="en-US" sz="1100" dirty="0">
+                <a:solidFill>
+                  <a:srgbClr val="3B3B3B"/>
+                </a:solidFill>
+                <a:latin typeface="Consolas" panose="020B0609020204030204" pitchFamily="49" charset="0"/>
+              </a:rPr>
+              <a:t> </a:t>
+            </a:r>
+            <a:r>
+              <a:rPr lang="en-US" sz="1100" dirty="0">
+                <a:solidFill>
+                  <a:srgbClr val="0000FF"/>
+                </a:solidFill>
+                <a:latin typeface="Consolas" panose="020B0609020204030204" pitchFamily="49" charset="0"/>
+              </a:rPr>
+              <a:t>new</a:t>
+            </a:r>
+            <a:r>
+              <a:rPr lang="en-US" sz="1100" dirty="0">
+                <a:solidFill>
+                  <a:srgbClr val="3B3B3B"/>
+                </a:solidFill>
+                <a:latin typeface="Consolas" panose="020B0609020204030204" pitchFamily="49" charset="0"/>
+              </a:rPr>
+              <a:t> </a:t>
+            </a:r>
+            <a:r>
+              <a:rPr lang="en-US" sz="1100" dirty="0">
+                <a:solidFill>
+                  <a:srgbClr val="267F99"/>
+                </a:solidFill>
+                <a:latin typeface="Consolas" panose="020B0609020204030204" pitchFamily="49" charset="0"/>
+              </a:rPr>
+              <a:t>Animal</a:t>
+            </a:r>
+            <a:r>
+              <a:rPr lang="en-US" sz="1100" dirty="0">
+                <a:solidFill>
+                  <a:srgbClr val="3B3B3B"/>
+                </a:solidFill>
+                <a:latin typeface="Consolas" panose="020B0609020204030204" pitchFamily="49" charset="0"/>
+              </a:rPr>
+              <a:t>();</a:t>
+            </a:r>
+          </a:p>
+          <a:p>
+            <a:r>
+              <a:rPr lang="en-US" sz="1100" dirty="0" err="1">
+                <a:solidFill>
+                  <a:srgbClr val="001080"/>
+                </a:solidFill>
+                <a:latin typeface="Consolas" panose="020B0609020204030204" pitchFamily="49" charset="0"/>
+              </a:rPr>
+              <a:t>animal</a:t>
+            </a:r>
+            <a:r>
+              <a:rPr lang="en-US" sz="1100" dirty="0" err="1">
+                <a:solidFill>
+                  <a:srgbClr val="3B3B3B"/>
+                </a:solidFill>
+                <a:latin typeface="Consolas" panose="020B0609020204030204" pitchFamily="49" charset="0"/>
+              </a:rPr>
+              <a:t>.</a:t>
+            </a:r>
+            <a:r>
+              <a:rPr lang="en-US" sz="1100" dirty="0" err="1">
+                <a:solidFill>
+                  <a:srgbClr val="795E26"/>
+                </a:solidFill>
+                <a:latin typeface="Consolas" panose="020B0609020204030204" pitchFamily="49" charset="0"/>
+              </a:rPr>
+              <a:t>Speak</a:t>
+            </a:r>
+            <a:r>
+              <a:rPr lang="en-US" sz="1100" dirty="0">
+                <a:solidFill>
+                  <a:srgbClr val="3B3B3B"/>
+                </a:solidFill>
+                <a:latin typeface="Consolas" panose="020B0609020204030204" pitchFamily="49" charset="0"/>
+              </a:rPr>
+              <a:t>(); </a:t>
+            </a:r>
+            <a:r>
+              <a:rPr lang="en-US" sz="1100" dirty="0">
+                <a:solidFill>
+                  <a:srgbClr val="008000"/>
+                </a:solidFill>
+                <a:latin typeface="Consolas" panose="020B0609020204030204" pitchFamily="49" charset="0"/>
+              </a:rPr>
+              <a:t>//</a:t>
+            </a:r>
+            <a:r>
+              <a:rPr lang="ru-RU" sz="1100" dirty="0">
+                <a:solidFill>
+                  <a:srgbClr val="008000"/>
+                </a:solidFill>
+                <a:latin typeface="Consolas" panose="020B0609020204030204" pitchFamily="49" charset="0"/>
+              </a:rPr>
+              <a:t>Выведет </a:t>
+            </a:r>
+            <a:r>
+              <a:rPr lang="en-US" sz="1100" dirty="0" err="1">
+                <a:solidFill>
+                  <a:srgbClr val="008000"/>
+                </a:solidFill>
+                <a:latin typeface="Consolas" panose="020B0609020204030204" pitchFamily="49" charset="0"/>
+              </a:rPr>
+              <a:t>Animal.Speak</a:t>
+            </a:r>
+            <a:r>
+              <a:rPr lang="en-US" sz="1100" dirty="0">
+                <a:solidFill>
+                  <a:srgbClr val="008000"/>
+                </a:solidFill>
+                <a:latin typeface="Consolas" panose="020B0609020204030204" pitchFamily="49" charset="0"/>
+              </a:rPr>
+              <a:t>();</a:t>
+            </a:r>
+            <a:endParaRPr lang="en-US" sz="1100" dirty="0">
+              <a:solidFill>
+                <a:srgbClr val="3B3B3B"/>
+              </a:solidFill>
+              <a:latin typeface="Consolas" panose="020B0609020204030204" pitchFamily="49" charset="0"/>
+            </a:endParaRPr>
+          </a:p>
+          <a:p>
+            <a:r>
+              <a:rPr lang="en-US" sz="1100" dirty="0">
+                <a:solidFill>
+                  <a:srgbClr val="3B3B3B"/>
+                </a:solidFill>
+                <a:latin typeface="Consolas" panose="020B0609020204030204" pitchFamily="49" charset="0"/>
+              </a:rPr>
+              <a:t/>
+            </a:r>
+            <a:br>
+              <a:rPr lang="en-US" sz="1100" dirty="0">
+                <a:solidFill>
+                  <a:srgbClr val="3B3B3B"/>
+                </a:solidFill>
+                <a:latin typeface="Consolas" panose="020B0609020204030204" pitchFamily="49" charset="0"/>
+              </a:rPr>
+            </a:br>
+            <a:r>
+              <a:rPr lang="en-US" sz="1100" dirty="0">
+                <a:solidFill>
+                  <a:srgbClr val="267F99"/>
+                </a:solidFill>
+                <a:latin typeface="Consolas" panose="020B0609020204030204" pitchFamily="49" charset="0"/>
+              </a:rPr>
+              <a:t>Animal</a:t>
+            </a:r>
+            <a:r>
+              <a:rPr lang="en-US" sz="1100" dirty="0">
+                <a:solidFill>
+                  <a:srgbClr val="3B3B3B"/>
+                </a:solidFill>
+                <a:latin typeface="Consolas" panose="020B0609020204030204" pitchFamily="49" charset="0"/>
+              </a:rPr>
+              <a:t> </a:t>
+            </a:r>
+            <a:r>
+              <a:rPr lang="en-US" sz="1100" dirty="0">
+                <a:solidFill>
+                  <a:srgbClr val="001080"/>
+                </a:solidFill>
+                <a:latin typeface="Consolas" panose="020B0609020204030204" pitchFamily="49" charset="0"/>
+              </a:rPr>
+              <a:t>dog</a:t>
+            </a:r>
+            <a:r>
+              <a:rPr lang="en-US" sz="1100" dirty="0">
+                <a:solidFill>
+                  <a:srgbClr val="3B3B3B"/>
+                </a:solidFill>
+                <a:latin typeface="Consolas" panose="020B0609020204030204" pitchFamily="49" charset="0"/>
+              </a:rPr>
+              <a:t> </a:t>
+            </a:r>
+            <a:r>
+              <a:rPr lang="en-US" sz="1100" dirty="0">
+                <a:latin typeface="Consolas" panose="020B0609020204030204" pitchFamily="49" charset="0"/>
+              </a:rPr>
+              <a:t>=</a:t>
+            </a:r>
+            <a:r>
+              <a:rPr lang="en-US" sz="1100" dirty="0">
+                <a:solidFill>
+                  <a:srgbClr val="3B3B3B"/>
+                </a:solidFill>
+                <a:latin typeface="Consolas" panose="020B0609020204030204" pitchFamily="49" charset="0"/>
+              </a:rPr>
+              <a:t> </a:t>
+            </a:r>
+            <a:r>
+              <a:rPr lang="en-US" sz="1100" dirty="0">
+                <a:solidFill>
+                  <a:srgbClr val="0000FF"/>
+                </a:solidFill>
+                <a:latin typeface="Consolas" panose="020B0609020204030204" pitchFamily="49" charset="0"/>
+              </a:rPr>
+              <a:t>new</a:t>
+            </a:r>
+            <a:r>
+              <a:rPr lang="en-US" sz="1100" dirty="0">
+                <a:solidFill>
+                  <a:srgbClr val="3B3B3B"/>
+                </a:solidFill>
+                <a:latin typeface="Consolas" panose="020B0609020204030204" pitchFamily="49" charset="0"/>
+              </a:rPr>
+              <a:t> </a:t>
+            </a:r>
+            <a:r>
+              <a:rPr lang="en-US" sz="1100" dirty="0">
+                <a:solidFill>
+                  <a:srgbClr val="267F99"/>
+                </a:solidFill>
+                <a:latin typeface="Consolas" panose="020B0609020204030204" pitchFamily="49" charset="0"/>
+              </a:rPr>
+              <a:t>Dog</a:t>
+            </a:r>
+            <a:r>
+              <a:rPr lang="en-US" sz="1100" dirty="0">
+                <a:solidFill>
+                  <a:srgbClr val="3B3B3B"/>
+                </a:solidFill>
+                <a:latin typeface="Consolas" panose="020B0609020204030204" pitchFamily="49" charset="0"/>
+              </a:rPr>
+              <a:t>();</a:t>
+            </a:r>
+          </a:p>
+          <a:p>
+            <a:r>
+              <a:rPr lang="en-US" sz="1100" dirty="0" err="1">
+                <a:solidFill>
+                  <a:srgbClr val="001080"/>
+                </a:solidFill>
+                <a:latin typeface="Consolas" panose="020B0609020204030204" pitchFamily="49" charset="0"/>
+              </a:rPr>
+              <a:t>dog</a:t>
+            </a:r>
+            <a:r>
+              <a:rPr lang="en-US" sz="1100" dirty="0" err="1">
+                <a:solidFill>
+                  <a:srgbClr val="3B3B3B"/>
+                </a:solidFill>
+                <a:latin typeface="Consolas" panose="020B0609020204030204" pitchFamily="49" charset="0"/>
+              </a:rPr>
+              <a:t>.</a:t>
+            </a:r>
+            <a:r>
+              <a:rPr lang="en-US" sz="1100" dirty="0" err="1">
+                <a:solidFill>
+                  <a:srgbClr val="795E26"/>
+                </a:solidFill>
+                <a:latin typeface="Consolas" panose="020B0609020204030204" pitchFamily="49" charset="0"/>
+              </a:rPr>
+              <a:t>Speak</a:t>
+            </a:r>
+            <a:r>
+              <a:rPr lang="en-US" sz="1100" dirty="0">
+                <a:solidFill>
+                  <a:srgbClr val="3B3B3B"/>
+                </a:solidFill>
+                <a:latin typeface="Consolas" panose="020B0609020204030204" pitchFamily="49" charset="0"/>
+              </a:rPr>
+              <a:t>(); </a:t>
+            </a:r>
+            <a:r>
+              <a:rPr lang="en-US" sz="1100" dirty="0">
+                <a:solidFill>
+                  <a:srgbClr val="008000"/>
+                </a:solidFill>
+                <a:latin typeface="Consolas" panose="020B0609020204030204" pitchFamily="49" charset="0"/>
+              </a:rPr>
+              <a:t>//</a:t>
+            </a:r>
+            <a:r>
+              <a:rPr lang="ru-RU" sz="1100" dirty="0">
+                <a:solidFill>
+                  <a:srgbClr val="008000"/>
+                </a:solidFill>
+                <a:latin typeface="Consolas" panose="020B0609020204030204" pitchFamily="49" charset="0"/>
+              </a:rPr>
+              <a:t>Выведет </a:t>
+            </a:r>
+            <a:r>
+              <a:rPr lang="en-US" sz="1100" dirty="0" err="1">
+                <a:solidFill>
+                  <a:srgbClr val="008000"/>
+                </a:solidFill>
+                <a:latin typeface="Consolas" panose="020B0609020204030204" pitchFamily="49" charset="0"/>
+              </a:rPr>
+              <a:t>Dog.Speak</a:t>
+            </a:r>
+            <a:r>
+              <a:rPr lang="en-US" sz="1100" dirty="0">
+                <a:solidFill>
+                  <a:srgbClr val="008000"/>
+                </a:solidFill>
+                <a:latin typeface="Consolas" panose="020B0609020204030204" pitchFamily="49" charset="0"/>
+              </a:rPr>
+              <a:t>();</a:t>
+            </a:r>
+            <a:endParaRPr lang="en-US" sz="1100" dirty="0">
+              <a:solidFill>
+                <a:srgbClr val="3B3B3B"/>
+              </a:solidFill>
+              <a:latin typeface="Consolas" panose="020B0609020204030204" pitchFamily="49" charset="0"/>
+            </a:endParaRPr>
+          </a:p>
+          <a:p>
+            <a:r>
+              <a:rPr lang="en-US" sz="1100" dirty="0">
+                <a:solidFill>
+                  <a:srgbClr val="3B3B3B"/>
+                </a:solidFill>
+                <a:latin typeface="Consolas" panose="020B0609020204030204" pitchFamily="49" charset="0"/>
+              </a:rPr>
+              <a:t/>
+            </a:r>
+            <a:br>
+              <a:rPr lang="en-US" sz="1100" dirty="0">
+                <a:solidFill>
+                  <a:srgbClr val="3B3B3B"/>
+                </a:solidFill>
+                <a:latin typeface="Consolas" panose="020B0609020204030204" pitchFamily="49" charset="0"/>
+              </a:rPr>
+            </a:br>
+            <a:r>
+              <a:rPr lang="en-US" sz="1100" dirty="0">
+                <a:solidFill>
+                  <a:srgbClr val="0000FF"/>
+                </a:solidFill>
+                <a:latin typeface="Consolas" panose="020B0609020204030204" pitchFamily="49" charset="0"/>
+              </a:rPr>
+              <a:t>class</a:t>
+            </a:r>
+            <a:r>
+              <a:rPr lang="en-US" sz="1100" dirty="0">
+                <a:solidFill>
+                  <a:srgbClr val="3B3B3B"/>
+                </a:solidFill>
+                <a:latin typeface="Consolas" panose="020B0609020204030204" pitchFamily="49" charset="0"/>
+              </a:rPr>
+              <a:t> </a:t>
+            </a:r>
+            <a:r>
+              <a:rPr lang="en-US" sz="1100" dirty="0">
+                <a:solidFill>
+                  <a:srgbClr val="267F99"/>
+                </a:solidFill>
+                <a:latin typeface="Consolas" panose="020B0609020204030204" pitchFamily="49" charset="0"/>
+              </a:rPr>
+              <a:t>Animal</a:t>
+            </a:r>
+            <a:endParaRPr lang="en-US" sz="1100" dirty="0">
+              <a:solidFill>
+                <a:srgbClr val="3B3B3B"/>
+              </a:solidFill>
+              <a:latin typeface="Consolas" panose="020B0609020204030204" pitchFamily="49" charset="0"/>
+            </a:endParaRPr>
+          </a:p>
+          <a:p>
+            <a:r>
+              <a:rPr lang="en-US" sz="1100" dirty="0">
+                <a:solidFill>
+                  <a:srgbClr val="3B3B3B"/>
+                </a:solidFill>
+                <a:latin typeface="Consolas" panose="020B0609020204030204" pitchFamily="49" charset="0"/>
+              </a:rPr>
+              <a:t>{</a:t>
+            </a:r>
+          </a:p>
+          <a:p>
+            <a:r>
+              <a:rPr lang="en-US" sz="1100" dirty="0">
+                <a:solidFill>
+                  <a:srgbClr val="3B3B3B"/>
+                </a:solidFill>
+                <a:latin typeface="Consolas" panose="020B0609020204030204" pitchFamily="49" charset="0"/>
+              </a:rPr>
+              <a:t>    </a:t>
+            </a:r>
+            <a:r>
+              <a:rPr lang="en-US" sz="1100" dirty="0">
+                <a:solidFill>
+                  <a:srgbClr val="0000FF"/>
+                </a:solidFill>
+                <a:latin typeface="Consolas" panose="020B0609020204030204" pitchFamily="49" charset="0"/>
+              </a:rPr>
+              <a:t>private</a:t>
+            </a:r>
+            <a:r>
+              <a:rPr lang="en-US" sz="1100" dirty="0">
+                <a:solidFill>
+                  <a:srgbClr val="3B3B3B"/>
+                </a:solidFill>
+                <a:latin typeface="Consolas" panose="020B0609020204030204" pitchFamily="49" charset="0"/>
+              </a:rPr>
+              <a:t> </a:t>
+            </a:r>
+            <a:r>
+              <a:rPr lang="en-US" sz="1100" dirty="0">
+                <a:solidFill>
+                  <a:srgbClr val="0000FF"/>
+                </a:solidFill>
+                <a:latin typeface="Consolas" panose="020B0609020204030204" pitchFamily="49" charset="0"/>
+              </a:rPr>
+              <a:t>string</a:t>
+            </a:r>
+            <a:r>
+              <a:rPr lang="en-US" sz="1100" dirty="0">
+                <a:solidFill>
+                  <a:srgbClr val="3B3B3B"/>
+                </a:solidFill>
+                <a:latin typeface="Consolas" panose="020B0609020204030204" pitchFamily="49" charset="0"/>
+              </a:rPr>
+              <a:t> </a:t>
+            </a:r>
+            <a:r>
+              <a:rPr lang="en-US" sz="1100" dirty="0">
+                <a:solidFill>
+                  <a:srgbClr val="001080"/>
+                </a:solidFill>
+                <a:latin typeface="Consolas" panose="020B0609020204030204" pitchFamily="49" charset="0"/>
+              </a:rPr>
+              <a:t>name</a:t>
+            </a:r>
+            <a:r>
+              <a:rPr lang="en-US" sz="1100" dirty="0">
+                <a:solidFill>
+                  <a:srgbClr val="3B3B3B"/>
+                </a:solidFill>
+                <a:latin typeface="Consolas" panose="020B0609020204030204" pitchFamily="49" charset="0"/>
+              </a:rPr>
+              <a:t> </a:t>
+            </a:r>
+            <a:r>
+              <a:rPr lang="en-US" sz="1100" dirty="0">
+                <a:latin typeface="Consolas" panose="020B0609020204030204" pitchFamily="49" charset="0"/>
+              </a:rPr>
+              <a:t>=</a:t>
+            </a:r>
+            <a:r>
+              <a:rPr lang="en-US" sz="1100" dirty="0">
+                <a:solidFill>
+                  <a:srgbClr val="3B3B3B"/>
+                </a:solidFill>
+                <a:latin typeface="Consolas" panose="020B0609020204030204" pitchFamily="49" charset="0"/>
+              </a:rPr>
+              <a:t> </a:t>
+            </a:r>
+            <a:r>
+              <a:rPr lang="en-US" sz="1100" dirty="0">
+                <a:solidFill>
+                  <a:srgbClr val="A31515"/>
+                </a:solidFill>
+                <a:latin typeface="Consolas" panose="020B0609020204030204" pitchFamily="49" charset="0"/>
+              </a:rPr>
+              <a:t>"Animal"</a:t>
+            </a:r>
+            <a:r>
+              <a:rPr lang="en-US" sz="1100" dirty="0">
+                <a:solidFill>
+                  <a:srgbClr val="3B3B3B"/>
+                </a:solidFill>
+                <a:latin typeface="Consolas" panose="020B0609020204030204" pitchFamily="49" charset="0"/>
+              </a:rPr>
+              <a:t>;</a:t>
+            </a:r>
+          </a:p>
+          <a:p>
+            <a:r>
+              <a:rPr lang="en-US" sz="1100" dirty="0">
+                <a:solidFill>
+                  <a:srgbClr val="3B3B3B"/>
+                </a:solidFill>
+                <a:latin typeface="Consolas" panose="020B0609020204030204" pitchFamily="49" charset="0"/>
+              </a:rPr>
+              <a:t/>
+            </a:r>
+            <a:br>
+              <a:rPr lang="en-US" sz="1100" dirty="0">
+                <a:solidFill>
+                  <a:srgbClr val="3B3B3B"/>
+                </a:solidFill>
+                <a:latin typeface="Consolas" panose="020B0609020204030204" pitchFamily="49" charset="0"/>
+              </a:rPr>
+            </a:br>
+            <a:r>
+              <a:rPr lang="en-US" sz="1100" dirty="0">
+                <a:solidFill>
+                  <a:srgbClr val="3B3B3B"/>
+                </a:solidFill>
+                <a:latin typeface="Consolas" panose="020B0609020204030204" pitchFamily="49" charset="0"/>
+              </a:rPr>
+              <a:t>    </a:t>
+            </a:r>
+            <a:r>
+              <a:rPr lang="en-US" sz="1100" dirty="0">
+                <a:solidFill>
+                  <a:srgbClr val="0000FF"/>
+                </a:solidFill>
+                <a:latin typeface="Consolas" panose="020B0609020204030204" pitchFamily="49" charset="0"/>
+              </a:rPr>
+              <a:t>public</a:t>
+            </a:r>
+            <a:r>
+              <a:rPr lang="en-US" sz="1100" dirty="0">
+                <a:solidFill>
+                  <a:srgbClr val="3B3B3B"/>
+                </a:solidFill>
+                <a:latin typeface="Consolas" panose="020B0609020204030204" pitchFamily="49" charset="0"/>
+              </a:rPr>
+              <a:t> </a:t>
+            </a:r>
+            <a:r>
+              <a:rPr lang="en-US" sz="1100" b="1" dirty="0">
+                <a:solidFill>
+                  <a:srgbClr val="FF0000"/>
+                </a:solidFill>
+                <a:latin typeface="Consolas" panose="020B0609020204030204" pitchFamily="49" charset="0"/>
+              </a:rPr>
+              <a:t>virtual</a:t>
+            </a:r>
+            <a:r>
+              <a:rPr lang="en-US" sz="1100" dirty="0">
+                <a:solidFill>
+                  <a:srgbClr val="3B3B3B"/>
+                </a:solidFill>
+                <a:latin typeface="Consolas" panose="020B0609020204030204" pitchFamily="49" charset="0"/>
+              </a:rPr>
+              <a:t> </a:t>
+            </a:r>
+            <a:r>
+              <a:rPr lang="en-US" sz="1100" dirty="0">
+                <a:solidFill>
+                  <a:srgbClr val="0000FF"/>
+                </a:solidFill>
+                <a:latin typeface="Consolas" panose="020B0609020204030204" pitchFamily="49" charset="0"/>
+              </a:rPr>
+              <a:t>void</a:t>
+            </a:r>
+            <a:r>
+              <a:rPr lang="en-US" sz="1100" dirty="0">
+                <a:solidFill>
+                  <a:srgbClr val="3B3B3B"/>
+                </a:solidFill>
+                <a:latin typeface="Consolas" panose="020B0609020204030204" pitchFamily="49" charset="0"/>
+              </a:rPr>
+              <a:t> </a:t>
+            </a:r>
+            <a:r>
+              <a:rPr lang="en-US" sz="1100" dirty="0">
+                <a:solidFill>
+                  <a:srgbClr val="795E26"/>
+                </a:solidFill>
+                <a:latin typeface="Consolas" panose="020B0609020204030204" pitchFamily="49" charset="0"/>
+              </a:rPr>
+              <a:t>Speak</a:t>
+            </a:r>
+            <a:r>
+              <a:rPr lang="en-US" sz="1100" dirty="0">
+                <a:solidFill>
+                  <a:srgbClr val="3B3B3B"/>
+                </a:solidFill>
+                <a:latin typeface="Consolas" panose="020B0609020204030204" pitchFamily="49" charset="0"/>
+              </a:rPr>
+              <a:t>()</a:t>
+            </a:r>
+          </a:p>
+          <a:p>
+            <a:r>
+              <a:rPr lang="en-US" sz="1100" dirty="0">
+                <a:solidFill>
+                  <a:srgbClr val="3B3B3B"/>
+                </a:solidFill>
+                <a:latin typeface="Consolas" panose="020B0609020204030204" pitchFamily="49" charset="0"/>
+              </a:rPr>
+              <a:t>    {  </a:t>
+            </a:r>
+          </a:p>
+          <a:p>
+            <a:r>
+              <a:rPr lang="en-US" sz="1100" dirty="0">
+                <a:solidFill>
+                  <a:srgbClr val="3B3B3B"/>
+                </a:solidFill>
+                <a:latin typeface="Consolas" panose="020B0609020204030204" pitchFamily="49" charset="0"/>
+              </a:rPr>
+              <a:t>        </a:t>
+            </a:r>
+            <a:r>
+              <a:rPr lang="en-US" sz="1100" dirty="0" err="1">
+                <a:solidFill>
+                  <a:srgbClr val="001080"/>
+                </a:solidFill>
+                <a:latin typeface="Consolas" panose="020B0609020204030204" pitchFamily="49" charset="0"/>
+              </a:rPr>
+              <a:t>Console</a:t>
+            </a:r>
+            <a:r>
+              <a:rPr lang="en-US" sz="1100" dirty="0" err="1">
+                <a:solidFill>
+                  <a:srgbClr val="3B3B3B"/>
+                </a:solidFill>
+                <a:latin typeface="Consolas" panose="020B0609020204030204" pitchFamily="49" charset="0"/>
+              </a:rPr>
+              <a:t>.</a:t>
+            </a:r>
+            <a:r>
+              <a:rPr lang="en-US" sz="1100" dirty="0" err="1">
+                <a:solidFill>
+                  <a:srgbClr val="795E26"/>
+                </a:solidFill>
+                <a:latin typeface="Consolas" panose="020B0609020204030204" pitchFamily="49" charset="0"/>
+              </a:rPr>
+              <a:t>WriteLine</a:t>
+            </a:r>
+            <a:r>
+              <a:rPr lang="en-US" sz="1100" dirty="0">
+                <a:solidFill>
+                  <a:srgbClr val="3B3B3B"/>
+                </a:solidFill>
+                <a:latin typeface="Consolas" panose="020B0609020204030204" pitchFamily="49" charset="0"/>
+              </a:rPr>
+              <a:t>(</a:t>
+            </a:r>
+            <a:r>
+              <a:rPr lang="en-US" sz="1100" dirty="0">
+                <a:solidFill>
+                  <a:srgbClr val="A31515"/>
+                </a:solidFill>
+                <a:latin typeface="Consolas" panose="020B0609020204030204" pitchFamily="49" charset="0"/>
+              </a:rPr>
+              <a:t>"Animal makes a sound"</a:t>
+            </a:r>
+            <a:r>
+              <a:rPr lang="en-US" sz="1100" dirty="0">
+                <a:solidFill>
+                  <a:srgbClr val="3B3B3B"/>
+                </a:solidFill>
+                <a:latin typeface="Consolas" panose="020B0609020204030204" pitchFamily="49" charset="0"/>
+              </a:rPr>
+              <a:t>);  </a:t>
+            </a:r>
+          </a:p>
+          <a:p>
+            <a:r>
+              <a:rPr lang="en-US" sz="1100" dirty="0">
+                <a:solidFill>
+                  <a:srgbClr val="3B3B3B"/>
+                </a:solidFill>
+                <a:latin typeface="Consolas" panose="020B0609020204030204" pitchFamily="49" charset="0"/>
+              </a:rPr>
+              <a:t>    }</a:t>
+            </a:r>
+          </a:p>
+          <a:p>
+            <a:r>
+              <a:rPr lang="en-US" sz="1100" dirty="0">
+                <a:solidFill>
+                  <a:srgbClr val="3B3B3B"/>
+                </a:solidFill>
+                <a:latin typeface="Consolas" panose="020B0609020204030204" pitchFamily="49" charset="0"/>
+              </a:rPr>
+              <a:t>}</a:t>
+            </a:r>
+          </a:p>
+          <a:p>
+            <a:r>
+              <a:rPr lang="en-US" sz="1100" dirty="0">
+                <a:solidFill>
+                  <a:srgbClr val="0000FF"/>
+                </a:solidFill>
+                <a:latin typeface="Consolas" panose="020B0609020204030204" pitchFamily="49" charset="0"/>
+              </a:rPr>
+              <a:t>class</a:t>
+            </a:r>
+            <a:r>
+              <a:rPr lang="en-US" sz="1100" dirty="0">
+                <a:solidFill>
+                  <a:srgbClr val="3B3B3B"/>
+                </a:solidFill>
+                <a:latin typeface="Consolas" panose="020B0609020204030204" pitchFamily="49" charset="0"/>
+              </a:rPr>
+              <a:t> </a:t>
+            </a:r>
+            <a:r>
+              <a:rPr lang="en-US" sz="1100" dirty="0">
+                <a:solidFill>
+                  <a:srgbClr val="267F99"/>
+                </a:solidFill>
+                <a:latin typeface="Consolas" panose="020B0609020204030204" pitchFamily="49" charset="0"/>
+              </a:rPr>
+              <a:t>Dog</a:t>
+            </a:r>
+            <a:r>
+              <a:rPr lang="en-US" sz="1100" dirty="0">
+                <a:solidFill>
+                  <a:srgbClr val="3B3B3B"/>
+                </a:solidFill>
+                <a:latin typeface="Consolas" panose="020B0609020204030204" pitchFamily="49" charset="0"/>
+              </a:rPr>
+              <a:t> : </a:t>
+            </a:r>
+            <a:r>
+              <a:rPr lang="en-US" sz="1100" dirty="0">
+                <a:solidFill>
+                  <a:srgbClr val="267F99"/>
+                </a:solidFill>
+                <a:latin typeface="Consolas" panose="020B0609020204030204" pitchFamily="49" charset="0"/>
+              </a:rPr>
+              <a:t>Animal</a:t>
+            </a:r>
+            <a:endParaRPr lang="en-US" sz="1100" dirty="0">
+              <a:solidFill>
+                <a:srgbClr val="3B3B3B"/>
+              </a:solidFill>
+              <a:latin typeface="Consolas" panose="020B0609020204030204" pitchFamily="49" charset="0"/>
+            </a:endParaRPr>
+          </a:p>
+          <a:p>
+            <a:r>
+              <a:rPr lang="en-US" sz="1100" dirty="0">
+                <a:solidFill>
+                  <a:srgbClr val="3B3B3B"/>
+                </a:solidFill>
+                <a:latin typeface="Consolas" panose="020B0609020204030204" pitchFamily="49" charset="0"/>
+              </a:rPr>
+              <a:t>{</a:t>
+            </a:r>
+          </a:p>
+          <a:p>
+            <a:r>
+              <a:rPr lang="en-US" sz="1100" dirty="0">
+                <a:solidFill>
+                  <a:srgbClr val="3B3B3B"/>
+                </a:solidFill>
+                <a:latin typeface="Consolas" panose="020B0609020204030204" pitchFamily="49" charset="0"/>
+              </a:rPr>
+              <a:t>    </a:t>
+            </a:r>
+            <a:r>
+              <a:rPr lang="en-US" sz="1100" dirty="0">
+                <a:solidFill>
+                  <a:srgbClr val="0000FF"/>
+                </a:solidFill>
+                <a:latin typeface="Consolas" panose="020B0609020204030204" pitchFamily="49" charset="0"/>
+              </a:rPr>
+              <a:t>public</a:t>
+            </a:r>
+            <a:r>
+              <a:rPr lang="en-US" sz="1100" dirty="0">
+                <a:solidFill>
+                  <a:srgbClr val="3B3B3B"/>
+                </a:solidFill>
+                <a:latin typeface="Consolas" panose="020B0609020204030204" pitchFamily="49" charset="0"/>
+              </a:rPr>
+              <a:t> </a:t>
+            </a:r>
+            <a:r>
+              <a:rPr lang="en-US" sz="1100" dirty="0">
+                <a:solidFill>
+                  <a:srgbClr val="0000FF"/>
+                </a:solidFill>
+                <a:latin typeface="Consolas" panose="020B0609020204030204" pitchFamily="49" charset="0"/>
+              </a:rPr>
+              <a:t>override</a:t>
+            </a:r>
+            <a:r>
+              <a:rPr lang="en-US" sz="1100" dirty="0">
+                <a:solidFill>
+                  <a:srgbClr val="3B3B3B"/>
+                </a:solidFill>
+                <a:latin typeface="Consolas" panose="020B0609020204030204" pitchFamily="49" charset="0"/>
+              </a:rPr>
+              <a:t> </a:t>
+            </a:r>
+            <a:r>
+              <a:rPr lang="en-US" sz="1100" dirty="0">
+                <a:solidFill>
+                  <a:srgbClr val="0000FF"/>
+                </a:solidFill>
+                <a:latin typeface="Consolas" panose="020B0609020204030204" pitchFamily="49" charset="0"/>
+              </a:rPr>
+              <a:t>void</a:t>
+            </a:r>
+            <a:r>
+              <a:rPr lang="en-US" sz="1100" dirty="0">
+                <a:solidFill>
+                  <a:srgbClr val="3B3B3B"/>
+                </a:solidFill>
+                <a:latin typeface="Consolas" panose="020B0609020204030204" pitchFamily="49" charset="0"/>
+              </a:rPr>
+              <a:t> </a:t>
+            </a:r>
+            <a:r>
+              <a:rPr lang="en-US" sz="1100" dirty="0">
+                <a:solidFill>
+                  <a:srgbClr val="795E26"/>
+                </a:solidFill>
+                <a:latin typeface="Consolas" panose="020B0609020204030204" pitchFamily="49" charset="0"/>
+              </a:rPr>
+              <a:t>Speak</a:t>
+            </a:r>
+            <a:r>
+              <a:rPr lang="en-US" sz="1100" dirty="0">
+                <a:solidFill>
+                  <a:srgbClr val="3B3B3B"/>
+                </a:solidFill>
+                <a:latin typeface="Consolas" panose="020B0609020204030204" pitchFamily="49" charset="0"/>
+              </a:rPr>
+              <a:t>()</a:t>
+            </a:r>
+          </a:p>
+          <a:p>
+            <a:r>
+              <a:rPr lang="en-US" sz="1100" dirty="0">
+                <a:solidFill>
+                  <a:srgbClr val="3B3B3B"/>
+                </a:solidFill>
+                <a:latin typeface="Consolas" panose="020B0609020204030204" pitchFamily="49" charset="0"/>
+              </a:rPr>
+              <a:t>    {  </a:t>
+            </a:r>
+          </a:p>
+          <a:p>
+            <a:r>
+              <a:rPr lang="en-US" sz="1100" dirty="0">
+                <a:solidFill>
+                  <a:srgbClr val="3B3B3B"/>
+                </a:solidFill>
+                <a:latin typeface="Consolas" panose="020B0609020204030204" pitchFamily="49" charset="0"/>
+              </a:rPr>
+              <a:t>        </a:t>
+            </a:r>
+            <a:r>
+              <a:rPr lang="en-US" sz="1100" dirty="0" err="1">
+                <a:solidFill>
+                  <a:srgbClr val="001080"/>
+                </a:solidFill>
+                <a:latin typeface="Consolas" panose="020B0609020204030204" pitchFamily="49" charset="0"/>
+              </a:rPr>
+              <a:t>Console</a:t>
+            </a:r>
+            <a:r>
+              <a:rPr lang="en-US" sz="1100" dirty="0" err="1">
+                <a:solidFill>
+                  <a:srgbClr val="3B3B3B"/>
+                </a:solidFill>
+                <a:latin typeface="Consolas" panose="020B0609020204030204" pitchFamily="49" charset="0"/>
+              </a:rPr>
+              <a:t>.</a:t>
+            </a:r>
+            <a:r>
+              <a:rPr lang="en-US" sz="1100" dirty="0" err="1">
+                <a:solidFill>
+                  <a:srgbClr val="795E26"/>
+                </a:solidFill>
+                <a:latin typeface="Consolas" panose="020B0609020204030204" pitchFamily="49" charset="0"/>
+              </a:rPr>
+              <a:t>WriteLine</a:t>
+            </a:r>
+            <a:r>
+              <a:rPr lang="en-US" sz="1100" dirty="0">
+                <a:solidFill>
+                  <a:srgbClr val="3B3B3B"/>
+                </a:solidFill>
+                <a:latin typeface="Consolas" panose="020B0609020204030204" pitchFamily="49" charset="0"/>
+              </a:rPr>
+              <a:t>(</a:t>
+            </a:r>
+            <a:r>
+              <a:rPr lang="en-US" sz="1100" dirty="0">
+                <a:solidFill>
+                  <a:srgbClr val="A31515"/>
+                </a:solidFill>
+                <a:latin typeface="Consolas" panose="020B0609020204030204" pitchFamily="49" charset="0"/>
+              </a:rPr>
+              <a:t>"Dog barks"</a:t>
+            </a:r>
+            <a:r>
+              <a:rPr lang="en-US" sz="1100" dirty="0">
+                <a:solidFill>
+                  <a:srgbClr val="3B3B3B"/>
+                </a:solidFill>
+                <a:latin typeface="Consolas" panose="020B0609020204030204" pitchFamily="49" charset="0"/>
+              </a:rPr>
+              <a:t>);  </a:t>
+            </a:r>
+          </a:p>
+          <a:p>
+            <a:r>
+              <a:rPr lang="en-US" sz="1100" dirty="0">
+                <a:solidFill>
+                  <a:srgbClr val="3B3B3B"/>
+                </a:solidFill>
+                <a:latin typeface="Consolas" panose="020B0609020204030204" pitchFamily="49" charset="0"/>
+              </a:rPr>
+              <a:t>    }</a:t>
+            </a:r>
+          </a:p>
+          <a:p>
+            <a:r>
+              <a:rPr lang="en-US" sz="1100" dirty="0">
+                <a:solidFill>
+                  <a:srgbClr val="3B3B3B"/>
+                </a:solidFill>
+                <a:latin typeface="Consolas" panose="020B0609020204030204" pitchFamily="49" charset="0"/>
+              </a:rPr>
+              <a:t>}</a:t>
+            </a:r>
+          </a:p>
+        </p:txBody>
+      </p:sp>
+    </p:spTree>
+    <p:extLst>
+      <p:ext uri="{BB962C8B-B14F-4D97-AF65-F5344CB8AC3E}">
+        <p14:creationId xmlns:p14="http://schemas.microsoft.com/office/powerpoint/2010/main" val="2548992727"/>
+      </p:ext>
+    </p:extLst>
+  </p:cSld>
+  <p:clrMapOvr>
+    <a:masterClrMapping/>
+  </p:clrMapOvr>
+  <mc:AlternateContent xmlns:mc="http://schemas.openxmlformats.org/markup-compatibility/2006" xmlns:p14="http://schemas.microsoft.com/office/powerpoint/2010/main">
+    <mc:Choice Requires="p14">
+      <p:transition spd="slow" p14:dur="2000"/>
+    </mc:Choice>
+    <mc:Fallback xmlns="">
+      <p:transition spd="slow"/>
+    </mc:Fallback>
+  </mc:AlternateContent>
+  <p:timing>
+    <p:tnLst>
+      <p:par>
+        <p:cTn id="1" dur="indefinite" restart="never" nodeType="tmRoot"/>
+      </p:par>
+    </p:tnLst>
+  </p:timing>
+</p:sld>
+</file>
+
+<file path=ppt/slides/slide26.xml><?xml version="1.0" encoding="utf-8"?>
+<p:sld xmlns:a="http://schemas.openxmlformats.org/drawingml/2006/main" xmlns:r="http://schemas.openxmlformats.org/officeDocument/2006/relationships" xmlns:p="http://schemas.openxmlformats.org/presentationml/2006/main">
+  <p:cSld>
+    <p:spTree>
+      <p:nvGrpSpPr>
+        <p:cNvPr id="1" name="Shape 436"/>
+        <p:cNvGrpSpPr/>
+        <p:nvPr/>
+      </p:nvGrpSpPr>
+      <p:grpSpPr>
+        <a:xfrm>
+          <a:off x="0" y="0"/>
+          <a:ext cx="0" cy="0"/>
+          <a:chOff x="0" y="0"/>
+          <a:chExt cx="0" cy="0"/>
+        </a:xfrm>
+      </p:grpSpPr>
+      <p:sp>
+        <p:nvSpPr>
+          <p:cNvPr id="437" name="Google Shape;437;p74"/>
+          <p:cNvSpPr txBox="1">
+            <a:spLocks noGrp="1"/>
+          </p:cNvSpPr>
+          <p:nvPr>
+            <p:ph type="title"/>
+          </p:nvPr>
+        </p:nvSpPr>
+        <p:spPr>
+          <a:xfrm>
+            <a:off x="500550" y="330725"/>
+            <a:ext cx="8190300" cy="679200"/>
+          </a:xfrm>
+          <a:prstGeom prst="rect">
+            <a:avLst/>
+          </a:prstGeom>
+        </p:spPr>
+        <p:txBody>
+          <a:bodyPr spcFirstLastPara="1" wrap="square" lIns="91425" tIns="91425" rIns="91425" bIns="91425" anchor="t" anchorCtr="0">
+            <a:noAutofit/>
+          </a:bodyPr>
+          <a:lstStyle/>
+          <a:p>
+            <a:r>
+              <a:rPr lang="ru-RU" dirty="0" smtClean="0"/>
+              <a:t>Ключевое слово </a:t>
+            </a:r>
+            <a:r>
+              <a:rPr lang="en-US" dirty="0" smtClean="0">
+                <a:solidFill>
+                  <a:schemeClr val="accent1">
+                    <a:lumMod val="75000"/>
+                  </a:schemeClr>
+                </a:solidFill>
+              </a:rPr>
+              <a:t>new</a:t>
+            </a:r>
+            <a:endParaRPr lang="ru-RU" dirty="0">
+              <a:solidFill>
+                <a:schemeClr val="accent1">
+                  <a:lumMod val="75000"/>
+                </a:schemeClr>
+              </a:solidFill>
+            </a:endParaRPr>
+          </a:p>
+        </p:txBody>
+      </p:sp>
+      <p:sp>
+        <p:nvSpPr>
+          <p:cNvPr id="2050" name="Rectangle 2"/>
+          <p:cNvSpPr>
+            <a:spLocks noChangeArrowheads="1"/>
+          </p:cNvSpPr>
+          <p:nvPr/>
+        </p:nvSpPr>
+        <p:spPr bwMode="auto">
+          <a:xfrm>
+            <a:off x="570733" y="1296697"/>
+            <a:ext cx="4163853" cy="3108543"/>
+          </a:xfrm>
+          <a:prstGeom prst="rect">
+            <a:avLst/>
+          </a:prstGeom>
+          <a:noFill/>
+          <a:ln w="9525">
+            <a:noFill/>
+            <a:miter lim="800000"/>
+            <a:headEnd/>
+            <a:tailEnd/>
+          </a:ln>
+          <a:effectLst/>
+        </p:spPr>
+        <p:txBody>
+          <a:bodyPr vert="horz" wrap="square" lIns="91440" tIns="45720" rIns="91440" bIns="45720" numCol="1" anchor="ctr" anchorCtr="0" compatLnSpc="1">
+            <a:prstTxWarp prst="textNoShape">
+              <a:avLst/>
+            </a:prstTxWarp>
+            <a:spAutoFit/>
+          </a:bodyPr>
+          <a:lstStyle/>
+          <a:p>
+            <a:pPr lvl="0" fontAlgn="base">
+              <a:spcBef>
+                <a:spcPct val="0"/>
+              </a:spcBef>
+              <a:spcAft>
+                <a:spcPct val="0"/>
+              </a:spcAft>
+              <a:buClrTx/>
+            </a:pPr>
+            <a:r>
+              <a:rPr lang="en-US" dirty="0" smtClean="0">
+                <a:solidFill>
+                  <a:srgbClr val="0000FF"/>
+                </a:solidFill>
+                <a:latin typeface="Consolas"/>
+                <a:hlinkClick r:id="rId3"/>
+              </a:rPr>
+              <a:t>new</a:t>
+            </a:r>
+            <a:r>
+              <a:rPr kumimoji="0" lang="ru-RU" b="0" i="0" u="none" strike="noStrike" cap="none" normalizeH="0" baseline="0" dirty="0" smtClean="0">
+                <a:ln>
+                  <a:noFill/>
+                </a:ln>
+                <a:solidFill>
+                  <a:schemeClr val="tx1"/>
+                </a:solidFill>
+                <a:effectLst/>
+                <a:latin typeface="Arial" charset="0"/>
+                <a:cs typeface="Arial" charset="0"/>
+              </a:rPr>
+              <a:t> </a:t>
+            </a:r>
+            <a:r>
+              <a:rPr kumimoji="0" lang="ru-RU" b="1" i="0" u="none" strike="noStrike" cap="none" normalizeH="0" baseline="0" dirty="0" smtClean="0">
+                <a:ln>
+                  <a:noFill/>
+                </a:ln>
+                <a:solidFill>
+                  <a:schemeClr val="tx1"/>
+                </a:solidFill>
+                <a:effectLst/>
+                <a:latin typeface="Arial" charset="0"/>
+                <a:cs typeface="Arial" charset="0"/>
+              </a:rPr>
+              <a:t>не переопределяет</a:t>
+            </a:r>
+            <a:r>
+              <a:rPr kumimoji="0" lang="ru-RU" b="0" i="0" u="none" strike="noStrike" cap="none" normalizeH="0" baseline="0" dirty="0" smtClean="0">
+                <a:ln>
+                  <a:noFill/>
+                </a:ln>
+                <a:solidFill>
+                  <a:schemeClr val="tx1"/>
+                </a:solidFill>
+                <a:effectLst/>
+                <a:latin typeface="Arial" charset="0"/>
+                <a:cs typeface="Arial" charset="0"/>
+              </a:rPr>
+              <a:t>, а </a:t>
+            </a:r>
+            <a:r>
+              <a:rPr kumimoji="0" lang="ru-RU" b="1" i="0" u="none" strike="noStrike" cap="none" normalizeH="0" baseline="0" dirty="0" smtClean="0">
+                <a:ln>
+                  <a:noFill/>
+                </a:ln>
+                <a:solidFill>
+                  <a:schemeClr val="tx1"/>
+                </a:solidFill>
+                <a:effectLst/>
+                <a:latin typeface="Arial" charset="0"/>
+                <a:cs typeface="Arial" charset="0"/>
+              </a:rPr>
+              <a:t>скрывает</a:t>
+            </a:r>
+            <a:r>
+              <a:rPr kumimoji="0" lang="ru-RU" b="0" i="0" u="none" strike="noStrike" cap="none" normalizeH="0" baseline="0" dirty="0" smtClean="0">
+                <a:ln>
+                  <a:noFill/>
+                </a:ln>
+                <a:solidFill>
+                  <a:schemeClr val="tx1"/>
+                </a:solidFill>
+                <a:effectLst/>
+                <a:latin typeface="Arial" charset="0"/>
+                <a:cs typeface="Arial" charset="0"/>
+              </a:rPr>
+              <a:t> метод базового класса в производном классе. </a:t>
+            </a:r>
+            <a:endParaRPr kumimoji="0" lang="en-US" b="0" i="0" u="none" strike="noStrike" cap="none" normalizeH="0" baseline="0" dirty="0" smtClean="0">
+              <a:ln>
+                <a:noFill/>
+              </a:ln>
+              <a:solidFill>
+                <a:schemeClr val="tx1"/>
+              </a:solidFill>
+              <a:effectLst/>
+              <a:latin typeface="Arial" charset="0"/>
+              <a:cs typeface="Arial" charset="0"/>
+            </a:endParaRPr>
+          </a:p>
+          <a:p>
+            <a:pPr lvl="0" fontAlgn="base">
+              <a:spcBef>
+                <a:spcPct val="0"/>
+              </a:spcBef>
+              <a:spcAft>
+                <a:spcPct val="0"/>
+              </a:spcAft>
+              <a:buClrTx/>
+            </a:pPr>
+            <a:r>
+              <a:rPr lang="ru-RU" dirty="0" smtClean="0"/>
+              <a:t>Поведение определяется </a:t>
+            </a:r>
+            <a:r>
+              <a:rPr lang="ru-RU" b="1" dirty="0" smtClean="0"/>
+              <a:t>типом переменной(ссылки)</a:t>
+            </a:r>
+            <a:r>
+              <a:rPr lang="ru-RU" dirty="0" smtClean="0"/>
+              <a:t>, а </a:t>
+            </a:r>
+            <a:r>
+              <a:rPr lang="ru-RU" b="1" dirty="0" smtClean="0"/>
+              <a:t>не типом объекта </a:t>
+            </a:r>
+            <a:r>
+              <a:rPr lang="en-US" dirty="0" smtClean="0"/>
+              <a:t>(</a:t>
+            </a:r>
+            <a:r>
+              <a:rPr lang="ru-RU" dirty="0" smtClean="0"/>
+              <a:t>нарушается </a:t>
+            </a:r>
+            <a:r>
+              <a:rPr lang="ru-RU" dirty="0" err="1" smtClean="0"/>
+              <a:t>полифморфизм</a:t>
+            </a:r>
+            <a:r>
+              <a:rPr lang="en-US" dirty="0" smtClean="0"/>
+              <a:t>).</a:t>
+            </a:r>
+            <a:endParaRPr lang="ru-RU" dirty="0" smtClean="0"/>
+          </a:p>
+          <a:p>
+            <a:pPr lvl="0" fontAlgn="base">
+              <a:spcBef>
+                <a:spcPct val="0"/>
+              </a:spcBef>
+              <a:spcAft>
+                <a:spcPct val="0"/>
+              </a:spcAft>
+              <a:buClrTx/>
+            </a:pPr>
+            <a:endParaRPr lang="ru-RU" dirty="0" smtClean="0"/>
+          </a:p>
+          <a:p>
+            <a:pPr lvl="0" fontAlgn="base">
+              <a:spcBef>
+                <a:spcPct val="0"/>
+              </a:spcBef>
+              <a:spcAft>
+                <a:spcPct val="0"/>
+              </a:spcAft>
+              <a:buClrTx/>
+            </a:pPr>
+            <a:r>
+              <a:rPr lang="ru-RU" dirty="0" smtClean="0"/>
+              <a:t>Зачем нужен </a:t>
+            </a:r>
+            <a:r>
+              <a:rPr lang="en-US" dirty="0" smtClean="0">
+                <a:solidFill>
+                  <a:srgbClr val="0000FF"/>
+                </a:solidFill>
+                <a:latin typeface="Consolas"/>
+              </a:rPr>
+              <a:t>new</a:t>
+            </a:r>
+            <a:r>
+              <a:rPr lang="en-US" dirty="0" smtClean="0"/>
+              <a:t>?</a:t>
+            </a:r>
+            <a:endParaRPr lang="ru-RU" dirty="0" smtClean="0"/>
+          </a:p>
+          <a:p>
+            <a:pPr lvl="0" fontAlgn="base">
+              <a:spcBef>
+                <a:spcPct val="0"/>
+              </a:spcBef>
+              <a:spcAft>
+                <a:spcPct val="0"/>
+              </a:spcAft>
+              <a:buClrTx/>
+            </a:pPr>
+            <a:r>
+              <a:rPr lang="ru-RU" dirty="0" smtClean="0"/>
+              <a:t>Чтобы </a:t>
+            </a:r>
+            <a:r>
+              <a:rPr lang="ru-RU" b="1" dirty="0" smtClean="0"/>
+              <a:t>явно указать</a:t>
+            </a:r>
+            <a:r>
+              <a:rPr lang="ru-RU" dirty="0" smtClean="0"/>
+              <a:t>, что </a:t>
+            </a:r>
+            <a:r>
+              <a:rPr lang="ru-RU" b="1" dirty="0" smtClean="0"/>
+              <a:t>намеренно</a:t>
+            </a:r>
+            <a:r>
+              <a:rPr lang="ru-RU" dirty="0" smtClean="0"/>
+              <a:t> скрывается член базового класса</a:t>
+            </a:r>
+            <a:r>
+              <a:rPr lang="en-US" dirty="0" smtClean="0"/>
+              <a:t>.</a:t>
+            </a:r>
+          </a:p>
+          <a:p>
+            <a:pPr lvl="0" fontAlgn="base">
+              <a:spcBef>
+                <a:spcPct val="0"/>
+              </a:spcBef>
+              <a:spcAft>
+                <a:spcPct val="0"/>
+              </a:spcAft>
+              <a:buClrTx/>
+            </a:pPr>
+            <a:endParaRPr lang="en-US" dirty="0" smtClean="0"/>
+          </a:p>
+          <a:p>
+            <a:pPr lvl="0" fontAlgn="base">
+              <a:spcBef>
+                <a:spcPct val="0"/>
+              </a:spcBef>
+              <a:spcAft>
+                <a:spcPct val="0"/>
+              </a:spcAft>
+              <a:buClrTx/>
+            </a:pPr>
+            <a:r>
+              <a:rPr lang="ru-RU" dirty="0" smtClean="0"/>
+              <a:t>В большинстве случаев скрытие может привести к неожиданным последствиям, поэтому к нему нужно </a:t>
+            </a:r>
+            <a:r>
+              <a:rPr lang="ru-RU" b="1" i="1" dirty="0" smtClean="0"/>
+              <a:t>относиться с осторожностью</a:t>
+            </a:r>
+            <a:r>
+              <a:rPr lang="ru-RU" dirty="0" smtClean="0"/>
+              <a:t>. </a:t>
+            </a:r>
+            <a:endParaRPr lang="en-US" dirty="0" smtClean="0"/>
+          </a:p>
+        </p:txBody>
+      </p:sp>
+      <p:sp>
+        <p:nvSpPr>
+          <p:cNvPr id="9" name="Прямоугольник 8"/>
+          <p:cNvSpPr/>
+          <p:nvPr/>
+        </p:nvSpPr>
+        <p:spPr>
+          <a:xfrm>
+            <a:off x="6170667" y="2337429"/>
+            <a:ext cx="2807637" cy="600164"/>
+          </a:xfrm>
+          <a:prstGeom prst="rect">
+            <a:avLst/>
+          </a:prstGeom>
+        </p:spPr>
+        <p:style>
+          <a:lnRef idx="1">
+            <a:schemeClr val="accent5"/>
+          </a:lnRef>
+          <a:fillRef idx="2">
+            <a:schemeClr val="accent5"/>
+          </a:fillRef>
+          <a:effectRef idx="1">
+            <a:schemeClr val="accent5"/>
+          </a:effectRef>
+          <a:fontRef idx="minor">
+            <a:schemeClr val="dk1"/>
+          </a:fontRef>
+        </p:style>
+        <p:txBody>
+          <a:bodyPr wrap="square">
+            <a:spAutoFit/>
+          </a:bodyPr>
+          <a:lstStyle/>
+          <a:p>
+            <a:pPr lvl="0" fontAlgn="base">
+              <a:spcBef>
+                <a:spcPct val="0"/>
+              </a:spcBef>
+              <a:spcAft>
+                <a:spcPct val="0"/>
+              </a:spcAft>
+              <a:buClrTx/>
+            </a:pPr>
+            <a:r>
+              <a:rPr lang="ru-RU" sz="1100" dirty="0" smtClean="0">
+                <a:solidFill>
+                  <a:schemeClr val="tx1">
+                    <a:lumMod val="75000"/>
+                    <a:lumOff val="25000"/>
+                  </a:schemeClr>
+                </a:solidFill>
+              </a:rPr>
+              <a:t>Метод из базового класса вызывается, если переменная объявлена как </a:t>
+            </a:r>
+            <a:r>
+              <a:rPr lang="ru-RU" sz="1100" dirty="0" err="1" smtClean="0">
+                <a:solidFill>
+                  <a:schemeClr val="tx1">
+                    <a:lumMod val="75000"/>
+                    <a:lumOff val="25000"/>
+                  </a:schemeClr>
+                </a:solidFill>
+              </a:rPr>
+              <a:t>Base</a:t>
+            </a:r>
+            <a:r>
+              <a:rPr lang="ru-RU" sz="1100" dirty="0" smtClean="0">
+                <a:solidFill>
+                  <a:schemeClr val="tx1">
+                    <a:lumMod val="75000"/>
+                    <a:lumOff val="25000"/>
+                  </a:schemeClr>
+                </a:solidFill>
+              </a:rPr>
+              <a:t>,</a:t>
+            </a:r>
+            <a:r>
+              <a:rPr lang="en-US" sz="1100" dirty="0" smtClean="0">
+                <a:solidFill>
+                  <a:schemeClr val="tx1">
+                    <a:lumMod val="75000"/>
+                    <a:lumOff val="25000"/>
+                  </a:schemeClr>
+                </a:solidFill>
+              </a:rPr>
+              <a:t> </a:t>
+            </a:r>
+            <a:r>
+              <a:rPr lang="ru-RU" sz="1100" dirty="0" smtClean="0">
+                <a:solidFill>
+                  <a:schemeClr val="tx1">
+                    <a:lumMod val="75000"/>
+                    <a:lumOff val="25000"/>
+                  </a:schemeClr>
+                </a:solidFill>
+              </a:rPr>
+              <a:t>даже если объект фактически </a:t>
+            </a:r>
+            <a:r>
+              <a:rPr lang="ru-RU" sz="1100" dirty="0" err="1" smtClean="0">
+                <a:solidFill>
+                  <a:schemeClr val="tx1">
+                    <a:lumMod val="75000"/>
+                    <a:lumOff val="25000"/>
+                  </a:schemeClr>
+                </a:solidFill>
+              </a:rPr>
+              <a:t>Derived</a:t>
+            </a:r>
+            <a:endParaRPr lang="ru-RU" sz="1100" dirty="0" smtClean="0">
+              <a:solidFill>
+                <a:schemeClr val="tx1">
+                  <a:lumMod val="75000"/>
+                  <a:lumOff val="25000"/>
+                </a:schemeClr>
+              </a:solidFill>
+              <a:latin typeface="Arial" charset="0"/>
+              <a:cs typeface="Arial" charset="0"/>
+            </a:endParaRPr>
+          </a:p>
+        </p:txBody>
+      </p:sp>
+      <p:sp>
+        <p:nvSpPr>
+          <p:cNvPr id="10" name="Прямоугольник 9"/>
+          <p:cNvSpPr/>
+          <p:nvPr/>
+        </p:nvSpPr>
+        <p:spPr>
+          <a:xfrm>
+            <a:off x="4906462" y="1314142"/>
+            <a:ext cx="3985924" cy="3416320"/>
+          </a:xfrm>
+          <a:prstGeom prst="rect">
+            <a:avLst/>
+          </a:prstGeom>
+        </p:spPr>
+        <p:txBody>
+          <a:bodyPr wrap="square">
+            <a:spAutoFit/>
+          </a:bodyPr>
+          <a:lstStyle/>
+          <a:p>
+            <a:r>
+              <a:rPr lang="en-US" sz="1200" dirty="0" smtClean="0">
+                <a:solidFill>
+                  <a:srgbClr val="267F99"/>
+                </a:solidFill>
+                <a:latin typeface="Consolas"/>
+              </a:rPr>
+              <a:t>Animal</a:t>
+            </a:r>
+            <a:r>
+              <a:rPr lang="en-US" sz="1200" dirty="0" smtClean="0">
+                <a:latin typeface="Consolas"/>
+              </a:rPr>
+              <a:t> </a:t>
+            </a:r>
+            <a:r>
+              <a:rPr lang="en-US" sz="1200" dirty="0" err="1" smtClean="0">
+                <a:solidFill>
+                  <a:srgbClr val="001080"/>
+                </a:solidFill>
+                <a:latin typeface="Consolas"/>
+              </a:rPr>
+              <a:t>animal</a:t>
+            </a:r>
+            <a:r>
+              <a:rPr lang="en-US" sz="1200" dirty="0" smtClean="0">
+                <a:latin typeface="Consolas"/>
+              </a:rPr>
+              <a:t> = </a:t>
+            </a:r>
+            <a:r>
+              <a:rPr lang="en-US" sz="1200" dirty="0" smtClean="0">
+                <a:solidFill>
+                  <a:srgbClr val="0000FF"/>
+                </a:solidFill>
+                <a:latin typeface="Consolas"/>
+              </a:rPr>
+              <a:t>new</a:t>
+            </a:r>
+            <a:r>
+              <a:rPr lang="en-US" sz="1200" dirty="0" smtClean="0">
+                <a:latin typeface="Consolas"/>
+              </a:rPr>
+              <a:t> </a:t>
+            </a:r>
+            <a:r>
+              <a:rPr lang="en-US" sz="1200" dirty="0" smtClean="0">
+                <a:solidFill>
+                  <a:srgbClr val="267F99"/>
+                </a:solidFill>
+                <a:latin typeface="Consolas"/>
+              </a:rPr>
+              <a:t>Dog</a:t>
+            </a:r>
+            <a:r>
+              <a:rPr lang="en-US" sz="1200" dirty="0" smtClean="0">
+                <a:latin typeface="Consolas"/>
+              </a:rPr>
+              <a:t>();</a:t>
+            </a:r>
+          </a:p>
+          <a:p>
+            <a:r>
+              <a:rPr lang="en-US" sz="1200" dirty="0" err="1" smtClean="0">
+                <a:solidFill>
+                  <a:srgbClr val="001080"/>
+                </a:solidFill>
+                <a:latin typeface="Consolas"/>
+              </a:rPr>
+              <a:t>animal</a:t>
+            </a:r>
+            <a:r>
+              <a:rPr lang="en-US" sz="1200" dirty="0" err="1" smtClean="0">
+                <a:latin typeface="Consolas"/>
+              </a:rPr>
+              <a:t>.</a:t>
+            </a:r>
+            <a:r>
+              <a:rPr lang="en-US" sz="1200" dirty="0" err="1" smtClean="0">
+                <a:solidFill>
+                  <a:srgbClr val="795E26"/>
+                </a:solidFill>
+                <a:latin typeface="Consolas"/>
+              </a:rPr>
+              <a:t>Speak</a:t>
+            </a:r>
+            <a:r>
+              <a:rPr lang="en-US" sz="1200" dirty="0" smtClean="0">
+                <a:latin typeface="Consolas"/>
+              </a:rPr>
+              <a:t>(); </a:t>
+            </a:r>
+            <a:r>
+              <a:rPr lang="en-US" sz="1200" dirty="0" smtClean="0">
+                <a:solidFill>
+                  <a:srgbClr val="008000"/>
+                </a:solidFill>
+                <a:latin typeface="Consolas"/>
+              </a:rPr>
+              <a:t>// </a:t>
+            </a:r>
+            <a:r>
+              <a:rPr lang="ru-RU" sz="1200" dirty="0" smtClean="0">
+                <a:solidFill>
+                  <a:srgbClr val="008000"/>
+                </a:solidFill>
+                <a:latin typeface="Consolas"/>
+              </a:rPr>
+              <a:t>Выведет: </a:t>
+            </a:r>
+            <a:r>
+              <a:rPr lang="en-US" sz="1200" dirty="0" err="1" smtClean="0">
+                <a:solidFill>
+                  <a:srgbClr val="008000"/>
+                </a:solidFill>
+                <a:latin typeface="Consolas"/>
+              </a:rPr>
+              <a:t>Animal.Speak</a:t>
+            </a:r>
+            <a:r>
+              <a:rPr lang="en-US" sz="1200" dirty="0" smtClean="0">
+                <a:solidFill>
+                  <a:srgbClr val="008000"/>
+                </a:solidFill>
+                <a:latin typeface="Consolas"/>
+              </a:rPr>
+              <a:t>()</a:t>
+            </a:r>
+            <a:endParaRPr lang="en-US" sz="1200" dirty="0" smtClean="0">
+              <a:latin typeface="Consolas"/>
+            </a:endParaRPr>
+          </a:p>
+          <a:p>
+            <a:r>
+              <a:rPr lang="en-US" sz="1200" dirty="0" smtClean="0">
+                <a:latin typeface="Consolas"/>
+              </a:rPr>
+              <a:t/>
+            </a:r>
+            <a:br>
+              <a:rPr lang="en-US" sz="1200" dirty="0" smtClean="0">
+                <a:latin typeface="Consolas"/>
+              </a:rPr>
+            </a:br>
+            <a:r>
+              <a:rPr lang="en-US" sz="1200" dirty="0" smtClean="0">
+                <a:solidFill>
+                  <a:srgbClr val="267F99"/>
+                </a:solidFill>
+                <a:latin typeface="Consolas"/>
+              </a:rPr>
+              <a:t>Dog</a:t>
+            </a:r>
+            <a:r>
+              <a:rPr lang="en-US" sz="1200" dirty="0" smtClean="0">
+                <a:latin typeface="Consolas"/>
+              </a:rPr>
+              <a:t> </a:t>
+            </a:r>
+            <a:r>
+              <a:rPr lang="en-US" sz="1200" dirty="0" smtClean="0">
+                <a:solidFill>
+                  <a:srgbClr val="001080"/>
+                </a:solidFill>
+                <a:latin typeface="Consolas"/>
+              </a:rPr>
+              <a:t>animal2</a:t>
+            </a:r>
+            <a:r>
+              <a:rPr lang="en-US" sz="1200" dirty="0" smtClean="0">
+                <a:latin typeface="Consolas"/>
+              </a:rPr>
+              <a:t> = </a:t>
+            </a:r>
+            <a:r>
+              <a:rPr lang="en-US" sz="1200" dirty="0" smtClean="0">
+                <a:solidFill>
+                  <a:srgbClr val="0000FF"/>
+                </a:solidFill>
+                <a:latin typeface="Consolas"/>
+              </a:rPr>
+              <a:t>new</a:t>
+            </a:r>
+            <a:r>
+              <a:rPr lang="en-US" sz="1200" dirty="0" smtClean="0">
+                <a:latin typeface="Consolas"/>
+              </a:rPr>
+              <a:t> </a:t>
+            </a:r>
+            <a:r>
+              <a:rPr lang="en-US" sz="1200" dirty="0" smtClean="0">
+                <a:solidFill>
+                  <a:srgbClr val="267F99"/>
+                </a:solidFill>
+                <a:latin typeface="Consolas"/>
+              </a:rPr>
+              <a:t>Dog</a:t>
+            </a:r>
+            <a:r>
+              <a:rPr lang="en-US" sz="1200" dirty="0" smtClean="0">
+                <a:latin typeface="Consolas"/>
+              </a:rPr>
+              <a:t>();</a:t>
+            </a:r>
+          </a:p>
+          <a:p>
+            <a:r>
+              <a:rPr lang="en-US" sz="1200" dirty="0" smtClean="0">
+                <a:solidFill>
+                  <a:srgbClr val="001080"/>
+                </a:solidFill>
+                <a:latin typeface="Consolas"/>
+              </a:rPr>
+              <a:t>animal2</a:t>
+            </a:r>
+            <a:r>
+              <a:rPr lang="en-US" sz="1200" dirty="0" smtClean="0">
+                <a:latin typeface="Consolas"/>
+              </a:rPr>
+              <a:t>.</a:t>
+            </a:r>
+            <a:r>
+              <a:rPr lang="en-US" sz="1200" dirty="0" smtClean="0">
+                <a:solidFill>
+                  <a:srgbClr val="795E26"/>
+                </a:solidFill>
+                <a:latin typeface="Consolas"/>
+              </a:rPr>
+              <a:t>Speak</a:t>
+            </a:r>
+            <a:r>
+              <a:rPr lang="en-US" sz="1200" dirty="0" smtClean="0">
+                <a:latin typeface="Consolas"/>
+              </a:rPr>
+              <a:t>(); </a:t>
+            </a:r>
+            <a:r>
+              <a:rPr lang="en-US" sz="1200" dirty="0" smtClean="0">
+                <a:solidFill>
+                  <a:srgbClr val="008000"/>
+                </a:solidFill>
+                <a:latin typeface="Consolas"/>
+              </a:rPr>
+              <a:t>// </a:t>
+            </a:r>
+            <a:r>
+              <a:rPr lang="ru-RU" sz="1200" dirty="0" smtClean="0">
+                <a:solidFill>
+                  <a:srgbClr val="008000"/>
+                </a:solidFill>
+                <a:latin typeface="Consolas"/>
+              </a:rPr>
+              <a:t>Выведет: </a:t>
+            </a:r>
+            <a:r>
+              <a:rPr lang="en-US" sz="1200" dirty="0" err="1" smtClean="0">
+                <a:solidFill>
+                  <a:srgbClr val="008000"/>
+                </a:solidFill>
+                <a:latin typeface="Consolas"/>
+              </a:rPr>
+              <a:t>Dog.Speak</a:t>
+            </a:r>
+            <a:r>
+              <a:rPr lang="en-US" sz="1200" dirty="0" smtClean="0">
+                <a:solidFill>
+                  <a:srgbClr val="008000"/>
+                </a:solidFill>
+                <a:latin typeface="Consolas"/>
+              </a:rPr>
+              <a:t>()    </a:t>
+            </a:r>
+            <a:endParaRPr lang="en-US" sz="1200" dirty="0" smtClean="0">
+              <a:latin typeface="Consolas"/>
+            </a:endParaRPr>
+          </a:p>
+          <a:p>
+            <a:endParaRPr lang="en-US" sz="1200" dirty="0" smtClean="0">
+              <a:latin typeface="Consolas"/>
+            </a:endParaRPr>
+          </a:p>
+          <a:p>
+            <a:r>
+              <a:rPr lang="en-US" sz="1200" dirty="0" smtClean="0">
+                <a:latin typeface="Consolas"/>
+              </a:rPr>
+              <a:t/>
+            </a:r>
+            <a:br>
+              <a:rPr lang="en-US" sz="1200" dirty="0" smtClean="0">
+                <a:latin typeface="Consolas"/>
+              </a:rPr>
+            </a:br>
+            <a:r>
+              <a:rPr lang="en-US" sz="1200" dirty="0" smtClean="0">
+                <a:solidFill>
+                  <a:srgbClr val="0000FF"/>
+                </a:solidFill>
+                <a:latin typeface="Consolas"/>
+              </a:rPr>
+              <a:t>class</a:t>
+            </a:r>
+            <a:r>
+              <a:rPr lang="en-US" sz="1200" dirty="0" smtClean="0">
+                <a:latin typeface="Consolas"/>
+              </a:rPr>
+              <a:t> </a:t>
+            </a:r>
+            <a:r>
+              <a:rPr lang="en-US" sz="1200" dirty="0" smtClean="0">
+                <a:solidFill>
+                  <a:srgbClr val="267F99"/>
+                </a:solidFill>
+                <a:latin typeface="Consolas"/>
+              </a:rPr>
+              <a:t>Animal</a:t>
+            </a:r>
+            <a:endParaRPr lang="en-US" sz="1200" dirty="0" smtClean="0">
+              <a:latin typeface="Consolas"/>
+            </a:endParaRPr>
+          </a:p>
+          <a:p>
+            <a:r>
+              <a:rPr lang="en-US" sz="1200" dirty="0" smtClean="0">
+                <a:latin typeface="Consolas"/>
+              </a:rPr>
+              <a:t>{</a:t>
+            </a:r>
+          </a:p>
+          <a:p>
+            <a:r>
+              <a:rPr lang="en-US" sz="1200" dirty="0" smtClean="0">
+                <a:latin typeface="Consolas"/>
+              </a:rPr>
+              <a:t>    </a:t>
+            </a:r>
+            <a:r>
+              <a:rPr lang="en-US" sz="1200" dirty="0" smtClean="0">
+                <a:solidFill>
+                  <a:srgbClr val="0000FF"/>
+                </a:solidFill>
+                <a:latin typeface="Consolas"/>
+              </a:rPr>
+              <a:t>public</a:t>
+            </a:r>
+            <a:r>
+              <a:rPr lang="en-US" sz="1200" dirty="0" smtClean="0">
+                <a:latin typeface="Consolas"/>
+              </a:rPr>
+              <a:t> </a:t>
+            </a:r>
+            <a:r>
+              <a:rPr lang="en-US" sz="1200" dirty="0" smtClean="0">
+                <a:solidFill>
+                  <a:srgbClr val="0000FF"/>
+                </a:solidFill>
+                <a:latin typeface="Consolas"/>
+              </a:rPr>
+              <a:t>void</a:t>
+            </a:r>
+            <a:r>
+              <a:rPr lang="en-US" sz="1200" dirty="0" smtClean="0">
+                <a:latin typeface="Consolas"/>
+              </a:rPr>
+              <a:t> </a:t>
+            </a:r>
+            <a:r>
+              <a:rPr lang="en-US" sz="1200" dirty="0" smtClean="0">
+                <a:solidFill>
+                  <a:srgbClr val="795E26"/>
+                </a:solidFill>
+                <a:latin typeface="Consolas"/>
+              </a:rPr>
+              <a:t>Speak</a:t>
+            </a:r>
+            <a:r>
+              <a:rPr lang="en-US" sz="1200" dirty="0" smtClean="0">
+                <a:latin typeface="Consolas"/>
+              </a:rPr>
+              <a:t>() =&gt;</a:t>
+            </a:r>
+          </a:p>
+          <a:p>
+            <a:r>
+              <a:rPr lang="en-US" sz="1200" dirty="0" smtClean="0">
+                <a:latin typeface="Consolas"/>
+              </a:rPr>
+              <a:t>        </a:t>
+            </a:r>
+            <a:r>
+              <a:rPr lang="en-US" sz="1200" dirty="0" err="1" smtClean="0">
+                <a:solidFill>
+                  <a:srgbClr val="001080"/>
+                </a:solidFill>
+                <a:latin typeface="Consolas"/>
+              </a:rPr>
+              <a:t>Console</a:t>
+            </a:r>
+            <a:r>
+              <a:rPr lang="en-US" sz="1200" dirty="0" err="1" smtClean="0">
+                <a:latin typeface="Consolas"/>
+              </a:rPr>
+              <a:t>.</a:t>
+            </a:r>
+            <a:r>
+              <a:rPr lang="en-US" sz="1200" dirty="0" err="1" smtClean="0">
+                <a:solidFill>
+                  <a:srgbClr val="795E26"/>
+                </a:solidFill>
+                <a:latin typeface="Consolas"/>
+              </a:rPr>
+              <a:t>WriteLine</a:t>
+            </a:r>
+            <a:r>
+              <a:rPr lang="en-US" sz="1200" dirty="0" smtClean="0">
+                <a:latin typeface="Consolas"/>
+              </a:rPr>
+              <a:t>(</a:t>
+            </a:r>
+            <a:r>
+              <a:rPr lang="en-US" sz="1200" dirty="0" smtClean="0">
+                <a:solidFill>
+                  <a:srgbClr val="A31515"/>
+                </a:solidFill>
+                <a:latin typeface="Consolas"/>
+              </a:rPr>
+              <a:t>"Animal speaks"</a:t>
+            </a:r>
+            <a:r>
+              <a:rPr lang="en-US" sz="1200" dirty="0" smtClean="0">
+                <a:latin typeface="Consolas"/>
+              </a:rPr>
+              <a:t>);</a:t>
+            </a:r>
+          </a:p>
+          <a:p>
+            <a:r>
+              <a:rPr lang="en-US" sz="1200" dirty="0" smtClean="0">
+                <a:latin typeface="Consolas"/>
+              </a:rPr>
+              <a:t>}</a:t>
+            </a:r>
+          </a:p>
+          <a:p>
+            <a:r>
+              <a:rPr lang="en-US" sz="1200" dirty="0" smtClean="0">
+                <a:latin typeface="Consolas"/>
+              </a:rPr>
+              <a:t/>
+            </a:r>
+            <a:br>
+              <a:rPr lang="en-US" sz="1200" dirty="0" smtClean="0">
+                <a:latin typeface="Consolas"/>
+              </a:rPr>
+            </a:br>
+            <a:r>
+              <a:rPr lang="en-US" sz="1200" dirty="0" smtClean="0">
+                <a:solidFill>
+                  <a:srgbClr val="0000FF"/>
+                </a:solidFill>
+                <a:latin typeface="Consolas"/>
+              </a:rPr>
+              <a:t>class</a:t>
+            </a:r>
+            <a:r>
+              <a:rPr lang="en-US" sz="1200" dirty="0" smtClean="0">
+                <a:latin typeface="Consolas"/>
+              </a:rPr>
+              <a:t> </a:t>
+            </a:r>
+            <a:r>
+              <a:rPr lang="en-US" sz="1200" dirty="0" smtClean="0">
+                <a:solidFill>
+                  <a:srgbClr val="267F99"/>
+                </a:solidFill>
+                <a:latin typeface="Consolas"/>
+              </a:rPr>
+              <a:t>Dog</a:t>
+            </a:r>
+            <a:r>
+              <a:rPr lang="en-US" sz="1200" dirty="0" smtClean="0">
+                <a:latin typeface="Consolas"/>
+              </a:rPr>
+              <a:t> : </a:t>
+            </a:r>
+            <a:r>
+              <a:rPr lang="en-US" sz="1200" dirty="0" smtClean="0">
+                <a:solidFill>
+                  <a:srgbClr val="267F99"/>
+                </a:solidFill>
+                <a:latin typeface="Consolas"/>
+              </a:rPr>
+              <a:t>Animal</a:t>
+            </a:r>
+            <a:endParaRPr lang="en-US" sz="1200" dirty="0" smtClean="0">
+              <a:latin typeface="Consolas"/>
+            </a:endParaRPr>
+          </a:p>
+          <a:p>
+            <a:r>
+              <a:rPr lang="en-US" sz="1200" dirty="0" smtClean="0">
+                <a:latin typeface="Consolas"/>
+              </a:rPr>
+              <a:t>{</a:t>
+            </a:r>
+          </a:p>
+          <a:p>
+            <a:r>
+              <a:rPr lang="en-US" sz="1200" dirty="0" smtClean="0">
+                <a:latin typeface="Consolas"/>
+              </a:rPr>
+              <a:t>    </a:t>
+            </a:r>
+            <a:r>
+              <a:rPr lang="en-US" sz="1200" dirty="0" smtClean="0">
+                <a:solidFill>
+                  <a:srgbClr val="0000FF"/>
+                </a:solidFill>
+                <a:latin typeface="Consolas"/>
+              </a:rPr>
+              <a:t>public</a:t>
+            </a:r>
+            <a:r>
+              <a:rPr lang="en-US" sz="1200" dirty="0" smtClean="0">
+                <a:latin typeface="Consolas"/>
+              </a:rPr>
+              <a:t> </a:t>
+            </a:r>
+            <a:r>
+              <a:rPr lang="en-US" sz="1200" dirty="0" smtClean="0">
+                <a:solidFill>
+                  <a:srgbClr val="FF0000"/>
+                </a:solidFill>
+                <a:latin typeface="Consolas"/>
+              </a:rPr>
+              <a:t>new</a:t>
+            </a:r>
+            <a:r>
+              <a:rPr lang="en-US" sz="1200" dirty="0" smtClean="0">
+                <a:latin typeface="Consolas"/>
+              </a:rPr>
+              <a:t> </a:t>
+            </a:r>
+            <a:r>
+              <a:rPr lang="en-US" sz="1200" dirty="0" smtClean="0">
+                <a:solidFill>
+                  <a:srgbClr val="0000FF"/>
+                </a:solidFill>
+                <a:latin typeface="Consolas"/>
+              </a:rPr>
+              <a:t>void</a:t>
+            </a:r>
+            <a:r>
+              <a:rPr lang="en-US" sz="1200" dirty="0" smtClean="0">
+                <a:latin typeface="Consolas"/>
+              </a:rPr>
+              <a:t> </a:t>
+            </a:r>
+            <a:r>
+              <a:rPr lang="en-US" sz="1200" dirty="0" smtClean="0">
+                <a:solidFill>
+                  <a:srgbClr val="795E26"/>
+                </a:solidFill>
+                <a:latin typeface="Consolas"/>
+              </a:rPr>
+              <a:t>Speak</a:t>
+            </a:r>
+            <a:r>
+              <a:rPr lang="en-US" sz="1200" dirty="0" smtClean="0">
+                <a:latin typeface="Consolas"/>
+              </a:rPr>
+              <a:t>() =&gt;</a:t>
+            </a:r>
+          </a:p>
+          <a:p>
+            <a:r>
+              <a:rPr lang="en-US" sz="1200" dirty="0" smtClean="0">
+                <a:latin typeface="Consolas"/>
+              </a:rPr>
+              <a:t>        </a:t>
+            </a:r>
+            <a:r>
+              <a:rPr lang="en-US" sz="1200" dirty="0" err="1" smtClean="0">
+                <a:solidFill>
+                  <a:srgbClr val="001080"/>
+                </a:solidFill>
+                <a:latin typeface="Consolas"/>
+              </a:rPr>
+              <a:t>Console</a:t>
+            </a:r>
+            <a:r>
+              <a:rPr lang="en-US" sz="1200" dirty="0" err="1" smtClean="0">
+                <a:latin typeface="Consolas"/>
+              </a:rPr>
+              <a:t>.</a:t>
+            </a:r>
+            <a:r>
+              <a:rPr lang="en-US" sz="1200" dirty="0" err="1" smtClean="0">
+                <a:solidFill>
+                  <a:srgbClr val="795E26"/>
+                </a:solidFill>
+                <a:latin typeface="Consolas"/>
+              </a:rPr>
+              <a:t>WriteLine</a:t>
+            </a:r>
+            <a:r>
+              <a:rPr lang="en-US" sz="1200" dirty="0" smtClean="0">
+                <a:latin typeface="Consolas"/>
+              </a:rPr>
+              <a:t>(</a:t>
+            </a:r>
+            <a:r>
+              <a:rPr lang="en-US" sz="1200" dirty="0" smtClean="0">
+                <a:solidFill>
+                  <a:srgbClr val="A31515"/>
+                </a:solidFill>
+                <a:latin typeface="Consolas"/>
+              </a:rPr>
+              <a:t>"Dog barks"</a:t>
+            </a:r>
+            <a:r>
+              <a:rPr lang="en-US" sz="1200" dirty="0" smtClean="0">
+                <a:latin typeface="Consolas"/>
+              </a:rPr>
+              <a:t>);</a:t>
+            </a:r>
+          </a:p>
+          <a:p>
+            <a:r>
+              <a:rPr lang="en-US" sz="1200" dirty="0" smtClean="0">
+                <a:latin typeface="Consolas"/>
+              </a:rPr>
+              <a:t>}</a:t>
+            </a:r>
+            <a:endParaRPr lang="en-US" sz="1200" dirty="0">
+              <a:latin typeface="Consolas"/>
+            </a:endParaRPr>
+          </a:p>
+        </p:txBody>
+      </p:sp>
+    </p:spTree>
+    <p:extLst>
+      <p:ext uri="{BB962C8B-B14F-4D97-AF65-F5344CB8AC3E}">
+        <p14:creationId xmlns:p14="http://schemas.microsoft.com/office/powerpoint/2010/main" val="3213994451"/>
+      </p:ext>
+    </p:extLst>
+  </p:cSld>
+  <p:clrMapOvr>
+    <a:masterClrMapping/>
+  </p:clrMapOvr>
+  <mc:AlternateContent xmlns:mc="http://schemas.openxmlformats.org/markup-compatibility/2006" xmlns:p14="http://schemas.microsoft.com/office/powerpoint/2010/main">
+    <mc:Choice Requires="p14">
+      <p:transition spd="slow" p14:dur="2000"/>
+    </mc:Choice>
+    <mc:Fallback xmlns="">
+      <p:transition spd="slow"/>
+    </mc:Fallback>
+  </mc:AlternateContent>
+  <p:timing>
+    <p:tnLst>
+      <p:par>
+        <p:cTn id="1" dur="indefinite" restart="never" nodeType="tmRoot"/>
+      </p:par>
+    </p:tnLst>
+  </p:timing>
+</p:sld>
+</file>
+
+<file path=ppt/slides/slide27.xml><?xml version="1.0" encoding="utf-8"?>
 <p:sld xmlns:a="http://schemas.openxmlformats.org/drawingml/2006/main" xmlns:r="http://schemas.openxmlformats.org/officeDocument/2006/relationships" xmlns:p="http://schemas.openxmlformats.org/presentationml/2006/main">
   <p:cSld>
     <p:spTree>
@@ -18542,7 +22320,7 @@
           <a:noFill/>
           <a:extLst>
             <a:ext uri="{909E8E84-426E-40DD-AFC4-6F175D3DCCD1}">
-              <a14:hiddenFill xmlns="" xmlns:a14="http://schemas.microsoft.com/office/drawing/2010/main">
+              <a14:hiddenFill xmlns:a14="http://schemas.microsoft.com/office/drawing/2010/main">
                 <a:solidFill>
                   <a:srgbClr val="FFFFFF"/>
                 </a:solidFill>
@@ -18581,7 +22359,7 @@
           <a:noFill/>
           <a:extLst>
             <a:ext uri="{909E8E84-426E-40DD-AFC4-6F175D3DCCD1}">
-              <a14:hiddenFill xmlns="" xmlns:a14="http://schemas.microsoft.com/office/drawing/2010/main">
+              <a14:hiddenFill xmlns:a14="http://schemas.microsoft.com/office/drawing/2010/main">
                 <a:solidFill>
                   <a:srgbClr val="FFFFFF"/>
                 </a:solidFill>
@@ -18706,7 +22484,7 @@
           </a:p>
           <a:p>
             <a:r>
-              <a:rPr lang="en-US" sz="1100" dirty="0" err="1">
+              <a:rPr lang="en-US" sz="1200" dirty="0" err="1">
                 <a:solidFill>
                   <a:srgbClr val="AF00DB"/>
                 </a:solidFill>
@@ -18715,13 +22493,13 @@
               <a:t>foreach</a:t>
             </a:r>
             <a:r>
-              <a:rPr lang="en-US" sz="1100" dirty="0">
+              <a:rPr lang="en-US" sz="1200" dirty="0">
                 <a:latin typeface="Consolas" panose="020B0609020204030204" pitchFamily="49" charset="0"/>
               </a:rPr>
               <a:t> (</a:t>
             </a:r>
             <a:r>
-              <a:rPr lang="en-US" sz="1100" dirty="0">
+              <a:rPr lang="en-US" sz="1200" dirty="0">
                 <a:solidFill>
                   <a:srgbClr val="267F99"/>
                 </a:solidFill>
@@ -18730,13 +22508,13 @@
               <a:t>Shape</a:t>
             </a:r>
             <a:r>
-              <a:rPr lang="en-US" sz="1100" dirty="0">
+              <a:rPr lang="en-US" sz="1200" dirty="0">
                 <a:latin typeface="Consolas" panose="020B0609020204030204" pitchFamily="49" charset="0"/>
               </a:rPr>
               <a:t> </a:t>
             </a:r>
             <a:r>
-              <a:rPr lang="en-US" sz="1100" dirty="0" err="1">
+              <a:rPr lang="en-US" sz="1200" dirty="0" err="1">
                 <a:solidFill>
                   <a:srgbClr val="001080"/>
                 </a:solidFill>
@@ -18745,13 +22523,13 @@
               <a:t>shape</a:t>
             </a:r>
             <a:r>
-              <a:rPr lang="en-US" sz="1100" dirty="0">
+              <a:rPr lang="en-US" sz="1200" dirty="0">
                 <a:latin typeface="Consolas" panose="020B0609020204030204" pitchFamily="49" charset="0"/>
               </a:rPr>
               <a:t> </a:t>
             </a:r>
             <a:r>
-              <a:rPr lang="en-US" sz="1100" dirty="0">
+              <a:rPr lang="en-US" sz="1200" dirty="0">
                 <a:solidFill>
                   <a:srgbClr val="AF00DB"/>
                 </a:solidFill>
@@ -18760,13 +22538,13 @@
               <a:t>in</a:t>
             </a:r>
             <a:r>
-              <a:rPr lang="en-US" sz="1100" dirty="0">
+              <a:rPr lang="en-US" sz="1200" dirty="0">
                 <a:latin typeface="Consolas" panose="020B0609020204030204" pitchFamily="49" charset="0"/>
               </a:rPr>
               <a:t> </a:t>
             </a:r>
             <a:r>
-              <a:rPr lang="en-US" sz="1100" dirty="0">
+              <a:rPr lang="en-US" sz="1200" dirty="0">
                 <a:solidFill>
                   <a:srgbClr val="001080"/>
                 </a:solidFill>
@@ -18775,7 +22553,7 @@
               <a:t>shapes</a:t>
             </a:r>
             <a:r>
-              <a:rPr lang="en-US" sz="1100" dirty="0">
+              <a:rPr lang="en-US" sz="1200" dirty="0">
                 <a:latin typeface="Consolas" panose="020B0609020204030204" pitchFamily="49" charset="0"/>
               </a:rPr>
               <a:t>)</a:t>
@@ -18783,13 +22561,13 @@
           </a:p>
           <a:p>
             <a:r>
-              <a:rPr lang="en-US" sz="1100" dirty="0">
+              <a:rPr lang="en-US" sz="1200" dirty="0">
                 <a:latin typeface="Consolas" panose="020B0609020204030204" pitchFamily="49" charset="0"/>
               </a:rPr>
               <a:t>    </a:t>
             </a:r>
             <a:r>
-              <a:rPr lang="en-US" sz="1100" dirty="0" err="1">
+              <a:rPr lang="en-US" sz="1200" dirty="0" err="1">
                 <a:solidFill>
                   <a:srgbClr val="001080"/>
                 </a:solidFill>
@@ -18798,13 +22576,13 @@
               <a:t>shape</a:t>
             </a:r>
             <a:r>
-              <a:rPr lang="en-US" sz="1100" dirty="0" err="1">
+              <a:rPr lang="en-US" sz="1200" dirty="0" err="1">
                 <a:latin typeface="Consolas" panose="020B0609020204030204" pitchFamily="49" charset="0"/>
               </a:rPr>
               <a:t>.</a:t>
             </a:r>
             <a:r>
-              <a:rPr lang="en-US" sz="1100" dirty="0" err="1">
+              <a:rPr lang="en-US" sz="1200" dirty="0" err="1">
                 <a:solidFill>
                   <a:srgbClr val="795E26"/>
                 </a:solidFill>
@@ -18813,13 +22591,13 @@
               <a:t>Draw</a:t>
             </a:r>
             <a:r>
-              <a:rPr lang="en-US" sz="1100" dirty="0">
+              <a:rPr lang="en-US" sz="1200" dirty="0">
                 <a:latin typeface="Consolas" panose="020B0609020204030204" pitchFamily="49" charset="0"/>
               </a:rPr>
               <a:t>(</a:t>
             </a:r>
             <a:r>
-              <a:rPr lang="en-US" sz="1100" dirty="0">
+              <a:rPr lang="en-US" sz="1200" dirty="0">
                 <a:solidFill>
                   <a:srgbClr val="098658"/>
                 </a:solidFill>
@@ -18828,13 +22606,13 @@
               <a:t>0</a:t>
             </a:r>
             <a:r>
-              <a:rPr lang="en-US" sz="1100" dirty="0">
+              <a:rPr lang="en-US" sz="1200" dirty="0">
                 <a:latin typeface="Consolas" panose="020B0609020204030204" pitchFamily="49" charset="0"/>
               </a:rPr>
               <a:t>, </a:t>
             </a:r>
             <a:r>
-              <a:rPr lang="en-US" sz="1100" dirty="0">
+              <a:rPr lang="en-US" sz="1200" dirty="0">
                 <a:solidFill>
                   <a:srgbClr val="098658"/>
                 </a:solidFill>
@@ -18843,7 +22621,7 @@
               <a:t>0</a:t>
             </a:r>
             <a:r>
-              <a:rPr lang="en-US" sz="1100" dirty="0">
+              <a:rPr lang="en-US" sz="1200" dirty="0">
                 <a:latin typeface="Consolas" panose="020B0609020204030204" pitchFamily="49" charset="0"/>
               </a:rPr>
               <a:t>);</a:t>
@@ -18854,7 +22632,7 @@
     </p:spTree>
     <p:extLst>
       <p:ext uri="{BB962C8B-B14F-4D97-AF65-F5344CB8AC3E}">
-        <p14:creationId xmlns="" xmlns:p14="http://schemas.microsoft.com/office/powerpoint/2010/main" val="2237277517"/>
+        <p14:creationId xmlns:p14="http://schemas.microsoft.com/office/powerpoint/2010/main" val="2237277517"/>
       </p:ext>
     </p:extLst>
   </p:cSld>
@@ -18872,165 +22650,7 @@
 </p:sld>
 </file>
 
-<file path=ppt/slides/slide25.xml><?xml version="1.0" encoding="utf-8"?>
-<p:sld xmlns:a="http://schemas.openxmlformats.org/drawingml/2006/main" xmlns:r="http://schemas.openxmlformats.org/officeDocument/2006/relationships" xmlns:p="http://schemas.openxmlformats.org/presentationml/2006/main" show="0">
-  <p:cSld>
-    <p:spTree>
-      <p:nvGrpSpPr>
-        <p:cNvPr id="1" name="Shape 436"/>
-        <p:cNvGrpSpPr/>
-        <p:nvPr/>
-      </p:nvGrpSpPr>
-      <p:grpSpPr>
-        <a:xfrm>
-          <a:off x="0" y="0"/>
-          <a:ext cx="0" cy="0"/>
-          <a:chOff x="0" y="0"/>
-          <a:chExt cx="0" cy="0"/>
-        </a:xfrm>
-      </p:grpSpPr>
-      <p:sp>
-        <p:nvSpPr>
-          <p:cNvPr id="437" name="Google Shape;437;p74"/>
-          <p:cNvSpPr txBox="1">
-            <a:spLocks noGrp="1"/>
-          </p:cNvSpPr>
-          <p:nvPr>
-            <p:ph type="title"/>
-          </p:nvPr>
-        </p:nvSpPr>
-        <p:spPr>
-          <a:xfrm>
-            <a:off x="500550" y="330725"/>
-            <a:ext cx="8190300" cy="679200"/>
-          </a:xfrm>
-          <a:prstGeom prst="rect">
-            <a:avLst/>
-          </a:prstGeom>
-        </p:spPr>
-        <p:txBody>
-          <a:bodyPr spcFirstLastPara="1" wrap="square" lIns="91425" tIns="91425" rIns="91425" bIns="91425" anchor="t" anchorCtr="0">
-            <a:noAutofit/>
-          </a:bodyPr>
-          <a:lstStyle/>
-          <a:p>
-            <a:r>
-              <a:rPr lang="ru-RU" dirty="0" smtClean="0"/>
-              <a:t>Пример из практики </a:t>
-            </a:r>
-            <a:r>
-              <a:rPr lang="ru-RU" dirty="0" smtClean="0">
-                <a:sym typeface="Wingdings" pitchFamily="2" charset="2"/>
-              </a:rPr>
-              <a:t></a:t>
-            </a:r>
-            <a:endParaRPr lang="ru-RU" dirty="0">
-              <a:solidFill>
-                <a:schemeClr val="accent1">
-                  <a:lumMod val="75000"/>
-                </a:schemeClr>
-              </a:solidFill>
-            </a:endParaRPr>
-          </a:p>
-        </p:txBody>
-      </p:sp>
-      <p:sp>
-        <p:nvSpPr>
-          <p:cNvPr id="6" name="TextBox 5"/>
-          <p:cNvSpPr txBox="1"/>
-          <p:nvPr/>
-        </p:nvSpPr>
-        <p:spPr>
-          <a:xfrm>
-            <a:off x="520701" y="1177786"/>
-            <a:ext cx="2559049" cy="1083374"/>
-          </a:xfrm>
-          <a:prstGeom prst="rect">
-            <a:avLst/>
-          </a:prstGeom>
-          <a:noFill/>
-        </p:spPr>
-        <p:txBody>
-          <a:bodyPr wrap="square" rtlCol="0">
-            <a:spAutoFit/>
-          </a:bodyPr>
-          <a:lstStyle/>
-          <a:p>
-            <a:pPr lvl="0" indent="-342900">
-              <a:lnSpc>
-                <a:spcPct val="115000"/>
-              </a:lnSpc>
-            </a:pPr>
-            <a:r>
-              <a:rPr lang="ru-RU" dirty="0" smtClean="0">
-                <a:solidFill>
-                  <a:schemeClr val="tx1"/>
-                </a:solidFill>
-                <a:latin typeface="Roboto"/>
-                <a:ea typeface="Roboto"/>
-                <a:cs typeface="Roboto"/>
-                <a:sym typeface="Roboto"/>
-              </a:rPr>
-              <a:t>Требовалась определенная сортировка массивов данных в зависимости от их содержимого.</a:t>
-            </a:r>
-          </a:p>
-        </p:txBody>
-      </p:sp>
-      <p:pic>
-        <p:nvPicPr>
-          <p:cNvPr id="1026" name="Picture 2"/>
-          <p:cNvPicPr>
-            <a:picLocks noChangeAspect="1" noChangeArrowheads="1"/>
-          </p:cNvPicPr>
-          <p:nvPr/>
-        </p:nvPicPr>
-        <p:blipFill>
-          <a:blip r:embed="rId3"/>
-          <a:srcRect/>
-          <a:stretch>
-            <a:fillRect/>
-          </a:stretch>
-        </p:blipFill>
-        <p:spPr bwMode="auto">
-          <a:xfrm>
-            <a:off x="3108074" y="1238250"/>
-            <a:ext cx="5632701" cy="2241550"/>
-          </a:xfrm>
-          <a:prstGeom prst="rect">
-            <a:avLst/>
-          </a:prstGeom>
-          <a:noFill/>
-          <a:ln w="9525">
-            <a:noFill/>
-            <a:miter lim="800000"/>
-            <a:headEnd/>
-            <a:tailEnd/>
-          </a:ln>
-          <a:effectLst/>
-        </p:spPr>
-      </p:pic>
-    </p:spTree>
-    <p:extLst>
-      <p:ext uri="{BB962C8B-B14F-4D97-AF65-F5344CB8AC3E}">
-        <p14:creationId xmlns="" xmlns:p14="http://schemas.microsoft.com/office/powerpoint/2010/main" val="3878162484"/>
-      </p:ext>
-    </p:extLst>
-  </p:cSld>
-  <p:clrMapOvr>
-    <a:masterClrMapping/>
-  </p:clrMapOvr>
-  <p:transition spd="slow"/>
-  <p:timing>
-    <p:tnLst>
-      <p:par>
-        <p:cTn id="1" dur="indefinite" restart="never" nodeType="tmRoot"/>
-      </p:par>
-    </p:tnLst>
-  </p:timing>
-</p:sld>
-</file>
-
-<file path=ppt/slides/slide26.xml><?xml version="1.0" encoding="utf-8"?>
+<file path=ppt/slides/slide28.xml><?xml version="1.0" encoding="utf-8"?>
 <p:sld xmlns:a="http://schemas.openxmlformats.org/drawingml/2006/main" xmlns:r="http://schemas.openxmlformats.org/officeDocument/2006/relationships" xmlns:p="http://schemas.openxmlformats.org/presentationml/2006/main">
   <p:cSld>
     <p:spTree>
@@ -19290,757 +22910,21 @@
     </p:spTree>
     <p:extLst>
       <p:ext uri="{BB962C8B-B14F-4D97-AF65-F5344CB8AC3E}">
-        <p14:creationId xmlns:p14="http://schemas.microsoft.com/office/powerpoint/2010/main" xmlns="" val="3878162484"/>
+        <p14:creationId xmlns:p14="http://schemas.microsoft.com/office/powerpoint/2010/main" val="3878162484"/>
       </p:ext>
     </p:extLst>
   </p:cSld>
   <p:clrMapOvr>
     <a:masterClrMapping/>
   </p:clrMapOvr>
-  <mc:AlternateContent xmlns:mc="http://schemas.openxmlformats.org/markup-compatibility/2006">
-    <mc:Choice xmlns:p14="http://schemas.microsoft.com/office/powerpoint/2010/main" xmlns="" Requires="p14">
+  <mc:AlternateContent xmlns:mc="http://schemas.openxmlformats.org/markup-compatibility/2006" xmlns:p14="http://schemas.microsoft.com/office/powerpoint/2010/main">
+    <mc:Choice Requires="p14">
       <p:transition spd="slow" p14:dur="2000"/>
     </mc:Choice>
-    <mc:Fallback>
+    <mc:Fallback xmlns="">
       <p:transition spd="slow"/>
     </mc:Fallback>
   </mc:AlternateContent>
-  <p:timing>
-    <p:tnLst>
-      <p:par>
-        <p:cTn id="1" dur="indefinite" restart="never" nodeType="tmRoot"/>
-      </p:par>
-    </p:tnLst>
-  </p:timing>
-</p:sld>
-</file>
-
-<file path=ppt/slides/slide27.xml><?xml version="1.0" encoding="utf-8"?>
-<p:sld xmlns:a="http://schemas.openxmlformats.org/drawingml/2006/main" xmlns:r="http://schemas.openxmlformats.org/officeDocument/2006/relationships" xmlns:p="http://schemas.openxmlformats.org/presentationml/2006/main">
-  <p:cSld>
-    <p:spTree>
-      <p:nvGrpSpPr>
-        <p:cNvPr id="1" name="Shape 458"/>
-        <p:cNvGrpSpPr/>
-        <p:nvPr/>
-      </p:nvGrpSpPr>
-      <p:grpSpPr>
-        <a:xfrm>
-          <a:off x="0" y="0"/>
-          <a:ext cx="0" cy="0"/>
-          <a:chOff x="0" y="0"/>
-          <a:chExt cx="0" cy="0"/>
-        </a:xfrm>
-      </p:grpSpPr>
-      <p:sp>
-        <p:nvSpPr>
-          <p:cNvPr id="459" name="Google Shape;459;p78"/>
-          <p:cNvSpPr txBox="1">
-            <a:spLocks noGrp="1"/>
-          </p:cNvSpPr>
-          <p:nvPr>
-            <p:ph type="title"/>
-          </p:nvPr>
-        </p:nvSpPr>
-        <p:spPr>
-          <a:xfrm>
-            <a:off x="500550" y="330725"/>
-            <a:ext cx="8190300" cy="679200"/>
-          </a:xfrm>
-          <a:prstGeom prst="rect">
-            <a:avLst/>
-          </a:prstGeom>
-        </p:spPr>
-        <p:txBody>
-          <a:bodyPr spcFirstLastPara="1" wrap="square" lIns="91425" tIns="91425" rIns="91425" bIns="91425" anchor="t" anchorCtr="0">
-            <a:noAutofit/>
-          </a:bodyPr>
-          <a:lstStyle/>
-          <a:p>
-            <a:pPr lvl="0"/>
-            <a:r>
-              <a:rPr lang="ru-RU" sz="2800" dirty="0" smtClean="0"/>
-              <a:t>Вопросы, на которые отвечает полиморфизм</a:t>
-            </a:r>
-            <a:endParaRPr sz="2800" dirty="0"/>
-          </a:p>
-        </p:txBody>
-      </p:sp>
-      <p:sp>
-        <p:nvSpPr>
-          <p:cNvPr id="3" name="AutoShape 2" descr="Принципы ООП для начинающих"/>
-          <p:cNvSpPr>
-            <a:spLocks noChangeAspect="1" noChangeArrowheads="1"/>
-          </p:cNvSpPr>
-          <p:nvPr/>
-        </p:nvSpPr>
-        <p:spPr bwMode="auto">
-          <a:xfrm>
-            <a:off x="155575" y="-144463"/>
-            <a:ext cx="304800" cy="304801"/>
-          </a:xfrm>
-          <a:prstGeom prst="rect">
-            <a:avLst/>
-          </a:prstGeom>
-          <a:noFill/>
-          <a:extLst>
-            <a:ext uri="{909E8E84-426E-40DD-AFC4-6F175D3DCCD1}">
-              <a14:hiddenFill xmlns="" xmlns:a14="http://schemas.microsoft.com/office/drawing/2010/main">
-                <a:solidFill>
-                  <a:srgbClr val="FFFFFF"/>
-                </a:solidFill>
-              </a14:hiddenFill>
-            </a:ext>
-          </a:extLst>
-        </p:spPr>
-        <p:txBody>
-          <a:bodyPr vert="horz" wrap="square" lIns="91440" tIns="45720" rIns="91440" bIns="45720" numCol="1" anchor="t" anchorCtr="0" compatLnSpc="1">
-            <a:prstTxWarp prst="textNoShape">
-              <a:avLst/>
-            </a:prstTxWarp>
-          </a:bodyPr>
-          <a:lstStyle/>
-          <a:p>
-            <a:endParaRPr lang="ru-RU"/>
-          </a:p>
-        </p:txBody>
-      </p:sp>
-      <p:sp>
-        <p:nvSpPr>
-          <p:cNvPr id="5" name="AutoShape 4" descr="https://senior.ua/storage/article/content/9d1b2cdf-cf03-475a-927e-f3d89bdcf63d.jpeg"/>
-          <p:cNvSpPr>
-            <a:spLocks noChangeAspect="1" noChangeArrowheads="1"/>
-          </p:cNvSpPr>
-          <p:nvPr/>
-        </p:nvSpPr>
-        <p:spPr bwMode="auto">
-          <a:xfrm>
-            <a:off x="307975" y="7937"/>
-            <a:ext cx="304800" cy="304801"/>
-          </a:xfrm>
-          <a:prstGeom prst="rect">
-            <a:avLst/>
-          </a:prstGeom>
-          <a:noFill/>
-          <a:extLst>
-            <a:ext uri="{909E8E84-426E-40DD-AFC4-6F175D3DCCD1}">
-              <a14:hiddenFill xmlns="" xmlns:a14="http://schemas.microsoft.com/office/drawing/2010/main">
-                <a:solidFill>
-                  <a:srgbClr val="FFFFFF"/>
-                </a:solidFill>
-              </a14:hiddenFill>
-            </a:ext>
-          </a:extLst>
-        </p:spPr>
-        <p:txBody>
-          <a:bodyPr vert="horz" wrap="square" lIns="91440" tIns="45720" rIns="91440" bIns="45720" numCol="1" anchor="t" anchorCtr="0" compatLnSpc="1">
-            <a:prstTxWarp prst="textNoShape">
-              <a:avLst/>
-            </a:prstTxWarp>
-          </a:bodyPr>
-          <a:lstStyle/>
-          <a:p>
-            <a:endParaRPr lang="ru-RU"/>
-          </a:p>
-        </p:txBody>
-      </p:sp>
-      <p:sp>
-        <p:nvSpPr>
-          <p:cNvPr id="6" name="Прямоугольник 5"/>
-          <p:cNvSpPr/>
-          <p:nvPr/>
-        </p:nvSpPr>
-        <p:spPr>
-          <a:xfrm>
-            <a:off x="512993" y="1116836"/>
-            <a:ext cx="3506685" cy="307777"/>
-          </a:xfrm>
-          <a:prstGeom prst="rect">
-            <a:avLst/>
-          </a:prstGeom>
-        </p:spPr>
-        <p:txBody>
-          <a:bodyPr wrap="square">
-            <a:spAutoFit/>
-          </a:bodyPr>
-          <a:lstStyle/>
-          <a:p>
-            <a:endParaRPr lang="ru-RU" dirty="0"/>
-          </a:p>
-        </p:txBody>
-      </p:sp>
-      <p:sp>
-        <p:nvSpPr>
-          <p:cNvPr id="7" name="Прямоугольник 6"/>
-          <p:cNvSpPr/>
-          <p:nvPr/>
-        </p:nvSpPr>
-        <p:spPr>
-          <a:xfrm>
-            <a:off x="472542" y="1305777"/>
-            <a:ext cx="7849112" cy="738664"/>
-          </a:xfrm>
-          <a:prstGeom prst="rect">
-            <a:avLst/>
-          </a:prstGeom>
-        </p:spPr>
-        <p:txBody>
-          <a:bodyPr wrap="square">
-            <a:spAutoFit/>
-          </a:bodyPr>
-          <a:lstStyle/>
-          <a:p>
-            <a:r>
-              <a:rPr lang="ru-RU" dirty="0" smtClean="0"/>
-              <a:t>Итого:</a:t>
-            </a:r>
-          </a:p>
-          <a:p>
-            <a:pPr marL="342900" indent="-342900">
-              <a:buAutoNum type="arabicPeriod"/>
-            </a:pPr>
-            <a:r>
-              <a:rPr lang="ru-RU" dirty="0" smtClean="0"/>
-              <a:t>Я обращаюсь к объекту, не зная его внутренней реализации. </a:t>
-            </a:r>
-          </a:p>
-          <a:p>
-            <a:pPr marL="342900" indent="-342900">
-              <a:buAutoNum type="arabicPeriod"/>
-            </a:pPr>
-            <a:r>
-              <a:rPr lang="ru-RU" dirty="0" smtClean="0"/>
-              <a:t>Код универсальный </a:t>
-            </a:r>
-            <a:r>
-              <a:rPr lang="ru-RU" smtClean="0"/>
-              <a:t>и сделает то, </a:t>
-            </a:r>
-            <a:r>
-              <a:rPr lang="ru-RU" dirty="0" smtClean="0"/>
-              <a:t>что нужно (при правильной реализации интерфейса).</a:t>
-            </a:r>
-          </a:p>
-        </p:txBody>
-      </p:sp>
-    </p:spTree>
-    <p:extLst>
-      <p:ext uri="{BB962C8B-B14F-4D97-AF65-F5344CB8AC3E}">
-        <p14:creationId xmlns="" xmlns:p14="http://schemas.microsoft.com/office/powerpoint/2010/main" val="2237277517"/>
-      </p:ext>
-    </p:extLst>
-  </p:cSld>
-  <p:clrMapOvr>
-    <a:masterClrMapping/>
-  </p:clrMapOvr>
-  <p:transition/>
-  <p:timing>
-    <p:tnLst>
-      <p:par>
-        <p:cTn id="1" dur="indefinite" restart="never" nodeType="tmRoot"/>
-      </p:par>
-    </p:tnLst>
-  </p:timing>
-</p:sld>
-</file>
-
-<file path=ppt/slides/slide28.xml><?xml version="1.0" encoding="utf-8"?>
-<p:sld xmlns:a="http://schemas.openxmlformats.org/drawingml/2006/main" xmlns:r="http://schemas.openxmlformats.org/officeDocument/2006/relationships" xmlns:p="http://schemas.openxmlformats.org/presentationml/2006/main">
-  <p:cSld>
-    <p:spTree>
-      <p:nvGrpSpPr>
-        <p:cNvPr id="1" name="Shape 458"/>
-        <p:cNvGrpSpPr/>
-        <p:nvPr/>
-      </p:nvGrpSpPr>
-      <p:grpSpPr>
-        <a:xfrm>
-          <a:off x="0" y="0"/>
-          <a:ext cx="0" cy="0"/>
-          <a:chOff x="0" y="0"/>
-          <a:chExt cx="0" cy="0"/>
-        </a:xfrm>
-      </p:grpSpPr>
-      <p:sp>
-        <p:nvSpPr>
-          <p:cNvPr id="459" name="Google Shape;459;p78"/>
-          <p:cNvSpPr txBox="1">
-            <a:spLocks noGrp="1"/>
-          </p:cNvSpPr>
-          <p:nvPr>
-            <p:ph type="title"/>
-          </p:nvPr>
-        </p:nvSpPr>
-        <p:spPr>
-          <a:xfrm>
-            <a:off x="500550" y="330725"/>
-            <a:ext cx="8190300" cy="679200"/>
-          </a:xfrm>
-          <a:prstGeom prst="rect">
-            <a:avLst/>
-          </a:prstGeom>
-        </p:spPr>
-        <p:txBody>
-          <a:bodyPr spcFirstLastPara="1" wrap="square" lIns="91425" tIns="91425" rIns="91425" bIns="91425" anchor="t" anchorCtr="0">
-            <a:noAutofit/>
-          </a:bodyPr>
-          <a:lstStyle/>
-          <a:p>
-            <a:pPr lvl="0"/>
-            <a:r>
-              <a:rPr lang="ru-RU" sz="2800" dirty="0" smtClean="0"/>
-              <a:t>Задачи по тематике полиморфизма</a:t>
-            </a:r>
-            <a:endParaRPr sz="2800" dirty="0"/>
-          </a:p>
-        </p:txBody>
-      </p:sp>
-      <p:sp>
-        <p:nvSpPr>
-          <p:cNvPr id="3" name="AutoShape 2" descr="Принципы ООП для начинающих"/>
-          <p:cNvSpPr>
-            <a:spLocks noChangeAspect="1" noChangeArrowheads="1"/>
-          </p:cNvSpPr>
-          <p:nvPr/>
-        </p:nvSpPr>
-        <p:spPr bwMode="auto">
-          <a:xfrm>
-            <a:off x="155575" y="-144463"/>
-            <a:ext cx="304800" cy="304801"/>
-          </a:xfrm>
-          <a:prstGeom prst="rect">
-            <a:avLst/>
-          </a:prstGeom>
-          <a:noFill/>
-          <a:extLst>
-            <a:ext uri="{909E8E84-426E-40DD-AFC4-6F175D3DCCD1}">
-              <a14:hiddenFill xmlns="" xmlns:a14="http://schemas.microsoft.com/office/drawing/2010/main">
-                <a:solidFill>
-                  <a:srgbClr val="FFFFFF"/>
-                </a:solidFill>
-              </a14:hiddenFill>
-            </a:ext>
-          </a:extLst>
-        </p:spPr>
-        <p:txBody>
-          <a:bodyPr vert="horz" wrap="square" lIns="91440" tIns="45720" rIns="91440" bIns="45720" numCol="1" anchor="t" anchorCtr="0" compatLnSpc="1">
-            <a:prstTxWarp prst="textNoShape">
-              <a:avLst/>
-            </a:prstTxWarp>
-          </a:bodyPr>
-          <a:lstStyle/>
-          <a:p>
-            <a:endParaRPr lang="ru-RU"/>
-          </a:p>
-        </p:txBody>
-      </p:sp>
-      <p:sp>
-        <p:nvSpPr>
-          <p:cNvPr id="5" name="AutoShape 4" descr="https://senior.ua/storage/article/content/9d1b2cdf-cf03-475a-927e-f3d89bdcf63d.jpeg"/>
-          <p:cNvSpPr>
-            <a:spLocks noChangeAspect="1" noChangeArrowheads="1"/>
-          </p:cNvSpPr>
-          <p:nvPr/>
-        </p:nvSpPr>
-        <p:spPr bwMode="auto">
-          <a:xfrm>
-            <a:off x="307975" y="7937"/>
-            <a:ext cx="304800" cy="304801"/>
-          </a:xfrm>
-          <a:prstGeom prst="rect">
-            <a:avLst/>
-          </a:prstGeom>
-          <a:noFill/>
-          <a:extLst>
-            <a:ext uri="{909E8E84-426E-40DD-AFC4-6F175D3DCCD1}">
-              <a14:hiddenFill xmlns="" xmlns:a14="http://schemas.microsoft.com/office/drawing/2010/main">
-                <a:solidFill>
-                  <a:srgbClr val="FFFFFF"/>
-                </a:solidFill>
-              </a14:hiddenFill>
-            </a:ext>
-          </a:extLst>
-        </p:spPr>
-        <p:txBody>
-          <a:bodyPr vert="horz" wrap="square" lIns="91440" tIns="45720" rIns="91440" bIns="45720" numCol="1" anchor="t" anchorCtr="0" compatLnSpc="1">
-            <a:prstTxWarp prst="textNoShape">
-              <a:avLst/>
-            </a:prstTxWarp>
-          </a:bodyPr>
-          <a:lstStyle/>
-          <a:p>
-            <a:endParaRPr lang="ru-RU"/>
-          </a:p>
-        </p:txBody>
-      </p:sp>
-      <p:sp>
-        <p:nvSpPr>
-          <p:cNvPr id="6" name="Прямоугольник 5"/>
-          <p:cNvSpPr/>
-          <p:nvPr/>
-        </p:nvSpPr>
-        <p:spPr>
-          <a:xfrm>
-            <a:off x="512993" y="1116836"/>
-            <a:ext cx="3506685" cy="307777"/>
-          </a:xfrm>
-          <a:prstGeom prst="rect">
-            <a:avLst/>
-          </a:prstGeom>
-        </p:spPr>
-        <p:txBody>
-          <a:bodyPr wrap="square">
-            <a:spAutoFit/>
-          </a:bodyPr>
-          <a:lstStyle/>
-          <a:p>
-            <a:endParaRPr lang="ru-RU" dirty="0"/>
-          </a:p>
-        </p:txBody>
-      </p:sp>
-      <p:sp>
-        <p:nvSpPr>
-          <p:cNvPr id="7" name="Прямоугольник 6"/>
-          <p:cNvSpPr/>
-          <p:nvPr/>
-        </p:nvSpPr>
-        <p:spPr>
-          <a:xfrm>
-            <a:off x="472542" y="1305777"/>
-            <a:ext cx="7849112" cy="3323987"/>
-          </a:xfrm>
-          <a:prstGeom prst="rect">
-            <a:avLst/>
-          </a:prstGeom>
-        </p:spPr>
-        <p:txBody>
-          <a:bodyPr wrap="square">
-            <a:spAutoFit/>
-          </a:bodyPr>
-          <a:lstStyle/>
-          <a:p>
-            <a:r>
-              <a:rPr lang="ru-RU" dirty="0" smtClean="0"/>
-              <a:t>1. Описать класс </a:t>
-            </a:r>
-            <a:r>
-              <a:rPr lang="ru-RU" dirty="0" err="1" smtClean="0"/>
-              <a:t>Hitman</a:t>
-            </a:r>
-            <a:endParaRPr lang="ru-RU" dirty="0" smtClean="0"/>
-          </a:p>
-          <a:p>
-            <a:r>
-              <a:rPr lang="ru-RU" dirty="0" smtClean="0"/>
-              <a:t>1.1 Добавить в класс </a:t>
-            </a:r>
-            <a:r>
-              <a:rPr lang="ru-RU" dirty="0" err="1" smtClean="0"/>
-              <a:t>Hitman</a:t>
-            </a:r>
-            <a:r>
-              <a:rPr lang="ru-RU" dirty="0" smtClean="0"/>
-              <a:t> поле </a:t>
-            </a:r>
-            <a:r>
-              <a:rPr lang="ru-RU" dirty="0" err="1" smtClean="0"/>
-              <a:t>c</a:t>
-            </a:r>
-            <a:r>
-              <a:rPr lang="ru-RU" dirty="0" smtClean="0"/>
-              <a:t> </a:t>
-            </a:r>
-            <a:r>
-              <a:rPr lang="ru-RU" dirty="0" err="1" smtClean="0"/>
-              <a:t>currentTool</a:t>
-            </a:r>
-            <a:r>
-              <a:rPr lang="ru-RU" dirty="0" smtClean="0"/>
-              <a:t> типа </a:t>
-            </a:r>
-            <a:r>
-              <a:rPr lang="ru-RU" dirty="0" err="1" smtClean="0"/>
-              <a:t>ITool</a:t>
-            </a:r>
-            <a:r>
-              <a:rPr lang="ru-RU" dirty="0" smtClean="0"/>
-              <a:t> (интерфейс)</a:t>
-            </a:r>
-          </a:p>
-          <a:p>
-            <a:r>
-              <a:rPr lang="ru-RU" dirty="0" smtClean="0"/>
-              <a:t>1.2 Добавить в класс </a:t>
-            </a:r>
-            <a:r>
-              <a:rPr lang="ru-RU" dirty="0" err="1" smtClean="0"/>
-              <a:t>Hitman</a:t>
-            </a:r>
-            <a:r>
-              <a:rPr lang="ru-RU" dirty="0" smtClean="0"/>
-              <a:t> поле и свойство </a:t>
-            </a:r>
-            <a:r>
-              <a:rPr lang="ru-RU" dirty="0" err="1" smtClean="0"/>
-              <a:t>currentClothSet</a:t>
-            </a:r>
-            <a:r>
-              <a:rPr lang="ru-RU" dirty="0" smtClean="0"/>
-              <a:t> типа </a:t>
-            </a:r>
-          </a:p>
-          <a:p>
-            <a:r>
-              <a:rPr lang="ru-RU" dirty="0" err="1" smtClean="0"/>
-              <a:t>ICloth</a:t>
-            </a:r>
-            <a:r>
-              <a:rPr lang="en-US" dirty="0" smtClean="0"/>
-              <a:t>S</a:t>
-            </a:r>
-            <a:r>
-              <a:rPr lang="ru-RU" dirty="0" err="1" smtClean="0"/>
-              <a:t>et</a:t>
-            </a:r>
-            <a:r>
-              <a:rPr lang="ru-RU" dirty="0" smtClean="0"/>
-              <a:t> (интерфейс)</a:t>
-            </a:r>
-          </a:p>
-          <a:p>
-            <a:r>
-              <a:rPr lang="ru-RU" dirty="0" smtClean="0"/>
-              <a:t>1.3 Добавить метод </a:t>
-            </a:r>
-            <a:r>
-              <a:rPr lang="ru-RU" dirty="0" err="1" smtClean="0"/>
-              <a:t>SetNextTools</a:t>
-            </a:r>
-            <a:r>
-              <a:rPr lang="ru-RU" dirty="0" smtClean="0"/>
-              <a:t>()</a:t>
-            </a:r>
-          </a:p>
-          <a:p>
-            <a:r>
-              <a:rPr lang="ru-RU" dirty="0" smtClean="0"/>
-              <a:t>1.4 Добавить метод </a:t>
-            </a:r>
-            <a:r>
-              <a:rPr lang="ru-RU" dirty="0" err="1" smtClean="0"/>
-              <a:t>ChangeClothes</a:t>
-            </a:r>
-            <a:r>
-              <a:rPr lang="ru-RU" dirty="0" smtClean="0"/>
-              <a:t>(</a:t>
-            </a:r>
-            <a:r>
-              <a:rPr lang="ru-RU" dirty="0" err="1" smtClean="0"/>
-              <a:t>IClothset</a:t>
-            </a:r>
-            <a:r>
-              <a:rPr lang="ru-RU" dirty="0" smtClean="0"/>
-              <a:t> </a:t>
-            </a:r>
-            <a:r>
-              <a:rPr lang="ru-RU" dirty="0" err="1" smtClean="0"/>
-              <a:t>clothSet</a:t>
-            </a:r>
-            <a:r>
-              <a:rPr lang="ru-RU" dirty="0" smtClean="0"/>
-              <a:t>)</a:t>
-            </a:r>
-          </a:p>
-          <a:p>
-            <a:r>
-              <a:rPr lang="ru-RU" dirty="0" smtClean="0"/>
-              <a:t>1.5 Добавить в класс </a:t>
-            </a:r>
-            <a:r>
-              <a:rPr lang="ru-RU" dirty="0" err="1" smtClean="0"/>
-              <a:t>Hitman</a:t>
-            </a:r>
-            <a:r>
-              <a:rPr lang="ru-RU" dirty="0" smtClean="0"/>
-              <a:t> поле </a:t>
-            </a:r>
-            <a:r>
-              <a:rPr lang="ru-RU" dirty="0" err="1" smtClean="0"/>
-              <a:t>allTools</a:t>
-            </a:r>
-            <a:r>
-              <a:rPr lang="ru-RU" dirty="0" smtClean="0"/>
-              <a:t> типа </a:t>
-            </a:r>
-            <a:r>
-              <a:rPr lang="ru-RU" dirty="0" err="1" smtClean="0"/>
-              <a:t>List</a:t>
-            </a:r>
-            <a:r>
-              <a:rPr lang="ru-RU" dirty="0" smtClean="0"/>
-              <a:t>&lt;</a:t>
-            </a:r>
-            <a:r>
-              <a:rPr lang="ru-RU" dirty="0" err="1" smtClean="0"/>
-              <a:t>ITool</a:t>
-            </a:r>
-            <a:r>
-              <a:rPr lang="ru-RU" dirty="0" smtClean="0"/>
-              <a:t>&gt;. + инициализировать</a:t>
-            </a:r>
-          </a:p>
-          <a:p>
-            <a:r>
-              <a:rPr lang="ru-RU" dirty="0" smtClean="0"/>
-              <a:t>1.6 Добавить в класс </a:t>
-            </a:r>
-            <a:r>
-              <a:rPr lang="ru-RU" dirty="0" err="1" smtClean="0"/>
-              <a:t>Hitman</a:t>
-            </a:r>
-            <a:r>
-              <a:rPr lang="ru-RU" dirty="0" smtClean="0"/>
-              <a:t> метод </a:t>
-            </a:r>
-            <a:r>
-              <a:rPr lang="ru-RU" dirty="0" err="1" smtClean="0"/>
-              <a:t>ShootViaCurrentTool</a:t>
-            </a:r>
-            <a:r>
-              <a:rPr lang="ru-RU" dirty="0" smtClean="0"/>
-              <a:t>()</a:t>
-            </a:r>
-          </a:p>
-          <a:p>
-            <a:r>
-              <a:rPr lang="ru-RU" dirty="0" smtClean="0"/>
-              <a:t>2. Описать интерфейсы</a:t>
-            </a:r>
-          </a:p>
-          <a:p>
-            <a:r>
-              <a:rPr lang="ru-RU" dirty="0" smtClean="0"/>
-              <a:t>2.1 Описать интерфейс </a:t>
-            </a:r>
-            <a:r>
-              <a:rPr lang="ru-RU" dirty="0" err="1" smtClean="0"/>
-              <a:t>ITool</a:t>
-            </a:r>
-            <a:endParaRPr lang="ru-RU" dirty="0" smtClean="0"/>
-          </a:p>
-          <a:p>
-            <a:r>
-              <a:rPr lang="ru-RU" dirty="0" smtClean="0"/>
-              <a:t>2.1.1 Добавить метод </a:t>
-            </a:r>
-            <a:r>
-              <a:rPr lang="ru-RU" dirty="0" err="1" smtClean="0"/>
-              <a:t>Shoot</a:t>
-            </a:r>
-            <a:r>
-              <a:rPr lang="ru-RU" dirty="0" smtClean="0"/>
-              <a:t>() без реализации</a:t>
-            </a:r>
-          </a:p>
-          <a:p>
-            <a:r>
-              <a:rPr lang="ru-RU" dirty="0" smtClean="0"/>
-              <a:t>2.1.2 Создать &gt;=2 любых реализаций </a:t>
-            </a:r>
-            <a:r>
-              <a:rPr lang="ru-RU" dirty="0" err="1" smtClean="0"/>
-              <a:t>интерйейса</a:t>
-            </a:r>
-            <a:r>
-              <a:rPr lang="ru-RU" dirty="0" smtClean="0"/>
-              <a:t>.</a:t>
-            </a:r>
-          </a:p>
-          <a:p>
-            <a:r>
-              <a:rPr lang="ru-RU" dirty="0" smtClean="0"/>
-              <a:t>2.2 Описать интерфейс </a:t>
-            </a:r>
-            <a:r>
-              <a:rPr lang="ru-RU" dirty="0" err="1" smtClean="0"/>
-              <a:t>IClothset</a:t>
-            </a:r>
-            <a:endParaRPr lang="ru-RU" dirty="0" smtClean="0"/>
-          </a:p>
-          <a:p>
-            <a:r>
-              <a:rPr lang="ru-RU" dirty="0" smtClean="0"/>
-              <a:t>2.2.1 При желании можно добавить пару методов</a:t>
-            </a:r>
-          </a:p>
-          <a:p>
-            <a:r>
-              <a:rPr lang="ru-RU" dirty="0" smtClean="0"/>
-              <a:t>2.2.2 Создать &gt;=2 любых реализаций </a:t>
-            </a:r>
-            <a:r>
-              <a:rPr lang="ru-RU" dirty="0" err="1" smtClean="0"/>
-              <a:t>интерйейса</a:t>
-            </a:r>
-            <a:r>
-              <a:rPr lang="ru-RU" dirty="0" smtClean="0"/>
-              <a:t>.</a:t>
-            </a:r>
-          </a:p>
-        </p:txBody>
-      </p:sp>
-      <p:pic>
-        <p:nvPicPr>
-          <p:cNvPr id="1026" name="Picture 2" descr="Поддержка Feral | Hitman: Absolution"/>
-          <p:cNvPicPr>
-            <a:picLocks noChangeAspect="1" noChangeArrowheads="1"/>
-          </p:cNvPicPr>
-          <p:nvPr/>
-        </p:nvPicPr>
-        <p:blipFill>
-          <a:blip r:embed="rId3">
-            <a:extLst>
-              <a:ext uri="{28A0092B-C50C-407E-A947-70E740481C1C}">
-                <a14:useLocalDpi xmlns="" xmlns:a14="http://schemas.microsoft.com/office/drawing/2010/main" val="0"/>
-              </a:ext>
-            </a:extLst>
-          </a:blip>
-          <a:srcRect/>
-          <a:stretch>
-            <a:fillRect/>
-          </a:stretch>
-        </p:blipFill>
-        <p:spPr bwMode="auto">
-          <a:xfrm flipH="1">
-            <a:off x="7267574" y="1025351"/>
-            <a:ext cx="1350727" cy="3494887"/>
-          </a:xfrm>
-          <a:prstGeom prst="rect">
-            <a:avLst/>
-          </a:prstGeom>
-          <a:noFill/>
-          <a:extLst>
-            <a:ext uri="{909E8E84-426E-40DD-AFC4-6F175D3DCCD1}">
-              <a14:hiddenFill xmlns="" xmlns:a14="http://schemas.microsoft.com/office/drawing/2010/main">
-                <a:solidFill>
-                  <a:srgbClr val="FFFFFF"/>
-                </a:solidFill>
-              </a14:hiddenFill>
-            </a:ext>
-          </a:extLst>
-        </p:spPr>
-      </p:pic>
-    </p:spTree>
-    <p:extLst>
-      <p:ext uri="{BB962C8B-B14F-4D97-AF65-F5344CB8AC3E}">
-        <p14:creationId xmlns="" xmlns:p14="http://schemas.microsoft.com/office/powerpoint/2010/main" val="2237277517"/>
-      </p:ext>
-    </p:extLst>
-  </p:cSld>
-  <p:clrMapOvr>
-    <a:masterClrMapping/>
-  </p:clrMapOvr>
-  <p:transition/>
   <p:timing>
     <p:tnLst>
       <p:par>
@@ -20096,7 +22980,7 @@
             <a:pPr lvl="0"/>
             <a:r>
               <a:rPr lang="ru-RU" sz="2800" dirty="0" smtClean="0"/>
-              <a:t>Задачи по тематике полиморфизма</a:t>
+              <a:t>Вопросы, на которые отвечает полиморфизм</a:t>
             </a:r>
             <a:endParaRPr sz="2800" dirty="0"/>
           </a:p>
@@ -20121,7 +23005,7 @@
           <a:noFill/>
           <a:extLst>
             <a:ext uri="{909E8E84-426E-40DD-AFC4-6F175D3DCCD1}">
-              <a14:hiddenFill xmlns="" xmlns:a14="http://schemas.microsoft.com/office/drawing/2010/main">
+              <a14:hiddenFill xmlns:a14="http://schemas.microsoft.com/office/drawing/2010/main">
                 <a:solidFill>
                   <a:srgbClr val="FFFFFF"/>
                 </a:solidFill>
@@ -20160,7 +23044,7 @@
           <a:noFill/>
           <a:extLst>
             <a:ext uri="{909E8E84-426E-40DD-AFC4-6F175D3DCCD1}">
-              <a14:hiddenFill xmlns="" xmlns:a14="http://schemas.microsoft.com/office/drawing/2010/main">
+              <a14:hiddenFill xmlns:a14="http://schemas.microsoft.com/office/drawing/2010/main">
                 <a:solidFill>
                   <a:srgbClr val="FFFFFF"/>
                 </a:solidFill>
@@ -20213,8 +23097,8 @@
         </p:nvSpPr>
         <p:spPr>
           <a:xfrm>
-            <a:off x="480162" y="1138137"/>
-            <a:ext cx="8244738" cy="1600438"/>
+            <a:off x="472542" y="1305777"/>
+            <a:ext cx="7849112" cy="738664"/>
           </a:xfrm>
           <a:prstGeom prst="rect">
             <a:avLst/>
@@ -20228,92 +23112,41 @@
           <a:p>
             <a:r>
               <a:rPr lang="ru-RU" dirty="0" smtClean="0"/>
-              <a:t>3. Клиентский код:</a:t>
-            </a:r>
-          </a:p>
-          <a:p>
+              <a:t>Итого:</a:t>
+            </a:r>
+          </a:p>
+          <a:p>
+            <a:pPr marL="342900" indent="-342900">
+              <a:buAutoNum type="arabicPeriod"/>
+            </a:pPr>
             <a:r>
               <a:rPr lang="ru-RU" dirty="0" smtClean="0"/>
-              <a:t>3.1 Создать экземпляр класса </a:t>
-            </a:r>
-            <a:r>
-              <a:rPr lang="ru-RU" dirty="0" err="1" smtClean="0"/>
-              <a:t>Hitman</a:t>
-            </a:r>
-            <a:endParaRPr lang="ru-RU" dirty="0" smtClean="0"/>
-          </a:p>
-          <a:p>
+              <a:t>Я обращаюсь к объекту, не зная его внутренней реализации. </a:t>
+            </a:r>
+          </a:p>
+          <a:p>
+            <a:pPr marL="342900" indent="-342900">
+              <a:buAutoNum type="arabicPeriod"/>
+            </a:pPr>
             <a:r>
               <a:rPr lang="ru-RU" dirty="0" smtClean="0"/>
-              <a:t>3.2 Сменить оружие на любое другое. Если </a:t>
-            </a:r>
-            <a:r>
-              <a:rPr lang="ru-RU" dirty="0" err="1" smtClean="0"/>
-              <a:t>currentTool</a:t>
+              <a:t>Код универсальный </a:t>
+            </a:r>
+            <a:r>
+              <a:rPr lang="ru-RU" smtClean="0"/>
+              <a:t>и сделает то, </a:t>
             </a:r>
             <a:r>
               <a:rPr lang="ru-RU" dirty="0" smtClean="0"/>
-              <a:t> пустое, то задать ему начальное значение</a:t>
-            </a:r>
-          </a:p>
-          <a:p>
-            <a:r>
-              <a:rPr lang="ru-RU" dirty="0" smtClean="0"/>
-              <a:t>3.3 Создать экземпляр одежды</a:t>
-            </a:r>
-          </a:p>
-          <a:p>
-            <a:r>
-              <a:rPr lang="ru-RU" dirty="0" smtClean="0"/>
-              <a:t>3.4 Сменить комплект одежды на созданный в п.3.3</a:t>
-            </a:r>
-          </a:p>
-          <a:p>
-            <a:r>
-              <a:rPr lang="ru-RU" dirty="0" smtClean="0"/>
-              <a:t>3.5 Выстрелить текущим оружием</a:t>
-            </a:r>
-            <a:endParaRPr lang="ru-RU" dirty="0"/>
+              <a:t>что нужно (при правильной реализации интерфейса).</a:t>
+            </a:r>
           </a:p>
         </p:txBody>
       </p:sp>
-      <p:pic>
-        <p:nvPicPr>
-          <p:cNvPr id="1027" name="Picture 3"/>
-          <p:cNvPicPr>
-            <a:picLocks noChangeAspect="1" noChangeArrowheads="1"/>
-          </p:cNvPicPr>
-          <p:nvPr/>
-        </p:nvPicPr>
-        <p:blipFill>
-          <a:blip r:embed="rId3"/>
-          <a:srcRect/>
-          <a:stretch>
-            <a:fillRect/>
-          </a:stretch>
-        </p:blipFill>
-        <p:spPr bwMode="auto">
-          <a:xfrm>
-            <a:off x="1234440" y="2836311"/>
-            <a:ext cx="6833870" cy="1833797"/>
-          </a:xfrm>
-          <a:prstGeom prst="rect">
-            <a:avLst/>
-          </a:prstGeom>
-          <a:noFill/>
-          <a:ln w="9525">
-            <a:noFill/>
-            <a:miter lim="800000"/>
-            <a:headEnd/>
-            <a:tailEnd/>
-          </a:ln>
-          <a:effectLst/>
-        </p:spPr>
-      </p:pic>
     </p:spTree>
     <p:extLst>
       <p:ext uri="{BB962C8B-B14F-4D97-AF65-F5344CB8AC3E}">
-        <p14:creationId xmlns="" xmlns:p14="http://schemas.microsoft.com/office/powerpoint/2010/main" val="2237277517"/>
+        <p14:creationId xmlns:p14="http://schemas.microsoft.com/office/powerpoint/2010/main" val="2237277517"/>
       </p:ext>
     </p:extLst>
   </p:cSld>
@@ -20786,18 +23619,18 @@
     </p:spTree>
     <p:extLst>
       <p:ext uri="{BB962C8B-B14F-4D97-AF65-F5344CB8AC3E}">
-        <p14:creationId xmlns="" xmlns:p14="http://schemas.microsoft.com/office/powerpoint/2010/main" val="1849832399"/>
+        <p14:creationId xmlns:p14="http://schemas.microsoft.com/office/powerpoint/2010/main" val="1849832399"/>
       </p:ext>
     </p:extLst>
   </p:cSld>
   <p:clrMapOvr>
     <a:masterClrMapping/>
   </p:clrMapOvr>
-  <mc:AlternateContent xmlns:mc="http://schemas.openxmlformats.org/markup-compatibility/2006">
-    <mc:Choice xmlns="" xmlns:p14="http://schemas.microsoft.com/office/powerpoint/2010/main" Requires="p14">
+  <mc:AlternateContent xmlns:mc="http://schemas.openxmlformats.org/markup-compatibility/2006" xmlns:p14="http://schemas.microsoft.com/office/powerpoint/2010/main">
+    <mc:Choice Requires="p14">
       <p:transition spd="slow" p14:dur="2000"/>
     </mc:Choice>
-    <mc:Fallback>
+    <mc:Fallback xmlns="">
       <p:transition spd="slow"/>
     </mc:Fallback>
   </mc:AlternateContent>
@@ -20812,6 +23645,793 @@
 </file>
 
 <file path=ppt/slides/slide30.xml><?xml version="1.0" encoding="utf-8"?>
+<p:sld xmlns:a="http://schemas.openxmlformats.org/drawingml/2006/main" xmlns:r="http://schemas.openxmlformats.org/officeDocument/2006/relationships" xmlns:p="http://schemas.openxmlformats.org/presentationml/2006/main">
+  <p:cSld>
+    <p:spTree>
+      <p:nvGrpSpPr>
+        <p:cNvPr id="1" name="Shape 458"/>
+        <p:cNvGrpSpPr/>
+        <p:nvPr/>
+      </p:nvGrpSpPr>
+      <p:grpSpPr>
+        <a:xfrm>
+          <a:off x="0" y="0"/>
+          <a:ext cx="0" cy="0"/>
+          <a:chOff x="0" y="0"/>
+          <a:chExt cx="0" cy="0"/>
+        </a:xfrm>
+      </p:grpSpPr>
+      <p:sp>
+        <p:nvSpPr>
+          <p:cNvPr id="459" name="Google Shape;459;p78"/>
+          <p:cNvSpPr txBox="1">
+            <a:spLocks noGrp="1"/>
+          </p:cNvSpPr>
+          <p:nvPr>
+            <p:ph type="title"/>
+          </p:nvPr>
+        </p:nvSpPr>
+        <p:spPr>
+          <a:xfrm>
+            <a:off x="500550" y="330725"/>
+            <a:ext cx="8190300" cy="679200"/>
+          </a:xfrm>
+          <a:prstGeom prst="rect">
+            <a:avLst/>
+          </a:prstGeom>
+        </p:spPr>
+        <p:txBody>
+          <a:bodyPr spcFirstLastPara="1" wrap="square" lIns="91425" tIns="91425" rIns="91425" bIns="91425" anchor="t" anchorCtr="0">
+            <a:noAutofit/>
+          </a:bodyPr>
+          <a:lstStyle/>
+          <a:p>
+            <a:pPr lvl="0"/>
+            <a:r>
+              <a:rPr lang="ru-RU" sz="2800" dirty="0" smtClean="0"/>
+              <a:t>Задачи по тематике полиморфизма</a:t>
+            </a:r>
+            <a:endParaRPr sz="2800" dirty="0"/>
+          </a:p>
+        </p:txBody>
+      </p:sp>
+      <p:sp>
+        <p:nvSpPr>
+          <p:cNvPr id="3" name="AutoShape 2" descr="Принципы ООП для начинающих"/>
+          <p:cNvSpPr>
+            <a:spLocks noChangeAspect="1" noChangeArrowheads="1"/>
+          </p:cNvSpPr>
+          <p:nvPr/>
+        </p:nvSpPr>
+        <p:spPr bwMode="auto">
+          <a:xfrm>
+            <a:off x="155575" y="-144463"/>
+            <a:ext cx="304800" cy="304801"/>
+          </a:xfrm>
+          <a:prstGeom prst="rect">
+            <a:avLst/>
+          </a:prstGeom>
+          <a:noFill/>
+          <a:extLst>
+            <a:ext uri="{909E8E84-426E-40DD-AFC4-6F175D3DCCD1}">
+              <a14:hiddenFill xmlns:a14="http://schemas.microsoft.com/office/drawing/2010/main">
+                <a:solidFill>
+                  <a:srgbClr val="FFFFFF"/>
+                </a:solidFill>
+              </a14:hiddenFill>
+            </a:ext>
+          </a:extLst>
+        </p:spPr>
+        <p:txBody>
+          <a:bodyPr vert="horz" wrap="square" lIns="91440" tIns="45720" rIns="91440" bIns="45720" numCol="1" anchor="t" anchorCtr="0" compatLnSpc="1">
+            <a:prstTxWarp prst="textNoShape">
+              <a:avLst/>
+            </a:prstTxWarp>
+          </a:bodyPr>
+          <a:lstStyle/>
+          <a:p>
+            <a:endParaRPr lang="ru-RU"/>
+          </a:p>
+        </p:txBody>
+      </p:sp>
+      <p:sp>
+        <p:nvSpPr>
+          <p:cNvPr id="5" name="AutoShape 4" descr="https://senior.ua/storage/article/content/9d1b2cdf-cf03-475a-927e-f3d89bdcf63d.jpeg"/>
+          <p:cNvSpPr>
+            <a:spLocks noChangeAspect="1" noChangeArrowheads="1"/>
+          </p:cNvSpPr>
+          <p:nvPr/>
+        </p:nvSpPr>
+        <p:spPr bwMode="auto">
+          <a:xfrm>
+            <a:off x="307975" y="7937"/>
+            <a:ext cx="304800" cy="304801"/>
+          </a:xfrm>
+          <a:prstGeom prst="rect">
+            <a:avLst/>
+          </a:prstGeom>
+          <a:noFill/>
+          <a:extLst>
+            <a:ext uri="{909E8E84-426E-40DD-AFC4-6F175D3DCCD1}">
+              <a14:hiddenFill xmlns:a14="http://schemas.microsoft.com/office/drawing/2010/main">
+                <a:solidFill>
+                  <a:srgbClr val="FFFFFF"/>
+                </a:solidFill>
+              </a14:hiddenFill>
+            </a:ext>
+          </a:extLst>
+        </p:spPr>
+        <p:txBody>
+          <a:bodyPr vert="horz" wrap="square" lIns="91440" tIns="45720" rIns="91440" bIns="45720" numCol="1" anchor="t" anchorCtr="0" compatLnSpc="1">
+            <a:prstTxWarp prst="textNoShape">
+              <a:avLst/>
+            </a:prstTxWarp>
+          </a:bodyPr>
+          <a:lstStyle/>
+          <a:p>
+            <a:endParaRPr lang="ru-RU"/>
+          </a:p>
+        </p:txBody>
+      </p:sp>
+      <p:sp>
+        <p:nvSpPr>
+          <p:cNvPr id="6" name="Прямоугольник 5"/>
+          <p:cNvSpPr/>
+          <p:nvPr/>
+        </p:nvSpPr>
+        <p:spPr>
+          <a:xfrm>
+            <a:off x="512993" y="1116836"/>
+            <a:ext cx="3506685" cy="307777"/>
+          </a:xfrm>
+          <a:prstGeom prst="rect">
+            <a:avLst/>
+          </a:prstGeom>
+        </p:spPr>
+        <p:txBody>
+          <a:bodyPr wrap="square">
+            <a:spAutoFit/>
+          </a:bodyPr>
+          <a:lstStyle/>
+          <a:p>
+            <a:endParaRPr lang="ru-RU" dirty="0"/>
+          </a:p>
+        </p:txBody>
+      </p:sp>
+      <p:sp>
+        <p:nvSpPr>
+          <p:cNvPr id="7" name="Прямоугольник 6"/>
+          <p:cNvSpPr/>
+          <p:nvPr/>
+        </p:nvSpPr>
+        <p:spPr>
+          <a:xfrm>
+            <a:off x="472542" y="1305777"/>
+            <a:ext cx="7849112" cy="3323987"/>
+          </a:xfrm>
+          <a:prstGeom prst="rect">
+            <a:avLst/>
+          </a:prstGeom>
+        </p:spPr>
+        <p:txBody>
+          <a:bodyPr wrap="square">
+            <a:spAutoFit/>
+          </a:bodyPr>
+          <a:lstStyle/>
+          <a:p>
+            <a:r>
+              <a:rPr lang="ru-RU" dirty="0" smtClean="0"/>
+              <a:t>1. Описать класс </a:t>
+            </a:r>
+            <a:r>
+              <a:rPr lang="ru-RU" dirty="0" err="1" smtClean="0"/>
+              <a:t>Hitman</a:t>
+            </a:r>
+            <a:endParaRPr lang="ru-RU" dirty="0" smtClean="0"/>
+          </a:p>
+          <a:p>
+            <a:r>
+              <a:rPr lang="ru-RU" dirty="0" smtClean="0"/>
+              <a:t>1.1 Добавить в класс </a:t>
+            </a:r>
+            <a:r>
+              <a:rPr lang="ru-RU" dirty="0" err="1" smtClean="0"/>
+              <a:t>Hitman</a:t>
+            </a:r>
+            <a:r>
+              <a:rPr lang="ru-RU" dirty="0" smtClean="0"/>
+              <a:t> поле </a:t>
+            </a:r>
+            <a:r>
+              <a:rPr lang="ru-RU" dirty="0" err="1" smtClean="0"/>
+              <a:t>c</a:t>
+            </a:r>
+            <a:r>
+              <a:rPr lang="ru-RU" dirty="0" smtClean="0"/>
+              <a:t> </a:t>
+            </a:r>
+            <a:r>
+              <a:rPr lang="ru-RU" dirty="0" err="1" smtClean="0"/>
+              <a:t>currentTool</a:t>
+            </a:r>
+            <a:r>
+              <a:rPr lang="ru-RU" dirty="0" smtClean="0"/>
+              <a:t> типа </a:t>
+            </a:r>
+            <a:r>
+              <a:rPr lang="ru-RU" dirty="0" err="1" smtClean="0"/>
+              <a:t>ITool</a:t>
+            </a:r>
+            <a:r>
+              <a:rPr lang="ru-RU" dirty="0" smtClean="0"/>
+              <a:t> (интерфейс)</a:t>
+            </a:r>
+          </a:p>
+          <a:p>
+            <a:r>
+              <a:rPr lang="ru-RU" dirty="0" smtClean="0"/>
+              <a:t>1.2 Добавить в класс </a:t>
+            </a:r>
+            <a:r>
+              <a:rPr lang="ru-RU" dirty="0" err="1" smtClean="0"/>
+              <a:t>Hitman</a:t>
+            </a:r>
+            <a:r>
+              <a:rPr lang="ru-RU" dirty="0" smtClean="0"/>
+              <a:t> поле и свойство </a:t>
+            </a:r>
+            <a:r>
+              <a:rPr lang="ru-RU" dirty="0" err="1" smtClean="0"/>
+              <a:t>currentClothSet</a:t>
+            </a:r>
+            <a:r>
+              <a:rPr lang="ru-RU" dirty="0" smtClean="0"/>
+              <a:t> типа </a:t>
+            </a:r>
+          </a:p>
+          <a:p>
+            <a:r>
+              <a:rPr lang="ru-RU" dirty="0" err="1" smtClean="0"/>
+              <a:t>ICloth</a:t>
+            </a:r>
+            <a:r>
+              <a:rPr lang="en-US" dirty="0" smtClean="0"/>
+              <a:t>S</a:t>
+            </a:r>
+            <a:r>
+              <a:rPr lang="ru-RU" dirty="0" err="1" smtClean="0"/>
+              <a:t>et</a:t>
+            </a:r>
+            <a:r>
+              <a:rPr lang="ru-RU" dirty="0" smtClean="0"/>
+              <a:t> (интерфейс)</a:t>
+            </a:r>
+          </a:p>
+          <a:p>
+            <a:r>
+              <a:rPr lang="ru-RU" dirty="0" smtClean="0"/>
+              <a:t>1.3 Добавить метод </a:t>
+            </a:r>
+            <a:r>
+              <a:rPr lang="ru-RU" dirty="0" err="1" smtClean="0"/>
+              <a:t>SetNextTools</a:t>
+            </a:r>
+            <a:r>
+              <a:rPr lang="ru-RU" dirty="0" smtClean="0"/>
+              <a:t>()</a:t>
+            </a:r>
+          </a:p>
+          <a:p>
+            <a:r>
+              <a:rPr lang="ru-RU" dirty="0" smtClean="0"/>
+              <a:t>1.4 Добавить метод </a:t>
+            </a:r>
+            <a:r>
+              <a:rPr lang="ru-RU" dirty="0" err="1" smtClean="0"/>
+              <a:t>ChangeClothes</a:t>
+            </a:r>
+            <a:r>
+              <a:rPr lang="ru-RU" dirty="0" smtClean="0"/>
+              <a:t>(</a:t>
+            </a:r>
+            <a:r>
+              <a:rPr lang="ru-RU" dirty="0" err="1" smtClean="0"/>
+              <a:t>IClothset</a:t>
+            </a:r>
+            <a:r>
+              <a:rPr lang="ru-RU" dirty="0" smtClean="0"/>
+              <a:t> </a:t>
+            </a:r>
+            <a:r>
+              <a:rPr lang="ru-RU" dirty="0" err="1" smtClean="0"/>
+              <a:t>clothSet</a:t>
+            </a:r>
+            <a:r>
+              <a:rPr lang="ru-RU" dirty="0" smtClean="0"/>
+              <a:t>)</a:t>
+            </a:r>
+          </a:p>
+          <a:p>
+            <a:r>
+              <a:rPr lang="ru-RU" dirty="0" smtClean="0"/>
+              <a:t>1.5 Добавить в класс </a:t>
+            </a:r>
+            <a:r>
+              <a:rPr lang="ru-RU" dirty="0" err="1" smtClean="0"/>
+              <a:t>Hitman</a:t>
+            </a:r>
+            <a:r>
+              <a:rPr lang="ru-RU" dirty="0" smtClean="0"/>
+              <a:t> поле </a:t>
+            </a:r>
+            <a:r>
+              <a:rPr lang="ru-RU" dirty="0" err="1" smtClean="0"/>
+              <a:t>allTools</a:t>
+            </a:r>
+            <a:r>
+              <a:rPr lang="ru-RU" dirty="0" smtClean="0"/>
+              <a:t> типа </a:t>
+            </a:r>
+            <a:r>
+              <a:rPr lang="ru-RU" dirty="0" err="1" smtClean="0"/>
+              <a:t>List</a:t>
+            </a:r>
+            <a:r>
+              <a:rPr lang="ru-RU" dirty="0" smtClean="0"/>
+              <a:t>&lt;</a:t>
+            </a:r>
+            <a:r>
+              <a:rPr lang="ru-RU" dirty="0" err="1" smtClean="0"/>
+              <a:t>ITool</a:t>
+            </a:r>
+            <a:r>
+              <a:rPr lang="ru-RU" dirty="0" smtClean="0"/>
+              <a:t>&gt;. + инициализировать</a:t>
+            </a:r>
+          </a:p>
+          <a:p>
+            <a:r>
+              <a:rPr lang="ru-RU" dirty="0" smtClean="0"/>
+              <a:t>1.6 Добавить в класс </a:t>
+            </a:r>
+            <a:r>
+              <a:rPr lang="ru-RU" dirty="0" err="1" smtClean="0"/>
+              <a:t>Hitman</a:t>
+            </a:r>
+            <a:r>
+              <a:rPr lang="ru-RU" dirty="0" smtClean="0"/>
+              <a:t> метод </a:t>
+            </a:r>
+            <a:r>
+              <a:rPr lang="ru-RU" dirty="0" err="1" smtClean="0"/>
+              <a:t>ShootViaCurrentTool</a:t>
+            </a:r>
+            <a:r>
+              <a:rPr lang="ru-RU" dirty="0" smtClean="0"/>
+              <a:t>()</a:t>
+            </a:r>
+          </a:p>
+          <a:p>
+            <a:r>
+              <a:rPr lang="ru-RU" dirty="0" smtClean="0"/>
+              <a:t>2. Описать интерфейсы</a:t>
+            </a:r>
+          </a:p>
+          <a:p>
+            <a:r>
+              <a:rPr lang="ru-RU" dirty="0" smtClean="0"/>
+              <a:t>2.1 Описать интерфейс </a:t>
+            </a:r>
+            <a:r>
+              <a:rPr lang="ru-RU" dirty="0" err="1" smtClean="0"/>
+              <a:t>ITool</a:t>
+            </a:r>
+            <a:endParaRPr lang="ru-RU" dirty="0" smtClean="0"/>
+          </a:p>
+          <a:p>
+            <a:r>
+              <a:rPr lang="ru-RU" dirty="0" smtClean="0"/>
+              <a:t>2.1.1 Добавить метод </a:t>
+            </a:r>
+            <a:r>
+              <a:rPr lang="ru-RU" dirty="0" err="1" smtClean="0"/>
+              <a:t>Shoot</a:t>
+            </a:r>
+            <a:r>
+              <a:rPr lang="ru-RU" dirty="0" smtClean="0"/>
+              <a:t>() без реализации</a:t>
+            </a:r>
+          </a:p>
+          <a:p>
+            <a:r>
+              <a:rPr lang="ru-RU" dirty="0" smtClean="0"/>
+              <a:t>2.1.2 Создать &gt;=2 любых реализаций </a:t>
+            </a:r>
+            <a:r>
+              <a:rPr lang="ru-RU" dirty="0" err="1" smtClean="0"/>
+              <a:t>интерйейса</a:t>
+            </a:r>
+            <a:r>
+              <a:rPr lang="ru-RU" dirty="0" smtClean="0"/>
+              <a:t>.</a:t>
+            </a:r>
+          </a:p>
+          <a:p>
+            <a:r>
+              <a:rPr lang="ru-RU" dirty="0" smtClean="0"/>
+              <a:t>2.2 Описать интерфейс </a:t>
+            </a:r>
+            <a:r>
+              <a:rPr lang="ru-RU" dirty="0" err="1" smtClean="0"/>
+              <a:t>IClothset</a:t>
+            </a:r>
+            <a:endParaRPr lang="ru-RU" dirty="0" smtClean="0"/>
+          </a:p>
+          <a:p>
+            <a:r>
+              <a:rPr lang="ru-RU" dirty="0" smtClean="0"/>
+              <a:t>2.2.1 При желании можно добавить пару методов</a:t>
+            </a:r>
+          </a:p>
+          <a:p>
+            <a:r>
+              <a:rPr lang="ru-RU" dirty="0" smtClean="0"/>
+              <a:t>2.2.2 Создать &gt;=2 любых реализаций </a:t>
+            </a:r>
+            <a:r>
+              <a:rPr lang="ru-RU" dirty="0" err="1" smtClean="0"/>
+              <a:t>интерйейса</a:t>
+            </a:r>
+            <a:r>
+              <a:rPr lang="ru-RU" dirty="0" smtClean="0"/>
+              <a:t>.</a:t>
+            </a:r>
+          </a:p>
+        </p:txBody>
+      </p:sp>
+      <p:pic>
+        <p:nvPicPr>
+          <p:cNvPr id="1026" name="Picture 2" descr="Поддержка Feral | Hitman: Absolution"/>
+          <p:cNvPicPr>
+            <a:picLocks noChangeAspect="1" noChangeArrowheads="1"/>
+          </p:cNvPicPr>
+          <p:nvPr/>
+        </p:nvPicPr>
+        <p:blipFill>
+          <a:blip r:embed="rId3">
+            <a:extLst>
+              <a:ext uri="{28A0092B-C50C-407E-A947-70E740481C1C}">
+                <a14:useLocalDpi xmlns:a14="http://schemas.microsoft.com/office/drawing/2010/main" val="0"/>
+              </a:ext>
+            </a:extLst>
+          </a:blip>
+          <a:srcRect/>
+          <a:stretch>
+            <a:fillRect/>
+          </a:stretch>
+        </p:blipFill>
+        <p:spPr bwMode="auto">
+          <a:xfrm flipH="1">
+            <a:off x="7267574" y="1025351"/>
+            <a:ext cx="1350727" cy="3494887"/>
+          </a:xfrm>
+          <a:prstGeom prst="rect">
+            <a:avLst/>
+          </a:prstGeom>
+          <a:noFill/>
+          <a:extLst>
+            <a:ext uri="{909E8E84-426E-40DD-AFC4-6F175D3DCCD1}">
+              <a14:hiddenFill xmlns:a14="http://schemas.microsoft.com/office/drawing/2010/main">
+                <a:solidFill>
+                  <a:srgbClr val="FFFFFF"/>
+                </a:solidFill>
+              </a14:hiddenFill>
+            </a:ext>
+          </a:extLst>
+        </p:spPr>
+      </p:pic>
+    </p:spTree>
+    <p:extLst>
+      <p:ext uri="{BB962C8B-B14F-4D97-AF65-F5344CB8AC3E}">
+        <p14:creationId xmlns:p14="http://schemas.microsoft.com/office/powerpoint/2010/main" val="2237277517"/>
+      </p:ext>
+    </p:extLst>
+  </p:cSld>
+  <p:clrMapOvr>
+    <a:masterClrMapping/>
+  </p:clrMapOvr>
+  <p:transition/>
+  <p:timing>
+    <p:tnLst>
+      <p:par>
+        <p:cTn id="1" dur="indefinite" restart="never" nodeType="tmRoot"/>
+      </p:par>
+    </p:tnLst>
+  </p:timing>
+</p:sld>
+</file>
+
+<file path=ppt/slides/slide31.xml><?xml version="1.0" encoding="utf-8"?>
+<p:sld xmlns:a="http://schemas.openxmlformats.org/drawingml/2006/main" xmlns:r="http://schemas.openxmlformats.org/officeDocument/2006/relationships" xmlns:p="http://schemas.openxmlformats.org/presentationml/2006/main">
+  <p:cSld>
+    <p:spTree>
+      <p:nvGrpSpPr>
+        <p:cNvPr id="1" name="Shape 458"/>
+        <p:cNvGrpSpPr/>
+        <p:nvPr/>
+      </p:nvGrpSpPr>
+      <p:grpSpPr>
+        <a:xfrm>
+          <a:off x="0" y="0"/>
+          <a:ext cx="0" cy="0"/>
+          <a:chOff x="0" y="0"/>
+          <a:chExt cx="0" cy="0"/>
+        </a:xfrm>
+      </p:grpSpPr>
+      <p:sp>
+        <p:nvSpPr>
+          <p:cNvPr id="459" name="Google Shape;459;p78"/>
+          <p:cNvSpPr txBox="1">
+            <a:spLocks noGrp="1"/>
+          </p:cNvSpPr>
+          <p:nvPr>
+            <p:ph type="title"/>
+          </p:nvPr>
+        </p:nvSpPr>
+        <p:spPr>
+          <a:xfrm>
+            <a:off x="500550" y="330725"/>
+            <a:ext cx="8190300" cy="679200"/>
+          </a:xfrm>
+          <a:prstGeom prst="rect">
+            <a:avLst/>
+          </a:prstGeom>
+        </p:spPr>
+        <p:txBody>
+          <a:bodyPr spcFirstLastPara="1" wrap="square" lIns="91425" tIns="91425" rIns="91425" bIns="91425" anchor="t" anchorCtr="0">
+            <a:noAutofit/>
+          </a:bodyPr>
+          <a:lstStyle/>
+          <a:p>
+            <a:pPr lvl="0"/>
+            <a:r>
+              <a:rPr lang="ru-RU" sz="2800" dirty="0" smtClean="0"/>
+              <a:t>Задачи по тематике полиморфизма</a:t>
+            </a:r>
+            <a:endParaRPr sz="2800" dirty="0"/>
+          </a:p>
+        </p:txBody>
+      </p:sp>
+      <p:sp>
+        <p:nvSpPr>
+          <p:cNvPr id="3" name="AutoShape 2" descr="Принципы ООП для начинающих"/>
+          <p:cNvSpPr>
+            <a:spLocks noChangeAspect="1" noChangeArrowheads="1"/>
+          </p:cNvSpPr>
+          <p:nvPr/>
+        </p:nvSpPr>
+        <p:spPr bwMode="auto">
+          <a:xfrm>
+            <a:off x="155575" y="-144463"/>
+            <a:ext cx="304800" cy="304801"/>
+          </a:xfrm>
+          <a:prstGeom prst="rect">
+            <a:avLst/>
+          </a:prstGeom>
+          <a:noFill/>
+          <a:extLst>
+            <a:ext uri="{909E8E84-426E-40DD-AFC4-6F175D3DCCD1}">
+              <a14:hiddenFill xmlns:a14="http://schemas.microsoft.com/office/drawing/2010/main">
+                <a:solidFill>
+                  <a:srgbClr val="FFFFFF"/>
+                </a:solidFill>
+              </a14:hiddenFill>
+            </a:ext>
+          </a:extLst>
+        </p:spPr>
+        <p:txBody>
+          <a:bodyPr vert="horz" wrap="square" lIns="91440" tIns="45720" rIns="91440" bIns="45720" numCol="1" anchor="t" anchorCtr="0" compatLnSpc="1">
+            <a:prstTxWarp prst="textNoShape">
+              <a:avLst/>
+            </a:prstTxWarp>
+          </a:bodyPr>
+          <a:lstStyle/>
+          <a:p>
+            <a:endParaRPr lang="ru-RU"/>
+          </a:p>
+        </p:txBody>
+      </p:sp>
+      <p:sp>
+        <p:nvSpPr>
+          <p:cNvPr id="5" name="AutoShape 4" descr="https://senior.ua/storage/article/content/9d1b2cdf-cf03-475a-927e-f3d89bdcf63d.jpeg"/>
+          <p:cNvSpPr>
+            <a:spLocks noChangeAspect="1" noChangeArrowheads="1"/>
+          </p:cNvSpPr>
+          <p:nvPr/>
+        </p:nvSpPr>
+        <p:spPr bwMode="auto">
+          <a:xfrm>
+            <a:off x="307975" y="7937"/>
+            <a:ext cx="304800" cy="304801"/>
+          </a:xfrm>
+          <a:prstGeom prst="rect">
+            <a:avLst/>
+          </a:prstGeom>
+          <a:noFill/>
+          <a:extLst>
+            <a:ext uri="{909E8E84-426E-40DD-AFC4-6F175D3DCCD1}">
+              <a14:hiddenFill xmlns:a14="http://schemas.microsoft.com/office/drawing/2010/main">
+                <a:solidFill>
+                  <a:srgbClr val="FFFFFF"/>
+                </a:solidFill>
+              </a14:hiddenFill>
+            </a:ext>
+          </a:extLst>
+        </p:spPr>
+        <p:txBody>
+          <a:bodyPr vert="horz" wrap="square" lIns="91440" tIns="45720" rIns="91440" bIns="45720" numCol="1" anchor="t" anchorCtr="0" compatLnSpc="1">
+            <a:prstTxWarp prst="textNoShape">
+              <a:avLst/>
+            </a:prstTxWarp>
+          </a:bodyPr>
+          <a:lstStyle/>
+          <a:p>
+            <a:endParaRPr lang="ru-RU"/>
+          </a:p>
+        </p:txBody>
+      </p:sp>
+      <p:sp>
+        <p:nvSpPr>
+          <p:cNvPr id="6" name="Прямоугольник 5"/>
+          <p:cNvSpPr/>
+          <p:nvPr/>
+        </p:nvSpPr>
+        <p:spPr>
+          <a:xfrm>
+            <a:off x="512993" y="1116836"/>
+            <a:ext cx="3506685" cy="307777"/>
+          </a:xfrm>
+          <a:prstGeom prst="rect">
+            <a:avLst/>
+          </a:prstGeom>
+        </p:spPr>
+        <p:txBody>
+          <a:bodyPr wrap="square">
+            <a:spAutoFit/>
+          </a:bodyPr>
+          <a:lstStyle/>
+          <a:p>
+            <a:endParaRPr lang="ru-RU" dirty="0"/>
+          </a:p>
+        </p:txBody>
+      </p:sp>
+      <p:sp>
+        <p:nvSpPr>
+          <p:cNvPr id="7" name="Прямоугольник 6"/>
+          <p:cNvSpPr/>
+          <p:nvPr/>
+        </p:nvSpPr>
+        <p:spPr>
+          <a:xfrm>
+            <a:off x="480162" y="1138137"/>
+            <a:ext cx="8244738" cy="1600438"/>
+          </a:xfrm>
+          <a:prstGeom prst="rect">
+            <a:avLst/>
+          </a:prstGeom>
+        </p:spPr>
+        <p:txBody>
+          <a:bodyPr wrap="square">
+            <a:spAutoFit/>
+          </a:bodyPr>
+          <a:lstStyle/>
+          <a:p>
+            <a:r>
+              <a:rPr lang="ru-RU" dirty="0" smtClean="0"/>
+              <a:t>3. Клиентский код:</a:t>
+            </a:r>
+          </a:p>
+          <a:p>
+            <a:r>
+              <a:rPr lang="ru-RU" dirty="0" smtClean="0"/>
+              <a:t>3.1 Создать экземпляр класса </a:t>
+            </a:r>
+            <a:r>
+              <a:rPr lang="ru-RU" dirty="0" err="1" smtClean="0"/>
+              <a:t>Hitman</a:t>
+            </a:r>
+            <a:endParaRPr lang="ru-RU" dirty="0" smtClean="0"/>
+          </a:p>
+          <a:p>
+            <a:r>
+              <a:rPr lang="ru-RU" dirty="0" smtClean="0"/>
+              <a:t>3.2 Сменить оружие на любое другое. Если </a:t>
+            </a:r>
+            <a:r>
+              <a:rPr lang="ru-RU" dirty="0" err="1" smtClean="0"/>
+              <a:t>currentTool</a:t>
+            </a:r>
+            <a:r>
+              <a:rPr lang="ru-RU" dirty="0" smtClean="0"/>
+              <a:t> пустое, то задать ему начальное значение</a:t>
+            </a:r>
+          </a:p>
+          <a:p>
+            <a:r>
+              <a:rPr lang="ru-RU" dirty="0" smtClean="0"/>
+              <a:t>3.3 Создать экземпляр одежды</a:t>
+            </a:r>
+          </a:p>
+          <a:p>
+            <a:r>
+              <a:rPr lang="ru-RU" dirty="0" smtClean="0"/>
+              <a:t>3.4 Сменить комплект одежды на созданный в п.3.3</a:t>
+            </a:r>
+          </a:p>
+          <a:p>
+            <a:r>
+              <a:rPr lang="ru-RU" dirty="0" smtClean="0"/>
+              <a:t>3.5 Выстрелить текущим оружием</a:t>
+            </a:r>
+            <a:endParaRPr lang="ru-RU" dirty="0"/>
+          </a:p>
+        </p:txBody>
+      </p:sp>
+      <p:pic>
+        <p:nvPicPr>
+          <p:cNvPr id="1027" name="Picture 3"/>
+          <p:cNvPicPr>
+            <a:picLocks noChangeAspect="1" noChangeArrowheads="1"/>
+          </p:cNvPicPr>
+          <p:nvPr/>
+        </p:nvPicPr>
+        <p:blipFill>
+          <a:blip r:embed="rId3"/>
+          <a:srcRect/>
+          <a:stretch>
+            <a:fillRect/>
+          </a:stretch>
+        </p:blipFill>
+        <p:spPr bwMode="auto">
+          <a:xfrm>
+            <a:off x="1234440" y="2836311"/>
+            <a:ext cx="6833870" cy="1833797"/>
+          </a:xfrm>
+          <a:prstGeom prst="rect">
+            <a:avLst/>
+          </a:prstGeom>
+          <a:noFill/>
+          <a:ln w="9525">
+            <a:noFill/>
+            <a:miter lim="800000"/>
+            <a:headEnd/>
+            <a:tailEnd/>
+          </a:ln>
+          <a:effectLst/>
+        </p:spPr>
+      </p:pic>
+    </p:spTree>
+    <p:extLst>
+      <p:ext uri="{BB962C8B-B14F-4D97-AF65-F5344CB8AC3E}">
+        <p14:creationId xmlns:p14="http://schemas.microsoft.com/office/powerpoint/2010/main" val="2237277517"/>
+      </p:ext>
+    </p:extLst>
+  </p:cSld>
+  <p:clrMapOvr>
+    <a:masterClrMapping/>
+  </p:clrMapOvr>
+  <p:transition/>
+  <p:timing>
+    <p:tnLst>
+      <p:par>
+        <p:cTn id="1" dur="indefinite" restart="never" nodeType="tmRoot"/>
+      </p:par>
+    </p:tnLst>
+  </p:timing>
+</p:sld>
+</file>
+
+<file path=ppt/slides/slide32.xml><?xml version="1.0" encoding="utf-8"?>
 <p:sld xmlns:a="http://schemas.openxmlformats.org/drawingml/2006/main" xmlns:r="http://schemas.openxmlformats.org/officeDocument/2006/relationships" xmlns:p="http://schemas.openxmlformats.org/presentationml/2006/main">
   <p:cSld>
     <p:spTree>
@@ -20910,7 +24530,7 @@
 </p:sld>
 </file>
 
-<file path=ppt/slides/slide31.xml><?xml version="1.0" encoding="utf-8"?>
+<file path=ppt/slides/slide33.xml><?xml version="1.0" encoding="utf-8"?>
 <p:sld xmlns:a="http://schemas.openxmlformats.org/drawingml/2006/main" xmlns:r="http://schemas.openxmlformats.org/officeDocument/2006/relationships" xmlns:p="http://schemas.openxmlformats.org/presentationml/2006/main">
   <p:cSld>
     <p:spTree>
@@ -21226,7 +24846,7 @@
     </p:spTree>
     <p:extLst>
       <p:ext uri="{BB962C8B-B14F-4D97-AF65-F5344CB8AC3E}">
-        <p14:creationId xmlns="" xmlns:p14="http://schemas.microsoft.com/office/powerpoint/2010/main" val="3702748433"/>
+        <p14:creationId xmlns:p14="http://schemas.microsoft.com/office/powerpoint/2010/main" val="3702748433"/>
       </p:ext>
     </p:extLst>
   </p:cSld>
@@ -21244,7 +24864,7 @@
 </p:sld>
 </file>
 
-<file path=ppt/slides/slide32.xml><?xml version="1.0" encoding="utf-8"?>
+<file path=ppt/slides/slide34.xml><?xml version="1.0" encoding="utf-8"?>
 <p:sld xmlns:a="http://schemas.openxmlformats.org/drawingml/2006/main" xmlns:r="http://schemas.openxmlformats.org/officeDocument/2006/relationships" xmlns:p="http://schemas.openxmlformats.org/presentationml/2006/main">
   <p:cSld>
     <p:spTree>
@@ -21752,7 +25372,7 @@
     </p:spTree>
     <p:extLst>
       <p:ext uri="{BB962C8B-B14F-4D97-AF65-F5344CB8AC3E}">
-        <p14:creationId xmlns="" xmlns:p14="http://schemas.microsoft.com/office/powerpoint/2010/main" val="3702748433"/>
+        <p14:creationId xmlns:p14="http://schemas.microsoft.com/office/powerpoint/2010/main" val="3702748433"/>
       </p:ext>
     </p:extLst>
   </p:cSld>
@@ -21770,7 +25390,7 @@
 </p:sld>
 </file>
 
-<file path=ppt/slides/slide33.xml><?xml version="1.0" encoding="utf-8"?>
+<file path=ppt/slides/slide35.xml><?xml version="1.0" encoding="utf-8"?>
 <p:sld xmlns:a="http://schemas.openxmlformats.org/drawingml/2006/main" xmlns:r="http://schemas.openxmlformats.org/officeDocument/2006/relationships" xmlns:p="http://schemas.openxmlformats.org/presentationml/2006/main">
   <p:cSld>
     <p:spTree>
@@ -21964,7 +25584,7 @@
     </p:spTree>
     <p:extLst>
       <p:ext uri="{BB962C8B-B14F-4D97-AF65-F5344CB8AC3E}">
-        <p14:creationId xmlns="" xmlns:p14="http://schemas.microsoft.com/office/powerpoint/2010/main" val="3702748433"/>
+        <p14:creationId xmlns:p14="http://schemas.microsoft.com/office/powerpoint/2010/main" val="3702748433"/>
       </p:ext>
     </p:extLst>
   </p:cSld>
@@ -21982,7 +25602,7 @@
 </p:sld>
 </file>
 
-<file path=ppt/slides/slide34.xml><?xml version="1.0" encoding="utf-8"?>
+<file path=ppt/slides/slide36.xml><?xml version="1.0" encoding="utf-8"?>
 <p:sld xmlns:a="http://schemas.openxmlformats.org/drawingml/2006/main" xmlns:r="http://schemas.openxmlformats.org/officeDocument/2006/relationships" xmlns:p="http://schemas.openxmlformats.org/presentationml/2006/main">
   <p:cSld>
     <p:spTree>
@@ -22065,7 +25685,7 @@
 </p:sld>
 </file>
 
-<file path=ppt/slides/slide35.xml><?xml version="1.0" encoding="utf-8"?>
+<file path=ppt/slides/slide37.xml><?xml version="1.0" encoding="utf-8"?>
 <p:sld xmlns:a="http://schemas.openxmlformats.org/drawingml/2006/main" xmlns:r="http://schemas.openxmlformats.org/officeDocument/2006/relationships" xmlns:p="http://schemas.openxmlformats.org/presentationml/2006/main" show="0">
   <p:cSld>
     <p:spTree>
@@ -22143,7 +25763,7 @@
 </p:sld>
 </file>
 
-<file path=ppt/slides/slide36.xml><?xml version="1.0" encoding="utf-8"?>
+<file path=ppt/slides/slide38.xml><?xml version="1.0" encoding="utf-8"?>
 <p:sld xmlns:a="http://schemas.openxmlformats.org/drawingml/2006/main" xmlns:r="http://schemas.openxmlformats.org/officeDocument/2006/relationships" xmlns:p="http://schemas.openxmlformats.org/presentationml/2006/main" show="0">
   <p:cSld>
     <p:spTree>
@@ -22209,7 +25829,7 @@
           <p:nvPr>
             <p:extLst>
               <p:ext uri="{D42A27DB-BD31-4B8C-83A1-F6EECF244321}">
-                <p14:modId xmlns="" xmlns:p14="http://schemas.microsoft.com/office/powerpoint/2010/main" val="4121394419"/>
+                <p14:modId xmlns:p14="http://schemas.microsoft.com/office/powerpoint/2010/main" val="4121394419"/>
               </p:ext>
             </p:extLst>
           </p:nvPr>
@@ -22229,14 +25849,14 @@
                 <a:gridCol w="489425">
                   <a:extLst>
                     <a:ext uri="{9D8B030D-6E8A-4147-A177-3AD203B41FA5}">
-                      <a16:colId xmlns="" xmlns:a16="http://schemas.microsoft.com/office/drawing/2014/main" val="20000"/>
+                      <a16:colId xmlns:a16="http://schemas.microsoft.com/office/drawing/2014/main" val="20000"/>
                     </a:ext>
                   </a:extLst>
                 </a:gridCol>
                 <a:gridCol w="6749575">
                   <a:extLst>
                     <a:ext uri="{9D8B030D-6E8A-4147-A177-3AD203B41FA5}">
-                      <a16:colId xmlns="" xmlns:a16="http://schemas.microsoft.com/office/drawing/2014/main" val="20001"/>
+                      <a16:colId xmlns:a16="http://schemas.microsoft.com/office/drawing/2014/main" val="20001"/>
                     </a:ext>
                   </a:extLst>
                 </a:gridCol>
@@ -22401,7 +26021,7 @@
                 </a:tc>
                 <a:extLst>
                   <a:ext uri="{0D108BD9-81ED-4DB2-BD59-A6C34878D82A}">
-                    <a16:rowId xmlns="" xmlns:a16="http://schemas.microsoft.com/office/drawing/2014/main" val="10000"/>
+                    <a16:rowId xmlns:a16="http://schemas.microsoft.com/office/drawing/2014/main" val="10000"/>
                   </a:ext>
                 </a:extLst>
               </a:tr>
@@ -22564,7 +26184,7 @@
                 </a:tc>
                 <a:extLst>
                   <a:ext uri="{0D108BD9-81ED-4DB2-BD59-A6C34878D82A}">
-                    <a16:rowId xmlns="" xmlns:a16="http://schemas.microsoft.com/office/drawing/2014/main" val="10001"/>
+                    <a16:rowId xmlns:a16="http://schemas.microsoft.com/office/drawing/2014/main" val="10001"/>
                   </a:ext>
                 </a:extLst>
               </a:tr>
@@ -22730,7 +26350,7 @@
                 </a:tc>
                 <a:extLst>
                   <a:ext uri="{0D108BD9-81ED-4DB2-BD59-A6C34878D82A}">
-                    <a16:rowId xmlns="" xmlns:a16="http://schemas.microsoft.com/office/drawing/2014/main" val="10002"/>
+                    <a16:rowId xmlns:a16="http://schemas.microsoft.com/office/drawing/2014/main" val="10002"/>
                   </a:ext>
                 </a:extLst>
               </a:tr>
@@ -22781,7 +26401,7 @@
 </p:sld>
 </file>
 
-<file path=ppt/slides/slide37.xml><?xml version="1.0" encoding="utf-8"?>
+<file path=ppt/slides/slide39.xml><?xml version="1.0" encoding="utf-8"?>
 <p:sld xmlns:a="http://schemas.openxmlformats.org/drawingml/2006/main" xmlns:r="http://schemas.openxmlformats.org/officeDocument/2006/relationships" xmlns:p="http://schemas.openxmlformats.org/presentationml/2006/main">
   <p:cSld>
     <p:spTree>
@@ -23522,7 +27142,7 @@
     </p:spTree>
     <p:extLst>
       <p:ext uri="{BB962C8B-B14F-4D97-AF65-F5344CB8AC3E}">
-        <p14:creationId xmlns="" xmlns:p14="http://schemas.microsoft.com/office/powerpoint/2010/main" val="893468368"/>
+        <p14:creationId xmlns:p14="http://schemas.microsoft.com/office/powerpoint/2010/main" val="893468368"/>
       </p:ext>
     </p:extLst>
   </p:cSld>
@@ -24431,7 +28051,7 @@
           <p:nvPr>
             <p:extLst>
               <p:ext uri="{D42A27DB-BD31-4B8C-83A1-F6EECF244321}">
-                <p14:modId xmlns="" xmlns:p14="http://schemas.microsoft.com/office/powerpoint/2010/main" val="4121394419"/>
+                <p14:modId xmlns:p14="http://schemas.microsoft.com/office/powerpoint/2010/main" val="4121394419"/>
               </p:ext>
             </p:extLst>
           </p:nvPr>
@@ -24451,14 +28071,14 @@
                 <a:gridCol w="489425">
                   <a:extLst>
                     <a:ext uri="{9D8B030D-6E8A-4147-A177-3AD203B41FA5}">
-                      <a16:colId xmlns="" xmlns:a16="http://schemas.microsoft.com/office/drawing/2014/main" val="20000"/>
+                      <a16:colId xmlns:a16="http://schemas.microsoft.com/office/drawing/2014/main" val="20000"/>
                     </a:ext>
                   </a:extLst>
                 </a:gridCol>
                 <a:gridCol w="6749575">
                   <a:extLst>
                     <a:ext uri="{9D8B030D-6E8A-4147-A177-3AD203B41FA5}">
-                      <a16:colId xmlns="" xmlns:a16="http://schemas.microsoft.com/office/drawing/2014/main" val="20001"/>
+                      <a16:colId xmlns:a16="http://schemas.microsoft.com/office/drawing/2014/main" val="20001"/>
                     </a:ext>
                   </a:extLst>
                 </a:gridCol>
@@ -24623,7 +28243,7 @@
                 </a:tc>
                 <a:extLst>
                   <a:ext uri="{0D108BD9-81ED-4DB2-BD59-A6C34878D82A}">
-                    <a16:rowId xmlns="" xmlns:a16="http://schemas.microsoft.com/office/drawing/2014/main" val="10000"/>
+                    <a16:rowId xmlns:a16="http://schemas.microsoft.com/office/drawing/2014/main" val="10000"/>
                   </a:ext>
                 </a:extLst>
               </a:tr>
@@ -24813,7 +28433,7 @@
                 </a:tc>
                 <a:extLst>
                   <a:ext uri="{0D108BD9-81ED-4DB2-BD59-A6C34878D82A}">
-                    <a16:rowId xmlns="" xmlns:a16="http://schemas.microsoft.com/office/drawing/2014/main" val="10001"/>
+                    <a16:rowId xmlns:a16="http://schemas.microsoft.com/office/drawing/2014/main" val="10001"/>
                   </a:ext>
                 </a:extLst>
               </a:tr>
@@ -24979,7 +28599,7 @@
                 </a:tc>
                 <a:extLst>
                   <a:ext uri="{0D108BD9-81ED-4DB2-BD59-A6C34878D82A}">
-                    <a16:rowId xmlns="" xmlns:a16="http://schemas.microsoft.com/office/drawing/2014/main" val="10002"/>
+                    <a16:rowId xmlns:a16="http://schemas.microsoft.com/office/drawing/2014/main" val="10002"/>
                   </a:ext>
                 </a:extLst>
               </a:tr>
@@ -25019,11 +28639,11 @@
   <p:clrMapOvr>
     <a:masterClrMapping/>
   </p:clrMapOvr>
-  <mc:AlternateContent xmlns:mc="http://schemas.openxmlformats.org/markup-compatibility/2006">
-    <mc:Choice xmlns="" xmlns:p14="http://schemas.microsoft.com/office/powerpoint/2010/main" Requires="p14">
+  <mc:AlternateContent xmlns:mc="http://schemas.openxmlformats.org/markup-compatibility/2006" xmlns:p14="http://schemas.microsoft.com/office/powerpoint/2010/main">
+    <mc:Choice Requires="p14">
       <p:transition spd="slow" p14:dur="2000"/>
     </mc:Choice>
-    <mc:Fallback>
+    <mc:Fallback xmlns="">
       <p:transition spd="slow"/>
     </mc:Fallback>
   </mc:AlternateContent>
@@ -25099,18 +28719,18 @@
     </p:spTree>
     <p:extLst>
       <p:ext uri="{BB962C8B-B14F-4D97-AF65-F5344CB8AC3E}">
-        <p14:creationId xmlns="" xmlns:p14="http://schemas.microsoft.com/office/powerpoint/2010/main" val="3227834065"/>
+        <p14:creationId xmlns:p14="http://schemas.microsoft.com/office/powerpoint/2010/main" val="3227834065"/>
       </p:ext>
     </p:extLst>
   </p:cSld>
   <p:clrMapOvr>
     <a:masterClrMapping/>
   </p:clrMapOvr>
-  <mc:AlternateContent xmlns:mc="http://schemas.openxmlformats.org/markup-compatibility/2006">
-    <mc:Choice xmlns="" xmlns:p14="http://schemas.microsoft.com/office/powerpoint/2010/main" Requires="p14">
+  <mc:AlternateContent xmlns:mc="http://schemas.openxmlformats.org/markup-compatibility/2006" xmlns:p14="http://schemas.microsoft.com/office/powerpoint/2010/main">
+    <mc:Choice Requires="p14">
       <p:transition spd="slow" p14:dur="2000"/>
     </mc:Choice>
-    <mc:Fallback>
+    <mc:Fallback xmlns="">
       <p:transition spd="slow"/>
     </mc:Fallback>
   </mc:AlternateContent>
